--- a/Grafiken/Grafiken.pptx
+++ b/Grafiken/Grafiken.pptx
@@ -5,13 +5,15 @@
     <p:sldMasterId id="2147483648" r:id="rId1"/>
   </p:sldMasterIdLst>
   <p:notesMasterIdLst>
-    <p:notesMasterId r:id="rId6"/>
+    <p:notesMasterId r:id="rId8"/>
   </p:notesMasterIdLst>
   <p:sldIdLst>
     <p:sldId id="256" r:id="rId2"/>
-    <p:sldId id="259" r:id="rId3"/>
-    <p:sldId id="257" r:id="rId4"/>
-    <p:sldId id="258" r:id="rId5"/>
+    <p:sldId id="260" r:id="rId3"/>
+    <p:sldId id="259" r:id="rId4"/>
+    <p:sldId id="257" r:id="rId5"/>
+    <p:sldId id="258" r:id="rId6"/>
+    <p:sldId id="261" r:id="rId7"/>
   </p:sldIdLst>
   <p:sldSz cx="12192000" cy="6858000"/>
   <p:notesSz cx="6858000" cy="9144000"/>
@@ -121,7 +123,7 @@
 <file path=ppt/revisionInfo.xml><?xml version="1.0" encoding="utf-8"?>
 <p1510:revInfo xmlns:a="http://schemas.openxmlformats.org/drawingml/2006/main" xmlns:r="http://schemas.openxmlformats.org/officeDocument/2006/relationships" xmlns:p1510="http://schemas.microsoft.com/office/powerpoint/2015/10/main">
   <p1510:revLst>
-    <p1510:client id="{25E30BAE-97BB-47E6-8B1A-0A5757AE0469}" v="120" dt="2022-11-24T10:17:53.783"/>
+    <p1510:client id="{FAE1041C-5D61-4E4B-8D9A-63E4C6E43850}" v="43" dt="2022-12-14T19:19:20.363"/>
   </p1510:revLst>
 </p1510:revInfo>
 </file>
@@ -789,6 +791,164 @@
       </pc:sldChg>
     </pc:docChg>
   </pc:docChgLst>
+  <pc:docChgLst>
+    <pc:chgData name="Sebastian Knopf" userId="aeec904eeb5479b8" providerId="LiveId" clId="{FAE1041C-5D61-4E4B-8D9A-63E4C6E43850}"/>
+    <pc:docChg chg="undo custSel addSld delSld modSld sldOrd">
+      <pc:chgData name="Sebastian Knopf" userId="aeec904eeb5479b8" providerId="LiveId" clId="{FAE1041C-5D61-4E4B-8D9A-63E4C6E43850}" dt="2022-12-14T21:26:17.553" v="310" actId="692"/>
+      <pc:docMkLst>
+        <pc:docMk/>
+      </pc:docMkLst>
+      <pc:sldChg chg="new del ord">
+        <pc:chgData name="Sebastian Knopf" userId="aeec904eeb5479b8" providerId="LiveId" clId="{FAE1041C-5D61-4E4B-8D9A-63E4C6E43850}" dt="2022-12-12T16:59:01.029" v="3" actId="47"/>
+        <pc:sldMkLst>
+          <pc:docMk/>
+          <pc:sldMk cId="1306955219" sldId="260"/>
+        </pc:sldMkLst>
+      </pc:sldChg>
+      <pc:sldChg chg="addSp modSp new mod ord">
+        <pc:chgData name="Sebastian Knopf" userId="aeec904eeb5479b8" providerId="LiveId" clId="{FAE1041C-5D61-4E4B-8D9A-63E4C6E43850}" dt="2022-12-12T17:03:42.988" v="158" actId="1035"/>
+        <pc:sldMkLst>
+          <pc:docMk/>
+          <pc:sldMk cId="1924026304" sldId="260"/>
+        </pc:sldMkLst>
+        <pc:spChg chg="add mod">
+          <ac:chgData name="Sebastian Knopf" userId="aeec904eeb5479b8" providerId="LiveId" clId="{FAE1041C-5D61-4E4B-8D9A-63E4C6E43850}" dt="2022-12-12T17:00:50.898" v="39" actId="1035"/>
+          <ac:spMkLst>
+            <pc:docMk/>
+            <pc:sldMk cId="1924026304" sldId="260"/>
+            <ac:spMk id="2" creationId="{0EB3A5F1-01DF-5DEB-3332-A897A14AA702}"/>
+          </ac:spMkLst>
+        </pc:spChg>
+        <pc:spChg chg="add mod">
+          <ac:chgData name="Sebastian Knopf" userId="aeec904eeb5479b8" providerId="LiveId" clId="{FAE1041C-5D61-4E4B-8D9A-63E4C6E43850}" dt="2022-12-12T17:03:23.662" v="150" actId="113"/>
+          <ac:spMkLst>
+            <pc:docMk/>
+            <pc:sldMk cId="1924026304" sldId="260"/>
+            <ac:spMk id="3" creationId="{D46B9B2B-FF26-F9A5-6C0C-4F812FC0F006}"/>
+          </ac:spMkLst>
+        </pc:spChg>
+        <pc:spChg chg="add mod">
+          <ac:chgData name="Sebastian Knopf" userId="aeec904eeb5479b8" providerId="LiveId" clId="{FAE1041C-5D61-4E4B-8D9A-63E4C6E43850}" dt="2022-12-12T17:01:01.717" v="43" actId="1037"/>
+          <ac:spMkLst>
+            <pc:docMk/>
+            <pc:sldMk cId="1924026304" sldId="260"/>
+            <ac:spMk id="4" creationId="{7E597F40-440D-41EA-5C32-21D5B3512CF7}"/>
+          </ac:spMkLst>
+        </pc:spChg>
+        <pc:spChg chg="add mod">
+          <ac:chgData name="Sebastian Knopf" userId="aeec904eeb5479b8" providerId="LiveId" clId="{FAE1041C-5D61-4E4B-8D9A-63E4C6E43850}" dt="2022-12-12T17:03:26.836" v="151" actId="113"/>
+          <ac:spMkLst>
+            <pc:docMk/>
+            <pc:sldMk cId="1924026304" sldId="260"/>
+            <ac:spMk id="5" creationId="{F839826F-A34E-0E41-34BC-CC2E7F9F76E6}"/>
+          </ac:spMkLst>
+        </pc:spChg>
+        <pc:spChg chg="add mod">
+          <ac:chgData name="Sebastian Knopf" userId="aeec904eeb5479b8" providerId="LiveId" clId="{FAE1041C-5D61-4E4B-8D9A-63E4C6E43850}" dt="2022-12-12T17:01:26.714" v="53" actId="1076"/>
+          <ac:spMkLst>
+            <pc:docMk/>
+            <pc:sldMk cId="1924026304" sldId="260"/>
+            <ac:spMk id="6" creationId="{CAD33CD3-5B8C-0153-3F59-6510144CDBB3}"/>
+          </ac:spMkLst>
+        </pc:spChg>
+        <pc:spChg chg="add mod">
+          <ac:chgData name="Sebastian Knopf" userId="aeec904eeb5479b8" providerId="LiveId" clId="{FAE1041C-5D61-4E4B-8D9A-63E4C6E43850}" dt="2022-12-12T17:01:46.302" v="59" actId="1037"/>
+          <ac:spMkLst>
+            <pc:docMk/>
+            <pc:sldMk cId="1924026304" sldId="260"/>
+            <ac:spMk id="7" creationId="{26DAFA31-AF15-68FE-D67A-687ED29B85EE}"/>
+          </ac:spMkLst>
+        </pc:spChg>
+        <pc:spChg chg="add mod">
+          <ac:chgData name="Sebastian Knopf" userId="aeec904eeb5479b8" providerId="LiveId" clId="{FAE1041C-5D61-4E4B-8D9A-63E4C6E43850}" dt="2022-12-12T17:03:29.350" v="152" actId="113"/>
+          <ac:spMkLst>
+            <pc:docMk/>
+            <pc:sldMk cId="1924026304" sldId="260"/>
+            <ac:spMk id="8" creationId="{7528B759-944F-7B97-D801-CA4FAFAC5267}"/>
+          </ac:spMkLst>
+        </pc:spChg>
+        <pc:spChg chg="add mod">
+          <ac:chgData name="Sebastian Knopf" userId="aeec904eeb5479b8" providerId="LiveId" clId="{FAE1041C-5D61-4E4B-8D9A-63E4C6E43850}" dt="2022-12-12T17:03:42.988" v="158" actId="1035"/>
+          <ac:spMkLst>
+            <pc:docMk/>
+            <pc:sldMk cId="1924026304" sldId="260"/>
+            <ac:spMk id="9" creationId="{61ADCE44-06A0-AEB2-6067-68372DD074BE}"/>
+          </ac:spMkLst>
+        </pc:spChg>
+        <pc:spChg chg="add mod">
+          <ac:chgData name="Sebastian Knopf" userId="aeec904eeb5479b8" providerId="LiveId" clId="{FAE1041C-5D61-4E4B-8D9A-63E4C6E43850}" dt="2022-12-12T17:03:42.988" v="158" actId="1035"/>
+          <ac:spMkLst>
+            <pc:docMk/>
+            <pc:sldMk cId="1924026304" sldId="260"/>
+            <ac:spMk id="10" creationId="{9EFD275B-CAFE-4F1A-CF71-4DB9DD05E334}"/>
+          </ac:spMkLst>
+        </pc:spChg>
+        <pc:spChg chg="add mod">
+          <ac:chgData name="Sebastian Knopf" userId="aeec904eeb5479b8" providerId="LiveId" clId="{FAE1041C-5D61-4E4B-8D9A-63E4C6E43850}" dt="2022-12-12T17:03:02.590" v="142" actId="1076"/>
+          <ac:spMkLst>
+            <pc:docMk/>
+            <pc:sldMk cId="1924026304" sldId="260"/>
+            <ac:spMk id="11" creationId="{7304403E-1500-C385-3EFB-C33343062F28}"/>
+          </ac:spMkLst>
+        </pc:spChg>
+        <pc:spChg chg="add mod">
+          <ac:chgData name="Sebastian Knopf" userId="aeec904eeb5479b8" providerId="LiveId" clId="{FAE1041C-5D61-4E4B-8D9A-63E4C6E43850}" dt="2022-12-12T17:03:17.126" v="149" actId="20577"/>
+          <ac:spMkLst>
+            <pc:docMk/>
+            <pc:sldMk cId="1924026304" sldId="260"/>
+            <ac:spMk id="12" creationId="{67AC863B-45B6-D00A-B0D2-6E99EC2011AC}"/>
+          </ac:spMkLst>
+        </pc:spChg>
+      </pc:sldChg>
+      <pc:sldChg chg="addSp modSp new mod">
+        <pc:chgData name="Sebastian Knopf" userId="aeec904eeb5479b8" providerId="LiveId" clId="{FAE1041C-5D61-4E4B-8D9A-63E4C6E43850}" dt="2022-12-14T21:26:17.553" v="310" actId="692"/>
+        <pc:sldMkLst>
+          <pc:docMk/>
+          <pc:sldMk cId="2663967335" sldId="261"/>
+        </pc:sldMkLst>
+        <pc:spChg chg="add mod">
+          <ac:chgData name="Sebastian Knopf" userId="aeec904eeb5479b8" providerId="LiveId" clId="{FAE1041C-5D61-4E4B-8D9A-63E4C6E43850}" dt="2022-12-14T21:26:17.553" v="310" actId="692"/>
+          <ac:spMkLst>
+            <pc:docMk/>
+            <pc:sldMk cId="2663967335" sldId="261"/>
+            <ac:spMk id="4" creationId="{87881857-BEE3-730E-4B35-189E60F1A7BA}"/>
+          </ac:spMkLst>
+        </pc:spChg>
+        <pc:spChg chg="add mod">
+          <ac:chgData name="Sebastian Knopf" userId="aeec904eeb5479b8" providerId="LiveId" clId="{FAE1041C-5D61-4E4B-8D9A-63E4C6E43850}" dt="2022-12-14T19:12:42.628" v="221" actId="1035"/>
+          <ac:spMkLst>
+            <pc:docMk/>
+            <pc:sldMk cId="2663967335" sldId="261"/>
+            <ac:spMk id="5" creationId="{8106B985-0B92-3E06-A85D-5055B0F49212}"/>
+          </ac:spMkLst>
+        </pc:spChg>
+        <pc:spChg chg="add mod ord">
+          <ac:chgData name="Sebastian Knopf" userId="aeec904eeb5479b8" providerId="LiveId" clId="{FAE1041C-5D61-4E4B-8D9A-63E4C6E43850}" dt="2022-12-14T19:17:29.283" v="291" actId="171"/>
+          <ac:spMkLst>
+            <pc:docMk/>
+            <pc:sldMk cId="2663967335" sldId="261"/>
+            <ac:spMk id="6" creationId="{99769747-82A4-C726-2285-8DF24B4061DB}"/>
+          </ac:spMkLst>
+        </pc:spChg>
+        <pc:picChg chg="add mod">
+          <ac:chgData name="Sebastian Knopf" userId="aeec904eeb5479b8" providerId="LiveId" clId="{FAE1041C-5D61-4E4B-8D9A-63E4C6E43850}" dt="2022-12-14T19:14:59.595" v="236" actId="1076"/>
+          <ac:picMkLst>
+            <pc:docMk/>
+            <pc:sldMk cId="2663967335" sldId="261"/>
+            <ac:picMk id="3" creationId="{9AC8B84E-D8DE-9D5F-735D-35A0A653EF3A}"/>
+          </ac:picMkLst>
+        </pc:picChg>
+        <pc:picChg chg="add mod">
+          <ac:chgData name="Sebastian Knopf" userId="aeec904eeb5479b8" providerId="LiveId" clId="{FAE1041C-5D61-4E4B-8D9A-63E4C6E43850}" dt="2022-12-14T19:21:29.416" v="307" actId="688"/>
+          <ac:picMkLst>
+            <pc:docMk/>
+            <pc:sldMk cId="2663967335" sldId="261"/>
+            <ac:picMk id="8" creationId="{FBD7335C-D741-483A-5AD9-EF7E00DB29FE}"/>
+          </ac:picMkLst>
+        </pc:picChg>
+      </pc:sldChg>
+    </pc:docChg>
+  </pc:docChgLst>
 </pc:chgInfo>
 </file>
 
@@ -874,7 +1034,7 @@
           <a:p>
             <a:fld id="{3E605DEA-7B47-4424-A9CB-F6801152189C}" type="datetimeFigureOut">
               <a:rPr lang="de-DE" smtClean="0"/>
-              <a:t>24.11.2022</a:t>
+              <a:t>14.12.2022</a:t>
             </a:fld>
             <a:endParaRPr lang="de-DE"/>
           </a:p>
@@ -1354,7 +1514,7 @@
           <a:p>
             <a:fld id="{1E0F7296-85DA-4A1F-8E2F-A141A66F39F7}" type="datetimeFigureOut">
               <a:rPr lang="de-DE" smtClean="0"/>
-              <a:t>24.11.2022</a:t>
+              <a:t>14.12.2022</a:t>
             </a:fld>
             <a:endParaRPr lang="de-DE"/>
           </a:p>
@@ -1522,7 +1682,7 @@
           <a:p>
             <a:fld id="{1E0F7296-85DA-4A1F-8E2F-A141A66F39F7}" type="datetimeFigureOut">
               <a:rPr lang="de-DE" smtClean="0"/>
-              <a:t>24.11.2022</a:t>
+              <a:t>14.12.2022</a:t>
             </a:fld>
             <a:endParaRPr lang="de-DE"/>
           </a:p>
@@ -1700,7 +1860,7 @@
           <a:p>
             <a:fld id="{1E0F7296-85DA-4A1F-8E2F-A141A66F39F7}" type="datetimeFigureOut">
               <a:rPr lang="de-DE" smtClean="0"/>
-              <a:t>24.11.2022</a:t>
+              <a:t>14.12.2022</a:t>
             </a:fld>
             <a:endParaRPr lang="de-DE"/>
           </a:p>
@@ -1868,7 +2028,7 @@
           <a:p>
             <a:fld id="{1E0F7296-85DA-4A1F-8E2F-A141A66F39F7}" type="datetimeFigureOut">
               <a:rPr lang="de-DE" smtClean="0"/>
-              <a:t>24.11.2022</a:t>
+              <a:t>14.12.2022</a:t>
             </a:fld>
             <a:endParaRPr lang="de-DE"/>
           </a:p>
@@ -2113,7 +2273,7 @@
           <a:p>
             <a:fld id="{1E0F7296-85DA-4A1F-8E2F-A141A66F39F7}" type="datetimeFigureOut">
               <a:rPr lang="de-DE" smtClean="0"/>
-              <a:t>24.11.2022</a:t>
+              <a:t>14.12.2022</a:t>
             </a:fld>
             <a:endParaRPr lang="de-DE"/>
           </a:p>
@@ -2342,7 +2502,7 @@
           <a:p>
             <a:fld id="{1E0F7296-85DA-4A1F-8E2F-A141A66F39F7}" type="datetimeFigureOut">
               <a:rPr lang="de-DE" smtClean="0"/>
-              <a:t>24.11.2022</a:t>
+              <a:t>14.12.2022</a:t>
             </a:fld>
             <a:endParaRPr lang="de-DE"/>
           </a:p>
@@ -2706,7 +2866,7 @@
           <a:p>
             <a:fld id="{1E0F7296-85DA-4A1F-8E2F-A141A66F39F7}" type="datetimeFigureOut">
               <a:rPr lang="de-DE" smtClean="0"/>
-              <a:t>24.11.2022</a:t>
+              <a:t>14.12.2022</a:t>
             </a:fld>
             <a:endParaRPr lang="de-DE"/>
           </a:p>
@@ -2823,7 +2983,7 @@
           <a:p>
             <a:fld id="{1E0F7296-85DA-4A1F-8E2F-A141A66F39F7}" type="datetimeFigureOut">
               <a:rPr lang="de-DE" smtClean="0"/>
-              <a:t>24.11.2022</a:t>
+              <a:t>14.12.2022</a:t>
             </a:fld>
             <a:endParaRPr lang="de-DE"/>
           </a:p>
@@ -2918,7 +3078,7 @@
           <a:p>
             <a:fld id="{1E0F7296-85DA-4A1F-8E2F-A141A66F39F7}" type="datetimeFigureOut">
               <a:rPr lang="de-DE" smtClean="0"/>
-              <a:t>24.11.2022</a:t>
+              <a:t>14.12.2022</a:t>
             </a:fld>
             <a:endParaRPr lang="de-DE"/>
           </a:p>
@@ -3193,7 +3353,7 @@
           <a:p>
             <a:fld id="{1E0F7296-85DA-4A1F-8E2F-A141A66F39F7}" type="datetimeFigureOut">
               <a:rPr lang="de-DE" smtClean="0"/>
-              <a:t>24.11.2022</a:t>
+              <a:t>14.12.2022</a:t>
             </a:fld>
             <a:endParaRPr lang="de-DE"/>
           </a:p>
@@ -3445,7 +3605,7 @@
           <a:p>
             <a:fld id="{1E0F7296-85DA-4A1F-8E2F-A141A66F39F7}" type="datetimeFigureOut">
               <a:rPr lang="de-DE" smtClean="0"/>
-              <a:t>24.11.2022</a:t>
+              <a:t>14.12.2022</a:t>
             </a:fld>
             <a:endParaRPr lang="de-DE"/>
           </a:p>
@@ -3656,7 +3816,7 @@
           <a:p>
             <a:fld id="{1E0F7296-85DA-4A1F-8E2F-A141A66F39F7}" type="datetimeFigureOut">
               <a:rPr lang="de-DE" smtClean="0"/>
-              <a:t>24.11.2022</a:t>
+              <a:t>14.12.2022</a:t>
             </a:fld>
             <a:endParaRPr lang="de-DE"/>
           </a:p>
@@ -4801,6 +4961,510 @@
           <p:cNvPr id="2" name="Rechteck 1">
             <a:extLst>
               <a:ext uri="{FF2B5EF4-FFF2-40B4-BE49-F238E27FC236}">
+                <a16:creationId xmlns:a16="http://schemas.microsoft.com/office/drawing/2014/main" id="{0EB3A5F1-01DF-5DEB-3332-A897A14AA702}"/>
+              </a:ext>
+            </a:extLst>
+          </p:cNvPr>
+          <p:cNvSpPr/>
+          <p:nvPr/>
+        </p:nvSpPr>
+        <p:spPr>
+          <a:xfrm>
+            <a:off x="1953716" y="2153776"/>
+            <a:ext cx="2542897" cy="1215264"/>
+          </a:xfrm>
+          <a:prstGeom prst="rect">
+            <a:avLst/>
+          </a:prstGeom>
+          <a:noFill/>
+          <a:ln>
+            <a:solidFill>
+              <a:schemeClr val="tx1"/>
+            </a:solidFill>
+          </a:ln>
+        </p:spPr>
+        <p:style>
+          <a:lnRef idx="2">
+            <a:schemeClr val="accent1">
+              <a:shade val="50000"/>
+            </a:schemeClr>
+          </a:lnRef>
+          <a:fillRef idx="1">
+            <a:schemeClr val="accent1"/>
+          </a:fillRef>
+          <a:effectRef idx="0">
+            <a:schemeClr val="accent1"/>
+          </a:effectRef>
+          <a:fontRef idx="minor">
+            <a:schemeClr val="lt1"/>
+          </a:fontRef>
+        </p:style>
+        <p:txBody>
+          <a:bodyPr rtlCol="0" anchor="ctr"/>
+          <a:lstStyle/>
+          <a:p>
+            <a:pPr algn="ctr"/>
+            <a:endParaRPr lang="de-DE"/>
+          </a:p>
+        </p:txBody>
+      </p:sp>
+      <p:sp>
+        <p:nvSpPr>
+          <p:cNvPr id="3" name="Textfeld 2">
+            <a:extLst>
+              <a:ext uri="{FF2B5EF4-FFF2-40B4-BE49-F238E27FC236}">
+                <a16:creationId xmlns:a16="http://schemas.microsoft.com/office/drawing/2014/main" id="{D46B9B2B-FF26-F9A5-6C0C-4F812FC0F006}"/>
+              </a:ext>
+            </a:extLst>
+          </p:cNvPr>
+          <p:cNvSpPr txBox="1"/>
+          <p:nvPr/>
+        </p:nvSpPr>
+        <p:spPr>
+          <a:xfrm>
+            <a:off x="2319134" y="2446538"/>
+            <a:ext cx="1842043" cy="646331"/>
+          </a:xfrm>
+          <a:prstGeom prst="rect">
+            <a:avLst/>
+          </a:prstGeom>
+          <a:noFill/>
+        </p:spPr>
+        <p:txBody>
+          <a:bodyPr wrap="none" rtlCol="0">
+            <a:spAutoFit/>
+          </a:bodyPr>
+          <a:lstStyle/>
+          <a:p>
+            <a:pPr algn="ctr"/>
+            <a:r>
+              <a:rPr lang="de-DE" b="1" dirty="0"/>
+              <a:t>REINFORCEMENT</a:t>
+            </a:r>
+            <a:br>
+              <a:rPr lang="de-DE" b="1" dirty="0"/>
+            </a:br>
+            <a:r>
+              <a:rPr lang="de-DE" b="1" dirty="0"/>
+              <a:t>SARSA</a:t>
+            </a:r>
+          </a:p>
+        </p:txBody>
+      </p:sp>
+      <p:sp>
+        <p:nvSpPr>
+          <p:cNvPr id="4" name="Rechteck 3">
+            <a:extLst>
+              <a:ext uri="{FF2B5EF4-FFF2-40B4-BE49-F238E27FC236}">
+                <a16:creationId xmlns:a16="http://schemas.microsoft.com/office/drawing/2014/main" id="{7E597F40-440D-41EA-5C32-21D5B3512CF7}"/>
+              </a:ext>
+            </a:extLst>
+          </p:cNvPr>
+          <p:cNvSpPr/>
+          <p:nvPr/>
+        </p:nvSpPr>
+        <p:spPr>
+          <a:xfrm>
+            <a:off x="4496613" y="2153776"/>
+            <a:ext cx="2542897" cy="1215264"/>
+          </a:xfrm>
+          <a:prstGeom prst="rect">
+            <a:avLst/>
+          </a:prstGeom>
+          <a:noFill/>
+          <a:ln>
+            <a:solidFill>
+              <a:schemeClr val="tx1"/>
+            </a:solidFill>
+          </a:ln>
+        </p:spPr>
+        <p:style>
+          <a:lnRef idx="2">
+            <a:schemeClr val="accent1">
+              <a:shade val="50000"/>
+            </a:schemeClr>
+          </a:lnRef>
+          <a:fillRef idx="1">
+            <a:schemeClr val="accent1"/>
+          </a:fillRef>
+          <a:effectRef idx="0">
+            <a:schemeClr val="accent1"/>
+          </a:effectRef>
+          <a:fontRef idx="minor">
+            <a:schemeClr val="lt1"/>
+          </a:fontRef>
+        </p:style>
+        <p:txBody>
+          <a:bodyPr rtlCol="0" anchor="ctr"/>
+          <a:lstStyle/>
+          <a:p>
+            <a:pPr algn="ctr"/>
+            <a:endParaRPr lang="de-DE"/>
+          </a:p>
+        </p:txBody>
+      </p:sp>
+      <p:sp>
+        <p:nvSpPr>
+          <p:cNvPr id="5" name="Textfeld 4">
+            <a:extLst>
+              <a:ext uri="{FF2B5EF4-FFF2-40B4-BE49-F238E27FC236}">
+                <a16:creationId xmlns:a16="http://schemas.microsoft.com/office/drawing/2014/main" id="{F839826F-A34E-0E41-34BC-CC2E7F9F76E6}"/>
+              </a:ext>
+            </a:extLst>
+          </p:cNvPr>
+          <p:cNvSpPr txBox="1"/>
+          <p:nvPr/>
+        </p:nvSpPr>
+        <p:spPr>
+          <a:xfrm>
+            <a:off x="5366285" y="2576742"/>
+            <a:ext cx="803553" cy="369332"/>
+          </a:xfrm>
+          <a:prstGeom prst="rect">
+            <a:avLst/>
+          </a:prstGeom>
+          <a:noFill/>
+        </p:spPr>
+        <p:txBody>
+          <a:bodyPr wrap="none" rtlCol="0">
+            <a:spAutoFit/>
+          </a:bodyPr>
+          <a:lstStyle/>
+          <a:p>
+            <a:pPr algn="ctr"/>
+            <a:r>
+              <a:rPr lang="de-DE" b="1" dirty="0"/>
+              <a:t>SARSA</a:t>
+            </a:r>
+          </a:p>
+        </p:txBody>
+      </p:sp>
+      <p:sp>
+        <p:nvSpPr>
+          <p:cNvPr id="6" name="Rechteck 5">
+            <a:extLst>
+              <a:ext uri="{FF2B5EF4-FFF2-40B4-BE49-F238E27FC236}">
+                <a16:creationId xmlns:a16="http://schemas.microsoft.com/office/drawing/2014/main" id="{CAD33CD3-5B8C-0153-3F59-6510144CDBB3}"/>
+              </a:ext>
+            </a:extLst>
+          </p:cNvPr>
+          <p:cNvSpPr/>
+          <p:nvPr/>
+        </p:nvSpPr>
+        <p:spPr>
+          <a:xfrm>
+            <a:off x="1953715" y="3369040"/>
+            <a:ext cx="2542897" cy="1215264"/>
+          </a:xfrm>
+          <a:prstGeom prst="rect">
+            <a:avLst/>
+          </a:prstGeom>
+          <a:noFill/>
+          <a:ln>
+            <a:solidFill>
+              <a:schemeClr val="tx1"/>
+            </a:solidFill>
+          </a:ln>
+        </p:spPr>
+        <p:style>
+          <a:lnRef idx="2">
+            <a:schemeClr val="accent1">
+              <a:shade val="50000"/>
+            </a:schemeClr>
+          </a:lnRef>
+          <a:fillRef idx="1">
+            <a:schemeClr val="accent1"/>
+          </a:fillRef>
+          <a:effectRef idx="0">
+            <a:schemeClr val="accent1"/>
+          </a:effectRef>
+          <a:fontRef idx="minor">
+            <a:schemeClr val="lt1"/>
+          </a:fontRef>
+        </p:style>
+        <p:txBody>
+          <a:bodyPr rtlCol="0" anchor="ctr"/>
+          <a:lstStyle/>
+          <a:p>
+            <a:pPr algn="ctr"/>
+            <a:endParaRPr lang="de-DE"/>
+          </a:p>
+        </p:txBody>
+      </p:sp>
+      <p:sp>
+        <p:nvSpPr>
+          <p:cNvPr id="7" name="Rechteck 6">
+            <a:extLst>
+              <a:ext uri="{FF2B5EF4-FFF2-40B4-BE49-F238E27FC236}">
+                <a16:creationId xmlns:a16="http://schemas.microsoft.com/office/drawing/2014/main" id="{26DAFA31-AF15-68FE-D67A-687ED29B85EE}"/>
+              </a:ext>
+            </a:extLst>
+          </p:cNvPr>
+          <p:cNvSpPr/>
+          <p:nvPr/>
+        </p:nvSpPr>
+        <p:spPr>
+          <a:xfrm>
+            <a:off x="4496612" y="3369040"/>
+            <a:ext cx="2542897" cy="1215264"/>
+          </a:xfrm>
+          <a:prstGeom prst="rect">
+            <a:avLst/>
+          </a:prstGeom>
+          <a:noFill/>
+          <a:ln>
+            <a:solidFill>
+              <a:schemeClr val="tx1"/>
+            </a:solidFill>
+          </a:ln>
+        </p:spPr>
+        <p:style>
+          <a:lnRef idx="2">
+            <a:schemeClr val="accent1">
+              <a:shade val="50000"/>
+            </a:schemeClr>
+          </a:lnRef>
+          <a:fillRef idx="1">
+            <a:schemeClr val="accent1"/>
+          </a:fillRef>
+          <a:effectRef idx="0">
+            <a:schemeClr val="accent1"/>
+          </a:effectRef>
+          <a:fontRef idx="minor">
+            <a:schemeClr val="lt1"/>
+          </a:fontRef>
+        </p:style>
+        <p:txBody>
+          <a:bodyPr rtlCol="0" anchor="ctr"/>
+          <a:lstStyle/>
+          <a:p>
+            <a:pPr algn="ctr"/>
+            <a:endParaRPr lang="de-DE"/>
+          </a:p>
+        </p:txBody>
+      </p:sp>
+      <p:sp>
+        <p:nvSpPr>
+          <p:cNvPr id="8" name="Textfeld 7">
+            <a:extLst>
+              <a:ext uri="{FF2B5EF4-FFF2-40B4-BE49-F238E27FC236}">
+                <a16:creationId xmlns:a16="http://schemas.microsoft.com/office/drawing/2014/main" id="{7528B759-944F-7B97-D801-CA4FAFAC5267}"/>
+              </a:ext>
+            </a:extLst>
+          </p:cNvPr>
+          <p:cNvSpPr txBox="1"/>
+          <p:nvPr/>
+        </p:nvSpPr>
+        <p:spPr>
+          <a:xfrm>
+            <a:off x="4874225" y="3653506"/>
+            <a:ext cx="1787670" cy="646331"/>
+          </a:xfrm>
+          <a:prstGeom prst="rect">
+            <a:avLst/>
+          </a:prstGeom>
+          <a:noFill/>
+        </p:spPr>
+        <p:txBody>
+          <a:bodyPr wrap="none" rtlCol="0">
+            <a:spAutoFit/>
+          </a:bodyPr>
+          <a:lstStyle/>
+          <a:p>
+            <a:pPr algn="ctr"/>
+            <a:r>
+              <a:rPr lang="de-DE" b="1" dirty="0"/>
+              <a:t>Q-Learning</a:t>
+            </a:r>
+            <a:br>
+              <a:rPr lang="de-DE" b="1" dirty="0"/>
+            </a:br>
+            <a:r>
+              <a:rPr lang="de-DE" b="1" dirty="0"/>
+              <a:t>Deep Q-Learning</a:t>
+            </a:r>
+          </a:p>
+        </p:txBody>
+      </p:sp>
+      <p:sp>
+        <p:nvSpPr>
+          <p:cNvPr id="9" name="Textfeld 8">
+            <a:extLst>
+              <a:ext uri="{FF2B5EF4-FFF2-40B4-BE49-F238E27FC236}">
+                <a16:creationId xmlns:a16="http://schemas.microsoft.com/office/drawing/2014/main" id="{61ADCE44-06A0-AEB2-6067-68372DD074BE}"/>
+              </a:ext>
+            </a:extLst>
+          </p:cNvPr>
+          <p:cNvSpPr txBox="1"/>
+          <p:nvPr/>
+        </p:nvSpPr>
+        <p:spPr>
+          <a:xfrm>
+            <a:off x="4973611" y="4626954"/>
+            <a:ext cx="1678666" cy="369332"/>
+          </a:xfrm>
+          <a:prstGeom prst="rect">
+            <a:avLst/>
+          </a:prstGeom>
+          <a:noFill/>
+        </p:spPr>
+        <p:txBody>
+          <a:bodyPr wrap="none" rtlCol="0">
+            <a:spAutoFit/>
+          </a:bodyPr>
+          <a:lstStyle/>
+          <a:p>
+            <a:pPr algn="ctr"/>
+            <a:r>
+              <a:rPr lang="de-DE" dirty="0"/>
+              <a:t>TD-Algorithmen</a:t>
+            </a:r>
+          </a:p>
+        </p:txBody>
+      </p:sp>
+      <p:sp>
+        <p:nvSpPr>
+          <p:cNvPr id="10" name="Textfeld 9">
+            <a:extLst>
+              <a:ext uri="{FF2B5EF4-FFF2-40B4-BE49-F238E27FC236}">
+                <a16:creationId xmlns:a16="http://schemas.microsoft.com/office/drawing/2014/main" id="{9EFD275B-CAFE-4F1A-CF71-4DB9DD05E334}"/>
+              </a:ext>
+            </a:extLst>
+          </p:cNvPr>
+          <p:cNvSpPr txBox="1"/>
+          <p:nvPr/>
+        </p:nvSpPr>
+        <p:spPr>
+          <a:xfrm>
+            <a:off x="2333144" y="4626954"/>
+            <a:ext cx="1744388" cy="369332"/>
+          </a:xfrm>
+          <a:prstGeom prst="rect">
+            <a:avLst/>
+          </a:prstGeom>
+          <a:noFill/>
+        </p:spPr>
+        <p:txBody>
+          <a:bodyPr wrap="none" rtlCol="0">
+            <a:spAutoFit/>
+          </a:bodyPr>
+          <a:lstStyle/>
+          <a:p>
+            <a:pPr algn="ctr"/>
+            <a:r>
+              <a:rPr lang="de-DE" dirty="0"/>
+              <a:t>MC-Algorithmen</a:t>
+            </a:r>
+          </a:p>
+        </p:txBody>
+      </p:sp>
+      <p:sp>
+        <p:nvSpPr>
+          <p:cNvPr id="11" name="Textfeld 10">
+            <a:extLst>
+              <a:ext uri="{FF2B5EF4-FFF2-40B4-BE49-F238E27FC236}">
+                <a16:creationId xmlns:a16="http://schemas.microsoft.com/office/drawing/2014/main" id="{7304403E-1500-C385-3EFB-C33343062F28}"/>
+              </a:ext>
+            </a:extLst>
+          </p:cNvPr>
+          <p:cNvSpPr txBox="1"/>
+          <p:nvPr/>
+        </p:nvSpPr>
+        <p:spPr>
+          <a:xfrm rot="16200000">
+            <a:off x="1206192" y="3792005"/>
+            <a:ext cx="1089914" cy="369332"/>
+          </a:xfrm>
+          <a:prstGeom prst="rect">
+            <a:avLst/>
+          </a:prstGeom>
+          <a:noFill/>
+        </p:spPr>
+        <p:txBody>
+          <a:bodyPr wrap="none" rtlCol="0">
+            <a:spAutoFit/>
+          </a:bodyPr>
+          <a:lstStyle/>
+          <a:p>
+            <a:pPr algn="ctr"/>
+            <a:r>
+              <a:rPr lang="de-DE" dirty="0"/>
+              <a:t>Off-Policy</a:t>
+            </a:r>
+          </a:p>
+        </p:txBody>
+      </p:sp>
+      <p:sp>
+        <p:nvSpPr>
+          <p:cNvPr id="12" name="Textfeld 11">
+            <a:extLst>
+              <a:ext uri="{FF2B5EF4-FFF2-40B4-BE49-F238E27FC236}">
+                <a16:creationId xmlns:a16="http://schemas.microsoft.com/office/drawing/2014/main" id="{67AC863B-45B6-D00A-B0D2-6E99EC2011AC}"/>
+              </a:ext>
+            </a:extLst>
+          </p:cNvPr>
+          <p:cNvSpPr txBox="1"/>
+          <p:nvPr/>
+        </p:nvSpPr>
+        <p:spPr>
+          <a:xfrm rot="16200000">
+            <a:off x="1214688" y="2585037"/>
+            <a:ext cx="1072922" cy="369332"/>
+          </a:xfrm>
+          <a:prstGeom prst="rect">
+            <a:avLst/>
+          </a:prstGeom>
+          <a:noFill/>
+        </p:spPr>
+        <p:txBody>
+          <a:bodyPr wrap="none" rtlCol="0">
+            <a:spAutoFit/>
+          </a:bodyPr>
+          <a:lstStyle/>
+          <a:p>
+            <a:pPr algn="ctr"/>
+            <a:r>
+              <a:rPr lang="de-DE" dirty="0"/>
+              <a:t>On-Policy</a:t>
+            </a:r>
+          </a:p>
+        </p:txBody>
+      </p:sp>
+    </p:spTree>
+    <p:extLst>
+      <p:ext uri="{BB962C8B-B14F-4D97-AF65-F5344CB8AC3E}">
+        <p14:creationId xmlns:p14="http://schemas.microsoft.com/office/powerpoint/2010/main" val="1924026304"/>
+      </p:ext>
+    </p:extLst>
+  </p:cSld>
+  <p:clrMapOvr>
+    <a:masterClrMapping/>
+  </p:clrMapOvr>
+</p:sld>
+</file>
+
+<file path=ppt/slides/slide3.xml><?xml version="1.0" encoding="utf-8"?>
+<p:sld xmlns:a="http://schemas.openxmlformats.org/drawingml/2006/main" xmlns:r="http://schemas.openxmlformats.org/officeDocument/2006/relationships" xmlns:p="http://schemas.openxmlformats.org/presentationml/2006/main">
+  <p:cSld>
+    <p:spTree>
+      <p:nvGrpSpPr>
+        <p:cNvPr id="1" name=""/>
+        <p:cNvGrpSpPr/>
+        <p:nvPr/>
+      </p:nvGrpSpPr>
+      <p:grpSpPr>
+        <a:xfrm>
+          <a:off x="0" y="0"/>
+          <a:ext cx="0" cy="0"/>
+          <a:chOff x="0" y="0"/>
+          <a:chExt cx="0" cy="0"/>
+        </a:xfrm>
+      </p:grpSpPr>
+      <p:sp>
+        <p:nvSpPr>
+          <p:cNvPr id="2" name="Rechteck 1">
+            <a:extLst>
+              <a:ext uri="{FF2B5EF4-FFF2-40B4-BE49-F238E27FC236}">
                 <a16:creationId xmlns:a16="http://schemas.microsoft.com/office/drawing/2014/main" id="{E0E5A02C-AF0B-87ED-D9B8-CF659D9AF902}"/>
               </a:ext>
             </a:extLst>
@@ -5663,7 +6327,7 @@
 </p:sld>
 </file>
 
-<file path=ppt/slides/slide3.xml><?xml version="1.0" encoding="utf-8"?>
+<file path=ppt/slides/slide4.xml><?xml version="1.0" encoding="utf-8"?>
 <p:sld xmlns:a="http://schemas.openxmlformats.org/drawingml/2006/main" xmlns:r="http://schemas.openxmlformats.org/officeDocument/2006/relationships" xmlns:p="http://schemas.openxmlformats.org/presentationml/2006/main">
   <p:cSld>
     <p:spTree>
@@ -7936,7 +8600,7 @@
             <a:lstStyle/>
             <a:p>
               <a:pPr algn="ctr"/>
-              <a:endParaRPr lang="de-DE"/>
+              <a:endParaRPr lang="de-DE" dirty="0"/>
             </a:p>
           </p:txBody>
         </p:sp>
@@ -7954,7 +8618,7 @@
 </p:sld>
 </file>
 
-<file path=ppt/slides/slide4.xml><?xml version="1.0" encoding="utf-8"?>
+<file path=ppt/slides/slide5.xml><?xml version="1.0" encoding="utf-8"?>
 <p:sld xmlns:a="http://schemas.openxmlformats.org/drawingml/2006/main" xmlns:r="http://schemas.openxmlformats.org/officeDocument/2006/relationships" xmlns:p="http://schemas.openxmlformats.org/presentationml/2006/main">
   <p:cSld>
     <p:spTree>
@@ -14840,6 +15504,2779 @@
 </p:sld>
 </file>
 
+<file path=ppt/slides/slide6.xml><?xml version="1.0" encoding="utf-8"?>
+<p:sld xmlns:a="http://schemas.openxmlformats.org/drawingml/2006/main" xmlns:r="http://schemas.openxmlformats.org/officeDocument/2006/relationships" xmlns:p="http://schemas.openxmlformats.org/presentationml/2006/main">
+  <p:cSld>
+    <p:spTree>
+      <p:nvGrpSpPr>
+        <p:cNvPr id="1" name=""/>
+        <p:cNvGrpSpPr/>
+        <p:nvPr/>
+      </p:nvGrpSpPr>
+      <p:grpSpPr>
+        <a:xfrm>
+          <a:off x="0" y="0"/>
+          <a:ext cx="0" cy="0"/>
+          <a:chOff x="0" y="0"/>
+          <a:chExt cx="0" cy="0"/>
+        </a:xfrm>
+      </p:grpSpPr>
+      <p:pic>
+        <p:nvPicPr>
+          <p:cNvPr id="3" name="Grafik 2">
+            <a:extLst>
+              <a:ext uri="{FF2B5EF4-FFF2-40B4-BE49-F238E27FC236}">
+                <a16:creationId xmlns:a16="http://schemas.microsoft.com/office/drawing/2014/main" id="{9AC8B84E-D8DE-9D5F-735D-35A0A653EF3A}"/>
+              </a:ext>
+            </a:extLst>
+          </p:cNvPr>
+          <p:cNvPicPr>
+            <a:picLocks noChangeAspect="1"/>
+          </p:cNvPicPr>
+          <p:nvPr/>
+        </p:nvPicPr>
+        <p:blipFill>
+          <a:blip r:embed="rId2"/>
+          <a:stretch>
+            <a:fillRect/>
+          </a:stretch>
+        </p:blipFill>
+        <p:spPr>
+          <a:xfrm>
+            <a:off x="422597" y="619570"/>
+            <a:ext cx="11346805" cy="5681272"/>
+          </a:xfrm>
+          <a:prstGeom prst="rect">
+            <a:avLst/>
+          </a:prstGeom>
+        </p:spPr>
+      </p:pic>
+      <p:sp>
+        <p:nvSpPr>
+          <p:cNvPr id="4" name="Freihandform: Form 3">
+            <a:extLst>
+              <a:ext uri="{FF2B5EF4-FFF2-40B4-BE49-F238E27FC236}">
+                <a16:creationId xmlns:a16="http://schemas.microsoft.com/office/drawing/2014/main" id="{87881857-BEE3-730E-4B35-189E60F1A7BA}"/>
+              </a:ext>
+            </a:extLst>
+          </p:cNvPr>
+          <p:cNvSpPr/>
+          <p:nvPr/>
+        </p:nvSpPr>
+        <p:spPr>
+          <a:xfrm>
+            <a:off x="1843786" y="3395465"/>
+            <a:ext cx="7499783" cy="2996405"/>
+          </a:xfrm>
+          <a:custGeom>
+            <a:avLst/>
+            <a:gdLst>
+              <a:gd name="connsiteX0" fmla="*/ 0 w 11256099"/>
+              <a:gd name="connsiteY0" fmla="*/ 5217021 h 5217021"/>
+              <a:gd name="connsiteX1" fmla="*/ 410198 w 11256099"/>
+              <a:gd name="connsiteY1" fmla="*/ 4875189 h 5217021"/>
+              <a:gd name="connsiteX2" fmla="*/ 1119499 w 11256099"/>
+              <a:gd name="connsiteY2" fmla="*/ 4370987 h 5217021"/>
+              <a:gd name="connsiteX3" fmla="*/ 1828800 w 11256099"/>
+              <a:gd name="connsiteY3" fmla="*/ 3883877 h 5217021"/>
+              <a:gd name="connsiteX4" fmla="*/ 2204815 w 11256099"/>
+              <a:gd name="connsiteY4" fmla="*/ 3695870 h 5217021"/>
+              <a:gd name="connsiteX5" fmla="*/ 2529555 w 11256099"/>
+              <a:gd name="connsiteY5" fmla="*/ 3490770 h 5217021"/>
+              <a:gd name="connsiteX6" fmla="*/ 3273039 w 11256099"/>
+              <a:gd name="connsiteY6" fmla="*/ 2866927 h 5217021"/>
+              <a:gd name="connsiteX7" fmla="*/ 3785786 w 11256099"/>
+              <a:gd name="connsiteY7" fmla="*/ 2490912 h 5217021"/>
+              <a:gd name="connsiteX8" fmla="*/ 4178893 w 11256099"/>
+              <a:gd name="connsiteY8" fmla="*/ 2328542 h 5217021"/>
+              <a:gd name="connsiteX9" fmla="*/ 4358355 w 11256099"/>
+              <a:gd name="connsiteY9" fmla="*/ 2234539 h 5217021"/>
+              <a:gd name="connsiteX10" fmla="*/ 4640366 w 11256099"/>
+              <a:gd name="connsiteY10" fmla="*/ 2183264 h 5217021"/>
+              <a:gd name="connsiteX11" fmla="*/ 5204388 w 11256099"/>
+              <a:gd name="connsiteY11" fmla="*/ 2140535 h 5217021"/>
+              <a:gd name="connsiteX12" fmla="*/ 5819686 w 11256099"/>
+              <a:gd name="connsiteY12" fmla="*/ 2131989 h 5217021"/>
+              <a:gd name="connsiteX13" fmla="*/ 6999005 w 11256099"/>
+              <a:gd name="connsiteY13" fmla="*/ 1986711 h 5217021"/>
+              <a:gd name="connsiteX14" fmla="*/ 7879222 w 11256099"/>
+              <a:gd name="connsiteY14" fmla="*/ 1858524 h 5217021"/>
+              <a:gd name="connsiteX15" fmla="*/ 8451790 w 11256099"/>
+              <a:gd name="connsiteY15" fmla="*/ 1798703 h 5217021"/>
+              <a:gd name="connsiteX16" fmla="*/ 8810714 w 11256099"/>
+              <a:gd name="connsiteY16" fmla="*/ 1798703 h 5217021"/>
+              <a:gd name="connsiteX17" fmla="*/ 9631110 w 11256099"/>
+              <a:gd name="connsiteY17" fmla="*/ 1849978 h 5217021"/>
+              <a:gd name="connsiteX18" fmla="*/ 10195132 w 11256099"/>
+              <a:gd name="connsiteY18" fmla="*/ 1909798 h 5217021"/>
+              <a:gd name="connsiteX19" fmla="*/ 10588239 w 11256099"/>
+              <a:gd name="connsiteY19" fmla="*/ 1978165 h 5217021"/>
+              <a:gd name="connsiteX20" fmla="*/ 10827521 w 11256099"/>
+              <a:gd name="connsiteY20" fmla="*/ 1995256 h 5217021"/>
+              <a:gd name="connsiteX21" fmla="*/ 10895887 w 11256099"/>
+              <a:gd name="connsiteY21" fmla="*/ 1952527 h 5217021"/>
+              <a:gd name="connsiteX22" fmla="*/ 10878796 w 11256099"/>
+              <a:gd name="connsiteY22" fmla="*/ 1491055 h 5217021"/>
+              <a:gd name="connsiteX23" fmla="*/ 10870250 w 11256099"/>
+              <a:gd name="connsiteY23" fmla="*/ 995398 h 5217021"/>
+              <a:gd name="connsiteX24" fmla="*/ 10930071 w 11256099"/>
+              <a:gd name="connsiteY24" fmla="*/ 610838 h 5217021"/>
+              <a:gd name="connsiteX25" fmla="*/ 11049712 w 11256099"/>
+              <a:gd name="connsiteY25" fmla="*/ 217731 h 5217021"/>
+              <a:gd name="connsiteX26" fmla="*/ 11126624 w 11256099"/>
+              <a:gd name="connsiteY26" fmla="*/ 12632 h 5217021"/>
+              <a:gd name="connsiteX27" fmla="*/ 11237719 w 11256099"/>
+              <a:gd name="connsiteY27" fmla="*/ 21178 h 5217021"/>
+              <a:gd name="connsiteX28" fmla="*/ 11254811 w 11256099"/>
+              <a:gd name="connsiteY28" fmla="*/ 21178 h 5217021"/>
+              <a:gd name="connsiteX0" fmla="*/ 0 w 11256099"/>
+              <a:gd name="connsiteY0" fmla="*/ 5217021 h 5217021"/>
+              <a:gd name="connsiteX1" fmla="*/ 410198 w 11256099"/>
+              <a:gd name="connsiteY1" fmla="*/ 4875189 h 5217021"/>
+              <a:gd name="connsiteX2" fmla="*/ 1119499 w 11256099"/>
+              <a:gd name="connsiteY2" fmla="*/ 4370987 h 5217021"/>
+              <a:gd name="connsiteX3" fmla="*/ 1828800 w 11256099"/>
+              <a:gd name="connsiteY3" fmla="*/ 3883877 h 5217021"/>
+              <a:gd name="connsiteX4" fmla="*/ 2204815 w 11256099"/>
+              <a:gd name="connsiteY4" fmla="*/ 3695870 h 5217021"/>
+              <a:gd name="connsiteX5" fmla="*/ 2529555 w 11256099"/>
+              <a:gd name="connsiteY5" fmla="*/ 3490770 h 5217021"/>
+              <a:gd name="connsiteX6" fmla="*/ 3273039 w 11256099"/>
+              <a:gd name="connsiteY6" fmla="*/ 2866927 h 5217021"/>
+              <a:gd name="connsiteX7" fmla="*/ 3785786 w 11256099"/>
+              <a:gd name="connsiteY7" fmla="*/ 2490912 h 5217021"/>
+              <a:gd name="connsiteX8" fmla="*/ 4178893 w 11256099"/>
+              <a:gd name="connsiteY8" fmla="*/ 2328542 h 5217021"/>
+              <a:gd name="connsiteX9" fmla="*/ 4358355 w 11256099"/>
+              <a:gd name="connsiteY9" fmla="*/ 2234539 h 5217021"/>
+              <a:gd name="connsiteX10" fmla="*/ 4640366 w 11256099"/>
+              <a:gd name="connsiteY10" fmla="*/ 2183264 h 5217021"/>
+              <a:gd name="connsiteX11" fmla="*/ 5204388 w 11256099"/>
+              <a:gd name="connsiteY11" fmla="*/ 2140535 h 5217021"/>
+              <a:gd name="connsiteX12" fmla="*/ 5819686 w 11256099"/>
+              <a:gd name="connsiteY12" fmla="*/ 2131989 h 5217021"/>
+              <a:gd name="connsiteX13" fmla="*/ 6999005 w 11256099"/>
+              <a:gd name="connsiteY13" fmla="*/ 1986711 h 5217021"/>
+              <a:gd name="connsiteX14" fmla="*/ 7879222 w 11256099"/>
+              <a:gd name="connsiteY14" fmla="*/ 1858524 h 5217021"/>
+              <a:gd name="connsiteX15" fmla="*/ 8451790 w 11256099"/>
+              <a:gd name="connsiteY15" fmla="*/ 1798703 h 5217021"/>
+              <a:gd name="connsiteX16" fmla="*/ 8810714 w 11256099"/>
+              <a:gd name="connsiteY16" fmla="*/ 1798703 h 5217021"/>
+              <a:gd name="connsiteX17" fmla="*/ 9631110 w 11256099"/>
+              <a:gd name="connsiteY17" fmla="*/ 1849978 h 5217021"/>
+              <a:gd name="connsiteX18" fmla="*/ 10195132 w 11256099"/>
+              <a:gd name="connsiteY18" fmla="*/ 1909798 h 5217021"/>
+              <a:gd name="connsiteX19" fmla="*/ 10588239 w 11256099"/>
+              <a:gd name="connsiteY19" fmla="*/ 1978165 h 5217021"/>
+              <a:gd name="connsiteX20" fmla="*/ 10827521 w 11256099"/>
+              <a:gd name="connsiteY20" fmla="*/ 1995256 h 5217021"/>
+              <a:gd name="connsiteX21" fmla="*/ 10900649 w 11256099"/>
+              <a:gd name="connsiteY21" fmla="*/ 1914427 h 5217021"/>
+              <a:gd name="connsiteX22" fmla="*/ 10878796 w 11256099"/>
+              <a:gd name="connsiteY22" fmla="*/ 1491055 h 5217021"/>
+              <a:gd name="connsiteX23" fmla="*/ 10870250 w 11256099"/>
+              <a:gd name="connsiteY23" fmla="*/ 995398 h 5217021"/>
+              <a:gd name="connsiteX24" fmla="*/ 10930071 w 11256099"/>
+              <a:gd name="connsiteY24" fmla="*/ 610838 h 5217021"/>
+              <a:gd name="connsiteX25" fmla="*/ 11049712 w 11256099"/>
+              <a:gd name="connsiteY25" fmla="*/ 217731 h 5217021"/>
+              <a:gd name="connsiteX26" fmla="*/ 11126624 w 11256099"/>
+              <a:gd name="connsiteY26" fmla="*/ 12632 h 5217021"/>
+              <a:gd name="connsiteX27" fmla="*/ 11237719 w 11256099"/>
+              <a:gd name="connsiteY27" fmla="*/ 21178 h 5217021"/>
+              <a:gd name="connsiteX28" fmla="*/ 11254811 w 11256099"/>
+              <a:gd name="connsiteY28" fmla="*/ 21178 h 5217021"/>
+              <a:gd name="connsiteX0" fmla="*/ 0 w 11256099"/>
+              <a:gd name="connsiteY0" fmla="*/ 5217021 h 5217021"/>
+              <a:gd name="connsiteX1" fmla="*/ 410198 w 11256099"/>
+              <a:gd name="connsiteY1" fmla="*/ 4875189 h 5217021"/>
+              <a:gd name="connsiteX2" fmla="*/ 1119499 w 11256099"/>
+              <a:gd name="connsiteY2" fmla="*/ 4370987 h 5217021"/>
+              <a:gd name="connsiteX3" fmla="*/ 1828800 w 11256099"/>
+              <a:gd name="connsiteY3" fmla="*/ 3883877 h 5217021"/>
+              <a:gd name="connsiteX4" fmla="*/ 2204815 w 11256099"/>
+              <a:gd name="connsiteY4" fmla="*/ 3695870 h 5217021"/>
+              <a:gd name="connsiteX5" fmla="*/ 2529555 w 11256099"/>
+              <a:gd name="connsiteY5" fmla="*/ 3490770 h 5217021"/>
+              <a:gd name="connsiteX6" fmla="*/ 3273039 w 11256099"/>
+              <a:gd name="connsiteY6" fmla="*/ 2866927 h 5217021"/>
+              <a:gd name="connsiteX7" fmla="*/ 3785786 w 11256099"/>
+              <a:gd name="connsiteY7" fmla="*/ 2490912 h 5217021"/>
+              <a:gd name="connsiteX8" fmla="*/ 4178893 w 11256099"/>
+              <a:gd name="connsiteY8" fmla="*/ 2328542 h 5217021"/>
+              <a:gd name="connsiteX9" fmla="*/ 4358355 w 11256099"/>
+              <a:gd name="connsiteY9" fmla="*/ 2234539 h 5217021"/>
+              <a:gd name="connsiteX10" fmla="*/ 4640366 w 11256099"/>
+              <a:gd name="connsiteY10" fmla="*/ 2183264 h 5217021"/>
+              <a:gd name="connsiteX11" fmla="*/ 5204388 w 11256099"/>
+              <a:gd name="connsiteY11" fmla="*/ 2140535 h 5217021"/>
+              <a:gd name="connsiteX12" fmla="*/ 5819686 w 11256099"/>
+              <a:gd name="connsiteY12" fmla="*/ 2131989 h 5217021"/>
+              <a:gd name="connsiteX13" fmla="*/ 6999005 w 11256099"/>
+              <a:gd name="connsiteY13" fmla="*/ 1986711 h 5217021"/>
+              <a:gd name="connsiteX14" fmla="*/ 7879222 w 11256099"/>
+              <a:gd name="connsiteY14" fmla="*/ 1858524 h 5217021"/>
+              <a:gd name="connsiteX15" fmla="*/ 8451790 w 11256099"/>
+              <a:gd name="connsiteY15" fmla="*/ 1798703 h 5217021"/>
+              <a:gd name="connsiteX16" fmla="*/ 8810714 w 11256099"/>
+              <a:gd name="connsiteY16" fmla="*/ 1798703 h 5217021"/>
+              <a:gd name="connsiteX17" fmla="*/ 9631110 w 11256099"/>
+              <a:gd name="connsiteY17" fmla="*/ 1849978 h 5217021"/>
+              <a:gd name="connsiteX18" fmla="*/ 10195132 w 11256099"/>
+              <a:gd name="connsiteY18" fmla="*/ 1909798 h 5217021"/>
+              <a:gd name="connsiteX19" fmla="*/ 10588239 w 11256099"/>
+              <a:gd name="connsiteY19" fmla="*/ 1978165 h 5217021"/>
+              <a:gd name="connsiteX20" fmla="*/ 10827521 w 11256099"/>
+              <a:gd name="connsiteY20" fmla="*/ 1995256 h 5217021"/>
+              <a:gd name="connsiteX21" fmla="*/ 10876836 w 11256099"/>
+              <a:gd name="connsiteY21" fmla="*/ 1900140 h 5217021"/>
+              <a:gd name="connsiteX22" fmla="*/ 10878796 w 11256099"/>
+              <a:gd name="connsiteY22" fmla="*/ 1491055 h 5217021"/>
+              <a:gd name="connsiteX23" fmla="*/ 10870250 w 11256099"/>
+              <a:gd name="connsiteY23" fmla="*/ 995398 h 5217021"/>
+              <a:gd name="connsiteX24" fmla="*/ 10930071 w 11256099"/>
+              <a:gd name="connsiteY24" fmla="*/ 610838 h 5217021"/>
+              <a:gd name="connsiteX25" fmla="*/ 11049712 w 11256099"/>
+              <a:gd name="connsiteY25" fmla="*/ 217731 h 5217021"/>
+              <a:gd name="connsiteX26" fmla="*/ 11126624 w 11256099"/>
+              <a:gd name="connsiteY26" fmla="*/ 12632 h 5217021"/>
+              <a:gd name="connsiteX27" fmla="*/ 11237719 w 11256099"/>
+              <a:gd name="connsiteY27" fmla="*/ 21178 h 5217021"/>
+              <a:gd name="connsiteX28" fmla="*/ 11254811 w 11256099"/>
+              <a:gd name="connsiteY28" fmla="*/ 21178 h 5217021"/>
+              <a:gd name="connsiteX0" fmla="*/ 0 w 11256099"/>
+              <a:gd name="connsiteY0" fmla="*/ 5217021 h 5217021"/>
+              <a:gd name="connsiteX1" fmla="*/ 410198 w 11256099"/>
+              <a:gd name="connsiteY1" fmla="*/ 4875189 h 5217021"/>
+              <a:gd name="connsiteX2" fmla="*/ 1119499 w 11256099"/>
+              <a:gd name="connsiteY2" fmla="*/ 4370987 h 5217021"/>
+              <a:gd name="connsiteX3" fmla="*/ 1828800 w 11256099"/>
+              <a:gd name="connsiteY3" fmla="*/ 3883877 h 5217021"/>
+              <a:gd name="connsiteX4" fmla="*/ 2204815 w 11256099"/>
+              <a:gd name="connsiteY4" fmla="*/ 3695870 h 5217021"/>
+              <a:gd name="connsiteX5" fmla="*/ 2529555 w 11256099"/>
+              <a:gd name="connsiteY5" fmla="*/ 3490770 h 5217021"/>
+              <a:gd name="connsiteX6" fmla="*/ 3273039 w 11256099"/>
+              <a:gd name="connsiteY6" fmla="*/ 2866927 h 5217021"/>
+              <a:gd name="connsiteX7" fmla="*/ 3785786 w 11256099"/>
+              <a:gd name="connsiteY7" fmla="*/ 2490912 h 5217021"/>
+              <a:gd name="connsiteX8" fmla="*/ 4178893 w 11256099"/>
+              <a:gd name="connsiteY8" fmla="*/ 2328542 h 5217021"/>
+              <a:gd name="connsiteX9" fmla="*/ 4358355 w 11256099"/>
+              <a:gd name="connsiteY9" fmla="*/ 2234539 h 5217021"/>
+              <a:gd name="connsiteX10" fmla="*/ 4640366 w 11256099"/>
+              <a:gd name="connsiteY10" fmla="*/ 2183264 h 5217021"/>
+              <a:gd name="connsiteX11" fmla="*/ 5204388 w 11256099"/>
+              <a:gd name="connsiteY11" fmla="*/ 2140535 h 5217021"/>
+              <a:gd name="connsiteX12" fmla="*/ 5819686 w 11256099"/>
+              <a:gd name="connsiteY12" fmla="*/ 2131989 h 5217021"/>
+              <a:gd name="connsiteX13" fmla="*/ 6999005 w 11256099"/>
+              <a:gd name="connsiteY13" fmla="*/ 1986711 h 5217021"/>
+              <a:gd name="connsiteX14" fmla="*/ 7879222 w 11256099"/>
+              <a:gd name="connsiteY14" fmla="*/ 1858524 h 5217021"/>
+              <a:gd name="connsiteX15" fmla="*/ 8451790 w 11256099"/>
+              <a:gd name="connsiteY15" fmla="*/ 1798703 h 5217021"/>
+              <a:gd name="connsiteX16" fmla="*/ 8810714 w 11256099"/>
+              <a:gd name="connsiteY16" fmla="*/ 1798703 h 5217021"/>
+              <a:gd name="connsiteX17" fmla="*/ 9631110 w 11256099"/>
+              <a:gd name="connsiteY17" fmla="*/ 1849978 h 5217021"/>
+              <a:gd name="connsiteX18" fmla="*/ 10195132 w 11256099"/>
+              <a:gd name="connsiteY18" fmla="*/ 1909798 h 5217021"/>
+              <a:gd name="connsiteX19" fmla="*/ 10588239 w 11256099"/>
+              <a:gd name="connsiteY19" fmla="*/ 1978165 h 5217021"/>
+              <a:gd name="connsiteX20" fmla="*/ 10827521 w 11256099"/>
+              <a:gd name="connsiteY20" fmla="*/ 1995256 h 5217021"/>
+              <a:gd name="connsiteX21" fmla="*/ 10876836 w 11256099"/>
+              <a:gd name="connsiteY21" fmla="*/ 1895378 h 5217021"/>
+              <a:gd name="connsiteX22" fmla="*/ 10878796 w 11256099"/>
+              <a:gd name="connsiteY22" fmla="*/ 1491055 h 5217021"/>
+              <a:gd name="connsiteX23" fmla="*/ 10870250 w 11256099"/>
+              <a:gd name="connsiteY23" fmla="*/ 995398 h 5217021"/>
+              <a:gd name="connsiteX24" fmla="*/ 10930071 w 11256099"/>
+              <a:gd name="connsiteY24" fmla="*/ 610838 h 5217021"/>
+              <a:gd name="connsiteX25" fmla="*/ 11049712 w 11256099"/>
+              <a:gd name="connsiteY25" fmla="*/ 217731 h 5217021"/>
+              <a:gd name="connsiteX26" fmla="*/ 11126624 w 11256099"/>
+              <a:gd name="connsiteY26" fmla="*/ 12632 h 5217021"/>
+              <a:gd name="connsiteX27" fmla="*/ 11237719 w 11256099"/>
+              <a:gd name="connsiteY27" fmla="*/ 21178 h 5217021"/>
+              <a:gd name="connsiteX28" fmla="*/ 11254811 w 11256099"/>
+              <a:gd name="connsiteY28" fmla="*/ 21178 h 5217021"/>
+              <a:gd name="connsiteX0" fmla="*/ 0 w 11256099"/>
+              <a:gd name="connsiteY0" fmla="*/ 5217021 h 5217021"/>
+              <a:gd name="connsiteX1" fmla="*/ 410198 w 11256099"/>
+              <a:gd name="connsiteY1" fmla="*/ 4875189 h 5217021"/>
+              <a:gd name="connsiteX2" fmla="*/ 1119499 w 11256099"/>
+              <a:gd name="connsiteY2" fmla="*/ 4370987 h 5217021"/>
+              <a:gd name="connsiteX3" fmla="*/ 1828800 w 11256099"/>
+              <a:gd name="connsiteY3" fmla="*/ 3883877 h 5217021"/>
+              <a:gd name="connsiteX4" fmla="*/ 2204815 w 11256099"/>
+              <a:gd name="connsiteY4" fmla="*/ 3695870 h 5217021"/>
+              <a:gd name="connsiteX5" fmla="*/ 2529555 w 11256099"/>
+              <a:gd name="connsiteY5" fmla="*/ 3490770 h 5217021"/>
+              <a:gd name="connsiteX6" fmla="*/ 3273039 w 11256099"/>
+              <a:gd name="connsiteY6" fmla="*/ 2866927 h 5217021"/>
+              <a:gd name="connsiteX7" fmla="*/ 3785786 w 11256099"/>
+              <a:gd name="connsiteY7" fmla="*/ 2490912 h 5217021"/>
+              <a:gd name="connsiteX8" fmla="*/ 4115393 w 11256099"/>
+              <a:gd name="connsiteY8" fmla="*/ 2328542 h 5217021"/>
+              <a:gd name="connsiteX9" fmla="*/ 4358355 w 11256099"/>
+              <a:gd name="connsiteY9" fmla="*/ 2234539 h 5217021"/>
+              <a:gd name="connsiteX10" fmla="*/ 4640366 w 11256099"/>
+              <a:gd name="connsiteY10" fmla="*/ 2183264 h 5217021"/>
+              <a:gd name="connsiteX11" fmla="*/ 5204388 w 11256099"/>
+              <a:gd name="connsiteY11" fmla="*/ 2140535 h 5217021"/>
+              <a:gd name="connsiteX12" fmla="*/ 5819686 w 11256099"/>
+              <a:gd name="connsiteY12" fmla="*/ 2131989 h 5217021"/>
+              <a:gd name="connsiteX13" fmla="*/ 6999005 w 11256099"/>
+              <a:gd name="connsiteY13" fmla="*/ 1986711 h 5217021"/>
+              <a:gd name="connsiteX14" fmla="*/ 7879222 w 11256099"/>
+              <a:gd name="connsiteY14" fmla="*/ 1858524 h 5217021"/>
+              <a:gd name="connsiteX15" fmla="*/ 8451790 w 11256099"/>
+              <a:gd name="connsiteY15" fmla="*/ 1798703 h 5217021"/>
+              <a:gd name="connsiteX16" fmla="*/ 8810714 w 11256099"/>
+              <a:gd name="connsiteY16" fmla="*/ 1798703 h 5217021"/>
+              <a:gd name="connsiteX17" fmla="*/ 9631110 w 11256099"/>
+              <a:gd name="connsiteY17" fmla="*/ 1849978 h 5217021"/>
+              <a:gd name="connsiteX18" fmla="*/ 10195132 w 11256099"/>
+              <a:gd name="connsiteY18" fmla="*/ 1909798 h 5217021"/>
+              <a:gd name="connsiteX19" fmla="*/ 10588239 w 11256099"/>
+              <a:gd name="connsiteY19" fmla="*/ 1978165 h 5217021"/>
+              <a:gd name="connsiteX20" fmla="*/ 10827521 w 11256099"/>
+              <a:gd name="connsiteY20" fmla="*/ 1995256 h 5217021"/>
+              <a:gd name="connsiteX21" fmla="*/ 10876836 w 11256099"/>
+              <a:gd name="connsiteY21" fmla="*/ 1895378 h 5217021"/>
+              <a:gd name="connsiteX22" fmla="*/ 10878796 w 11256099"/>
+              <a:gd name="connsiteY22" fmla="*/ 1491055 h 5217021"/>
+              <a:gd name="connsiteX23" fmla="*/ 10870250 w 11256099"/>
+              <a:gd name="connsiteY23" fmla="*/ 995398 h 5217021"/>
+              <a:gd name="connsiteX24" fmla="*/ 10930071 w 11256099"/>
+              <a:gd name="connsiteY24" fmla="*/ 610838 h 5217021"/>
+              <a:gd name="connsiteX25" fmla="*/ 11049712 w 11256099"/>
+              <a:gd name="connsiteY25" fmla="*/ 217731 h 5217021"/>
+              <a:gd name="connsiteX26" fmla="*/ 11126624 w 11256099"/>
+              <a:gd name="connsiteY26" fmla="*/ 12632 h 5217021"/>
+              <a:gd name="connsiteX27" fmla="*/ 11237719 w 11256099"/>
+              <a:gd name="connsiteY27" fmla="*/ 21178 h 5217021"/>
+              <a:gd name="connsiteX28" fmla="*/ 11254811 w 11256099"/>
+              <a:gd name="connsiteY28" fmla="*/ 21178 h 5217021"/>
+              <a:gd name="connsiteX0" fmla="*/ 0 w 11256099"/>
+              <a:gd name="connsiteY0" fmla="*/ 5217021 h 5217021"/>
+              <a:gd name="connsiteX1" fmla="*/ 410198 w 11256099"/>
+              <a:gd name="connsiteY1" fmla="*/ 4875189 h 5217021"/>
+              <a:gd name="connsiteX2" fmla="*/ 1119499 w 11256099"/>
+              <a:gd name="connsiteY2" fmla="*/ 4370987 h 5217021"/>
+              <a:gd name="connsiteX3" fmla="*/ 1828800 w 11256099"/>
+              <a:gd name="connsiteY3" fmla="*/ 3883877 h 5217021"/>
+              <a:gd name="connsiteX4" fmla="*/ 2204815 w 11256099"/>
+              <a:gd name="connsiteY4" fmla="*/ 3695870 h 5217021"/>
+              <a:gd name="connsiteX5" fmla="*/ 2529555 w 11256099"/>
+              <a:gd name="connsiteY5" fmla="*/ 3490770 h 5217021"/>
+              <a:gd name="connsiteX6" fmla="*/ 3273039 w 11256099"/>
+              <a:gd name="connsiteY6" fmla="*/ 2866927 h 5217021"/>
+              <a:gd name="connsiteX7" fmla="*/ 3785786 w 11256099"/>
+              <a:gd name="connsiteY7" fmla="*/ 2490912 h 5217021"/>
+              <a:gd name="connsiteX8" fmla="*/ 4115393 w 11256099"/>
+              <a:gd name="connsiteY8" fmla="*/ 2328542 h 5217021"/>
+              <a:gd name="connsiteX9" fmla="*/ 4640366 w 11256099"/>
+              <a:gd name="connsiteY9" fmla="*/ 2183264 h 5217021"/>
+              <a:gd name="connsiteX10" fmla="*/ 5204388 w 11256099"/>
+              <a:gd name="connsiteY10" fmla="*/ 2140535 h 5217021"/>
+              <a:gd name="connsiteX11" fmla="*/ 5819686 w 11256099"/>
+              <a:gd name="connsiteY11" fmla="*/ 2131989 h 5217021"/>
+              <a:gd name="connsiteX12" fmla="*/ 6999005 w 11256099"/>
+              <a:gd name="connsiteY12" fmla="*/ 1986711 h 5217021"/>
+              <a:gd name="connsiteX13" fmla="*/ 7879222 w 11256099"/>
+              <a:gd name="connsiteY13" fmla="*/ 1858524 h 5217021"/>
+              <a:gd name="connsiteX14" fmla="*/ 8451790 w 11256099"/>
+              <a:gd name="connsiteY14" fmla="*/ 1798703 h 5217021"/>
+              <a:gd name="connsiteX15" fmla="*/ 8810714 w 11256099"/>
+              <a:gd name="connsiteY15" fmla="*/ 1798703 h 5217021"/>
+              <a:gd name="connsiteX16" fmla="*/ 9631110 w 11256099"/>
+              <a:gd name="connsiteY16" fmla="*/ 1849978 h 5217021"/>
+              <a:gd name="connsiteX17" fmla="*/ 10195132 w 11256099"/>
+              <a:gd name="connsiteY17" fmla="*/ 1909798 h 5217021"/>
+              <a:gd name="connsiteX18" fmla="*/ 10588239 w 11256099"/>
+              <a:gd name="connsiteY18" fmla="*/ 1978165 h 5217021"/>
+              <a:gd name="connsiteX19" fmla="*/ 10827521 w 11256099"/>
+              <a:gd name="connsiteY19" fmla="*/ 1995256 h 5217021"/>
+              <a:gd name="connsiteX20" fmla="*/ 10876836 w 11256099"/>
+              <a:gd name="connsiteY20" fmla="*/ 1895378 h 5217021"/>
+              <a:gd name="connsiteX21" fmla="*/ 10878796 w 11256099"/>
+              <a:gd name="connsiteY21" fmla="*/ 1491055 h 5217021"/>
+              <a:gd name="connsiteX22" fmla="*/ 10870250 w 11256099"/>
+              <a:gd name="connsiteY22" fmla="*/ 995398 h 5217021"/>
+              <a:gd name="connsiteX23" fmla="*/ 10930071 w 11256099"/>
+              <a:gd name="connsiteY23" fmla="*/ 610838 h 5217021"/>
+              <a:gd name="connsiteX24" fmla="*/ 11049712 w 11256099"/>
+              <a:gd name="connsiteY24" fmla="*/ 217731 h 5217021"/>
+              <a:gd name="connsiteX25" fmla="*/ 11126624 w 11256099"/>
+              <a:gd name="connsiteY25" fmla="*/ 12632 h 5217021"/>
+              <a:gd name="connsiteX26" fmla="*/ 11237719 w 11256099"/>
+              <a:gd name="connsiteY26" fmla="*/ 21178 h 5217021"/>
+              <a:gd name="connsiteX27" fmla="*/ 11254811 w 11256099"/>
+              <a:gd name="connsiteY27" fmla="*/ 21178 h 5217021"/>
+              <a:gd name="connsiteX0" fmla="*/ 0 w 11256099"/>
+              <a:gd name="connsiteY0" fmla="*/ 5217021 h 5217021"/>
+              <a:gd name="connsiteX1" fmla="*/ 410198 w 11256099"/>
+              <a:gd name="connsiteY1" fmla="*/ 4875189 h 5217021"/>
+              <a:gd name="connsiteX2" fmla="*/ 1119499 w 11256099"/>
+              <a:gd name="connsiteY2" fmla="*/ 4370987 h 5217021"/>
+              <a:gd name="connsiteX3" fmla="*/ 1828800 w 11256099"/>
+              <a:gd name="connsiteY3" fmla="*/ 3883877 h 5217021"/>
+              <a:gd name="connsiteX4" fmla="*/ 2204815 w 11256099"/>
+              <a:gd name="connsiteY4" fmla="*/ 3695870 h 5217021"/>
+              <a:gd name="connsiteX5" fmla="*/ 2529555 w 11256099"/>
+              <a:gd name="connsiteY5" fmla="*/ 3490770 h 5217021"/>
+              <a:gd name="connsiteX6" fmla="*/ 3273039 w 11256099"/>
+              <a:gd name="connsiteY6" fmla="*/ 2866927 h 5217021"/>
+              <a:gd name="connsiteX7" fmla="*/ 3785786 w 11256099"/>
+              <a:gd name="connsiteY7" fmla="*/ 2490912 h 5217021"/>
+              <a:gd name="connsiteX8" fmla="*/ 4147143 w 11256099"/>
+              <a:gd name="connsiteY8" fmla="*/ 2347592 h 5217021"/>
+              <a:gd name="connsiteX9" fmla="*/ 4640366 w 11256099"/>
+              <a:gd name="connsiteY9" fmla="*/ 2183264 h 5217021"/>
+              <a:gd name="connsiteX10" fmla="*/ 5204388 w 11256099"/>
+              <a:gd name="connsiteY10" fmla="*/ 2140535 h 5217021"/>
+              <a:gd name="connsiteX11" fmla="*/ 5819686 w 11256099"/>
+              <a:gd name="connsiteY11" fmla="*/ 2131989 h 5217021"/>
+              <a:gd name="connsiteX12" fmla="*/ 6999005 w 11256099"/>
+              <a:gd name="connsiteY12" fmla="*/ 1986711 h 5217021"/>
+              <a:gd name="connsiteX13" fmla="*/ 7879222 w 11256099"/>
+              <a:gd name="connsiteY13" fmla="*/ 1858524 h 5217021"/>
+              <a:gd name="connsiteX14" fmla="*/ 8451790 w 11256099"/>
+              <a:gd name="connsiteY14" fmla="*/ 1798703 h 5217021"/>
+              <a:gd name="connsiteX15" fmla="*/ 8810714 w 11256099"/>
+              <a:gd name="connsiteY15" fmla="*/ 1798703 h 5217021"/>
+              <a:gd name="connsiteX16" fmla="*/ 9631110 w 11256099"/>
+              <a:gd name="connsiteY16" fmla="*/ 1849978 h 5217021"/>
+              <a:gd name="connsiteX17" fmla="*/ 10195132 w 11256099"/>
+              <a:gd name="connsiteY17" fmla="*/ 1909798 h 5217021"/>
+              <a:gd name="connsiteX18" fmla="*/ 10588239 w 11256099"/>
+              <a:gd name="connsiteY18" fmla="*/ 1978165 h 5217021"/>
+              <a:gd name="connsiteX19" fmla="*/ 10827521 w 11256099"/>
+              <a:gd name="connsiteY19" fmla="*/ 1995256 h 5217021"/>
+              <a:gd name="connsiteX20" fmla="*/ 10876836 w 11256099"/>
+              <a:gd name="connsiteY20" fmla="*/ 1895378 h 5217021"/>
+              <a:gd name="connsiteX21" fmla="*/ 10878796 w 11256099"/>
+              <a:gd name="connsiteY21" fmla="*/ 1491055 h 5217021"/>
+              <a:gd name="connsiteX22" fmla="*/ 10870250 w 11256099"/>
+              <a:gd name="connsiteY22" fmla="*/ 995398 h 5217021"/>
+              <a:gd name="connsiteX23" fmla="*/ 10930071 w 11256099"/>
+              <a:gd name="connsiteY23" fmla="*/ 610838 h 5217021"/>
+              <a:gd name="connsiteX24" fmla="*/ 11049712 w 11256099"/>
+              <a:gd name="connsiteY24" fmla="*/ 217731 h 5217021"/>
+              <a:gd name="connsiteX25" fmla="*/ 11126624 w 11256099"/>
+              <a:gd name="connsiteY25" fmla="*/ 12632 h 5217021"/>
+              <a:gd name="connsiteX26" fmla="*/ 11237719 w 11256099"/>
+              <a:gd name="connsiteY26" fmla="*/ 21178 h 5217021"/>
+              <a:gd name="connsiteX27" fmla="*/ 11254811 w 11256099"/>
+              <a:gd name="connsiteY27" fmla="*/ 21178 h 5217021"/>
+              <a:gd name="connsiteX0" fmla="*/ 0 w 11256099"/>
+              <a:gd name="connsiteY0" fmla="*/ 5217021 h 5217021"/>
+              <a:gd name="connsiteX1" fmla="*/ 410198 w 11256099"/>
+              <a:gd name="connsiteY1" fmla="*/ 4875189 h 5217021"/>
+              <a:gd name="connsiteX2" fmla="*/ 1119499 w 11256099"/>
+              <a:gd name="connsiteY2" fmla="*/ 4370987 h 5217021"/>
+              <a:gd name="connsiteX3" fmla="*/ 1828800 w 11256099"/>
+              <a:gd name="connsiteY3" fmla="*/ 3883877 h 5217021"/>
+              <a:gd name="connsiteX4" fmla="*/ 2204815 w 11256099"/>
+              <a:gd name="connsiteY4" fmla="*/ 3695870 h 5217021"/>
+              <a:gd name="connsiteX5" fmla="*/ 2529555 w 11256099"/>
+              <a:gd name="connsiteY5" fmla="*/ 3490770 h 5217021"/>
+              <a:gd name="connsiteX6" fmla="*/ 3273039 w 11256099"/>
+              <a:gd name="connsiteY6" fmla="*/ 2866927 h 5217021"/>
+              <a:gd name="connsiteX7" fmla="*/ 3773086 w 11256099"/>
+              <a:gd name="connsiteY7" fmla="*/ 2535362 h 5217021"/>
+              <a:gd name="connsiteX8" fmla="*/ 4147143 w 11256099"/>
+              <a:gd name="connsiteY8" fmla="*/ 2347592 h 5217021"/>
+              <a:gd name="connsiteX9" fmla="*/ 4640366 w 11256099"/>
+              <a:gd name="connsiteY9" fmla="*/ 2183264 h 5217021"/>
+              <a:gd name="connsiteX10" fmla="*/ 5204388 w 11256099"/>
+              <a:gd name="connsiteY10" fmla="*/ 2140535 h 5217021"/>
+              <a:gd name="connsiteX11" fmla="*/ 5819686 w 11256099"/>
+              <a:gd name="connsiteY11" fmla="*/ 2131989 h 5217021"/>
+              <a:gd name="connsiteX12" fmla="*/ 6999005 w 11256099"/>
+              <a:gd name="connsiteY12" fmla="*/ 1986711 h 5217021"/>
+              <a:gd name="connsiteX13" fmla="*/ 7879222 w 11256099"/>
+              <a:gd name="connsiteY13" fmla="*/ 1858524 h 5217021"/>
+              <a:gd name="connsiteX14" fmla="*/ 8451790 w 11256099"/>
+              <a:gd name="connsiteY14" fmla="*/ 1798703 h 5217021"/>
+              <a:gd name="connsiteX15" fmla="*/ 8810714 w 11256099"/>
+              <a:gd name="connsiteY15" fmla="*/ 1798703 h 5217021"/>
+              <a:gd name="connsiteX16" fmla="*/ 9631110 w 11256099"/>
+              <a:gd name="connsiteY16" fmla="*/ 1849978 h 5217021"/>
+              <a:gd name="connsiteX17" fmla="*/ 10195132 w 11256099"/>
+              <a:gd name="connsiteY17" fmla="*/ 1909798 h 5217021"/>
+              <a:gd name="connsiteX18" fmla="*/ 10588239 w 11256099"/>
+              <a:gd name="connsiteY18" fmla="*/ 1978165 h 5217021"/>
+              <a:gd name="connsiteX19" fmla="*/ 10827521 w 11256099"/>
+              <a:gd name="connsiteY19" fmla="*/ 1995256 h 5217021"/>
+              <a:gd name="connsiteX20" fmla="*/ 10876836 w 11256099"/>
+              <a:gd name="connsiteY20" fmla="*/ 1895378 h 5217021"/>
+              <a:gd name="connsiteX21" fmla="*/ 10878796 w 11256099"/>
+              <a:gd name="connsiteY21" fmla="*/ 1491055 h 5217021"/>
+              <a:gd name="connsiteX22" fmla="*/ 10870250 w 11256099"/>
+              <a:gd name="connsiteY22" fmla="*/ 995398 h 5217021"/>
+              <a:gd name="connsiteX23" fmla="*/ 10930071 w 11256099"/>
+              <a:gd name="connsiteY23" fmla="*/ 610838 h 5217021"/>
+              <a:gd name="connsiteX24" fmla="*/ 11049712 w 11256099"/>
+              <a:gd name="connsiteY24" fmla="*/ 217731 h 5217021"/>
+              <a:gd name="connsiteX25" fmla="*/ 11126624 w 11256099"/>
+              <a:gd name="connsiteY25" fmla="*/ 12632 h 5217021"/>
+              <a:gd name="connsiteX26" fmla="*/ 11237719 w 11256099"/>
+              <a:gd name="connsiteY26" fmla="*/ 21178 h 5217021"/>
+              <a:gd name="connsiteX27" fmla="*/ 11254811 w 11256099"/>
+              <a:gd name="connsiteY27" fmla="*/ 21178 h 5217021"/>
+              <a:gd name="connsiteX0" fmla="*/ 0 w 11256099"/>
+              <a:gd name="connsiteY0" fmla="*/ 5217021 h 5217021"/>
+              <a:gd name="connsiteX1" fmla="*/ 410198 w 11256099"/>
+              <a:gd name="connsiteY1" fmla="*/ 4875189 h 5217021"/>
+              <a:gd name="connsiteX2" fmla="*/ 1119499 w 11256099"/>
+              <a:gd name="connsiteY2" fmla="*/ 4370987 h 5217021"/>
+              <a:gd name="connsiteX3" fmla="*/ 1828800 w 11256099"/>
+              <a:gd name="connsiteY3" fmla="*/ 3883877 h 5217021"/>
+              <a:gd name="connsiteX4" fmla="*/ 2529555 w 11256099"/>
+              <a:gd name="connsiteY4" fmla="*/ 3490770 h 5217021"/>
+              <a:gd name="connsiteX5" fmla="*/ 3273039 w 11256099"/>
+              <a:gd name="connsiteY5" fmla="*/ 2866927 h 5217021"/>
+              <a:gd name="connsiteX6" fmla="*/ 3773086 w 11256099"/>
+              <a:gd name="connsiteY6" fmla="*/ 2535362 h 5217021"/>
+              <a:gd name="connsiteX7" fmla="*/ 4147143 w 11256099"/>
+              <a:gd name="connsiteY7" fmla="*/ 2347592 h 5217021"/>
+              <a:gd name="connsiteX8" fmla="*/ 4640366 w 11256099"/>
+              <a:gd name="connsiteY8" fmla="*/ 2183264 h 5217021"/>
+              <a:gd name="connsiteX9" fmla="*/ 5204388 w 11256099"/>
+              <a:gd name="connsiteY9" fmla="*/ 2140535 h 5217021"/>
+              <a:gd name="connsiteX10" fmla="*/ 5819686 w 11256099"/>
+              <a:gd name="connsiteY10" fmla="*/ 2131989 h 5217021"/>
+              <a:gd name="connsiteX11" fmla="*/ 6999005 w 11256099"/>
+              <a:gd name="connsiteY11" fmla="*/ 1986711 h 5217021"/>
+              <a:gd name="connsiteX12" fmla="*/ 7879222 w 11256099"/>
+              <a:gd name="connsiteY12" fmla="*/ 1858524 h 5217021"/>
+              <a:gd name="connsiteX13" fmla="*/ 8451790 w 11256099"/>
+              <a:gd name="connsiteY13" fmla="*/ 1798703 h 5217021"/>
+              <a:gd name="connsiteX14" fmla="*/ 8810714 w 11256099"/>
+              <a:gd name="connsiteY14" fmla="*/ 1798703 h 5217021"/>
+              <a:gd name="connsiteX15" fmla="*/ 9631110 w 11256099"/>
+              <a:gd name="connsiteY15" fmla="*/ 1849978 h 5217021"/>
+              <a:gd name="connsiteX16" fmla="*/ 10195132 w 11256099"/>
+              <a:gd name="connsiteY16" fmla="*/ 1909798 h 5217021"/>
+              <a:gd name="connsiteX17" fmla="*/ 10588239 w 11256099"/>
+              <a:gd name="connsiteY17" fmla="*/ 1978165 h 5217021"/>
+              <a:gd name="connsiteX18" fmla="*/ 10827521 w 11256099"/>
+              <a:gd name="connsiteY18" fmla="*/ 1995256 h 5217021"/>
+              <a:gd name="connsiteX19" fmla="*/ 10876836 w 11256099"/>
+              <a:gd name="connsiteY19" fmla="*/ 1895378 h 5217021"/>
+              <a:gd name="connsiteX20" fmla="*/ 10878796 w 11256099"/>
+              <a:gd name="connsiteY20" fmla="*/ 1491055 h 5217021"/>
+              <a:gd name="connsiteX21" fmla="*/ 10870250 w 11256099"/>
+              <a:gd name="connsiteY21" fmla="*/ 995398 h 5217021"/>
+              <a:gd name="connsiteX22" fmla="*/ 10930071 w 11256099"/>
+              <a:gd name="connsiteY22" fmla="*/ 610838 h 5217021"/>
+              <a:gd name="connsiteX23" fmla="*/ 11049712 w 11256099"/>
+              <a:gd name="connsiteY23" fmla="*/ 217731 h 5217021"/>
+              <a:gd name="connsiteX24" fmla="*/ 11126624 w 11256099"/>
+              <a:gd name="connsiteY24" fmla="*/ 12632 h 5217021"/>
+              <a:gd name="connsiteX25" fmla="*/ 11237719 w 11256099"/>
+              <a:gd name="connsiteY25" fmla="*/ 21178 h 5217021"/>
+              <a:gd name="connsiteX26" fmla="*/ 11254811 w 11256099"/>
+              <a:gd name="connsiteY26" fmla="*/ 21178 h 5217021"/>
+              <a:gd name="connsiteX0" fmla="*/ 0 w 11256099"/>
+              <a:gd name="connsiteY0" fmla="*/ 5217021 h 5217021"/>
+              <a:gd name="connsiteX1" fmla="*/ 410198 w 11256099"/>
+              <a:gd name="connsiteY1" fmla="*/ 4875189 h 5217021"/>
+              <a:gd name="connsiteX2" fmla="*/ 1119499 w 11256099"/>
+              <a:gd name="connsiteY2" fmla="*/ 4370987 h 5217021"/>
+              <a:gd name="connsiteX3" fmla="*/ 1790700 w 11256099"/>
+              <a:gd name="connsiteY3" fmla="*/ 3941027 h 5217021"/>
+              <a:gd name="connsiteX4" fmla="*/ 2529555 w 11256099"/>
+              <a:gd name="connsiteY4" fmla="*/ 3490770 h 5217021"/>
+              <a:gd name="connsiteX5" fmla="*/ 3273039 w 11256099"/>
+              <a:gd name="connsiteY5" fmla="*/ 2866927 h 5217021"/>
+              <a:gd name="connsiteX6" fmla="*/ 3773086 w 11256099"/>
+              <a:gd name="connsiteY6" fmla="*/ 2535362 h 5217021"/>
+              <a:gd name="connsiteX7" fmla="*/ 4147143 w 11256099"/>
+              <a:gd name="connsiteY7" fmla="*/ 2347592 h 5217021"/>
+              <a:gd name="connsiteX8" fmla="*/ 4640366 w 11256099"/>
+              <a:gd name="connsiteY8" fmla="*/ 2183264 h 5217021"/>
+              <a:gd name="connsiteX9" fmla="*/ 5204388 w 11256099"/>
+              <a:gd name="connsiteY9" fmla="*/ 2140535 h 5217021"/>
+              <a:gd name="connsiteX10" fmla="*/ 5819686 w 11256099"/>
+              <a:gd name="connsiteY10" fmla="*/ 2131989 h 5217021"/>
+              <a:gd name="connsiteX11" fmla="*/ 6999005 w 11256099"/>
+              <a:gd name="connsiteY11" fmla="*/ 1986711 h 5217021"/>
+              <a:gd name="connsiteX12" fmla="*/ 7879222 w 11256099"/>
+              <a:gd name="connsiteY12" fmla="*/ 1858524 h 5217021"/>
+              <a:gd name="connsiteX13" fmla="*/ 8451790 w 11256099"/>
+              <a:gd name="connsiteY13" fmla="*/ 1798703 h 5217021"/>
+              <a:gd name="connsiteX14" fmla="*/ 8810714 w 11256099"/>
+              <a:gd name="connsiteY14" fmla="*/ 1798703 h 5217021"/>
+              <a:gd name="connsiteX15" fmla="*/ 9631110 w 11256099"/>
+              <a:gd name="connsiteY15" fmla="*/ 1849978 h 5217021"/>
+              <a:gd name="connsiteX16" fmla="*/ 10195132 w 11256099"/>
+              <a:gd name="connsiteY16" fmla="*/ 1909798 h 5217021"/>
+              <a:gd name="connsiteX17" fmla="*/ 10588239 w 11256099"/>
+              <a:gd name="connsiteY17" fmla="*/ 1978165 h 5217021"/>
+              <a:gd name="connsiteX18" fmla="*/ 10827521 w 11256099"/>
+              <a:gd name="connsiteY18" fmla="*/ 1995256 h 5217021"/>
+              <a:gd name="connsiteX19" fmla="*/ 10876836 w 11256099"/>
+              <a:gd name="connsiteY19" fmla="*/ 1895378 h 5217021"/>
+              <a:gd name="connsiteX20" fmla="*/ 10878796 w 11256099"/>
+              <a:gd name="connsiteY20" fmla="*/ 1491055 h 5217021"/>
+              <a:gd name="connsiteX21" fmla="*/ 10870250 w 11256099"/>
+              <a:gd name="connsiteY21" fmla="*/ 995398 h 5217021"/>
+              <a:gd name="connsiteX22" fmla="*/ 10930071 w 11256099"/>
+              <a:gd name="connsiteY22" fmla="*/ 610838 h 5217021"/>
+              <a:gd name="connsiteX23" fmla="*/ 11049712 w 11256099"/>
+              <a:gd name="connsiteY23" fmla="*/ 217731 h 5217021"/>
+              <a:gd name="connsiteX24" fmla="*/ 11126624 w 11256099"/>
+              <a:gd name="connsiteY24" fmla="*/ 12632 h 5217021"/>
+              <a:gd name="connsiteX25" fmla="*/ 11237719 w 11256099"/>
+              <a:gd name="connsiteY25" fmla="*/ 21178 h 5217021"/>
+              <a:gd name="connsiteX26" fmla="*/ 11254811 w 11256099"/>
+              <a:gd name="connsiteY26" fmla="*/ 21178 h 5217021"/>
+              <a:gd name="connsiteX0" fmla="*/ 0 w 11237719"/>
+              <a:gd name="connsiteY0" fmla="*/ 5217021 h 5217021"/>
+              <a:gd name="connsiteX1" fmla="*/ 410198 w 11237719"/>
+              <a:gd name="connsiteY1" fmla="*/ 4875189 h 5217021"/>
+              <a:gd name="connsiteX2" fmla="*/ 1119499 w 11237719"/>
+              <a:gd name="connsiteY2" fmla="*/ 4370987 h 5217021"/>
+              <a:gd name="connsiteX3" fmla="*/ 1790700 w 11237719"/>
+              <a:gd name="connsiteY3" fmla="*/ 3941027 h 5217021"/>
+              <a:gd name="connsiteX4" fmla="*/ 2529555 w 11237719"/>
+              <a:gd name="connsiteY4" fmla="*/ 3490770 h 5217021"/>
+              <a:gd name="connsiteX5" fmla="*/ 3273039 w 11237719"/>
+              <a:gd name="connsiteY5" fmla="*/ 2866927 h 5217021"/>
+              <a:gd name="connsiteX6" fmla="*/ 3773086 w 11237719"/>
+              <a:gd name="connsiteY6" fmla="*/ 2535362 h 5217021"/>
+              <a:gd name="connsiteX7" fmla="*/ 4147143 w 11237719"/>
+              <a:gd name="connsiteY7" fmla="*/ 2347592 h 5217021"/>
+              <a:gd name="connsiteX8" fmla="*/ 4640366 w 11237719"/>
+              <a:gd name="connsiteY8" fmla="*/ 2183264 h 5217021"/>
+              <a:gd name="connsiteX9" fmla="*/ 5204388 w 11237719"/>
+              <a:gd name="connsiteY9" fmla="*/ 2140535 h 5217021"/>
+              <a:gd name="connsiteX10" fmla="*/ 5819686 w 11237719"/>
+              <a:gd name="connsiteY10" fmla="*/ 2131989 h 5217021"/>
+              <a:gd name="connsiteX11" fmla="*/ 6999005 w 11237719"/>
+              <a:gd name="connsiteY11" fmla="*/ 1986711 h 5217021"/>
+              <a:gd name="connsiteX12" fmla="*/ 7879222 w 11237719"/>
+              <a:gd name="connsiteY12" fmla="*/ 1858524 h 5217021"/>
+              <a:gd name="connsiteX13" fmla="*/ 8451790 w 11237719"/>
+              <a:gd name="connsiteY13" fmla="*/ 1798703 h 5217021"/>
+              <a:gd name="connsiteX14" fmla="*/ 8810714 w 11237719"/>
+              <a:gd name="connsiteY14" fmla="*/ 1798703 h 5217021"/>
+              <a:gd name="connsiteX15" fmla="*/ 9631110 w 11237719"/>
+              <a:gd name="connsiteY15" fmla="*/ 1849978 h 5217021"/>
+              <a:gd name="connsiteX16" fmla="*/ 10195132 w 11237719"/>
+              <a:gd name="connsiteY16" fmla="*/ 1909798 h 5217021"/>
+              <a:gd name="connsiteX17" fmla="*/ 10588239 w 11237719"/>
+              <a:gd name="connsiteY17" fmla="*/ 1978165 h 5217021"/>
+              <a:gd name="connsiteX18" fmla="*/ 10827521 w 11237719"/>
+              <a:gd name="connsiteY18" fmla="*/ 1995256 h 5217021"/>
+              <a:gd name="connsiteX19" fmla="*/ 10876836 w 11237719"/>
+              <a:gd name="connsiteY19" fmla="*/ 1895378 h 5217021"/>
+              <a:gd name="connsiteX20" fmla="*/ 10878796 w 11237719"/>
+              <a:gd name="connsiteY20" fmla="*/ 1491055 h 5217021"/>
+              <a:gd name="connsiteX21" fmla="*/ 10870250 w 11237719"/>
+              <a:gd name="connsiteY21" fmla="*/ 995398 h 5217021"/>
+              <a:gd name="connsiteX22" fmla="*/ 10930071 w 11237719"/>
+              <a:gd name="connsiteY22" fmla="*/ 610838 h 5217021"/>
+              <a:gd name="connsiteX23" fmla="*/ 11049712 w 11237719"/>
+              <a:gd name="connsiteY23" fmla="*/ 217731 h 5217021"/>
+              <a:gd name="connsiteX24" fmla="*/ 11126624 w 11237719"/>
+              <a:gd name="connsiteY24" fmla="*/ 12632 h 5217021"/>
+              <a:gd name="connsiteX25" fmla="*/ 11237719 w 11237719"/>
+              <a:gd name="connsiteY25" fmla="*/ 21178 h 5217021"/>
+              <a:gd name="connsiteX0" fmla="*/ 0 w 11126624"/>
+              <a:gd name="connsiteY0" fmla="*/ 5204389 h 5204389"/>
+              <a:gd name="connsiteX1" fmla="*/ 410198 w 11126624"/>
+              <a:gd name="connsiteY1" fmla="*/ 4862557 h 5204389"/>
+              <a:gd name="connsiteX2" fmla="*/ 1119499 w 11126624"/>
+              <a:gd name="connsiteY2" fmla="*/ 4358355 h 5204389"/>
+              <a:gd name="connsiteX3" fmla="*/ 1790700 w 11126624"/>
+              <a:gd name="connsiteY3" fmla="*/ 3928395 h 5204389"/>
+              <a:gd name="connsiteX4" fmla="*/ 2529555 w 11126624"/>
+              <a:gd name="connsiteY4" fmla="*/ 3478138 h 5204389"/>
+              <a:gd name="connsiteX5" fmla="*/ 3273039 w 11126624"/>
+              <a:gd name="connsiteY5" fmla="*/ 2854295 h 5204389"/>
+              <a:gd name="connsiteX6" fmla="*/ 3773086 w 11126624"/>
+              <a:gd name="connsiteY6" fmla="*/ 2522730 h 5204389"/>
+              <a:gd name="connsiteX7" fmla="*/ 4147143 w 11126624"/>
+              <a:gd name="connsiteY7" fmla="*/ 2334960 h 5204389"/>
+              <a:gd name="connsiteX8" fmla="*/ 4640366 w 11126624"/>
+              <a:gd name="connsiteY8" fmla="*/ 2170632 h 5204389"/>
+              <a:gd name="connsiteX9" fmla="*/ 5204388 w 11126624"/>
+              <a:gd name="connsiteY9" fmla="*/ 2127903 h 5204389"/>
+              <a:gd name="connsiteX10" fmla="*/ 5819686 w 11126624"/>
+              <a:gd name="connsiteY10" fmla="*/ 2119357 h 5204389"/>
+              <a:gd name="connsiteX11" fmla="*/ 6999005 w 11126624"/>
+              <a:gd name="connsiteY11" fmla="*/ 1974079 h 5204389"/>
+              <a:gd name="connsiteX12" fmla="*/ 7879222 w 11126624"/>
+              <a:gd name="connsiteY12" fmla="*/ 1845892 h 5204389"/>
+              <a:gd name="connsiteX13" fmla="*/ 8451790 w 11126624"/>
+              <a:gd name="connsiteY13" fmla="*/ 1786071 h 5204389"/>
+              <a:gd name="connsiteX14" fmla="*/ 8810714 w 11126624"/>
+              <a:gd name="connsiteY14" fmla="*/ 1786071 h 5204389"/>
+              <a:gd name="connsiteX15" fmla="*/ 9631110 w 11126624"/>
+              <a:gd name="connsiteY15" fmla="*/ 1837346 h 5204389"/>
+              <a:gd name="connsiteX16" fmla="*/ 10195132 w 11126624"/>
+              <a:gd name="connsiteY16" fmla="*/ 1897166 h 5204389"/>
+              <a:gd name="connsiteX17" fmla="*/ 10588239 w 11126624"/>
+              <a:gd name="connsiteY17" fmla="*/ 1965533 h 5204389"/>
+              <a:gd name="connsiteX18" fmla="*/ 10827521 w 11126624"/>
+              <a:gd name="connsiteY18" fmla="*/ 1982624 h 5204389"/>
+              <a:gd name="connsiteX19" fmla="*/ 10876836 w 11126624"/>
+              <a:gd name="connsiteY19" fmla="*/ 1882746 h 5204389"/>
+              <a:gd name="connsiteX20" fmla="*/ 10878796 w 11126624"/>
+              <a:gd name="connsiteY20" fmla="*/ 1478423 h 5204389"/>
+              <a:gd name="connsiteX21" fmla="*/ 10870250 w 11126624"/>
+              <a:gd name="connsiteY21" fmla="*/ 982766 h 5204389"/>
+              <a:gd name="connsiteX22" fmla="*/ 10930071 w 11126624"/>
+              <a:gd name="connsiteY22" fmla="*/ 598206 h 5204389"/>
+              <a:gd name="connsiteX23" fmla="*/ 11049712 w 11126624"/>
+              <a:gd name="connsiteY23" fmla="*/ 205099 h 5204389"/>
+              <a:gd name="connsiteX24" fmla="*/ 11126624 w 11126624"/>
+              <a:gd name="connsiteY24" fmla="*/ 0 h 5204389"/>
+              <a:gd name="connsiteX0" fmla="*/ 0 w 11049712"/>
+              <a:gd name="connsiteY0" fmla="*/ 4999290 h 4999290"/>
+              <a:gd name="connsiteX1" fmla="*/ 410198 w 11049712"/>
+              <a:gd name="connsiteY1" fmla="*/ 4657458 h 4999290"/>
+              <a:gd name="connsiteX2" fmla="*/ 1119499 w 11049712"/>
+              <a:gd name="connsiteY2" fmla="*/ 4153256 h 4999290"/>
+              <a:gd name="connsiteX3" fmla="*/ 1790700 w 11049712"/>
+              <a:gd name="connsiteY3" fmla="*/ 3723296 h 4999290"/>
+              <a:gd name="connsiteX4" fmla="*/ 2529555 w 11049712"/>
+              <a:gd name="connsiteY4" fmla="*/ 3273039 h 4999290"/>
+              <a:gd name="connsiteX5" fmla="*/ 3273039 w 11049712"/>
+              <a:gd name="connsiteY5" fmla="*/ 2649196 h 4999290"/>
+              <a:gd name="connsiteX6" fmla="*/ 3773086 w 11049712"/>
+              <a:gd name="connsiteY6" fmla="*/ 2317631 h 4999290"/>
+              <a:gd name="connsiteX7" fmla="*/ 4147143 w 11049712"/>
+              <a:gd name="connsiteY7" fmla="*/ 2129861 h 4999290"/>
+              <a:gd name="connsiteX8" fmla="*/ 4640366 w 11049712"/>
+              <a:gd name="connsiteY8" fmla="*/ 1965533 h 4999290"/>
+              <a:gd name="connsiteX9" fmla="*/ 5204388 w 11049712"/>
+              <a:gd name="connsiteY9" fmla="*/ 1922804 h 4999290"/>
+              <a:gd name="connsiteX10" fmla="*/ 5819686 w 11049712"/>
+              <a:gd name="connsiteY10" fmla="*/ 1914258 h 4999290"/>
+              <a:gd name="connsiteX11" fmla="*/ 6999005 w 11049712"/>
+              <a:gd name="connsiteY11" fmla="*/ 1768980 h 4999290"/>
+              <a:gd name="connsiteX12" fmla="*/ 7879222 w 11049712"/>
+              <a:gd name="connsiteY12" fmla="*/ 1640793 h 4999290"/>
+              <a:gd name="connsiteX13" fmla="*/ 8451790 w 11049712"/>
+              <a:gd name="connsiteY13" fmla="*/ 1580972 h 4999290"/>
+              <a:gd name="connsiteX14" fmla="*/ 8810714 w 11049712"/>
+              <a:gd name="connsiteY14" fmla="*/ 1580972 h 4999290"/>
+              <a:gd name="connsiteX15" fmla="*/ 9631110 w 11049712"/>
+              <a:gd name="connsiteY15" fmla="*/ 1632247 h 4999290"/>
+              <a:gd name="connsiteX16" fmla="*/ 10195132 w 11049712"/>
+              <a:gd name="connsiteY16" fmla="*/ 1692067 h 4999290"/>
+              <a:gd name="connsiteX17" fmla="*/ 10588239 w 11049712"/>
+              <a:gd name="connsiteY17" fmla="*/ 1760434 h 4999290"/>
+              <a:gd name="connsiteX18" fmla="*/ 10827521 w 11049712"/>
+              <a:gd name="connsiteY18" fmla="*/ 1777525 h 4999290"/>
+              <a:gd name="connsiteX19" fmla="*/ 10876836 w 11049712"/>
+              <a:gd name="connsiteY19" fmla="*/ 1677647 h 4999290"/>
+              <a:gd name="connsiteX20" fmla="*/ 10878796 w 11049712"/>
+              <a:gd name="connsiteY20" fmla="*/ 1273324 h 4999290"/>
+              <a:gd name="connsiteX21" fmla="*/ 10870250 w 11049712"/>
+              <a:gd name="connsiteY21" fmla="*/ 777667 h 4999290"/>
+              <a:gd name="connsiteX22" fmla="*/ 10930071 w 11049712"/>
+              <a:gd name="connsiteY22" fmla="*/ 393107 h 4999290"/>
+              <a:gd name="connsiteX23" fmla="*/ 11049712 w 11049712"/>
+              <a:gd name="connsiteY23" fmla="*/ 0 h 4999290"/>
+              <a:gd name="connsiteX0" fmla="*/ 0 w 10930071"/>
+              <a:gd name="connsiteY0" fmla="*/ 4606183 h 4606183"/>
+              <a:gd name="connsiteX1" fmla="*/ 410198 w 10930071"/>
+              <a:gd name="connsiteY1" fmla="*/ 4264351 h 4606183"/>
+              <a:gd name="connsiteX2" fmla="*/ 1119499 w 10930071"/>
+              <a:gd name="connsiteY2" fmla="*/ 3760149 h 4606183"/>
+              <a:gd name="connsiteX3" fmla="*/ 1790700 w 10930071"/>
+              <a:gd name="connsiteY3" fmla="*/ 3330189 h 4606183"/>
+              <a:gd name="connsiteX4" fmla="*/ 2529555 w 10930071"/>
+              <a:gd name="connsiteY4" fmla="*/ 2879932 h 4606183"/>
+              <a:gd name="connsiteX5" fmla="*/ 3273039 w 10930071"/>
+              <a:gd name="connsiteY5" fmla="*/ 2256089 h 4606183"/>
+              <a:gd name="connsiteX6" fmla="*/ 3773086 w 10930071"/>
+              <a:gd name="connsiteY6" fmla="*/ 1924524 h 4606183"/>
+              <a:gd name="connsiteX7" fmla="*/ 4147143 w 10930071"/>
+              <a:gd name="connsiteY7" fmla="*/ 1736754 h 4606183"/>
+              <a:gd name="connsiteX8" fmla="*/ 4640366 w 10930071"/>
+              <a:gd name="connsiteY8" fmla="*/ 1572426 h 4606183"/>
+              <a:gd name="connsiteX9" fmla="*/ 5204388 w 10930071"/>
+              <a:gd name="connsiteY9" fmla="*/ 1529697 h 4606183"/>
+              <a:gd name="connsiteX10" fmla="*/ 5819686 w 10930071"/>
+              <a:gd name="connsiteY10" fmla="*/ 1521151 h 4606183"/>
+              <a:gd name="connsiteX11" fmla="*/ 6999005 w 10930071"/>
+              <a:gd name="connsiteY11" fmla="*/ 1375873 h 4606183"/>
+              <a:gd name="connsiteX12" fmla="*/ 7879222 w 10930071"/>
+              <a:gd name="connsiteY12" fmla="*/ 1247686 h 4606183"/>
+              <a:gd name="connsiteX13" fmla="*/ 8451790 w 10930071"/>
+              <a:gd name="connsiteY13" fmla="*/ 1187865 h 4606183"/>
+              <a:gd name="connsiteX14" fmla="*/ 8810714 w 10930071"/>
+              <a:gd name="connsiteY14" fmla="*/ 1187865 h 4606183"/>
+              <a:gd name="connsiteX15" fmla="*/ 9631110 w 10930071"/>
+              <a:gd name="connsiteY15" fmla="*/ 1239140 h 4606183"/>
+              <a:gd name="connsiteX16" fmla="*/ 10195132 w 10930071"/>
+              <a:gd name="connsiteY16" fmla="*/ 1298960 h 4606183"/>
+              <a:gd name="connsiteX17" fmla="*/ 10588239 w 10930071"/>
+              <a:gd name="connsiteY17" fmla="*/ 1367327 h 4606183"/>
+              <a:gd name="connsiteX18" fmla="*/ 10827521 w 10930071"/>
+              <a:gd name="connsiteY18" fmla="*/ 1384418 h 4606183"/>
+              <a:gd name="connsiteX19" fmla="*/ 10876836 w 10930071"/>
+              <a:gd name="connsiteY19" fmla="*/ 1284540 h 4606183"/>
+              <a:gd name="connsiteX20" fmla="*/ 10878796 w 10930071"/>
+              <a:gd name="connsiteY20" fmla="*/ 880217 h 4606183"/>
+              <a:gd name="connsiteX21" fmla="*/ 10870250 w 10930071"/>
+              <a:gd name="connsiteY21" fmla="*/ 384560 h 4606183"/>
+              <a:gd name="connsiteX22" fmla="*/ 10930071 w 10930071"/>
+              <a:gd name="connsiteY22" fmla="*/ 0 h 4606183"/>
+              <a:gd name="connsiteX0" fmla="*/ 0 w 10881543"/>
+              <a:gd name="connsiteY0" fmla="*/ 4221623 h 4221623"/>
+              <a:gd name="connsiteX1" fmla="*/ 410198 w 10881543"/>
+              <a:gd name="connsiteY1" fmla="*/ 3879791 h 4221623"/>
+              <a:gd name="connsiteX2" fmla="*/ 1119499 w 10881543"/>
+              <a:gd name="connsiteY2" fmla="*/ 3375589 h 4221623"/>
+              <a:gd name="connsiteX3" fmla="*/ 1790700 w 10881543"/>
+              <a:gd name="connsiteY3" fmla="*/ 2945629 h 4221623"/>
+              <a:gd name="connsiteX4" fmla="*/ 2529555 w 10881543"/>
+              <a:gd name="connsiteY4" fmla="*/ 2495372 h 4221623"/>
+              <a:gd name="connsiteX5" fmla="*/ 3273039 w 10881543"/>
+              <a:gd name="connsiteY5" fmla="*/ 1871529 h 4221623"/>
+              <a:gd name="connsiteX6" fmla="*/ 3773086 w 10881543"/>
+              <a:gd name="connsiteY6" fmla="*/ 1539964 h 4221623"/>
+              <a:gd name="connsiteX7" fmla="*/ 4147143 w 10881543"/>
+              <a:gd name="connsiteY7" fmla="*/ 1352194 h 4221623"/>
+              <a:gd name="connsiteX8" fmla="*/ 4640366 w 10881543"/>
+              <a:gd name="connsiteY8" fmla="*/ 1187866 h 4221623"/>
+              <a:gd name="connsiteX9" fmla="*/ 5204388 w 10881543"/>
+              <a:gd name="connsiteY9" fmla="*/ 1145137 h 4221623"/>
+              <a:gd name="connsiteX10" fmla="*/ 5819686 w 10881543"/>
+              <a:gd name="connsiteY10" fmla="*/ 1136591 h 4221623"/>
+              <a:gd name="connsiteX11" fmla="*/ 6999005 w 10881543"/>
+              <a:gd name="connsiteY11" fmla="*/ 991313 h 4221623"/>
+              <a:gd name="connsiteX12" fmla="*/ 7879222 w 10881543"/>
+              <a:gd name="connsiteY12" fmla="*/ 863126 h 4221623"/>
+              <a:gd name="connsiteX13" fmla="*/ 8451790 w 10881543"/>
+              <a:gd name="connsiteY13" fmla="*/ 803305 h 4221623"/>
+              <a:gd name="connsiteX14" fmla="*/ 8810714 w 10881543"/>
+              <a:gd name="connsiteY14" fmla="*/ 803305 h 4221623"/>
+              <a:gd name="connsiteX15" fmla="*/ 9631110 w 10881543"/>
+              <a:gd name="connsiteY15" fmla="*/ 854580 h 4221623"/>
+              <a:gd name="connsiteX16" fmla="*/ 10195132 w 10881543"/>
+              <a:gd name="connsiteY16" fmla="*/ 914400 h 4221623"/>
+              <a:gd name="connsiteX17" fmla="*/ 10588239 w 10881543"/>
+              <a:gd name="connsiteY17" fmla="*/ 982767 h 4221623"/>
+              <a:gd name="connsiteX18" fmla="*/ 10827521 w 10881543"/>
+              <a:gd name="connsiteY18" fmla="*/ 999858 h 4221623"/>
+              <a:gd name="connsiteX19" fmla="*/ 10876836 w 10881543"/>
+              <a:gd name="connsiteY19" fmla="*/ 899980 h 4221623"/>
+              <a:gd name="connsiteX20" fmla="*/ 10878796 w 10881543"/>
+              <a:gd name="connsiteY20" fmla="*/ 495657 h 4221623"/>
+              <a:gd name="connsiteX21" fmla="*/ 10870250 w 10881543"/>
+              <a:gd name="connsiteY21" fmla="*/ 0 h 4221623"/>
+              <a:gd name="connsiteX0" fmla="*/ 0 w 10881542"/>
+              <a:gd name="connsiteY0" fmla="*/ 3725967 h 3725967"/>
+              <a:gd name="connsiteX1" fmla="*/ 410198 w 10881542"/>
+              <a:gd name="connsiteY1" fmla="*/ 3384135 h 3725967"/>
+              <a:gd name="connsiteX2" fmla="*/ 1119499 w 10881542"/>
+              <a:gd name="connsiteY2" fmla="*/ 2879933 h 3725967"/>
+              <a:gd name="connsiteX3" fmla="*/ 1790700 w 10881542"/>
+              <a:gd name="connsiteY3" fmla="*/ 2449973 h 3725967"/>
+              <a:gd name="connsiteX4" fmla="*/ 2529555 w 10881542"/>
+              <a:gd name="connsiteY4" fmla="*/ 1999716 h 3725967"/>
+              <a:gd name="connsiteX5" fmla="*/ 3273039 w 10881542"/>
+              <a:gd name="connsiteY5" fmla="*/ 1375873 h 3725967"/>
+              <a:gd name="connsiteX6" fmla="*/ 3773086 w 10881542"/>
+              <a:gd name="connsiteY6" fmla="*/ 1044308 h 3725967"/>
+              <a:gd name="connsiteX7" fmla="*/ 4147143 w 10881542"/>
+              <a:gd name="connsiteY7" fmla="*/ 856538 h 3725967"/>
+              <a:gd name="connsiteX8" fmla="*/ 4640366 w 10881542"/>
+              <a:gd name="connsiteY8" fmla="*/ 692210 h 3725967"/>
+              <a:gd name="connsiteX9" fmla="*/ 5204388 w 10881542"/>
+              <a:gd name="connsiteY9" fmla="*/ 649481 h 3725967"/>
+              <a:gd name="connsiteX10" fmla="*/ 5819686 w 10881542"/>
+              <a:gd name="connsiteY10" fmla="*/ 640935 h 3725967"/>
+              <a:gd name="connsiteX11" fmla="*/ 6999005 w 10881542"/>
+              <a:gd name="connsiteY11" fmla="*/ 495657 h 3725967"/>
+              <a:gd name="connsiteX12" fmla="*/ 7879222 w 10881542"/>
+              <a:gd name="connsiteY12" fmla="*/ 367470 h 3725967"/>
+              <a:gd name="connsiteX13" fmla="*/ 8451790 w 10881542"/>
+              <a:gd name="connsiteY13" fmla="*/ 307649 h 3725967"/>
+              <a:gd name="connsiteX14" fmla="*/ 8810714 w 10881542"/>
+              <a:gd name="connsiteY14" fmla="*/ 307649 h 3725967"/>
+              <a:gd name="connsiteX15" fmla="*/ 9631110 w 10881542"/>
+              <a:gd name="connsiteY15" fmla="*/ 358924 h 3725967"/>
+              <a:gd name="connsiteX16" fmla="*/ 10195132 w 10881542"/>
+              <a:gd name="connsiteY16" fmla="*/ 418744 h 3725967"/>
+              <a:gd name="connsiteX17" fmla="*/ 10588239 w 10881542"/>
+              <a:gd name="connsiteY17" fmla="*/ 487111 h 3725967"/>
+              <a:gd name="connsiteX18" fmla="*/ 10827521 w 10881542"/>
+              <a:gd name="connsiteY18" fmla="*/ 504202 h 3725967"/>
+              <a:gd name="connsiteX19" fmla="*/ 10876836 w 10881542"/>
+              <a:gd name="connsiteY19" fmla="*/ 404324 h 3725967"/>
+              <a:gd name="connsiteX20" fmla="*/ 10878796 w 10881542"/>
+              <a:gd name="connsiteY20" fmla="*/ 1 h 3725967"/>
+              <a:gd name="connsiteX0" fmla="*/ 0 w 10876836"/>
+              <a:gd name="connsiteY0" fmla="*/ 3425272 h 3425272"/>
+              <a:gd name="connsiteX1" fmla="*/ 410198 w 10876836"/>
+              <a:gd name="connsiteY1" fmla="*/ 3083440 h 3425272"/>
+              <a:gd name="connsiteX2" fmla="*/ 1119499 w 10876836"/>
+              <a:gd name="connsiteY2" fmla="*/ 2579238 h 3425272"/>
+              <a:gd name="connsiteX3" fmla="*/ 1790700 w 10876836"/>
+              <a:gd name="connsiteY3" fmla="*/ 2149278 h 3425272"/>
+              <a:gd name="connsiteX4" fmla="*/ 2529555 w 10876836"/>
+              <a:gd name="connsiteY4" fmla="*/ 1699021 h 3425272"/>
+              <a:gd name="connsiteX5" fmla="*/ 3273039 w 10876836"/>
+              <a:gd name="connsiteY5" fmla="*/ 1075178 h 3425272"/>
+              <a:gd name="connsiteX6" fmla="*/ 3773086 w 10876836"/>
+              <a:gd name="connsiteY6" fmla="*/ 743613 h 3425272"/>
+              <a:gd name="connsiteX7" fmla="*/ 4147143 w 10876836"/>
+              <a:gd name="connsiteY7" fmla="*/ 555843 h 3425272"/>
+              <a:gd name="connsiteX8" fmla="*/ 4640366 w 10876836"/>
+              <a:gd name="connsiteY8" fmla="*/ 391515 h 3425272"/>
+              <a:gd name="connsiteX9" fmla="*/ 5204388 w 10876836"/>
+              <a:gd name="connsiteY9" fmla="*/ 348786 h 3425272"/>
+              <a:gd name="connsiteX10" fmla="*/ 5819686 w 10876836"/>
+              <a:gd name="connsiteY10" fmla="*/ 340240 h 3425272"/>
+              <a:gd name="connsiteX11" fmla="*/ 6999005 w 10876836"/>
+              <a:gd name="connsiteY11" fmla="*/ 194962 h 3425272"/>
+              <a:gd name="connsiteX12" fmla="*/ 7879222 w 10876836"/>
+              <a:gd name="connsiteY12" fmla="*/ 66775 h 3425272"/>
+              <a:gd name="connsiteX13" fmla="*/ 8451790 w 10876836"/>
+              <a:gd name="connsiteY13" fmla="*/ 6954 h 3425272"/>
+              <a:gd name="connsiteX14" fmla="*/ 8810714 w 10876836"/>
+              <a:gd name="connsiteY14" fmla="*/ 6954 h 3425272"/>
+              <a:gd name="connsiteX15" fmla="*/ 9631110 w 10876836"/>
+              <a:gd name="connsiteY15" fmla="*/ 58229 h 3425272"/>
+              <a:gd name="connsiteX16" fmla="*/ 10195132 w 10876836"/>
+              <a:gd name="connsiteY16" fmla="*/ 118049 h 3425272"/>
+              <a:gd name="connsiteX17" fmla="*/ 10588239 w 10876836"/>
+              <a:gd name="connsiteY17" fmla="*/ 186416 h 3425272"/>
+              <a:gd name="connsiteX18" fmla="*/ 10827521 w 10876836"/>
+              <a:gd name="connsiteY18" fmla="*/ 203507 h 3425272"/>
+              <a:gd name="connsiteX19" fmla="*/ 10876836 w 10876836"/>
+              <a:gd name="connsiteY19" fmla="*/ 103629 h 3425272"/>
+              <a:gd name="connsiteX0" fmla="*/ 0 w 10876836"/>
+              <a:gd name="connsiteY0" fmla="*/ 3425272 h 3425272"/>
+              <a:gd name="connsiteX1" fmla="*/ 410198 w 10876836"/>
+              <a:gd name="connsiteY1" fmla="*/ 3083440 h 3425272"/>
+              <a:gd name="connsiteX2" fmla="*/ 1119499 w 10876836"/>
+              <a:gd name="connsiteY2" fmla="*/ 2579238 h 3425272"/>
+              <a:gd name="connsiteX3" fmla="*/ 1790700 w 10876836"/>
+              <a:gd name="connsiteY3" fmla="*/ 2149278 h 3425272"/>
+              <a:gd name="connsiteX4" fmla="*/ 2529555 w 10876836"/>
+              <a:gd name="connsiteY4" fmla="*/ 1699021 h 3425272"/>
+              <a:gd name="connsiteX5" fmla="*/ 3273039 w 10876836"/>
+              <a:gd name="connsiteY5" fmla="*/ 1075178 h 3425272"/>
+              <a:gd name="connsiteX6" fmla="*/ 3773086 w 10876836"/>
+              <a:gd name="connsiteY6" fmla="*/ 743613 h 3425272"/>
+              <a:gd name="connsiteX7" fmla="*/ 4147143 w 10876836"/>
+              <a:gd name="connsiteY7" fmla="*/ 555843 h 3425272"/>
+              <a:gd name="connsiteX8" fmla="*/ 4640366 w 10876836"/>
+              <a:gd name="connsiteY8" fmla="*/ 391515 h 3425272"/>
+              <a:gd name="connsiteX9" fmla="*/ 5204388 w 10876836"/>
+              <a:gd name="connsiteY9" fmla="*/ 348786 h 3425272"/>
+              <a:gd name="connsiteX10" fmla="*/ 5819686 w 10876836"/>
+              <a:gd name="connsiteY10" fmla="*/ 340240 h 3425272"/>
+              <a:gd name="connsiteX11" fmla="*/ 6999005 w 10876836"/>
+              <a:gd name="connsiteY11" fmla="*/ 194962 h 3425272"/>
+              <a:gd name="connsiteX12" fmla="*/ 7879222 w 10876836"/>
+              <a:gd name="connsiteY12" fmla="*/ 66775 h 3425272"/>
+              <a:gd name="connsiteX13" fmla="*/ 8451790 w 10876836"/>
+              <a:gd name="connsiteY13" fmla="*/ 6954 h 3425272"/>
+              <a:gd name="connsiteX14" fmla="*/ 8810714 w 10876836"/>
+              <a:gd name="connsiteY14" fmla="*/ 6954 h 3425272"/>
+              <a:gd name="connsiteX15" fmla="*/ 9631110 w 10876836"/>
+              <a:gd name="connsiteY15" fmla="*/ 58229 h 3425272"/>
+              <a:gd name="connsiteX16" fmla="*/ 10195132 w 10876836"/>
+              <a:gd name="connsiteY16" fmla="*/ 118049 h 3425272"/>
+              <a:gd name="connsiteX17" fmla="*/ 10588239 w 10876836"/>
+              <a:gd name="connsiteY17" fmla="*/ 186416 h 3425272"/>
+              <a:gd name="connsiteX18" fmla="*/ 10827521 w 10876836"/>
+              <a:gd name="connsiteY18" fmla="*/ 203507 h 3425272"/>
+              <a:gd name="connsiteX19" fmla="*/ 10876836 w 10876836"/>
+              <a:gd name="connsiteY19" fmla="*/ 103629 h 3425272"/>
+              <a:gd name="connsiteX20" fmla="*/ 10812778 w 10876836"/>
+              <a:gd name="connsiteY20" fmla="*/ 8347 h 3425272"/>
+              <a:gd name="connsiteX0" fmla="*/ 0 w 10876836"/>
+              <a:gd name="connsiteY0" fmla="*/ 3425272 h 3425272"/>
+              <a:gd name="connsiteX1" fmla="*/ 410198 w 10876836"/>
+              <a:gd name="connsiteY1" fmla="*/ 3083440 h 3425272"/>
+              <a:gd name="connsiteX2" fmla="*/ 1119499 w 10876836"/>
+              <a:gd name="connsiteY2" fmla="*/ 2579238 h 3425272"/>
+              <a:gd name="connsiteX3" fmla="*/ 1790700 w 10876836"/>
+              <a:gd name="connsiteY3" fmla="*/ 2149278 h 3425272"/>
+              <a:gd name="connsiteX4" fmla="*/ 2529555 w 10876836"/>
+              <a:gd name="connsiteY4" fmla="*/ 1699021 h 3425272"/>
+              <a:gd name="connsiteX5" fmla="*/ 3273039 w 10876836"/>
+              <a:gd name="connsiteY5" fmla="*/ 1075178 h 3425272"/>
+              <a:gd name="connsiteX6" fmla="*/ 3773086 w 10876836"/>
+              <a:gd name="connsiteY6" fmla="*/ 743613 h 3425272"/>
+              <a:gd name="connsiteX7" fmla="*/ 4147143 w 10876836"/>
+              <a:gd name="connsiteY7" fmla="*/ 555843 h 3425272"/>
+              <a:gd name="connsiteX8" fmla="*/ 4640366 w 10876836"/>
+              <a:gd name="connsiteY8" fmla="*/ 391515 h 3425272"/>
+              <a:gd name="connsiteX9" fmla="*/ 5204388 w 10876836"/>
+              <a:gd name="connsiteY9" fmla="*/ 348786 h 3425272"/>
+              <a:gd name="connsiteX10" fmla="*/ 5819686 w 10876836"/>
+              <a:gd name="connsiteY10" fmla="*/ 340240 h 3425272"/>
+              <a:gd name="connsiteX11" fmla="*/ 6999005 w 10876836"/>
+              <a:gd name="connsiteY11" fmla="*/ 194962 h 3425272"/>
+              <a:gd name="connsiteX12" fmla="*/ 7879222 w 10876836"/>
+              <a:gd name="connsiteY12" fmla="*/ 66775 h 3425272"/>
+              <a:gd name="connsiteX13" fmla="*/ 8451790 w 10876836"/>
+              <a:gd name="connsiteY13" fmla="*/ 6954 h 3425272"/>
+              <a:gd name="connsiteX14" fmla="*/ 8810714 w 10876836"/>
+              <a:gd name="connsiteY14" fmla="*/ 6954 h 3425272"/>
+              <a:gd name="connsiteX15" fmla="*/ 9631110 w 10876836"/>
+              <a:gd name="connsiteY15" fmla="*/ 58229 h 3425272"/>
+              <a:gd name="connsiteX16" fmla="*/ 10195132 w 10876836"/>
+              <a:gd name="connsiteY16" fmla="*/ 118049 h 3425272"/>
+              <a:gd name="connsiteX17" fmla="*/ 10588239 w 10876836"/>
+              <a:gd name="connsiteY17" fmla="*/ 186416 h 3425272"/>
+              <a:gd name="connsiteX18" fmla="*/ 10827521 w 10876836"/>
+              <a:gd name="connsiteY18" fmla="*/ 203507 h 3425272"/>
+              <a:gd name="connsiteX19" fmla="*/ 10876836 w 10876836"/>
+              <a:gd name="connsiteY19" fmla="*/ 103629 h 3425272"/>
+              <a:gd name="connsiteX0" fmla="*/ 0 w 10827520"/>
+              <a:gd name="connsiteY0" fmla="*/ 3425272 h 3425272"/>
+              <a:gd name="connsiteX1" fmla="*/ 410198 w 10827520"/>
+              <a:gd name="connsiteY1" fmla="*/ 3083440 h 3425272"/>
+              <a:gd name="connsiteX2" fmla="*/ 1119499 w 10827520"/>
+              <a:gd name="connsiteY2" fmla="*/ 2579238 h 3425272"/>
+              <a:gd name="connsiteX3" fmla="*/ 1790700 w 10827520"/>
+              <a:gd name="connsiteY3" fmla="*/ 2149278 h 3425272"/>
+              <a:gd name="connsiteX4" fmla="*/ 2529555 w 10827520"/>
+              <a:gd name="connsiteY4" fmla="*/ 1699021 h 3425272"/>
+              <a:gd name="connsiteX5" fmla="*/ 3273039 w 10827520"/>
+              <a:gd name="connsiteY5" fmla="*/ 1075178 h 3425272"/>
+              <a:gd name="connsiteX6" fmla="*/ 3773086 w 10827520"/>
+              <a:gd name="connsiteY6" fmla="*/ 743613 h 3425272"/>
+              <a:gd name="connsiteX7" fmla="*/ 4147143 w 10827520"/>
+              <a:gd name="connsiteY7" fmla="*/ 555843 h 3425272"/>
+              <a:gd name="connsiteX8" fmla="*/ 4640366 w 10827520"/>
+              <a:gd name="connsiteY8" fmla="*/ 391515 h 3425272"/>
+              <a:gd name="connsiteX9" fmla="*/ 5204388 w 10827520"/>
+              <a:gd name="connsiteY9" fmla="*/ 348786 h 3425272"/>
+              <a:gd name="connsiteX10" fmla="*/ 5819686 w 10827520"/>
+              <a:gd name="connsiteY10" fmla="*/ 340240 h 3425272"/>
+              <a:gd name="connsiteX11" fmla="*/ 6999005 w 10827520"/>
+              <a:gd name="connsiteY11" fmla="*/ 194962 h 3425272"/>
+              <a:gd name="connsiteX12" fmla="*/ 7879222 w 10827520"/>
+              <a:gd name="connsiteY12" fmla="*/ 66775 h 3425272"/>
+              <a:gd name="connsiteX13" fmla="*/ 8451790 w 10827520"/>
+              <a:gd name="connsiteY13" fmla="*/ 6954 h 3425272"/>
+              <a:gd name="connsiteX14" fmla="*/ 8810714 w 10827520"/>
+              <a:gd name="connsiteY14" fmla="*/ 6954 h 3425272"/>
+              <a:gd name="connsiteX15" fmla="*/ 9631110 w 10827520"/>
+              <a:gd name="connsiteY15" fmla="*/ 58229 h 3425272"/>
+              <a:gd name="connsiteX16" fmla="*/ 10195132 w 10827520"/>
+              <a:gd name="connsiteY16" fmla="*/ 118049 h 3425272"/>
+              <a:gd name="connsiteX17" fmla="*/ 10588239 w 10827520"/>
+              <a:gd name="connsiteY17" fmla="*/ 186416 h 3425272"/>
+              <a:gd name="connsiteX18" fmla="*/ 10827521 w 10827520"/>
+              <a:gd name="connsiteY18" fmla="*/ 203507 h 3425272"/>
+              <a:gd name="connsiteX0" fmla="*/ 0 w 10588239"/>
+              <a:gd name="connsiteY0" fmla="*/ 3425272 h 3425272"/>
+              <a:gd name="connsiteX1" fmla="*/ 410198 w 10588239"/>
+              <a:gd name="connsiteY1" fmla="*/ 3083440 h 3425272"/>
+              <a:gd name="connsiteX2" fmla="*/ 1119499 w 10588239"/>
+              <a:gd name="connsiteY2" fmla="*/ 2579238 h 3425272"/>
+              <a:gd name="connsiteX3" fmla="*/ 1790700 w 10588239"/>
+              <a:gd name="connsiteY3" fmla="*/ 2149278 h 3425272"/>
+              <a:gd name="connsiteX4" fmla="*/ 2529555 w 10588239"/>
+              <a:gd name="connsiteY4" fmla="*/ 1699021 h 3425272"/>
+              <a:gd name="connsiteX5" fmla="*/ 3273039 w 10588239"/>
+              <a:gd name="connsiteY5" fmla="*/ 1075178 h 3425272"/>
+              <a:gd name="connsiteX6" fmla="*/ 3773086 w 10588239"/>
+              <a:gd name="connsiteY6" fmla="*/ 743613 h 3425272"/>
+              <a:gd name="connsiteX7" fmla="*/ 4147143 w 10588239"/>
+              <a:gd name="connsiteY7" fmla="*/ 555843 h 3425272"/>
+              <a:gd name="connsiteX8" fmla="*/ 4640366 w 10588239"/>
+              <a:gd name="connsiteY8" fmla="*/ 391515 h 3425272"/>
+              <a:gd name="connsiteX9" fmla="*/ 5204388 w 10588239"/>
+              <a:gd name="connsiteY9" fmla="*/ 348786 h 3425272"/>
+              <a:gd name="connsiteX10" fmla="*/ 5819686 w 10588239"/>
+              <a:gd name="connsiteY10" fmla="*/ 340240 h 3425272"/>
+              <a:gd name="connsiteX11" fmla="*/ 6999005 w 10588239"/>
+              <a:gd name="connsiteY11" fmla="*/ 194962 h 3425272"/>
+              <a:gd name="connsiteX12" fmla="*/ 7879222 w 10588239"/>
+              <a:gd name="connsiteY12" fmla="*/ 66775 h 3425272"/>
+              <a:gd name="connsiteX13" fmla="*/ 8451790 w 10588239"/>
+              <a:gd name="connsiteY13" fmla="*/ 6954 h 3425272"/>
+              <a:gd name="connsiteX14" fmla="*/ 8810714 w 10588239"/>
+              <a:gd name="connsiteY14" fmla="*/ 6954 h 3425272"/>
+              <a:gd name="connsiteX15" fmla="*/ 9631110 w 10588239"/>
+              <a:gd name="connsiteY15" fmla="*/ 58229 h 3425272"/>
+              <a:gd name="connsiteX16" fmla="*/ 10195132 w 10588239"/>
+              <a:gd name="connsiteY16" fmla="*/ 118049 h 3425272"/>
+              <a:gd name="connsiteX17" fmla="*/ 10588239 w 10588239"/>
+              <a:gd name="connsiteY17" fmla="*/ 186416 h 3425272"/>
+              <a:gd name="connsiteX0" fmla="*/ 0 w 10195132"/>
+              <a:gd name="connsiteY0" fmla="*/ 3425272 h 3425272"/>
+              <a:gd name="connsiteX1" fmla="*/ 410198 w 10195132"/>
+              <a:gd name="connsiteY1" fmla="*/ 3083440 h 3425272"/>
+              <a:gd name="connsiteX2" fmla="*/ 1119499 w 10195132"/>
+              <a:gd name="connsiteY2" fmla="*/ 2579238 h 3425272"/>
+              <a:gd name="connsiteX3" fmla="*/ 1790700 w 10195132"/>
+              <a:gd name="connsiteY3" fmla="*/ 2149278 h 3425272"/>
+              <a:gd name="connsiteX4" fmla="*/ 2529555 w 10195132"/>
+              <a:gd name="connsiteY4" fmla="*/ 1699021 h 3425272"/>
+              <a:gd name="connsiteX5" fmla="*/ 3273039 w 10195132"/>
+              <a:gd name="connsiteY5" fmla="*/ 1075178 h 3425272"/>
+              <a:gd name="connsiteX6" fmla="*/ 3773086 w 10195132"/>
+              <a:gd name="connsiteY6" fmla="*/ 743613 h 3425272"/>
+              <a:gd name="connsiteX7" fmla="*/ 4147143 w 10195132"/>
+              <a:gd name="connsiteY7" fmla="*/ 555843 h 3425272"/>
+              <a:gd name="connsiteX8" fmla="*/ 4640366 w 10195132"/>
+              <a:gd name="connsiteY8" fmla="*/ 391515 h 3425272"/>
+              <a:gd name="connsiteX9" fmla="*/ 5204388 w 10195132"/>
+              <a:gd name="connsiteY9" fmla="*/ 348786 h 3425272"/>
+              <a:gd name="connsiteX10" fmla="*/ 5819686 w 10195132"/>
+              <a:gd name="connsiteY10" fmla="*/ 340240 h 3425272"/>
+              <a:gd name="connsiteX11" fmla="*/ 6999005 w 10195132"/>
+              <a:gd name="connsiteY11" fmla="*/ 194962 h 3425272"/>
+              <a:gd name="connsiteX12" fmla="*/ 7879222 w 10195132"/>
+              <a:gd name="connsiteY12" fmla="*/ 66775 h 3425272"/>
+              <a:gd name="connsiteX13" fmla="*/ 8451790 w 10195132"/>
+              <a:gd name="connsiteY13" fmla="*/ 6954 h 3425272"/>
+              <a:gd name="connsiteX14" fmla="*/ 8810714 w 10195132"/>
+              <a:gd name="connsiteY14" fmla="*/ 6954 h 3425272"/>
+              <a:gd name="connsiteX15" fmla="*/ 9631110 w 10195132"/>
+              <a:gd name="connsiteY15" fmla="*/ 58229 h 3425272"/>
+              <a:gd name="connsiteX16" fmla="*/ 10195132 w 10195132"/>
+              <a:gd name="connsiteY16" fmla="*/ 118049 h 3425272"/>
+              <a:gd name="connsiteX0" fmla="*/ 0 w 9631110"/>
+              <a:gd name="connsiteY0" fmla="*/ 3425272 h 3425272"/>
+              <a:gd name="connsiteX1" fmla="*/ 410198 w 9631110"/>
+              <a:gd name="connsiteY1" fmla="*/ 3083440 h 3425272"/>
+              <a:gd name="connsiteX2" fmla="*/ 1119499 w 9631110"/>
+              <a:gd name="connsiteY2" fmla="*/ 2579238 h 3425272"/>
+              <a:gd name="connsiteX3" fmla="*/ 1790700 w 9631110"/>
+              <a:gd name="connsiteY3" fmla="*/ 2149278 h 3425272"/>
+              <a:gd name="connsiteX4" fmla="*/ 2529555 w 9631110"/>
+              <a:gd name="connsiteY4" fmla="*/ 1699021 h 3425272"/>
+              <a:gd name="connsiteX5" fmla="*/ 3273039 w 9631110"/>
+              <a:gd name="connsiteY5" fmla="*/ 1075178 h 3425272"/>
+              <a:gd name="connsiteX6" fmla="*/ 3773086 w 9631110"/>
+              <a:gd name="connsiteY6" fmla="*/ 743613 h 3425272"/>
+              <a:gd name="connsiteX7" fmla="*/ 4147143 w 9631110"/>
+              <a:gd name="connsiteY7" fmla="*/ 555843 h 3425272"/>
+              <a:gd name="connsiteX8" fmla="*/ 4640366 w 9631110"/>
+              <a:gd name="connsiteY8" fmla="*/ 391515 h 3425272"/>
+              <a:gd name="connsiteX9" fmla="*/ 5204388 w 9631110"/>
+              <a:gd name="connsiteY9" fmla="*/ 348786 h 3425272"/>
+              <a:gd name="connsiteX10" fmla="*/ 5819686 w 9631110"/>
+              <a:gd name="connsiteY10" fmla="*/ 340240 h 3425272"/>
+              <a:gd name="connsiteX11" fmla="*/ 6999005 w 9631110"/>
+              <a:gd name="connsiteY11" fmla="*/ 194962 h 3425272"/>
+              <a:gd name="connsiteX12" fmla="*/ 7879222 w 9631110"/>
+              <a:gd name="connsiteY12" fmla="*/ 66775 h 3425272"/>
+              <a:gd name="connsiteX13" fmla="*/ 8451790 w 9631110"/>
+              <a:gd name="connsiteY13" fmla="*/ 6954 h 3425272"/>
+              <a:gd name="connsiteX14" fmla="*/ 8810714 w 9631110"/>
+              <a:gd name="connsiteY14" fmla="*/ 6954 h 3425272"/>
+              <a:gd name="connsiteX15" fmla="*/ 9631110 w 9631110"/>
+              <a:gd name="connsiteY15" fmla="*/ 58229 h 3425272"/>
+              <a:gd name="connsiteX0" fmla="*/ 0 w 8810714"/>
+              <a:gd name="connsiteY0" fmla="*/ 3425272 h 3425272"/>
+              <a:gd name="connsiteX1" fmla="*/ 410198 w 8810714"/>
+              <a:gd name="connsiteY1" fmla="*/ 3083440 h 3425272"/>
+              <a:gd name="connsiteX2" fmla="*/ 1119499 w 8810714"/>
+              <a:gd name="connsiteY2" fmla="*/ 2579238 h 3425272"/>
+              <a:gd name="connsiteX3" fmla="*/ 1790700 w 8810714"/>
+              <a:gd name="connsiteY3" fmla="*/ 2149278 h 3425272"/>
+              <a:gd name="connsiteX4" fmla="*/ 2529555 w 8810714"/>
+              <a:gd name="connsiteY4" fmla="*/ 1699021 h 3425272"/>
+              <a:gd name="connsiteX5" fmla="*/ 3273039 w 8810714"/>
+              <a:gd name="connsiteY5" fmla="*/ 1075178 h 3425272"/>
+              <a:gd name="connsiteX6" fmla="*/ 3773086 w 8810714"/>
+              <a:gd name="connsiteY6" fmla="*/ 743613 h 3425272"/>
+              <a:gd name="connsiteX7" fmla="*/ 4147143 w 8810714"/>
+              <a:gd name="connsiteY7" fmla="*/ 555843 h 3425272"/>
+              <a:gd name="connsiteX8" fmla="*/ 4640366 w 8810714"/>
+              <a:gd name="connsiteY8" fmla="*/ 391515 h 3425272"/>
+              <a:gd name="connsiteX9" fmla="*/ 5204388 w 8810714"/>
+              <a:gd name="connsiteY9" fmla="*/ 348786 h 3425272"/>
+              <a:gd name="connsiteX10" fmla="*/ 5819686 w 8810714"/>
+              <a:gd name="connsiteY10" fmla="*/ 340240 h 3425272"/>
+              <a:gd name="connsiteX11" fmla="*/ 6999005 w 8810714"/>
+              <a:gd name="connsiteY11" fmla="*/ 194962 h 3425272"/>
+              <a:gd name="connsiteX12" fmla="*/ 7879222 w 8810714"/>
+              <a:gd name="connsiteY12" fmla="*/ 66775 h 3425272"/>
+              <a:gd name="connsiteX13" fmla="*/ 8451790 w 8810714"/>
+              <a:gd name="connsiteY13" fmla="*/ 6954 h 3425272"/>
+              <a:gd name="connsiteX14" fmla="*/ 8810714 w 8810714"/>
+              <a:gd name="connsiteY14" fmla="*/ 6954 h 3425272"/>
+            </a:gdLst>
+            <a:ahLst/>
+            <a:cxnLst>
+              <a:cxn ang="0">
+                <a:pos x="connsiteX0" y="connsiteY0"/>
+              </a:cxn>
+              <a:cxn ang="0">
+                <a:pos x="connsiteX1" y="connsiteY1"/>
+              </a:cxn>
+              <a:cxn ang="0">
+                <a:pos x="connsiteX2" y="connsiteY2"/>
+              </a:cxn>
+              <a:cxn ang="0">
+                <a:pos x="connsiteX3" y="connsiteY3"/>
+              </a:cxn>
+              <a:cxn ang="0">
+                <a:pos x="connsiteX4" y="connsiteY4"/>
+              </a:cxn>
+              <a:cxn ang="0">
+                <a:pos x="connsiteX5" y="connsiteY5"/>
+              </a:cxn>
+              <a:cxn ang="0">
+                <a:pos x="connsiteX6" y="connsiteY6"/>
+              </a:cxn>
+              <a:cxn ang="0">
+                <a:pos x="connsiteX7" y="connsiteY7"/>
+              </a:cxn>
+              <a:cxn ang="0">
+                <a:pos x="connsiteX8" y="connsiteY8"/>
+              </a:cxn>
+              <a:cxn ang="0">
+                <a:pos x="connsiteX9" y="connsiteY9"/>
+              </a:cxn>
+              <a:cxn ang="0">
+                <a:pos x="connsiteX10" y="connsiteY10"/>
+              </a:cxn>
+              <a:cxn ang="0">
+                <a:pos x="connsiteX11" y="connsiteY11"/>
+              </a:cxn>
+              <a:cxn ang="0">
+                <a:pos x="connsiteX12" y="connsiteY12"/>
+              </a:cxn>
+              <a:cxn ang="0">
+                <a:pos x="connsiteX13" y="connsiteY13"/>
+              </a:cxn>
+              <a:cxn ang="0">
+                <a:pos x="connsiteX14" y="connsiteY14"/>
+              </a:cxn>
+            </a:cxnLst>
+            <a:rect l="l" t="t" r="r" b="b"/>
+            <a:pathLst>
+              <a:path w="8810714" h="3425272">
+                <a:moveTo>
+                  <a:pt x="0" y="3425272"/>
+                </a:moveTo>
+                <a:cubicBezTo>
+                  <a:pt x="111807" y="3324859"/>
+                  <a:pt x="223615" y="3224446"/>
+                  <a:pt x="410198" y="3083440"/>
+                </a:cubicBezTo>
+                <a:cubicBezTo>
+                  <a:pt x="596781" y="2942434"/>
+                  <a:pt x="889415" y="2734932"/>
+                  <a:pt x="1119499" y="2579238"/>
+                </a:cubicBezTo>
+                <a:cubicBezTo>
+                  <a:pt x="1349583" y="2423544"/>
+                  <a:pt x="1555691" y="2295981"/>
+                  <a:pt x="1790700" y="2149278"/>
+                </a:cubicBezTo>
+                <a:cubicBezTo>
+                  <a:pt x="2025709" y="2002575"/>
+                  <a:pt x="2282499" y="1878038"/>
+                  <a:pt x="2529555" y="1699021"/>
+                </a:cubicBezTo>
+                <a:cubicBezTo>
+                  <a:pt x="2776611" y="1520004"/>
+                  <a:pt x="3065784" y="1234413"/>
+                  <a:pt x="3273039" y="1075178"/>
+                </a:cubicBezTo>
+                <a:cubicBezTo>
+                  <a:pt x="3480294" y="915943"/>
+                  <a:pt x="3627402" y="830169"/>
+                  <a:pt x="3773086" y="743613"/>
+                </a:cubicBezTo>
+                <a:cubicBezTo>
+                  <a:pt x="3918770" y="657057"/>
+                  <a:pt x="4002596" y="614526"/>
+                  <a:pt x="4147143" y="555843"/>
+                </a:cubicBezTo>
+                <a:cubicBezTo>
+                  <a:pt x="4291690" y="497160"/>
+                  <a:pt x="4464159" y="426024"/>
+                  <a:pt x="4640366" y="391515"/>
+                </a:cubicBezTo>
+                <a:cubicBezTo>
+                  <a:pt x="4816573" y="357006"/>
+                  <a:pt x="5007835" y="357332"/>
+                  <a:pt x="5204388" y="348786"/>
+                </a:cubicBezTo>
+                <a:cubicBezTo>
+                  <a:pt x="5400941" y="340240"/>
+                  <a:pt x="5520583" y="365877"/>
+                  <a:pt x="5819686" y="340240"/>
+                </a:cubicBezTo>
+                <a:cubicBezTo>
+                  <a:pt x="6118789" y="314603"/>
+                  <a:pt x="6655749" y="240539"/>
+                  <a:pt x="6999005" y="194962"/>
+                </a:cubicBezTo>
+                <a:cubicBezTo>
+                  <a:pt x="7342261" y="149385"/>
+                  <a:pt x="7637091" y="98110"/>
+                  <a:pt x="7879222" y="66775"/>
+                </a:cubicBezTo>
+                <a:cubicBezTo>
+                  <a:pt x="8121353" y="35440"/>
+                  <a:pt x="8296541" y="16924"/>
+                  <a:pt x="8451790" y="6954"/>
+                </a:cubicBezTo>
+                <a:cubicBezTo>
+                  <a:pt x="8607039" y="-3016"/>
+                  <a:pt x="8614161" y="-1592"/>
+                  <a:pt x="8810714" y="6954"/>
+                </a:cubicBezTo>
+              </a:path>
+            </a:pathLst>
+          </a:custGeom>
+          <a:noFill/>
+          <a:ln w="38100">
+            <a:solidFill>
+              <a:srgbClr val="0070C0"/>
+            </a:solidFill>
+          </a:ln>
+        </p:spPr>
+        <p:style>
+          <a:lnRef idx="2">
+            <a:schemeClr val="accent1">
+              <a:shade val="50000"/>
+            </a:schemeClr>
+          </a:lnRef>
+          <a:fillRef idx="1">
+            <a:schemeClr val="accent1"/>
+          </a:fillRef>
+          <a:effectRef idx="0">
+            <a:schemeClr val="accent1"/>
+          </a:effectRef>
+          <a:fontRef idx="minor">
+            <a:schemeClr val="lt1"/>
+          </a:fontRef>
+        </p:style>
+        <p:txBody>
+          <a:bodyPr rtlCol="0" anchor="ctr"/>
+          <a:lstStyle/>
+          <a:p>
+            <a:pPr algn="ctr"/>
+            <a:endParaRPr lang="de-DE" dirty="0"/>
+          </a:p>
+        </p:txBody>
+      </p:sp>
+      <p:sp>
+        <p:nvSpPr>
+          <p:cNvPr id="6" name="Freihandform: Form 5">
+            <a:extLst>
+              <a:ext uri="{FF2B5EF4-FFF2-40B4-BE49-F238E27FC236}">
+                <a16:creationId xmlns:a16="http://schemas.microsoft.com/office/drawing/2014/main" id="{99769747-82A4-C726-2285-8DF24B4061DB}"/>
+              </a:ext>
+            </a:extLst>
+          </p:cNvPr>
+          <p:cNvSpPr/>
+          <p:nvPr/>
+        </p:nvSpPr>
+        <p:spPr>
+          <a:xfrm>
+            <a:off x="9346073" y="1845543"/>
+            <a:ext cx="2081540" cy="1749956"/>
+          </a:xfrm>
+          <a:custGeom>
+            <a:avLst/>
+            <a:gdLst>
+              <a:gd name="connsiteX0" fmla="*/ 0 w 11256099"/>
+              <a:gd name="connsiteY0" fmla="*/ 5217021 h 5217021"/>
+              <a:gd name="connsiteX1" fmla="*/ 410198 w 11256099"/>
+              <a:gd name="connsiteY1" fmla="*/ 4875189 h 5217021"/>
+              <a:gd name="connsiteX2" fmla="*/ 1119499 w 11256099"/>
+              <a:gd name="connsiteY2" fmla="*/ 4370987 h 5217021"/>
+              <a:gd name="connsiteX3" fmla="*/ 1828800 w 11256099"/>
+              <a:gd name="connsiteY3" fmla="*/ 3883877 h 5217021"/>
+              <a:gd name="connsiteX4" fmla="*/ 2204815 w 11256099"/>
+              <a:gd name="connsiteY4" fmla="*/ 3695870 h 5217021"/>
+              <a:gd name="connsiteX5" fmla="*/ 2529555 w 11256099"/>
+              <a:gd name="connsiteY5" fmla="*/ 3490770 h 5217021"/>
+              <a:gd name="connsiteX6" fmla="*/ 3273039 w 11256099"/>
+              <a:gd name="connsiteY6" fmla="*/ 2866927 h 5217021"/>
+              <a:gd name="connsiteX7" fmla="*/ 3785786 w 11256099"/>
+              <a:gd name="connsiteY7" fmla="*/ 2490912 h 5217021"/>
+              <a:gd name="connsiteX8" fmla="*/ 4178893 w 11256099"/>
+              <a:gd name="connsiteY8" fmla="*/ 2328542 h 5217021"/>
+              <a:gd name="connsiteX9" fmla="*/ 4358355 w 11256099"/>
+              <a:gd name="connsiteY9" fmla="*/ 2234539 h 5217021"/>
+              <a:gd name="connsiteX10" fmla="*/ 4640366 w 11256099"/>
+              <a:gd name="connsiteY10" fmla="*/ 2183264 h 5217021"/>
+              <a:gd name="connsiteX11" fmla="*/ 5204388 w 11256099"/>
+              <a:gd name="connsiteY11" fmla="*/ 2140535 h 5217021"/>
+              <a:gd name="connsiteX12" fmla="*/ 5819686 w 11256099"/>
+              <a:gd name="connsiteY12" fmla="*/ 2131989 h 5217021"/>
+              <a:gd name="connsiteX13" fmla="*/ 6999005 w 11256099"/>
+              <a:gd name="connsiteY13" fmla="*/ 1986711 h 5217021"/>
+              <a:gd name="connsiteX14" fmla="*/ 7879222 w 11256099"/>
+              <a:gd name="connsiteY14" fmla="*/ 1858524 h 5217021"/>
+              <a:gd name="connsiteX15" fmla="*/ 8451790 w 11256099"/>
+              <a:gd name="connsiteY15" fmla="*/ 1798703 h 5217021"/>
+              <a:gd name="connsiteX16" fmla="*/ 8810714 w 11256099"/>
+              <a:gd name="connsiteY16" fmla="*/ 1798703 h 5217021"/>
+              <a:gd name="connsiteX17" fmla="*/ 9631110 w 11256099"/>
+              <a:gd name="connsiteY17" fmla="*/ 1849978 h 5217021"/>
+              <a:gd name="connsiteX18" fmla="*/ 10195132 w 11256099"/>
+              <a:gd name="connsiteY18" fmla="*/ 1909798 h 5217021"/>
+              <a:gd name="connsiteX19" fmla="*/ 10588239 w 11256099"/>
+              <a:gd name="connsiteY19" fmla="*/ 1978165 h 5217021"/>
+              <a:gd name="connsiteX20" fmla="*/ 10827521 w 11256099"/>
+              <a:gd name="connsiteY20" fmla="*/ 1995256 h 5217021"/>
+              <a:gd name="connsiteX21" fmla="*/ 10895887 w 11256099"/>
+              <a:gd name="connsiteY21" fmla="*/ 1952527 h 5217021"/>
+              <a:gd name="connsiteX22" fmla="*/ 10878796 w 11256099"/>
+              <a:gd name="connsiteY22" fmla="*/ 1491055 h 5217021"/>
+              <a:gd name="connsiteX23" fmla="*/ 10870250 w 11256099"/>
+              <a:gd name="connsiteY23" fmla="*/ 995398 h 5217021"/>
+              <a:gd name="connsiteX24" fmla="*/ 10930071 w 11256099"/>
+              <a:gd name="connsiteY24" fmla="*/ 610838 h 5217021"/>
+              <a:gd name="connsiteX25" fmla="*/ 11049712 w 11256099"/>
+              <a:gd name="connsiteY25" fmla="*/ 217731 h 5217021"/>
+              <a:gd name="connsiteX26" fmla="*/ 11126624 w 11256099"/>
+              <a:gd name="connsiteY26" fmla="*/ 12632 h 5217021"/>
+              <a:gd name="connsiteX27" fmla="*/ 11237719 w 11256099"/>
+              <a:gd name="connsiteY27" fmla="*/ 21178 h 5217021"/>
+              <a:gd name="connsiteX28" fmla="*/ 11254811 w 11256099"/>
+              <a:gd name="connsiteY28" fmla="*/ 21178 h 5217021"/>
+              <a:gd name="connsiteX0" fmla="*/ 0 w 11256099"/>
+              <a:gd name="connsiteY0" fmla="*/ 5217021 h 5217021"/>
+              <a:gd name="connsiteX1" fmla="*/ 410198 w 11256099"/>
+              <a:gd name="connsiteY1" fmla="*/ 4875189 h 5217021"/>
+              <a:gd name="connsiteX2" fmla="*/ 1119499 w 11256099"/>
+              <a:gd name="connsiteY2" fmla="*/ 4370987 h 5217021"/>
+              <a:gd name="connsiteX3" fmla="*/ 1828800 w 11256099"/>
+              <a:gd name="connsiteY3" fmla="*/ 3883877 h 5217021"/>
+              <a:gd name="connsiteX4" fmla="*/ 2204815 w 11256099"/>
+              <a:gd name="connsiteY4" fmla="*/ 3695870 h 5217021"/>
+              <a:gd name="connsiteX5" fmla="*/ 2529555 w 11256099"/>
+              <a:gd name="connsiteY5" fmla="*/ 3490770 h 5217021"/>
+              <a:gd name="connsiteX6" fmla="*/ 3273039 w 11256099"/>
+              <a:gd name="connsiteY6" fmla="*/ 2866927 h 5217021"/>
+              <a:gd name="connsiteX7" fmla="*/ 3785786 w 11256099"/>
+              <a:gd name="connsiteY7" fmla="*/ 2490912 h 5217021"/>
+              <a:gd name="connsiteX8" fmla="*/ 4178893 w 11256099"/>
+              <a:gd name="connsiteY8" fmla="*/ 2328542 h 5217021"/>
+              <a:gd name="connsiteX9" fmla="*/ 4358355 w 11256099"/>
+              <a:gd name="connsiteY9" fmla="*/ 2234539 h 5217021"/>
+              <a:gd name="connsiteX10" fmla="*/ 4640366 w 11256099"/>
+              <a:gd name="connsiteY10" fmla="*/ 2183264 h 5217021"/>
+              <a:gd name="connsiteX11" fmla="*/ 5204388 w 11256099"/>
+              <a:gd name="connsiteY11" fmla="*/ 2140535 h 5217021"/>
+              <a:gd name="connsiteX12" fmla="*/ 5819686 w 11256099"/>
+              <a:gd name="connsiteY12" fmla="*/ 2131989 h 5217021"/>
+              <a:gd name="connsiteX13" fmla="*/ 6999005 w 11256099"/>
+              <a:gd name="connsiteY13" fmla="*/ 1986711 h 5217021"/>
+              <a:gd name="connsiteX14" fmla="*/ 7879222 w 11256099"/>
+              <a:gd name="connsiteY14" fmla="*/ 1858524 h 5217021"/>
+              <a:gd name="connsiteX15" fmla="*/ 8451790 w 11256099"/>
+              <a:gd name="connsiteY15" fmla="*/ 1798703 h 5217021"/>
+              <a:gd name="connsiteX16" fmla="*/ 8810714 w 11256099"/>
+              <a:gd name="connsiteY16" fmla="*/ 1798703 h 5217021"/>
+              <a:gd name="connsiteX17" fmla="*/ 9631110 w 11256099"/>
+              <a:gd name="connsiteY17" fmla="*/ 1849978 h 5217021"/>
+              <a:gd name="connsiteX18" fmla="*/ 10195132 w 11256099"/>
+              <a:gd name="connsiteY18" fmla="*/ 1909798 h 5217021"/>
+              <a:gd name="connsiteX19" fmla="*/ 10588239 w 11256099"/>
+              <a:gd name="connsiteY19" fmla="*/ 1978165 h 5217021"/>
+              <a:gd name="connsiteX20" fmla="*/ 10827521 w 11256099"/>
+              <a:gd name="connsiteY20" fmla="*/ 1995256 h 5217021"/>
+              <a:gd name="connsiteX21" fmla="*/ 10900649 w 11256099"/>
+              <a:gd name="connsiteY21" fmla="*/ 1914427 h 5217021"/>
+              <a:gd name="connsiteX22" fmla="*/ 10878796 w 11256099"/>
+              <a:gd name="connsiteY22" fmla="*/ 1491055 h 5217021"/>
+              <a:gd name="connsiteX23" fmla="*/ 10870250 w 11256099"/>
+              <a:gd name="connsiteY23" fmla="*/ 995398 h 5217021"/>
+              <a:gd name="connsiteX24" fmla="*/ 10930071 w 11256099"/>
+              <a:gd name="connsiteY24" fmla="*/ 610838 h 5217021"/>
+              <a:gd name="connsiteX25" fmla="*/ 11049712 w 11256099"/>
+              <a:gd name="connsiteY25" fmla="*/ 217731 h 5217021"/>
+              <a:gd name="connsiteX26" fmla="*/ 11126624 w 11256099"/>
+              <a:gd name="connsiteY26" fmla="*/ 12632 h 5217021"/>
+              <a:gd name="connsiteX27" fmla="*/ 11237719 w 11256099"/>
+              <a:gd name="connsiteY27" fmla="*/ 21178 h 5217021"/>
+              <a:gd name="connsiteX28" fmla="*/ 11254811 w 11256099"/>
+              <a:gd name="connsiteY28" fmla="*/ 21178 h 5217021"/>
+              <a:gd name="connsiteX0" fmla="*/ 0 w 11256099"/>
+              <a:gd name="connsiteY0" fmla="*/ 5217021 h 5217021"/>
+              <a:gd name="connsiteX1" fmla="*/ 410198 w 11256099"/>
+              <a:gd name="connsiteY1" fmla="*/ 4875189 h 5217021"/>
+              <a:gd name="connsiteX2" fmla="*/ 1119499 w 11256099"/>
+              <a:gd name="connsiteY2" fmla="*/ 4370987 h 5217021"/>
+              <a:gd name="connsiteX3" fmla="*/ 1828800 w 11256099"/>
+              <a:gd name="connsiteY3" fmla="*/ 3883877 h 5217021"/>
+              <a:gd name="connsiteX4" fmla="*/ 2204815 w 11256099"/>
+              <a:gd name="connsiteY4" fmla="*/ 3695870 h 5217021"/>
+              <a:gd name="connsiteX5" fmla="*/ 2529555 w 11256099"/>
+              <a:gd name="connsiteY5" fmla="*/ 3490770 h 5217021"/>
+              <a:gd name="connsiteX6" fmla="*/ 3273039 w 11256099"/>
+              <a:gd name="connsiteY6" fmla="*/ 2866927 h 5217021"/>
+              <a:gd name="connsiteX7" fmla="*/ 3785786 w 11256099"/>
+              <a:gd name="connsiteY7" fmla="*/ 2490912 h 5217021"/>
+              <a:gd name="connsiteX8" fmla="*/ 4178893 w 11256099"/>
+              <a:gd name="connsiteY8" fmla="*/ 2328542 h 5217021"/>
+              <a:gd name="connsiteX9" fmla="*/ 4358355 w 11256099"/>
+              <a:gd name="connsiteY9" fmla="*/ 2234539 h 5217021"/>
+              <a:gd name="connsiteX10" fmla="*/ 4640366 w 11256099"/>
+              <a:gd name="connsiteY10" fmla="*/ 2183264 h 5217021"/>
+              <a:gd name="connsiteX11" fmla="*/ 5204388 w 11256099"/>
+              <a:gd name="connsiteY11" fmla="*/ 2140535 h 5217021"/>
+              <a:gd name="connsiteX12" fmla="*/ 5819686 w 11256099"/>
+              <a:gd name="connsiteY12" fmla="*/ 2131989 h 5217021"/>
+              <a:gd name="connsiteX13" fmla="*/ 6999005 w 11256099"/>
+              <a:gd name="connsiteY13" fmla="*/ 1986711 h 5217021"/>
+              <a:gd name="connsiteX14" fmla="*/ 7879222 w 11256099"/>
+              <a:gd name="connsiteY14" fmla="*/ 1858524 h 5217021"/>
+              <a:gd name="connsiteX15" fmla="*/ 8451790 w 11256099"/>
+              <a:gd name="connsiteY15" fmla="*/ 1798703 h 5217021"/>
+              <a:gd name="connsiteX16" fmla="*/ 8810714 w 11256099"/>
+              <a:gd name="connsiteY16" fmla="*/ 1798703 h 5217021"/>
+              <a:gd name="connsiteX17" fmla="*/ 9631110 w 11256099"/>
+              <a:gd name="connsiteY17" fmla="*/ 1849978 h 5217021"/>
+              <a:gd name="connsiteX18" fmla="*/ 10195132 w 11256099"/>
+              <a:gd name="connsiteY18" fmla="*/ 1909798 h 5217021"/>
+              <a:gd name="connsiteX19" fmla="*/ 10588239 w 11256099"/>
+              <a:gd name="connsiteY19" fmla="*/ 1978165 h 5217021"/>
+              <a:gd name="connsiteX20" fmla="*/ 10827521 w 11256099"/>
+              <a:gd name="connsiteY20" fmla="*/ 1995256 h 5217021"/>
+              <a:gd name="connsiteX21" fmla="*/ 10876836 w 11256099"/>
+              <a:gd name="connsiteY21" fmla="*/ 1900140 h 5217021"/>
+              <a:gd name="connsiteX22" fmla="*/ 10878796 w 11256099"/>
+              <a:gd name="connsiteY22" fmla="*/ 1491055 h 5217021"/>
+              <a:gd name="connsiteX23" fmla="*/ 10870250 w 11256099"/>
+              <a:gd name="connsiteY23" fmla="*/ 995398 h 5217021"/>
+              <a:gd name="connsiteX24" fmla="*/ 10930071 w 11256099"/>
+              <a:gd name="connsiteY24" fmla="*/ 610838 h 5217021"/>
+              <a:gd name="connsiteX25" fmla="*/ 11049712 w 11256099"/>
+              <a:gd name="connsiteY25" fmla="*/ 217731 h 5217021"/>
+              <a:gd name="connsiteX26" fmla="*/ 11126624 w 11256099"/>
+              <a:gd name="connsiteY26" fmla="*/ 12632 h 5217021"/>
+              <a:gd name="connsiteX27" fmla="*/ 11237719 w 11256099"/>
+              <a:gd name="connsiteY27" fmla="*/ 21178 h 5217021"/>
+              <a:gd name="connsiteX28" fmla="*/ 11254811 w 11256099"/>
+              <a:gd name="connsiteY28" fmla="*/ 21178 h 5217021"/>
+              <a:gd name="connsiteX0" fmla="*/ 0 w 11256099"/>
+              <a:gd name="connsiteY0" fmla="*/ 5217021 h 5217021"/>
+              <a:gd name="connsiteX1" fmla="*/ 410198 w 11256099"/>
+              <a:gd name="connsiteY1" fmla="*/ 4875189 h 5217021"/>
+              <a:gd name="connsiteX2" fmla="*/ 1119499 w 11256099"/>
+              <a:gd name="connsiteY2" fmla="*/ 4370987 h 5217021"/>
+              <a:gd name="connsiteX3" fmla="*/ 1828800 w 11256099"/>
+              <a:gd name="connsiteY3" fmla="*/ 3883877 h 5217021"/>
+              <a:gd name="connsiteX4" fmla="*/ 2204815 w 11256099"/>
+              <a:gd name="connsiteY4" fmla="*/ 3695870 h 5217021"/>
+              <a:gd name="connsiteX5" fmla="*/ 2529555 w 11256099"/>
+              <a:gd name="connsiteY5" fmla="*/ 3490770 h 5217021"/>
+              <a:gd name="connsiteX6" fmla="*/ 3273039 w 11256099"/>
+              <a:gd name="connsiteY6" fmla="*/ 2866927 h 5217021"/>
+              <a:gd name="connsiteX7" fmla="*/ 3785786 w 11256099"/>
+              <a:gd name="connsiteY7" fmla="*/ 2490912 h 5217021"/>
+              <a:gd name="connsiteX8" fmla="*/ 4178893 w 11256099"/>
+              <a:gd name="connsiteY8" fmla="*/ 2328542 h 5217021"/>
+              <a:gd name="connsiteX9" fmla="*/ 4358355 w 11256099"/>
+              <a:gd name="connsiteY9" fmla="*/ 2234539 h 5217021"/>
+              <a:gd name="connsiteX10" fmla="*/ 4640366 w 11256099"/>
+              <a:gd name="connsiteY10" fmla="*/ 2183264 h 5217021"/>
+              <a:gd name="connsiteX11" fmla="*/ 5204388 w 11256099"/>
+              <a:gd name="connsiteY11" fmla="*/ 2140535 h 5217021"/>
+              <a:gd name="connsiteX12" fmla="*/ 5819686 w 11256099"/>
+              <a:gd name="connsiteY12" fmla="*/ 2131989 h 5217021"/>
+              <a:gd name="connsiteX13" fmla="*/ 6999005 w 11256099"/>
+              <a:gd name="connsiteY13" fmla="*/ 1986711 h 5217021"/>
+              <a:gd name="connsiteX14" fmla="*/ 7879222 w 11256099"/>
+              <a:gd name="connsiteY14" fmla="*/ 1858524 h 5217021"/>
+              <a:gd name="connsiteX15" fmla="*/ 8451790 w 11256099"/>
+              <a:gd name="connsiteY15" fmla="*/ 1798703 h 5217021"/>
+              <a:gd name="connsiteX16" fmla="*/ 8810714 w 11256099"/>
+              <a:gd name="connsiteY16" fmla="*/ 1798703 h 5217021"/>
+              <a:gd name="connsiteX17" fmla="*/ 9631110 w 11256099"/>
+              <a:gd name="connsiteY17" fmla="*/ 1849978 h 5217021"/>
+              <a:gd name="connsiteX18" fmla="*/ 10195132 w 11256099"/>
+              <a:gd name="connsiteY18" fmla="*/ 1909798 h 5217021"/>
+              <a:gd name="connsiteX19" fmla="*/ 10588239 w 11256099"/>
+              <a:gd name="connsiteY19" fmla="*/ 1978165 h 5217021"/>
+              <a:gd name="connsiteX20" fmla="*/ 10827521 w 11256099"/>
+              <a:gd name="connsiteY20" fmla="*/ 1995256 h 5217021"/>
+              <a:gd name="connsiteX21" fmla="*/ 10876836 w 11256099"/>
+              <a:gd name="connsiteY21" fmla="*/ 1895378 h 5217021"/>
+              <a:gd name="connsiteX22" fmla="*/ 10878796 w 11256099"/>
+              <a:gd name="connsiteY22" fmla="*/ 1491055 h 5217021"/>
+              <a:gd name="connsiteX23" fmla="*/ 10870250 w 11256099"/>
+              <a:gd name="connsiteY23" fmla="*/ 995398 h 5217021"/>
+              <a:gd name="connsiteX24" fmla="*/ 10930071 w 11256099"/>
+              <a:gd name="connsiteY24" fmla="*/ 610838 h 5217021"/>
+              <a:gd name="connsiteX25" fmla="*/ 11049712 w 11256099"/>
+              <a:gd name="connsiteY25" fmla="*/ 217731 h 5217021"/>
+              <a:gd name="connsiteX26" fmla="*/ 11126624 w 11256099"/>
+              <a:gd name="connsiteY26" fmla="*/ 12632 h 5217021"/>
+              <a:gd name="connsiteX27" fmla="*/ 11237719 w 11256099"/>
+              <a:gd name="connsiteY27" fmla="*/ 21178 h 5217021"/>
+              <a:gd name="connsiteX28" fmla="*/ 11254811 w 11256099"/>
+              <a:gd name="connsiteY28" fmla="*/ 21178 h 5217021"/>
+              <a:gd name="connsiteX0" fmla="*/ 0 w 11256099"/>
+              <a:gd name="connsiteY0" fmla="*/ 5217021 h 5217021"/>
+              <a:gd name="connsiteX1" fmla="*/ 410198 w 11256099"/>
+              <a:gd name="connsiteY1" fmla="*/ 4875189 h 5217021"/>
+              <a:gd name="connsiteX2" fmla="*/ 1119499 w 11256099"/>
+              <a:gd name="connsiteY2" fmla="*/ 4370987 h 5217021"/>
+              <a:gd name="connsiteX3" fmla="*/ 1828800 w 11256099"/>
+              <a:gd name="connsiteY3" fmla="*/ 3883877 h 5217021"/>
+              <a:gd name="connsiteX4" fmla="*/ 2204815 w 11256099"/>
+              <a:gd name="connsiteY4" fmla="*/ 3695870 h 5217021"/>
+              <a:gd name="connsiteX5" fmla="*/ 2529555 w 11256099"/>
+              <a:gd name="connsiteY5" fmla="*/ 3490770 h 5217021"/>
+              <a:gd name="connsiteX6" fmla="*/ 3273039 w 11256099"/>
+              <a:gd name="connsiteY6" fmla="*/ 2866927 h 5217021"/>
+              <a:gd name="connsiteX7" fmla="*/ 3785786 w 11256099"/>
+              <a:gd name="connsiteY7" fmla="*/ 2490912 h 5217021"/>
+              <a:gd name="connsiteX8" fmla="*/ 4115393 w 11256099"/>
+              <a:gd name="connsiteY8" fmla="*/ 2328542 h 5217021"/>
+              <a:gd name="connsiteX9" fmla="*/ 4358355 w 11256099"/>
+              <a:gd name="connsiteY9" fmla="*/ 2234539 h 5217021"/>
+              <a:gd name="connsiteX10" fmla="*/ 4640366 w 11256099"/>
+              <a:gd name="connsiteY10" fmla="*/ 2183264 h 5217021"/>
+              <a:gd name="connsiteX11" fmla="*/ 5204388 w 11256099"/>
+              <a:gd name="connsiteY11" fmla="*/ 2140535 h 5217021"/>
+              <a:gd name="connsiteX12" fmla="*/ 5819686 w 11256099"/>
+              <a:gd name="connsiteY12" fmla="*/ 2131989 h 5217021"/>
+              <a:gd name="connsiteX13" fmla="*/ 6999005 w 11256099"/>
+              <a:gd name="connsiteY13" fmla="*/ 1986711 h 5217021"/>
+              <a:gd name="connsiteX14" fmla="*/ 7879222 w 11256099"/>
+              <a:gd name="connsiteY14" fmla="*/ 1858524 h 5217021"/>
+              <a:gd name="connsiteX15" fmla="*/ 8451790 w 11256099"/>
+              <a:gd name="connsiteY15" fmla="*/ 1798703 h 5217021"/>
+              <a:gd name="connsiteX16" fmla="*/ 8810714 w 11256099"/>
+              <a:gd name="connsiteY16" fmla="*/ 1798703 h 5217021"/>
+              <a:gd name="connsiteX17" fmla="*/ 9631110 w 11256099"/>
+              <a:gd name="connsiteY17" fmla="*/ 1849978 h 5217021"/>
+              <a:gd name="connsiteX18" fmla="*/ 10195132 w 11256099"/>
+              <a:gd name="connsiteY18" fmla="*/ 1909798 h 5217021"/>
+              <a:gd name="connsiteX19" fmla="*/ 10588239 w 11256099"/>
+              <a:gd name="connsiteY19" fmla="*/ 1978165 h 5217021"/>
+              <a:gd name="connsiteX20" fmla="*/ 10827521 w 11256099"/>
+              <a:gd name="connsiteY20" fmla="*/ 1995256 h 5217021"/>
+              <a:gd name="connsiteX21" fmla="*/ 10876836 w 11256099"/>
+              <a:gd name="connsiteY21" fmla="*/ 1895378 h 5217021"/>
+              <a:gd name="connsiteX22" fmla="*/ 10878796 w 11256099"/>
+              <a:gd name="connsiteY22" fmla="*/ 1491055 h 5217021"/>
+              <a:gd name="connsiteX23" fmla="*/ 10870250 w 11256099"/>
+              <a:gd name="connsiteY23" fmla="*/ 995398 h 5217021"/>
+              <a:gd name="connsiteX24" fmla="*/ 10930071 w 11256099"/>
+              <a:gd name="connsiteY24" fmla="*/ 610838 h 5217021"/>
+              <a:gd name="connsiteX25" fmla="*/ 11049712 w 11256099"/>
+              <a:gd name="connsiteY25" fmla="*/ 217731 h 5217021"/>
+              <a:gd name="connsiteX26" fmla="*/ 11126624 w 11256099"/>
+              <a:gd name="connsiteY26" fmla="*/ 12632 h 5217021"/>
+              <a:gd name="connsiteX27" fmla="*/ 11237719 w 11256099"/>
+              <a:gd name="connsiteY27" fmla="*/ 21178 h 5217021"/>
+              <a:gd name="connsiteX28" fmla="*/ 11254811 w 11256099"/>
+              <a:gd name="connsiteY28" fmla="*/ 21178 h 5217021"/>
+              <a:gd name="connsiteX0" fmla="*/ 0 w 11256099"/>
+              <a:gd name="connsiteY0" fmla="*/ 5217021 h 5217021"/>
+              <a:gd name="connsiteX1" fmla="*/ 410198 w 11256099"/>
+              <a:gd name="connsiteY1" fmla="*/ 4875189 h 5217021"/>
+              <a:gd name="connsiteX2" fmla="*/ 1119499 w 11256099"/>
+              <a:gd name="connsiteY2" fmla="*/ 4370987 h 5217021"/>
+              <a:gd name="connsiteX3" fmla="*/ 1828800 w 11256099"/>
+              <a:gd name="connsiteY3" fmla="*/ 3883877 h 5217021"/>
+              <a:gd name="connsiteX4" fmla="*/ 2204815 w 11256099"/>
+              <a:gd name="connsiteY4" fmla="*/ 3695870 h 5217021"/>
+              <a:gd name="connsiteX5" fmla="*/ 2529555 w 11256099"/>
+              <a:gd name="connsiteY5" fmla="*/ 3490770 h 5217021"/>
+              <a:gd name="connsiteX6" fmla="*/ 3273039 w 11256099"/>
+              <a:gd name="connsiteY6" fmla="*/ 2866927 h 5217021"/>
+              <a:gd name="connsiteX7" fmla="*/ 3785786 w 11256099"/>
+              <a:gd name="connsiteY7" fmla="*/ 2490912 h 5217021"/>
+              <a:gd name="connsiteX8" fmla="*/ 4115393 w 11256099"/>
+              <a:gd name="connsiteY8" fmla="*/ 2328542 h 5217021"/>
+              <a:gd name="connsiteX9" fmla="*/ 4640366 w 11256099"/>
+              <a:gd name="connsiteY9" fmla="*/ 2183264 h 5217021"/>
+              <a:gd name="connsiteX10" fmla="*/ 5204388 w 11256099"/>
+              <a:gd name="connsiteY10" fmla="*/ 2140535 h 5217021"/>
+              <a:gd name="connsiteX11" fmla="*/ 5819686 w 11256099"/>
+              <a:gd name="connsiteY11" fmla="*/ 2131989 h 5217021"/>
+              <a:gd name="connsiteX12" fmla="*/ 6999005 w 11256099"/>
+              <a:gd name="connsiteY12" fmla="*/ 1986711 h 5217021"/>
+              <a:gd name="connsiteX13" fmla="*/ 7879222 w 11256099"/>
+              <a:gd name="connsiteY13" fmla="*/ 1858524 h 5217021"/>
+              <a:gd name="connsiteX14" fmla="*/ 8451790 w 11256099"/>
+              <a:gd name="connsiteY14" fmla="*/ 1798703 h 5217021"/>
+              <a:gd name="connsiteX15" fmla="*/ 8810714 w 11256099"/>
+              <a:gd name="connsiteY15" fmla="*/ 1798703 h 5217021"/>
+              <a:gd name="connsiteX16" fmla="*/ 9631110 w 11256099"/>
+              <a:gd name="connsiteY16" fmla="*/ 1849978 h 5217021"/>
+              <a:gd name="connsiteX17" fmla="*/ 10195132 w 11256099"/>
+              <a:gd name="connsiteY17" fmla="*/ 1909798 h 5217021"/>
+              <a:gd name="connsiteX18" fmla="*/ 10588239 w 11256099"/>
+              <a:gd name="connsiteY18" fmla="*/ 1978165 h 5217021"/>
+              <a:gd name="connsiteX19" fmla="*/ 10827521 w 11256099"/>
+              <a:gd name="connsiteY19" fmla="*/ 1995256 h 5217021"/>
+              <a:gd name="connsiteX20" fmla="*/ 10876836 w 11256099"/>
+              <a:gd name="connsiteY20" fmla="*/ 1895378 h 5217021"/>
+              <a:gd name="connsiteX21" fmla="*/ 10878796 w 11256099"/>
+              <a:gd name="connsiteY21" fmla="*/ 1491055 h 5217021"/>
+              <a:gd name="connsiteX22" fmla="*/ 10870250 w 11256099"/>
+              <a:gd name="connsiteY22" fmla="*/ 995398 h 5217021"/>
+              <a:gd name="connsiteX23" fmla="*/ 10930071 w 11256099"/>
+              <a:gd name="connsiteY23" fmla="*/ 610838 h 5217021"/>
+              <a:gd name="connsiteX24" fmla="*/ 11049712 w 11256099"/>
+              <a:gd name="connsiteY24" fmla="*/ 217731 h 5217021"/>
+              <a:gd name="connsiteX25" fmla="*/ 11126624 w 11256099"/>
+              <a:gd name="connsiteY25" fmla="*/ 12632 h 5217021"/>
+              <a:gd name="connsiteX26" fmla="*/ 11237719 w 11256099"/>
+              <a:gd name="connsiteY26" fmla="*/ 21178 h 5217021"/>
+              <a:gd name="connsiteX27" fmla="*/ 11254811 w 11256099"/>
+              <a:gd name="connsiteY27" fmla="*/ 21178 h 5217021"/>
+              <a:gd name="connsiteX0" fmla="*/ 0 w 11256099"/>
+              <a:gd name="connsiteY0" fmla="*/ 5217021 h 5217021"/>
+              <a:gd name="connsiteX1" fmla="*/ 410198 w 11256099"/>
+              <a:gd name="connsiteY1" fmla="*/ 4875189 h 5217021"/>
+              <a:gd name="connsiteX2" fmla="*/ 1119499 w 11256099"/>
+              <a:gd name="connsiteY2" fmla="*/ 4370987 h 5217021"/>
+              <a:gd name="connsiteX3" fmla="*/ 1828800 w 11256099"/>
+              <a:gd name="connsiteY3" fmla="*/ 3883877 h 5217021"/>
+              <a:gd name="connsiteX4" fmla="*/ 2204815 w 11256099"/>
+              <a:gd name="connsiteY4" fmla="*/ 3695870 h 5217021"/>
+              <a:gd name="connsiteX5" fmla="*/ 2529555 w 11256099"/>
+              <a:gd name="connsiteY5" fmla="*/ 3490770 h 5217021"/>
+              <a:gd name="connsiteX6" fmla="*/ 3273039 w 11256099"/>
+              <a:gd name="connsiteY6" fmla="*/ 2866927 h 5217021"/>
+              <a:gd name="connsiteX7" fmla="*/ 3785786 w 11256099"/>
+              <a:gd name="connsiteY7" fmla="*/ 2490912 h 5217021"/>
+              <a:gd name="connsiteX8" fmla="*/ 4147143 w 11256099"/>
+              <a:gd name="connsiteY8" fmla="*/ 2347592 h 5217021"/>
+              <a:gd name="connsiteX9" fmla="*/ 4640366 w 11256099"/>
+              <a:gd name="connsiteY9" fmla="*/ 2183264 h 5217021"/>
+              <a:gd name="connsiteX10" fmla="*/ 5204388 w 11256099"/>
+              <a:gd name="connsiteY10" fmla="*/ 2140535 h 5217021"/>
+              <a:gd name="connsiteX11" fmla="*/ 5819686 w 11256099"/>
+              <a:gd name="connsiteY11" fmla="*/ 2131989 h 5217021"/>
+              <a:gd name="connsiteX12" fmla="*/ 6999005 w 11256099"/>
+              <a:gd name="connsiteY12" fmla="*/ 1986711 h 5217021"/>
+              <a:gd name="connsiteX13" fmla="*/ 7879222 w 11256099"/>
+              <a:gd name="connsiteY13" fmla="*/ 1858524 h 5217021"/>
+              <a:gd name="connsiteX14" fmla="*/ 8451790 w 11256099"/>
+              <a:gd name="connsiteY14" fmla="*/ 1798703 h 5217021"/>
+              <a:gd name="connsiteX15" fmla="*/ 8810714 w 11256099"/>
+              <a:gd name="connsiteY15" fmla="*/ 1798703 h 5217021"/>
+              <a:gd name="connsiteX16" fmla="*/ 9631110 w 11256099"/>
+              <a:gd name="connsiteY16" fmla="*/ 1849978 h 5217021"/>
+              <a:gd name="connsiteX17" fmla="*/ 10195132 w 11256099"/>
+              <a:gd name="connsiteY17" fmla="*/ 1909798 h 5217021"/>
+              <a:gd name="connsiteX18" fmla="*/ 10588239 w 11256099"/>
+              <a:gd name="connsiteY18" fmla="*/ 1978165 h 5217021"/>
+              <a:gd name="connsiteX19" fmla="*/ 10827521 w 11256099"/>
+              <a:gd name="connsiteY19" fmla="*/ 1995256 h 5217021"/>
+              <a:gd name="connsiteX20" fmla="*/ 10876836 w 11256099"/>
+              <a:gd name="connsiteY20" fmla="*/ 1895378 h 5217021"/>
+              <a:gd name="connsiteX21" fmla="*/ 10878796 w 11256099"/>
+              <a:gd name="connsiteY21" fmla="*/ 1491055 h 5217021"/>
+              <a:gd name="connsiteX22" fmla="*/ 10870250 w 11256099"/>
+              <a:gd name="connsiteY22" fmla="*/ 995398 h 5217021"/>
+              <a:gd name="connsiteX23" fmla="*/ 10930071 w 11256099"/>
+              <a:gd name="connsiteY23" fmla="*/ 610838 h 5217021"/>
+              <a:gd name="connsiteX24" fmla="*/ 11049712 w 11256099"/>
+              <a:gd name="connsiteY24" fmla="*/ 217731 h 5217021"/>
+              <a:gd name="connsiteX25" fmla="*/ 11126624 w 11256099"/>
+              <a:gd name="connsiteY25" fmla="*/ 12632 h 5217021"/>
+              <a:gd name="connsiteX26" fmla="*/ 11237719 w 11256099"/>
+              <a:gd name="connsiteY26" fmla="*/ 21178 h 5217021"/>
+              <a:gd name="connsiteX27" fmla="*/ 11254811 w 11256099"/>
+              <a:gd name="connsiteY27" fmla="*/ 21178 h 5217021"/>
+              <a:gd name="connsiteX0" fmla="*/ 0 w 11256099"/>
+              <a:gd name="connsiteY0" fmla="*/ 5217021 h 5217021"/>
+              <a:gd name="connsiteX1" fmla="*/ 410198 w 11256099"/>
+              <a:gd name="connsiteY1" fmla="*/ 4875189 h 5217021"/>
+              <a:gd name="connsiteX2" fmla="*/ 1119499 w 11256099"/>
+              <a:gd name="connsiteY2" fmla="*/ 4370987 h 5217021"/>
+              <a:gd name="connsiteX3" fmla="*/ 1828800 w 11256099"/>
+              <a:gd name="connsiteY3" fmla="*/ 3883877 h 5217021"/>
+              <a:gd name="connsiteX4" fmla="*/ 2204815 w 11256099"/>
+              <a:gd name="connsiteY4" fmla="*/ 3695870 h 5217021"/>
+              <a:gd name="connsiteX5" fmla="*/ 2529555 w 11256099"/>
+              <a:gd name="connsiteY5" fmla="*/ 3490770 h 5217021"/>
+              <a:gd name="connsiteX6" fmla="*/ 3273039 w 11256099"/>
+              <a:gd name="connsiteY6" fmla="*/ 2866927 h 5217021"/>
+              <a:gd name="connsiteX7" fmla="*/ 3773086 w 11256099"/>
+              <a:gd name="connsiteY7" fmla="*/ 2535362 h 5217021"/>
+              <a:gd name="connsiteX8" fmla="*/ 4147143 w 11256099"/>
+              <a:gd name="connsiteY8" fmla="*/ 2347592 h 5217021"/>
+              <a:gd name="connsiteX9" fmla="*/ 4640366 w 11256099"/>
+              <a:gd name="connsiteY9" fmla="*/ 2183264 h 5217021"/>
+              <a:gd name="connsiteX10" fmla="*/ 5204388 w 11256099"/>
+              <a:gd name="connsiteY10" fmla="*/ 2140535 h 5217021"/>
+              <a:gd name="connsiteX11" fmla="*/ 5819686 w 11256099"/>
+              <a:gd name="connsiteY11" fmla="*/ 2131989 h 5217021"/>
+              <a:gd name="connsiteX12" fmla="*/ 6999005 w 11256099"/>
+              <a:gd name="connsiteY12" fmla="*/ 1986711 h 5217021"/>
+              <a:gd name="connsiteX13" fmla="*/ 7879222 w 11256099"/>
+              <a:gd name="connsiteY13" fmla="*/ 1858524 h 5217021"/>
+              <a:gd name="connsiteX14" fmla="*/ 8451790 w 11256099"/>
+              <a:gd name="connsiteY14" fmla="*/ 1798703 h 5217021"/>
+              <a:gd name="connsiteX15" fmla="*/ 8810714 w 11256099"/>
+              <a:gd name="connsiteY15" fmla="*/ 1798703 h 5217021"/>
+              <a:gd name="connsiteX16" fmla="*/ 9631110 w 11256099"/>
+              <a:gd name="connsiteY16" fmla="*/ 1849978 h 5217021"/>
+              <a:gd name="connsiteX17" fmla="*/ 10195132 w 11256099"/>
+              <a:gd name="connsiteY17" fmla="*/ 1909798 h 5217021"/>
+              <a:gd name="connsiteX18" fmla="*/ 10588239 w 11256099"/>
+              <a:gd name="connsiteY18" fmla="*/ 1978165 h 5217021"/>
+              <a:gd name="connsiteX19" fmla="*/ 10827521 w 11256099"/>
+              <a:gd name="connsiteY19" fmla="*/ 1995256 h 5217021"/>
+              <a:gd name="connsiteX20" fmla="*/ 10876836 w 11256099"/>
+              <a:gd name="connsiteY20" fmla="*/ 1895378 h 5217021"/>
+              <a:gd name="connsiteX21" fmla="*/ 10878796 w 11256099"/>
+              <a:gd name="connsiteY21" fmla="*/ 1491055 h 5217021"/>
+              <a:gd name="connsiteX22" fmla="*/ 10870250 w 11256099"/>
+              <a:gd name="connsiteY22" fmla="*/ 995398 h 5217021"/>
+              <a:gd name="connsiteX23" fmla="*/ 10930071 w 11256099"/>
+              <a:gd name="connsiteY23" fmla="*/ 610838 h 5217021"/>
+              <a:gd name="connsiteX24" fmla="*/ 11049712 w 11256099"/>
+              <a:gd name="connsiteY24" fmla="*/ 217731 h 5217021"/>
+              <a:gd name="connsiteX25" fmla="*/ 11126624 w 11256099"/>
+              <a:gd name="connsiteY25" fmla="*/ 12632 h 5217021"/>
+              <a:gd name="connsiteX26" fmla="*/ 11237719 w 11256099"/>
+              <a:gd name="connsiteY26" fmla="*/ 21178 h 5217021"/>
+              <a:gd name="connsiteX27" fmla="*/ 11254811 w 11256099"/>
+              <a:gd name="connsiteY27" fmla="*/ 21178 h 5217021"/>
+              <a:gd name="connsiteX0" fmla="*/ 0 w 11256099"/>
+              <a:gd name="connsiteY0" fmla="*/ 5217021 h 5217021"/>
+              <a:gd name="connsiteX1" fmla="*/ 410198 w 11256099"/>
+              <a:gd name="connsiteY1" fmla="*/ 4875189 h 5217021"/>
+              <a:gd name="connsiteX2" fmla="*/ 1119499 w 11256099"/>
+              <a:gd name="connsiteY2" fmla="*/ 4370987 h 5217021"/>
+              <a:gd name="connsiteX3" fmla="*/ 1828800 w 11256099"/>
+              <a:gd name="connsiteY3" fmla="*/ 3883877 h 5217021"/>
+              <a:gd name="connsiteX4" fmla="*/ 2529555 w 11256099"/>
+              <a:gd name="connsiteY4" fmla="*/ 3490770 h 5217021"/>
+              <a:gd name="connsiteX5" fmla="*/ 3273039 w 11256099"/>
+              <a:gd name="connsiteY5" fmla="*/ 2866927 h 5217021"/>
+              <a:gd name="connsiteX6" fmla="*/ 3773086 w 11256099"/>
+              <a:gd name="connsiteY6" fmla="*/ 2535362 h 5217021"/>
+              <a:gd name="connsiteX7" fmla="*/ 4147143 w 11256099"/>
+              <a:gd name="connsiteY7" fmla="*/ 2347592 h 5217021"/>
+              <a:gd name="connsiteX8" fmla="*/ 4640366 w 11256099"/>
+              <a:gd name="connsiteY8" fmla="*/ 2183264 h 5217021"/>
+              <a:gd name="connsiteX9" fmla="*/ 5204388 w 11256099"/>
+              <a:gd name="connsiteY9" fmla="*/ 2140535 h 5217021"/>
+              <a:gd name="connsiteX10" fmla="*/ 5819686 w 11256099"/>
+              <a:gd name="connsiteY10" fmla="*/ 2131989 h 5217021"/>
+              <a:gd name="connsiteX11" fmla="*/ 6999005 w 11256099"/>
+              <a:gd name="connsiteY11" fmla="*/ 1986711 h 5217021"/>
+              <a:gd name="connsiteX12" fmla="*/ 7879222 w 11256099"/>
+              <a:gd name="connsiteY12" fmla="*/ 1858524 h 5217021"/>
+              <a:gd name="connsiteX13" fmla="*/ 8451790 w 11256099"/>
+              <a:gd name="connsiteY13" fmla="*/ 1798703 h 5217021"/>
+              <a:gd name="connsiteX14" fmla="*/ 8810714 w 11256099"/>
+              <a:gd name="connsiteY14" fmla="*/ 1798703 h 5217021"/>
+              <a:gd name="connsiteX15" fmla="*/ 9631110 w 11256099"/>
+              <a:gd name="connsiteY15" fmla="*/ 1849978 h 5217021"/>
+              <a:gd name="connsiteX16" fmla="*/ 10195132 w 11256099"/>
+              <a:gd name="connsiteY16" fmla="*/ 1909798 h 5217021"/>
+              <a:gd name="connsiteX17" fmla="*/ 10588239 w 11256099"/>
+              <a:gd name="connsiteY17" fmla="*/ 1978165 h 5217021"/>
+              <a:gd name="connsiteX18" fmla="*/ 10827521 w 11256099"/>
+              <a:gd name="connsiteY18" fmla="*/ 1995256 h 5217021"/>
+              <a:gd name="connsiteX19" fmla="*/ 10876836 w 11256099"/>
+              <a:gd name="connsiteY19" fmla="*/ 1895378 h 5217021"/>
+              <a:gd name="connsiteX20" fmla="*/ 10878796 w 11256099"/>
+              <a:gd name="connsiteY20" fmla="*/ 1491055 h 5217021"/>
+              <a:gd name="connsiteX21" fmla="*/ 10870250 w 11256099"/>
+              <a:gd name="connsiteY21" fmla="*/ 995398 h 5217021"/>
+              <a:gd name="connsiteX22" fmla="*/ 10930071 w 11256099"/>
+              <a:gd name="connsiteY22" fmla="*/ 610838 h 5217021"/>
+              <a:gd name="connsiteX23" fmla="*/ 11049712 w 11256099"/>
+              <a:gd name="connsiteY23" fmla="*/ 217731 h 5217021"/>
+              <a:gd name="connsiteX24" fmla="*/ 11126624 w 11256099"/>
+              <a:gd name="connsiteY24" fmla="*/ 12632 h 5217021"/>
+              <a:gd name="connsiteX25" fmla="*/ 11237719 w 11256099"/>
+              <a:gd name="connsiteY25" fmla="*/ 21178 h 5217021"/>
+              <a:gd name="connsiteX26" fmla="*/ 11254811 w 11256099"/>
+              <a:gd name="connsiteY26" fmla="*/ 21178 h 5217021"/>
+              <a:gd name="connsiteX0" fmla="*/ 0 w 11256099"/>
+              <a:gd name="connsiteY0" fmla="*/ 5217021 h 5217021"/>
+              <a:gd name="connsiteX1" fmla="*/ 410198 w 11256099"/>
+              <a:gd name="connsiteY1" fmla="*/ 4875189 h 5217021"/>
+              <a:gd name="connsiteX2" fmla="*/ 1119499 w 11256099"/>
+              <a:gd name="connsiteY2" fmla="*/ 4370987 h 5217021"/>
+              <a:gd name="connsiteX3" fmla="*/ 1790700 w 11256099"/>
+              <a:gd name="connsiteY3" fmla="*/ 3941027 h 5217021"/>
+              <a:gd name="connsiteX4" fmla="*/ 2529555 w 11256099"/>
+              <a:gd name="connsiteY4" fmla="*/ 3490770 h 5217021"/>
+              <a:gd name="connsiteX5" fmla="*/ 3273039 w 11256099"/>
+              <a:gd name="connsiteY5" fmla="*/ 2866927 h 5217021"/>
+              <a:gd name="connsiteX6" fmla="*/ 3773086 w 11256099"/>
+              <a:gd name="connsiteY6" fmla="*/ 2535362 h 5217021"/>
+              <a:gd name="connsiteX7" fmla="*/ 4147143 w 11256099"/>
+              <a:gd name="connsiteY7" fmla="*/ 2347592 h 5217021"/>
+              <a:gd name="connsiteX8" fmla="*/ 4640366 w 11256099"/>
+              <a:gd name="connsiteY8" fmla="*/ 2183264 h 5217021"/>
+              <a:gd name="connsiteX9" fmla="*/ 5204388 w 11256099"/>
+              <a:gd name="connsiteY9" fmla="*/ 2140535 h 5217021"/>
+              <a:gd name="connsiteX10" fmla="*/ 5819686 w 11256099"/>
+              <a:gd name="connsiteY10" fmla="*/ 2131989 h 5217021"/>
+              <a:gd name="connsiteX11" fmla="*/ 6999005 w 11256099"/>
+              <a:gd name="connsiteY11" fmla="*/ 1986711 h 5217021"/>
+              <a:gd name="connsiteX12" fmla="*/ 7879222 w 11256099"/>
+              <a:gd name="connsiteY12" fmla="*/ 1858524 h 5217021"/>
+              <a:gd name="connsiteX13" fmla="*/ 8451790 w 11256099"/>
+              <a:gd name="connsiteY13" fmla="*/ 1798703 h 5217021"/>
+              <a:gd name="connsiteX14" fmla="*/ 8810714 w 11256099"/>
+              <a:gd name="connsiteY14" fmla="*/ 1798703 h 5217021"/>
+              <a:gd name="connsiteX15" fmla="*/ 9631110 w 11256099"/>
+              <a:gd name="connsiteY15" fmla="*/ 1849978 h 5217021"/>
+              <a:gd name="connsiteX16" fmla="*/ 10195132 w 11256099"/>
+              <a:gd name="connsiteY16" fmla="*/ 1909798 h 5217021"/>
+              <a:gd name="connsiteX17" fmla="*/ 10588239 w 11256099"/>
+              <a:gd name="connsiteY17" fmla="*/ 1978165 h 5217021"/>
+              <a:gd name="connsiteX18" fmla="*/ 10827521 w 11256099"/>
+              <a:gd name="connsiteY18" fmla="*/ 1995256 h 5217021"/>
+              <a:gd name="connsiteX19" fmla="*/ 10876836 w 11256099"/>
+              <a:gd name="connsiteY19" fmla="*/ 1895378 h 5217021"/>
+              <a:gd name="connsiteX20" fmla="*/ 10878796 w 11256099"/>
+              <a:gd name="connsiteY20" fmla="*/ 1491055 h 5217021"/>
+              <a:gd name="connsiteX21" fmla="*/ 10870250 w 11256099"/>
+              <a:gd name="connsiteY21" fmla="*/ 995398 h 5217021"/>
+              <a:gd name="connsiteX22" fmla="*/ 10930071 w 11256099"/>
+              <a:gd name="connsiteY22" fmla="*/ 610838 h 5217021"/>
+              <a:gd name="connsiteX23" fmla="*/ 11049712 w 11256099"/>
+              <a:gd name="connsiteY23" fmla="*/ 217731 h 5217021"/>
+              <a:gd name="connsiteX24" fmla="*/ 11126624 w 11256099"/>
+              <a:gd name="connsiteY24" fmla="*/ 12632 h 5217021"/>
+              <a:gd name="connsiteX25" fmla="*/ 11237719 w 11256099"/>
+              <a:gd name="connsiteY25" fmla="*/ 21178 h 5217021"/>
+              <a:gd name="connsiteX26" fmla="*/ 11254811 w 11256099"/>
+              <a:gd name="connsiteY26" fmla="*/ 21178 h 5217021"/>
+              <a:gd name="connsiteX0" fmla="*/ 0 w 11256099"/>
+              <a:gd name="connsiteY0" fmla="*/ 5217021 h 5217021"/>
+              <a:gd name="connsiteX1" fmla="*/ 410198 w 11256099"/>
+              <a:gd name="connsiteY1" fmla="*/ 4875189 h 5217021"/>
+              <a:gd name="connsiteX2" fmla="*/ 1119499 w 11256099"/>
+              <a:gd name="connsiteY2" fmla="*/ 4370987 h 5217021"/>
+              <a:gd name="connsiteX3" fmla="*/ 2529555 w 11256099"/>
+              <a:gd name="connsiteY3" fmla="*/ 3490770 h 5217021"/>
+              <a:gd name="connsiteX4" fmla="*/ 3273039 w 11256099"/>
+              <a:gd name="connsiteY4" fmla="*/ 2866927 h 5217021"/>
+              <a:gd name="connsiteX5" fmla="*/ 3773086 w 11256099"/>
+              <a:gd name="connsiteY5" fmla="*/ 2535362 h 5217021"/>
+              <a:gd name="connsiteX6" fmla="*/ 4147143 w 11256099"/>
+              <a:gd name="connsiteY6" fmla="*/ 2347592 h 5217021"/>
+              <a:gd name="connsiteX7" fmla="*/ 4640366 w 11256099"/>
+              <a:gd name="connsiteY7" fmla="*/ 2183264 h 5217021"/>
+              <a:gd name="connsiteX8" fmla="*/ 5204388 w 11256099"/>
+              <a:gd name="connsiteY8" fmla="*/ 2140535 h 5217021"/>
+              <a:gd name="connsiteX9" fmla="*/ 5819686 w 11256099"/>
+              <a:gd name="connsiteY9" fmla="*/ 2131989 h 5217021"/>
+              <a:gd name="connsiteX10" fmla="*/ 6999005 w 11256099"/>
+              <a:gd name="connsiteY10" fmla="*/ 1986711 h 5217021"/>
+              <a:gd name="connsiteX11" fmla="*/ 7879222 w 11256099"/>
+              <a:gd name="connsiteY11" fmla="*/ 1858524 h 5217021"/>
+              <a:gd name="connsiteX12" fmla="*/ 8451790 w 11256099"/>
+              <a:gd name="connsiteY12" fmla="*/ 1798703 h 5217021"/>
+              <a:gd name="connsiteX13" fmla="*/ 8810714 w 11256099"/>
+              <a:gd name="connsiteY13" fmla="*/ 1798703 h 5217021"/>
+              <a:gd name="connsiteX14" fmla="*/ 9631110 w 11256099"/>
+              <a:gd name="connsiteY14" fmla="*/ 1849978 h 5217021"/>
+              <a:gd name="connsiteX15" fmla="*/ 10195132 w 11256099"/>
+              <a:gd name="connsiteY15" fmla="*/ 1909798 h 5217021"/>
+              <a:gd name="connsiteX16" fmla="*/ 10588239 w 11256099"/>
+              <a:gd name="connsiteY16" fmla="*/ 1978165 h 5217021"/>
+              <a:gd name="connsiteX17" fmla="*/ 10827521 w 11256099"/>
+              <a:gd name="connsiteY17" fmla="*/ 1995256 h 5217021"/>
+              <a:gd name="connsiteX18" fmla="*/ 10876836 w 11256099"/>
+              <a:gd name="connsiteY18" fmla="*/ 1895378 h 5217021"/>
+              <a:gd name="connsiteX19" fmla="*/ 10878796 w 11256099"/>
+              <a:gd name="connsiteY19" fmla="*/ 1491055 h 5217021"/>
+              <a:gd name="connsiteX20" fmla="*/ 10870250 w 11256099"/>
+              <a:gd name="connsiteY20" fmla="*/ 995398 h 5217021"/>
+              <a:gd name="connsiteX21" fmla="*/ 10930071 w 11256099"/>
+              <a:gd name="connsiteY21" fmla="*/ 610838 h 5217021"/>
+              <a:gd name="connsiteX22" fmla="*/ 11049712 w 11256099"/>
+              <a:gd name="connsiteY22" fmla="*/ 217731 h 5217021"/>
+              <a:gd name="connsiteX23" fmla="*/ 11126624 w 11256099"/>
+              <a:gd name="connsiteY23" fmla="*/ 12632 h 5217021"/>
+              <a:gd name="connsiteX24" fmla="*/ 11237719 w 11256099"/>
+              <a:gd name="connsiteY24" fmla="*/ 21178 h 5217021"/>
+              <a:gd name="connsiteX25" fmla="*/ 11254811 w 11256099"/>
+              <a:gd name="connsiteY25" fmla="*/ 21178 h 5217021"/>
+              <a:gd name="connsiteX0" fmla="*/ 0 w 11256099"/>
+              <a:gd name="connsiteY0" fmla="*/ 5217021 h 5217021"/>
+              <a:gd name="connsiteX1" fmla="*/ 410198 w 11256099"/>
+              <a:gd name="connsiteY1" fmla="*/ 4875189 h 5217021"/>
+              <a:gd name="connsiteX2" fmla="*/ 1119499 w 11256099"/>
+              <a:gd name="connsiteY2" fmla="*/ 4370987 h 5217021"/>
+              <a:gd name="connsiteX3" fmla="*/ 3273039 w 11256099"/>
+              <a:gd name="connsiteY3" fmla="*/ 2866927 h 5217021"/>
+              <a:gd name="connsiteX4" fmla="*/ 3773086 w 11256099"/>
+              <a:gd name="connsiteY4" fmla="*/ 2535362 h 5217021"/>
+              <a:gd name="connsiteX5" fmla="*/ 4147143 w 11256099"/>
+              <a:gd name="connsiteY5" fmla="*/ 2347592 h 5217021"/>
+              <a:gd name="connsiteX6" fmla="*/ 4640366 w 11256099"/>
+              <a:gd name="connsiteY6" fmla="*/ 2183264 h 5217021"/>
+              <a:gd name="connsiteX7" fmla="*/ 5204388 w 11256099"/>
+              <a:gd name="connsiteY7" fmla="*/ 2140535 h 5217021"/>
+              <a:gd name="connsiteX8" fmla="*/ 5819686 w 11256099"/>
+              <a:gd name="connsiteY8" fmla="*/ 2131989 h 5217021"/>
+              <a:gd name="connsiteX9" fmla="*/ 6999005 w 11256099"/>
+              <a:gd name="connsiteY9" fmla="*/ 1986711 h 5217021"/>
+              <a:gd name="connsiteX10" fmla="*/ 7879222 w 11256099"/>
+              <a:gd name="connsiteY10" fmla="*/ 1858524 h 5217021"/>
+              <a:gd name="connsiteX11" fmla="*/ 8451790 w 11256099"/>
+              <a:gd name="connsiteY11" fmla="*/ 1798703 h 5217021"/>
+              <a:gd name="connsiteX12" fmla="*/ 8810714 w 11256099"/>
+              <a:gd name="connsiteY12" fmla="*/ 1798703 h 5217021"/>
+              <a:gd name="connsiteX13" fmla="*/ 9631110 w 11256099"/>
+              <a:gd name="connsiteY13" fmla="*/ 1849978 h 5217021"/>
+              <a:gd name="connsiteX14" fmla="*/ 10195132 w 11256099"/>
+              <a:gd name="connsiteY14" fmla="*/ 1909798 h 5217021"/>
+              <a:gd name="connsiteX15" fmla="*/ 10588239 w 11256099"/>
+              <a:gd name="connsiteY15" fmla="*/ 1978165 h 5217021"/>
+              <a:gd name="connsiteX16" fmla="*/ 10827521 w 11256099"/>
+              <a:gd name="connsiteY16" fmla="*/ 1995256 h 5217021"/>
+              <a:gd name="connsiteX17" fmla="*/ 10876836 w 11256099"/>
+              <a:gd name="connsiteY17" fmla="*/ 1895378 h 5217021"/>
+              <a:gd name="connsiteX18" fmla="*/ 10878796 w 11256099"/>
+              <a:gd name="connsiteY18" fmla="*/ 1491055 h 5217021"/>
+              <a:gd name="connsiteX19" fmla="*/ 10870250 w 11256099"/>
+              <a:gd name="connsiteY19" fmla="*/ 995398 h 5217021"/>
+              <a:gd name="connsiteX20" fmla="*/ 10930071 w 11256099"/>
+              <a:gd name="connsiteY20" fmla="*/ 610838 h 5217021"/>
+              <a:gd name="connsiteX21" fmla="*/ 11049712 w 11256099"/>
+              <a:gd name="connsiteY21" fmla="*/ 217731 h 5217021"/>
+              <a:gd name="connsiteX22" fmla="*/ 11126624 w 11256099"/>
+              <a:gd name="connsiteY22" fmla="*/ 12632 h 5217021"/>
+              <a:gd name="connsiteX23" fmla="*/ 11237719 w 11256099"/>
+              <a:gd name="connsiteY23" fmla="*/ 21178 h 5217021"/>
+              <a:gd name="connsiteX24" fmla="*/ 11254811 w 11256099"/>
+              <a:gd name="connsiteY24" fmla="*/ 21178 h 5217021"/>
+              <a:gd name="connsiteX0" fmla="*/ 0 w 11256099"/>
+              <a:gd name="connsiteY0" fmla="*/ 5217021 h 5217021"/>
+              <a:gd name="connsiteX1" fmla="*/ 410198 w 11256099"/>
+              <a:gd name="connsiteY1" fmla="*/ 4875189 h 5217021"/>
+              <a:gd name="connsiteX2" fmla="*/ 1119499 w 11256099"/>
+              <a:gd name="connsiteY2" fmla="*/ 4370987 h 5217021"/>
+              <a:gd name="connsiteX3" fmla="*/ 3773086 w 11256099"/>
+              <a:gd name="connsiteY3" fmla="*/ 2535362 h 5217021"/>
+              <a:gd name="connsiteX4" fmla="*/ 4147143 w 11256099"/>
+              <a:gd name="connsiteY4" fmla="*/ 2347592 h 5217021"/>
+              <a:gd name="connsiteX5" fmla="*/ 4640366 w 11256099"/>
+              <a:gd name="connsiteY5" fmla="*/ 2183264 h 5217021"/>
+              <a:gd name="connsiteX6" fmla="*/ 5204388 w 11256099"/>
+              <a:gd name="connsiteY6" fmla="*/ 2140535 h 5217021"/>
+              <a:gd name="connsiteX7" fmla="*/ 5819686 w 11256099"/>
+              <a:gd name="connsiteY7" fmla="*/ 2131989 h 5217021"/>
+              <a:gd name="connsiteX8" fmla="*/ 6999005 w 11256099"/>
+              <a:gd name="connsiteY8" fmla="*/ 1986711 h 5217021"/>
+              <a:gd name="connsiteX9" fmla="*/ 7879222 w 11256099"/>
+              <a:gd name="connsiteY9" fmla="*/ 1858524 h 5217021"/>
+              <a:gd name="connsiteX10" fmla="*/ 8451790 w 11256099"/>
+              <a:gd name="connsiteY10" fmla="*/ 1798703 h 5217021"/>
+              <a:gd name="connsiteX11" fmla="*/ 8810714 w 11256099"/>
+              <a:gd name="connsiteY11" fmla="*/ 1798703 h 5217021"/>
+              <a:gd name="connsiteX12" fmla="*/ 9631110 w 11256099"/>
+              <a:gd name="connsiteY12" fmla="*/ 1849978 h 5217021"/>
+              <a:gd name="connsiteX13" fmla="*/ 10195132 w 11256099"/>
+              <a:gd name="connsiteY13" fmla="*/ 1909798 h 5217021"/>
+              <a:gd name="connsiteX14" fmla="*/ 10588239 w 11256099"/>
+              <a:gd name="connsiteY14" fmla="*/ 1978165 h 5217021"/>
+              <a:gd name="connsiteX15" fmla="*/ 10827521 w 11256099"/>
+              <a:gd name="connsiteY15" fmla="*/ 1995256 h 5217021"/>
+              <a:gd name="connsiteX16" fmla="*/ 10876836 w 11256099"/>
+              <a:gd name="connsiteY16" fmla="*/ 1895378 h 5217021"/>
+              <a:gd name="connsiteX17" fmla="*/ 10878796 w 11256099"/>
+              <a:gd name="connsiteY17" fmla="*/ 1491055 h 5217021"/>
+              <a:gd name="connsiteX18" fmla="*/ 10870250 w 11256099"/>
+              <a:gd name="connsiteY18" fmla="*/ 995398 h 5217021"/>
+              <a:gd name="connsiteX19" fmla="*/ 10930071 w 11256099"/>
+              <a:gd name="connsiteY19" fmla="*/ 610838 h 5217021"/>
+              <a:gd name="connsiteX20" fmla="*/ 11049712 w 11256099"/>
+              <a:gd name="connsiteY20" fmla="*/ 217731 h 5217021"/>
+              <a:gd name="connsiteX21" fmla="*/ 11126624 w 11256099"/>
+              <a:gd name="connsiteY21" fmla="*/ 12632 h 5217021"/>
+              <a:gd name="connsiteX22" fmla="*/ 11237719 w 11256099"/>
+              <a:gd name="connsiteY22" fmla="*/ 21178 h 5217021"/>
+              <a:gd name="connsiteX23" fmla="*/ 11254811 w 11256099"/>
+              <a:gd name="connsiteY23" fmla="*/ 21178 h 5217021"/>
+              <a:gd name="connsiteX0" fmla="*/ 0 w 11256099"/>
+              <a:gd name="connsiteY0" fmla="*/ 5217021 h 5217021"/>
+              <a:gd name="connsiteX1" fmla="*/ 410198 w 11256099"/>
+              <a:gd name="connsiteY1" fmla="*/ 4875189 h 5217021"/>
+              <a:gd name="connsiteX2" fmla="*/ 1119499 w 11256099"/>
+              <a:gd name="connsiteY2" fmla="*/ 4370987 h 5217021"/>
+              <a:gd name="connsiteX3" fmla="*/ 4147143 w 11256099"/>
+              <a:gd name="connsiteY3" fmla="*/ 2347592 h 5217021"/>
+              <a:gd name="connsiteX4" fmla="*/ 4640366 w 11256099"/>
+              <a:gd name="connsiteY4" fmla="*/ 2183264 h 5217021"/>
+              <a:gd name="connsiteX5" fmla="*/ 5204388 w 11256099"/>
+              <a:gd name="connsiteY5" fmla="*/ 2140535 h 5217021"/>
+              <a:gd name="connsiteX6" fmla="*/ 5819686 w 11256099"/>
+              <a:gd name="connsiteY6" fmla="*/ 2131989 h 5217021"/>
+              <a:gd name="connsiteX7" fmla="*/ 6999005 w 11256099"/>
+              <a:gd name="connsiteY7" fmla="*/ 1986711 h 5217021"/>
+              <a:gd name="connsiteX8" fmla="*/ 7879222 w 11256099"/>
+              <a:gd name="connsiteY8" fmla="*/ 1858524 h 5217021"/>
+              <a:gd name="connsiteX9" fmla="*/ 8451790 w 11256099"/>
+              <a:gd name="connsiteY9" fmla="*/ 1798703 h 5217021"/>
+              <a:gd name="connsiteX10" fmla="*/ 8810714 w 11256099"/>
+              <a:gd name="connsiteY10" fmla="*/ 1798703 h 5217021"/>
+              <a:gd name="connsiteX11" fmla="*/ 9631110 w 11256099"/>
+              <a:gd name="connsiteY11" fmla="*/ 1849978 h 5217021"/>
+              <a:gd name="connsiteX12" fmla="*/ 10195132 w 11256099"/>
+              <a:gd name="connsiteY12" fmla="*/ 1909798 h 5217021"/>
+              <a:gd name="connsiteX13" fmla="*/ 10588239 w 11256099"/>
+              <a:gd name="connsiteY13" fmla="*/ 1978165 h 5217021"/>
+              <a:gd name="connsiteX14" fmla="*/ 10827521 w 11256099"/>
+              <a:gd name="connsiteY14" fmla="*/ 1995256 h 5217021"/>
+              <a:gd name="connsiteX15" fmla="*/ 10876836 w 11256099"/>
+              <a:gd name="connsiteY15" fmla="*/ 1895378 h 5217021"/>
+              <a:gd name="connsiteX16" fmla="*/ 10878796 w 11256099"/>
+              <a:gd name="connsiteY16" fmla="*/ 1491055 h 5217021"/>
+              <a:gd name="connsiteX17" fmla="*/ 10870250 w 11256099"/>
+              <a:gd name="connsiteY17" fmla="*/ 995398 h 5217021"/>
+              <a:gd name="connsiteX18" fmla="*/ 10930071 w 11256099"/>
+              <a:gd name="connsiteY18" fmla="*/ 610838 h 5217021"/>
+              <a:gd name="connsiteX19" fmla="*/ 11049712 w 11256099"/>
+              <a:gd name="connsiteY19" fmla="*/ 217731 h 5217021"/>
+              <a:gd name="connsiteX20" fmla="*/ 11126624 w 11256099"/>
+              <a:gd name="connsiteY20" fmla="*/ 12632 h 5217021"/>
+              <a:gd name="connsiteX21" fmla="*/ 11237719 w 11256099"/>
+              <a:gd name="connsiteY21" fmla="*/ 21178 h 5217021"/>
+              <a:gd name="connsiteX22" fmla="*/ 11254811 w 11256099"/>
+              <a:gd name="connsiteY22" fmla="*/ 21178 h 5217021"/>
+              <a:gd name="connsiteX0" fmla="*/ 0 w 11256099"/>
+              <a:gd name="connsiteY0" fmla="*/ 5217021 h 5217021"/>
+              <a:gd name="connsiteX1" fmla="*/ 410198 w 11256099"/>
+              <a:gd name="connsiteY1" fmla="*/ 4875189 h 5217021"/>
+              <a:gd name="connsiteX2" fmla="*/ 1119499 w 11256099"/>
+              <a:gd name="connsiteY2" fmla="*/ 4370987 h 5217021"/>
+              <a:gd name="connsiteX3" fmla="*/ 4640366 w 11256099"/>
+              <a:gd name="connsiteY3" fmla="*/ 2183264 h 5217021"/>
+              <a:gd name="connsiteX4" fmla="*/ 5204388 w 11256099"/>
+              <a:gd name="connsiteY4" fmla="*/ 2140535 h 5217021"/>
+              <a:gd name="connsiteX5" fmla="*/ 5819686 w 11256099"/>
+              <a:gd name="connsiteY5" fmla="*/ 2131989 h 5217021"/>
+              <a:gd name="connsiteX6" fmla="*/ 6999005 w 11256099"/>
+              <a:gd name="connsiteY6" fmla="*/ 1986711 h 5217021"/>
+              <a:gd name="connsiteX7" fmla="*/ 7879222 w 11256099"/>
+              <a:gd name="connsiteY7" fmla="*/ 1858524 h 5217021"/>
+              <a:gd name="connsiteX8" fmla="*/ 8451790 w 11256099"/>
+              <a:gd name="connsiteY8" fmla="*/ 1798703 h 5217021"/>
+              <a:gd name="connsiteX9" fmla="*/ 8810714 w 11256099"/>
+              <a:gd name="connsiteY9" fmla="*/ 1798703 h 5217021"/>
+              <a:gd name="connsiteX10" fmla="*/ 9631110 w 11256099"/>
+              <a:gd name="connsiteY10" fmla="*/ 1849978 h 5217021"/>
+              <a:gd name="connsiteX11" fmla="*/ 10195132 w 11256099"/>
+              <a:gd name="connsiteY11" fmla="*/ 1909798 h 5217021"/>
+              <a:gd name="connsiteX12" fmla="*/ 10588239 w 11256099"/>
+              <a:gd name="connsiteY12" fmla="*/ 1978165 h 5217021"/>
+              <a:gd name="connsiteX13" fmla="*/ 10827521 w 11256099"/>
+              <a:gd name="connsiteY13" fmla="*/ 1995256 h 5217021"/>
+              <a:gd name="connsiteX14" fmla="*/ 10876836 w 11256099"/>
+              <a:gd name="connsiteY14" fmla="*/ 1895378 h 5217021"/>
+              <a:gd name="connsiteX15" fmla="*/ 10878796 w 11256099"/>
+              <a:gd name="connsiteY15" fmla="*/ 1491055 h 5217021"/>
+              <a:gd name="connsiteX16" fmla="*/ 10870250 w 11256099"/>
+              <a:gd name="connsiteY16" fmla="*/ 995398 h 5217021"/>
+              <a:gd name="connsiteX17" fmla="*/ 10930071 w 11256099"/>
+              <a:gd name="connsiteY17" fmla="*/ 610838 h 5217021"/>
+              <a:gd name="connsiteX18" fmla="*/ 11049712 w 11256099"/>
+              <a:gd name="connsiteY18" fmla="*/ 217731 h 5217021"/>
+              <a:gd name="connsiteX19" fmla="*/ 11126624 w 11256099"/>
+              <a:gd name="connsiteY19" fmla="*/ 12632 h 5217021"/>
+              <a:gd name="connsiteX20" fmla="*/ 11237719 w 11256099"/>
+              <a:gd name="connsiteY20" fmla="*/ 21178 h 5217021"/>
+              <a:gd name="connsiteX21" fmla="*/ 11254811 w 11256099"/>
+              <a:gd name="connsiteY21" fmla="*/ 21178 h 5217021"/>
+              <a:gd name="connsiteX0" fmla="*/ 0 w 11256099"/>
+              <a:gd name="connsiteY0" fmla="*/ 5217021 h 5217021"/>
+              <a:gd name="connsiteX1" fmla="*/ 410198 w 11256099"/>
+              <a:gd name="connsiteY1" fmla="*/ 4875189 h 5217021"/>
+              <a:gd name="connsiteX2" fmla="*/ 1119499 w 11256099"/>
+              <a:gd name="connsiteY2" fmla="*/ 4370987 h 5217021"/>
+              <a:gd name="connsiteX3" fmla="*/ 5204388 w 11256099"/>
+              <a:gd name="connsiteY3" fmla="*/ 2140535 h 5217021"/>
+              <a:gd name="connsiteX4" fmla="*/ 5819686 w 11256099"/>
+              <a:gd name="connsiteY4" fmla="*/ 2131989 h 5217021"/>
+              <a:gd name="connsiteX5" fmla="*/ 6999005 w 11256099"/>
+              <a:gd name="connsiteY5" fmla="*/ 1986711 h 5217021"/>
+              <a:gd name="connsiteX6" fmla="*/ 7879222 w 11256099"/>
+              <a:gd name="connsiteY6" fmla="*/ 1858524 h 5217021"/>
+              <a:gd name="connsiteX7" fmla="*/ 8451790 w 11256099"/>
+              <a:gd name="connsiteY7" fmla="*/ 1798703 h 5217021"/>
+              <a:gd name="connsiteX8" fmla="*/ 8810714 w 11256099"/>
+              <a:gd name="connsiteY8" fmla="*/ 1798703 h 5217021"/>
+              <a:gd name="connsiteX9" fmla="*/ 9631110 w 11256099"/>
+              <a:gd name="connsiteY9" fmla="*/ 1849978 h 5217021"/>
+              <a:gd name="connsiteX10" fmla="*/ 10195132 w 11256099"/>
+              <a:gd name="connsiteY10" fmla="*/ 1909798 h 5217021"/>
+              <a:gd name="connsiteX11" fmla="*/ 10588239 w 11256099"/>
+              <a:gd name="connsiteY11" fmla="*/ 1978165 h 5217021"/>
+              <a:gd name="connsiteX12" fmla="*/ 10827521 w 11256099"/>
+              <a:gd name="connsiteY12" fmla="*/ 1995256 h 5217021"/>
+              <a:gd name="connsiteX13" fmla="*/ 10876836 w 11256099"/>
+              <a:gd name="connsiteY13" fmla="*/ 1895378 h 5217021"/>
+              <a:gd name="connsiteX14" fmla="*/ 10878796 w 11256099"/>
+              <a:gd name="connsiteY14" fmla="*/ 1491055 h 5217021"/>
+              <a:gd name="connsiteX15" fmla="*/ 10870250 w 11256099"/>
+              <a:gd name="connsiteY15" fmla="*/ 995398 h 5217021"/>
+              <a:gd name="connsiteX16" fmla="*/ 10930071 w 11256099"/>
+              <a:gd name="connsiteY16" fmla="*/ 610838 h 5217021"/>
+              <a:gd name="connsiteX17" fmla="*/ 11049712 w 11256099"/>
+              <a:gd name="connsiteY17" fmla="*/ 217731 h 5217021"/>
+              <a:gd name="connsiteX18" fmla="*/ 11126624 w 11256099"/>
+              <a:gd name="connsiteY18" fmla="*/ 12632 h 5217021"/>
+              <a:gd name="connsiteX19" fmla="*/ 11237719 w 11256099"/>
+              <a:gd name="connsiteY19" fmla="*/ 21178 h 5217021"/>
+              <a:gd name="connsiteX20" fmla="*/ 11254811 w 11256099"/>
+              <a:gd name="connsiteY20" fmla="*/ 21178 h 5217021"/>
+              <a:gd name="connsiteX0" fmla="*/ 0 w 11256099"/>
+              <a:gd name="connsiteY0" fmla="*/ 5217021 h 5217021"/>
+              <a:gd name="connsiteX1" fmla="*/ 410198 w 11256099"/>
+              <a:gd name="connsiteY1" fmla="*/ 4875189 h 5217021"/>
+              <a:gd name="connsiteX2" fmla="*/ 1119499 w 11256099"/>
+              <a:gd name="connsiteY2" fmla="*/ 4370987 h 5217021"/>
+              <a:gd name="connsiteX3" fmla="*/ 5819686 w 11256099"/>
+              <a:gd name="connsiteY3" fmla="*/ 2131989 h 5217021"/>
+              <a:gd name="connsiteX4" fmla="*/ 6999005 w 11256099"/>
+              <a:gd name="connsiteY4" fmla="*/ 1986711 h 5217021"/>
+              <a:gd name="connsiteX5" fmla="*/ 7879222 w 11256099"/>
+              <a:gd name="connsiteY5" fmla="*/ 1858524 h 5217021"/>
+              <a:gd name="connsiteX6" fmla="*/ 8451790 w 11256099"/>
+              <a:gd name="connsiteY6" fmla="*/ 1798703 h 5217021"/>
+              <a:gd name="connsiteX7" fmla="*/ 8810714 w 11256099"/>
+              <a:gd name="connsiteY7" fmla="*/ 1798703 h 5217021"/>
+              <a:gd name="connsiteX8" fmla="*/ 9631110 w 11256099"/>
+              <a:gd name="connsiteY8" fmla="*/ 1849978 h 5217021"/>
+              <a:gd name="connsiteX9" fmla="*/ 10195132 w 11256099"/>
+              <a:gd name="connsiteY9" fmla="*/ 1909798 h 5217021"/>
+              <a:gd name="connsiteX10" fmla="*/ 10588239 w 11256099"/>
+              <a:gd name="connsiteY10" fmla="*/ 1978165 h 5217021"/>
+              <a:gd name="connsiteX11" fmla="*/ 10827521 w 11256099"/>
+              <a:gd name="connsiteY11" fmla="*/ 1995256 h 5217021"/>
+              <a:gd name="connsiteX12" fmla="*/ 10876836 w 11256099"/>
+              <a:gd name="connsiteY12" fmla="*/ 1895378 h 5217021"/>
+              <a:gd name="connsiteX13" fmla="*/ 10878796 w 11256099"/>
+              <a:gd name="connsiteY13" fmla="*/ 1491055 h 5217021"/>
+              <a:gd name="connsiteX14" fmla="*/ 10870250 w 11256099"/>
+              <a:gd name="connsiteY14" fmla="*/ 995398 h 5217021"/>
+              <a:gd name="connsiteX15" fmla="*/ 10930071 w 11256099"/>
+              <a:gd name="connsiteY15" fmla="*/ 610838 h 5217021"/>
+              <a:gd name="connsiteX16" fmla="*/ 11049712 w 11256099"/>
+              <a:gd name="connsiteY16" fmla="*/ 217731 h 5217021"/>
+              <a:gd name="connsiteX17" fmla="*/ 11126624 w 11256099"/>
+              <a:gd name="connsiteY17" fmla="*/ 12632 h 5217021"/>
+              <a:gd name="connsiteX18" fmla="*/ 11237719 w 11256099"/>
+              <a:gd name="connsiteY18" fmla="*/ 21178 h 5217021"/>
+              <a:gd name="connsiteX19" fmla="*/ 11254811 w 11256099"/>
+              <a:gd name="connsiteY19" fmla="*/ 21178 h 5217021"/>
+              <a:gd name="connsiteX0" fmla="*/ 0 w 11256099"/>
+              <a:gd name="connsiteY0" fmla="*/ 5217021 h 5217021"/>
+              <a:gd name="connsiteX1" fmla="*/ 410198 w 11256099"/>
+              <a:gd name="connsiteY1" fmla="*/ 4875189 h 5217021"/>
+              <a:gd name="connsiteX2" fmla="*/ 1119499 w 11256099"/>
+              <a:gd name="connsiteY2" fmla="*/ 4370987 h 5217021"/>
+              <a:gd name="connsiteX3" fmla="*/ 6999005 w 11256099"/>
+              <a:gd name="connsiteY3" fmla="*/ 1986711 h 5217021"/>
+              <a:gd name="connsiteX4" fmla="*/ 7879222 w 11256099"/>
+              <a:gd name="connsiteY4" fmla="*/ 1858524 h 5217021"/>
+              <a:gd name="connsiteX5" fmla="*/ 8451790 w 11256099"/>
+              <a:gd name="connsiteY5" fmla="*/ 1798703 h 5217021"/>
+              <a:gd name="connsiteX6" fmla="*/ 8810714 w 11256099"/>
+              <a:gd name="connsiteY6" fmla="*/ 1798703 h 5217021"/>
+              <a:gd name="connsiteX7" fmla="*/ 9631110 w 11256099"/>
+              <a:gd name="connsiteY7" fmla="*/ 1849978 h 5217021"/>
+              <a:gd name="connsiteX8" fmla="*/ 10195132 w 11256099"/>
+              <a:gd name="connsiteY8" fmla="*/ 1909798 h 5217021"/>
+              <a:gd name="connsiteX9" fmla="*/ 10588239 w 11256099"/>
+              <a:gd name="connsiteY9" fmla="*/ 1978165 h 5217021"/>
+              <a:gd name="connsiteX10" fmla="*/ 10827521 w 11256099"/>
+              <a:gd name="connsiteY10" fmla="*/ 1995256 h 5217021"/>
+              <a:gd name="connsiteX11" fmla="*/ 10876836 w 11256099"/>
+              <a:gd name="connsiteY11" fmla="*/ 1895378 h 5217021"/>
+              <a:gd name="connsiteX12" fmla="*/ 10878796 w 11256099"/>
+              <a:gd name="connsiteY12" fmla="*/ 1491055 h 5217021"/>
+              <a:gd name="connsiteX13" fmla="*/ 10870250 w 11256099"/>
+              <a:gd name="connsiteY13" fmla="*/ 995398 h 5217021"/>
+              <a:gd name="connsiteX14" fmla="*/ 10930071 w 11256099"/>
+              <a:gd name="connsiteY14" fmla="*/ 610838 h 5217021"/>
+              <a:gd name="connsiteX15" fmla="*/ 11049712 w 11256099"/>
+              <a:gd name="connsiteY15" fmla="*/ 217731 h 5217021"/>
+              <a:gd name="connsiteX16" fmla="*/ 11126624 w 11256099"/>
+              <a:gd name="connsiteY16" fmla="*/ 12632 h 5217021"/>
+              <a:gd name="connsiteX17" fmla="*/ 11237719 w 11256099"/>
+              <a:gd name="connsiteY17" fmla="*/ 21178 h 5217021"/>
+              <a:gd name="connsiteX18" fmla="*/ 11254811 w 11256099"/>
+              <a:gd name="connsiteY18" fmla="*/ 21178 h 5217021"/>
+              <a:gd name="connsiteX0" fmla="*/ 0 w 11256099"/>
+              <a:gd name="connsiteY0" fmla="*/ 5217021 h 5217021"/>
+              <a:gd name="connsiteX1" fmla="*/ 410198 w 11256099"/>
+              <a:gd name="connsiteY1" fmla="*/ 4875189 h 5217021"/>
+              <a:gd name="connsiteX2" fmla="*/ 1119499 w 11256099"/>
+              <a:gd name="connsiteY2" fmla="*/ 4370987 h 5217021"/>
+              <a:gd name="connsiteX3" fmla="*/ 7879222 w 11256099"/>
+              <a:gd name="connsiteY3" fmla="*/ 1858524 h 5217021"/>
+              <a:gd name="connsiteX4" fmla="*/ 8451790 w 11256099"/>
+              <a:gd name="connsiteY4" fmla="*/ 1798703 h 5217021"/>
+              <a:gd name="connsiteX5" fmla="*/ 8810714 w 11256099"/>
+              <a:gd name="connsiteY5" fmla="*/ 1798703 h 5217021"/>
+              <a:gd name="connsiteX6" fmla="*/ 9631110 w 11256099"/>
+              <a:gd name="connsiteY6" fmla="*/ 1849978 h 5217021"/>
+              <a:gd name="connsiteX7" fmla="*/ 10195132 w 11256099"/>
+              <a:gd name="connsiteY7" fmla="*/ 1909798 h 5217021"/>
+              <a:gd name="connsiteX8" fmla="*/ 10588239 w 11256099"/>
+              <a:gd name="connsiteY8" fmla="*/ 1978165 h 5217021"/>
+              <a:gd name="connsiteX9" fmla="*/ 10827521 w 11256099"/>
+              <a:gd name="connsiteY9" fmla="*/ 1995256 h 5217021"/>
+              <a:gd name="connsiteX10" fmla="*/ 10876836 w 11256099"/>
+              <a:gd name="connsiteY10" fmla="*/ 1895378 h 5217021"/>
+              <a:gd name="connsiteX11" fmla="*/ 10878796 w 11256099"/>
+              <a:gd name="connsiteY11" fmla="*/ 1491055 h 5217021"/>
+              <a:gd name="connsiteX12" fmla="*/ 10870250 w 11256099"/>
+              <a:gd name="connsiteY12" fmla="*/ 995398 h 5217021"/>
+              <a:gd name="connsiteX13" fmla="*/ 10930071 w 11256099"/>
+              <a:gd name="connsiteY13" fmla="*/ 610838 h 5217021"/>
+              <a:gd name="connsiteX14" fmla="*/ 11049712 w 11256099"/>
+              <a:gd name="connsiteY14" fmla="*/ 217731 h 5217021"/>
+              <a:gd name="connsiteX15" fmla="*/ 11126624 w 11256099"/>
+              <a:gd name="connsiteY15" fmla="*/ 12632 h 5217021"/>
+              <a:gd name="connsiteX16" fmla="*/ 11237719 w 11256099"/>
+              <a:gd name="connsiteY16" fmla="*/ 21178 h 5217021"/>
+              <a:gd name="connsiteX17" fmla="*/ 11254811 w 11256099"/>
+              <a:gd name="connsiteY17" fmla="*/ 21178 h 5217021"/>
+              <a:gd name="connsiteX0" fmla="*/ 0 w 11256099"/>
+              <a:gd name="connsiteY0" fmla="*/ 5217021 h 5217021"/>
+              <a:gd name="connsiteX1" fmla="*/ 410198 w 11256099"/>
+              <a:gd name="connsiteY1" fmla="*/ 4875189 h 5217021"/>
+              <a:gd name="connsiteX2" fmla="*/ 1119499 w 11256099"/>
+              <a:gd name="connsiteY2" fmla="*/ 4370987 h 5217021"/>
+              <a:gd name="connsiteX3" fmla="*/ 8451790 w 11256099"/>
+              <a:gd name="connsiteY3" fmla="*/ 1798703 h 5217021"/>
+              <a:gd name="connsiteX4" fmla="*/ 8810714 w 11256099"/>
+              <a:gd name="connsiteY4" fmla="*/ 1798703 h 5217021"/>
+              <a:gd name="connsiteX5" fmla="*/ 9631110 w 11256099"/>
+              <a:gd name="connsiteY5" fmla="*/ 1849978 h 5217021"/>
+              <a:gd name="connsiteX6" fmla="*/ 10195132 w 11256099"/>
+              <a:gd name="connsiteY6" fmla="*/ 1909798 h 5217021"/>
+              <a:gd name="connsiteX7" fmla="*/ 10588239 w 11256099"/>
+              <a:gd name="connsiteY7" fmla="*/ 1978165 h 5217021"/>
+              <a:gd name="connsiteX8" fmla="*/ 10827521 w 11256099"/>
+              <a:gd name="connsiteY8" fmla="*/ 1995256 h 5217021"/>
+              <a:gd name="connsiteX9" fmla="*/ 10876836 w 11256099"/>
+              <a:gd name="connsiteY9" fmla="*/ 1895378 h 5217021"/>
+              <a:gd name="connsiteX10" fmla="*/ 10878796 w 11256099"/>
+              <a:gd name="connsiteY10" fmla="*/ 1491055 h 5217021"/>
+              <a:gd name="connsiteX11" fmla="*/ 10870250 w 11256099"/>
+              <a:gd name="connsiteY11" fmla="*/ 995398 h 5217021"/>
+              <a:gd name="connsiteX12" fmla="*/ 10930071 w 11256099"/>
+              <a:gd name="connsiteY12" fmla="*/ 610838 h 5217021"/>
+              <a:gd name="connsiteX13" fmla="*/ 11049712 w 11256099"/>
+              <a:gd name="connsiteY13" fmla="*/ 217731 h 5217021"/>
+              <a:gd name="connsiteX14" fmla="*/ 11126624 w 11256099"/>
+              <a:gd name="connsiteY14" fmla="*/ 12632 h 5217021"/>
+              <a:gd name="connsiteX15" fmla="*/ 11237719 w 11256099"/>
+              <a:gd name="connsiteY15" fmla="*/ 21178 h 5217021"/>
+              <a:gd name="connsiteX16" fmla="*/ 11254811 w 11256099"/>
+              <a:gd name="connsiteY16" fmla="*/ 21178 h 5217021"/>
+              <a:gd name="connsiteX0" fmla="*/ 0 w 11256099"/>
+              <a:gd name="connsiteY0" fmla="*/ 5217021 h 5217021"/>
+              <a:gd name="connsiteX1" fmla="*/ 410198 w 11256099"/>
+              <a:gd name="connsiteY1" fmla="*/ 4875189 h 5217021"/>
+              <a:gd name="connsiteX2" fmla="*/ 1119499 w 11256099"/>
+              <a:gd name="connsiteY2" fmla="*/ 4370987 h 5217021"/>
+              <a:gd name="connsiteX3" fmla="*/ 8810714 w 11256099"/>
+              <a:gd name="connsiteY3" fmla="*/ 1798703 h 5217021"/>
+              <a:gd name="connsiteX4" fmla="*/ 9631110 w 11256099"/>
+              <a:gd name="connsiteY4" fmla="*/ 1849978 h 5217021"/>
+              <a:gd name="connsiteX5" fmla="*/ 10195132 w 11256099"/>
+              <a:gd name="connsiteY5" fmla="*/ 1909798 h 5217021"/>
+              <a:gd name="connsiteX6" fmla="*/ 10588239 w 11256099"/>
+              <a:gd name="connsiteY6" fmla="*/ 1978165 h 5217021"/>
+              <a:gd name="connsiteX7" fmla="*/ 10827521 w 11256099"/>
+              <a:gd name="connsiteY7" fmla="*/ 1995256 h 5217021"/>
+              <a:gd name="connsiteX8" fmla="*/ 10876836 w 11256099"/>
+              <a:gd name="connsiteY8" fmla="*/ 1895378 h 5217021"/>
+              <a:gd name="connsiteX9" fmla="*/ 10878796 w 11256099"/>
+              <a:gd name="connsiteY9" fmla="*/ 1491055 h 5217021"/>
+              <a:gd name="connsiteX10" fmla="*/ 10870250 w 11256099"/>
+              <a:gd name="connsiteY10" fmla="*/ 995398 h 5217021"/>
+              <a:gd name="connsiteX11" fmla="*/ 10930071 w 11256099"/>
+              <a:gd name="connsiteY11" fmla="*/ 610838 h 5217021"/>
+              <a:gd name="connsiteX12" fmla="*/ 11049712 w 11256099"/>
+              <a:gd name="connsiteY12" fmla="*/ 217731 h 5217021"/>
+              <a:gd name="connsiteX13" fmla="*/ 11126624 w 11256099"/>
+              <a:gd name="connsiteY13" fmla="*/ 12632 h 5217021"/>
+              <a:gd name="connsiteX14" fmla="*/ 11237719 w 11256099"/>
+              <a:gd name="connsiteY14" fmla="*/ 21178 h 5217021"/>
+              <a:gd name="connsiteX15" fmla="*/ 11254811 w 11256099"/>
+              <a:gd name="connsiteY15" fmla="*/ 21178 h 5217021"/>
+              <a:gd name="connsiteX0" fmla="*/ 336520 w 11592619"/>
+              <a:gd name="connsiteY0" fmla="*/ 5217021 h 5222132"/>
+              <a:gd name="connsiteX1" fmla="*/ 746718 w 11592619"/>
+              <a:gd name="connsiteY1" fmla="*/ 4875189 h 5222132"/>
+              <a:gd name="connsiteX2" fmla="*/ 9147234 w 11592619"/>
+              <a:gd name="connsiteY2" fmla="*/ 1798703 h 5222132"/>
+              <a:gd name="connsiteX3" fmla="*/ 9967630 w 11592619"/>
+              <a:gd name="connsiteY3" fmla="*/ 1849978 h 5222132"/>
+              <a:gd name="connsiteX4" fmla="*/ 10531652 w 11592619"/>
+              <a:gd name="connsiteY4" fmla="*/ 1909798 h 5222132"/>
+              <a:gd name="connsiteX5" fmla="*/ 10924759 w 11592619"/>
+              <a:gd name="connsiteY5" fmla="*/ 1978165 h 5222132"/>
+              <a:gd name="connsiteX6" fmla="*/ 11164041 w 11592619"/>
+              <a:gd name="connsiteY6" fmla="*/ 1995256 h 5222132"/>
+              <a:gd name="connsiteX7" fmla="*/ 11213356 w 11592619"/>
+              <a:gd name="connsiteY7" fmla="*/ 1895378 h 5222132"/>
+              <a:gd name="connsiteX8" fmla="*/ 11215316 w 11592619"/>
+              <a:gd name="connsiteY8" fmla="*/ 1491055 h 5222132"/>
+              <a:gd name="connsiteX9" fmla="*/ 11206770 w 11592619"/>
+              <a:gd name="connsiteY9" fmla="*/ 995398 h 5222132"/>
+              <a:gd name="connsiteX10" fmla="*/ 11266591 w 11592619"/>
+              <a:gd name="connsiteY10" fmla="*/ 610838 h 5222132"/>
+              <a:gd name="connsiteX11" fmla="*/ 11386232 w 11592619"/>
+              <a:gd name="connsiteY11" fmla="*/ 217731 h 5222132"/>
+              <a:gd name="connsiteX12" fmla="*/ 11463144 w 11592619"/>
+              <a:gd name="connsiteY12" fmla="*/ 12632 h 5222132"/>
+              <a:gd name="connsiteX13" fmla="*/ 11574239 w 11592619"/>
+              <a:gd name="connsiteY13" fmla="*/ 21178 h 5222132"/>
+              <a:gd name="connsiteX14" fmla="*/ 11591331 w 11592619"/>
+              <a:gd name="connsiteY14" fmla="*/ 21178 h 5222132"/>
+              <a:gd name="connsiteX0" fmla="*/ 0 w 11256099"/>
+              <a:gd name="connsiteY0" fmla="*/ 5217021 h 5217021"/>
+              <a:gd name="connsiteX1" fmla="*/ 8810714 w 11256099"/>
+              <a:gd name="connsiteY1" fmla="*/ 1798703 h 5217021"/>
+              <a:gd name="connsiteX2" fmla="*/ 9631110 w 11256099"/>
+              <a:gd name="connsiteY2" fmla="*/ 1849978 h 5217021"/>
+              <a:gd name="connsiteX3" fmla="*/ 10195132 w 11256099"/>
+              <a:gd name="connsiteY3" fmla="*/ 1909798 h 5217021"/>
+              <a:gd name="connsiteX4" fmla="*/ 10588239 w 11256099"/>
+              <a:gd name="connsiteY4" fmla="*/ 1978165 h 5217021"/>
+              <a:gd name="connsiteX5" fmla="*/ 10827521 w 11256099"/>
+              <a:gd name="connsiteY5" fmla="*/ 1995256 h 5217021"/>
+              <a:gd name="connsiteX6" fmla="*/ 10876836 w 11256099"/>
+              <a:gd name="connsiteY6" fmla="*/ 1895378 h 5217021"/>
+              <a:gd name="connsiteX7" fmla="*/ 10878796 w 11256099"/>
+              <a:gd name="connsiteY7" fmla="*/ 1491055 h 5217021"/>
+              <a:gd name="connsiteX8" fmla="*/ 10870250 w 11256099"/>
+              <a:gd name="connsiteY8" fmla="*/ 995398 h 5217021"/>
+              <a:gd name="connsiteX9" fmla="*/ 10930071 w 11256099"/>
+              <a:gd name="connsiteY9" fmla="*/ 610838 h 5217021"/>
+              <a:gd name="connsiteX10" fmla="*/ 11049712 w 11256099"/>
+              <a:gd name="connsiteY10" fmla="*/ 217731 h 5217021"/>
+              <a:gd name="connsiteX11" fmla="*/ 11126624 w 11256099"/>
+              <a:gd name="connsiteY11" fmla="*/ 12632 h 5217021"/>
+              <a:gd name="connsiteX12" fmla="*/ 11237719 w 11256099"/>
+              <a:gd name="connsiteY12" fmla="*/ 21178 h 5217021"/>
+              <a:gd name="connsiteX13" fmla="*/ 11254811 w 11256099"/>
+              <a:gd name="connsiteY13" fmla="*/ 21178 h 5217021"/>
+              <a:gd name="connsiteX0" fmla="*/ 0 w 2445385"/>
+              <a:gd name="connsiteY0" fmla="*/ 1798703 h 2000422"/>
+              <a:gd name="connsiteX1" fmla="*/ 820396 w 2445385"/>
+              <a:gd name="connsiteY1" fmla="*/ 1849978 h 2000422"/>
+              <a:gd name="connsiteX2" fmla="*/ 1384418 w 2445385"/>
+              <a:gd name="connsiteY2" fmla="*/ 1909798 h 2000422"/>
+              <a:gd name="connsiteX3" fmla="*/ 1777525 w 2445385"/>
+              <a:gd name="connsiteY3" fmla="*/ 1978165 h 2000422"/>
+              <a:gd name="connsiteX4" fmla="*/ 2016807 w 2445385"/>
+              <a:gd name="connsiteY4" fmla="*/ 1995256 h 2000422"/>
+              <a:gd name="connsiteX5" fmla="*/ 2066122 w 2445385"/>
+              <a:gd name="connsiteY5" fmla="*/ 1895378 h 2000422"/>
+              <a:gd name="connsiteX6" fmla="*/ 2068082 w 2445385"/>
+              <a:gd name="connsiteY6" fmla="*/ 1491055 h 2000422"/>
+              <a:gd name="connsiteX7" fmla="*/ 2059536 w 2445385"/>
+              <a:gd name="connsiteY7" fmla="*/ 995398 h 2000422"/>
+              <a:gd name="connsiteX8" fmla="*/ 2119357 w 2445385"/>
+              <a:gd name="connsiteY8" fmla="*/ 610838 h 2000422"/>
+              <a:gd name="connsiteX9" fmla="*/ 2238998 w 2445385"/>
+              <a:gd name="connsiteY9" fmla="*/ 217731 h 2000422"/>
+              <a:gd name="connsiteX10" fmla="*/ 2315910 w 2445385"/>
+              <a:gd name="connsiteY10" fmla="*/ 12632 h 2000422"/>
+              <a:gd name="connsiteX11" fmla="*/ 2427005 w 2445385"/>
+              <a:gd name="connsiteY11" fmla="*/ 21178 h 2000422"/>
+              <a:gd name="connsiteX12" fmla="*/ 2444097 w 2445385"/>
+              <a:gd name="connsiteY12" fmla="*/ 21178 h 2000422"/>
+              <a:gd name="connsiteX0" fmla="*/ 0 w 2445385"/>
+              <a:gd name="connsiteY0" fmla="*/ 1798703 h 2000422"/>
+              <a:gd name="connsiteX1" fmla="*/ 820396 w 2445385"/>
+              <a:gd name="connsiteY1" fmla="*/ 1849978 h 2000422"/>
+              <a:gd name="connsiteX2" fmla="*/ 1384418 w 2445385"/>
+              <a:gd name="connsiteY2" fmla="*/ 1909798 h 2000422"/>
+              <a:gd name="connsiteX3" fmla="*/ 1777525 w 2445385"/>
+              <a:gd name="connsiteY3" fmla="*/ 1978165 h 2000422"/>
+              <a:gd name="connsiteX4" fmla="*/ 2016807 w 2445385"/>
+              <a:gd name="connsiteY4" fmla="*/ 1995256 h 2000422"/>
+              <a:gd name="connsiteX5" fmla="*/ 2066122 w 2445385"/>
+              <a:gd name="connsiteY5" fmla="*/ 1895378 h 2000422"/>
+              <a:gd name="connsiteX6" fmla="*/ 2068082 w 2445385"/>
+              <a:gd name="connsiteY6" fmla="*/ 1491055 h 2000422"/>
+              <a:gd name="connsiteX7" fmla="*/ 2059536 w 2445385"/>
+              <a:gd name="connsiteY7" fmla="*/ 995398 h 2000422"/>
+              <a:gd name="connsiteX8" fmla="*/ 2119357 w 2445385"/>
+              <a:gd name="connsiteY8" fmla="*/ 610838 h 2000422"/>
+              <a:gd name="connsiteX9" fmla="*/ 2238998 w 2445385"/>
+              <a:gd name="connsiteY9" fmla="*/ 217731 h 2000422"/>
+              <a:gd name="connsiteX10" fmla="*/ 2315910 w 2445385"/>
+              <a:gd name="connsiteY10" fmla="*/ 12632 h 2000422"/>
+              <a:gd name="connsiteX11" fmla="*/ 2427005 w 2445385"/>
+              <a:gd name="connsiteY11" fmla="*/ 21178 h 2000422"/>
+              <a:gd name="connsiteX12" fmla="*/ 2444097 w 2445385"/>
+              <a:gd name="connsiteY12" fmla="*/ 21178 h 2000422"/>
+            </a:gdLst>
+            <a:ahLst/>
+            <a:cxnLst>
+              <a:cxn ang="0">
+                <a:pos x="connsiteX0" y="connsiteY0"/>
+              </a:cxn>
+              <a:cxn ang="0">
+                <a:pos x="connsiteX1" y="connsiteY1"/>
+              </a:cxn>
+              <a:cxn ang="0">
+                <a:pos x="connsiteX2" y="connsiteY2"/>
+              </a:cxn>
+              <a:cxn ang="0">
+                <a:pos x="connsiteX3" y="connsiteY3"/>
+              </a:cxn>
+              <a:cxn ang="0">
+                <a:pos x="connsiteX4" y="connsiteY4"/>
+              </a:cxn>
+              <a:cxn ang="0">
+                <a:pos x="connsiteX5" y="connsiteY5"/>
+              </a:cxn>
+              <a:cxn ang="0">
+                <a:pos x="connsiteX6" y="connsiteY6"/>
+              </a:cxn>
+              <a:cxn ang="0">
+                <a:pos x="connsiteX7" y="connsiteY7"/>
+              </a:cxn>
+              <a:cxn ang="0">
+                <a:pos x="connsiteX8" y="connsiteY8"/>
+              </a:cxn>
+              <a:cxn ang="0">
+                <a:pos x="connsiteX9" y="connsiteY9"/>
+              </a:cxn>
+              <a:cxn ang="0">
+                <a:pos x="connsiteX10" y="connsiteY10"/>
+              </a:cxn>
+              <a:cxn ang="0">
+                <a:pos x="connsiteX11" y="connsiteY11"/>
+              </a:cxn>
+              <a:cxn ang="0">
+                <a:pos x="connsiteX12" y="connsiteY12"/>
+              </a:cxn>
+            </a:cxnLst>
+            <a:rect l="l" t="t" r="r" b="b"/>
+            <a:pathLst>
+              <a:path w="2445385" h="2000422">
+                <a:moveTo>
+                  <a:pt x="0" y="1798703"/>
+                </a:moveTo>
+                <a:cubicBezTo>
+                  <a:pt x="495731" y="1820142"/>
+                  <a:pt x="589660" y="1831462"/>
+                  <a:pt x="820396" y="1849978"/>
+                </a:cubicBezTo>
+                <a:cubicBezTo>
+                  <a:pt x="1051132" y="1868494"/>
+                  <a:pt x="1224897" y="1888434"/>
+                  <a:pt x="1384418" y="1909798"/>
+                </a:cubicBezTo>
+                <a:cubicBezTo>
+                  <a:pt x="1543939" y="1931162"/>
+                  <a:pt x="1672127" y="1963922"/>
+                  <a:pt x="1777525" y="1978165"/>
+                </a:cubicBezTo>
+                <a:cubicBezTo>
+                  <a:pt x="1882923" y="1992408"/>
+                  <a:pt x="1968708" y="2009054"/>
+                  <a:pt x="2016807" y="1995256"/>
+                </a:cubicBezTo>
+                <a:cubicBezTo>
+                  <a:pt x="2064906" y="1981458"/>
+                  <a:pt x="2057576" y="1979411"/>
+                  <a:pt x="2066122" y="1895378"/>
+                </a:cubicBezTo>
+                <a:cubicBezTo>
+                  <a:pt x="2074668" y="1811344"/>
+                  <a:pt x="2069180" y="1641052"/>
+                  <a:pt x="2068082" y="1491055"/>
+                </a:cubicBezTo>
+                <a:cubicBezTo>
+                  <a:pt x="2066984" y="1341058"/>
+                  <a:pt x="2050990" y="1142101"/>
+                  <a:pt x="2059536" y="995398"/>
+                </a:cubicBezTo>
+                <a:cubicBezTo>
+                  <a:pt x="2068082" y="848695"/>
+                  <a:pt x="2089447" y="740449"/>
+                  <a:pt x="2119357" y="610838"/>
+                </a:cubicBezTo>
+                <a:cubicBezTo>
+                  <a:pt x="2149267" y="481227"/>
+                  <a:pt x="2206239" y="317432"/>
+                  <a:pt x="2238998" y="217731"/>
+                </a:cubicBezTo>
+                <a:cubicBezTo>
+                  <a:pt x="2271757" y="118030"/>
+                  <a:pt x="2284575" y="45391"/>
+                  <a:pt x="2315910" y="12632"/>
+                </a:cubicBezTo>
+                <a:cubicBezTo>
+                  <a:pt x="2347245" y="-20127"/>
+                  <a:pt x="2427005" y="21178"/>
+                  <a:pt x="2427005" y="21178"/>
+                </a:cubicBezTo>
+                <a:cubicBezTo>
+                  <a:pt x="2448370" y="22602"/>
+                  <a:pt x="2446233" y="21890"/>
+                  <a:pt x="2444097" y="21178"/>
+                </a:cubicBezTo>
+              </a:path>
+            </a:pathLst>
+          </a:custGeom>
+          <a:noFill/>
+          <a:ln w="38100">
+            <a:solidFill>
+              <a:srgbClr val="00B050"/>
+            </a:solidFill>
+          </a:ln>
+        </p:spPr>
+        <p:style>
+          <a:lnRef idx="2">
+            <a:schemeClr val="accent1">
+              <a:shade val="50000"/>
+            </a:schemeClr>
+          </a:lnRef>
+          <a:fillRef idx="1">
+            <a:schemeClr val="accent1"/>
+          </a:fillRef>
+          <a:effectRef idx="0">
+            <a:schemeClr val="accent1"/>
+          </a:effectRef>
+          <a:fontRef idx="minor">
+            <a:schemeClr val="lt1"/>
+          </a:fontRef>
+        </p:style>
+        <p:txBody>
+          <a:bodyPr rtlCol="0" anchor="ctr"/>
+          <a:lstStyle/>
+          <a:p>
+            <a:pPr algn="ctr"/>
+            <a:endParaRPr lang="de-DE" dirty="0"/>
+          </a:p>
+        </p:txBody>
+      </p:sp>
+      <p:sp>
+        <p:nvSpPr>
+          <p:cNvPr id="5" name="Gewitterblitz 4">
+            <a:extLst>
+              <a:ext uri="{FF2B5EF4-FFF2-40B4-BE49-F238E27FC236}">
+                <a16:creationId xmlns:a16="http://schemas.microsoft.com/office/drawing/2014/main" id="{8106B985-0B92-3E06-A85D-5055B0F49212}"/>
+              </a:ext>
+            </a:extLst>
+          </p:cNvPr>
+          <p:cNvSpPr/>
+          <p:nvPr/>
+        </p:nvSpPr>
+        <p:spPr>
+          <a:xfrm>
+            <a:off x="9171145" y="3127031"/>
+            <a:ext cx="419100" cy="573957"/>
+          </a:xfrm>
+          <a:prstGeom prst="lightningBolt">
+            <a:avLst/>
+          </a:prstGeom>
+          <a:solidFill>
+            <a:srgbClr val="FF0000"/>
+          </a:solidFill>
+          <a:ln>
+            <a:noFill/>
+          </a:ln>
+        </p:spPr>
+        <p:style>
+          <a:lnRef idx="2">
+            <a:schemeClr val="accent1">
+              <a:shade val="50000"/>
+            </a:schemeClr>
+          </a:lnRef>
+          <a:fillRef idx="1">
+            <a:schemeClr val="accent1"/>
+          </a:fillRef>
+          <a:effectRef idx="0">
+            <a:schemeClr val="accent1"/>
+          </a:effectRef>
+          <a:fontRef idx="minor">
+            <a:schemeClr val="lt1"/>
+          </a:fontRef>
+        </p:style>
+        <p:txBody>
+          <a:bodyPr rtlCol="0" anchor="ctr"/>
+          <a:lstStyle/>
+          <a:p>
+            <a:pPr algn="ctr"/>
+            <a:endParaRPr lang="de-DE" dirty="0"/>
+          </a:p>
+        </p:txBody>
+      </p:sp>
+      <p:pic>
+        <p:nvPicPr>
+          <p:cNvPr id="8" name="Grafik 7" descr="Bus mit einfarbiger Füllung">
+            <a:extLst>
+              <a:ext uri="{FF2B5EF4-FFF2-40B4-BE49-F238E27FC236}">
+                <a16:creationId xmlns:a16="http://schemas.microsoft.com/office/drawing/2014/main" id="{FBD7335C-D741-483A-5AD9-EF7E00DB29FE}"/>
+              </a:ext>
+            </a:extLst>
+          </p:cNvPr>
+          <p:cNvPicPr>
+            <a:picLocks noChangeAspect="1"/>
+          </p:cNvPicPr>
+          <p:nvPr/>
+        </p:nvPicPr>
+        <p:blipFill>
+          <a:blip r:embed="rId3">
+            <a:extLst>
+              <a:ext uri="{28A0092B-C50C-407E-A947-70E740481C1C}">
+                <a14:useLocalDpi xmlns:a14="http://schemas.microsoft.com/office/drawing/2010/main" val="0"/>
+              </a:ext>
+              <a:ext uri="{96DAC541-7B7A-43D3-8B79-37D633B846F1}">
+                <asvg:svgBlip xmlns:asvg="http://schemas.microsoft.com/office/drawing/2016/SVG/main" r:embed="rId4"/>
+              </a:ext>
+            </a:extLst>
+          </a:blip>
+          <a:stretch>
+            <a:fillRect/>
+          </a:stretch>
+        </p:blipFill>
+        <p:spPr>
+          <a:xfrm rot="19677247">
+            <a:off x="2848431" y="4773747"/>
+            <a:ext cx="914400" cy="914400"/>
+          </a:xfrm>
+          <a:prstGeom prst="rect">
+            <a:avLst/>
+          </a:prstGeom>
+        </p:spPr>
+      </p:pic>
+    </p:spTree>
+    <p:extLst>
+      <p:ext uri="{BB962C8B-B14F-4D97-AF65-F5344CB8AC3E}">
+        <p14:creationId xmlns:p14="http://schemas.microsoft.com/office/powerpoint/2010/main" val="2663967335"/>
+      </p:ext>
+    </p:extLst>
+  </p:cSld>
+  <p:clrMapOvr>
+    <a:masterClrMapping/>
+  </p:clrMapOvr>
+</p:sld>
+</file>
+
 <file path=ppt/theme/theme1.xml><?xml version="1.0" encoding="utf-8"?>
 <a:theme xmlns:a="http://schemas.openxmlformats.org/drawingml/2006/main" name="Office Theme">
   <a:themeElements>

--- a/Grafiken/Grafiken.pptx
+++ b/Grafiken/Grafiken.pptx
@@ -5,7 +5,7 @@
     <p:sldMasterId id="2147483648" r:id="rId1"/>
   </p:sldMasterIdLst>
   <p:notesMasterIdLst>
-    <p:notesMasterId r:id="rId8"/>
+    <p:notesMasterId r:id="rId11"/>
   </p:notesMasterIdLst>
   <p:sldIdLst>
     <p:sldId id="256" r:id="rId2"/>
@@ -14,6 +14,9 @@
     <p:sldId id="257" r:id="rId5"/>
     <p:sldId id="258" r:id="rId6"/>
     <p:sldId id="261" r:id="rId7"/>
+    <p:sldId id="262" r:id="rId8"/>
+    <p:sldId id="263" r:id="rId9"/>
+    <p:sldId id="264" r:id="rId10"/>
   </p:sldIdLst>
   <p:sldSz cx="12192000" cy="6858000"/>
   <p:notesSz cx="6858000" cy="9144000"/>
@@ -123,7 +126,7 @@
 <file path=ppt/revisionInfo.xml><?xml version="1.0" encoding="utf-8"?>
 <p1510:revInfo xmlns:a="http://schemas.openxmlformats.org/drawingml/2006/main" xmlns:r="http://schemas.openxmlformats.org/officeDocument/2006/relationships" xmlns:p1510="http://schemas.microsoft.com/office/powerpoint/2015/10/main">
   <p1510:revLst>
-    <p1510:client id="{FAE1041C-5D61-4E4B-8D9A-63E4C6E43850}" v="43" dt="2022-12-14T19:19:20.363"/>
+    <p1510:client id="{FAE1041C-5D61-4E4B-8D9A-63E4C6E43850}" v="239" dt="2022-12-17T13:45:09.362"/>
   </p1510:revLst>
 </p1510:revInfo>
 </file>
@@ -794,7 +797,7 @@
   <pc:docChgLst>
     <pc:chgData name="Sebastian Knopf" userId="aeec904eeb5479b8" providerId="LiveId" clId="{FAE1041C-5D61-4E4B-8D9A-63E4C6E43850}"/>
     <pc:docChg chg="undo custSel addSld delSld modSld sldOrd">
-      <pc:chgData name="Sebastian Knopf" userId="aeec904eeb5479b8" providerId="LiveId" clId="{FAE1041C-5D61-4E4B-8D9A-63E4C6E43850}" dt="2022-12-14T21:26:17.553" v="310" actId="692"/>
+      <pc:chgData name="Sebastian Knopf" userId="aeec904eeb5479b8" providerId="LiveId" clId="{FAE1041C-5D61-4E4B-8D9A-63E4C6E43850}" dt="2022-12-17T13:45:25.809" v="1145" actId="1076"/>
       <pc:docMkLst>
         <pc:docMk/>
       </pc:docMkLst>
@@ -947,6 +950,987 @@
           </ac:picMkLst>
         </pc:picChg>
       </pc:sldChg>
+      <pc:sldChg chg="addSp delSp modSp new mod">
+        <pc:chgData name="Sebastian Knopf" userId="aeec904eeb5479b8" providerId="LiveId" clId="{FAE1041C-5D61-4E4B-8D9A-63E4C6E43850}" dt="2022-12-16T09:25:23.741" v="831" actId="21"/>
+        <pc:sldMkLst>
+          <pc:docMk/>
+          <pc:sldMk cId="3750693694" sldId="262"/>
+        </pc:sldMkLst>
+        <pc:spChg chg="add mod">
+          <ac:chgData name="Sebastian Knopf" userId="aeec904eeb5479b8" providerId="LiveId" clId="{FAE1041C-5D61-4E4B-8D9A-63E4C6E43850}" dt="2022-12-16T08:32:49.923" v="451" actId="1038"/>
+          <ac:spMkLst>
+            <pc:docMk/>
+            <pc:sldMk cId="3750693694" sldId="262"/>
+            <ac:spMk id="2" creationId="{43D31EF1-A7A8-CE44-E4D1-98CA124BC92C}"/>
+          </ac:spMkLst>
+        </pc:spChg>
+        <pc:spChg chg="add mod">
+          <ac:chgData name="Sebastian Knopf" userId="aeec904eeb5479b8" providerId="LiveId" clId="{FAE1041C-5D61-4E4B-8D9A-63E4C6E43850}" dt="2022-12-16T08:32:49.923" v="451" actId="1038"/>
+          <ac:spMkLst>
+            <pc:docMk/>
+            <pc:sldMk cId="3750693694" sldId="262"/>
+            <ac:spMk id="3" creationId="{208C9F9F-CFF8-C6E1-9EF5-F02569011761}"/>
+          </ac:spMkLst>
+        </pc:spChg>
+        <pc:spChg chg="add mod">
+          <ac:chgData name="Sebastian Knopf" userId="aeec904eeb5479b8" providerId="LiveId" clId="{FAE1041C-5D61-4E4B-8D9A-63E4C6E43850}" dt="2022-12-16T08:32:49.923" v="451" actId="1038"/>
+          <ac:spMkLst>
+            <pc:docMk/>
+            <pc:sldMk cId="3750693694" sldId="262"/>
+            <ac:spMk id="4" creationId="{07000F83-C671-1A8E-8359-8C7FCBA7988E}"/>
+          </ac:spMkLst>
+        </pc:spChg>
+        <pc:spChg chg="add mod">
+          <ac:chgData name="Sebastian Knopf" userId="aeec904eeb5479b8" providerId="LiveId" clId="{FAE1041C-5D61-4E4B-8D9A-63E4C6E43850}" dt="2022-12-16T08:32:49.923" v="451" actId="1038"/>
+          <ac:spMkLst>
+            <pc:docMk/>
+            <pc:sldMk cId="3750693694" sldId="262"/>
+            <ac:spMk id="5" creationId="{42655230-3AEF-5FAF-2343-87BF3A2F8162}"/>
+          </ac:spMkLst>
+        </pc:spChg>
+        <pc:spChg chg="add mod">
+          <ac:chgData name="Sebastian Knopf" userId="aeec904eeb5479b8" providerId="LiveId" clId="{FAE1041C-5D61-4E4B-8D9A-63E4C6E43850}" dt="2022-12-16T08:32:49.923" v="451" actId="1038"/>
+          <ac:spMkLst>
+            <pc:docMk/>
+            <pc:sldMk cId="3750693694" sldId="262"/>
+            <ac:spMk id="6" creationId="{488FCEC7-F0FC-5363-C19D-89FE6D0B82B3}"/>
+          </ac:spMkLst>
+        </pc:spChg>
+        <pc:spChg chg="add mod">
+          <ac:chgData name="Sebastian Knopf" userId="aeec904eeb5479b8" providerId="LiveId" clId="{FAE1041C-5D61-4E4B-8D9A-63E4C6E43850}" dt="2022-12-16T08:32:49.923" v="451" actId="1038"/>
+          <ac:spMkLst>
+            <pc:docMk/>
+            <pc:sldMk cId="3750693694" sldId="262"/>
+            <ac:spMk id="7" creationId="{9F96E5D1-668D-7112-C9BB-3AE57162FAC1}"/>
+          </ac:spMkLst>
+        </pc:spChg>
+        <pc:spChg chg="add del mod">
+          <ac:chgData name="Sebastian Knopf" userId="aeec904eeb5479b8" providerId="LiveId" clId="{FAE1041C-5D61-4E4B-8D9A-63E4C6E43850}" dt="2022-12-16T08:30:58.943" v="345"/>
+          <ac:spMkLst>
+            <pc:docMk/>
+            <pc:sldMk cId="3750693694" sldId="262"/>
+            <ac:spMk id="8" creationId="{C52E7979-ACBC-44BE-7FDA-0B6F53345F0D}"/>
+          </ac:spMkLst>
+        </pc:spChg>
+        <pc:spChg chg="add mod">
+          <ac:chgData name="Sebastian Knopf" userId="aeec904eeb5479b8" providerId="LiveId" clId="{FAE1041C-5D61-4E4B-8D9A-63E4C6E43850}" dt="2022-12-16T08:32:49.923" v="451" actId="1038"/>
+          <ac:spMkLst>
+            <pc:docMk/>
+            <pc:sldMk cId="3750693694" sldId="262"/>
+            <ac:spMk id="12" creationId="{4DDE86C8-BFAE-1C63-5F54-A6126764ECF3}"/>
+          </ac:spMkLst>
+        </pc:spChg>
+        <pc:spChg chg="add mod">
+          <ac:chgData name="Sebastian Knopf" userId="aeec904eeb5479b8" providerId="LiveId" clId="{FAE1041C-5D61-4E4B-8D9A-63E4C6E43850}" dt="2022-12-16T08:32:49.923" v="451" actId="1038"/>
+          <ac:spMkLst>
+            <pc:docMk/>
+            <pc:sldMk cId="3750693694" sldId="262"/>
+            <ac:spMk id="13" creationId="{9B6813BF-27A0-6157-7604-BAF948DE8C61}"/>
+          </ac:spMkLst>
+        </pc:spChg>
+        <pc:spChg chg="add mod">
+          <ac:chgData name="Sebastian Knopf" userId="aeec904eeb5479b8" providerId="LiveId" clId="{FAE1041C-5D61-4E4B-8D9A-63E4C6E43850}" dt="2022-12-16T08:32:49.923" v="451" actId="1038"/>
+          <ac:spMkLst>
+            <pc:docMk/>
+            <pc:sldMk cId="3750693694" sldId="262"/>
+            <ac:spMk id="14" creationId="{21E5FCB5-FDC8-C859-8B14-7BEFB716FD68}"/>
+          </ac:spMkLst>
+        </pc:spChg>
+        <pc:spChg chg="add del mod">
+          <ac:chgData name="Sebastian Knopf" userId="aeec904eeb5479b8" providerId="LiveId" clId="{FAE1041C-5D61-4E4B-8D9A-63E4C6E43850}" dt="2022-12-16T08:31:54.615" v="359" actId="478"/>
+          <ac:spMkLst>
+            <pc:docMk/>
+            <pc:sldMk cId="3750693694" sldId="262"/>
+            <ac:spMk id="15" creationId="{C4C11631-CF81-3958-C3A4-5E93C5675130}"/>
+          </ac:spMkLst>
+        </pc:spChg>
+        <pc:spChg chg="add del mod">
+          <ac:chgData name="Sebastian Knopf" userId="aeec904eeb5479b8" providerId="LiveId" clId="{FAE1041C-5D61-4E4B-8D9A-63E4C6E43850}" dt="2022-12-16T08:31:54.615" v="359" actId="478"/>
+          <ac:spMkLst>
+            <pc:docMk/>
+            <pc:sldMk cId="3750693694" sldId="262"/>
+            <ac:spMk id="16" creationId="{9DE7A8BB-EDFB-A09A-88A6-9C93D9FE9C23}"/>
+          </ac:spMkLst>
+        </pc:spChg>
+        <pc:spChg chg="add del mod">
+          <ac:chgData name="Sebastian Knopf" userId="aeec904eeb5479b8" providerId="LiveId" clId="{FAE1041C-5D61-4E4B-8D9A-63E4C6E43850}" dt="2022-12-16T08:31:54.615" v="359" actId="478"/>
+          <ac:spMkLst>
+            <pc:docMk/>
+            <pc:sldMk cId="3750693694" sldId="262"/>
+            <ac:spMk id="17" creationId="{E22F7557-DFDE-8974-8E84-86675E67CD8B}"/>
+          </ac:spMkLst>
+        </pc:spChg>
+        <pc:spChg chg="add mod">
+          <ac:chgData name="Sebastian Knopf" userId="aeec904eeb5479b8" providerId="LiveId" clId="{FAE1041C-5D61-4E4B-8D9A-63E4C6E43850}" dt="2022-12-16T08:34:39.954" v="470" actId="1076"/>
+          <ac:spMkLst>
+            <pc:docMk/>
+            <pc:sldMk cId="3750693694" sldId="262"/>
+            <ac:spMk id="18" creationId="{F78E796E-51EC-89E0-63E2-29C526F5C5E2}"/>
+          </ac:spMkLst>
+        </pc:spChg>
+        <pc:spChg chg="add mod">
+          <ac:chgData name="Sebastian Knopf" userId="aeec904eeb5479b8" providerId="LiveId" clId="{FAE1041C-5D61-4E4B-8D9A-63E4C6E43850}" dt="2022-12-16T08:34:53.542" v="492" actId="1076"/>
+          <ac:spMkLst>
+            <pc:docMk/>
+            <pc:sldMk cId="3750693694" sldId="262"/>
+            <ac:spMk id="19" creationId="{9B5428E4-F767-E5BE-AECA-5C3974203DAE}"/>
+          </ac:spMkLst>
+        </pc:spChg>
+        <pc:spChg chg="add mod">
+          <ac:chgData name="Sebastian Knopf" userId="aeec904eeb5479b8" providerId="LiveId" clId="{FAE1041C-5D61-4E4B-8D9A-63E4C6E43850}" dt="2022-12-16T08:47:40.440" v="723" actId="1076"/>
+          <ac:spMkLst>
+            <pc:docMk/>
+            <pc:sldMk cId="3750693694" sldId="262"/>
+            <ac:spMk id="20" creationId="{06CF10B8-8422-45FE-4061-6B40FB66558F}"/>
+          </ac:spMkLst>
+        </pc:spChg>
+        <pc:spChg chg="add mod">
+          <ac:chgData name="Sebastian Knopf" userId="aeec904eeb5479b8" providerId="LiveId" clId="{FAE1041C-5D61-4E4B-8D9A-63E4C6E43850}" dt="2022-12-16T08:39:48.381" v="623" actId="1037"/>
+          <ac:spMkLst>
+            <pc:docMk/>
+            <pc:sldMk cId="3750693694" sldId="262"/>
+            <ac:spMk id="21" creationId="{8CE8CE38-3737-06A9-DA4E-A11E31274F7C}"/>
+          </ac:spMkLst>
+        </pc:spChg>
+        <pc:spChg chg="add del mod">
+          <ac:chgData name="Sebastian Knopf" userId="aeec904eeb5479b8" providerId="LiveId" clId="{FAE1041C-5D61-4E4B-8D9A-63E4C6E43850}" dt="2022-12-16T08:37:07.031" v="556"/>
+          <ac:spMkLst>
+            <pc:docMk/>
+            <pc:sldMk cId="3750693694" sldId="262"/>
+            <ac:spMk id="22" creationId="{FD79F473-59CD-DA90-E597-CCB537A602FC}"/>
+          </ac:spMkLst>
+        </pc:spChg>
+        <pc:spChg chg="add mod">
+          <ac:chgData name="Sebastian Knopf" userId="aeec904eeb5479b8" providerId="LiveId" clId="{FAE1041C-5D61-4E4B-8D9A-63E4C6E43850}" dt="2022-12-16T08:37:49.129" v="561" actId="1076"/>
+          <ac:spMkLst>
+            <pc:docMk/>
+            <pc:sldMk cId="3750693694" sldId="262"/>
+            <ac:spMk id="23" creationId="{5CD6533E-8FC4-7293-B8E4-735C325EF117}"/>
+          </ac:spMkLst>
+        </pc:spChg>
+        <pc:spChg chg="add mod">
+          <ac:chgData name="Sebastian Knopf" userId="aeec904eeb5479b8" providerId="LiveId" clId="{FAE1041C-5D61-4E4B-8D9A-63E4C6E43850}" dt="2022-12-16T08:38:46.909" v="592" actId="1038"/>
+          <ac:spMkLst>
+            <pc:docMk/>
+            <pc:sldMk cId="3750693694" sldId="262"/>
+            <ac:spMk id="24" creationId="{73BEC2FD-6BBF-8DE9-E731-852A3EC82F3D}"/>
+          </ac:spMkLst>
+        </pc:spChg>
+        <pc:spChg chg="add mod">
+          <ac:chgData name="Sebastian Knopf" userId="aeec904eeb5479b8" providerId="LiveId" clId="{FAE1041C-5D61-4E4B-8D9A-63E4C6E43850}" dt="2022-12-16T08:38:05.703" v="569" actId="20577"/>
+          <ac:spMkLst>
+            <pc:docMk/>
+            <pc:sldMk cId="3750693694" sldId="262"/>
+            <ac:spMk id="25" creationId="{52C80B45-2C8D-982B-1933-20702D093052}"/>
+          </ac:spMkLst>
+        </pc:spChg>
+        <pc:spChg chg="add mod">
+          <ac:chgData name="Sebastian Knopf" userId="aeec904eeb5479b8" providerId="LiveId" clId="{FAE1041C-5D61-4E4B-8D9A-63E4C6E43850}" dt="2022-12-16T08:38:14.414" v="573" actId="20577"/>
+          <ac:spMkLst>
+            <pc:docMk/>
+            <pc:sldMk cId="3750693694" sldId="262"/>
+            <ac:spMk id="26" creationId="{A87EE64F-71AB-DC28-95C9-41879D7110DC}"/>
+          </ac:spMkLst>
+        </pc:spChg>
+        <pc:spChg chg="add mod">
+          <ac:chgData name="Sebastian Knopf" userId="aeec904eeb5479b8" providerId="LiveId" clId="{FAE1041C-5D61-4E4B-8D9A-63E4C6E43850}" dt="2022-12-16T08:38:22.014" v="575" actId="1076"/>
+          <ac:spMkLst>
+            <pc:docMk/>
+            <pc:sldMk cId="3750693694" sldId="262"/>
+            <ac:spMk id="27" creationId="{B6930F49-543E-AC63-750F-2C60E9BA59F1}"/>
+          </ac:spMkLst>
+        </pc:spChg>
+        <pc:spChg chg="add mod">
+          <ac:chgData name="Sebastian Knopf" userId="aeec904eeb5479b8" providerId="LiveId" clId="{FAE1041C-5D61-4E4B-8D9A-63E4C6E43850}" dt="2022-12-16T08:38:26.548" v="577" actId="1076"/>
+          <ac:spMkLst>
+            <pc:docMk/>
+            <pc:sldMk cId="3750693694" sldId="262"/>
+            <ac:spMk id="28" creationId="{3801CAF7-8EB7-B288-8888-FA2463B926E5}"/>
+          </ac:spMkLst>
+        </pc:spChg>
+        <pc:spChg chg="add mod ord">
+          <ac:chgData name="Sebastian Knopf" userId="aeec904eeb5479b8" providerId="LiveId" clId="{FAE1041C-5D61-4E4B-8D9A-63E4C6E43850}" dt="2022-12-16T08:45:59.154" v="722" actId="1038"/>
+          <ac:spMkLst>
+            <pc:docMk/>
+            <pc:sldMk cId="3750693694" sldId="262"/>
+            <ac:spMk id="32" creationId="{EB14592F-20DB-663B-731B-3A47257D37CD}"/>
+          </ac:spMkLst>
+        </pc:spChg>
+        <pc:spChg chg="add mod">
+          <ac:chgData name="Sebastian Knopf" userId="aeec904eeb5479b8" providerId="LiveId" clId="{FAE1041C-5D61-4E4B-8D9A-63E4C6E43850}" dt="2022-12-16T08:49:09.722" v="747" actId="1076"/>
+          <ac:spMkLst>
+            <pc:docMk/>
+            <pc:sldMk cId="3750693694" sldId="262"/>
+            <ac:spMk id="114" creationId="{C704A501-4D16-E82E-336F-22FC24C75D16}"/>
+          </ac:spMkLst>
+        </pc:spChg>
+        <pc:spChg chg="add mod">
+          <ac:chgData name="Sebastian Knopf" userId="aeec904eeb5479b8" providerId="LiveId" clId="{FAE1041C-5D61-4E4B-8D9A-63E4C6E43850}" dt="2022-12-16T08:50:05.368" v="808" actId="1076"/>
+          <ac:spMkLst>
+            <pc:docMk/>
+            <pc:sldMk cId="3750693694" sldId="262"/>
+            <ac:spMk id="115" creationId="{5C516108-937D-B1BC-5E8E-279FBD6B5BCE}"/>
+          </ac:spMkLst>
+        </pc:spChg>
+        <pc:spChg chg="add mod">
+          <ac:chgData name="Sebastian Knopf" userId="aeec904eeb5479b8" providerId="LiveId" clId="{FAE1041C-5D61-4E4B-8D9A-63E4C6E43850}" dt="2022-12-16T08:50:15.647" v="810" actId="1076"/>
+          <ac:spMkLst>
+            <pc:docMk/>
+            <pc:sldMk cId="3750693694" sldId="262"/>
+            <ac:spMk id="116" creationId="{E2FE1B9C-E9C7-A0C1-FC05-C6040F8E8466}"/>
+          </ac:spMkLst>
+        </pc:spChg>
+        <pc:cxnChg chg="add mod">
+          <ac:chgData name="Sebastian Knopf" userId="aeec904eeb5479b8" providerId="LiveId" clId="{FAE1041C-5D61-4E4B-8D9A-63E4C6E43850}" dt="2022-12-16T08:32:49.923" v="451" actId="1038"/>
+          <ac:cxnSpMkLst>
+            <pc:docMk/>
+            <pc:sldMk cId="3750693694" sldId="262"/>
+            <ac:cxnSpMk id="10" creationId="{E52DDA27-E856-A5CC-A116-6196CA1D592A}"/>
+          </ac:cxnSpMkLst>
+        </pc:cxnChg>
+        <pc:cxnChg chg="add mod">
+          <ac:chgData name="Sebastian Knopf" userId="aeec904eeb5479b8" providerId="LiveId" clId="{FAE1041C-5D61-4E4B-8D9A-63E4C6E43850}" dt="2022-12-16T08:45:56.862" v="721" actId="1038"/>
+          <ac:cxnSpMkLst>
+            <pc:docMk/>
+            <pc:sldMk cId="3750693694" sldId="262"/>
+            <ac:cxnSpMk id="11" creationId="{1FCC6602-5810-FF32-BEFC-1B52A2B2900E}"/>
+          </ac:cxnSpMkLst>
+        </pc:cxnChg>
+        <pc:cxnChg chg="add mod">
+          <ac:chgData name="Sebastian Knopf" userId="aeec904eeb5479b8" providerId="LiveId" clId="{FAE1041C-5D61-4E4B-8D9A-63E4C6E43850}" dt="2022-12-16T08:39:43.286" v="607" actId="14100"/>
+          <ac:cxnSpMkLst>
+            <pc:docMk/>
+            <pc:sldMk cId="3750693694" sldId="262"/>
+            <ac:cxnSpMk id="30" creationId="{2AE8578B-528F-2D4E-53CC-4AF031F4C5CE}"/>
+          </ac:cxnSpMkLst>
+        </pc:cxnChg>
+        <pc:cxnChg chg="add mod">
+          <ac:chgData name="Sebastian Knopf" userId="aeec904eeb5479b8" providerId="LiveId" clId="{FAE1041C-5D61-4E4B-8D9A-63E4C6E43850}" dt="2022-12-16T08:40:54.625" v="632" actId="692"/>
+          <ac:cxnSpMkLst>
+            <pc:docMk/>
+            <pc:sldMk cId="3750693694" sldId="262"/>
+            <ac:cxnSpMk id="34" creationId="{6A3420EB-58DE-23AF-66F6-96A7E6A91AE3}"/>
+          </ac:cxnSpMkLst>
+        </pc:cxnChg>
+        <pc:cxnChg chg="add mod">
+          <ac:chgData name="Sebastian Knopf" userId="aeec904eeb5479b8" providerId="LiveId" clId="{FAE1041C-5D61-4E4B-8D9A-63E4C6E43850}" dt="2022-12-16T08:41:05.777" v="635" actId="14100"/>
+          <ac:cxnSpMkLst>
+            <pc:docMk/>
+            <pc:sldMk cId="3750693694" sldId="262"/>
+            <ac:cxnSpMk id="35" creationId="{62C7CD1D-39EC-82D4-C108-44152F42BB84}"/>
+          </ac:cxnSpMkLst>
+        </pc:cxnChg>
+        <pc:cxnChg chg="add mod">
+          <ac:chgData name="Sebastian Knopf" userId="aeec904eeb5479b8" providerId="LiveId" clId="{FAE1041C-5D61-4E4B-8D9A-63E4C6E43850}" dt="2022-12-16T08:41:11.965" v="638" actId="14100"/>
+          <ac:cxnSpMkLst>
+            <pc:docMk/>
+            <pc:sldMk cId="3750693694" sldId="262"/>
+            <ac:cxnSpMk id="38" creationId="{2A6DCED4-D081-BE81-E5B7-A6A6E65728B7}"/>
+          </ac:cxnSpMkLst>
+        </pc:cxnChg>
+        <pc:cxnChg chg="add mod">
+          <ac:chgData name="Sebastian Knopf" userId="aeec904eeb5479b8" providerId="LiveId" clId="{FAE1041C-5D61-4E4B-8D9A-63E4C6E43850}" dt="2022-12-16T08:41:20.238" v="641" actId="14100"/>
+          <ac:cxnSpMkLst>
+            <pc:docMk/>
+            <pc:sldMk cId="3750693694" sldId="262"/>
+            <ac:cxnSpMk id="41" creationId="{F98E1A5E-B231-ADBF-705D-BD4EB4C2E1F0}"/>
+          </ac:cxnSpMkLst>
+        </pc:cxnChg>
+        <pc:cxnChg chg="add mod">
+          <ac:chgData name="Sebastian Knopf" userId="aeec904eeb5479b8" providerId="LiveId" clId="{FAE1041C-5D61-4E4B-8D9A-63E4C6E43850}" dt="2022-12-16T08:42:00.271" v="656" actId="14100"/>
+          <ac:cxnSpMkLst>
+            <pc:docMk/>
+            <pc:sldMk cId="3750693694" sldId="262"/>
+            <ac:cxnSpMk id="44" creationId="{2D248564-16DC-0A02-F6EA-6FF77B47B8A3}"/>
+          </ac:cxnSpMkLst>
+        </pc:cxnChg>
+        <pc:cxnChg chg="add mod">
+          <ac:chgData name="Sebastian Knopf" userId="aeec904eeb5479b8" providerId="LiveId" clId="{FAE1041C-5D61-4E4B-8D9A-63E4C6E43850}" dt="2022-12-16T08:41:36.713" v="647" actId="14100"/>
+          <ac:cxnSpMkLst>
+            <pc:docMk/>
+            <pc:sldMk cId="3750693694" sldId="262"/>
+            <ac:cxnSpMk id="47" creationId="{D8686EF6-5C5D-B4A8-C89A-0C10801E5F87}"/>
+          </ac:cxnSpMkLst>
+        </pc:cxnChg>
+        <pc:cxnChg chg="add mod">
+          <ac:chgData name="Sebastian Knopf" userId="aeec904eeb5479b8" providerId="LiveId" clId="{FAE1041C-5D61-4E4B-8D9A-63E4C6E43850}" dt="2022-12-16T08:42:03.295" v="657" actId="14100"/>
+          <ac:cxnSpMkLst>
+            <pc:docMk/>
+            <pc:sldMk cId="3750693694" sldId="262"/>
+            <ac:cxnSpMk id="50" creationId="{EBC915B1-13F6-31A6-8A09-306EA059FF34}"/>
+          </ac:cxnSpMkLst>
+        </pc:cxnChg>
+        <pc:cxnChg chg="add mod">
+          <ac:chgData name="Sebastian Knopf" userId="aeec904eeb5479b8" providerId="LiveId" clId="{FAE1041C-5D61-4E4B-8D9A-63E4C6E43850}" dt="2022-12-16T08:41:51.696" v="653" actId="14100"/>
+          <ac:cxnSpMkLst>
+            <pc:docMk/>
+            <pc:sldMk cId="3750693694" sldId="262"/>
+            <ac:cxnSpMk id="53" creationId="{D51B27B2-9B27-AF80-C433-7F19DF0BA2CF}"/>
+          </ac:cxnSpMkLst>
+        </pc:cxnChg>
+        <pc:cxnChg chg="add mod">
+          <ac:chgData name="Sebastian Knopf" userId="aeec904eeb5479b8" providerId="LiveId" clId="{FAE1041C-5D61-4E4B-8D9A-63E4C6E43850}" dt="2022-12-16T08:42:07.575" v="658" actId="14100"/>
+          <ac:cxnSpMkLst>
+            <pc:docMk/>
+            <pc:sldMk cId="3750693694" sldId="262"/>
+            <ac:cxnSpMk id="56" creationId="{56819A0E-CE73-63B7-BEA4-8DAFFF40F78C}"/>
+          </ac:cxnSpMkLst>
+        </pc:cxnChg>
+        <pc:cxnChg chg="add mod">
+          <ac:chgData name="Sebastian Knopf" userId="aeec904eeb5479b8" providerId="LiveId" clId="{FAE1041C-5D61-4E4B-8D9A-63E4C6E43850}" dt="2022-12-16T08:42:17.335" v="661" actId="14100"/>
+          <ac:cxnSpMkLst>
+            <pc:docMk/>
+            <pc:sldMk cId="3750693694" sldId="262"/>
+            <ac:cxnSpMk id="61" creationId="{D0AE8890-4351-3BE3-C824-305052E03C46}"/>
+          </ac:cxnSpMkLst>
+        </pc:cxnChg>
+        <pc:cxnChg chg="add mod">
+          <ac:chgData name="Sebastian Knopf" userId="aeec904eeb5479b8" providerId="LiveId" clId="{FAE1041C-5D61-4E4B-8D9A-63E4C6E43850}" dt="2022-12-16T08:42:22.974" v="664" actId="14100"/>
+          <ac:cxnSpMkLst>
+            <pc:docMk/>
+            <pc:sldMk cId="3750693694" sldId="262"/>
+            <ac:cxnSpMk id="64" creationId="{EBB06F34-5F36-B1C5-9E4F-91442511F557}"/>
+          </ac:cxnSpMkLst>
+        </pc:cxnChg>
+        <pc:cxnChg chg="add mod">
+          <ac:chgData name="Sebastian Knopf" userId="aeec904eeb5479b8" providerId="LiveId" clId="{FAE1041C-5D61-4E4B-8D9A-63E4C6E43850}" dt="2022-12-16T08:42:27.552" v="667" actId="14100"/>
+          <ac:cxnSpMkLst>
+            <pc:docMk/>
+            <pc:sldMk cId="3750693694" sldId="262"/>
+            <ac:cxnSpMk id="67" creationId="{83BA09DD-3F4B-DA47-79E8-9E7911BB9B20}"/>
+          </ac:cxnSpMkLst>
+        </pc:cxnChg>
+        <pc:cxnChg chg="add mod">
+          <ac:chgData name="Sebastian Knopf" userId="aeec904eeb5479b8" providerId="LiveId" clId="{FAE1041C-5D61-4E4B-8D9A-63E4C6E43850}" dt="2022-12-16T08:42:35.176" v="670" actId="14100"/>
+          <ac:cxnSpMkLst>
+            <pc:docMk/>
+            <pc:sldMk cId="3750693694" sldId="262"/>
+            <ac:cxnSpMk id="70" creationId="{3E1FB29B-011A-CDF9-24C1-78BBE621185F}"/>
+          </ac:cxnSpMkLst>
+        </pc:cxnChg>
+        <pc:cxnChg chg="add mod">
+          <ac:chgData name="Sebastian Knopf" userId="aeec904eeb5479b8" providerId="LiveId" clId="{FAE1041C-5D61-4E4B-8D9A-63E4C6E43850}" dt="2022-12-16T08:42:39.684" v="673" actId="14100"/>
+          <ac:cxnSpMkLst>
+            <pc:docMk/>
+            <pc:sldMk cId="3750693694" sldId="262"/>
+            <ac:cxnSpMk id="73" creationId="{5CC75851-697E-CFF1-1BB1-3FF899B78ACB}"/>
+          </ac:cxnSpMkLst>
+        </pc:cxnChg>
+        <pc:cxnChg chg="add mod">
+          <ac:chgData name="Sebastian Knopf" userId="aeec904eeb5479b8" providerId="LiveId" clId="{FAE1041C-5D61-4E4B-8D9A-63E4C6E43850}" dt="2022-12-16T08:42:44.976" v="676" actId="14100"/>
+          <ac:cxnSpMkLst>
+            <pc:docMk/>
+            <pc:sldMk cId="3750693694" sldId="262"/>
+            <ac:cxnSpMk id="76" creationId="{CB04DF07-67C0-8B96-8565-052BBC408BAE}"/>
+          </ac:cxnSpMkLst>
+        </pc:cxnChg>
+        <pc:cxnChg chg="add mod">
+          <ac:chgData name="Sebastian Knopf" userId="aeec904eeb5479b8" providerId="LiveId" clId="{FAE1041C-5D61-4E4B-8D9A-63E4C6E43850}" dt="2022-12-16T08:42:50.925" v="679" actId="14100"/>
+          <ac:cxnSpMkLst>
+            <pc:docMk/>
+            <pc:sldMk cId="3750693694" sldId="262"/>
+            <ac:cxnSpMk id="79" creationId="{16600655-CB0E-47D6-4D35-1970EECDB32A}"/>
+          </ac:cxnSpMkLst>
+        </pc:cxnChg>
+        <pc:cxnChg chg="add mod">
+          <ac:chgData name="Sebastian Knopf" userId="aeec904eeb5479b8" providerId="LiveId" clId="{FAE1041C-5D61-4E4B-8D9A-63E4C6E43850}" dt="2022-12-16T08:42:58.948" v="682" actId="14100"/>
+          <ac:cxnSpMkLst>
+            <pc:docMk/>
+            <pc:sldMk cId="3750693694" sldId="262"/>
+            <ac:cxnSpMk id="82" creationId="{AFE97967-6ED6-3515-A314-483D2958CBF1}"/>
+          </ac:cxnSpMkLst>
+        </pc:cxnChg>
+        <pc:cxnChg chg="add mod">
+          <ac:chgData name="Sebastian Knopf" userId="aeec904eeb5479b8" providerId="LiveId" clId="{FAE1041C-5D61-4E4B-8D9A-63E4C6E43850}" dt="2022-12-16T08:43:04.649" v="685" actId="14100"/>
+          <ac:cxnSpMkLst>
+            <pc:docMk/>
+            <pc:sldMk cId="3750693694" sldId="262"/>
+            <ac:cxnSpMk id="85" creationId="{9ECC7627-0C0E-E647-5419-066E536AA891}"/>
+          </ac:cxnSpMkLst>
+        </pc:cxnChg>
+        <pc:cxnChg chg="add mod">
+          <ac:chgData name="Sebastian Knopf" userId="aeec904eeb5479b8" providerId="LiveId" clId="{FAE1041C-5D61-4E4B-8D9A-63E4C6E43850}" dt="2022-12-16T08:44:24.817" v="689" actId="14100"/>
+          <ac:cxnSpMkLst>
+            <pc:docMk/>
+            <pc:sldMk cId="3750693694" sldId="262"/>
+            <ac:cxnSpMk id="88" creationId="{3365AA09-C881-5503-E296-1DEC2FC22E67}"/>
+          </ac:cxnSpMkLst>
+        </pc:cxnChg>
+        <pc:cxnChg chg="add mod">
+          <ac:chgData name="Sebastian Knopf" userId="aeec904eeb5479b8" providerId="LiveId" clId="{FAE1041C-5D61-4E4B-8D9A-63E4C6E43850}" dt="2022-12-16T08:44:30.153" v="692" actId="14100"/>
+          <ac:cxnSpMkLst>
+            <pc:docMk/>
+            <pc:sldMk cId="3750693694" sldId="262"/>
+            <ac:cxnSpMk id="90" creationId="{E3857795-2C95-09B3-DF56-2E598B7E5D06}"/>
+          </ac:cxnSpMkLst>
+        </pc:cxnChg>
+        <pc:cxnChg chg="add mod">
+          <ac:chgData name="Sebastian Knopf" userId="aeec904eeb5479b8" providerId="LiveId" clId="{FAE1041C-5D61-4E4B-8D9A-63E4C6E43850}" dt="2022-12-16T08:44:34.960" v="695" actId="14100"/>
+          <ac:cxnSpMkLst>
+            <pc:docMk/>
+            <pc:sldMk cId="3750693694" sldId="262"/>
+            <ac:cxnSpMk id="93" creationId="{B2F1229A-E12D-F62A-10B6-C11B3B6A70CF}"/>
+          </ac:cxnSpMkLst>
+        </pc:cxnChg>
+        <pc:cxnChg chg="add mod">
+          <ac:chgData name="Sebastian Knopf" userId="aeec904eeb5479b8" providerId="LiveId" clId="{FAE1041C-5D61-4E4B-8D9A-63E4C6E43850}" dt="2022-12-16T08:44:40.798" v="698" actId="14100"/>
+          <ac:cxnSpMkLst>
+            <pc:docMk/>
+            <pc:sldMk cId="3750693694" sldId="262"/>
+            <ac:cxnSpMk id="96" creationId="{7F9C1F3E-5968-E617-4E3E-B395D23F8BAD}"/>
+          </ac:cxnSpMkLst>
+        </pc:cxnChg>
+        <pc:cxnChg chg="add mod">
+          <ac:chgData name="Sebastian Knopf" userId="aeec904eeb5479b8" providerId="LiveId" clId="{FAE1041C-5D61-4E4B-8D9A-63E4C6E43850}" dt="2022-12-16T08:44:46.030" v="701" actId="14100"/>
+          <ac:cxnSpMkLst>
+            <pc:docMk/>
+            <pc:sldMk cId="3750693694" sldId="262"/>
+            <ac:cxnSpMk id="99" creationId="{677E6A2D-2D91-E24A-EDCF-57955744EBF8}"/>
+          </ac:cxnSpMkLst>
+        </pc:cxnChg>
+        <pc:cxnChg chg="add mod">
+          <ac:chgData name="Sebastian Knopf" userId="aeec904eeb5479b8" providerId="LiveId" clId="{FAE1041C-5D61-4E4B-8D9A-63E4C6E43850}" dt="2022-12-16T08:44:52.967" v="704" actId="14100"/>
+          <ac:cxnSpMkLst>
+            <pc:docMk/>
+            <pc:sldMk cId="3750693694" sldId="262"/>
+            <ac:cxnSpMk id="102" creationId="{E38625B6-B4C3-7A94-45E0-CEB7B9EBEA7B}"/>
+          </ac:cxnSpMkLst>
+        </pc:cxnChg>
+        <pc:cxnChg chg="add mod">
+          <ac:chgData name="Sebastian Knopf" userId="aeec904eeb5479b8" providerId="LiveId" clId="{FAE1041C-5D61-4E4B-8D9A-63E4C6E43850}" dt="2022-12-16T08:45:06.108" v="707" actId="14100"/>
+          <ac:cxnSpMkLst>
+            <pc:docMk/>
+            <pc:sldMk cId="3750693694" sldId="262"/>
+            <ac:cxnSpMk id="105" creationId="{A12B38DE-CCC3-7A22-B75C-2F885DEB461B}"/>
+          </ac:cxnSpMkLst>
+        </pc:cxnChg>
+        <pc:cxnChg chg="add mod">
+          <ac:chgData name="Sebastian Knopf" userId="aeec904eeb5479b8" providerId="LiveId" clId="{FAE1041C-5D61-4E4B-8D9A-63E4C6E43850}" dt="2022-12-16T08:45:13.329" v="710" actId="14100"/>
+          <ac:cxnSpMkLst>
+            <pc:docMk/>
+            <pc:sldMk cId="3750693694" sldId="262"/>
+            <ac:cxnSpMk id="108" creationId="{9FAFA2EB-3AAD-5C27-DF4E-AFED3FA54309}"/>
+          </ac:cxnSpMkLst>
+        </pc:cxnChg>
+        <pc:cxnChg chg="add mod">
+          <ac:chgData name="Sebastian Knopf" userId="aeec904eeb5479b8" providerId="LiveId" clId="{FAE1041C-5D61-4E4B-8D9A-63E4C6E43850}" dt="2022-12-16T08:45:20.937" v="713" actId="14100"/>
+          <ac:cxnSpMkLst>
+            <pc:docMk/>
+            <pc:sldMk cId="3750693694" sldId="262"/>
+            <ac:cxnSpMk id="111" creationId="{904F4AB9-3A26-F133-C0C8-ED020BE8B991}"/>
+          </ac:cxnSpMkLst>
+        </pc:cxnChg>
+        <pc:cxnChg chg="add del mod">
+          <ac:chgData name="Sebastian Knopf" userId="aeec904eeb5479b8" providerId="LiveId" clId="{FAE1041C-5D61-4E4B-8D9A-63E4C6E43850}" dt="2022-12-16T09:25:23.741" v="831" actId="21"/>
+          <ac:cxnSpMkLst>
+            <pc:docMk/>
+            <pc:sldMk cId="3750693694" sldId="262"/>
+            <ac:cxnSpMk id="117" creationId="{E1D1581F-74F2-B84F-D018-1DCECC5A74B3}"/>
+          </ac:cxnSpMkLst>
+        </pc:cxnChg>
+      </pc:sldChg>
+      <pc:sldChg chg="addSp delSp modSp add mod">
+        <pc:chgData name="Sebastian Knopf" userId="aeec904eeb5479b8" providerId="LiveId" clId="{FAE1041C-5D61-4E4B-8D9A-63E4C6E43850}" dt="2022-12-16T10:15:04.568" v="974" actId="20577"/>
+        <pc:sldMkLst>
+          <pc:docMk/>
+          <pc:sldMk cId="1645398464" sldId="263"/>
+        </pc:sldMkLst>
+        <pc:spChg chg="add mod">
+          <ac:chgData name="Sebastian Knopf" userId="aeec904eeb5479b8" providerId="LiveId" clId="{FAE1041C-5D61-4E4B-8D9A-63E4C6E43850}" dt="2022-12-16T09:24:59.031" v="829" actId="692"/>
+          <ac:spMkLst>
+            <pc:docMk/>
+            <pc:sldMk cId="1645398464" sldId="263"/>
+            <ac:spMk id="8" creationId="{D9CA2EDC-3471-8AF4-4691-B741DE839258}"/>
+          </ac:spMkLst>
+        </pc:spChg>
+        <pc:spChg chg="add mod">
+          <ac:chgData name="Sebastian Knopf" userId="aeec904eeb5479b8" providerId="LiveId" clId="{FAE1041C-5D61-4E4B-8D9A-63E4C6E43850}" dt="2022-12-16T09:24:59.031" v="829" actId="692"/>
+          <ac:spMkLst>
+            <pc:docMk/>
+            <pc:sldMk cId="1645398464" sldId="263"/>
+            <ac:spMk id="9" creationId="{7F801784-440D-58E7-0D0C-08EE76E53515}"/>
+          </ac:spMkLst>
+        </pc:spChg>
+        <pc:spChg chg="add mod">
+          <ac:chgData name="Sebastian Knopf" userId="aeec904eeb5479b8" providerId="LiveId" clId="{FAE1041C-5D61-4E4B-8D9A-63E4C6E43850}" dt="2022-12-16T09:24:59.031" v="829" actId="692"/>
+          <ac:spMkLst>
+            <pc:docMk/>
+            <pc:sldMk cId="1645398464" sldId="263"/>
+            <ac:spMk id="15" creationId="{B80E20F0-32FC-481A-75C2-B1903452B139}"/>
+          </ac:spMkLst>
+        </pc:spChg>
+        <pc:spChg chg="add mod">
+          <ac:chgData name="Sebastian Knopf" userId="aeec904eeb5479b8" providerId="LiveId" clId="{FAE1041C-5D61-4E4B-8D9A-63E4C6E43850}" dt="2022-12-16T09:24:59.031" v="829" actId="692"/>
+          <ac:spMkLst>
+            <pc:docMk/>
+            <pc:sldMk cId="1645398464" sldId="263"/>
+            <ac:spMk id="16" creationId="{678D5175-6CC3-0260-A623-0BC494621EB0}"/>
+          </ac:spMkLst>
+        </pc:spChg>
+        <pc:spChg chg="del">
+          <ac:chgData name="Sebastian Knopf" userId="aeec904eeb5479b8" providerId="LiveId" clId="{FAE1041C-5D61-4E4B-8D9A-63E4C6E43850}" dt="2022-12-16T09:23:29.970" v="812" actId="478"/>
+          <ac:spMkLst>
+            <pc:docMk/>
+            <pc:sldMk cId="1645398464" sldId="263"/>
+            <ac:spMk id="32" creationId="{EB14592F-20DB-663B-731B-3A47257D37CD}"/>
+          </ac:spMkLst>
+        </pc:spChg>
+        <pc:spChg chg="add mod">
+          <ac:chgData name="Sebastian Knopf" userId="aeec904eeb5479b8" providerId="LiveId" clId="{FAE1041C-5D61-4E4B-8D9A-63E4C6E43850}" dt="2022-12-16T10:14:29.491" v="944" actId="20577"/>
+          <ac:spMkLst>
+            <pc:docMk/>
+            <pc:sldMk cId="1645398464" sldId="263"/>
+            <ac:spMk id="77" creationId="{5B8B79CE-CAAF-E1BE-01A1-C7D74DCA6C55}"/>
+          </ac:spMkLst>
+        </pc:spChg>
+        <pc:spChg chg="add mod">
+          <ac:chgData name="Sebastian Knopf" userId="aeec904eeb5479b8" providerId="LiveId" clId="{FAE1041C-5D61-4E4B-8D9A-63E4C6E43850}" dt="2022-12-16T10:14:32.131" v="946" actId="20577"/>
+          <ac:spMkLst>
+            <pc:docMk/>
+            <pc:sldMk cId="1645398464" sldId="263"/>
+            <ac:spMk id="78" creationId="{A1E0B065-02F1-396B-C2B5-49743A392DAD}"/>
+          </ac:spMkLst>
+        </pc:spChg>
+        <pc:spChg chg="add mod">
+          <ac:chgData name="Sebastian Knopf" userId="aeec904eeb5479b8" providerId="LiveId" clId="{FAE1041C-5D61-4E4B-8D9A-63E4C6E43850}" dt="2022-12-16T10:14:34.992" v="948" actId="20577"/>
+          <ac:spMkLst>
+            <pc:docMk/>
+            <pc:sldMk cId="1645398464" sldId="263"/>
+            <ac:spMk id="80" creationId="{ACD25373-965D-006A-65B3-33DF4CBC2DB5}"/>
+          </ac:spMkLst>
+        </pc:spChg>
+        <pc:spChg chg="add mod">
+          <ac:chgData name="Sebastian Knopf" userId="aeec904eeb5479b8" providerId="LiveId" clId="{FAE1041C-5D61-4E4B-8D9A-63E4C6E43850}" dt="2022-12-16T10:14:37.584" v="950" actId="20577"/>
+          <ac:spMkLst>
+            <pc:docMk/>
+            <pc:sldMk cId="1645398464" sldId="263"/>
+            <ac:spMk id="81" creationId="{CC5DCF91-2318-3915-6598-BE4AF6778F39}"/>
+          </ac:spMkLst>
+        </pc:spChg>
+        <pc:spChg chg="add mod">
+          <ac:chgData name="Sebastian Knopf" userId="aeec904eeb5479b8" providerId="LiveId" clId="{FAE1041C-5D61-4E4B-8D9A-63E4C6E43850}" dt="2022-12-16T10:14:53.534" v="962" actId="20577"/>
+          <ac:spMkLst>
+            <pc:docMk/>
+            <pc:sldMk cId="1645398464" sldId="263"/>
+            <ac:spMk id="83" creationId="{8714ED0E-277A-3BA0-CD90-89F672FF26F6}"/>
+          </ac:spMkLst>
+        </pc:spChg>
+        <pc:spChg chg="add mod">
+          <ac:chgData name="Sebastian Knopf" userId="aeec904eeb5479b8" providerId="LiveId" clId="{FAE1041C-5D61-4E4B-8D9A-63E4C6E43850}" dt="2022-12-16T10:14:59.066" v="968" actId="20577"/>
+          <ac:spMkLst>
+            <pc:docMk/>
+            <pc:sldMk cId="1645398464" sldId="263"/>
+            <ac:spMk id="84" creationId="{E92B8041-B515-94B2-7C01-DA51046FCF7F}"/>
+          </ac:spMkLst>
+        </pc:spChg>
+        <pc:spChg chg="add mod">
+          <ac:chgData name="Sebastian Knopf" userId="aeec904eeb5479b8" providerId="LiveId" clId="{FAE1041C-5D61-4E4B-8D9A-63E4C6E43850}" dt="2022-12-16T10:15:04.568" v="974" actId="20577"/>
+          <ac:spMkLst>
+            <pc:docMk/>
+            <pc:sldMk cId="1645398464" sldId="263"/>
+            <ac:spMk id="86" creationId="{29004879-57A6-DB70-5785-11A2137ACC3F}"/>
+          </ac:spMkLst>
+        </pc:spChg>
+        <pc:cxnChg chg="add mod">
+          <ac:chgData name="Sebastian Knopf" userId="aeec904eeb5479b8" providerId="LiveId" clId="{FAE1041C-5D61-4E4B-8D9A-63E4C6E43850}" dt="2022-12-16T09:25:31.111" v="834" actId="14100"/>
+          <ac:cxnSpMkLst>
+            <pc:docMk/>
+            <pc:sldMk cId="1645398464" sldId="263"/>
+            <ac:cxnSpMk id="17" creationId="{5BDD0123-656F-4D43-09F6-0AEDA0D2814A}"/>
+          </ac:cxnSpMkLst>
+        </pc:cxnChg>
+        <pc:cxnChg chg="add mod">
+          <ac:chgData name="Sebastian Knopf" userId="aeec904eeb5479b8" providerId="LiveId" clId="{FAE1041C-5D61-4E4B-8D9A-63E4C6E43850}" dt="2022-12-16T09:25:38.116" v="837" actId="14100"/>
+          <ac:cxnSpMkLst>
+            <pc:docMk/>
+            <pc:sldMk cId="1645398464" sldId="263"/>
+            <ac:cxnSpMk id="31" creationId="{70BDD493-FB33-BE4E-A74D-DB4B11333133}"/>
+          </ac:cxnSpMkLst>
+        </pc:cxnChg>
+        <pc:cxnChg chg="del mod">
+          <ac:chgData name="Sebastian Knopf" userId="aeec904eeb5479b8" providerId="LiveId" clId="{FAE1041C-5D61-4E4B-8D9A-63E4C6E43850}" dt="2022-12-16T09:23:36.436" v="813" actId="478"/>
+          <ac:cxnSpMkLst>
+            <pc:docMk/>
+            <pc:sldMk cId="1645398464" sldId="263"/>
+            <ac:cxnSpMk id="34" creationId="{6A3420EB-58DE-23AF-66F6-96A7E6A91AE3}"/>
+          </ac:cxnSpMkLst>
+        </pc:cxnChg>
+        <pc:cxnChg chg="del mod">
+          <ac:chgData name="Sebastian Knopf" userId="aeec904eeb5479b8" providerId="LiveId" clId="{FAE1041C-5D61-4E4B-8D9A-63E4C6E43850}" dt="2022-12-16T09:23:36.436" v="813" actId="478"/>
+          <ac:cxnSpMkLst>
+            <pc:docMk/>
+            <pc:sldMk cId="1645398464" sldId="263"/>
+            <ac:cxnSpMk id="35" creationId="{62C7CD1D-39EC-82D4-C108-44152F42BB84}"/>
+          </ac:cxnSpMkLst>
+        </pc:cxnChg>
+        <pc:cxnChg chg="add mod">
+          <ac:chgData name="Sebastian Knopf" userId="aeec904eeb5479b8" providerId="LiveId" clId="{FAE1041C-5D61-4E4B-8D9A-63E4C6E43850}" dt="2022-12-16T09:25:44.735" v="840" actId="14100"/>
+          <ac:cxnSpMkLst>
+            <pc:docMk/>
+            <pc:sldMk cId="1645398464" sldId="263"/>
+            <ac:cxnSpMk id="37" creationId="{8CEA0176-CE0F-B60F-303C-E02EAFD78364}"/>
+          </ac:cxnSpMkLst>
+        </pc:cxnChg>
+        <pc:cxnChg chg="del mod">
+          <ac:chgData name="Sebastian Knopf" userId="aeec904eeb5479b8" providerId="LiveId" clId="{FAE1041C-5D61-4E4B-8D9A-63E4C6E43850}" dt="2022-12-16T09:23:36.436" v="813" actId="478"/>
+          <ac:cxnSpMkLst>
+            <pc:docMk/>
+            <pc:sldMk cId="1645398464" sldId="263"/>
+            <ac:cxnSpMk id="38" creationId="{2A6DCED4-D081-BE81-E5B7-A6A6E65728B7}"/>
+          </ac:cxnSpMkLst>
+        </pc:cxnChg>
+        <pc:cxnChg chg="del mod">
+          <ac:chgData name="Sebastian Knopf" userId="aeec904eeb5479b8" providerId="LiveId" clId="{FAE1041C-5D61-4E4B-8D9A-63E4C6E43850}" dt="2022-12-16T09:23:36.436" v="813" actId="478"/>
+          <ac:cxnSpMkLst>
+            <pc:docMk/>
+            <pc:sldMk cId="1645398464" sldId="263"/>
+            <ac:cxnSpMk id="41" creationId="{F98E1A5E-B231-ADBF-705D-BD4EB4C2E1F0}"/>
+          </ac:cxnSpMkLst>
+        </pc:cxnChg>
+        <pc:cxnChg chg="add mod">
+          <ac:chgData name="Sebastian Knopf" userId="aeec904eeb5479b8" providerId="LiveId" clId="{FAE1041C-5D61-4E4B-8D9A-63E4C6E43850}" dt="2022-12-16T09:25:50.437" v="843" actId="14100"/>
+          <ac:cxnSpMkLst>
+            <pc:docMk/>
+            <pc:sldMk cId="1645398464" sldId="263"/>
+            <ac:cxnSpMk id="42" creationId="{02D64FCE-54C7-6164-19F4-D0C1A018D30D}"/>
+          </ac:cxnSpMkLst>
+        </pc:cxnChg>
+        <pc:cxnChg chg="del mod">
+          <ac:chgData name="Sebastian Knopf" userId="aeec904eeb5479b8" providerId="LiveId" clId="{FAE1041C-5D61-4E4B-8D9A-63E4C6E43850}" dt="2022-12-16T09:23:36.436" v="813" actId="478"/>
+          <ac:cxnSpMkLst>
+            <pc:docMk/>
+            <pc:sldMk cId="1645398464" sldId="263"/>
+            <ac:cxnSpMk id="44" creationId="{2D248564-16DC-0A02-F6EA-6FF77B47B8A3}"/>
+          </ac:cxnSpMkLst>
+        </pc:cxnChg>
+        <pc:cxnChg chg="add mod">
+          <ac:chgData name="Sebastian Knopf" userId="aeec904eeb5479b8" providerId="LiveId" clId="{FAE1041C-5D61-4E4B-8D9A-63E4C6E43850}" dt="2022-12-16T09:26:53.228" v="869" actId="14100"/>
+          <ac:cxnSpMkLst>
+            <pc:docMk/>
+            <pc:sldMk cId="1645398464" sldId="263"/>
+            <ac:cxnSpMk id="46" creationId="{03FF4FC2-B027-4459-BFCD-7208C25E4621}"/>
+          </ac:cxnSpMkLst>
+        </pc:cxnChg>
+        <pc:cxnChg chg="del mod">
+          <ac:chgData name="Sebastian Knopf" userId="aeec904eeb5479b8" providerId="LiveId" clId="{FAE1041C-5D61-4E4B-8D9A-63E4C6E43850}" dt="2022-12-16T09:23:36.436" v="813" actId="478"/>
+          <ac:cxnSpMkLst>
+            <pc:docMk/>
+            <pc:sldMk cId="1645398464" sldId="263"/>
+            <ac:cxnSpMk id="47" creationId="{D8686EF6-5C5D-B4A8-C89A-0C10801E5F87}"/>
+          </ac:cxnSpMkLst>
+        </pc:cxnChg>
+        <pc:cxnChg chg="del mod">
+          <ac:chgData name="Sebastian Knopf" userId="aeec904eeb5479b8" providerId="LiveId" clId="{FAE1041C-5D61-4E4B-8D9A-63E4C6E43850}" dt="2022-12-16T09:23:36.436" v="813" actId="478"/>
+          <ac:cxnSpMkLst>
+            <pc:docMk/>
+            <pc:sldMk cId="1645398464" sldId="263"/>
+            <ac:cxnSpMk id="50" creationId="{EBC915B1-13F6-31A6-8A09-306EA059FF34}"/>
+          </ac:cxnSpMkLst>
+        </pc:cxnChg>
+        <pc:cxnChg chg="add mod">
+          <ac:chgData name="Sebastian Knopf" userId="aeec904eeb5479b8" providerId="LiveId" clId="{FAE1041C-5D61-4E4B-8D9A-63E4C6E43850}" dt="2022-12-16T09:26:51.037" v="868" actId="14100"/>
+          <ac:cxnSpMkLst>
+            <pc:docMk/>
+            <pc:sldMk cId="1645398464" sldId="263"/>
+            <ac:cxnSpMk id="51" creationId="{4F24C14F-12D1-FE56-653D-81C6E3F36BC6}"/>
+          </ac:cxnSpMkLst>
+        </pc:cxnChg>
+        <pc:cxnChg chg="del mod">
+          <ac:chgData name="Sebastian Knopf" userId="aeec904eeb5479b8" providerId="LiveId" clId="{FAE1041C-5D61-4E4B-8D9A-63E4C6E43850}" dt="2022-12-16T09:23:36.436" v="813" actId="478"/>
+          <ac:cxnSpMkLst>
+            <pc:docMk/>
+            <pc:sldMk cId="1645398464" sldId="263"/>
+            <ac:cxnSpMk id="53" creationId="{D51B27B2-9B27-AF80-C433-7F19DF0BA2CF}"/>
+          </ac:cxnSpMkLst>
+        </pc:cxnChg>
+        <pc:cxnChg chg="add mod">
+          <ac:chgData name="Sebastian Knopf" userId="aeec904eeb5479b8" providerId="LiveId" clId="{FAE1041C-5D61-4E4B-8D9A-63E4C6E43850}" dt="2022-12-16T09:26:48.660" v="867" actId="14100"/>
+          <ac:cxnSpMkLst>
+            <pc:docMk/>
+            <pc:sldMk cId="1645398464" sldId="263"/>
+            <ac:cxnSpMk id="55" creationId="{4A7DA47A-9BB0-C699-9050-0D480EA03592}"/>
+          </ac:cxnSpMkLst>
+        </pc:cxnChg>
+        <pc:cxnChg chg="del mod">
+          <ac:chgData name="Sebastian Knopf" userId="aeec904eeb5479b8" providerId="LiveId" clId="{FAE1041C-5D61-4E4B-8D9A-63E4C6E43850}" dt="2022-12-16T09:23:36.436" v="813" actId="478"/>
+          <ac:cxnSpMkLst>
+            <pc:docMk/>
+            <pc:sldMk cId="1645398464" sldId="263"/>
+            <ac:cxnSpMk id="56" creationId="{56819A0E-CE73-63B7-BEA4-8DAFFF40F78C}"/>
+          </ac:cxnSpMkLst>
+        </pc:cxnChg>
+        <pc:cxnChg chg="add del mod">
+          <ac:chgData name="Sebastian Knopf" userId="aeec904eeb5479b8" providerId="LiveId" clId="{FAE1041C-5D61-4E4B-8D9A-63E4C6E43850}" dt="2022-12-16T09:26:42.017" v="864" actId="478"/>
+          <ac:cxnSpMkLst>
+            <pc:docMk/>
+            <pc:sldMk cId="1645398464" sldId="263"/>
+            <ac:cxnSpMk id="59" creationId="{E8D89599-9DC9-6378-A613-39503B0A98C0}"/>
+          </ac:cxnSpMkLst>
+        </pc:cxnChg>
+        <pc:cxnChg chg="del mod">
+          <ac:chgData name="Sebastian Knopf" userId="aeec904eeb5479b8" providerId="LiveId" clId="{FAE1041C-5D61-4E4B-8D9A-63E4C6E43850}" dt="2022-12-16T09:23:36.436" v="813" actId="478"/>
+          <ac:cxnSpMkLst>
+            <pc:docMk/>
+            <pc:sldMk cId="1645398464" sldId="263"/>
+            <ac:cxnSpMk id="61" creationId="{D0AE8890-4351-3BE3-C824-305052E03C46}"/>
+          </ac:cxnSpMkLst>
+        </pc:cxnChg>
+        <pc:cxnChg chg="add del mod">
+          <ac:chgData name="Sebastian Knopf" userId="aeec904eeb5479b8" providerId="LiveId" clId="{FAE1041C-5D61-4E4B-8D9A-63E4C6E43850}" dt="2022-12-16T09:26:43.648" v="865" actId="478"/>
+          <ac:cxnSpMkLst>
+            <pc:docMk/>
+            <pc:sldMk cId="1645398464" sldId="263"/>
+            <ac:cxnSpMk id="63" creationId="{8FE0C898-A128-D993-4BDD-CA3B7B42B27B}"/>
+          </ac:cxnSpMkLst>
+        </pc:cxnChg>
+        <pc:cxnChg chg="del mod">
+          <ac:chgData name="Sebastian Knopf" userId="aeec904eeb5479b8" providerId="LiveId" clId="{FAE1041C-5D61-4E4B-8D9A-63E4C6E43850}" dt="2022-12-16T09:23:36.436" v="813" actId="478"/>
+          <ac:cxnSpMkLst>
+            <pc:docMk/>
+            <pc:sldMk cId="1645398464" sldId="263"/>
+            <ac:cxnSpMk id="64" creationId="{EBB06F34-5F36-B1C5-9E4F-91442511F557}"/>
+          </ac:cxnSpMkLst>
+        </pc:cxnChg>
+        <pc:cxnChg chg="del mod">
+          <ac:chgData name="Sebastian Knopf" userId="aeec904eeb5479b8" providerId="LiveId" clId="{FAE1041C-5D61-4E4B-8D9A-63E4C6E43850}" dt="2022-12-16T09:23:36.436" v="813" actId="478"/>
+          <ac:cxnSpMkLst>
+            <pc:docMk/>
+            <pc:sldMk cId="1645398464" sldId="263"/>
+            <ac:cxnSpMk id="67" creationId="{83BA09DD-3F4B-DA47-79E8-9E7911BB9B20}"/>
+          </ac:cxnSpMkLst>
+        </pc:cxnChg>
+        <pc:cxnChg chg="add del mod">
+          <ac:chgData name="Sebastian Knopf" userId="aeec904eeb5479b8" providerId="LiveId" clId="{FAE1041C-5D61-4E4B-8D9A-63E4C6E43850}" dt="2022-12-16T09:26:45.504" v="866" actId="478"/>
+          <ac:cxnSpMkLst>
+            <pc:docMk/>
+            <pc:sldMk cId="1645398464" sldId="263"/>
+            <ac:cxnSpMk id="68" creationId="{B4CD9FD1-32DB-1F49-508B-8158579E7EC6}"/>
+          </ac:cxnSpMkLst>
+        </pc:cxnChg>
+        <pc:cxnChg chg="del mod">
+          <ac:chgData name="Sebastian Knopf" userId="aeec904eeb5479b8" providerId="LiveId" clId="{FAE1041C-5D61-4E4B-8D9A-63E4C6E43850}" dt="2022-12-16T09:23:36.436" v="813" actId="478"/>
+          <ac:cxnSpMkLst>
+            <pc:docMk/>
+            <pc:sldMk cId="1645398464" sldId="263"/>
+            <ac:cxnSpMk id="70" creationId="{3E1FB29B-011A-CDF9-24C1-78BBE621185F}"/>
+          </ac:cxnSpMkLst>
+        </pc:cxnChg>
+        <pc:cxnChg chg="del mod">
+          <ac:chgData name="Sebastian Knopf" userId="aeec904eeb5479b8" providerId="LiveId" clId="{FAE1041C-5D61-4E4B-8D9A-63E4C6E43850}" dt="2022-12-16T09:23:36.436" v="813" actId="478"/>
+          <ac:cxnSpMkLst>
+            <pc:docMk/>
+            <pc:sldMk cId="1645398464" sldId="263"/>
+            <ac:cxnSpMk id="73" creationId="{5CC75851-697E-CFF1-1BB1-3FF899B78ACB}"/>
+          </ac:cxnSpMkLst>
+        </pc:cxnChg>
+        <pc:cxnChg chg="del mod">
+          <ac:chgData name="Sebastian Knopf" userId="aeec904eeb5479b8" providerId="LiveId" clId="{FAE1041C-5D61-4E4B-8D9A-63E4C6E43850}" dt="2022-12-16T09:23:36.436" v="813" actId="478"/>
+          <ac:cxnSpMkLst>
+            <pc:docMk/>
+            <pc:sldMk cId="1645398464" sldId="263"/>
+            <ac:cxnSpMk id="76" creationId="{CB04DF07-67C0-8B96-8565-052BBC408BAE}"/>
+          </ac:cxnSpMkLst>
+        </pc:cxnChg>
+        <pc:cxnChg chg="del mod">
+          <ac:chgData name="Sebastian Knopf" userId="aeec904eeb5479b8" providerId="LiveId" clId="{FAE1041C-5D61-4E4B-8D9A-63E4C6E43850}" dt="2022-12-16T09:23:36.436" v="813" actId="478"/>
+          <ac:cxnSpMkLst>
+            <pc:docMk/>
+            <pc:sldMk cId="1645398464" sldId="263"/>
+            <ac:cxnSpMk id="79" creationId="{16600655-CB0E-47D6-4D35-1970EECDB32A}"/>
+          </ac:cxnSpMkLst>
+        </pc:cxnChg>
+        <pc:cxnChg chg="del mod">
+          <ac:chgData name="Sebastian Knopf" userId="aeec904eeb5479b8" providerId="LiveId" clId="{FAE1041C-5D61-4E4B-8D9A-63E4C6E43850}" dt="2022-12-16T09:23:36.436" v="813" actId="478"/>
+          <ac:cxnSpMkLst>
+            <pc:docMk/>
+            <pc:sldMk cId="1645398464" sldId="263"/>
+            <ac:cxnSpMk id="82" creationId="{AFE97967-6ED6-3515-A314-483D2958CBF1}"/>
+          </ac:cxnSpMkLst>
+        </pc:cxnChg>
+        <pc:cxnChg chg="del mod">
+          <ac:chgData name="Sebastian Knopf" userId="aeec904eeb5479b8" providerId="LiveId" clId="{FAE1041C-5D61-4E4B-8D9A-63E4C6E43850}" dt="2022-12-16T09:23:36.436" v="813" actId="478"/>
+          <ac:cxnSpMkLst>
+            <pc:docMk/>
+            <pc:sldMk cId="1645398464" sldId="263"/>
+            <ac:cxnSpMk id="85" creationId="{9ECC7627-0C0E-E647-5419-066E536AA891}"/>
+          </ac:cxnSpMkLst>
+        </pc:cxnChg>
+        <pc:cxnChg chg="del mod">
+          <ac:chgData name="Sebastian Knopf" userId="aeec904eeb5479b8" providerId="LiveId" clId="{FAE1041C-5D61-4E4B-8D9A-63E4C6E43850}" dt="2022-12-16T09:23:40.463" v="814" actId="478"/>
+          <ac:cxnSpMkLst>
+            <pc:docMk/>
+            <pc:sldMk cId="1645398464" sldId="263"/>
+            <ac:cxnSpMk id="88" creationId="{3365AA09-C881-5503-E296-1DEC2FC22E67}"/>
+          </ac:cxnSpMkLst>
+        </pc:cxnChg>
+        <pc:cxnChg chg="del mod">
+          <ac:chgData name="Sebastian Knopf" userId="aeec904eeb5479b8" providerId="LiveId" clId="{FAE1041C-5D61-4E4B-8D9A-63E4C6E43850}" dt="2022-12-16T09:23:40.463" v="814" actId="478"/>
+          <ac:cxnSpMkLst>
+            <pc:docMk/>
+            <pc:sldMk cId="1645398464" sldId="263"/>
+            <ac:cxnSpMk id="90" creationId="{E3857795-2C95-09B3-DF56-2E598B7E5D06}"/>
+          </ac:cxnSpMkLst>
+        </pc:cxnChg>
+        <pc:cxnChg chg="del mod">
+          <ac:chgData name="Sebastian Knopf" userId="aeec904eeb5479b8" providerId="LiveId" clId="{FAE1041C-5D61-4E4B-8D9A-63E4C6E43850}" dt="2022-12-16T09:23:40.463" v="814" actId="478"/>
+          <ac:cxnSpMkLst>
+            <pc:docMk/>
+            <pc:sldMk cId="1645398464" sldId="263"/>
+            <ac:cxnSpMk id="93" creationId="{B2F1229A-E12D-F62A-10B6-C11B3B6A70CF}"/>
+          </ac:cxnSpMkLst>
+        </pc:cxnChg>
+        <pc:cxnChg chg="del mod">
+          <ac:chgData name="Sebastian Knopf" userId="aeec904eeb5479b8" providerId="LiveId" clId="{FAE1041C-5D61-4E4B-8D9A-63E4C6E43850}" dt="2022-12-16T09:23:40.463" v="814" actId="478"/>
+          <ac:cxnSpMkLst>
+            <pc:docMk/>
+            <pc:sldMk cId="1645398464" sldId="263"/>
+            <ac:cxnSpMk id="96" creationId="{7F9C1F3E-5968-E617-4E3E-B395D23F8BAD}"/>
+          </ac:cxnSpMkLst>
+        </pc:cxnChg>
+        <pc:cxnChg chg="del mod">
+          <ac:chgData name="Sebastian Knopf" userId="aeec904eeb5479b8" providerId="LiveId" clId="{FAE1041C-5D61-4E4B-8D9A-63E4C6E43850}" dt="2022-12-16T09:23:40.463" v="814" actId="478"/>
+          <ac:cxnSpMkLst>
+            <pc:docMk/>
+            <pc:sldMk cId="1645398464" sldId="263"/>
+            <ac:cxnSpMk id="99" creationId="{677E6A2D-2D91-E24A-EDCF-57955744EBF8}"/>
+          </ac:cxnSpMkLst>
+        </pc:cxnChg>
+        <pc:cxnChg chg="del mod">
+          <ac:chgData name="Sebastian Knopf" userId="aeec904eeb5479b8" providerId="LiveId" clId="{FAE1041C-5D61-4E4B-8D9A-63E4C6E43850}" dt="2022-12-16T09:23:40.463" v="814" actId="478"/>
+          <ac:cxnSpMkLst>
+            <pc:docMk/>
+            <pc:sldMk cId="1645398464" sldId="263"/>
+            <ac:cxnSpMk id="102" creationId="{E38625B6-B4C3-7A94-45E0-CEB7B9EBEA7B}"/>
+          </ac:cxnSpMkLst>
+        </pc:cxnChg>
+        <pc:cxnChg chg="del mod">
+          <ac:chgData name="Sebastian Knopf" userId="aeec904eeb5479b8" providerId="LiveId" clId="{FAE1041C-5D61-4E4B-8D9A-63E4C6E43850}" dt="2022-12-16T09:23:40.463" v="814" actId="478"/>
+          <ac:cxnSpMkLst>
+            <pc:docMk/>
+            <pc:sldMk cId="1645398464" sldId="263"/>
+            <ac:cxnSpMk id="105" creationId="{A12B38DE-CCC3-7A22-B75C-2F885DEB461B}"/>
+          </ac:cxnSpMkLst>
+        </pc:cxnChg>
+        <pc:cxnChg chg="del mod">
+          <ac:chgData name="Sebastian Knopf" userId="aeec904eeb5479b8" providerId="LiveId" clId="{FAE1041C-5D61-4E4B-8D9A-63E4C6E43850}" dt="2022-12-16T09:23:40.463" v="814" actId="478"/>
+          <ac:cxnSpMkLst>
+            <pc:docMk/>
+            <pc:sldMk cId="1645398464" sldId="263"/>
+            <ac:cxnSpMk id="108" creationId="{9FAFA2EB-3AAD-5C27-DF4E-AFED3FA54309}"/>
+          </ac:cxnSpMkLst>
+        </pc:cxnChg>
+        <pc:cxnChg chg="del mod">
+          <ac:chgData name="Sebastian Knopf" userId="aeec904eeb5479b8" providerId="LiveId" clId="{FAE1041C-5D61-4E4B-8D9A-63E4C6E43850}" dt="2022-12-16T09:23:40.463" v="814" actId="478"/>
+          <ac:cxnSpMkLst>
+            <pc:docMk/>
+            <pc:sldMk cId="1645398464" sldId="263"/>
+            <ac:cxnSpMk id="111" creationId="{904F4AB9-3A26-F133-C0C8-ED020BE8B991}"/>
+          </ac:cxnSpMkLst>
+        </pc:cxnChg>
+      </pc:sldChg>
+      <pc:sldChg chg="addSp delSp modSp new mod">
+        <pc:chgData name="Sebastian Knopf" userId="aeec904eeb5479b8" providerId="LiveId" clId="{FAE1041C-5D61-4E4B-8D9A-63E4C6E43850}" dt="2022-12-17T13:45:25.809" v="1145" actId="1076"/>
+        <pc:sldMkLst>
+          <pc:docMk/>
+          <pc:sldMk cId="2319675664" sldId="264"/>
+        </pc:sldMkLst>
+        <pc:spChg chg="add mod">
+          <ac:chgData name="Sebastian Knopf" userId="aeec904eeb5479b8" providerId="LiveId" clId="{FAE1041C-5D61-4E4B-8D9A-63E4C6E43850}" dt="2022-12-17T13:43:38.425" v="1102" actId="692"/>
+          <ac:spMkLst>
+            <pc:docMk/>
+            <pc:sldMk cId="2319675664" sldId="264"/>
+            <ac:spMk id="2" creationId="{F623A5FE-6F02-1C3B-8481-9D6D2ED6DDD1}"/>
+          </ac:spMkLst>
+        </pc:spChg>
+        <pc:spChg chg="add mod">
+          <ac:chgData name="Sebastian Knopf" userId="aeec904eeb5479b8" providerId="LiveId" clId="{FAE1041C-5D61-4E4B-8D9A-63E4C6E43850}" dt="2022-12-17T13:44:39.105" v="1120" actId="1076"/>
+          <ac:spMkLst>
+            <pc:docMk/>
+            <pc:sldMk cId="2319675664" sldId="264"/>
+            <ac:spMk id="12" creationId="{27BADA88-819E-2501-BAD9-3E28E09A8296}"/>
+          </ac:spMkLst>
+        </pc:spChg>
+        <pc:spChg chg="add mod">
+          <ac:chgData name="Sebastian Knopf" userId="aeec904eeb5479b8" providerId="LiveId" clId="{FAE1041C-5D61-4E4B-8D9A-63E4C6E43850}" dt="2022-12-17T13:41:35.920" v="1039" actId="20577"/>
+          <ac:spMkLst>
+            <pc:docMk/>
+            <pc:sldMk cId="2319675664" sldId="264"/>
+            <ac:spMk id="14" creationId="{B23DC8A8-836E-2EA0-1842-59138ADF0CCF}"/>
+          </ac:spMkLst>
+        </pc:spChg>
+        <pc:spChg chg="add mod">
+          <ac:chgData name="Sebastian Knopf" userId="aeec904eeb5479b8" providerId="LiveId" clId="{FAE1041C-5D61-4E4B-8D9A-63E4C6E43850}" dt="2022-12-17T13:42:03.994" v="1055" actId="1035"/>
+          <ac:spMkLst>
+            <pc:docMk/>
+            <pc:sldMk cId="2319675664" sldId="264"/>
+            <ac:spMk id="15" creationId="{EE3E0B4B-B83C-9FE5-52ED-689229833C7B}"/>
+          </ac:spMkLst>
+        </pc:spChg>
+        <pc:spChg chg="add del mod">
+          <ac:chgData name="Sebastian Knopf" userId="aeec904eeb5479b8" providerId="LiveId" clId="{FAE1041C-5D61-4E4B-8D9A-63E4C6E43850}" dt="2022-12-17T13:42:38.834" v="1066"/>
+          <ac:spMkLst>
+            <pc:docMk/>
+            <pc:sldMk cId="2319675664" sldId="264"/>
+            <ac:spMk id="19" creationId="{C2795749-49E0-7556-8C15-649D34FA03DF}"/>
+          </ac:spMkLst>
+        </pc:spChg>
+        <pc:spChg chg="add mod">
+          <ac:chgData name="Sebastian Knopf" userId="aeec904eeb5479b8" providerId="LiveId" clId="{FAE1041C-5D61-4E4B-8D9A-63E4C6E43850}" dt="2022-12-17T13:42:55.750" v="1077" actId="1076"/>
+          <ac:spMkLst>
+            <pc:docMk/>
+            <pc:sldMk cId="2319675664" sldId="264"/>
+            <ac:spMk id="21" creationId="{9351B03E-846B-6710-9950-2B4AB96A0209}"/>
+          </ac:spMkLst>
+        </pc:spChg>
+        <pc:spChg chg="add mod">
+          <ac:chgData name="Sebastian Knopf" userId="aeec904eeb5479b8" providerId="LiveId" clId="{FAE1041C-5D61-4E4B-8D9A-63E4C6E43850}" dt="2022-12-17T13:45:19.555" v="1144" actId="1076"/>
+          <ac:spMkLst>
+            <pc:docMk/>
+            <pc:sldMk cId="2319675664" sldId="264"/>
+            <ac:spMk id="24" creationId="{71745DD0-0735-7FA7-C4B3-0991ABFD172D}"/>
+          </ac:spMkLst>
+        </pc:spChg>
+        <pc:spChg chg="add mod">
+          <ac:chgData name="Sebastian Knopf" userId="aeec904eeb5479b8" providerId="LiveId" clId="{FAE1041C-5D61-4E4B-8D9A-63E4C6E43850}" dt="2022-12-17T13:45:08.342" v="1139" actId="1076"/>
+          <ac:spMkLst>
+            <pc:docMk/>
+            <pc:sldMk cId="2319675664" sldId="264"/>
+            <ac:spMk id="25" creationId="{646E1DB3-A4BD-3865-1CCF-E042C6EEBCF4}"/>
+          </ac:spMkLst>
+        </pc:spChg>
+        <pc:spChg chg="add mod">
+          <ac:chgData name="Sebastian Knopf" userId="aeec904eeb5479b8" providerId="LiveId" clId="{FAE1041C-5D61-4E4B-8D9A-63E4C6E43850}" dt="2022-12-17T13:45:25.809" v="1145" actId="1076"/>
+          <ac:spMkLst>
+            <pc:docMk/>
+            <pc:sldMk cId="2319675664" sldId="264"/>
+            <ac:spMk id="26" creationId="{F81F8521-15FB-06BE-762F-6C1FA2045228}"/>
+          </ac:spMkLst>
+        </pc:spChg>
+        <pc:cxnChg chg="add mod">
+          <ac:chgData name="Sebastian Knopf" userId="aeec904eeb5479b8" providerId="LiveId" clId="{FAE1041C-5D61-4E4B-8D9A-63E4C6E43850}" dt="2022-12-17T13:38:54.041" v="1015" actId="14100"/>
+          <ac:cxnSpMkLst>
+            <pc:docMk/>
+            <pc:sldMk cId="2319675664" sldId="264"/>
+            <ac:cxnSpMk id="3" creationId="{4410121C-254F-7BFD-6287-34E34391870C}"/>
+          </ac:cxnSpMkLst>
+        </pc:cxnChg>
+        <pc:cxnChg chg="add mod">
+          <ac:chgData name="Sebastian Knopf" userId="aeec904eeb5479b8" providerId="LiveId" clId="{FAE1041C-5D61-4E4B-8D9A-63E4C6E43850}" dt="2022-12-17T13:43:17.218" v="1078" actId="14100"/>
+          <ac:cxnSpMkLst>
+            <pc:docMk/>
+            <pc:sldMk cId="2319675664" sldId="264"/>
+            <ac:cxnSpMk id="7" creationId="{88882CFB-5267-C923-4D61-F49762296D31}"/>
+          </ac:cxnSpMkLst>
+        </pc:cxnChg>
+        <pc:cxnChg chg="add mod">
+          <ac:chgData name="Sebastian Knopf" userId="aeec904eeb5479b8" providerId="LiveId" clId="{FAE1041C-5D61-4E4B-8D9A-63E4C6E43850}" dt="2022-12-17T13:41:53.453" v="1043" actId="692"/>
+          <ac:cxnSpMkLst>
+            <pc:docMk/>
+            <pc:sldMk cId="2319675664" sldId="264"/>
+            <ac:cxnSpMk id="16" creationId="{D4773815-CC09-43FB-2EAD-0B016A42DC62}"/>
+          </ac:cxnSpMkLst>
+        </pc:cxnChg>
+      </pc:sldChg>
     </pc:docChg>
   </pc:docChgLst>
 </pc:chgInfo>
@@ -1034,7 +2018,7 @@
           <a:p>
             <a:fld id="{3E605DEA-7B47-4424-A9CB-F6801152189C}" type="datetimeFigureOut">
               <a:rPr lang="de-DE" smtClean="0"/>
-              <a:t>14.12.2022</a:t>
+              <a:t>17.12.2022</a:t>
             </a:fld>
             <a:endParaRPr lang="de-DE"/>
           </a:p>
@@ -1514,7 +2498,7 @@
           <a:p>
             <a:fld id="{1E0F7296-85DA-4A1F-8E2F-A141A66F39F7}" type="datetimeFigureOut">
               <a:rPr lang="de-DE" smtClean="0"/>
-              <a:t>14.12.2022</a:t>
+              <a:t>17.12.2022</a:t>
             </a:fld>
             <a:endParaRPr lang="de-DE"/>
           </a:p>
@@ -1682,7 +2666,7 @@
           <a:p>
             <a:fld id="{1E0F7296-85DA-4A1F-8E2F-A141A66F39F7}" type="datetimeFigureOut">
               <a:rPr lang="de-DE" smtClean="0"/>
-              <a:t>14.12.2022</a:t>
+              <a:t>17.12.2022</a:t>
             </a:fld>
             <a:endParaRPr lang="de-DE"/>
           </a:p>
@@ -1860,7 +2844,7 @@
           <a:p>
             <a:fld id="{1E0F7296-85DA-4A1F-8E2F-A141A66F39F7}" type="datetimeFigureOut">
               <a:rPr lang="de-DE" smtClean="0"/>
-              <a:t>14.12.2022</a:t>
+              <a:t>17.12.2022</a:t>
             </a:fld>
             <a:endParaRPr lang="de-DE"/>
           </a:p>
@@ -2028,7 +3012,7 @@
           <a:p>
             <a:fld id="{1E0F7296-85DA-4A1F-8E2F-A141A66F39F7}" type="datetimeFigureOut">
               <a:rPr lang="de-DE" smtClean="0"/>
-              <a:t>14.12.2022</a:t>
+              <a:t>17.12.2022</a:t>
             </a:fld>
             <a:endParaRPr lang="de-DE"/>
           </a:p>
@@ -2273,7 +3257,7 @@
           <a:p>
             <a:fld id="{1E0F7296-85DA-4A1F-8E2F-A141A66F39F7}" type="datetimeFigureOut">
               <a:rPr lang="de-DE" smtClean="0"/>
-              <a:t>14.12.2022</a:t>
+              <a:t>17.12.2022</a:t>
             </a:fld>
             <a:endParaRPr lang="de-DE"/>
           </a:p>
@@ -2502,7 +3486,7 @@
           <a:p>
             <a:fld id="{1E0F7296-85DA-4A1F-8E2F-A141A66F39F7}" type="datetimeFigureOut">
               <a:rPr lang="de-DE" smtClean="0"/>
-              <a:t>14.12.2022</a:t>
+              <a:t>17.12.2022</a:t>
             </a:fld>
             <a:endParaRPr lang="de-DE"/>
           </a:p>
@@ -2866,7 +3850,7 @@
           <a:p>
             <a:fld id="{1E0F7296-85DA-4A1F-8E2F-A141A66F39F7}" type="datetimeFigureOut">
               <a:rPr lang="de-DE" smtClean="0"/>
-              <a:t>14.12.2022</a:t>
+              <a:t>17.12.2022</a:t>
             </a:fld>
             <a:endParaRPr lang="de-DE"/>
           </a:p>
@@ -2983,7 +3967,7 @@
           <a:p>
             <a:fld id="{1E0F7296-85DA-4A1F-8E2F-A141A66F39F7}" type="datetimeFigureOut">
               <a:rPr lang="de-DE" smtClean="0"/>
-              <a:t>14.12.2022</a:t>
+              <a:t>17.12.2022</a:t>
             </a:fld>
             <a:endParaRPr lang="de-DE"/>
           </a:p>
@@ -3078,7 +4062,7 @@
           <a:p>
             <a:fld id="{1E0F7296-85DA-4A1F-8E2F-A141A66F39F7}" type="datetimeFigureOut">
               <a:rPr lang="de-DE" smtClean="0"/>
-              <a:t>14.12.2022</a:t>
+              <a:t>17.12.2022</a:t>
             </a:fld>
             <a:endParaRPr lang="de-DE"/>
           </a:p>
@@ -3353,7 +4337,7 @@
           <a:p>
             <a:fld id="{1E0F7296-85DA-4A1F-8E2F-A141A66F39F7}" type="datetimeFigureOut">
               <a:rPr lang="de-DE" smtClean="0"/>
-              <a:t>14.12.2022</a:t>
+              <a:t>17.12.2022</a:t>
             </a:fld>
             <a:endParaRPr lang="de-DE"/>
           </a:p>
@@ -3605,7 +4589,7 @@
           <a:p>
             <a:fld id="{1E0F7296-85DA-4A1F-8E2F-A141A66F39F7}" type="datetimeFigureOut">
               <a:rPr lang="de-DE" smtClean="0"/>
-              <a:t>14.12.2022</a:t>
+              <a:t>17.12.2022</a:t>
             </a:fld>
             <a:endParaRPr lang="de-DE"/>
           </a:p>
@@ -3816,7 +4800,7 @@
           <a:p>
             <a:fld id="{1E0F7296-85DA-4A1F-8E2F-A141A66F39F7}" type="datetimeFigureOut">
               <a:rPr lang="de-DE" smtClean="0"/>
-              <a:t>14.12.2022</a:t>
+              <a:t>17.12.2022</a:t>
             </a:fld>
             <a:endParaRPr lang="de-DE"/>
           </a:p>
@@ -18277,6 +19261,6053 @@
 </p:sld>
 </file>
 
+<file path=ppt/slides/slide7.xml><?xml version="1.0" encoding="utf-8"?>
+<p:sld xmlns:a="http://schemas.openxmlformats.org/drawingml/2006/main" xmlns:r="http://schemas.openxmlformats.org/officeDocument/2006/relationships" xmlns:p="http://schemas.openxmlformats.org/presentationml/2006/main">
+  <p:cSld>
+    <p:spTree>
+      <p:nvGrpSpPr>
+        <p:cNvPr id="1" name=""/>
+        <p:cNvGrpSpPr/>
+        <p:nvPr/>
+      </p:nvGrpSpPr>
+      <p:grpSpPr>
+        <a:xfrm>
+          <a:off x="0" y="0"/>
+          <a:ext cx="0" cy="0"/>
+          <a:chOff x="0" y="0"/>
+          <a:chExt cx="0" cy="0"/>
+        </a:xfrm>
+      </p:grpSpPr>
+      <p:sp>
+        <p:nvSpPr>
+          <p:cNvPr id="2" name="Ellipse 1">
+            <a:extLst>
+              <a:ext uri="{FF2B5EF4-FFF2-40B4-BE49-F238E27FC236}">
+                <a16:creationId xmlns:a16="http://schemas.microsoft.com/office/drawing/2014/main" id="{43D31EF1-A7A8-CE44-E4D1-98CA124BC92C}"/>
+              </a:ext>
+            </a:extLst>
+          </p:cNvPr>
+          <p:cNvSpPr/>
+          <p:nvPr/>
+        </p:nvSpPr>
+        <p:spPr>
+          <a:xfrm>
+            <a:off x="3782943" y="1465244"/>
+            <a:ext cx="437321" cy="437321"/>
+          </a:xfrm>
+          <a:prstGeom prst="ellipse">
+            <a:avLst/>
+          </a:prstGeom>
+          <a:noFill/>
+          <a:ln w="25400"/>
+        </p:spPr>
+        <p:style>
+          <a:lnRef idx="2">
+            <a:schemeClr val="accent1">
+              <a:shade val="50000"/>
+            </a:schemeClr>
+          </a:lnRef>
+          <a:fillRef idx="1">
+            <a:schemeClr val="accent1"/>
+          </a:fillRef>
+          <a:effectRef idx="0">
+            <a:schemeClr val="accent1"/>
+          </a:effectRef>
+          <a:fontRef idx="minor">
+            <a:schemeClr val="lt1"/>
+          </a:fontRef>
+        </p:style>
+        <p:txBody>
+          <a:bodyPr rtlCol="0" anchor="ctr"/>
+          <a:lstStyle/>
+          <a:p>
+            <a:pPr algn="ctr"/>
+            <a:endParaRPr lang="de-DE"/>
+          </a:p>
+        </p:txBody>
+      </p:sp>
+      <p:sp>
+        <p:nvSpPr>
+          <p:cNvPr id="3" name="Ellipse 2">
+            <a:extLst>
+              <a:ext uri="{FF2B5EF4-FFF2-40B4-BE49-F238E27FC236}">
+                <a16:creationId xmlns:a16="http://schemas.microsoft.com/office/drawing/2014/main" id="{208C9F9F-CFF8-C6E1-9EF5-F02569011761}"/>
+              </a:ext>
+            </a:extLst>
+          </p:cNvPr>
+          <p:cNvSpPr/>
+          <p:nvPr/>
+        </p:nvSpPr>
+        <p:spPr>
+          <a:xfrm>
+            <a:off x="3782942" y="2112320"/>
+            <a:ext cx="437321" cy="437321"/>
+          </a:xfrm>
+          <a:prstGeom prst="ellipse">
+            <a:avLst/>
+          </a:prstGeom>
+          <a:noFill/>
+          <a:ln w="25400"/>
+        </p:spPr>
+        <p:style>
+          <a:lnRef idx="2">
+            <a:schemeClr val="accent1">
+              <a:shade val="50000"/>
+            </a:schemeClr>
+          </a:lnRef>
+          <a:fillRef idx="1">
+            <a:schemeClr val="accent1"/>
+          </a:fillRef>
+          <a:effectRef idx="0">
+            <a:schemeClr val="accent1"/>
+          </a:effectRef>
+          <a:fontRef idx="minor">
+            <a:schemeClr val="lt1"/>
+          </a:fontRef>
+        </p:style>
+        <p:txBody>
+          <a:bodyPr rtlCol="0" anchor="ctr"/>
+          <a:lstStyle/>
+          <a:p>
+            <a:pPr algn="ctr"/>
+            <a:endParaRPr lang="de-DE"/>
+          </a:p>
+        </p:txBody>
+      </p:sp>
+      <p:sp>
+        <p:nvSpPr>
+          <p:cNvPr id="4" name="Ellipse 3">
+            <a:extLst>
+              <a:ext uri="{FF2B5EF4-FFF2-40B4-BE49-F238E27FC236}">
+                <a16:creationId xmlns:a16="http://schemas.microsoft.com/office/drawing/2014/main" id="{07000F83-C671-1A8E-8359-8C7FCBA7988E}"/>
+              </a:ext>
+            </a:extLst>
+          </p:cNvPr>
+          <p:cNvSpPr/>
+          <p:nvPr/>
+        </p:nvSpPr>
+        <p:spPr>
+          <a:xfrm>
+            <a:off x="3782941" y="2759396"/>
+            <a:ext cx="437321" cy="437321"/>
+          </a:xfrm>
+          <a:prstGeom prst="ellipse">
+            <a:avLst/>
+          </a:prstGeom>
+          <a:noFill/>
+          <a:ln w="25400"/>
+        </p:spPr>
+        <p:style>
+          <a:lnRef idx="2">
+            <a:schemeClr val="accent1">
+              <a:shade val="50000"/>
+            </a:schemeClr>
+          </a:lnRef>
+          <a:fillRef idx="1">
+            <a:schemeClr val="accent1"/>
+          </a:fillRef>
+          <a:effectRef idx="0">
+            <a:schemeClr val="accent1"/>
+          </a:effectRef>
+          <a:fontRef idx="minor">
+            <a:schemeClr val="lt1"/>
+          </a:fontRef>
+        </p:style>
+        <p:txBody>
+          <a:bodyPr rtlCol="0" anchor="ctr"/>
+          <a:lstStyle/>
+          <a:p>
+            <a:pPr algn="ctr"/>
+            <a:endParaRPr lang="de-DE"/>
+          </a:p>
+        </p:txBody>
+      </p:sp>
+      <p:sp>
+        <p:nvSpPr>
+          <p:cNvPr id="5" name="Ellipse 4">
+            <a:extLst>
+              <a:ext uri="{FF2B5EF4-FFF2-40B4-BE49-F238E27FC236}">
+                <a16:creationId xmlns:a16="http://schemas.microsoft.com/office/drawing/2014/main" id="{42655230-3AEF-5FAF-2343-87BF3A2F8162}"/>
+              </a:ext>
+            </a:extLst>
+          </p:cNvPr>
+          <p:cNvSpPr/>
+          <p:nvPr/>
+        </p:nvSpPr>
+        <p:spPr>
+          <a:xfrm>
+            <a:off x="3782940" y="3406472"/>
+            <a:ext cx="437321" cy="437321"/>
+          </a:xfrm>
+          <a:prstGeom prst="ellipse">
+            <a:avLst/>
+          </a:prstGeom>
+          <a:noFill/>
+          <a:ln w="25400"/>
+        </p:spPr>
+        <p:style>
+          <a:lnRef idx="2">
+            <a:schemeClr val="accent1">
+              <a:shade val="50000"/>
+            </a:schemeClr>
+          </a:lnRef>
+          <a:fillRef idx="1">
+            <a:schemeClr val="accent1"/>
+          </a:fillRef>
+          <a:effectRef idx="0">
+            <a:schemeClr val="accent1"/>
+          </a:effectRef>
+          <a:fontRef idx="minor">
+            <a:schemeClr val="lt1"/>
+          </a:fontRef>
+        </p:style>
+        <p:txBody>
+          <a:bodyPr rtlCol="0" anchor="ctr"/>
+          <a:lstStyle/>
+          <a:p>
+            <a:pPr algn="ctr"/>
+            <a:endParaRPr lang="de-DE"/>
+          </a:p>
+        </p:txBody>
+      </p:sp>
+      <p:sp>
+        <p:nvSpPr>
+          <p:cNvPr id="6" name="Ellipse 5">
+            <a:extLst>
+              <a:ext uri="{FF2B5EF4-FFF2-40B4-BE49-F238E27FC236}">
+                <a16:creationId xmlns:a16="http://schemas.microsoft.com/office/drawing/2014/main" id="{488FCEC7-F0FC-5363-C19D-89FE6D0B82B3}"/>
+              </a:ext>
+            </a:extLst>
+          </p:cNvPr>
+          <p:cNvSpPr/>
+          <p:nvPr/>
+        </p:nvSpPr>
+        <p:spPr>
+          <a:xfrm>
+            <a:off x="3782939" y="4053548"/>
+            <a:ext cx="437321" cy="437321"/>
+          </a:xfrm>
+          <a:prstGeom prst="ellipse">
+            <a:avLst/>
+          </a:prstGeom>
+          <a:noFill/>
+          <a:ln w="25400"/>
+        </p:spPr>
+        <p:style>
+          <a:lnRef idx="2">
+            <a:schemeClr val="accent1">
+              <a:shade val="50000"/>
+            </a:schemeClr>
+          </a:lnRef>
+          <a:fillRef idx="1">
+            <a:schemeClr val="accent1"/>
+          </a:fillRef>
+          <a:effectRef idx="0">
+            <a:schemeClr val="accent1"/>
+          </a:effectRef>
+          <a:fontRef idx="minor">
+            <a:schemeClr val="lt1"/>
+          </a:fontRef>
+        </p:style>
+        <p:txBody>
+          <a:bodyPr rtlCol="0" anchor="ctr"/>
+          <a:lstStyle/>
+          <a:p>
+            <a:pPr algn="ctr"/>
+            <a:endParaRPr lang="de-DE"/>
+          </a:p>
+        </p:txBody>
+      </p:sp>
+      <p:sp>
+        <p:nvSpPr>
+          <p:cNvPr id="7" name="Ellipse 6">
+            <a:extLst>
+              <a:ext uri="{FF2B5EF4-FFF2-40B4-BE49-F238E27FC236}">
+                <a16:creationId xmlns:a16="http://schemas.microsoft.com/office/drawing/2014/main" id="{9F96E5D1-668D-7112-C9BB-3AE57162FAC1}"/>
+              </a:ext>
+            </a:extLst>
+          </p:cNvPr>
+          <p:cNvSpPr/>
+          <p:nvPr/>
+        </p:nvSpPr>
+        <p:spPr>
+          <a:xfrm>
+            <a:off x="3782938" y="4700624"/>
+            <a:ext cx="437321" cy="437321"/>
+          </a:xfrm>
+          <a:prstGeom prst="ellipse">
+            <a:avLst/>
+          </a:prstGeom>
+          <a:noFill/>
+          <a:ln w="25400"/>
+        </p:spPr>
+        <p:style>
+          <a:lnRef idx="2">
+            <a:schemeClr val="accent1">
+              <a:shade val="50000"/>
+            </a:schemeClr>
+          </a:lnRef>
+          <a:fillRef idx="1">
+            <a:schemeClr val="accent1"/>
+          </a:fillRef>
+          <a:effectRef idx="0">
+            <a:schemeClr val="accent1"/>
+          </a:effectRef>
+          <a:fontRef idx="minor">
+            <a:schemeClr val="lt1"/>
+          </a:fontRef>
+        </p:style>
+        <p:txBody>
+          <a:bodyPr rtlCol="0" anchor="ctr"/>
+          <a:lstStyle/>
+          <a:p>
+            <a:pPr algn="ctr"/>
+            <a:endParaRPr lang="de-DE"/>
+          </a:p>
+        </p:txBody>
+      </p:sp>
+      <p:cxnSp>
+        <p:nvCxnSpPr>
+          <p:cNvPr id="10" name="Gerader Verbinder 9">
+            <a:extLst>
+              <a:ext uri="{FF2B5EF4-FFF2-40B4-BE49-F238E27FC236}">
+                <a16:creationId xmlns:a16="http://schemas.microsoft.com/office/drawing/2014/main" id="{E52DDA27-E856-A5CC-A116-6196CA1D592A}"/>
+              </a:ext>
+            </a:extLst>
+          </p:cNvPr>
+          <p:cNvCxnSpPr/>
+          <p:nvPr/>
+        </p:nvCxnSpPr>
+        <p:spPr>
+          <a:xfrm>
+            <a:off x="5041900" y="1003300"/>
+            <a:ext cx="0" cy="4635500"/>
+          </a:xfrm>
+          <a:prstGeom prst="line">
+            <a:avLst/>
+          </a:prstGeom>
+          <a:ln w="25400">
+            <a:solidFill>
+              <a:schemeClr val="bg1">
+                <a:lumMod val="50000"/>
+              </a:schemeClr>
+            </a:solidFill>
+          </a:ln>
+        </p:spPr>
+        <p:style>
+          <a:lnRef idx="1">
+            <a:schemeClr val="accent1"/>
+          </a:lnRef>
+          <a:fillRef idx="0">
+            <a:schemeClr val="accent1"/>
+          </a:fillRef>
+          <a:effectRef idx="0">
+            <a:schemeClr val="accent1"/>
+          </a:effectRef>
+          <a:fontRef idx="minor">
+            <a:schemeClr val="tx1"/>
+          </a:fontRef>
+        </p:style>
+      </p:cxnSp>
+      <p:cxnSp>
+        <p:nvCxnSpPr>
+          <p:cNvPr id="11" name="Gerader Verbinder 10">
+            <a:extLst>
+              <a:ext uri="{FF2B5EF4-FFF2-40B4-BE49-F238E27FC236}">
+                <a16:creationId xmlns:a16="http://schemas.microsoft.com/office/drawing/2014/main" id="{1FCC6602-5810-FF32-BEFC-1B52A2B2900E}"/>
+              </a:ext>
+            </a:extLst>
+          </p:cNvPr>
+          <p:cNvCxnSpPr/>
+          <p:nvPr/>
+        </p:nvCxnSpPr>
+        <p:spPr>
+          <a:xfrm>
+            <a:off x="7543800" y="1003300"/>
+            <a:ext cx="0" cy="4635500"/>
+          </a:xfrm>
+          <a:prstGeom prst="line">
+            <a:avLst/>
+          </a:prstGeom>
+          <a:ln w="25400">
+            <a:solidFill>
+              <a:schemeClr val="bg1">
+                <a:lumMod val="50000"/>
+              </a:schemeClr>
+            </a:solidFill>
+          </a:ln>
+        </p:spPr>
+        <p:style>
+          <a:lnRef idx="1">
+            <a:schemeClr val="accent1"/>
+          </a:lnRef>
+          <a:fillRef idx="0">
+            <a:schemeClr val="accent1"/>
+          </a:fillRef>
+          <a:effectRef idx="0">
+            <a:schemeClr val="accent1"/>
+          </a:effectRef>
+          <a:fontRef idx="minor">
+            <a:schemeClr val="tx1"/>
+          </a:fontRef>
+        </p:style>
+      </p:cxnSp>
+      <p:sp>
+        <p:nvSpPr>
+          <p:cNvPr id="12" name="Ellipse 11">
+            <a:extLst>
+              <a:ext uri="{FF2B5EF4-FFF2-40B4-BE49-F238E27FC236}">
+                <a16:creationId xmlns:a16="http://schemas.microsoft.com/office/drawing/2014/main" id="{4DDE86C8-BFAE-1C63-5F54-A6126764ECF3}"/>
+              </a:ext>
+            </a:extLst>
+          </p:cNvPr>
+          <p:cNvSpPr/>
+          <p:nvPr/>
+        </p:nvSpPr>
+        <p:spPr>
+          <a:xfrm>
+            <a:off x="8325680" y="2430444"/>
+            <a:ext cx="437321" cy="437321"/>
+          </a:xfrm>
+          <a:prstGeom prst="ellipse">
+            <a:avLst/>
+          </a:prstGeom>
+          <a:noFill/>
+          <a:ln w="25400">
+            <a:solidFill>
+              <a:srgbClr val="FF0000"/>
+            </a:solidFill>
+          </a:ln>
+        </p:spPr>
+        <p:style>
+          <a:lnRef idx="2">
+            <a:schemeClr val="accent1">
+              <a:shade val="50000"/>
+            </a:schemeClr>
+          </a:lnRef>
+          <a:fillRef idx="1">
+            <a:schemeClr val="accent1"/>
+          </a:fillRef>
+          <a:effectRef idx="0">
+            <a:schemeClr val="accent1"/>
+          </a:effectRef>
+          <a:fontRef idx="minor">
+            <a:schemeClr val="lt1"/>
+          </a:fontRef>
+        </p:style>
+        <p:txBody>
+          <a:bodyPr rtlCol="0" anchor="ctr"/>
+          <a:lstStyle/>
+          <a:p>
+            <a:pPr algn="ctr"/>
+            <a:endParaRPr lang="de-DE"/>
+          </a:p>
+        </p:txBody>
+      </p:sp>
+      <p:sp>
+        <p:nvSpPr>
+          <p:cNvPr id="13" name="Ellipse 12">
+            <a:extLst>
+              <a:ext uri="{FF2B5EF4-FFF2-40B4-BE49-F238E27FC236}">
+                <a16:creationId xmlns:a16="http://schemas.microsoft.com/office/drawing/2014/main" id="{9B6813BF-27A0-6157-7604-BAF948DE8C61}"/>
+              </a:ext>
+            </a:extLst>
+          </p:cNvPr>
+          <p:cNvSpPr/>
+          <p:nvPr/>
+        </p:nvSpPr>
+        <p:spPr>
+          <a:xfrm>
+            <a:off x="8325679" y="3077520"/>
+            <a:ext cx="437321" cy="437321"/>
+          </a:xfrm>
+          <a:prstGeom prst="ellipse">
+            <a:avLst/>
+          </a:prstGeom>
+          <a:noFill/>
+          <a:ln w="25400">
+            <a:solidFill>
+              <a:srgbClr val="FF0000"/>
+            </a:solidFill>
+          </a:ln>
+        </p:spPr>
+        <p:style>
+          <a:lnRef idx="2">
+            <a:schemeClr val="accent1">
+              <a:shade val="50000"/>
+            </a:schemeClr>
+          </a:lnRef>
+          <a:fillRef idx="1">
+            <a:schemeClr val="accent1"/>
+          </a:fillRef>
+          <a:effectRef idx="0">
+            <a:schemeClr val="accent1"/>
+          </a:effectRef>
+          <a:fontRef idx="minor">
+            <a:schemeClr val="lt1"/>
+          </a:fontRef>
+        </p:style>
+        <p:txBody>
+          <a:bodyPr rtlCol="0" anchor="ctr"/>
+          <a:lstStyle/>
+          <a:p>
+            <a:pPr algn="ctr"/>
+            <a:endParaRPr lang="de-DE"/>
+          </a:p>
+        </p:txBody>
+      </p:sp>
+      <p:sp>
+        <p:nvSpPr>
+          <p:cNvPr id="14" name="Ellipse 13">
+            <a:extLst>
+              <a:ext uri="{FF2B5EF4-FFF2-40B4-BE49-F238E27FC236}">
+                <a16:creationId xmlns:a16="http://schemas.microsoft.com/office/drawing/2014/main" id="{21E5FCB5-FDC8-C859-8B14-7BEFB716FD68}"/>
+              </a:ext>
+            </a:extLst>
+          </p:cNvPr>
+          <p:cNvSpPr/>
+          <p:nvPr/>
+        </p:nvSpPr>
+        <p:spPr>
+          <a:xfrm>
+            <a:off x="8325678" y="3724596"/>
+            <a:ext cx="437321" cy="437321"/>
+          </a:xfrm>
+          <a:prstGeom prst="ellipse">
+            <a:avLst/>
+          </a:prstGeom>
+          <a:noFill/>
+          <a:ln w="25400">
+            <a:solidFill>
+              <a:srgbClr val="FF0000"/>
+            </a:solidFill>
+          </a:ln>
+        </p:spPr>
+        <p:style>
+          <a:lnRef idx="2">
+            <a:schemeClr val="accent1">
+              <a:shade val="50000"/>
+            </a:schemeClr>
+          </a:lnRef>
+          <a:fillRef idx="1">
+            <a:schemeClr val="accent1"/>
+          </a:fillRef>
+          <a:effectRef idx="0">
+            <a:schemeClr val="accent1"/>
+          </a:effectRef>
+          <a:fontRef idx="minor">
+            <a:schemeClr val="lt1"/>
+          </a:fontRef>
+        </p:style>
+        <p:txBody>
+          <a:bodyPr rtlCol="0" anchor="ctr"/>
+          <a:lstStyle/>
+          <a:p>
+            <a:pPr algn="ctr"/>
+            <a:endParaRPr lang="de-DE"/>
+          </a:p>
+        </p:txBody>
+      </p:sp>
+      <p:sp>
+        <p:nvSpPr>
+          <p:cNvPr id="18" name="Textfeld 17">
+            <a:extLst>
+              <a:ext uri="{FF2B5EF4-FFF2-40B4-BE49-F238E27FC236}">
+                <a16:creationId xmlns:a16="http://schemas.microsoft.com/office/drawing/2014/main" id="{F78E796E-51EC-89E0-63E2-29C526F5C5E2}"/>
+              </a:ext>
+            </a:extLst>
+          </p:cNvPr>
+          <p:cNvSpPr txBox="1"/>
+          <p:nvPr/>
+        </p:nvSpPr>
+        <p:spPr>
+          <a:xfrm>
+            <a:off x="3169479" y="423747"/>
+            <a:ext cx="1664238" cy="369332"/>
+          </a:xfrm>
+          <a:prstGeom prst="rect">
+            <a:avLst/>
+          </a:prstGeom>
+          <a:noFill/>
+        </p:spPr>
+        <p:txBody>
+          <a:bodyPr wrap="none" rtlCol="0">
+            <a:spAutoFit/>
+          </a:bodyPr>
+          <a:lstStyle/>
+          <a:p>
+            <a:r>
+              <a:rPr lang="de-DE" dirty="0"/>
+              <a:t>Eingangsschicht</a:t>
+            </a:r>
+          </a:p>
+        </p:txBody>
+      </p:sp>
+      <p:sp>
+        <p:nvSpPr>
+          <p:cNvPr id="19" name="Textfeld 18">
+            <a:extLst>
+              <a:ext uri="{FF2B5EF4-FFF2-40B4-BE49-F238E27FC236}">
+                <a16:creationId xmlns:a16="http://schemas.microsoft.com/office/drawing/2014/main" id="{9B5428E4-F767-E5BE-AECA-5C3974203DAE}"/>
+              </a:ext>
+            </a:extLst>
+          </p:cNvPr>
+          <p:cNvSpPr txBox="1"/>
+          <p:nvPr/>
+        </p:nvSpPr>
+        <p:spPr>
+          <a:xfrm>
+            <a:off x="5272906" y="423747"/>
+            <a:ext cx="2085379" cy="369332"/>
+          </a:xfrm>
+          <a:prstGeom prst="rect">
+            <a:avLst/>
+          </a:prstGeom>
+          <a:noFill/>
+        </p:spPr>
+        <p:txBody>
+          <a:bodyPr wrap="none" rtlCol="0">
+            <a:spAutoFit/>
+          </a:bodyPr>
+          <a:lstStyle/>
+          <a:p>
+            <a:r>
+              <a:rPr lang="de-DE" dirty="0"/>
+              <a:t>Verdeckte Schichten</a:t>
+            </a:r>
+          </a:p>
+        </p:txBody>
+      </p:sp>
+      <p:sp>
+        <p:nvSpPr>
+          <p:cNvPr id="20" name="Textfeld 19">
+            <a:extLst>
+              <a:ext uri="{FF2B5EF4-FFF2-40B4-BE49-F238E27FC236}">
+                <a16:creationId xmlns:a16="http://schemas.microsoft.com/office/drawing/2014/main" id="{06CF10B8-8422-45FE-4061-6B40FB66558F}"/>
+              </a:ext>
+            </a:extLst>
+          </p:cNvPr>
+          <p:cNvSpPr txBox="1"/>
+          <p:nvPr/>
+        </p:nvSpPr>
+        <p:spPr>
+          <a:xfrm>
+            <a:off x="7683365" y="423747"/>
+            <a:ext cx="1721946" cy="369332"/>
+          </a:xfrm>
+          <a:prstGeom prst="rect">
+            <a:avLst/>
+          </a:prstGeom>
+          <a:noFill/>
+        </p:spPr>
+        <p:txBody>
+          <a:bodyPr wrap="none" rtlCol="0">
+            <a:spAutoFit/>
+          </a:bodyPr>
+          <a:lstStyle/>
+          <a:p>
+            <a:r>
+              <a:rPr lang="de-DE" dirty="0"/>
+              <a:t>Ausgangsschicht</a:t>
+            </a:r>
+          </a:p>
+        </p:txBody>
+      </p:sp>
+      <p:sp>
+        <p:nvSpPr>
+          <p:cNvPr id="21" name="Textfeld 20">
+            <a:extLst>
+              <a:ext uri="{FF2B5EF4-FFF2-40B4-BE49-F238E27FC236}">
+                <a16:creationId xmlns:a16="http://schemas.microsoft.com/office/drawing/2014/main" id="{8CE8CE38-3737-06A9-DA4E-A11E31274F7C}"/>
+              </a:ext>
+            </a:extLst>
+          </p:cNvPr>
+          <p:cNvSpPr txBox="1"/>
+          <p:nvPr/>
+        </p:nvSpPr>
+        <p:spPr>
+          <a:xfrm>
+            <a:off x="2743958" y="3085068"/>
+            <a:ext cx="452368" cy="369332"/>
+          </a:xfrm>
+          <a:prstGeom prst="rect">
+            <a:avLst/>
+          </a:prstGeom>
+          <a:noFill/>
+        </p:spPr>
+        <p:txBody>
+          <a:bodyPr wrap="none" rtlCol="0">
+            <a:spAutoFit/>
+          </a:bodyPr>
+          <a:lstStyle/>
+          <a:p>
+            <a:r>
+              <a:rPr lang="de-DE" dirty="0"/>
+              <a:t>x =</a:t>
+            </a:r>
+          </a:p>
+        </p:txBody>
+      </p:sp>
+      <p:sp>
+        <p:nvSpPr>
+          <p:cNvPr id="23" name="Textfeld 22">
+            <a:extLst>
+              <a:ext uri="{FF2B5EF4-FFF2-40B4-BE49-F238E27FC236}">
+                <a16:creationId xmlns:a16="http://schemas.microsoft.com/office/drawing/2014/main" id="{5CD6533E-8FC4-7293-B8E4-735C325EF117}"/>
+              </a:ext>
+            </a:extLst>
+          </p:cNvPr>
+          <p:cNvSpPr txBox="1"/>
+          <p:nvPr/>
+        </p:nvSpPr>
+        <p:spPr>
+          <a:xfrm>
+            <a:off x="3850755" y="1499239"/>
+            <a:ext cx="301686" cy="369332"/>
+          </a:xfrm>
+          <a:prstGeom prst="rect">
+            <a:avLst/>
+          </a:prstGeom>
+          <a:noFill/>
+        </p:spPr>
+        <p:txBody>
+          <a:bodyPr wrap="none" rtlCol="0">
+            <a:spAutoFit/>
+          </a:bodyPr>
+          <a:lstStyle/>
+          <a:p>
+            <a:r>
+              <a:rPr lang="de-DE" dirty="0"/>
+              <a:t>0</a:t>
+            </a:r>
+          </a:p>
+        </p:txBody>
+      </p:sp>
+      <p:sp>
+        <p:nvSpPr>
+          <p:cNvPr id="24" name="Textfeld 23">
+            <a:extLst>
+              <a:ext uri="{FF2B5EF4-FFF2-40B4-BE49-F238E27FC236}">
+                <a16:creationId xmlns:a16="http://schemas.microsoft.com/office/drawing/2014/main" id="{73BEC2FD-6BBF-8DE9-E731-852A3EC82F3D}"/>
+              </a:ext>
+            </a:extLst>
+          </p:cNvPr>
+          <p:cNvSpPr txBox="1"/>
+          <p:nvPr/>
+        </p:nvSpPr>
+        <p:spPr>
+          <a:xfrm>
+            <a:off x="3850755" y="2138562"/>
+            <a:ext cx="301686" cy="369332"/>
+          </a:xfrm>
+          <a:prstGeom prst="rect">
+            <a:avLst/>
+          </a:prstGeom>
+          <a:noFill/>
+        </p:spPr>
+        <p:txBody>
+          <a:bodyPr wrap="none" rtlCol="0">
+            <a:spAutoFit/>
+          </a:bodyPr>
+          <a:lstStyle/>
+          <a:p>
+            <a:r>
+              <a:rPr lang="de-DE" dirty="0"/>
+              <a:t>1</a:t>
+            </a:r>
+          </a:p>
+        </p:txBody>
+      </p:sp>
+      <p:sp>
+        <p:nvSpPr>
+          <p:cNvPr id="25" name="Textfeld 24">
+            <a:extLst>
+              <a:ext uri="{FF2B5EF4-FFF2-40B4-BE49-F238E27FC236}">
+                <a16:creationId xmlns:a16="http://schemas.microsoft.com/office/drawing/2014/main" id="{52C80B45-2C8D-982B-1933-20702D093052}"/>
+              </a:ext>
+            </a:extLst>
+          </p:cNvPr>
+          <p:cNvSpPr txBox="1"/>
+          <p:nvPr/>
+        </p:nvSpPr>
+        <p:spPr>
+          <a:xfrm>
+            <a:off x="3850755" y="2779600"/>
+            <a:ext cx="301686" cy="369332"/>
+          </a:xfrm>
+          <a:prstGeom prst="rect">
+            <a:avLst/>
+          </a:prstGeom>
+          <a:noFill/>
+        </p:spPr>
+        <p:txBody>
+          <a:bodyPr wrap="none" rtlCol="0">
+            <a:spAutoFit/>
+          </a:bodyPr>
+          <a:lstStyle/>
+          <a:p>
+            <a:r>
+              <a:rPr lang="de-DE" dirty="0"/>
+              <a:t>0</a:t>
+            </a:r>
+          </a:p>
+        </p:txBody>
+      </p:sp>
+      <p:sp>
+        <p:nvSpPr>
+          <p:cNvPr id="26" name="Textfeld 25">
+            <a:extLst>
+              <a:ext uri="{FF2B5EF4-FFF2-40B4-BE49-F238E27FC236}">
+                <a16:creationId xmlns:a16="http://schemas.microsoft.com/office/drawing/2014/main" id="{A87EE64F-71AB-DC28-95C9-41879D7110DC}"/>
+              </a:ext>
+            </a:extLst>
+          </p:cNvPr>
+          <p:cNvSpPr txBox="1"/>
+          <p:nvPr/>
+        </p:nvSpPr>
+        <p:spPr>
+          <a:xfrm>
+            <a:off x="3850296" y="3429000"/>
+            <a:ext cx="301686" cy="369332"/>
+          </a:xfrm>
+          <a:prstGeom prst="rect">
+            <a:avLst/>
+          </a:prstGeom>
+          <a:noFill/>
+        </p:spPr>
+        <p:txBody>
+          <a:bodyPr wrap="none" rtlCol="0">
+            <a:spAutoFit/>
+          </a:bodyPr>
+          <a:lstStyle/>
+          <a:p>
+            <a:r>
+              <a:rPr lang="de-DE" dirty="0"/>
+              <a:t>1</a:t>
+            </a:r>
+          </a:p>
+        </p:txBody>
+      </p:sp>
+      <p:sp>
+        <p:nvSpPr>
+          <p:cNvPr id="27" name="Textfeld 26">
+            <a:extLst>
+              <a:ext uri="{FF2B5EF4-FFF2-40B4-BE49-F238E27FC236}">
+                <a16:creationId xmlns:a16="http://schemas.microsoft.com/office/drawing/2014/main" id="{B6930F49-543E-AC63-750F-2C60E9BA59F1}"/>
+              </a:ext>
+            </a:extLst>
+          </p:cNvPr>
+          <p:cNvSpPr txBox="1"/>
+          <p:nvPr/>
+        </p:nvSpPr>
+        <p:spPr>
+          <a:xfrm>
+            <a:off x="3850296" y="4073035"/>
+            <a:ext cx="301686" cy="369332"/>
+          </a:xfrm>
+          <a:prstGeom prst="rect">
+            <a:avLst/>
+          </a:prstGeom>
+          <a:noFill/>
+        </p:spPr>
+        <p:txBody>
+          <a:bodyPr wrap="none" rtlCol="0">
+            <a:spAutoFit/>
+          </a:bodyPr>
+          <a:lstStyle/>
+          <a:p>
+            <a:r>
+              <a:rPr lang="de-DE" dirty="0"/>
+              <a:t>1</a:t>
+            </a:r>
+          </a:p>
+        </p:txBody>
+      </p:sp>
+      <p:sp>
+        <p:nvSpPr>
+          <p:cNvPr id="28" name="Textfeld 27">
+            <a:extLst>
+              <a:ext uri="{FF2B5EF4-FFF2-40B4-BE49-F238E27FC236}">
+                <a16:creationId xmlns:a16="http://schemas.microsoft.com/office/drawing/2014/main" id="{3801CAF7-8EB7-B288-8888-FA2463B926E5}"/>
+              </a:ext>
+            </a:extLst>
+          </p:cNvPr>
+          <p:cNvSpPr txBox="1"/>
+          <p:nvPr/>
+        </p:nvSpPr>
+        <p:spPr>
+          <a:xfrm>
+            <a:off x="3850296" y="4734618"/>
+            <a:ext cx="301686" cy="369332"/>
+          </a:xfrm>
+          <a:prstGeom prst="rect">
+            <a:avLst/>
+          </a:prstGeom>
+          <a:noFill/>
+        </p:spPr>
+        <p:txBody>
+          <a:bodyPr wrap="none" rtlCol="0">
+            <a:spAutoFit/>
+          </a:bodyPr>
+          <a:lstStyle/>
+          <a:p>
+            <a:r>
+              <a:rPr lang="de-DE" dirty="0"/>
+              <a:t>1</a:t>
+            </a:r>
+          </a:p>
+        </p:txBody>
+      </p:sp>
+      <p:cxnSp>
+        <p:nvCxnSpPr>
+          <p:cNvPr id="30" name="Gerader Verbinder 29">
+            <a:extLst>
+              <a:ext uri="{FF2B5EF4-FFF2-40B4-BE49-F238E27FC236}">
+                <a16:creationId xmlns:a16="http://schemas.microsoft.com/office/drawing/2014/main" id="{2AE8578B-528F-2D4E-53CC-4AF031F4C5CE}"/>
+              </a:ext>
+            </a:extLst>
+          </p:cNvPr>
+          <p:cNvCxnSpPr>
+            <a:cxnSpLocks/>
+          </p:cNvCxnSpPr>
+          <p:nvPr/>
+        </p:nvCxnSpPr>
+        <p:spPr>
+          <a:xfrm>
+            <a:off x="3276600" y="3295134"/>
+            <a:ext cx="1765300" cy="0"/>
+          </a:xfrm>
+          <a:prstGeom prst="line">
+            <a:avLst/>
+          </a:prstGeom>
+          <a:ln w="25400">
+            <a:solidFill>
+              <a:schemeClr val="bg1">
+                <a:lumMod val="50000"/>
+              </a:schemeClr>
+            </a:solidFill>
+          </a:ln>
+        </p:spPr>
+        <p:style>
+          <a:lnRef idx="1">
+            <a:schemeClr val="accent1"/>
+          </a:lnRef>
+          <a:fillRef idx="0">
+            <a:schemeClr val="accent1"/>
+          </a:fillRef>
+          <a:effectRef idx="0">
+            <a:schemeClr val="accent1"/>
+          </a:effectRef>
+          <a:fontRef idx="minor">
+            <a:schemeClr val="tx1"/>
+          </a:fontRef>
+        </p:style>
+      </p:cxnSp>
+      <p:cxnSp>
+        <p:nvCxnSpPr>
+          <p:cNvPr id="34" name="Gerade Verbindung mit Pfeil 33">
+            <a:extLst>
+              <a:ext uri="{FF2B5EF4-FFF2-40B4-BE49-F238E27FC236}">
+                <a16:creationId xmlns:a16="http://schemas.microsoft.com/office/drawing/2014/main" id="{6A3420EB-58DE-23AF-66F6-96A7E6A91AE3}"/>
+              </a:ext>
+            </a:extLst>
+          </p:cNvPr>
+          <p:cNvCxnSpPr>
+            <a:stCxn id="2" idx="6"/>
+          </p:cNvCxnSpPr>
+          <p:nvPr/>
+        </p:nvCxnSpPr>
+        <p:spPr>
+          <a:xfrm flipV="1">
+            <a:off x="4220264" y="1683904"/>
+            <a:ext cx="1668948" cy="1"/>
+          </a:xfrm>
+          <a:prstGeom prst="straightConnector1">
+            <a:avLst/>
+          </a:prstGeom>
+          <a:ln w="19050">
+            <a:tailEnd type="triangle"/>
+          </a:ln>
+        </p:spPr>
+        <p:style>
+          <a:lnRef idx="1">
+            <a:schemeClr val="accent1"/>
+          </a:lnRef>
+          <a:fillRef idx="0">
+            <a:schemeClr val="accent1"/>
+          </a:fillRef>
+          <a:effectRef idx="0">
+            <a:schemeClr val="accent1"/>
+          </a:effectRef>
+          <a:fontRef idx="minor">
+            <a:schemeClr val="tx1"/>
+          </a:fontRef>
+        </p:style>
+      </p:cxnSp>
+      <p:cxnSp>
+        <p:nvCxnSpPr>
+          <p:cNvPr id="35" name="Gerade Verbindung mit Pfeil 34">
+            <a:extLst>
+              <a:ext uri="{FF2B5EF4-FFF2-40B4-BE49-F238E27FC236}">
+                <a16:creationId xmlns:a16="http://schemas.microsoft.com/office/drawing/2014/main" id="{62C7CD1D-39EC-82D4-C108-44152F42BB84}"/>
+              </a:ext>
+            </a:extLst>
+          </p:cNvPr>
+          <p:cNvCxnSpPr>
+            <a:cxnSpLocks/>
+            <a:stCxn id="2" idx="6"/>
+          </p:cNvCxnSpPr>
+          <p:nvPr/>
+        </p:nvCxnSpPr>
+        <p:spPr>
+          <a:xfrm>
+            <a:off x="4220264" y="1683905"/>
+            <a:ext cx="1641888" cy="680206"/>
+          </a:xfrm>
+          <a:prstGeom prst="straightConnector1">
+            <a:avLst/>
+          </a:prstGeom>
+          <a:ln w="19050">
+            <a:tailEnd type="triangle"/>
+          </a:ln>
+        </p:spPr>
+        <p:style>
+          <a:lnRef idx="1">
+            <a:schemeClr val="accent1"/>
+          </a:lnRef>
+          <a:fillRef idx="0">
+            <a:schemeClr val="accent1"/>
+          </a:fillRef>
+          <a:effectRef idx="0">
+            <a:schemeClr val="accent1"/>
+          </a:effectRef>
+          <a:fontRef idx="minor">
+            <a:schemeClr val="tx1"/>
+          </a:fontRef>
+        </p:style>
+      </p:cxnSp>
+      <p:cxnSp>
+        <p:nvCxnSpPr>
+          <p:cNvPr id="38" name="Gerade Verbindung mit Pfeil 37">
+            <a:extLst>
+              <a:ext uri="{FF2B5EF4-FFF2-40B4-BE49-F238E27FC236}">
+                <a16:creationId xmlns:a16="http://schemas.microsoft.com/office/drawing/2014/main" id="{2A6DCED4-D081-BE81-E5B7-A6A6E65728B7}"/>
+              </a:ext>
+            </a:extLst>
+          </p:cNvPr>
+          <p:cNvCxnSpPr>
+            <a:cxnSpLocks/>
+            <a:stCxn id="2" idx="6"/>
+          </p:cNvCxnSpPr>
+          <p:nvPr/>
+        </p:nvCxnSpPr>
+        <p:spPr>
+          <a:xfrm>
+            <a:off x="4220264" y="1683905"/>
+            <a:ext cx="1592748" cy="1280361"/>
+          </a:xfrm>
+          <a:prstGeom prst="straightConnector1">
+            <a:avLst/>
+          </a:prstGeom>
+          <a:ln w="19050">
+            <a:tailEnd type="triangle"/>
+          </a:ln>
+        </p:spPr>
+        <p:style>
+          <a:lnRef idx="1">
+            <a:schemeClr val="accent1"/>
+          </a:lnRef>
+          <a:fillRef idx="0">
+            <a:schemeClr val="accent1"/>
+          </a:fillRef>
+          <a:effectRef idx="0">
+            <a:schemeClr val="accent1"/>
+          </a:effectRef>
+          <a:fontRef idx="minor">
+            <a:schemeClr val="tx1"/>
+          </a:fontRef>
+        </p:style>
+      </p:cxnSp>
+      <p:cxnSp>
+        <p:nvCxnSpPr>
+          <p:cNvPr id="41" name="Gerade Verbindung mit Pfeil 40">
+            <a:extLst>
+              <a:ext uri="{FF2B5EF4-FFF2-40B4-BE49-F238E27FC236}">
+                <a16:creationId xmlns:a16="http://schemas.microsoft.com/office/drawing/2014/main" id="{F98E1A5E-B231-ADBF-705D-BD4EB4C2E1F0}"/>
+              </a:ext>
+            </a:extLst>
+          </p:cNvPr>
+          <p:cNvCxnSpPr>
+            <a:cxnSpLocks/>
+            <a:stCxn id="2" idx="6"/>
+          </p:cNvCxnSpPr>
+          <p:nvPr/>
+        </p:nvCxnSpPr>
+        <p:spPr>
+          <a:xfrm>
+            <a:off x="4220264" y="1683905"/>
+            <a:ext cx="1641886" cy="1941227"/>
+          </a:xfrm>
+          <a:prstGeom prst="straightConnector1">
+            <a:avLst/>
+          </a:prstGeom>
+          <a:ln w="19050">
+            <a:tailEnd type="triangle"/>
+          </a:ln>
+        </p:spPr>
+        <p:style>
+          <a:lnRef idx="1">
+            <a:schemeClr val="accent1"/>
+          </a:lnRef>
+          <a:fillRef idx="0">
+            <a:schemeClr val="accent1"/>
+          </a:fillRef>
+          <a:effectRef idx="0">
+            <a:schemeClr val="accent1"/>
+          </a:effectRef>
+          <a:fontRef idx="minor">
+            <a:schemeClr val="tx1"/>
+          </a:fontRef>
+        </p:style>
+      </p:cxnSp>
+      <p:cxnSp>
+        <p:nvCxnSpPr>
+          <p:cNvPr id="44" name="Gerade Verbindung mit Pfeil 43">
+            <a:extLst>
+              <a:ext uri="{FF2B5EF4-FFF2-40B4-BE49-F238E27FC236}">
+                <a16:creationId xmlns:a16="http://schemas.microsoft.com/office/drawing/2014/main" id="{2D248564-16DC-0A02-F6EA-6FF77B47B8A3}"/>
+              </a:ext>
+            </a:extLst>
+          </p:cNvPr>
+          <p:cNvCxnSpPr>
+            <a:cxnSpLocks/>
+            <a:stCxn id="2" idx="6"/>
+          </p:cNvCxnSpPr>
+          <p:nvPr/>
+        </p:nvCxnSpPr>
+        <p:spPr>
+          <a:xfrm>
+            <a:off x="4220264" y="1683905"/>
+            <a:ext cx="1588789" cy="3335201"/>
+          </a:xfrm>
+          <a:prstGeom prst="straightConnector1">
+            <a:avLst/>
+          </a:prstGeom>
+          <a:ln w="19050">
+            <a:tailEnd type="triangle"/>
+          </a:ln>
+        </p:spPr>
+        <p:style>
+          <a:lnRef idx="1">
+            <a:schemeClr val="accent1"/>
+          </a:lnRef>
+          <a:fillRef idx="0">
+            <a:schemeClr val="accent1"/>
+          </a:fillRef>
+          <a:effectRef idx="0">
+            <a:schemeClr val="accent1"/>
+          </a:effectRef>
+          <a:fontRef idx="minor">
+            <a:schemeClr val="tx1"/>
+          </a:fontRef>
+        </p:style>
+      </p:cxnSp>
+      <p:cxnSp>
+        <p:nvCxnSpPr>
+          <p:cNvPr id="47" name="Gerade Verbindung mit Pfeil 46">
+            <a:extLst>
+              <a:ext uri="{FF2B5EF4-FFF2-40B4-BE49-F238E27FC236}">
+                <a16:creationId xmlns:a16="http://schemas.microsoft.com/office/drawing/2014/main" id="{D8686EF6-5C5D-B4A8-C89A-0C10801E5F87}"/>
+              </a:ext>
+            </a:extLst>
+          </p:cNvPr>
+          <p:cNvCxnSpPr>
+            <a:cxnSpLocks/>
+            <a:stCxn id="3" idx="6"/>
+          </p:cNvCxnSpPr>
+          <p:nvPr/>
+        </p:nvCxnSpPr>
+        <p:spPr>
+          <a:xfrm>
+            <a:off x="4220263" y="2330981"/>
+            <a:ext cx="1600667" cy="33130"/>
+          </a:xfrm>
+          <a:prstGeom prst="straightConnector1">
+            <a:avLst/>
+          </a:prstGeom>
+          <a:ln w="19050">
+            <a:tailEnd type="triangle"/>
+          </a:ln>
+        </p:spPr>
+        <p:style>
+          <a:lnRef idx="1">
+            <a:schemeClr val="accent1"/>
+          </a:lnRef>
+          <a:fillRef idx="0">
+            <a:schemeClr val="accent1"/>
+          </a:fillRef>
+          <a:effectRef idx="0">
+            <a:schemeClr val="accent1"/>
+          </a:effectRef>
+          <a:fontRef idx="minor">
+            <a:schemeClr val="tx1"/>
+          </a:fontRef>
+        </p:style>
+      </p:cxnSp>
+      <p:cxnSp>
+        <p:nvCxnSpPr>
+          <p:cNvPr id="50" name="Gerade Verbindung mit Pfeil 49">
+            <a:extLst>
+              <a:ext uri="{FF2B5EF4-FFF2-40B4-BE49-F238E27FC236}">
+                <a16:creationId xmlns:a16="http://schemas.microsoft.com/office/drawing/2014/main" id="{EBC915B1-13F6-31A6-8A09-306EA059FF34}"/>
+              </a:ext>
+            </a:extLst>
+          </p:cNvPr>
+          <p:cNvCxnSpPr>
+            <a:cxnSpLocks/>
+            <a:stCxn id="3" idx="6"/>
+          </p:cNvCxnSpPr>
+          <p:nvPr/>
+        </p:nvCxnSpPr>
+        <p:spPr>
+          <a:xfrm>
+            <a:off x="4220263" y="2330981"/>
+            <a:ext cx="1592749" cy="1239388"/>
+          </a:xfrm>
+          <a:prstGeom prst="straightConnector1">
+            <a:avLst/>
+          </a:prstGeom>
+          <a:ln w="19050">
+            <a:tailEnd type="triangle"/>
+          </a:ln>
+        </p:spPr>
+        <p:style>
+          <a:lnRef idx="1">
+            <a:schemeClr val="accent1"/>
+          </a:lnRef>
+          <a:fillRef idx="0">
+            <a:schemeClr val="accent1"/>
+          </a:fillRef>
+          <a:effectRef idx="0">
+            <a:schemeClr val="accent1"/>
+          </a:effectRef>
+          <a:fontRef idx="minor">
+            <a:schemeClr val="tx1"/>
+          </a:fontRef>
+        </p:style>
+      </p:cxnSp>
+      <p:cxnSp>
+        <p:nvCxnSpPr>
+          <p:cNvPr id="53" name="Gerade Verbindung mit Pfeil 52">
+            <a:extLst>
+              <a:ext uri="{FF2B5EF4-FFF2-40B4-BE49-F238E27FC236}">
+                <a16:creationId xmlns:a16="http://schemas.microsoft.com/office/drawing/2014/main" id="{D51B27B2-9B27-AF80-C433-7F19DF0BA2CF}"/>
+              </a:ext>
+            </a:extLst>
+          </p:cNvPr>
+          <p:cNvCxnSpPr>
+            <a:cxnSpLocks/>
+            <a:stCxn id="3" idx="6"/>
+          </p:cNvCxnSpPr>
+          <p:nvPr/>
+        </p:nvCxnSpPr>
+        <p:spPr>
+          <a:xfrm>
+            <a:off x="4220263" y="2330981"/>
+            <a:ext cx="1607748" cy="1997801"/>
+          </a:xfrm>
+          <a:prstGeom prst="straightConnector1">
+            <a:avLst/>
+          </a:prstGeom>
+          <a:ln w="19050">
+            <a:tailEnd type="triangle"/>
+          </a:ln>
+        </p:spPr>
+        <p:style>
+          <a:lnRef idx="1">
+            <a:schemeClr val="accent1"/>
+          </a:lnRef>
+          <a:fillRef idx="0">
+            <a:schemeClr val="accent1"/>
+          </a:fillRef>
+          <a:effectRef idx="0">
+            <a:schemeClr val="accent1"/>
+          </a:effectRef>
+          <a:fontRef idx="minor">
+            <a:schemeClr val="tx1"/>
+          </a:fontRef>
+        </p:style>
+      </p:cxnSp>
+      <p:cxnSp>
+        <p:nvCxnSpPr>
+          <p:cNvPr id="56" name="Gerade Verbindung mit Pfeil 55">
+            <a:extLst>
+              <a:ext uri="{FF2B5EF4-FFF2-40B4-BE49-F238E27FC236}">
+                <a16:creationId xmlns:a16="http://schemas.microsoft.com/office/drawing/2014/main" id="{56819A0E-CE73-63B7-BEA4-8DAFFF40F78C}"/>
+              </a:ext>
+            </a:extLst>
+          </p:cNvPr>
+          <p:cNvCxnSpPr>
+            <a:cxnSpLocks/>
+            <a:stCxn id="3" idx="6"/>
+          </p:cNvCxnSpPr>
+          <p:nvPr/>
+        </p:nvCxnSpPr>
+        <p:spPr>
+          <a:xfrm>
+            <a:off x="4220263" y="2330981"/>
+            <a:ext cx="1614563" cy="2688125"/>
+          </a:xfrm>
+          <a:prstGeom prst="straightConnector1">
+            <a:avLst/>
+          </a:prstGeom>
+          <a:ln w="19050">
+            <a:tailEnd type="triangle"/>
+          </a:ln>
+        </p:spPr>
+        <p:style>
+          <a:lnRef idx="1">
+            <a:schemeClr val="accent1"/>
+          </a:lnRef>
+          <a:fillRef idx="0">
+            <a:schemeClr val="accent1"/>
+          </a:fillRef>
+          <a:effectRef idx="0">
+            <a:schemeClr val="accent1"/>
+          </a:effectRef>
+          <a:fontRef idx="minor">
+            <a:schemeClr val="tx1"/>
+          </a:fontRef>
+        </p:style>
+      </p:cxnSp>
+      <p:cxnSp>
+        <p:nvCxnSpPr>
+          <p:cNvPr id="61" name="Gerade Verbindung mit Pfeil 60">
+            <a:extLst>
+              <a:ext uri="{FF2B5EF4-FFF2-40B4-BE49-F238E27FC236}">
+                <a16:creationId xmlns:a16="http://schemas.microsoft.com/office/drawing/2014/main" id="{D0AE8890-4351-3BE3-C824-305052E03C46}"/>
+              </a:ext>
+            </a:extLst>
+          </p:cNvPr>
+          <p:cNvCxnSpPr>
+            <a:cxnSpLocks/>
+            <a:stCxn id="5" idx="6"/>
+          </p:cNvCxnSpPr>
+          <p:nvPr/>
+        </p:nvCxnSpPr>
+        <p:spPr>
+          <a:xfrm flipV="1">
+            <a:off x="4220261" y="2363206"/>
+            <a:ext cx="1582627" cy="1261927"/>
+          </a:xfrm>
+          <a:prstGeom prst="straightConnector1">
+            <a:avLst/>
+          </a:prstGeom>
+          <a:ln w="19050">
+            <a:tailEnd type="triangle"/>
+          </a:ln>
+        </p:spPr>
+        <p:style>
+          <a:lnRef idx="1">
+            <a:schemeClr val="accent1"/>
+          </a:lnRef>
+          <a:fillRef idx="0">
+            <a:schemeClr val="accent1"/>
+          </a:fillRef>
+          <a:effectRef idx="0">
+            <a:schemeClr val="accent1"/>
+          </a:effectRef>
+          <a:fontRef idx="minor">
+            <a:schemeClr val="tx1"/>
+          </a:fontRef>
+        </p:style>
+      </p:cxnSp>
+      <p:cxnSp>
+        <p:nvCxnSpPr>
+          <p:cNvPr id="64" name="Gerade Verbindung mit Pfeil 63">
+            <a:extLst>
+              <a:ext uri="{FF2B5EF4-FFF2-40B4-BE49-F238E27FC236}">
+                <a16:creationId xmlns:a16="http://schemas.microsoft.com/office/drawing/2014/main" id="{EBB06F34-5F36-B1C5-9E4F-91442511F557}"/>
+              </a:ext>
+            </a:extLst>
+          </p:cNvPr>
+          <p:cNvCxnSpPr>
+            <a:cxnSpLocks/>
+            <a:stCxn id="5" idx="6"/>
+          </p:cNvCxnSpPr>
+          <p:nvPr/>
+        </p:nvCxnSpPr>
+        <p:spPr>
+          <a:xfrm flipV="1">
+            <a:off x="4220261" y="3608114"/>
+            <a:ext cx="1573609" cy="17019"/>
+          </a:xfrm>
+          <a:prstGeom prst="straightConnector1">
+            <a:avLst/>
+          </a:prstGeom>
+          <a:ln w="19050">
+            <a:tailEnd type="triangle"/>
+          </a:ln>
+        </p:spPr>
+        <p:style>
+          <a:lnRef idx="1">
+            <a:schemeClr val="accent1"/>
+          </a:lnRef>
+          <a:fillRef idx="0">
+            <a:schemeClr val="accent1"/>
+          </a:fillRef>
+          <a:effectRef idx="0">
+            <a:schemeClr val="accent1"/>
+          </a:effectRef>
+          <a:fontRef idx="minor">
+            <a:schemeClr val="tx1"/>
+          </a:fontRef>
+        </p:style>
+      </p:cxnSp>
+      <p:cxnSp>
+        <p:nvCxnSpPr>
+          <p:cNvPr id="67" name="Gerade Verbindung mit Pfeil 66">
+            <a:extLst>
+              <a:ext uri="{FF2B5EF4-FFF2-40B4-BE49-F238E27FC236}">
+                <a16:creationId xmlns:a16="http://schemas.microsoft.com/office/drawing/2014/main" id="{83BA09DD-3F4B-DA47-79E8-9E7911BB9B20}"/>
+              </a:ext>
+            </a:extLst>
+          </p:cNvPr>
+          <p:cNvCxnSpPr>
+            <a:cxnSpLocks/>
+            <a:stCxn id="5" idx="6"/>
+          </p:cNvCxnSpPr>
+          <p:nvPr/>
+        </p:nvCxnSpPr>
+        <p:spPr>
+          <a:xfrm>
+            <a:off x="4220261" y="3625133"/>
+            <a:ext cx="1582627" cy="690729"/>
+          </a:xfrm>
+          <a:prstGeom prst="straightConnector1">
+            <a:avLst/>
+          </a:prstGeom>
+          <a:ln w="19050">
+            <a:tailEnd type="triangle"/>
+          </a:ln>
+        </p:spPr>
+        <p:style>
+          <a:lnRef idx="1">
+            <a:schemeClr val="accent1"/>
+          </a:lnRef>
+          <a:fillRef idx="0">
+            <a:schemeClr val="accent1"/>
+          </a:fillRef>
+          <a:effectRef idx="0">
+            <a:schemeClr val="accent1"/>
+          </a:effectRef>
+          <a:fontRef idx="minor">
+            <a:schemeClr val="tx1"/>
+          </a:fontRef>
+        </p:style>
+      </p:cxnSp>
+      <p:cxnSp>
+        <p:nvCxnSpPr>
+          <p:cNvPr id="70" name="Gerade Verbindung mit Pfeil 69">
+            <a:extLst>
+              <a:ext uri="{FF2B5EF4-FFF2-40B4-BE49-F238E27FC236}">
+                <a16:creationId xmlns:a16="http://schemas.microsoft.com/office/drawing/2014/main" id="{3E1FB29B-011A-CDF9-24C1-78BBE621185F}"/>
+              </a:ext>
+            </a:extLst>
+          </p:cNvPr>
+          <p:cNvCxnSpPr>
+            <a:cxnSpLocks/>
+            <a:stCxn id="6" idx="6"/>
+          </p:cNvCxnSpPr>
+          <p:nvPr/>
+        </p:nvCxnSpPr>
+        <p:spPr>
+          <a:xfrm flipV="1">
+            <a:off x="4220260" y="3568984"/>
+            <a:ext cx="1649810" cy="703225"/>
+          </a:xfrm>
+          <a:prstGeom prst="straightConnector1">
+            <a:avLst/>
+          </a:prstGeom>
+          <a:ln w="19050">
+            <a:tailEnd type="triangle"/>
+          </a:ln>
+        </p:spPr>
+        <p:style>
+          <a:lnRef idx="1">
+            <a:schemeClr val="accent1"/>
+          </a:lnRef>
+          <a:fillRef idx="0">
+            <a:schemeClr val="accent1"/>
+          </a:fillRef>
+          <a:effectRef idx="0">
+            <a:schemeClr val="accent1"/>
+          </a:effectRef>
+          <a:fontRef idx="minor">
+            <a:schemeClr val="tx1"/>
+          </a:fontRef>
+        </p:style>
+      </p:cxnSp>
+      <p:cxnSp>
+        <p:nvCxnSpPr>
+          <p:cNvPr id="73" name="Gerade Verbindung mit Pfeil 72">
+            <a:extLst>
+              <a:ext uri="{FF2B5EF4-FFF2-40B4-BE49-F238E27FC236}">
+                <a16:creationId xmlns:a16="http://schemas.microsoft.com/office/drawing/2014/main" id="{5CC75851-697E-CFF1-1BB1-3FF899B78ACB}"/>
+              </a:ext>
+            </a:extLst>
+          </p:cNvPr>
+          <p:cNvCxnSpPr>
+            <a:cxnSpLocks/>
+            <a:stCxn id="7" idx="6"/>
+          </p:cNvCxnSpPr>
+          <p:nvPr/>
+        </p:nvCxnSpPr>
+        <p:spPr>
+          <a:xfrm flipV="1">
+            <a:off x="4220259" y="3609499"/>
+            <a:ext cx="1582629" cy="1309786"/>
+          </a:xfrm>
+          <a:prstGeom prst="straightConnector1">
+            <a:avLst/>
+          </a:prstGeom>
+          <a:ln w="19050">
+            <a:tailEnd type="triangle"/>
+          </a:ln>
+        </p:spPr>
+        <p:style>
+          <a:lnRef idx="1">
+            <a:schemeClr val="accent1"/>
+          </a:lnRef>
+          <a:fillRef idx="0">
+            <a:schemeClr val="accent1"/>
+          </a:fillRef>
+          <a:effectRef idx="0">
+            <a:schemeClr val="accent1"/>
+          </a:effectRef>
+          <a:fontRef idx="minor">
+            <a:schemeClr val="tx1"/>
+          </a:fontRef>
+        </p:style>
+      </p:cxnSp>
+      <p:cxnSp>
+        <p:nvCxnSpPr>
+          <p:cNvPr id="76" name="Gerade Verbindung mit Pfeil 75">
+            <a:extLst>
+              <a:ext uri="{FF2B5EF4-FFF2-40B4-BE49-F238E27FC236}">
+                <a16:creationId xmlns:a16="http://schemas.microsoft.com/office/drawing/2014/main" id="{CB04DF07-67C0-8B96-8565-052BBC408BAE}"/>
+              </a:ext>
+            </a:extLst>
+          </p:cNvPr>
+          <p:cNvCxnSpPr>
+            <a:cxnSpLocks/>
+            <a:stCxn id="7" idx="6"/>
+          </p:cNvCxnSpPr>
+          <p:nvPr/>
+        </p:nvCxnSpPr>
+        <p:spPr>
+          <a:xfrm flipV="1">
+            <a:off x="4220259" y="4919284"/>
+            <a:ext cx="1622383" cy="1"/>
+          </a:xfrm>
+          <a:prstGeom prst="straightConnector1">
+            <a:avLst/>
+          </a:prstGeom>
+          <a:ln w="19050">
+            <a:tailEnd type="triangle"/>
+          </a:ln>
+        </p:spPr>
+        <p:style>
+          <a:lnRef idx="1">
+            <a:schemeClr val="accent1"/>
+          </a:lnRef>
+          <a:fillRef idx="0">
+            <a:schemeClr val="accent1"/>
+          </a:fillRef>
+          <a:effectRef idx="0">
+            <a:schemeClr val="accent1"/>
+          </a:effectRef>
+          <a:fontRef idx="minor">
+            <a:schemeClr val="tx1"/>
+          </a:fontRef>
+        </p:style>
+      </p:cxnSp>
+      <p:cxnSp>
+        <p:nvCxnSpPr>
+          <p:cNvPr id="79" name="Gerade Verbindung mit Pfeil 78">
+            <a:extLst>
+              <a:ext uri="{FF2B5EF4-FFF2-40B4-BE49-F238E27FC236}">
+                <a16:creationId xmlns:a16="http://schemas.microsoft.com/office/drawing/2014/main" id="{16600655-CB0E-47D6-4D35-1970EECDB32A}"/>
+              </a:ext>
+            </a:extLst>
+          </p:cNvPr>
+          <p:cNvCxnSpPr>
+            <a:cxnSpLocks/>
+            <a:stCxn id="7" idx="6"/>
+          </p:cNvCxnSpPr>
+          <p:nvPr/>
+        </p:nvCxnSpPr>
+        <p:spPr>
+          <a:xfrm flipV="1">
+            <a:off x="4220259" y="4315862"/>
+            <a:ext cx="1562426" cy="603423"/>
+          </a:xfrm>
+          <a:prstGeom prst="straightConnector1">
+            <a:avLst/>
+          </a:prstGeom>
+          <a:ln w="19050">
+            <a:tailEnd type="triangle"/>
+          </a:ln>
+        </p:spPr>
+        <p:style>
+          <a:lnRef idx="1">
+            <a:schemeClr val="accent1"/>
+          </a:lnRef>
+          <a:fillRef idx="0">
+            <a:schemeClr val="accent1"/>
+          </a:fillRef>
+          <a:effectRef idx="0">
+            <a:schemeClr val="accent1"/>
+          </a:effectRef>
+          <a:fontRef idx="minor">
+            <a:schemeClr val="tx1"/>
+          </a:fontRef>
+        </p:style>
+      </p:cxnSp>
+      <p:cxnSp>
+        <p:nvCxnSpPr>
+          <p:cNvPr id="82" name="Gerade Verbindung mit Pfeil 81">
+            <a:extLst>
+              <a:ext uri="{FF2B5EF4-FFF2-40B4-BE49-F238E27FC236}">
+                <a16:creationId xmlns:a16="http://schemas.microsoft.com/office/drawing/2014/main" id="{AFE97967-6ED6-3515-A314-483D2958CBF1}"/>
+              </a:ext>
+            </a:extLst>
+          </p:cNvPr>
+          <p:cNvCxnSpPr>
+            <a:cxnSpLocks/>
+            <a:stCxn id="6" idx="6"/>
+          </p:cNvCxnSpPr>
+          <p:nvPr/>
+        </p:nvCxnSpPr>
+        <p:spPr>
+          <a:xfrm>
+            <a:off x="4220260" y="4272209"/>
+            <a:ext cx="1546283" cy="667743"/>
+          </a:xfrm>
+          <a:prstGeom prst="straightConnector1">
+            <a:avLst/>
+          </a:prstGeom>
+          <a:ln w="19050">
+            <a:tailEnd type="triangle"/>
+          </a:ln>
+        </p:spPr>
+        <p:style>
+          <a:lnRef idx="1">
+            <a:schemeClr val="accent1"/>
+          </a:lnRef>
+          <a:fillRef idx="0">
+            <a:schemeClr val="accent1"/>
+          </a:fillRef>
+          <a:effectRef idx="0">
+            <a:schemeClr val="accent1"/>
+          </a:effectRef>
+          <a:fontRef idx="minor">
+            <a:schemeClr val="tx1"/>
+          </a:fontRef>
+        </p:style>
+      </p:cxnSp>
+      <p:cxnSp>
+        <p:nvCxnSpPr>
+          <p:cNvPr id="85" name="Gerade Verbindung mit Pfeil 84">
+            <a:extLst>
+              <a:ext uri="{FF2B5EF4-FFF2-40B4-BE49-F238E27FC236}">
+                <a16:creationId xmlns:a16="http://schemas.microsoft.com/office/drawing/2014/main" id="{9ECC7627-0C0E-E647-5419-066E536AA891}"/>
+              </a:ext>
+            </a:extLst>
+          </p:cNvPr>
+          <p:cNvCxnSpPr>
+            <a:cxnSpLocks/>
+            <a:stCxn id="6" idx="6"/>
+          </p:cNvCxnSpPr>
+          <p:nvPr/>
+        </p:nvCxnSpPr>
+        <p:spPr>
+          <a:xfrm>
+            <a:off x="4220260" y="4272209"/>
+            <a:ext cx="1546283" cy="11298"/>
+          </a:xfrm>
+          <a:prstGeom prst="straightConnector1">
+            <a:avLst/>
+          </a:prstGeom>
+          <a:ln w="19050">
+            <a:tailEnd type="triangle"/>
+          </a:ln>
+        </p:spPr>
+        <p:style>
+          <a:lnRef idx="1">
+            <a:schemeClr val="accent1"/>
+          </a:lnRef>
+          <a:fillRef idx="0">
+            <a:schemeClr val="accent1"/>
+          </a:fillRef>
+          <a:effectRef idx="0">
+            <a:schemeClr val="accent1"/>
+          </a:effectRef>
+          <a:fontRef idx="minor">
+            <a:schemeClr val="tx1"/>
+          </a:fontRef>
+        </p:style>
+      </p:cxnSp>
+      <p:cxnSp>
+        <p:nvCxnSpPr>
+          <p:cNvPr id="88" name="Gerade Verbindung mit Pfeil 87">
+            <a:extLst>
+              <a:ext uri="{FF2B5EF4-FFF2-40B4-BE49-F238E27FC236}">
+                <a16:creationId xmlns:a16="http://schemas.microsoft.com/office/drawing/2014/main" id="{3365AA09-C881-5503-E296-1DEC2FC22E67}"/>
+              </a:ext>
+            </a:extLst>
+          </p:cNvPr>
+          <p:cNvCxnSpPr>
+            <a:cxnSpLocks/>
+            <a:endCxn id="12" idx="2"/>
+          </p:cNvCxnSpPr>
+          <p:nvPr/>
+        </p:nvCxnSpPr>
+        <p:spPr>
+          <a:xfrm>
+            <a:off x="6338909" y="1686156"/>
+            <a:ext cx="1986771" cy="962949"/>
+          </a:xfrm>
+          <a:prstGeom prst="straightConnector1">
+            <a:avLst/>
+          </a:prstGeom>
+          <a:ln w="19050">
+            <a:solidFill>
+              <a:srgbClr val="FF0000"/>
+            </a:solidFill>
+            <a:tailEnd type="triangle"/>
+          </a:ln>
+        </p:spPr>
+        <p:style>
+          <a:lnRef idx="1">
+            <a:schemeClr val="accent1"/>
+          </a:lnRef>
+          <a:fillRef idx="0">
+            <a:schemeClr val="accent1"/>
+          </a:fillRef>
+          <a:effectRef idx="0">
+            <a:schemeClr val="accent1"/>
+          </a:effectRef>
+          <a:fontRef idx="minor">
+            <a:schemeClr val="tx1"/>
+          </a:fontRef>
+        </p:style>
+      </p:cxnSp>
+      <p:cxnSp>
+        <p:nvCxnSpPr>
+          <p:cNvPr id="90" name="Gerade Verbindung mit Pfeil 89">
+            <a:extLst>
+              <a:ext uri="{FF2B5EF4-FFF2-40B4-BE49-F238E27FC236}">
+                <a16:creationId xmlns:a16="http://schemas.microsoft.com/office/drawing/2014/main" id="{E3857795-2C95-09B3-DF56-2E598B7E5D06}"/>
+              </a:ext>
+            </a:extLst>
+          </p:cNvPr>
+          <p:cNvCxnSpPr>
+            <a:cxnSpLocks/>
+            <a:endCxn id="12" idx="2"/>
+          </p:cNvCxnSpPr>
+          <p:nvPr/>
+        </p:nvCxnSpPr>
+        <p:spPr>
+          <a:xfrm>
+            <a:off x="6338907" y="2323228"/>
+            <a:ext cx="1986773" cy="325877"/>
+          </a:xfrm>
+          <a:prstGeom prst="straightConnector1">
+            <a:avLst/>
+          </a:prstGeom>
+          <a:ln w="19050">
+            <a:solidFill>
+              <a:srgbClr val="FF0000"/>
+            </a:solidFill>
+            <a:tailEnd type="triangle"/>
+          </a:ln>
+        </p:spPr>
+        <p:style>
+          <a:lnRef idx="1">
+            <a:schemeClr val="accent1"/>
+          </a:lnRef>
+          <a:fillRef idx="0">
+            <a:schemeClr val="accent1"/>
+          </a:fillRef>
+          <a:effectRef idx="0">
+            <a:schemeClr val="accent1"/>
+          </a:effectRef>
+          <a:fontRef idx="minor">
+            <a:schemeClr val="tx1"/>
+          </a:fontRef>
+        </p:style>
+      </p:cxnSp>
+      <p:cxnSp>
+        <p:nvCxnSpPr>
+          <p:cNvPr id="93" name="Gerade Verbindung mit Pfeil 92">
+            <a:extLst>
+              <a:ext uri="{FF2B5EF4-FFF2-40B4-BE49-F238E27FC236}">
+                <a16:creationId xmlns:a16="http://schemas.microsoft.com/office/drawing/2014/main" id="{B2F1229A-E12D-F62A-10B6-C11B3B6A70CF}"/>
+              </a:ext>
+            </a:extLst>
+          </p:cNvPr>
+          <p:cNvCxnSpPr>
+            <a:cxnSpLocks/>
+            <a:endCxn id="12" idx="2"/>
+          </p:cNvCxnSpPr>
+          <p:nvPr/>
+        </p:nvCxnSpPr>
+        <p:spPr>
+          <a:xfrm flipV="1">
+            <a:off x="6240207" y="2649105"/>
+            <a:ext cx="2085473" cy="1634402"/>
+          </a:xfrm>
+          <a:prstGeom prst="straightConnector1">
+            <a:avLst/>
+          </a:prstGeom>
+          <a:ln w="19050">
+            <a:solidFill>
+              <a:srgbClr val="FF0000"/>
+            </a:solidFill>
+            <a:tailEnd type="triangle"/>
+          </a:ln>
+        </p:spPr>
+        <p:style>
+          <a:lnRef idx="1">
+            <a:schemeClr val="accent1"/>
+          </a:lnRef>
+          <a:fillRef idx="0">
+            <a:schemeClr val="accent1"/>
+          </a:fillRef>
+          <a:effectRef idx="0">
+            <a:schemeClr val="accent1"/>
+          </a:effectRef>
+          <a:fontRef idx="minor">
+            <a:schemeClr val="tx1"/>
+          </a:fontRef>
+        </p:style>
+      </p:cxnSp>
+      <p:cxnSp>
+        <p:nvCxnSpPr>
+          <p:cNvPr id="96" name="Gerade Verbindung mit Pfeil 95">
+            <a:extLst>
+              <a:ext uri="{FF2B5EF4-FFF2-40B4-BE49-F238E27FC236}">
+                <a16:creationId xmlns:a16="http://schemas.microsoft.com/office/drawing/2014/main" id="{7F9C1F3E-5968-E617-4E3E-B395D23F8BAD}"/>
+              </a:ext>
+            </a:extLst>
+          </p:cNvPr>
+          <p:cNvCxnSpPr>
+            <a:cxnSpLocks/>
+            <a:endCxn id="13" idx="2"/>
+          </p:cNvCxnSpPr>
+          <p:nvPr/>
+        </p:nvCxnSpPr>
+        <p:spPr>
+          <a:xfrm flipV="1">
+            <a:off x="6272147" y="3296181"/>
+            <a:ext cx="2053532" cy="968211"/>
+          </a:xfrm>
+          <a:prstGeom prst="straightConnector1">
+            <a:avLst/>
+          </a:prstGeom>
+          <a:ln w="19050">
+            <a:solidFill>
+              <a:srgbClr val="FF0000"/>
+            </a:solidFill>
+            <a:tailEnd type="triangle"/>
+          </a:ln>
+        </p:spPr>
+        <p:style>
+          <a:lnRef idx="1">
+            <a:schemeClr val="accent1"/>
+          </a:lnRef>
+          <a:fillRef idx="0">
+            <a:schemeClr val="accent1"/>
+          </a:fillRef>
+          <a:effectRef idx="0">
+            <a:schemeClr val="accent1"/>
+          </a:effectRef>
+          <a:fontRef idx="minor">
+            <a:schemeClr val="tx1"/>
+          </a:fontRef>
+        </p:style>
+      </p:cxnSp>
+      <p:cxnSp>
+        <p:nvCxnSpPr>
+          <p:cNvPr id="99" name="Gerade Verbindung mit Pfeil 98">
+            <a:extLst>
+              <a:ext uri="{FF2B5EF4-FFF2-40B4-BE49-F238E27FC236}">
+                <a16:creationId xmlns:a16="http://schemas.microsoft.com/office/drawing/2014/main" id="{677E6A2D-2D91-E24A-EDCF-57955744EBF8}"/>
+              </a:ext>
+            </a:extLst>
+          </p:cNvPr>
+          <p:cNvCxnSpPr>
+            <a:cxnSpLocks/>
+            <a:endCxn id="13" idx="2"/>
+          </p:cNvCxnSpPr>
+          <p:nvPr/>
+        </p:nvCxnSpPr>
+        <p:spPr>
+          <a:xfrm flipV="1">
+            <a:off x="6220004" y="3296181"/>
+            <a:ext cx="2105675" cy="1571210"/>
+          </a:xfrm>
+          <a:prstGeom prst="straightConnector1">
+            <a:avLst/>
+          </a:prstGeom>
+          <a:ln w="19050">
+            <a:solidFill>
+              <a:srgbClr val="FF0000"/>
+            </a:solidFill>
+            <a:tailEnd type="triangle"/>
+          </a:ln>
+        </p:spPr>
+        <p:style>
+          <a:lnRef idx="1">
+            <a:schemeClr val="accent1"/>
+          </a:lnRef>
+          <a:fillRef idx="0">
+            <a:schemeClr val="accent1"/>
+          </a:fillRef>
+          <a:effectRef idx="0">
+            <a:schemeClr val="accent1"/>
+          </a:effectRef>
+          <a:fontRef idx="minor">
+            <a:schemeClr val="tx1"/>
+          </a:fontRef>
+        </p:style>
+      </p:cxnSp>
+      <p:cxnSp>
+        <p:nvCxnSpPr>
+          <p:cNvPr id="102" name="Gerade Verbindung mit Pfeil 101">
+            <a:extLst>
+              <a:ext uri="{FF2B5EF4-FFF2-40B4-BE49-F238E27FC236}">
+                <a16:creationId xmlns:a16="http://schemas.microsoft.com/office/drawing/2014/main" id="{E38625B6-B4C3-7A94-45E0-CEB7B9EBEA7B}"/>
+              </a:ext>
+            </a:extLst>
+          </p:cNvPr>
+          <p:cNvCxnSpPr>
+            <a:cxnSpLocks/>
+            <a:endCxn id="13" idx="2"/>
+          </p:cNvCxnSpPr>
+          <p:nvPr/>
+        </p:nvCxnSpPr>
+        <p:spPr>
+          <a:xfrm>
+            <a:off x="6382949" y="3295134"/>
+            <a:ext cx="1942730" cy="1047"/>
+          </a:xfrm>
+          <a:prstGeom prst="straightConnector1">
+            <a:avLst/>
+          </a:prstGeom>
+          <a:ln w="19050">
+            <a:solidFill>
+              <a:srgbClr val="FF0000"/>
+            </a:solidFill>
+            <a:tailEnd type="triangle"/>
+          </a:ln>
+        </p:spPr>
+        <p:style>
+          <a:lnRef idx="1">
+            <a:schemeClr val="accent1"/>
+          </a:lnRef>
+          <a:fillRef idx="0">
+            <a:schemeClr val="accent1"/>
+          </a:fillRef>
+          <a:effectRef idx="0">
+            <a:schemeClr val="accent1"/>
+          </a:effectRef>
+          <a:fontRef idx="minor">
+            <a:schemeClr val="tx1"/>
+          </a:fontRef>
+        </p:style>
+      </p:cxnSp>
+      <p:cxnSp>
+        <p:nvCxnSpPr>
+          <p:cNvPr id="105" name="Gerade Verbindung mit Pfeil 104">
+            <a:extLst>
+              <a:ext uri="{FF2B5EF4-FFF2-40B4-BE49-F238E27FC236}">
+                <a16:creationId xmlns:a16="http://schemas.microsoft.com/office/drawing/2014/main" id="{A12B38DE-CCC3-7A22-B75C-2F885DEB461B}"/>
+              </a:ext>
+            </a:extLst>
+          </p:cNvPr>
+          <p:cNvCxnSpPr>
+            <a:cxnSpLocks/>
+            <a:endCxn id="14" idx="2"/>
+          </p:cNvCxnSpPr>
+          <p:nvPr/>
+        </p:nvCxnSpPr>
+        <p:spPr>
+          <a:xfrm>
+            <a:off x="6382949" y="2779600"/>
+            <a:ext cx="1942729" cy="1163657"/>
+          </a:xfrm>
+          <a:prstGeom prst="straightConnector1">
+            <a:avLst/>
+          </a:prstGeom>
+          <a:ln w="19050">
+            <a:solidFill>
+              <a:srgbClr val="FF0000"/>
+            </a:solidFill>
+            <a:tailEnd type="triangle"/>
+          </a:ln>
+        </p:spPr>
+        <p:style>
+          <a:lnRef idx="1">
+            <a:schemeClr val="accent1"/>
+          </a:lnRef>
+          <a:fillRef idx="0">
+            <a:schemeClr val="accent1"/>
+          </a:fillRef>
+          <a:effectRef idx="0">
+            <a:schemeClr val="accent1"/>
+          </a:effectRef>
+          <a:fontRef idx="minor">
+            <a:schemeClr val="tx1"/>
+          </a:fontRef>
+        </p:style>
+      </p:cxnSp>
+      <p:cxnSp>
+        <p:nvCxnSpPr>
+          <p:cNvPr id="108" name="Gerade Verbindung mit Pfeil 107">
+            <a:extLst>
+              <a:ext uri="{FF2B5EF4-FFF2-40B4-BE49-F238E27FC236}">
+                <a16:creationId xmlns:a16="http://schemas.microsoft.com/office/drawing/2014/main" id="{9FAFA2EB-3AAD-5C27-DF4E-AFED3FA54309}"/>
+              </a:ext>
+            </a:extLst>
+          </p:cNvPr>
+          <p:cNvCxnSpPr>
+            <a:cxnSpLocks/>
+            <a:endCxn id="14" idx="2"/>
+          </p:cNvCxnSpPr>
+          <p:nvPr/>
+        </p:nvCxnSpPr>
+        <p:spPr>
+          <a:xfrm flipV="1">
+            <a:off x="6272145" y="3943257"/>
+            <a:ext cx="2053533" cy="924134"/>
+          </a:xfrm>
+          <a:prstGeom prst="straightConnector1">
+            <a:avLst/>
+          </a:prstGeom>
+          <a:ln w="19050">
+            <a:solidFill>
+              <a:srgbClr val="FF0000"/>
+            </a:solidFill>
+            <a:tailEnd type="triangle"/>
+          </a:ln>
+        </p:spPr>
+        <p:style>
+          <a:lnRef idx="1">
+            <a:schemeClr val="accent1"/>
+          </a:lnRef>
+          <a:fillRef idx="0">
+            <a:schemeClr val="accent1"/>
+          </a:fillRef>
+          <a:effectRef idx="0">
+            <a:schemeClr val="accent1"/>
+          </a:effectRef>
+          <a:fontRef idx="minor">
+            <a:schemeClr val="tx1"/>
+          </a:fontRef>
+        </p:style>
+      </p:cxnSp>
+      <p:cxnSp>
+        <p:nvCxnSpPr>
+          <p:cNvPr id="111" name="Gerade Verbindung mit Pfeil 110">
+            <a:extLst>
+              <a:ext uri="{FF2B5EF4-FFF2-40B4-BE49-F238E27FC236}">
+                <a16:creationId xmlns:a16="http://schemas.microsoft.com/office/drawing/2014/main" id="{904F4AB9-3A26-F133-C0C8-ED020BE8B991}"/>
+              </a:ext>
+            </a:extLst>
+          </p:cNvPr>
+          <p:cNvCxnSpPr>
+            <a:cxnSpLocks/>
+            <a:endCxn id="12" idx="2"/>
+          </p:cNvCxnSpPr>
+          <p:nvPr/>
+        </p:nvCxnSpPr>
+        <p:spPr>
+          <a:xfrm flipV="1">
+            <a:off x="6382947" y="2649105"/>
+            <a:ext cx="1942733" cy="107216"/>
+          </a:xfrm>
+          <a:prstGeom prst="straightConnector1">
+            <a:avLst/>
+          </a:prstGeom>
+          <a:ln w="19050">
+            <a:solidFill>
+              <a:srgbClr val="FF0000"/>
+            </a:solidFill>
+            <a:tailEnd type="triangle"/>
+          </a:ln>
+        </p:spPr>
+        <p:style>
+          <a:lnRef idx="1">
+            <a:schemeClr val="accent1"/>
+          </a:lnRef>
+          <a:fillRef idx="0">
+            <a:schemeClr val="accent1"/>
+          </a:fillRef>
+          <a:effectRef idx="0">
+            <a:schemeClr val="accent1"/>
+          </a:effectRef>
+          <a:fontRef idx="minor">
+            <a:schemeClr val="tx1"/>
+          </a:fontRef>
+        </p:style>
+      </p:cxnSp>
+      <p:sp>
+        <p:nvSpPr>
+          <p:cNvPr id="32" name="Rechteck 31">
+            <a:extLst>
+              <a:ext uri="{FF2B5EF4-FFF2-40B4-BE49-F238E27FC236}">
+                <a16:creationId xmlns:a16="http://schemas.microsoft.com/office/drawing/2014/main" id="{EB14592F-20DB-663B-731B-3A47257D37CD}"/>
+              </a:ext>
+            </a:extLst>
+          </p:cNvPr>
+          <p:cNvSpPr/>
+          <p:nvPr/>
+        </p:nvSpPr>
+        <p:spPr>
+          <a:xfrm>
+            <a:off x="5056902" y="1003300"/>
+            <a:ext cx="2474198" cy="4635500"/>
+          </a:xfrm>
+          <a:prstGeom prst="rect">
+            <a:avLst/>
+          </a:prstGeom>
+          <a:solidFill>
+            <a:schemeClr val="bg1">
+              <a:lumMod val="85000"/>
+            </a:schemeClr>
+          </a:solidFill>
+          <a:ln>
+            <a:noFill/>
+          </a:ln>
+        </p:spPr>
+        <p:style>
+          <a:lnRef idx="2">
+            <a:schemeClr val="accent1">
+              <a:shade val="50000"/>
+            </a:schemeClr>
+          </a:lnRef>
+          <a:fillRef idx="1">
+            <a:schemeClr val="accent1"/>
+          </a:fillRef>
+          <a:effectRef idx="0">
+            <a:schemeClr val="accent1"/>
+          </a:effectRef>
+          <a:fontRef idx="minor">
+            <a:schemeClr val="lt1"/>
+          </a:fontRef>
+        </p:style>
+        <p:txBody>
+          <a:bodyPr rtlCol="0" anchor="ctr"/>
+          <a:lstStyle/>
+          <a:p>
+            <a:pPr algn="ctr"/>
+            <a:endParaRPr lang="de-DE"/>
+          </a:p>
+        </p:txBody>
+      </p:sp>
+      <p:sp>
+        <p:nvSpPr>
+          <p:cNvPr id="114" name="Textfeld 113">
+            <a:extLst>
+              <a:ext uri="{FF2B5EF4-FFF2-40B4-BE49-F238E27FC236}">
+                <a16:creationId xmlns:a16="http://schemas.microsoft.com/office/drawing/2014/main" id="{C704A501-4D16-E82E-336F-22FC24C75D16}"/>
+              </a:ext>
+            </a:extLst>
+          </p:cNvPr>
+          <p:cNvSpPr txBox="1"/>
+          <p:nvPr/>
+        </p:nvSpPr>
+        <p:spPr>
+          <a:xfrm>
+            <a:off x="8955158" y="3110468"/>
+            <a:ext cx="2017475" cy="369332"/>
+          </a:xfrm>
+          <a:prstGeom prst="rect">
+            <a:avLst/>
+          </a:prstGeom>
+          <a:noFill/>
+        </p:spPr>
+        <p:txBody>
+          <a:bodyPr wrap="none" rtlCol="0">
+            <a:spAutoFit/>
+          </a:bodyPr>
+          <a:lstStyle/>
+          <a:p>
+            <a:r>
+              <a:rPr lang="de-DE" dirty="0"/>
+              <a:t>State-Action-Values</a:t>
+            </a:r>
+          </a:p>
+        </p:txBody>
+      </p:sp>
+      <p:sp>
+        <p:nvSpPr>
+          <p:cNvPr id="115" name="Textfeld 114">
+            <a:extLst>
+              <a:ext uri="{FF2B5EF4-FFF2-40B4-BE49-F238E27FC236}">
+                <a16:creationId xmlns:a16="http://schemas.microsoft.com/office/drawing/2014/main" id="{5C516108-937D-B1BC-5E8E-279FBD6B5BCE}"/>
+              </a:ext>
+            </a:extLst>
+          </p:cNvPr>
+          <p:cNvSpPr txBox="1"/>
+          <p:nvPr/>
+        </p:nvSpPr>
+        <p:spPr>
+          <a:xfrm rot="16200000">
+            <a:off x="2477581" y="2117511"/>
+            <a:ext cx="1789080" cy="369332"/>
+          </a:xfrm>
+          <a:prstGeom prst="rect">
+            <a:avLst/>
+          </a:prstGeom>
+          <a:noFill/>
+        </p:spPr>
+        <p:txBody>
+          <a:bodyPr wrap="none" rtlCol="0">
+            <a:spAutoFit/>
+          </a:bodyPr>
+          <a:lstStyle/>
+          <a:p>
+            <a:r>
+              <a:rPr lang="de-DE" dirty="0">
+                <a:solidFill>
+                  <a:schemeClr val="bg1">
+                    <a:lumMod val="65000"/>
+                  </a:schemeClr>
+                </a:solidFill>
+              </a:rPr>
+              <a:t>Fahrzeugposition</a:t>
+            </a:r>
+          </a:p>
+        </p:txBody>
+      </p:sp>
+      <p:sp>
+        <p:nvSpPr>
+          <p:cNvPr id="116" name="Textfeld 115">
+            <a:extLst>
+              <a:ext uri="{FF2B5EF4-FFF2-40B4-BE49-F238E27FC236}">
+                <a16:creationId xmlns:a16="http://schemas.microsoft.com/office/drawing/2014/main" id="{E2FE1B9C-E9C7-A0C1-FC05-C6040F8E8466}"/>
+              </a:ext>
+            </a:extLst>
+          </p:cNvPr>
+          <p:cNvSpPr txBox="1"/>
+          <p:nvPr/>
+        </p:nvSpPr>
+        <p:spPr>
+          <a:xfrm rot="16200000">
+            <a:off x="2652844" y="4096299"/>
+            <a:ext cx="1456296" cy="369332"/>
+          </a:xfrm>
+          <a:prstGeom prst="rect">
+            <a:avLst/>
+          </a:prstGeom>
+          <a:noFill/>
+        </p:spPr>
+        <p:txBody>
+          <a:bodyPr wrap="none" rtlCol="0">
+            <a:spAutoFit/>
+          </a:bodyPr>
+          <a:lstStyle/>
+          <a:p>
+            <a:r>
+              <a:rPr lang="de-DE" dirty="0">
+                <a:solidFill>
+                  <a:schemeClr val="bg1">
+                    <a:lumMod val="65000"/>
+                  </a:schemeClr>
+                </a:solidFill>
+              </a:rPr>
+              <a:t>Befahrbarkeit</a:t>
+            </a:r>
+          </a:p>
+        </p:txBody>
+      </p:sp>
+    </p:spTree>
+    <p:extLst>
+      <p:ext uri="{BB962C8B-B14F-4D97-AF65-F5344CB8AC3E}">
+        <p14:creationId xmlns:p14="http://schemas.microsoft.com/office/powerpoint/2010/main" val="3750693694"/>
+      </p:ext>
+    </p:extLst>
+  </p:cSld>
+  <p:clrMapOvr>
+    <a:masterClrMapping/>
+  </p:clrMapOvr>
+</p:sld>
+</file>
+
+<file path=ppt/slides/slide8.xml><?xml version="1.0" encoding="utf-8"?>
+<p:sld xmlns:a="http://schemas.openxmlformats.org/drawingml/2006/main" xmlns:r="http://schemas.openxmlformats.org/officeDocument/2006/relationships" xmlns:p="http://schemas.openxmlformats.org/presentationml/2006/main">
+  <p:cSld>
+    <p:spTree>
+      <p:nvGrpSpPr>
+        <p:cNvPr id="1" name=""/>
+        <p:cNvGrpSpPr/>
+        <p:nvPr/>
+      </p:nvGrpSpPr>
+      <p:grpSpPr>
+        <a:xfrm>
+          <a:off x="0" y="0"/>
+          <a:ext cx="0" cy="0"/>
+          <a:chOff x="0" y="0"/>
+          <a:chExt cx="0" cy="0"/>
+        </a:xfrm>
+      </p:grpSpPr>
+      <p:sp>
+        <p:nvSpPr>
+          <p:cNvPr id="2" name="Ellipse 1">
+            <a:extLst>
+              <a:ext uri="{FF2B5EF4-FFF2-40B4-BE49-F238E27FC236}">
+                <a16:creationId xmlns:a16="http://schemas.microsoft.com/office/drawing/2014/main" id="{43D31EF1-A7A8-CE44-E4D1-98CA124BC92C}"/>
+              </a:ext>
+            </a:extLst>
+          </p:cNvPr>
+          <p:cNvSpPr/>
+          <p:nvPr/>
+        </p:nvSpPr>
+        <p:spPr>
+          <a:xfrm>
+            <a:off x="3782943" y="1465244"/>
+            <a:ext cx="437321" cy="437321"/>
+          </a:xfrm>
+          <a:prstGeom prst="ellipse">
+            <a:avLst/>
+          </a:prstGeom>
+          <a:noFill/>
+          <a:ln w="25400"/>
+        </p:spPr>
+        <p:style>
+          <a:lnRef idx="2">
+            <a:schemeClr val="accent1">
+              <a:shade val="50000"/>
+            </a:schemeClr>
+          </a:lnRef>
+          <a:fillRef idx="1">
+            <a:schemeClr val="accent1"/>
+          </a:fillRef>
+          <a:effectRef idx="0">
+            <a:schemeClr val="accent1"/>
+          </a:effectRef>
+          <a:fontRef idx="minor">
+            <a:schemeClr val="lt1"/>
+          </a:fontRef>
+        </p:style>
+        <p:txBody>
+          <a:bodyPr rtlCol="0" anchor="ctr"/>
+          <a:lstStyle/>
+          <a:p>
+            <a:pPr algn="ctr"/>
+            <a:endParaRPr lang="de-DE"/>
+          </a:p>
+        </p:txBody>
+      </p:sp>
+      <p:sp>
+        <p:nvSpPr>
+          <p:cNvPr id="3" name="Ellipse 2">
+            <a:extLst>
+              <a:ext uri="{FF2B5EF4-FFF2-40B4-BE49-F238E27FC236}">
+                <a16:creationId xmlns:a16="http://schemas.microsoft.com/office/drawing/2014/main" id="{208C9F9F-CFF8-C6E1-9EF5-F02569011761}"/>
+              </a:ext>
+            </a:extLst>
+          </p:cNvPr>
+          <p:cNvSpPr/>
+          <p:nvPr/>
+        </p:nvSpPr>
+        <p:spPr>
+          <a:xfrm>
+            <a:off x="3782942" y="2112320"/>
+            <a:ext cx="437321" cy="437321"/>
+          </a:xfrm>
+          <a:prstGeom prst="ellipse">
+            <a:avLst/>
+          </a:prstGeom>
+          <a:noFill/>
+          <a:ln w="25400"/>
+        </p:spPr>
+        <p:style>
+          <a:lnRef idx="2">
+            <a:schemeClr val="accent1">
+              <a:shade val="50000"/>
+            </a:schemeClr>
+          </a:lnRef>
+          <a:fillRef idx="1">
+            <a:schemeClr val="accent1"/>
+          </a:fillRef>
+          <a:effectRef idx="0">
+            <a:schemeClr val="accent1"/>
+          </a:effectRef>
+          <a:fontRef idx="minor">
+            <a:schemeClr val="lt1"/>
+          </a:fontRef>
+        </p:style>
+        <p:txBody>
+          <a:bodyPr rtlCol="0" anchor="ctr"/>
+          <a:lstStyle/>
+          <a:p>
+            <a:pPr algn="ctr"/>
+            <a:endParaRPr lang="de-DE"/>
+          </a:p>
+        </p:txBody>
+      </p:sp>
+      <p:sp>
+        <p:nvSpPr>
+          <p:cNvPr id="4" name="Ellipse 3">
+            <a:extLst>
+              <a:ext uri="{FF2B5EF4-FFF2-40B4-BE49-F238E27FC236}">
+                <a16:creationId xmlns:a16="http://schemas.microsoft.com/office/drawing/2014/main" id="{07000F83-C671-1A8E-8359-8C7FCBA7988E}"/>
+              </a:ext>
+            </a:extLst>
+          </p:cNvPr>
+          <p:cNvSpPr/>
+          <p:nvPr/>
+        </p:nvSpPr>
+        <p:spPr>
+          <a:xfrm>
+            <a:off x="3782941" y="2759396"/>
+            <a:ext cx="437321" cy="437321"/>
+          </a:xfrm>
+          <a:prstGeom prst="ellipse">
+            <a:avLst/>
+          </a:prstGeom>
+          <a:noFill/>
+          <a:ln w="25400"/>
+        </p:spPr>
+        <p:style>
+          <a:lnRef idx="2">
+            <a:schemeClr val="accent1">
+              <a:shade val="50000"/>
+            </a:schemeClr>
+          </a:lnRef>
+          <a:fillRef idx="1">
+            <a:schemeClr val="accent1"/>
+          </a:fillRef>
+          <a:effectRef idx="0">
+            <a:schemeClr val="accent1"/>
+          </a:effectRef>
+          <a:fontRef idx="minor">
+            <a:schemeClr val="lt1"/>
+          </a:fontRef>
+        </p:style>
+        <p:txBody>
+          <a:bodyPr rtlCol="0" anchor="ctr"/>
+          <a:lstStyle/>
+          <a:p>
+            <a:pPr algn="ctr"/>
+            <a:endParaRPr lang="de-DE"/>
+          </a:p>
+        </p:txBody>
+      </p:sp>
+      <p:sp>
+        <p:nvSpPr>
+          <p:cNvPr id="5" name="Ellipse 4">
+            <a:extLst>
+              <a:ext uri="{FF2B5EF4-FFF2-40B4-BE49-F238E27FC236}">
+                <a16:creationId xmlns:a16="http://schemas.microsoft.com/office/drawing/2014/main" id="{42655230-3AEF-5FAF-2343-87BF3A2F8162}"/>
+              </a:ext>
+            </a:extLst>
+          </p:cNvPr>
+          <p:cNvSpPr/>
+          <p:nvPr/>
+        </p:nvSpPr>
+        <p:spPr>
+          <a:xfrm>
+            <a:off x="3782940" y="3406472"/>
+            <a:ext cx="437321" cy="437321"/>
+          </a:xfrm>
+          <a:prstGeom prst="ellipse">
+            <a:avLst/>
+          </a:prstGeom>
+          <a:noFill/>
+          <a:ln w="25400"/>
+        </p:spPr>
+        <p:style>
+          <a:lnRef idx="2">
+            <a:schemeClr val="accent1">
+              <a:shade val="50000"/>
+            </a:schemeClr>
+          </a:lnRef>
+          <a:fillRef idx="1">
+            <a:schemeClr val="accent1"/>
+          </a:fillRef>
+          <a:effectRef idx="0">
+            <a:schemeClr val="accent1"/>
+          </a:effectRef>
+          <a:fontRef idx="minor">
+            <a:schemeClr val="lt1"/>
+          </a:fontRef>
+        </p:style>
+        <p:txBody>
+          <a:bodyPr rtlCol="0" anchor="ctr"/>
+          <a:lstStyle/>
+          <a:p>
+            <a:pPr algn="ctr"/>
+            <a:endParaRPr lang="de-DE"/>
+          </a:p>
+        </p:txBody>
+      </p:sp>
+      <p:sp>
+        <p:nvSpPr>
+          <p:cNvPr id="6" name="Ellipse 5">
+            <a:extLst>
+              <a:ext uri="{FF2B5EF4-FFF2-40B4-BE49-F238E27FC236}">
+                <a16:creationId xmlns:a16="http://schemas.microsoft.com/office/drawing/2014/main" id="{488FCEC7-F0FC-5363-C19D-89FE6D0B82B3}"/>
+              </a:ext>
+            </a:extLst>
+          </p:cNvPr>
+          <p:cNvSpPr/>
+          <p:nvPr/>
+        </p:nvSpPr>
+        <p:spPr>
+          <a:xfrm>
+            <a:off x="3782939" y="4053548"/>
+            <a:ext cx="437321" cy="437321"/>
+          </a:xfrm>
+          <a:prstGeom prst="ellipse">
+            <a:avLst/>
+          </a:prstGeom>
+          <a:noFill/>
+          <a:ln w="25400"/>
+        </p:spPr>
+        <p:style>
+          <a:lnRef idx="2">
+            <a:schemeClr val="accent1">
+              <a:shade val="50000"/>
+            </a:schemeClr>
+          </a:lnRef>
+          <a:fillRef idx="1">
+            <a:schemeClr val="accent1"/>
+          </a:fillRef>
+          <a:effectRef idx="0">
+            <a:schemeClr val="accent1"/>
+          </a:effectRef>
+          <a:fontRef idx="minor">
+            <a:schemeClr val="lt1"/>
+          </a:fontRef>
+        </p:style>
+        <p:txBody>
+          <a:bodyPr rtlCol="0" anchor="ctr"/>
+          <a:lstStyle/>
+          <a:p>
+            <a:pPr algn="ctr"/>
+            <a:endParaRPr lang="de-DE"/>
+          </a:p>
+        </p:txBody>
+      </p:sp>
+      <p:sp>
+        <p:nvSpPr>
+          <p:cNvPr id="7" name="Ellipse 6">
+            <a:extLst>
+              <a:ext uri="{FF2B5EF4-FFF2-40B4-BE49-F238E27FC236}">
+                <a16:creationId xmlns:a16="http://schemas.microsoft.com/office/drawing/2014/main" id="{9F96E5D1-668D-7112-C9BB-3AE57162FAC1}"/>
+              </a:ext>
+            </a:extLst>
+          </p:cNvPr>
+          <p:cNvSpPr/>
+          <p:nvPr/>
+        </p:nvSpPr>
+        <p:spPr>
+          <a:xfrm>
+            <a:off x="3782938" y="4700624"/>
+            <a:ext cx="437321" cy="437321"/>
+          </a:xfrm>
+          <a:prstGeom prst="ellipse">
+            <a:avLst/>
+          </a:prstGeom>
+          <a:noFill/>
+          <a:ln w="25400"/>
+        </p:spPr>
+        <p:style>
+          <a:lnRef idx="2">
+            <a:schemeClr val="accent1">
+              <a:shade val="50000"/>
+            </a:schemeClr>
+          </a:lnRef>
+          <a:fillRef idx="1">
+            <a:schemeClr val="accent1"/>
+          </a:fillRef>
+          <a:effectRef idx="0">
+            <a:schemeClr val="accent1"/>
+          </a:effectRef>
+          <a:fontRef idx="minor">
+            <a:schemeClr val="lt1"/>
+          </a:fontRef>
+        </p:style>
+        <p:txBody>
+          <a:bodyPr rtlCol="0" anchor="ctr"/>
+          <a:lstStyle/>
+          <a:p>
+            <a:pPr algn="ctr"/>
+            <a:endParaRPr lang="de-DE"/>
+          </a:p>
+        </p:txBody>
+      </p:sp>
+      <p:cxnSp>
+        <p:nvCxnSpPr>
+          <p:cNvPr id="10" name="Gerader Verbinder 9">
+            <a:extLst>
+              <a:ext uri="{FF2B5EF4-FFF2-40B4-BE49-F238E27FC236}">
+                <a16:creationId xmlns:a16="http://schemas.microsoft.com/office/drawing/2014/main" id="{E52DDA27-E856-A5CC-A116-6196CA1D592A}"/>
+              </a:ext>
+            </a:extLst>
+          </p:cNvPr>
+          <p:cNvCxnSpPr/>
+          <p:nvPr/>
+        </p:nvCxnSpPr>
+        <p:spPr>
+          <a:xfrm>
+            <a:off x="5041900" y="1003300"/>
+            <a:ext cx="0" cy="4635500"/>
+          </a:xfrm>
+          <a:prstGeom prst="line">
+            <a:avLst/>
+          </a:prstGeom>
+          <a:ln w="25400">
+            <a:solidFill>
+              <a:schemeClr val="bg1">
+                <a:lumMod val="50000"/>
+              </a:schemeClr>
+            </a:solidFill>
+          </a:ln>
+        </p:spPr>
+        <p:style>
+          <a:lnRef idx="1">
+            <a:schemeClr val="accent1"/>
+          </a:lnRef>
+          <a:fillRef idx="0">
+            <a:schemeClr val="accent1"/>
+          </a:fillRef>
+          <a:effectRef idx="0">
+            <a:schemeClr val="accent1"/>
+          </a:effectRef>
+          <a:fontRef idx="minor">
+            <a:schemeClr val="tx1"/>
+          </a:fontRef>
+        </p:style>
+      </p:cxnSp>
+      <p:cxnSp>
+        <p:nvCxnSpPr>
+          <p:cNvPr id="11" name="Gerader Verbinder 10">
+            <a:extLst>
+              <a:ext uri="{FF2B5EF4-FFF2-40B4-BE49-F238E27FC236}">
+                <a16:creationId xmlns:a16="http://schemas.microsoft.com/office/drawing/2014/main" id="{1FCC6602-5810-FF32-BEFC-1B52A2B2900E}"/>
+              </a:ext>
+            </a:extLst>
+          </p:cNvPr>
+          <p:cNvCxnSpPr/>
+          <p:nvPr/>
+        </p:nvCxnSpPr>
+        <p:spPr>
+          <a:xfrm>
+            <a:off x="7543800" y="1003300"/>
+            <a:ext cx="0" cy="4635500"/>
+          </a:xfrm>
+          <a:prstGeom prst="line">
+            <a:avLst/>
+          </a:prstGeom>
+          <a:ln w="25400">
+            <a:solidFill>
+              <a:schemeClr val="bg1">
+                <a:lumMod val="50000"/>
+              </a:schemeClr>
+            </a:solidFill>
+          </a:ln>
+        </p:spPr>
+        <p:style>
+          <a:lnRef idx="1">
+            <a:schemeClr val="accent1"/>
+          </a:lnRef>
+          <a:fillRef idx="0">
+            <a:schemeClr val="accent1"/>
+          </a:fillRef>
+          <a:effectRef idx="0">
+            <a:schemeClr val="accent1"/>
+          </a:effectRef>
+          <a:fontRef idx="minor">
+            <a:schemeClr val="tx1"/>
+          </a:fontRef>
+        </p:style>
+      </p:cxnSp>
+      <p:sp>
+        <p:nvSpPr>
+          <p:cNvPr id="12" name="Ellipse 11">
+            <a:extLst>
+              <a:ext uri="{FF2B5EF4-FFF2-40B4-BE49-F238E27FC236}">
+                <a16:creationId xmlns:a16="http://schemas.microsoft.com/office/drawing/2014/main" id="{4DDE86C8-BFAE-1C63-5F54-A6126764ECF3}"/>
+              </a:ext>
+            </a:extLst>
+          </p:cNvPr>
+          <p:cNvSpPr/>
+          <p:nvPr/>
+        </p:nvSpPr>
+        <p:spPr>
+          <a:xfrm>
+            <a:off x="8325680" y="2430444"/>
+            <a:ext cx="437321" cy="437321"/>
+          </a:xfrm>
+          <a:prstGeom prst="ellipse">
+            <a:avLst/>
+          </a:prstGeom>
+          <a:noFill/>
+          <a:ln w="25400">
+            <a:solidFill>
+              <a:srgbClr val="FF0000"/>
+            </a:solidFill>
+          </a:ln>
+        </p:spPr>
+        <p:style>
+          <a:lnRef idx="2">
+            <a:schemeClr val="accent1">
+              <a:shade val="50000"/>
+            </a:schemeClr>
+          </a:lnRef>
+          <a:fillRef idx="1">
+            <a:schemeClr val="accent1"/>
+          </a:fillRef>
+          <a:effectRef idx="0">
+            <a:schemeClr val="accent1"/>
+          </a:effectRef>
+          <a:fontRef idx="minor">
+            <a:schemeClr val="lt1"/>
+          </a:fontRef>
+        </p:style>
+        <p:txBody>
+          <a:bodyPr rtlCol="0" anchor="ctr"/>
+          <a:lstStyle/>
+          <a:p>
+            <a:pPr algn="ctr"/>
+            <a:endParaRPr lang="de-DE"/>
+          </a:p>
+        </p:txBody>
+      </p:sp>
+      <p:sp>
+        <p:nvSpPr>
+          <p:cNvPr id="13" name="Ellipse 12">
+            <a:extLst>
+              <a:ext uri="{FF2B5EF4-FFF2-40B4-BE49-F238E27FC236}">
+                <a16:creationId xmlns:a16="http://schemas.microsoft.com/office/drawing/2014/main" id="{9B6813BF-27A0-6157-7604-BAF948DE8C61}"/>
+              </a:ext>
+            </a:extLst>
+          </p:cNvPr>
+          <p:cNvSpPr/>
+          <p:nvPr/>
+        </p:nvSpPr>
+        <p:spPr>
+          <a:xfrm>
+            <a:off x="8325679" y="3077520"/>
+            <a:ext cx="437321" cy="437321"/>
+          </a:xfrm>
+          <a:prstGeom prst="ellipse">
+            <a:avLst/>
+          </a:prstGeom>
+          <a:noFill/>
+          <a:ln w="25400">
+            <a:solidFill>
+              <a:srgbClr val="FF0000"/>
+            </a:solidFill>
+          </a:ln>
+        </p:spPr>
+        <p:style>
+          <a:lnRef idx="2">
+            <a:schemeClr val="accent1">
+              <a:shade val="50000"/>
+            </a:schemeClr>
+          </a:lnRef>
+          <a:fillRef idx="1">
+            <a:schemeClr val="accent1"/>
+          </a:fillRef>
+          <a:effectRef idx="0">
+            <a:schemeClr val="accent1"/>
+          </a:effectRef>
+          <a:fontRef idx="minor">
+            <a:schemeClr val="lt1"/>
+          </a:fontRef>
+        </p:style>
+        <p:txBody>
+          <a:bodyPr rtlCol="0" anchor="ctr"/>
+          <a:lstStyle/>
+          <a:p>
+            <a:pPr algn="ctr"/>
+            <a:endParaRPr lang="de-DE"/>
+          </a:p>
+        </p:txBody>
+      </p:sp>
+      <p:sp>
+        <p:nvSpPr>
+          <p:cNvPr id="14" name="Ellipse 13">
+            <a:extLst>
+              <a:ext uri="{FF2B5EF4-FFF2-40B4-BE49-F238E27FC236}">
+                <a16:creationId xmlns:a16="http://schemas.microsoft.com/office/drawing/2014/main" id="{21E5FCB5-FDC8-C859-8B14-7BEFB716FD68}"/>
+              </a:ext>
+            </a:extLst>
+          </p:cNvPr>
+          <p:cNvSpPr/>
+          <p:nvPr/>
+        </p:nvSpPr>
+        <p:spPr>
+          <a:xfrm>
+            <a:off x="8325678" y="3724596"/>
+            <a:ext cx="437321" cy="437321"/>
+          </a:xfrm>
+          <a:prstGeom prst="ellipse">
+            <a:avLst/>
+          </a:prstGeom>
+          <a:noFill/>
+          <a:ln w="25400">
+            <a:solidFill>
+              <a:srgbClr val="FF0000"/>
+            </a:solidFill>
+          </a:ln>
+        </p:spPr>
+        <p:style>
+          <a:lnRef idx="2">
+            <a:schemeClr val="accent1">
+              <a:shade val="50000"/>
+            </a:schemeClr>
+          </a:lnRef>
+          <a:fillRef idx="1">
+            <a:schemeClr val="accent1"/>
+          </a:fillRef>
+          <a:effectRef idx="0">
+            <a:schemeClr val="accent1"/>
+          </a:effectRef>
+          <a:fontRef idx="minor">
+            <a:schemeClr val="lt1"/>
+          </a:fontRef>
+        </p:style>
+        <p:txBody>
+          <a:bodyPr rtlCol="0" anchor="ctr"/>
+          <a:lstStyle/>
+          <a:p>
+            <a:pPr algn="ctr"/>
+            <a:endParaRPr lang="de-DE"/>
+          </a:p>
+        </p:txBody>
+      </p:sp>
+      <p:sp>
+        <p:nvSpPr>
+          <p:cNvPr id="18" name="Textfeld 17">
+            <a:extLst>
+              <a:ext uri="{FF2B5EF4-FFF2-40B4-BE49-F238E27FC236}">
+                <a16:creationId xmlns:a16="http://schemas.microsoft.com/office/drawing/2014/main" id="{F78E796E-51EC-89E0-63E2-29C526F5C5E2}"/>
+              </a:ext>
+            </a:extLst>
+          </p:cNvPr>
+          <p:cNvSpPr txBox="1"/>
+          <p:nvPr/>
+        </p:nvSpPr>
+        <p:spPr>
+          <a:xfrm>
+            <a:off x="3169479" y="423747"/>
+            <a:ext cx="1664238" cy="369332"/>
+          </a:xfrm>
+          <a:prstGeom prst="rect">
+            <a:avLst/>
+          </a:prstGeom>
+          <a:noFill/>
+        </p:spPr>
+        <p:txBody>
+          <a:bodyPr wrap="none" rtlCol="0">
+            <a:spAutoFit/>
+          </a:bodyPr>
+          <a:lstStyle/>
+          <a:p>
+            <a:r>
+              <a:rPr lang="de-DE" dirty="0"/>
+              <a:t>Eingangsschicht</a:t>
+            </a:r>
+          </a:p>
+        </p:txBody>
+      </p:sp>
+      <p:sp>
+        <p:nvSpPr>
+          <p:cNvPr id="19" name="Textfeld 18">
+            <a:extLst>
+              <a:ext uri="{FF2B5EF4-FFF2-40B4-BE49-F238E27FC236}">
+                <a16:creationId xmlns:a16="http://schemas.microsoft.com/office/drawing/2014/main" id="{9B5428E4-F767-E5BE-AECA-5C3974203DAE}"/>
+              </a:ext>
+            </a:extLst>
+          </p:cNvPr>
+          <p:cNvSpPr txBox="1"/>
+          <p:nvPr/>
+        </p:nvSpPr>
+        <p:spPr>
+          <a:xfrm>
+            <a:off x="5272906" y="423747"/>
+            <a:ext cx="2085379" cy="369332"/>
+          </a:xfrm>
+          <a:prstGeom prst="rect">
+            <a:avLst/>
+          </a:prstGeom>
+          <a:noFill/>
+        </p:spPr>
+        <p:txBody>
+          <a:bodyPr wrap="none" rtlCol="0">
+            <a:spAutoFit/>
+          </a:bodyPr>
+          <a:lstStyle/>
+          <a:p>
+            <a:r>
+              <a:rPr lang="de-DE" dirty="0"/>
+              <a:t>Verdeckte Schichten</a:t>
+            </a:r>
+          </a:p>
+        </p:txBody>
+      </p:sp>
+      <p:sp>
+        <p:nvSpPr>
+          <p:cNvPr id="20" name="Textfeld 19">
+            <a:extLst>
+              <a:ext uri="{FF2B5EF4-FFF2-40B4-BE49-F238E27FC236}">
+                <a16:creationId xmlns:a16="http://schemas.microsoft.com/office/drawing/2014/main" id="{06CF10B8-8422-45FE-4061-6B40FB66558F}"/>
+              </a:ext>
+            </a:extLst>
+          </p:cNvPr>
+          <p:cNvSpPr txBox="1"/>
+          <p:nvPr/>
+        </p:nvSpPr>
+        <p:spPr>
+          <a:xfrm>
+            <a:off x="7683365" y="423747"/>
+            <a:ext cx="1721946" cy="369332"/>
+          </a:xfrm>
+          <a:prstGeom prst="rect">
+            <a:avLst/>
+          </a:prstGeom>
+          <a:noFill/>
+        </p:spPr>
+        <p:txBody>
+          <a:bodyPr wrap="none" rtlCol="0">
+            <a:spAutoFit/>
+          </a:bodyPr>
+          <a:lstStyle/>
+          <a:p>
+            <a:r>
+              <a:rPr lang="de-DE" dirty="0"/>
+              <a:t>Ausgangsschicht</a:t>
+            </a:r>
+          </a:p>
+        </p:txBody>
+      </p:sp>
+      <p:sp>
+        <p:nvSpPr>
+          <p:cNvPr id="21" name="Textfeld 20">
+            <a:extLst>
+              <a:ext uri="{FF2B5EF4-FFF2-40B4-BE49-F238E27FC236}">
+                <a16:creationId xmlns:a16="http://schemas.microsoft.com/office/drawing/2014/main" id="{8CE8CE38-3737-06A9-DA4E-A11E31274F7C}"/>
+              </a:ext>
+            </a:extLst>
+          </p:cNvPr>
+          <p:cNvSpPr txBox="1"/>
+          <p:nvPr/>
+        </p:nvSpPr>
+        <p:spPr>
+          <a:xfrm>
+            <a:off x="2743958" y="3085068"/>
+            <a:ext cx="452368" cy="369332"/>
+          </a:xfrm>
+          <a:prstGeom prst="rect">
+            <a:avLst/>
+          </a:prstGeom>
+          <a:noFill/>
+        </p:spPr>
+        <p:txBody>
+          <a:bodyPr wrap="none" rtlCol="0">
+            <a:spAutoFit/>
+          </a:bodyPr>
+          <a:lstStyle/>
+          <a:p>
+            <a:r>
+              <a:rPr lang="de-DE" dirty="0"/>
+              <a:t>x =</a:t>
+            </a:r>
+          </a:p>
+        </p:txBody>
+      </p:sp>
+      <p:sp>
+        <p:nvSpPr>
+          <p:cNvPr id="23" name="Textfeld 22">
+            <a:extLst>
+              <a:ext uri="{FF2B5EF4-FFF2-40B4-BE49-F238E27FC236}">
+                <a16:creationId xmlns:a16="http://schemas.microsoft.com/office/drawing/2014/main" id="{5CD6533E-8FC4-7293-B8E4-735C325EF117}"/>
+              </a:ext>
+            </a:extLst>
+          </p:cNvPr>
+          <p:cNvSpPr txBox="1"/>
+          <p:nvPr/>
+        </p:nvSpPr>
+        <p:spPr>
+          <a:xfrm>
+            <a:off x="3850755" y="1499239"/>
+            <a:ext cx="301686" cy="369332"/>
+          </a:xfrm>
+          <a:prstGeom prst="rect">
+            <a:avLst/>
+          </a:prstGeom>
+          <a:noFill/>
+        </p:spPr>
+        <p:txBody>
+          <a:bodyPr wrap="none" rtlCol="0">
+            <a:spAutoFit/>
+          </a:bodyPr>
+          <a:lstStyle/>
+          <a:p>
+            <a:r>
+              <a:rPr lang="de-DE" dirty="0"/>
+              <a:t>0</a:t>
+            </a:r>
+          </a:p>
+        </p:txBody>
+      </p:sp>
+      <p:sp>
+        <p:nvSpPr>
+          <p:cNvPr id="24" name="Textfeld 23">
+            <a:extLst>
+              <a:ext uri="{FF2B5EF4-FFF2-40B4-BE49-F238E27FC236}">
+                <a16:creationId xmlns:a16="http://schemas.microsoft.com/office/drawing/2014/main" id="{73BEC2FD-6BBF-8DE9-E731-852A3EC82F3D}"/>
+              </a:ext>
+            </a:extLst>
+          </p:cNvPr>
+          <p:cNvSpPr txBox="1"/>
+          <p:nvPr/>
+        </p:nvSpPr>
+        <p:spPr>
+          <a:xfrm>
+            <a:off x="3850755" y="2138562"/>
+            <a:ext cx="301686" cy="369332"/>
+          </a:xfrm>
+          <a:prstGeom prst="rect">
+            <a:avLst/>
+          </a:prstGeom>
+          <a:noFill/>
+        </p:spPr>
+        <p:txBody>
+          <a:bodyPr wrap="none" rtlCol="0">
+            <a:spAutoFit/>
+          </a:bodyPr>
+          <a:lstStyle/>
+          <a:p>
+            <a:r>
+              <a:rPr lang="de-DE" dirty="0"/>
+              <a:t>1</a:t>
+            </a:r>
+          </a:p>
+        </p:txBody>
+      </p:sp>
+      <p:sp>
+        <p:nvSpPr>
+          <p:cNvPr id="25" name="Textfeld 24">
+            <a:extLst>
+              <a:ext uri="{FF2B5EF4-FFF2-40B4-BE49-F238E27FC236}">
+                <a16:creationId xmlns:a16="http://schemas.microsoft.com/office/drawing/2014/main" id="{52C80B45-2C8D-982B-1933-20702D093052}"/>
+              </a:ext>
+            </a:extLst>
+          </p:cNvPr>
+          <p:cNvSpPr txBox="1"/>
+          <p:nvPr/>
+        </p:nvSpPr>
+        <p:spPr>
+          <a:xfrm>
+            <a:off x="3850755" y="2779600"/>
+            <a:ext cx="301686" cy="369332"/>
+          </a:xfrm>
+          <a:prstGeom prst="rect">
+            <a:avLst/>
+          </a:prstGeom>
+          <a:noFill/>
+        </p:spPr>
+        <p:txBody>
+          <a:bodyPr wrap="none" rtlCol="0">
+            <a:spAutoFit/>
+          </a:bodyPr>
+          <a:lstStyle/>
+          <a:p>
+            <a:r>
+              <a:rPr lang="de-DE" dirty="0"/>
+              <a:t>0</a:t>
+            </a:r>
+          </a:p>
+        </p:txBody>
+      </p:sp>
+      <p:sp>
+        <p:nvSpPr>
+          <p:cNvPr id="26" name="Textfeld 25">
+            <a:extLst>
+              <a:ext uri="{FF2B5EF4-FFF2-40B4-BE49-F238E27FC236}">
+                <a16:creationId xmlns:a16="http://schemas.microsoft.com/office/drawing/2014/main" id="{A87EE64F-71AB-DC28-95C9-41879D7110DC}"/>
+              </a:ext>
+            </a:extLst>
+          </p:cNvPr>
+          <p:cNvSpPr txBox="1"/>
+          <p:nvPr/>
+        </p:nvSpPr>
+        <p:spPr>
+          <a:xfrm>
+            <a:off x="3850296" y="3429000"/>
+            <a:ext cx="301686" cy="369332"/>
+          </a:xfrm>
+          <a:prstGeom prst="rect">
+            <a:avLst/>
+          </a:prstGeom>
+          <a:noFill/>
+        </p:spPr>
+        <p:txBody>
+          <a:bodyPr wrap="none" rtlCol="0">
+            <a:spAutoFit/>
+          </a:bodyPr>
+          <a:lstStyle/>
+          <a:p>
+            <a:r>
+              <a:rPr lang="de-DE" dirty="0"/>
+              <a:t>1</a:t>
+            </a:r>
+          </a:p>
+        </p:txBody>
+      </p:sp>
+      <p:sp>
+        <p:nvSpPr>
+          <p:cNvPr id="27" name="Textfeld 26">
+            <a:extLst>
+              <a:ext uri="{FF2B5EF4-FFF2-40B4-BE49-F238E27FC236}">
+                <a16:creationId xmlns:a16="http://schemas.microsoft.com/office/drawing/2014/main" id="{B6930F49-543E-AC63-750F-2C60E9BA59F1}"/>
+              </a:ext>
+            </a:extLst>
+          </p:cNvPr>
+          <p:cNvSpPr txBox="1"/>
+          <p:nvPr/>
+        </p:nvSpPr>
+        <p:spPr>
+          <a:xfrm>
+            <a:off x="3850296" y="4073035"/>
+            <a:ext cx="301686" cy="369332"/>
+          </a:xfrm>
+          <a:prstGeom prst="rect">
+            <a:avLst/>
+          </a:prstGeom>
+          <a:noFill/>
+        </p:spPr>
+        <p:txBody>
+          <a:bodyPr wrap="none" rtlCol="0">
+            <a:spAutoFit/>
+          </a:bodyPr>
+          <a:lstStyle/>
+          <a:p>
+            <a:r>
+              <a:rPr lang="de-DE" dirty="0"/>
+              <a:t>1</a:t>
+            </a:r>
+          </a:p>
+        </p:txBody>
+      </p:sp>
+      <p:sp>
+        <p:nvSpPr>
+          <p:cNvPr id="28" name="Textfeld 27">
+            <a:extLst>
+              <a:ext uri="{FF2B5EF4-FFF2-40B4-BE49-F238E27FC236}">
+                <a16:creationId xmlns:a16="http://schemas.microsoft.com/office/drawing/2014/main" id="{3801CAF7-8EB7-B288-8888-FA2463B926E5}"/>
+              </a:ext>
+            </a:extLst>
+          </p:cNvPr>
+          <p:cNvSpPr txBox="1"/>
+          <p:nvPr/>
+        </p:nvSpPr>
+        <p:spPr>
+          <a:xfrm>
+            <a:off x="3850296" y="4734618"/>
+            <a:ext cx="301686" cy="369332"/>
+          </a:xfrm>
+          <a:prstGeom prst="rect">
+            <a:avLst/>
+          </a:prstGeom>
+          <a:noFill/>
+        </p:spPr>
+        <p:txBody>
+          <a:bodyPr wrap="none" rtlCol="0">
+            <a:spAutoFit/>
+          </a:bodyPr>
+          <a:lstStyle/>
+          <a:p>
+            <a:r>
+              <a:rPr lang="de-DE" dirty="0"/>
+              <a:t>1</a:t>
+            </a:r>
+          </a:p>
+        </p:txBody>
+      </p:sp>
+      <p:cxnSp>
+        <p:nvCxnSpPr>
+          <p:cNvPr id="30" name="Gerader Verbinder 29">
+            <a:extLst>
+              <a:ext uri="{FF2B5EF4-FFF2-40B4-BE49-F238E27FC236}">
+                <a16:creationId xmlns:a16="http://schemas.microsoft.com/office/drawing/2014/main" id="{2AE8578B-528F-2D4E-53CC-4AF031F4C5CE}"/>
+              </a:ext>
+            </a:extLst>
+          </p:cNvPr>
+          <p:cNvCxnSpPr>
+            <a:cxnSpLocks/>
+          </p:cNvCxnSpPr>
+          <p:nvPr/>
+        </p:nvCxnSpPr>
+        <p:spPr>
+          <a:xfrm>
+            <a:off x="3276600" y="3295134"/>
+            <a:ext cx="1765300" cy="0"/>
+          </a:xfrm>
+          <a:prstGeom prst="line">
+            <a:avLst/>
+          </a:prstGeom>
+          <a:ln w="25400">
+            <a:solidFill>
+              <a:schemeClr val="bg1">
+                <a:lumMod val="50000"/>
+              </a:schemeClr>
+            </a:solidFill>
+          </a:ln>
+        </p:spPr>
+        <p:style>
+          <a:lnRef idx="1">
+            <a:schemeClr val="accent1"/>
+          </a:lnRef>
+          <a:fillRef idx="0">
+            <a:schemeClr val="accent1"/>
+          </a:fillRef>
+          <a:effectRef idx="0">
+            <a:schemeClr val="accent1"/>
+          </a:effectRef>
+          <a:fontRef idx="minor">
+            <a:schemeClr val="tx1"/>
+          </a:fontRef>
+        </p:style>
+      </p:cxnSp>
+      <p:sp>
+        <p:nvSpPr>
+          <p:cNvPr id="114" name="Textfeld 113">
+            <a:extLst>
+              <a:ext uri="{FF2B5EF4-FFF2-40B4-BE49-F238E27FC236}">
+                <a16:creationId xmlns:a16="http://schemas.microsoft.com/office/drawing/2014/main" id="{C704A501-4D16-E82E-336F-22FC24C75D16}"/>
+              </a:ext>
+            </a:extLst>
+          </p:cNvPr>
+          <p:cNvSpPr txBox="1"/>
+          <p:nvPr/>
+        </p:nvSpPr>
+        <p:spPr>
+          <a:xfrm>
+            <a:off x="8955158" y="3110468"/>
+            <a:ext cx="2017475" cy="369332"/>
+          </a:xfrm>
+          <a:prstGeom prst="rect">
+            <a:avLst/>
+          </a:prstGeom>
+          <a:noFill/>
+        </p:spPr>
+        <p:txBody>
+          <a:bodyPr wrap="none" rtlCol="0">
+            <a:spAutoFit/>
+          </a:bodyPr>
+          <a:lstStyle/>
+          <a:p>
+            <a:r>
+              <a:rPr lang="de-DE" dirty="0"/>
+              <a:t>State-Action-Values</a:t>
+            </a:r>
+          </a:p>
+        </p:txBody>
+      </p:sp>
+      <p:sp>
+        <p:nvSpPr>
+          <p:cNvPr id="115" name="Textfeld 114">
+            <a:extLst>
+              <a:ext uri="{FF2B5EF4-FFF2-40B4-BE49-F238E27FC236}">
+                <a16:creationId xmlns:a16="http://schemas.microsoft.com/office/drawing/2014/main" id="{5C516108-937D-B1BC-5E8E-279FBD6B5BCE}"/>
+              </a:ext>
+            </a:extLst>
+          </p:cNvPr>
+          <p:cNvSpPr txBox="1"/>
+          <p:nvPr/>
+        </p:nvSpPr>
+        <p:spPr>
+          <a:xfrm rot="16200000">
+            <a:off x="2477581" y="2117511"/>
+            <a:ext cx="1789080" cy="369332"/>
+          </a:xfrm>
+          <a:prstGeom prst="rect">
+            <a:avLst/>
+          </a:prstGeom>
+          <a:noFill/>
+        </p:spPr>
+        <p:txBody>
+          <a:bodyPr wrap="none" rtlCol="0">
+            <a:spAutoFit/>
+          </a:bodyPr>
+          <a:lstStyle/>
+          <a:p>
+            <a:r>
+              <a:rPr lang="de-DE" dirty="0">
+                <a:solidFill>
+                  <a:schemeClr val="bg1">
+                    <a:lumMod val="65000"/>
+                  </a:schemeClr>
+                </a:solidFill>
+              </a:rPr>
+              <a:t>Fahrzeugposition</a:t>
+            </a:r>
+          </a:p>
+        </p:txBody>
+      </p:sp>
+      <p:sp>
+        <p:nvSpPr>
+          <p:cNvPr id="116" name="Textfeld 115">
+            <a:extLst>
+              <a:ext uri="{FF2B5EF4-FFF2-40B4-BE49-F238E27FC236}">
+                <a16:creationId xmlns:a16="http://schemas.microsoft.com/office/drawing/2014/main" id="{E2FE1B9C-E9C7-A0C1-FC05-C6040F8E8466}"/>
+              </a:ext>
+            </a:extLst>
+          </p:cNvPr>
+          <p:cNvSpPr txBox="1"/>
+          <p:nvPr/>
+        </p:nvSpPr>
+        <p:spPr>
+          <a:xfrm rot="16200000">
+            <a:off x="2652844" y="4096299"/>
+            <a:ext cx="1456296" cy="369332"/>
+          </a:xfrm>
+          <a:prstGeom prst="rect">
+            <a:avLst/>
+          </a:prstGeom>
+          <a:noFill/>
+        </p:spPr>
+        <p:txBody>
+          <a:bodyPr wrap="none" rtlCol="0">
+            <a:spAutoFit/>
+          </a:bodyPr>
+          <a:lstStyle/>
+          <a:p>
+            <a:r>
+              <a:rPr lang="de-DE" dirty="0">
+                <a:solidFill>
+                  <a:schemeClr val="bg1">
+                    <a:lumMod val="65000"/>
+                  </a:schemeClr>
+                </a:solidFill>
+              </a:rPr>
+              <a:t>Befahrbarkeit</a:t>
+            </a:r>
+          </a:p>
+        </p:txBody>
+      </p:sp>
+      <p:sp>
+        <p:nvSpPr>
+          <p:cNvPr id="8" name="Ellipse 7">
+            <a:extLst>
+              <a:ext uri="{FF2B5EF4-FFF2-40B4-BE49-F238E27FC236}">
+                <a16:creationId xmlns:a16="http://schemas.microsoft.com/office/drawing/2014/main" id="{D9CA2EDC-3471-8AF4-4691-B741DE839258}"/>
+              </a:ext>
+            </a:extLst>
+          </p:cNvPr>
+          <p:cNvSpPr/>
+          <p:nvPr/>
+        </p:nvSpPr>
+        <p:spPr>
+          <a:xfrm>
+            <a:off x="5997556" y="1942234"/>
+            <a:ext cx="437321" cy="437321"/>
+          </a:xfrm>
+          <a:prstGeom prst="ellipse">
+            <a:avLst/>
+          </a:prstGeom>
+          <a:noFill/>
+          <a:ln w="25400">
+            <a:solidFill>
+              <a:schemeClr val="bg1">
+                <a:lumMod val="50000"/>
+              </a:schemeClr>
+            </a:solidFill>
+          </a:ln>
+        </p:spPr>
+        <p:style>
+          <a:lnRef idx="2">
+            <a:schemeClr val="accent1">
+              <a:shade val="50000"/>
+            </a:schemeClr>
+          </a:lnRef>
+          <a:fillRef idx="1">
+            <a:schemeClr val="accent1"/>
+          </a:fillRef>
+          <a:effectRef idx="0">
+            <a:schemeClr val="accent1"/>
+          </a:effectRef>
+          <a:fontRef idx="minor">
+            <a:schemeClr val="lt1"/>
+          </a:fontRef>
+        </p:style>
+        <p:txBody>
+          <a:bodyPr rtlCol="0" anchor="ctr"/>
+          <a:lstStyle/>
+          <a:p>
+            <a:pPr algn="ctr"/>
+            <a:endParaRPr lang="de-DE"/>
+          </a:p>
+        </p:txBody>
+      </p:sp>
+      <p:sp>
+        <p:nvSpPr>
+          <p:cNvPr id="9" name="Ellipse 8">
+            <a:extLst>
+              <a:ext uri="{FF2B5EF4-FFF2-40B4-BE49-F238E27FC236}">
+                <a16:creationId xmlns:a16="http://schemas.microsoft.com/office/drawing/2014/main" id="{7F801784-440D-58E7-0D0C-08EE76E53515}"/>
+              </a:ext>
+            </a:extLst>
+          </p:cNvPr>
+          <p:cNvSpPr/>
+          <p:nvPr/>
+        </p:nvSpPr>
+        <p:spPr>
+          <a:xfrm>
+            <a:off x="5997556" y="2671436"/>
+            <a:ext cx="437321" cy="437321"/>
+          </a:xfrm>
+          <a:prstGeom prst="ellipse">
+            <a:avLst/>
+          </a:prstGeom>
+          <a:noFill/>
+          <a:ln w="25400">
+            <a:solidFill>
+              <a:schemeClr val="bg1">
+                <a:lumMod val="50000"/>
+              </a:schemeClr>
+            </a:solidFill>
+          </a:ln>
+        </p:spPr>
+        <p:style>
+          <a:lnRef idx="2">
+            <a:schemeClr val="accent1">
+              <a:shade val="50000"/>
+            </a:schemeClr>
+          </a:lnRef>
+          <a:fillRef idx="1">
+            <a:schemeClr val="accent1"/>
+          </a:fillRef>
+          <a:effectRef idx="0">
+            <a:schemeClr val="accent1"/>
+          </a:effectRef>
+          <a:fontRef idx="minor">
+            <a:schemeClr val="lt1"/>
+          </a:fontRef>
+        </p:style>
+        <p:txBody>
+          <a:bodyPr rtlCol="0" anchor="ctr"/>
+          <a:lstStyle/>
+          <a:p>
+            <a:pPr algn="ctr"/>
+            <a:endParaRPr lang="de-DE"/>
+          </a:p>
+        </p:txBody>
+      </p:sp>
+      <p:sp>
+        <p:nvSpPr>
+          <p:cNvPr id="15" name="Ellipse 14">
+            <a:extLst>
+              <a:ext uri="{FF2B5EF4-FFF2-40B4-BE49-F238E27FC236}">
+                <a16:creationId xmlns:a16="http://schemas.microsoft.com/office/drawing/2014/main" id="{B80E20F0-32FC-481A-75C2-B1903452B139}"/>
+              </a:ext>
+            </a:extLst>
+          </p:cNvPr>
+          <p:cNvSpPr/>
+          <p:nvPr/>
+        </p:nvSpPr>
+        <p:spPr>
+          <a:xfrm>
+            <a:off x="5997556" y="3406472"/>
+            <a:ext cx="437321" cy="437321"/>
+          </a:xfrm>
+          <a:prstGeom prst="ellipse">
+            <a:avLst/>
+          </a:prstGeom>
+          <a:noFill/>
+          <a:ln w="25400">
+            <a:solidFill>
+              <a:schemeClr val="bg1">
+                <a:lumMod val="50000"/>
+              </a:schemeClr>
+            </a:solidFill>
+          </a:ln>
+        </p:spPr>
+        <p:style>
+          <a:lnRef idx="2">
+            <a:schemeClr val="accent1">
+              <a:shade val="50000"/>
+            </a:schemeClr>
+          </a:lnRef>
+          <a:fillRef idx="1">
+            <a:schemeClr val="accent1"/>
+          </a:fillRef>
+          <a:effectRef idx="0">
+            <a:schemeClr val="accent1"/>
+          </a:effectRef>
+          <a:fontRef idx="minor">
+            <a:schemeClr val="lt1"/>
+          </a:fontRef>
+        </p:style>
+        <p:txBody>
+          <a:bodyPr rtlCol="0" anchor="ctr"/>
+          <a:lstStyle/>
+          <a:p>
+            <a:pPr algn="ctr"/>
+            <a:endParaRPr lang="de-DE"/>
+          </a:p>
+        </p:txBody>
+      </p:sp>
+      <p:sp>
+        <p:nvSpPr>
+          <p:cNvPr id="16" name="Ellipse 15">
+            <a:extLst>
+              <a:ext uri="{FF2B5EF4-FFF2-40B4-BE49-F238E27FC236}">
+                <a16:creationId xmlns:a16="http://schemas.microsoft.com/office/drawing/2014/main" id="{678D5175-6CC3-0260-A623-0BC494621EB0}"/>
+              </a:ext>
+            </a:extLst>
+          </p:cNvPr>
+          <p:cNvSpPr/>
+          <p:nvPr/>
+        </p:nvSpPr>
+        <p:spPr>
+          <a:xfrm>
+            <a:off x="5997556" y="4138779"/>
+            <a:ext cx="437321" cy="437321"/>
+          </a:xfrm>
+          <a:prstGeom prst="ellipse">
+            <a:avLst/>
+          </a:prstGeom>
+          <a:noFill/>
+          <a:ln w="25400">
+            <a:solidFill>
+              <a:schemeClr val="bg1">
+                <a:lumMod val="50000"/>
+              </a:schemeClr>
+            </a:solidFill>
+          </a:ln>
+        </p:spPr>
+        <p:style>
+          <a:lnRef idx="2">
+            <a:schemeClr val="accent1">
+              <a:shade val="50000"/>
+            </a:schemeClr>
+          </a:lnRef>
+          <a:fillRef idx="1">
+            <a:schemeClr val="accent1"/>
+          </a:fillRef>
+          <a:effectRef idx="0">
+            <a:schemeClr val="accent1"/>
+          </a:effectRef>
+          <a:fontRef idx="minor">
+            <a:schemeClr val="lt1"/>
+          </a:fontRef>
+        </p:style>
+        <p:txBody>
+          <a:bodyPr rtlCol="0" anchor="ctr"/>
+          <a:lstStyle/>
+          <a:p>
+            <a:pPr algn="ctr"/>
+            <a:endParaRPr lang="de-DE"/>
+          </a:p>
+        </p:txBody>
+      </p:sp>
+      <p:cxnSp>
+        <p:nvCxnSpPr>
+          <p:cNvPr id="17" name="Gerade Verbindung mit Pfeil 16">
+            <a:extLst>
+              <a:ext uri="{FF2B5EF4-FFF2-40B4-BE49-F238E27FC236}">
+                <a16:creationId xmlns:a16="http://schemas.microsoft.com/office/drawing/2014/main" id="{5BDD0123-656F-4D43-09F6-0AEDA0D2814A}"/>
+              </a:ext>
+            </a:extLst>
+          </p:cNvPr>
+          <p:cNvCxnSpPr>
+            <a:cxnSpLocks/>
+            <a:stCxn id="2" idx="6"/>
+            <a:endCxn id="8" idx="2"/>
+          </p:cNvCxnSpPr>
+          <p:nvPr/>
+        </p:nvCxnSpPr>
+        <p:spPr>
+          <a:xfrm>
+            <a:off x="4220264" y="1683905"/>
+            <a:ext cx="1777292" cy="476990"/>
+          </a:xfrm>
+          <a:prstGeom prst="straightConnector1">
+            <a:avLst/>
+          </a:prstGeom>
+          <a:ln w="19050">
+            <a:tailEnd type="triangle"/>
+          </a:ln>
+        </p:spPr>
+        <p:style>
+          <a:lnRef idx="1">
+            <a:schemeClr val="accent1"/>
+          </a:lnRef>
+          <a:fillRef idx="0">
+            <a:schemeClr val="accent1"/>
+          </a:fillRef>
+          <a:effectRef idx="0">
+            <a:schemeClr val="accent1"/>
+          </a:effectRef>
+          <a:fontRef idx="minor">
+            <a:schemeClr val="tx1"/>
+          </a:fontRef>
+        </p:style>
+      </p:cxnSp>
+      <p:cxnSp>
+        <p:nvCxnSpPr>
+          <p:cNvPr id="31" name="Gerade Verbindung mit Pfeil 30">
+            <a:extLst>
+              <a:ext uri="{FF2B5EF4-FFF2-40B4-BE49-F238E27FC236}">
+                <a16:creationId xmlns:a16="http://schemas.microsoft.com/office/drawing/2014/main" id="{70BDD493-FB33-BE4E-A74D-DB4B11333133}"/>
+              </a:ext>
+            </a:extLst>
+          </p:cNvPr>
+          <p:cNvCxnSpPr>
+            <a:cxnSpLocks/>
+            <a:stCxn id="2" idx="6"/>
+            <a:endCxn id="9" idx="2"/>
+          </p:cNvCxnSpPr>
+          <p:nvPr/>
+        </p:nvCxnSpPr>
+        <p:spPr>
+          <a:xfrm>
+            <a:off x="4220264" y="1683905"/>
+            <a:ext cx="1777292" cy="1206192"/>
+          </a:xfrm>
+          <a:prstGeom prst="straightConnector1">
+            <a:avLst/>
+          </a:prstGeom>
+          <a:ln w="19050">
+            <a:tailEnd type="triangle"/>
+          </a:ln>
+        </p:spPr>
+        <p:style>
+          <a:lnRef idx="1">
+            <a:schemeClr val="accent1"/>
+          </a:lnRef>
+          <a:fillRef idx="0">
+            <a:schemeClr val="accent1"/>
+          </a:fillRef>
+          <a:effectRef idx="0">
+            <a:schemeClr val="accent1"/>
+          </a:effectRef>
+          <a:fontRef idx="minor">
+            <a:schemeClr val="tx1"/>
+          </a:fontRef>
+        </p:style>
+      </p:cxnSp>
+      <p:cxnSp>
+        <p:nvCxnSpPr>
+          <p:cNvPr id="37" name="Gerade Verbindung mit Pfeil 36">
+            <a:extLst>
+              <a:ext uri="{FF2B5EF4-FFF2-40B4-BE49-F238E27FC236}">
+                <a16:creationId xmlns:a16="http://schemas.microsoft.com/office/drawing/2014/main" id="{8CEA0176-CE0F-B60F-303C-E02EAFD78364}"/>
+              </a:ext>
+            </a:extLst>
+          </p:cNvPr>
+          <p:cNvCxnSpPr>
+            <a:cxnSpLocks/>
+            <a:stCxn id="2" idx="6"/>
+            <a:endCxn id="15" idx="2"/>
+          </p:cNvCxnSpPr>
+          <p:nvPr/>
+        </p:nvCxnSpPr>
+        <p:spPr>
+          <a:xfrm>
+            <a:off x="4220264" y="1683905"/>
+            <a:ext cx="1777292" cy="1941228"/>
+          </a:xfrm>
+          <a:prstGeom prst="straightConnector1">
+            <a:avLst/>
+          </a:prstGeom>
+          <a:ln w="19050">
+            <a:tailEnd type="triangle"/>
+          </a:ln>
+        </p:spPr>
+        <p:style>
+          <a:lnRef idx="1">
+            <a:schemeClr val="accent1"/>
+          </a:lnRef>
+          <a:fillRef idx="0">
+            <a:schemeClr val="accent1"/>
+          </a:fillRef>
+          <a:effectRef idx="0">
+            <a:schemeClr val="accent1"/>
+          </a:effectRef>
+          <a:fontRef idx="minor">
+            <a:schemeClr val="tx1"/>
+          </a:fontRef>
+        </p:style>
+      </p:cxnSp>
+      <p:cxnSp>
+        <p:nvCxnSpPr>
+          <p:cNvPr id="42" name="Gerade Verbindung mit Pfeil 41">
+            <a:extLst>
+              <a:ext uri="{FF2B5EF4-FFF2-40B4-BE49-F238E27FC236}">
+                <a16:creationId xmlns:a16="http://schemas.microsoft.com/office/drawing/2014/main" id="{02D64FCE-54C7-6164-19F4-D0C1A018D30D}"/>
+              </a:ext>
+            </a:extLst>
+          </p:cNvPr>
+          <p:cNvCxnSpPr>
+            <a:cxnSpLocks/>
+            <a:stCxn id="2" idx="6"/>
+            <a:endCxn id="16" idx="2"/>
+          </p:cNvCxnSpPr>
+          <p:nvPr/>
+        </p:nvCxnSpPr>
+        <p:spPr>
+          <a:xfrm>
+            <a:off x="4220264" y="1683905"/>
+            <a:ext cx="1777292" cy="2673535"/>
+          </a:xfrm>
+          <a:prstGeom prst="straightConnector1">
+            <a:avLst/>
+          </a:prstGeom>
+          <a:ln w="19050">
+            <a:tailEnd type="triangle"/>
+          </a:ln>
+        </p:spPr>
+        <p:style>
+          <a:lnRef idx="1">
+            <a:schemeClr val="accent1"/>
+          </a:lnRef>
+          <a:fillRef idx="0">
+            <a:schemeClr val="accent1"/>
+          </a:fillRef>
+          <a:effectRef idx="0">
+            <a:schemeClr val="accent1"/>
+          </a:effectRef>
+          <a:fontRef idx="minor">
+            <a:schemeClr val="tx1"/>
+          </a:fontRef>
+        </p:style>
+      </p:cxnSp>
+      <p:cxnSp>
+        <p:nvCxnSpPr>
+          <p:cNvPr id="46" name="Gerade Verbindung mit Pfeil 45">
+            <a:extLst>
+              <a:ext uri="{FF2B5EF4-FFF2-40B4-BE49-F238E27FC236}">
+                <a16:creationId xmlns:a16="http://schemas.microsoft.com/office/drawing/2014/main" id="{03FF4FC2-B027-4459-BFCD-7208C25E4621}"/>
+              </a:ext>
+            </a:extLst>
+          </p:cNvPr>
+          <p:cNvCxnSpPr>
+            <a:cxnSpLocks/>
+            <a:stCxn id="9" idx="6"/>
+            <a:endCxn id="12" idx="2"/>
+          </p:cNvCxnSpPr>
+          <p:nvPr/>
+        </p:nvCxnSpPr>
+        <p:spPr>
+          <a:xfrm flipV="1">
+            <a:off x="6434877" y="2649105"/>
+            <a:ext cx="1890803" cy="240992"/>
+          </a:xfrm>
+          <a:prstGeom prst="straightConnector1">
+            <a:avLst/>
+          </a:prstGeom>
+          <a:ln w="19050">
+            <a:solidFill>
+              <a:srgbClr val="FF0000"/>
+            </a:solidFill>
+            <a:tailEnd type="triangle"/>
+          </a:ln>
+        </p:spPr>
+        <p:style>
+          <a:lnRef idx="1">
+            <a:schemeClr val="accent1"/>
+          </a:lnRef>
+          <a:fillRef idx="0">
+            <a:schemeClr val="accent1"/>
+          </a:fillRef>
+          <a:effectRef idx="0">
+            <a:schemeClr val="accent1"/>
+          </a:effectRef>
+          <a:fontRef idx="minor">
+            <a:schemeClr val="tx1"/>
+          </a:fontRef>
+        </p:style>
+      </p:cxnSp>
+      <p:cxnSp>
+        <p:nvCxnSpPr>
+          <p:cNvPr id="51" name="Gerade Verbindung mit Pfeil 50">
+            <a:extLst>
+              <a:ext uri="{FF2B5EF4-FFF2-40B4-BE49-F238E27FC236}">
+                <a16:creationId xmlns:a16="http://schemas.microsoft.com/office/drawing/2014/main" id="{4F24C14F-12D1-FE56-653D-81C6E3F36BC6}"/>
+              </a:ext>
+            </a:extLst>
+          </p:cNvPr>
+          <p:cNvCxnSpPr>
+            <a:cxnSpLocks/>
+            <a:stCxn id="9" idx="6"/>
+            <a:endCxn id="13" idx="2"/>
+          </p:cNvCxnSpPr>
+          <p:nvPr/>
+        </p:nvCxnSpPr>
+        <p:spPr>
+          <a:xfrm>
+            <a:off x="6434877" y="2890097"/>
+            <a:ext cx="1890802" cy="406084"/>
+          </a:xfrm>
+          <a:prstGeom prst="straightConnector1">
+            <a:avLst/>
+          </a:prstGeom>
+          <a:ln w="19050">
+            <a:solidFill>
+              <a:srgbClr val="FF0000"/>
+            </a:solidFill>
+            <a:tailEnd type="triangle"/>
+          </a:ln>
+        </p:spPr>
+        <p:style>
+          <a:lnRef idx="1">
+            <a:schemeClr val="accent1"/>
+          </a:lnRef>
+          <a:fillRef idx="0">
+            <a:schemeClr val="accent1"/>
+          </a:fillRef>
+          <a:effectRef idx="0">
+            <a:schemeClr val="accent1"/>
+          </a:effectRef>
+          <a:fontRef idx="minor">
+            <a:schemeClr val="tx1"/>
+          </a:fontRef>
+        </p:style>
+      </p:cxnSp>
+      <p:cxnSp>
+        <p:nvCxnSpPr>
+          <p:cNvPr id="55" name="Gerade Verbindung mit Pfeil 54">
+            <a:extLst>
+              <a:ext uri="{FF2B5EF4-FFF2-40B4-BE49-F238E27FC236}">
+                <a16:creationId xmlns:a16="http://schemas.microsoft.com/office/drawing/2014/main" id="{4A7DA47A-9BB0-C699-9050-0D480EA03592}"/>
+              </a:ext>
+            </a:extLst>
+          </p:cNvPr>
+          <p:cNvCxnSpPr>
+            <a:cxnSpLocks/>
+            <a:stCxn id="9" idx="6"/>
+            <a:endCxn id="14" idx="2"/>
+          </p:cNvCxnSpPr>
+          <p:nvPr/>
+        </p:nvCxnSpPr>
+        <p:spPr>
+          <a:xfrm>
+            <a:off x="6434877" y="2890097"/>
+            <a:ext cx="1890801" cy="1053160"/>
+          </a:xfrm>
+          <a:prstGeom prst="straightConnector1">
+            <a:avLst/>
+          </a:prstGeom>
+          <a:ln w="19050">
+            <a:solidFill>
+              <a:srgbClr val="FF0000"/>
+            </a:solidFill>
+            <a:tailEnd type="triangle"/>
+          </a:ln>
+        </p:spPr>
+        <p:style>
+          <a:lnRef idx="1">
+            <a:schemeClr val="accent1"/>
+          </a:lnRef>
+          <a:fillRef idx="0">
+            <a:schemeClr val="accent1"/>
+          </a:fillRef>
+          <a:effectRef idx="0">
+            <a:schemeClr val="accent1"/>
+          </a:effectRef>
+          <a:fontRef idx="minor">
+            <a:schemeClr val="tx1"/>
+          </a:fontRef>
+        </p:style>
+      </p:cxnSp>
+      <mc:AlternateContent xmlns:mc="http://schemas.openxmlformats.org/markup-compatibility/2006" xmlns:a14="http://schemas.microsoft.com/office/drawing/2010/main">
+        <mc:Choice Requires="a14">
+          <p:sp>
+            <p:nvSpPr>
+              <p:cNvPr id="77" name="Textfeld 76">
+                <a:extLst>
+                  <a:ext uri="{FF2B5EF4-FFF2-40B4-BE49-F238E27FC236}">
+                    <a16:creationId xmlns:a16="http://schemas.microsoft.com/office/drawing/2014/main" id="{5B8B79CE-CAAF-E1BE-01A1-C7D74DCA6C55}"/>
+                  </a:ext>
+                </a:extLst>
+              </p:cNvPr>
+              <p:cNvSpPr txBox="1"/>
+              <p:nvPr/>
+            </p:nvSpPr>
+            <p:spPr>
+              <a:xfrm>
+                <a:off x="5192934" y="1824009"/>
+                <a:ext cx="565348" cy="379206"/>
+              </a:xfrm>
+              <a:prstGeom prst="rect">
+                <a:avLst/>
+              </a:prstGeom>
+              <a:solidFill>
+                <a:schemeClr val="bg1"/>
+              </a:solidFill>
+            </p:spPr>
+            <p:txBody>
+              <a:bodyPr wrap="none" rtlCol="0">
+                <a:spAutoFit/>
+              </a:bodyPr>
+              <a:lstStyle/>
+              <a:p>
+                <a14:m>
+                  <m:oMath xmlns:m="http://schemas.openxmlformats.org/officeDocument/2006/math">
+                    <m:sSubSup>
+                      <m:sSubSupPr>
+                        <m:ctrlPr>
+                          <a:rPr lang="de-DE" sz="1400" i="1" smtClean="0">
+                            <a:effectLst/>
+                            <a:latin typeface="Cambria Math" panose="02040503050406030204" pitchFamily="18" charset="0"/>
+                          </a:rPr>
+                        </m:ctrlPr>
+                      </m:sSubSupPr>
+                      <m:e>
+                        <m:r>
+                          <a:rPr lang="de-DE" sz="1400" i="1">
+                            <a:effectLst/>
+                            <a:latin typeface="Cambria Math" panose="02040503050406030204" pitchFamily="18" charset="0"/>
+                            <a:ea typeface="Palatino Linotype" panose="02040502050505030304" pitchFamily="18" charset="0"/>
+                            <a:cs typeface="Times New Roman" panose="02020603050405020304" pitchFamily="18" charset="0"/>
+                          </a:rPr>
+                          <m:t>𝑤</m:t>
+                        </m:r>
+                      </m:e>
+                      <m:sub>
+                        <m:r>
+                          <a:rPr lang="de-DE" sz="1400" b="0" i="1" smtClean="0">
+                            <a:effectLst/>
+                            <a:latin typeface="Cambria Math" panose="02040503050406030204" pitchFamily="18" charset="0"/>
+                            <a:ea typeface="Palatino Linotype" panose="02040502050505030304" pitchFamily="18" charset="0"/>
+                            <a:cs typeface="Times New Roman" panose="02020603050405020304" pitchFamily="18" charset="0"/>
+                          </a:rPr>
+                          <m:t>0,0</m:t>
+                        </m:r>
+                      </m:sub>
+                      <m:sup>
+                        <m:r>
+                          <a:rPr lang="de-DE" sz="1400" b="0" i="1" smtClean="0">
+                            <a:effectLst/>
+                            <a:latin typeface="Cambria Math" panose="02040503050406030204" pitchFamily="18" charset="0"/>
+                            <a:ea typeface="Palatino Linotype" panose="02040502050505030304" pitchFamily="18" charset="0"/>
+                            <a:cs typeface="Times New Roman" panose="02020603050405020304" pitchFamily="18" charset="0"/>
+                          </a:rPr>
+                          <m:t>(0)</m:t>
+                        </m:r>
+                      </m:sup>
+                    </m:sSubSup>
+                  </m:oMath>
+                </a14:m>
+                <a:r>
+                  <a:rPr lang="de-DE" sz="1400" dirty="0">
+                    <a:effectLst/>
+                    <a:latin typeface="Palatino Linotype" panose="02040502050505030304" pitchFamily="18" charset="0"/>
+                    <a:ea typeface="Times New Roman" panose="02020603050405020304" pitchFamily="18" charset="0"/>
+                    <a:cs typeface="Times New Roman" panose="02020603050405020304" pitchFamily="18" charset="0"/>
+                  </a:rPr>
+                  <a:t> </a:t>
+                </a:r>
+                <a:endParaRPr lang="de-DE" sz="1400" dirty="0"/>
+              </a:p>
+            </p:txBody>
+          </p:sp>
+        </mc:Choice>
+        <mc:Fallback xmlns="">
+          <p:sp>
+            <p:nvSpPr>
+              <p:cNvPr id="77" name="Textfeld 76">
+                <a:extLst>
+                  <a:ext uri="{FF2B5EF4-FFF2-40B4-BE49-F238E27FC236}">
+                    <a16:creationId xmlns:a16="http://schemas.microsoft.com/office/drawing/2014/main" id="{5B8B79CE-CAAF-E1BE-01A1-C7D74DCA6C55}"/>
+                  </a:ext>
+                </a:extLst>
+              </p:cNvPr>
+              <p:cNvSpPr txBox="1">
+                <a:spLocks noRot="1" noChangeAspect="1" noMove="1" noResize="1" noEditPoints="1" noAdjustHandles="1" noChangeArrowheads="1" noChangeShapeType="1" noTextEdit="1"/>
+              </p:cNvSpPr>
+              <p:nvPr/>
+            </p:nvSpPr>
+            <p:spPr>
+              <a:xfrm>
+                <a:off x="5192934" y="1824009"/>
+                <a:ext cx="565348" cy="379206"/>
+              </a:xfrm>
+              <a:prstGeom prst="rect">
+                <a:avLst/>
+              </a:prstGeom>
+              <a:blipFill>
+                <a:blip r:embed="rId2"/>
+                <a:stretch>
+                  <a:fillRect/>
+                </a:stretch>
+              </a:blipFill>
+            </p:spPr>
+            <p:txBody>
+              <a:bodyPr/>
+              <a:lstStyle/>
+              <a:p>
+                <a:r>
+                  <a:rPr lang="de-DE">
+                    <a:noFill/>
+                  </a:rPr>
+                  <a:t> </a:t>
+                </a:r>
+              </a:p>
+            </p:txBody>
+          </p:sp>
+        </mc:Fallback>
+      </mc:AlternateContent>
+      <mc:AlternateContent xmlns:mc="http://schemas.openxmlformats.org/markup-compatibility/2006" xmlns:a14="http://schemas.microsoft.com/office/drawing/2010/main">
+        <mc:Choice Requires="a14">
+          <p:sp>
+            <p:nvSpPr>
+              <p:cNvPr id="78" name="Textfeld 77">
+                <a:extLst>
+                  <a:ext uri="{FF2B5EF4-FFF2-40B4-BE49-F238E27FC236}">
+                    <a16:creationId xmlns:a16="http://schemas.microsoft.com/office/drawing/2014/main" id="{A1E0B065-02F1-396B-C2B5-49743A392DAD}"/>
+                  </a:ext>
+                </a:extLst>
+              </p:cNvPr>
+              <p:cNvSpPr txBox="1"/>
+              <p:nvPr/>
+            </p:nvSpPr>
+            <p:spPr>
+              <a:xfrm>
+                <a:off x="5220859" y="2380190"/>
+                <a:ext cx="565348" cy="379206"/>
+              </a:xfrm>
+              <a:prstGeom prst="rect">
+                <a:avLst/>
+              </a:prstGeom>
+              <a:solidFill>
+                <a:schemeClr val="bg1"/>
+              </a:solidFill>
+            </p:spPr>
+            <p:txBody>
+              <a:bodyPr wrap="none" rtlCol="0">
+                <a:spAutoFit/>
+              </a:bodyPr>
+              <a:lstStyle/>
+              <a:p>
+                <a14:m>
+                  <m:oMath xmlns:m="http://schemas.openxmlformats.org/officeDocument/2006/math">
+                    <m:sSubSup>
+                      <m:sSubSupPr>
+                        <m:ctrlPr>
+                          <a:rPr lang="de-DE" sz="1400" i="1" smtClean="0">
+                            <a:effectLst/>
+                            <a:latin typeface="Cambria Math" panose="02040503050406030204" pitchFamily="18" charset="0"/>
+                          </a:rPr>
+                        </m:ctrlPr>
+                      </m:sSubSupPr>
+                      <m:e>
+                        <m:r>
+                          <a:rPr lang="de-DE" sz="1400" i="1">
+                            <a:effectLst/>
+                            <a:latin typeface="Cambria Math" panose="02040503050406030204" pitchFamily="18" charset="0"/>
+                            <a:ea typeface="Palatino Linotype" panose="02040502050505030304" pitchFamily="18" charset="0"/>
+                            <a:cs typeface="Times New Roman" panose="02020603050405020304" pitchFamily="18" charset="0"/>
+                          </a:rPr>
+                          <m:t>𝑤</m:t>
+                        </m:r>
+                      </m:e>
+                      <m:sub>
+                        <m:r>
+                          <a:rPr lang="de-DE" sz="1400" b="0" i="1" smtClean="0">
+                            <a:effectLst/>
+                            <a:latin typeface="Cambria Math" panose="02040503050406030204" pitchFamily="18" charset="0"/>
+                            <a:ea typeface="Palatino Linotype" panose="02040502050505030304" pitchFamily="18" charset="0"/>
+                            <a:cs typeface="Times New Roman" panose="02020603050405020304" pitchFamily="18" charset="0"/>
+                          </a:rPr>
+                          <m:t>0</m:t>
+                        </m:r>
+                        <m:r>
+                          <a:rPr lang="de-DE" sz="1400" i="1">
+                            <a:effectLst/>
+                            <a:latin typeface="Cambria Math" panose="02040503050406030204" pitchFamily="18" charset="0"/>
+                            <a:ea typeface="Palatino Linotype" panose="02040502050505030304" pitchFamily="18" charset="0"/>
+                            <a:cs typeface="Times New Roman" panose="02020603050405020304" pitchFamily="18" charset="0"/>
+                          </a:rPr>
+                          <m:t>,</m:t>
+                        </m:r>
+                        <m:r>
+                          <a:rPr lang="de-DE" sz="1400" b="0" i="1" smtClean="0">
+                            <a:effectLst/>
+                            <a:latin typeface="Cambria Math" panose="02040503050406030204" pitchFamily="18" charset="0"/>
+                            <a:ea typeface="Palatino Linotype" panose="02040502050505030304" pitchFamily="18" charset="0"/>
+                            <a:cs typeface="Times New Roman" panose="02020603050405020304" pitchFamily="18" charset="0"/>
+                          </a:rPr>
+                          <m:t>1</m:t>
+                        </m:r>
+                      </m:sub>
+                      <m:sup>
+                        <m:r>
+                          <a:rPr lang="de-DE" sz="1400" b="0" i="1" smtClean="0">
+                            <a:effectLst/>
+                            <a:latin typeface="Cambria Math" panose="02040503050406030204" pitchFamily="18" charset="0"/>
+                            <a:ea typeface="Palatino Linotype" panose="02040502050505030304" pitchFamily="18" charset="0"/>
+                            <a:cs typeface="Times New Roman" panose="02020603050405020304" pitchFamily="18" charset="0"/>
+                          </a:rPr>
+                          <m:t>(0)</m:t>
+                        </m:r>
+                      </m:sup>
+                    </m:sSubSup>
+                  </m:oMath>
+                </a14:m>
+                <a:r>
+                  <a:rPr lang="de-DE" sz="1400" dirty="0">
+                    <a:effectLst/>
+                    <a:latin typeface="Palatino Linotype" panose="02040502050505030304" pitchFamily="18" charset="0"/>
+                    <a:ea typeface="Times New Roman" panose="02020603050405020304" pitchFamily="18" charset="0"/>
+                    <a:cs typeface="Times New Roman" panose="02020603050405020304" pitchFamily="18" charset="0"/>
+                  </a:rPr>
+                  <a:t> </a:t>
+                </a:r>
+                <a:endParaRPr lang="de-DE" sz="1400" dirty="0"/>
+              </a:p>
+            </p:txBody>
+          </p:sp>
+        </mc:Choice>
+        <mc:Fallback xmlns="">
+          <p:sp>
+            <p:nvSpPr>
+              <p:cNvPr id="78" name="Textfeld 77">
+                <a:extLst>
+                  <a:ext uri="{FF2B5EF4-FFF2-40B4-BE49-F238E27FC236}">
+                    <a16:creationId xmlns:a16="http://schemas.microsoft.com/office/drawing/2014/main" id="{A1E0B065-02F1-396B-C2B5-49743A392DAD}"/>
+                  </a:ext>
+                </a:extLst>
+              </p:cNvPr>
+              <p:cNvSpPr txBox="1">
+                <a:spLocks noRot="1" noChangeAspect="1" noMove="1" noResize="1" noEditPoints="1" noAdjustHandles="1" noChangeArrowheads="1" noChangeShapeType="1" noTextEdit="1"/>
+              </p:cNvSpPr>
+              <p:nvPr/>
+            </p:nvSpPr>
+            <p:spPr>
+              <a:xfrm>
+                <a:off x="5220859" y="2380190"/>
+                <a:ext cx="565348" cy="379206"/>
+              </a:xfrm>
+              <a:prstGeom prst="rect">
+                <a:avLst/>
+              </a:prstGeom>
+              <a:blipFill>
+                <a:blip r:embed="rId3"/>
+                <a:stretch>
+                  <a:fillRect/>
+                </a:stretch>
+              </a:blipFill>
+            </p:spPr>
+            <p:txBody>
+              <a:bodyPr/>
+              <a:lstStyle/>
+              <a:p>
+                <a:r>
+                  <a:rPr lang="de-DE">
+                    <a:noFill/>
+                  </a:rPr>
+                  <a:t> </a:t>
+                </a:r>
+              </a:p>
+            </p:txBody>
+          </p:sp>
+        </mc:Fallback>
+      </mc:AlternateContent>
+      <mc:AlternateContent xmlns:mc="http://schemas.openxmlformats.org/markup-compatibility/2006" xmlns:a14="http://schemas.microsoft.com/office/drawing/2010/main">
+        <mc:Choice Requires="a14">
+          <p:sp>
+            <p:nvSpPr>
+              <p:cNvPr id="80" name="Textfeld 79">
+                <a:extLst>
+                  <a:ext uri="{FF2B5EF4-FFF2-40B4-BE49-F238E27FC236}">
+                    <a16:creationId xmlns:a16="http://schemas.microsoft.com/office/drawing/2014/main" id="{ACD25373-965D-006A-65B3-33DF4CBC2DB5}"/>
+                  </a:ext>
+                </a:extLst>
+              </p:cNvPr>
+              <p:cNvSpPr txBox="1"/>
+              <p:nvPr/>
+            </p:nvSpPr>
+            <p:spPr>
+              <a:xfrm>
+                <a:off x="5219040" y="2799370"/>
+                <a:ext cx="565348" cy="379206"/>
+              </a:xfrm>
+              <a:prstGeom prst="rect">
+                <a:avLst/>
+              </a:prstGeom>
+              <a:solidFill>
+                <a:schemeClr val="bg1"/>
+              </a:solidFill>
+            </p:spPr>
+            <p:txBody>
+              <a:bodyPr wrap="none" rtlCol="0">
+                <a:spAutoFit/>
+              </a:bodyPr>
+              <a:lstStyle/>
+              <a:p>
+                <a14:m>
+                  <m:oMath xmlns:m="http://schemas.openxmlformats.org/officeDocument/2006/math">
+                    <m:sSubSup>
+                      <m:sSubSupPr>
+                        <m:ctrlPr>
+                          <a:rPr lang="de-DE" sz="1400" i="1" smtClean="0">
+                            <a:effectLst/>
+                            <a:latin typeface="Cambria Math" panose="02040503050406030204" pitchFamily="18" charset="0"/>
+                          </a:rPr>
+                        </m:ctrlPr>
+                      </m:sSubSupPr>
+                      <m:e>
+                        <m:r>
+                          <a:rPr lang="de-DE" sz="1400" i="1">
+                            <a:effectLst/>
+                            <a:latin typeface="Cambria Math" panose="02040503050406030204" pitchFamily="18" charset="0"/>
+                            <a:ea typeface="Palatino Linotype" panose="02040502050505030304" pitchFamily="18" charset="0"/>
+                            <a:cs typeface="Times New Roman" panose="02020603050405020304" pitchFamily="18" charset="0"/>
+                          </a:rPr>
+                          <m:t>𝑤</m:t>
+                        </m:r>
+                      </m:e>
+                      <m:sub>
+                        <m:r>
+                          <a:rPr lang="de-DE" sz="1400" b="0" i="1" smtClean="0">
+                            <a:effectLst/>
+                            <a:latin typeface="Cambria Math" panose="02040503050406030204" pitchFamily="18" charset="0"/>
+                            <a:ea typeface="Palatino Linotype" panose="02040502050505030304" pitchFamily="18" charset="0"/>
+                            <a:cs typeface="Times New Roman" panose="02020603050405020304" pitchFamily="18" charset="0"/>
+                          </a:rPr>
+                          <m:t>0</m:t>
+                        </m:r>
+                        <m:r>
+                          <a:rPr lang="de-DE" sz="1400" i="1">
+                            <a:effectLst/>
+                            <a:latin typeface="Cambria Math" panose="02040503050406030204" pitchFamily="18" charset="0"/>
+                            <a:ea typeface="Palatino Linotype" panose="02040502050505030304" pitchFamily="18" charset="0"/>
+                            <a:cs typeface="Times New Roman" panose="02020603050405020304" pitchFamily="18" charset="0"/>
+                          </a:rPr>
+                          <m:t>,</m:t>
+                        </m:r>
+                        <m:r>
+                          <a:rPr lang="de-DE" sz="1400" b="0" i="1" smtClean="0">
+                            <a:effectLst/>
+                            <a:latin typeface="Cambria Math" panose="02040503050406030204" pitchFamily="18" charset="0"/>
+                            <a:ea typeface="Palatino Linotype" panose="02040502050505030304" pitchFamily="18" charset="0"/>
+                            <a:cs typeface="Times New Roman" panose="02020603050405020304" pitchFamily="18" charset="0"/>
+                          </a:rPr>
+                          <m:t>2</m:t>
+                        </m:r>
+                      </m:sub>
+                      <m:sup>
+                        <m:r>
+                          <a:rPr lang="de-DE" sz="1400" b="0" i="1" smtClean="0">
+                            <a:effectLst/>
+                            <a:latin typeface="Cambria Math" panose="02040503050406030204" pitchFamily="18" charset="0"/>
+                            <a:ea typeface="Palatino Linotype" panose="02040502050505030304" pitchFamily="18" charset="0"/>
+                            <a:cs typeface="Times New Roman" panose="02020603050405020304" pitchFamily="18" charset="0"/>
+                          </a:rPr>
+                          <m:t>(0)</m:t>
+                        </m:r>
+                      </m:sup>
+                    </m:sSubSup>
+                  </m:oMath>
+                </a14:m>
+                <a:r>
+                  <a:rPr lang="de-DE" sz="1400" dirty="0">
+                    <a:effectLst/>
+                    <a:latin typeface="Palatino Linotype" panose="02040502050505030304" pitchFamily="18" charset="0"/>
+                    <a:ea typeface="Times New Roman" panose="02020603050405020304" pitchFamily="18" charset="0"/>
+                    <a:cs typeface="Times New Roman" panose="02020603050405020304" pitchFamily="18" charset="0"/>
+                  </a:rPr>
+                  <a:t> </a:t>
+                </a:r>
+                <a:endParaRPr lang="de-DE" sz="1400" dirty="0"/>
+              </a:p>
+            </p:txBody>
+          </p:sp>
+        </mc:Choice>
+        <mc:Fallback xmlns="">
+          <p:sp>
+            <p:nvSpPr>
+              <p:cNvPr id="80" name="Textfeld 79">
+                <a:extLst>
+                  <a:ext uri="{FF2B5EF4-FFF2-40B4-BE49-F238E27FC236}">
+                    <a16:creationId xmlns:a16="http://schemas.microsoft.com/office/drawing/2014/main" id="{ACD25373-965D-006A-65B3-33DF4CBC2DB5}"/>
+                  </a:ext>
+                </a:extLst>
+              </p:cNvPr>
+              <p:cNvSpPr txBox="1">
+                <a:spLocks noRot="1" noChangeAspect="1" noMove="1" noResize="1" noEditPoints="1" noAdjustHandles="1" noChangeArrowheads="1" noChangeShapeType="1" noTextEdit="1"/>
+              </p:cNvSpPr>
+              <p:nvPr/>
+            </p:nvSpPr>
+            <p:spPr>
+              <a:xfrm>
+                <a:off x="5219040" y="2799370"/>
+                <a:ext cx="565348" cy="379206"/>
+              </a:xfrm>
+              <a:prstGeom prst="rect">
+                <a:avLst/>
+              </a:prstGeom>
+              <a:blipFill>
+                <a:blip r:embed="rId4"/>
+                <a:stretch>
+                  <a:fillRect/>
+                </a:stretch>
+              </a:blipFill>
+            </p:spPr>
+            <p:txBody>
+              <a:bodyPr/>
+              <a:lstStyle/>
+              <a:p>
+                <a:r>
+                  <a:rPr lang="de-DE">
+                    <a:noFill/>
+                  </a:rPr>
+                  <a:t> </a:t>
+                </a:r>
+              </a:p>
+            </p:txBody>
+          </p:sp>
+        </mc:Fallback>
+      </mc:AlternateContent>
+      <mc:AlternateContent xmlns:mc="http://schemas.openxmlformats.org/markup-compatibility/2006" xmlns:a14="http://schemas.microsoft.com/office/drawing/2010/main">
+        <mc:Choice Requires="a14">
+          <p:sp>
+            <p:nvSpPr>
+              <p:cNvPr id="81" name="Textfeld 80">
+                <a:extLst>
+                  <a:ext uri="{FF2B5EF4-FFF2-40B4-BE49-F238E27FC236}">
+                    <a16:creationId xmlns:a16="http://schemas.microsoft.com/office/drawing/2014/main" id="{CC5DCF91-2318-3915-6598-BE4AF6778F39}"/>
+                  </a:ext>
+                </a:extLst>
+              </p:cNvPr>
+              <p:cNvSpPr txBox="1"/>
+              <p:nvPr/>
+            </p:nvSpPr>
+            <p:spPr>
+              <a:xfrm>
+                <a:off x="5220739" y="3435529"/>
+                <a:ext cx="565348" cy="379206"/>
+              </a:xfrm>
+              <a:prstGeom prst="rect">
+                <a:avLst/>
+              </a:prstGeom>
+              <a:solidFill>
+                <a:schemeClr val="bg1"/>
+              </a:solidFill>
+            </p:spPr>
+            <p:txBody>
+              <a:bodyPr wrap="none" rtlCol="0">
+                <a:spAutoFit/>
+              </a:bodyPr>
+              <a:lstStyle/>
+              <a:p>
+                <a14:m>
+                  <m:oMath xmlns:m="http://schemas.openxmlformats.org/officeDocument/2006/math">
+                    <m:sSubSup>
+                      <m:sSubSupPr>
+                        <m:ctrlPr>
+                          <a:rPr lang="de-DE" sz="1400" i="1" smtClean="0">
+                            <a:effectLst/>
+                            <a:latin typeface="Cambria Math" panose="02040503050406030204" pitchFamily="18" charset="0"/>
+                          </a:rPr>
+                        </m:ctrlPr>
+                      </m:sSubSupPr>
+                      <m:e>
+                        <m:r>
+                          <a:rPr lang="de-DE" sz="1400" i="1">
+                            <a:effectLst/>
+                            <a:latin typeface="Cambria Math" panose="02040503050406030204" pitchFamily="18" charset="0"/>
+                            <a:ea typeface="Palatino Linotype" panose="02040502050505030304" pitchFamily="18" charset="0"/>
+                            <a:cs typeface="Times New Roman" panose="02020603050405020304" pitchFamily="18" charset="0"/>
+                          </a:rPr>
+                          <m:t>𝑤</m:t>
+                        </m:r>
+                      </m:e>
+                      <m:sub>
+                        <m:r>
+                          <a:rPr lang="de-DE" sz="1400" b="0" i="1" smtClean="0">
+                            <a:effectLst/>
+                            <a:latin typeface="Cambria Math" panose="02040503050406030204" pitchFamily="18" charset="0"/>
+                            <a:ea typeface="Palatino Linotype" panose="02040502050505030304" pitchFamily="18" charset="0"/>
+                            <a:cs typeface="Times New Roman" panose="02020603050405020304" pitchFamily="18" charset="0"/>
+                          </a:rPr>
+                          <m:t>0</m:t>
+                        </m:r>
+                        <m:r>
+                          <a:rPr lang="de-DE" sz="1400" i="1">
+                            <a:effectLst/>
+                            <a:latin typeface="Cambria Math" panose="02040503050406030204" pitchFamily="18" charset="0"/>
+                            <a:ea typeface="Palatino Linotype" panose="02040502050505030304" pitchFamily="18" charset="0"/>
+                            <a:cs typeface="Times New Roman" panose="02020603050405020304" pitchFamily="18" charset="0"/>
+                          </a:rPr>
+                          <m:t>,</m:t>
+                        </m:r>
+                        <m:r>
+                          <a:rPr lang="de-DE" sz="1400" b="0" i="1" smtClean="0">
+                            <a:effectLst/>
+                            <a:latin typeface="Cambria Math" panose="02040503050406030204" pitchFamily="18" charset="0"/>
+                            <a:ea typeface="Palatino Linotype" panose="02040502050505030304" pitchFamily="18" charset="0"/>
+                            <a:cs typeface="Times New Roman" panose="02020603050405020304" pitchFamily="18" charset="0"/>
+                          </a:rPr>
+                          <m:t>3</m:t>
+                        </m:r>
+                      </m:sub>
+                      <m:sup>
+                        <m:r>
+                          <a:rPr lang="de-DE" sz="1400" b="0" i="1" smtClean="0">
+                            <a:effectLst/>
+                            <a:latin typeface="Cambria Math" panose="02040503050406030204" pitchFamily="18" charset="0"/>
+                            <a:ea typeface="Palatino Linotype" panose="02040502050505030304" pitchFamily="18" charset="0"/>
+                            <a:cs typeface="Times New Roman" panose="02020603050405020304" pitchFamily="18" charset="0"/>
+                          </a:rPr>
+                          <m:t>(0)</m:t>
+                        </m:r>
+                      </m:sup>
+                    </m:sSubSup>
+                  </m:oMath>
+                </a14:m>
+                <a:r>
+                  <a:rPr lang="de-DE" sz="1400" dirty="0">
+                    <a:effectLst/>
+                    <a:latin typeface="Palatino Linotype" panose="02040502050505030304" pitchFamily="18" charset="0"/>
+                    <a:ea typeface="Times New Roman" panose="02020603050405020304" pitchFamily="18" charset="0"/>
+                    <a:cs typeface="Times New Roman" panose="02020603050405020304" pitchFamily="18" charset="0"/>
+                  </a:rPr>
+                  <a:t> </a:t>
+                </a:r>
+                <a:endParaRPr lang="de-DE" sz="1400" dirty="0"/>
+              </a:p>
+            </p:txBody>
+          </p:sp>
+        </mc:Choice>
+        <mc:Fallback xmlns="">
+          <p:sp>
+            <p:nvSpPr>
+              <p:cNvPr id="81" name="Textfeld 80">
+                <a:extLst>
+                  <a:ext uri="{FF2B5EF4-FFF2-40B4-BE49-F238E27FC236}">
+                    <a16:creationId xmlns:a16="http://schemas.microsoft.com/office/drawing/2014/main" id="{CC5DCF91-2318-3915-6598-BE4AF6778F39}"/>
+                  </a:ext>
+                </a:extLst>
+              </p:cNvPr>
+              <p:cNvSpPr txBox="1">
+                <a:spLocks noRot="1" noChangeAspect="1" noMove="1" noResize="1" noEditPoints="1" noAdjustHandles="1" noChangeArrowheads="1" noChangeShapeType="1" noTextEdit="1"/>
+              </p:cNvSpPr>
+              <p:nvPr/>
+            </p:nvSpPr>
+            <p:spPr>
+              <a:xfrm>
+                <a:off x="5220739" y="3435529"/>
+                <a:ext cx="565348" cy="379206"/>
+              </a:xfrm>
+              <a:prstGeom prst="rect">
+                <a:avLst/>
+              </a:prstGeom>
+              <a:blipFill>
+                <a:blip r:embed="rId5"/>
+                <a:stretch>
+                  <a:fillRect/>
+                </a:stretch>
+              </a:blipFill>
+            </p:spPr>
+            <p:txBody>
+              <a:bodyPr/>
+              <a:lstStyle/>
+              <a:p>
+                <a:r>
+                  <a:rPr lang="de-DE">
+                    <a:noFill/>
+                  </a:rPr>
+                  <a:t> </a:t>
+                </a:r>
+              </a:p>
+            </p:txBody>
+          </p:sp>
+        </mc:Fallback>
+      </mc:AlternateContent>
+      <mc:AlternateContent xmlns:mc="http://schemas.openxmlformats.org/markup-compatibility/2006" xmlns:a14="http://schemas.microsoft.com/office/drawing/2010/main">
+        <mc:Choice Requires="a14">
+          <p:sp>
+            <p:nvSpPr>
+              <p:cNvPr id="83" name="Textfeld 82">
+                <a:extLst>
+                  <a:ext uri="{FF2B5EF4-FFF2-40B4-BE49-F238E27FC236}">
+                    <a16:creationId xmlns:a16="http://schemas.microsoft.com/office/drawing/2014/main" id="{8714ED0E-277A-3BA0-CD90-89F672FF26F6}"/>
+                  </a:ext>
+                </a:extLst>
+              </p:cNvPr>
+              <p:cNvSpPr txBox="1"/>
+              <p:nvPr/>
+            </p:nvSpPr>
+            <p:spPr>
+              <a:xfrm>
+                <a:off x="7605685" y="2507894"/>
+                <a:ext cx="565348" cy="379206"/>
+              </a:xfrm>
+              <a:prstGeom prst="rect">
+                <a:avLst/>
+              </a:prstGeom>
+              <a:solidFill>
+                <a:schemeClr val="bg1"/>
+              </a:solidFill>
+            </p:spPr>
+            <p:txBody>
+              <a:bodyPr wrap="none" rtlCol="0">
+                <a:spAutoFit/>
+              </a:bodyPr>
+              <a:lstStyle/>
+              <a:p>
+                <a14:m>
+                  <m:oMath xmlns:m="http://schemas.openxmlformats.org/officeDocument/2006/math">
+                    <m:sSubSup>
+                      <m:sSubSupPr>
+                        <m:ctrlPr>
+                          <a:rPr lang="de-DE" sz="1400" i="1" smtClean="0">
+                            <a:effectLst/>
+                            <a:latin typeface="Cambria Math" panose="02040503050406030204" pitchFamily="18" charset="0"/>
+                          </a:rPr>
+                        </m:ctrlPr>
+                      </m:sSubSupPr>
+                      <m:e>
+                        <m:r>
+                          <a:rPr lang="de-DE" sz="1400" i="1">
+                            <a:effectLst/>
+                            <a:latin typeface="Cambria Math" panose="02040503050406030204" pitchFamily="18" charset="0"/>
+                            <a:ea typeface="Palatino Linotype" panose="02040502050505030304" pitchFamily="18" charset="0"/>
+                            <a:cs typeface="Times New Roman" panose="02020603050405020304" pitchFamily="18" charset="0"/>
+                          </a:rPr>
+                          <m:t>𝑤</m:t>
+                        </m:r>
+                      </m:e>
+                      <m:sub>
+                        <m:r>
+                          <a:rPr lang="de-DE" sz="1400" b="0" i="1" smtClean="0">
+                            <a:effectLst/>
+                            <a:latin typeface="Cambria Math" panose="02040503050406030204" pitchFamily="18" charset="0"/>
+                            <a:ea typeface="Palatino Linotype" panose="02040502050505030304" pitchFamily="18" charset="0"/>
+                            <a:cs typeface="Times New Roman" panose="02020603050405020304" pitchFamily="18" charset="0"/>
+                          </a:rPr>
+                          <m:t>1,0</m:t>
+                        </m:r>
+                      </m:sub>
+                      <m:sup>
+                        <m:r>
+                          <a:rPr lang="de-DE" sz="1400" b="0" i="1" smtClean="0">
+                            <a:effectLst/>
+                            <a:latin typeface="Cambria Math" panose="02040503050406030204" pitchFamily="18" charset="0"/>
+                            <a:ea typeface="Palatino Linotype" panose="02040502050505030304" pitchFamily="18" charset="0"/>
+                            <a:cs typeface="Times New Roman" panose="02020603050405020304" pitchFamily="18" charset="0"/>
+                          </a:rPr>
+                          <m:t>(1)</m:t>
+                        </m:r>
+                      </m:sup>
+                    </m:sSubSup>
+                  </m:oMath>
+                </a14:m>
+                <a:r>
+                  <a:rPr lang="de-DE" sz="1400" dirty="0">
+                    <a:effectLst/>
+                    <a:latin typeface="Palatino Linotype" panose="02040502050505030304" pitchFamily="18" charset="0"/>
+                    <a:ea typeface="Times New Roman" panose="02020603050405020304" pitchFamily="18" charset="0"/>
+                    <a:cs typeface="Times New Roman" panose="02020603050405020304" pitchFamily="18" charset="0"/>
+                  </a:rPr>
+                  <a:t> </a:t>
+                </a:r>
+                <a:endParaRPr lang="de-DE" sz="1400" dirty="0"/>
+              </a:p>
+            </p:txBody>
+          </p:sp>
+        </mc:Choice>
+        <mc:Fallback xmlns="">
+          <p:sp>
+            <p:nvSpPr>
+              <p:cNvPr id="83" name="Textfeld 82">
+                <a:extLst>
+                  <a:ext uri="{FF2B5EF4-FFF2-40B4-BE49-F238E27FC236}">
+                    <a16:creationId xmlns:a16="http://schemas.microsoft.com/office/drawing/2014/main" id="{8714ED0E-277A-3BA0-CD90-89F672FF26F6}"/>
+                  </a:ext>
+                </a:extLst>
+              </p:cNvPr>
+              <p:cNvSpPr txBox="1">
+                <a:spLocks noRot="1" noChangeAspect="1" noMove="1" noResize="1" noEditPoints="1" noAdjustHandles="1" noChangeArrowheads="1" noChangeShapeType="1" noTextEdit="1"/>
+              </p:cNvSpPr>
+              <p:nvPr/>
+            </p:nvSpPr>
+            <p:spPr>
+              <a:xfrm>
+                <a:off x="7605685" y="2507894"/>
+                <a:ext cx="565348" cy="379206"/>
+              </a:xfrm>
+              <a:prstGeom prst="rect">
+                <a:avLst/>
+              </a:prstGeom>
+              <a:blipFill>
+                <a:blip r:embed="rId6"/>
+                <a:stretch>
+                  <a:fillRect/>
+                </a:stretch>
+              </a:blipFill>
+            </p:spPr>
+            <p:txBody>
+              <a:bodyPr/>
+              <a:lstStyle/>
+              <a:p>
+                <a:r>
+                  <a:rPr lang="de-DE">
+                    <a:noFill/>
+                  </a:rPr>
+                  <a:t> </a:t>
+                </a:r>
+              </a:p>
+            </p:txBody>
+          </p:sp>
+        </mc:Fallback>
+      </mc:AlternateContent>
+      <mc:AlternateContent xmlns:mc="http://schemas.openxmlformats.org/markup-compatibility/2006" xmlns:a14="http://schemas.microsoft.com/office/drawing/2010/main">
+        <mc:Choice Requires="a14">
+          <p:sp>
+            <p:nvSpPr>
+              <p:cNvPr id="84" name="Textfeld 83">
+                <a:extLst>
+                  <a:ext uri="{FF2B5EF4-FFF2-40B4-BE49-F238E27FC236}">
+                    <a16:creationId xmlns:a16="http://schemas.microsoft.com/office/drawing/2014/main" id="{E92B8041-B515-94B2-7C01-DA51046FCF7F}"/>
+                  </a:ext>
+                </a:extLst>
+              </p:cNvPr>
+              <p:cNvSpPr txBox="1"/>
+              <p:nvPr/>
+            </p:nvSpPr>
+            <p:spPr>
+              <a:xfrm>
+                <a:off x="7605685" y="2923372"/>
+                <a:ext cx="565348" cy="378950"/>
+              </a:xfrm>
+              <a:prstGeom prst="rect">
+                <a:avLst/>
+              </a:prstGeom>
+              <a:solidFill>
+                <a:schemeClr val="bg1"/>
+              </a:solidFill>
+            </p:spPr>
+            <p:txBody>
+              <a:bodyPr wrap="square" rtlCol="0">
+                <a:spAutoFit/>
+              </a:bodyPr>
+              <a:lstStyle/>
+              <a:p>
+                <a14:m>
+                  <m:oMath xmlns:m="http://schemas.openxmlformats.org/officeDocument/2006/math">
+                    <m:sSubSup>
+                      <m:sSubSupPr>
+                        <m:ctrlPr>
+                          <a:rPr lang="de-DE" sz="1400" i="1" smtClean="0">
+                            <a:effectLst/>
+                            <a:latin typeface="Cambria Math" panose="02040503050406030204" pitchFamily="18" charset="0"/>
+                          </a:rPr>
+                        </m:ctrlPr>
+                      </m:sSubSupPr>
+                      <m:e>
+                        <m:r>
+                          <a:rPr lang="de-DE" sz="1400" i="1">
+                            <a:effectLst/>
+                            <a:latin typeface="Cambria Math" panose="02040503050406030204" pitchFamily="18" charset="0"/>
+                            <a:ea typeface="Palatino Linotype" panose="02040502050505030304" pitchFamily="18" charset="0"/>
+                            <a:cs typeface="Times New Roman" panose="02020603050405020304" pitchFamily="18" charset="0"/>
+                          </a:rPr>
+                          <m:t>𝑤</m:t>
+                        </m:r>
+                      </m:e>
+                      <m:sub>
+                        <m:r>
+                          <a:rPr lang="de-DE" sz="1400" b="0" i="1" smtClean="0">
+                            <a:effectLst/>
+                            <a:latin typeface="Cambria Math" panose="02040503050406030204" pitchFamily="18" charset="0"/>
+                            <a:ea typeface="Palatino Linotype" panose="02040502050505030304" pitchFamily="18" charset="0"/>
+                            <a:cs typeface="Times New Roman" panose="02020603050405020304" pitchFamily="18" charset="0"/>
+                          </a:rPr>
+                          <m:t>1,1</m:t>
+                        </m:r>
+                      </m:sub>
+                      <m:sup>
+                        <m:r>
+                          <a:rPr lang="de-DE" sz="1400" b="0" i="1" smtClean="0">
+                            <a:effectLst/>
+                            <a:latin typeface="Cambria Math" panose="02040503050406030204" pitchFamily="18" charset="0"/>
+                            <a:ea typeface="Palatino Linotype" panose="02040502050505030304" pitchFamily="18" charset="0"/>
+                            <a:cs typeface="Times New Roman" panose="02020603050405020304" pitchFamily="18" charset="0"/>
+                          </a:rPr>
+                          <m:t>(1)</m:t>
+                        </m:r>
+                      </m:sup>
+                    </m:sSubSup>
+                  </m:oMath>
+                </a14:m>
+                <a:r>
+                  <a:rPr lang="de-DE" sz="1400" dirty="0">
+                    <a:effectLst/>
+                    <a:latin typeface="Palatino Linotype" panose="02040502050505030304" pitchFamily="18" charset="0"/>
+                    <a:ea typeface="Times New Roman" panose="02020603050405020304" pitchFamily="18" charset="0"/>
+                    <a:cs typeface="Times New Roman" panose="02020603050405020304" pitchFamily="18" charset="0"/>
+                  </a:rPr>
+                  <a:t> </a:t>
+                </a:r>
+                <a:endParaRPr lang="de-DE" sz="1400" dirty="0"/>
+              </a:p>
+            </p:txBody>
+          </p:sp>
+        </mc:Choice>
+        <mc:Fallback xmlns="">
+          <p:sp>
+            <p:nvSpPr>
+              <p:cNvPr id="84" name="Textfeld 83">
+                <a:extLst>
+                  <a:ext uri="{FF2B5EF4-FFF2-40B4-BE49-F238E27FC236}">
+                    <a16:creationId xmlns:a16="http://schemas.microsoft.com/office/drawing/2014/main" id="{E92B8041-B515-94B2-7C01-DA51046FCF7F}"/>
+                  </a:ext>
+                </a:extLst>
+              </p:cNvPr>
+              <p:cNvSpPr txBox="1">
+                <a:spLocks noRot="1" noChangeAspect="1" noMove="1" noResize="1" noEditPoints="1" noAdjustHandles="1" noChangeArrowheads="1" noChangeShapeType="1" noTextEdit="1"/>
+              </p:cNvSpPr>
+              <p:nvPr/>
+            </p:nvSpPr>
+            <p:spPr>
+              <a:xfrm>
+                <a:off x="7605685" y="2923372"/>
+                <a:ext cx="565348" cy="378950"/>
+              </a:xfrm>
+              <a:prstGeom prst="rect">
+                <a:avLst/>
+              </a:prstGeom>
+              <a:blipFill>
+                <a:blip r:embed="rId7"/>
+                <a:stretch>
+                  <a:fillRect/>
+                </a:stretch>
+              </a:blipFill>
+            </p:spPr>
+            <p:txBody>
+              <a:bodyPr/>
+              <a:lstStyle/>
+              <a:p>
+                <a:r>
+                  <a:rPr lang="de-DE">
+                    <a:noFill/>
+                  </a:rPr>
+                  <a:t> </a:t>
+                </a:r>
+              </a:p>
+            </p:txBody>
+          </p:sp>
+        </mc:Fallback>
+      </mc:AlternateContent>
+      <mc:AlternateContent xmlns:mc="http://schemas.openxmlformats.org/markup-compatibility/2006" xmlns:a14="http://schemas.microsoft.com/office/drawing/2010/main">
+        <mc:Choice Requires="a14">
+          <p:sp>
+            <p:nvSpPr>
+              <p:cNvPr id="86" name="Textfeld 85">
+                <a:extLst>
+                  <a:ext uri="{FF2B5EF4-FFF2-40B4-BE49-F238E27FC236}">
+                    <a16:creationId xmlns:a16="http://schemas.microsoft.com/office/drawing/2014/main" id="{29004879-57A6-DB70-5785-11A2137ACC3F}"/>
+                  </a:ext>
+                </a:extLst>
+              </p:cNvPr>
+              <p:cNvSpPr txBox="1"/>
+              <p:nvPr/>
+            </p:nvSpPr>
+            <p:spPr>
+              <a:xfrm>
+                <a:off x="7605685" y="3437029"/>
+                <a:ext cx="565348" cy="378950"/>
+              </a:xfrm>
+              <a:prstGeom prst="rect">
+                <a:avLst/>
+              </a:prstGeom>
+              <a:solidFill>
+                <a:schemeClr val="bg1"/>
+              </a:solidFill>
+            </p:spPr>
+            <p:txBody>
+              <a:bodyPr wrap="square" rtlCol="0">
+                <a:spAutoFit/>
+              </a:bodyPr>
+              <a:lstStyle/>
+              <a:p>
+                <a14:m>
+                  <m:oMath xmlns:m="http://schemas.openxmlformats.org/officeDocument/2006/math">
+                    <m:sSubSup>
+                      <m:sSubSupPr>
+                        <m:ctrlPr>
+                          <a:rPr lang="de-DE" sz="1400" i="1" smtClean="0">
+                            <a:effectLst/>
+                            <a:latin typeface="Cambria Math" panose="02040503050406030204" pitchFamily="18" charset="0"/>
+                          </a:rPr>
+                        </m:ctrlPr>
+                      </m:sSubSupPr>
+                      <m:e>
+                        <m:r>
+                          <a:rPr lang="de-DE" sz="1400" i="1">
+                            <a:effectLst/>
+                            <a:latin typeface="Cambria Math" panose="02040503050406030204" pitchFamily="18" charset="0"/>
+                            <a:ea typeface="Palatino Linotype" panose="02040502050505030304" pitchFamily="18" charset="0"/>
+                            <a:cs typeface="Times New Roman" panose="02020603050405020304" pitchFamily="18" charset="0"/>
+                          </a:rPr>
+                          <m:t>𝑤</m:t>
+                        </m:r>
+                      </m:e>
+                      <m:sub>
+                        <m:r>
+                          <a:rPr lang="de-DE" sz="1400" b="0" i="1" smtClean="0">
+                            <a:effectLst/>
+                            <a:latin typeface="Cambria Math" panose="02040503050406030204" pitchFamily="18" charset="0"/>
+                            <a:ea typeface="Palatino Linotype" panose="02040502050505030304" pitchFamily="18" charset="0"/>
+                            <a:cs typeface="Times New Roman" panose="02020603050405020304" pitchFamily="18" charset="0"/>
+                          </a:rPr>
+                          <m:t>1,2</m:t>
+                        </m:r>
+                      </m:sub>
+                      <m:sup>
+                        <m:r>
+                          <a:rPr lang="de-DE" sz="1400" b="0" i="1" smtClean="0">
+                            <a:effectLst/>
+                            <a:latin typeface="Cambria Math" panose="02040503050406030204" pitchFamily="18" charset="0"/>
+                            <a:ea typeface="Palatino Linotype" panose="02040502050505030304" pitchFamily="18" charset="0"/>
+                            <a:cs typeface="Times New Roman" panose="02020603050405020304" pitchFamily="18" charset="0"/>
+                          </a:rPr>
+                          <m:t>(1)</m:t>
+                        </m:r>
+                      </m:sup>
+                    </m:sSubSup>
+                  </m:oMath>
+                </a14:m>
+                <a:r>
+                  <a:rPr lang="de-DE" sz="1400" dirty="0">
+                    <a:effectLst/>
+                    <a:latin typeface="Palatino Linotype" panose="02040502050505030304" pitchFamily="18" charset="0"/>
+                    <a:ea typeface="Times New Roman" panose="02020603050405020304" pitchFamily="18" charset="0"/>
+                    <a:cs typeface="Times New Roman" panose="02020603050405020304" pitchFamily="18" charset="0"/>
+                  </a:rPr>
+                  <a:t> </a:t>
+                </a:r>
+                <a:endParaRPr lang="de-DE" sz="1400" dirty="0"/>
+              </a:p>
+            </p:txBody>
+          </p:sp>
+        </mc:Choice>
+        <mc:Fallback xmlns="">
+          <p:sp>
+            <p:nvSpPr>
+              <p:cNvPr id="86" name="Textfeld 85">
+                <a:extLst>
+                  <a:ext uri="{FF2B5EF4-FFF2-40B4-BE49-F238E27FC236}">
+                    <a16:creationId xmlns:a16="http://schemas.microsoft.com/office/drawing/2014/main" id="{29004879-57A6-DB70-5785-11A2137ACC3F}"/>
+                  </a:ext>
+                </a:extLst>
+              </p:cNvPr>
+              <p:cNvSpPr txBox="1">
+                <a:spLocks noRot="1" noChangeAspect="1" noMove="1" noResize="1" noEditPoints="1" noAdjustHandles="1" noChangeArrowheads="1" noChangeShapeType="1" noTextEdit="1"/>
+              </p:cNvSpPr>
+              <p:nvPr/>
+            </p:nvSpPr>
+            <p:spPr>
+              <a:xfrm>
+                <a:off x="7605685" y="3437029"/>
+                <a:ext cx="565348" cy="378950"/>
+              </a:xfrm>
+              <a:prstGeom prst="rect">
+                <a:avLst/>
+              </a:prstGeom>
+              <a:blipFill>
+                <a:blip r:embed="rId8"/>
+                <a:stretch>
+                  <a:fillRect/>
+                </a:stretch>
+              </a:blipFill>
+            </p:spPr>
+            <p:txBody>
+              <a:bodyPr/>
+              <a:lstStyle/>
+              <a:p>
+                <a:r>
+                  <a:rPr lang="de-DE">
+                    <a:noFill/>
+                  </a:rPr>
+                  <a:t> </a:t>
+                </a:r>
+              </a:p>
+            </p:txBody>
+          </p:sp>
+        </mc:Fallback>
+      </mc:AlternateContent>
+    </p:spTree>
+    <p:extLst>
+      <p:ext uri="{BB962C8B-B14F-4D97-AF65-F5344CB8AC3E}">
+        <p14:creationId xmlns:p14="http://schemas.microsoft.com/office/powerpoint/2010/main" val="1645398464"/>
+      </p:ext>
+    </p:extLst>
+  </p:cSld>
+  <p:clrMapOvr>
+    <a:masterClrMapping/>
+  </p:clrMapOvr>
+</p:sld>
+</file>
+
+<file path=ppt/slides/slide9.xml><?xml version="1.0" encoding="utf-8"?>
+<p:sld xmlns:a="http://schemas.openxmlformats.org/drawingml/2006/main" xmlns:r="http://schemas.openxmlformats.org/officeDocument/2006/relationships" xmlns:p="http://schemas.openxmlformats.org/presentationml/2006/main">
+  <p:cSld>
+    <p:spTree>
+      <p:nvGrpSpPr>
+        <p:cNvPr id="1" name=""/>
+        <p:cNvGrpSpPr/>
+        <p:nvPr/>
+      </p:nvGrpSpPr>
+      <p:grpSpPr>
+        <a:xfrm>
+          <a:off x="0" y="0"/>
+          <a:ext cx="0" cy="0"/>
+          <a:chOff x="0" y="0"/>
+          <a:chExt cx="0" cy="0"/>
+        </a:xfrm>
+      </p:grpSpPr>
+      <p:sp>
+        <p:nvSpPr>
+          <p:cNvPr id="2" name="Ellipse 1">
+            <a:extLst>
+              <a:ext uri="{FF2B5EF4-FFF2-40B4-BE49-F238E27FC236}">
+                <a16:creationId xmlns:a16="http://schemas.microsoft.com/office/drawing/2014/main" id="{F623A5FE-6F02-1C3B-8481-9D6D2ED6DDD1}"/>
+              </a:ext>
+            </a:extLst>
+          </p:cNvPr>
+          <p:cNvSpPr/>
+          <p:nvPr/>
+        </p:nvSpPr>
+        <p:spPr>
+          <a:xfrm>
+            <a:off x="4019195" y="1352195"/>
+            <a:ext cx="4153609" cy="4153609"/>
+          </a:xfrm>
+          <a:prstGeom prst="ellipse">
+            <a:avLst/>
+          </a:prstGeom>
+          <a:noFill/>
+          <a:ln w="101600">
+            <a:solidFill>
+              <a:schemeClr val="bg1">
+                <a:lumMod val="50000"/>
+              </a:schemeClr>
+            </a:solidFill>
+          </a:ln>
+        </p:spPr>
+        <p:style>
+          <a:lnRef idx="2">
+            <a:schemeClr val="accent1">
+              <a:shade val="50000"/>
+            </a:schemeClr>
+          </a:lnRef>
+          <a:fillRef idx="1">
+            <a:schemeClr val="accent1"/>
+          </a:fillRef>
+          <a:effectRef idx="0">
+            <a:schemeClr val="accent1"/>
+          </a:effectRef>
+          <a:fontRef idx="minor">
+            <a:schemeClr val="lt1"/>
+          </a:fontRef>
+        </p:style>
+        <p:txBody>
+          <a:bodyPr rtlCol="0" anchor="ctr"/>
+          <a:lstStyle/>
+          <a:p>
+            <a:pPr algn="ctr"/>
+            <a:endParaRPr lang="de-DE"/>
+          </a:p>
+        </p:txBody>
+      </p:sp>
+      <p:cxnSp>
+        <p:nvCxnSpPr>
+          <p:cNvPr id="3" name="Gerade Verbindung mit Pfeil 2">
+            <a:extLst>
+              <a:ext uri="{FF2B5EF4-FFF2-40B4-BE49-F238E27FC236}">
+                <a16:creationId xmlns:a16="http://schemas.microsoft.com/office/drawing/2014/main" id="{4410121C-254F-7BFD-6287-34E34391870C}"/>
+              </a:ext>
+            </a:extLst>
+          </p:cNvPr>
+          <p:cNvCxnSpPr>
+            <a:cxnSpLocks/>
+            <a:endCxn id="2" idx="2"/>
+          </p:cNvCxnSpPr>
+          <p:nvPr/>
+        </p:nvCxnSpPr>
+        <p:spPr>
+          <a:xfrm>
+            <a:off x="989351" y="1019331"/>
+            <a:ext cx="3029844" cy="2409669"/>
+          </a:xfrm>
+          <a:prstGeom prst="straightConnector1">
+            <a:avLst/>
+          </a:prstGeom>
+          <a:ln w="101600">
+            <a:tailEnd type="triangle"/>
+          </a:ln>
+        </p:spPr>
+        <p:style>
+          <a:lnRef idx="1">
+            <a:schemeClr val="accent1"/>
+          </a:lnRef>
+          <a:fillRef idx="0">
+            <a:schemeClr val="accent1"/>
+          </a:fillRef>
+          <a:effectRef idx="0">
+            <a:schemeClr val="accent1"/>
+          </a:effectRef>
+          <a:fontRef idx="minor">
+            <a:schemeClr val="tx1"/>
+          </a:fontRef>
+        </p:style>
+      </p:cxnSp>
+      <p:cxnSp>
+        <p:nvCxnSpPr>
+          <p:cNvPr id="7" name="Gerade Verbindung mit Pfeil 6">
+            <a:extLst>
+              <a:ext uri="{FF2B5EF4-FFF2-40B4-BE49-F238E27FC236}">
+                <a16:creationId xmlns:a16="http://schemas.microsoft.com/office/drawing/2014/main" id="{88882CFB-5267-C923-4D61-F49762296D31}"/>
+              </a:ext>
+            </a:extLst>
+          </p:cNvPr>
+          <p:cNvCxnSpPr>
+            <a:cxnSpLocks/>
+            <a:endCxn id="2" idx="2"/>
+          </p:cNvCxnSpPr>
+          <p:nvPr/>
+        </p:nvCxnSpPr>
+        <p:spPr>
+          <a:xfrm flipV="1">
+            <a:off x="1214203" y="3429000"/>
+            <a:ext cx="2804992" cy="2552075"/>
+          </a:xfrm>
+          <a:prstGeom prst="straightConnector1">
+            <a:avLst/>
+          </a:prstGeom>
+          <a:ln w="101600">
+            <a:tailEnd type="triangle"/>
+          </a:ln>
+        </p:spPr>
+        <p:style>
+          <a:lnRef idx="1">
+            <a:schemeClr val="accent1"/>
+          </a:lnRef>
+          <a:fillRef idx="0">
+            <a:schemeClr val="accent1"/>
+          </a:fillRef>
+          <a:effectRef idx="0">
+            <a:schemeClr val="accent1"/>
+          </a:effectRef>
+          <a:fontRef idx="minor">
+            <a:schemeClr val="tx1"/>
+          </a:fontRef>
+        </p:style>
+      </p:cxnSp>
+      <mc:AlternateContent xmlns:mc="http://schemas.openxmlformats.org/markup-compatibility/2006">
+        <mc:Choice xmlns:a14="http://schemas.microsoft.com/office/drawing/2010/main" Requires="a14">
+          <p:sp>
+            <p:nvSpPr>
+              <p:cNvPr id="12" name="Textfeld 11">
+                <a:extLst>
+                  <a:ext uri="{FF2B5EF4-FFF2-40B4-BE49-F238E27FC236}">
+                    <a16:creationId xmlns:a16="http://schemas.microsoft.com/office/drawing/2014/main" id="{27BADA88-819E-2501-BAD9-3E28E09A8296}"/>
+                  </a:ext>
+                </a:extLst>
+              </p:cNvPr>
+              <p:cNvSpPr txBox="1"/>
+              <p:nvPr/>
+            </p:nvSpPr>
+            <p:spPr>
+              <a:xfrm>
+                <a:off x="4139115" y="2233196"/>
+                <a:ext cx="4153609" cy="1138581"/>
+              </a:xfrm>
+              <a:prstGeom prst="rect">
+                <a:avLst/>
+              </a:prstGeom>
+              <a:noFill/>
+            </p:spPr>
+            <p:txBody>
+              <a:bodyPr wrap="square">
+                <a:spAutoFit/>
+              </a:bodyPr>
+              <a:lstStyle/>
+              <a:p>
+                <a:pPr/>
+                <a14:m>
+                  <m:oMathPara xmlns:m="http://schemas.openxmlformats.org/officeDocument/2006/math">
+                    <m:oMathParaPr>
+                      <m:jc m:val="centerGroup"/>
+                    </m:oMathParaPr>
+                    <m:oMath xmlns:m="http://schemas.openxmlformats.org/officeDocument/2006/math">
+                      <m:sSubSup>
+                        <m:sSubSupPr>
+                          <m:ctrlPr>
+                            <a:rPr lang="de-DE" sz="2400" i="1" smtClean="0">
+                              <a:solidFill>
+                                <a:srgbClr val="836967"/>
+                              </a:solidFill>
+                              <a:latin typeface="Cambria Math" panose="02040503050406030204" pitchFamily="18" charset="0"/>
+                            </a:rPr>
+                          </m:ctrlPr>
+                        </m:sSubSupPr>
+                        <m:e>
+                          <m:r>
+                            <a:rPr lang="de-DE" sz="2400" i="1">
+                              <a:latin typeface="Cambria Math" panose="02040503050406030204" pitchFamily="18" charset="0"/>
+                            </a:rPr>
+                            <m:t>𝑛𝑒𝑡</m:t>
+                          </m:r>
+                        </m:e>
+                        <m:sub>
+                          <m:r>
+                            <a:rPr lang="de-DE" sz="2400" i="1">
+                              <a:latin typeface="Cambria Math" panose="02040503050406030204" pitchFamily="18" charset="0"/>
+                            </a:rPr>
+                            <m:t>𝑗</m:t>
+                          </m:r>
+                        </m:sub>
+                        <m:sup>
+                          <m:r>
+                            <a:rPr lang="de-DE" sz="2400" i="1">
+                              <a:latin typeface="Cambria Math" panose="02040503050406030204" pitchFamily="18" charset="0"/>
+                            </a:rPr>
+                            <m:t>𝑢</m:t>
+                          </m:r>
+                        </m:sup>
+                      </m:sSubSup>
+                      <m:r>
+                        <a:rPr lang="de-DE" sz="2400" i="0">
+                          <a:latin typeface="Cambria Math" panose="02040503050406030204" pitchFamily="18" charset="0"/>
+                        </a:rPr>
+                        <m:t>= </m:t>
+                      </m:r>
+                      <m:nary>
+                        <m:naryPr>
+                          <m:chr m:val="∑"/>
+                          <m:limLoc m:val="undOvr"/>
+                          <m:ctrlPr>
+                            <a:rPr lang="de-DE" sz="2400" i="1">
+                              <a:latin typeface="Cambria Math" panose="02040503050406030204" pitchFamily="18" charset="0"/>
+                            </a:rPr>
+                          </m:ctrlPr>
+                        </m:naryPr>
+                        <m:sub>
+                          <m:r>
+                            <a:rPr lang="de-DE" sz="2400" i="1">
+                              <a:latin typeface="Cambria Math" panose="02040503050406030204" pitchFamily="18" charset="0"/>
+                            </a:rPr>
+                            <m:t>𝑖</m:t>
+                          </m:r>
+                          <m:r>
+                            <a:rPr lang="de-DE" sz="2400" i="0">
+                              <a:latin typeface="Cambria Math" panose="02040503050406030204" pitchFamily="18" charset="0"/>
+                            </a:rPr>
+                            <m:t>=0</m:t>
+                          </m:r>
+                        </m:sub>
+                        <m:sup>
+                          <m:r>
+                            <a:rPr lang="de-DE" sz="2400" i="1">
+                              <a:latin typeface="Cambria Math" panose="02040503050406030204" pitchFamily="18" charset="0"/>
+                            </a:rPr>
+                            <m:t>𝑑</m:t>
+                          </m:r>
+                        </m:sup>
+                        <m:e>
+                          <m:sSubSup>
+                            <m:sSubSupPr>
+                              <m:ctrlPr>
+                                <a:rPr lang="de-DE" sz="2400" i="1">
+                                  <a:solidFill>
+                                    <a:srgbClr val="836967"/>
+                                  </a:solidFill>
+                                  <a:latin typeface="Cambria Math" panose="02040503050406030204" pitchFamily="18" charset="0"/>
+                                </a:rPr>
+                              </m:ctrlPr>
+                            </m:sSubSupPr>
+                            <m:e>
+                              <m:r>
+                                <a:rPr lang="de-DE" sz="2400" i="1">
+                                  <a:latin typeface="Cambria Math" panose="02040503050406030204" pitchFamily="18" charset="0"/>
+                                </a:rPr>
+                                <m:t>𝑤</m:t>
+                              </m:r>
+                            </m:e>
+                            <m:sub>
+                              <m:r>
+                                <a:rPr lang="de-DE" sz="2400" i="1">
+                                  <a:latin typeface="Cambria Math" panose="02040503050406030204" pitchFamily="18" charset="0"/>
+                                </a:rPr>
+                                <m:t>𝑖</m:t>
+                              </m:r>
+                              <m:r>
+                                <a:rPr lang="de-DE" sz="2400" i="0">
+                                  <a:latin typeface="Cambria Math" panose="02040503050406030204" pitchFamily="18" charset="0"/>
+                                </a:rPr>
+                                <m:t>,</m:t>
+                              </m:r>
+                              <m:r>
+                                <a:rPr lang="de-DE" sz="2400" i="1">
+                                  <a:latin typeface="Cambria Math" panose="02040503050406030204" pitchFamily="18" charset="0"/>
+                                </a:rPr>
+                                <m:t>𝑗</m:t>
+                              </m:r>
+                            </m:sub>
+                            <m:sup>
+                              <m:r>
+                                <a:rPr lang="de-DE" sz="2400" i="1">
+                                  <a:latin typeface="Cambria Math" panose="02040503050406030204" pitchFamily="18" charset="0"/>
+                                </a:rPr>
+                                <m:t>𝑢</m:t>
+                              </m:r>
+                              <m:r>
+                                <a:rPr lang="de-DE" sz="2400" i="0">
+                                  <a:latin typeface="Cambria Math" panose="02040503050406030204" pitchFamily="18" charset="0"/>
+                                </a:rPr>
+                                <m:t>−1</m:t>
+                              </m:r>
+                            </m:sup>
+                          </m:sSubSup>
+                          <m:sSub>
+                            <m:sSubPr>
+                              <m:ctrlPr>
+                                <a:rPr lang="de-DE" sz="2400" i="1">
+                                  <a:solidFill>
+                                    <a:srgbClr val="836967"/>
+                                  </a:solidFill>
+                                  <a:latin typeface="Cambria Math" panose="02040503050406030204" pitchFamily="18" charset="0"/>
+                                </a:rPr>
+                              </m:ctrlPr>
+                            </m:sSubPr>
+                            <m:e>
+                              <m:r>
+                                <a:rPr lang="de-DE" sz="2400" i="1">
+                                  <a:latin typeface="Cambria Math" panose="02040503050406030204" pitchFamily="18" charset="0"/>
+                                </a:rPr>
+                                <m:t>𝑥</m:t>
+                              </m:r>
+                            </m:e>
+                            <m:sub>
+                              <m:r>
+                                <a:rPr lang="de-DE" sz="2400" i="1">
+                                  <a:latin typeface="Cambria Math" panose="02040503050406030204" pitchFamily="18" charset="0"/>
+                                </a:rPr>
+                                <m:t>𝑖</m:t>
+                              </m:r>
+                            </m:sub>
+                          </m:sSub>
+                          <m:r>
+                            <a:rPr lang="de-DE" sz="2400" i="0">
+                              <a:latin typeface="Cambria Math" panose="02040503050406030204" pitchFamily="18" charset="0"/>
+                            </a:rPr>
+                            <m:t>+</m:t>
+                          </m:r>
+                          <m:sSubSup>
+                            <m:sSubSupPr>
+                              <m:ctrlPr>
+                                <a:rPr lang="de-DE" sz="2400" i="1">
+                                  <a:solidFill>
+                                    <a:srgbClr val="836967"/>
+                                  </a:solidFill>
+                                  <a:latin typeface="Cambria Math" panose="02040503050406030204" pitchFamily="18" charset="0"/>
+                                </a:rPr>
+                              </m:ctrlPr>
+                            </m:sSubSupPr>
+                            <m:e>
+                              <m:r>
+                                <a:rPr lang="de-DE" sz="2400" i="1">
+                                  <a:latin typeface="Cambria Math" panose="02040503050406030204" pitchFamily="18" charset="0"/>
+                                </a:rPr>
+                                <m:t>𝑏</m:t>
+                              </m:r>
+                            </m:e>
+                            <m:sub>
+                              <m:r>
+                                <a:rPr lang="de-DE" sz="2400" i="1">
+                                  <a:latin typeface="Cambria Math" panose="02040503050406030204" pitchFamily="18" charset="0"/>
+                                </a:rPr>
+                                <m:t>𝑗</m:t>
+                              </m:r>
+                            </m:sub>
+                            <m:sup>
+                              <m:r>
+                                <a:rPr lang="de-DE" sz="2400" i="1">
+                                  <a:latin typeface="Cambria Math" panose="02040503050406030204" pitchFamily="18" charset="0"/>
+                                </a:rPr>
+                                <m:t>𝑢</m:t>
+                              </m:r>
+                            </m:sup>
+                          </m:sSubSup>
+                        </m:e>
+                      </m:nary>
+                    </m:oMath>
+                  </m:oMathPara>
+                </a14:m>
+                <a:endParaRPr lang="de-DE" sz="3200" dirty="0"/>
+              </a:p>
+            </p:txBody>
+          </p:sp>
+        </mc:Choice>
+        <mc:Fallback>
+          <p:sp>
+            <p:nvSpPr>
+              <p:cNvPr id="12" name="Textfeld 11">
+                <a:extLst>
+                  <a:ext uri="{FF2B5EF4-FFF2-40B4-BE49-F238E27FC236}">
+                    <a16:creationId xmlns:a16="http://schemas.microsoft.com/office/drawing/2014/main" id="{27BADA88-819E-2501-BAD9-3E28E09A8296}"/>
+                  </a:ext>
+                </a:extLst>
+              </p:cNvPr>
+              <p:cNvSpPr txBox="1">
+                <a:spLocks noRot="1" noChangeAspect="1" noMove="1" noResize="1" noEditPoints="1" noAdjustHandles="1" noChangeArrowheads="1" noChangeShapeType="1" noTextEdit="1"/>
+              </p:cNvSpPr>
+              <p:nvPr/>
+            </p:nvSpPr>
+            <p:spPr>
+              <a:xfrm>
+                <a:off x="4139115" y="2233196"/>
+                <a:ext cx="4153609" cy="1138581"/>
+              </a:xfrm>
+              <a:prstGeom prst="rect">
+                <a:avLst/>
+              </a:prstGeom>
+              <a:blipFill>
+                <a:blip r:embed="rId2"/>
+                <a:stretch>
+                  <a:fillRect/>
+                </a:stretch>
+              </a:blipFill>
+            </p:spPr>
+            <p:txBody>
+              <a:bodyPr/>
+              <a:lstStyle/>
+              <a:p>
+                <a:r>
+                  <a:rPr lang="de-DE">
+                    <a:noFill/>
+                  </a:rPr>
+                  <a:t> </a:t>
+                </a:r>
+              </a:p>
+            </p:txBody>
+          </p:sp>
+        </mc:Fallback>
+      </mc:AlternateContent>
+      <mc:AlternateContent xmlns:mc="http://schemas.openxmlformats.org/markup-compatibility/2006">
+        <mc:Choice xmlns:a14="http://schemas.microsoft.com/office/drawing/2010/main" Requires="a14">
+          <p:sp>
+            <p:nvSpPr>
+              <p:cNvPr id="14" name="Textfeld 13">
+                <a:extLst>
+                  <a:ext uri="{FF2B5EF4-FFF2-40B4-BE49-F238E27FC236}">
+                    <a16:creationId xmlns:a16="http://schemas.microsoft.com/office/drawing/2014/main" id="{B23DC8A8-836E-2EA0-1842-59138ADF0CCF}"/>
+                  </a:ext>
+                </a:extLst>
+              </p:cNvPr>
+              <p:cNvSpPr txBox="1"/>
+              <p:nvPr/>
+            </p:nvSpPr>
+            <p:spPr>
+              <a:xfrm>
+                <a:off x="2423700" y="1347003"/>
+                <a:ext cx="490928" cy="584775"/>
+              </a:xfrm>
+              <a:prstGeom prst="rect">
+                <a:avLst/>
+              </a:prstGeom>
+              <a:noFill/>
+            </p:spPr>
+            <p:txBody>
+              <a:bodyPr wrap="square">
+                <a:spAutoFit/>
+              </a:bodyPr>
+              <a:lstStyle/>
+              <a:p>
+                <a:pPr/>
+                <a14:m>
+                  <m:oMathPara xmlns:m="http://schemas.openxmlformats.org/officeDocument/2006/math">
+                    <m:oMathParaPr>
+                      <m:jc m:val="centerGroup"/>
+                    </m:oMathParaPr>
+                    <m:oMath xmlns:m="http://schemas.openxmlformats.org/officeDocument/2006/math">
+                      <m:sSub>
+                        <m:sSubPr>
+                          <m:ctrlPr>
+                            <a:rPr lang="de-DE" sz="3200" i="1" smtClean="0">
+                              <a:solidFill>
+                                <a:srgbClr val="836967"/>
+                              </a:solidFill>
+                              <a:latin typeface="Cambria Math" panose="02040503050406030204" pitchFamily="18" charset="0"/>
+                            </a:rPr>
+                          </m:ctrlPr>
+                        </m:sSubPr>
+                        <m:e>
+                          <m:r>
+                            <a:rPr lang="de-DE" sz="3200" i="1">
+                              <a:latin typeface="Cambria Math" panose="02040503050406030204" pitchFamily="18" charset="0"/>
+                            </a:rPr>
+                            <m:t>𝑥</m:t>
+                          </m:r>
+                        </m:e>
+                        <m:sub>
+                          <m:r>
+                            <a:rPr lang="de-DE" sz="3200" b="0" i="1" smtClean="0">
+                              <a:latin typeface="Cambria Math" panose="02040503050406030204" pitchFamily="18" charset="0"/>
+                            </a:rPr>
+                            <m:t>0</m:t>
+                          </m:r>
+                        </m:sub>
+                      </m:sSub>
+                    </m:oMath>
+                  </m:oMathPara>
+                </a14:m>
+                <a:endParaRPr lang="de-DE" sz="3200" dirty="0"/>
+              </a:p>
+            </p:txBody>
+          </p:sp>
+        </mc:Choice>
+        <mc:Fallback>
+          <p:sp>
+            <p:nvSpPr>
+              <p:cNvPr id="14" name="Textfeld 13">
+                <a:extLst>
+                  <a:ext uri="{FF2B5EF4-FFF2-40B4-BE49-F238E27FC236}">
+                    <a16:creationId xmlns:a16="http://schemas.microsoft.com/office/drawing/2014/main" id="{B23DC8A8-836E-2EA0-1842-59138ADF0CCF}"/>
+                  </a:ext>
+                </a:extLst>
+              </p:cNvPr>
+              <p:cNvSpPr txBox="1">
+                <a:spLocks noRot="1" noChangeAspect="1" noMove="1" noResize="1" noEditPoints="1" noAdjustHandles="1" noChangeArrowheads="1" noChangeShapeType="1" noTextEdit="1"/>
+              </p:cNvSpPr>
+              <p:nvPr/>
+            </p:nvSpPr>
+            <p:spPr>
+              <a:xfrm>
+                <a:off x="2423700" y="1347003"/>
+                <a:ext cx="490928" cy="584775"/>
+              </a:xfrm>
+              <a:prstGeom prst="rect">
+                <a:avLst/>
+              </a:prstGeom>
+              <a:blipFill>
+                <a:blip r:embed="rId3"/>
+                <a:stretch>
+                  <a:fillRect/>
+                </a:stretch>
+              </a:blipFill>
+            </p:spPr>
+            <p:txBody>
+              <a:bodyPr/>
+              <a:lstStyle/>
+              <a:p>
+                <a:r>
+                  <a:rPr lang="de-DE">
+                    <a:noFill/>
+                  </a:rPr>
+                  <a:t> </a:t>
+                </a:r>
+              </a:p>
+            </p:txBody>
+          </p:sp>
+        </mc:Fallback>
+      </mc:AlternateContent>
+      <mc:AlternateContent xmlns:mc="http://schemas.openxmlformats.org/markup-compatibility/2006">
+        <mc:Choice xmlns:a14="http://schemas.microsoft.com/office/drawing/2010/main" Requires="a14">
+          <p:sp>
+            <p:nvSpPr>
+              <p:cNvPr id="15" name="Textfeld 14">
+                <a:extLst>
+                  <a:ext uri="{FF2B5EF4-FFF2-40B4-BE49-F238E27FC236}">
+                    <a16:creationId xmlns:a16="http://schemas.microsoft.com/office/drawing/2014/main" id="{EE3E0B4B-B83C-9FE5-52ED-689229833C7B}"/>
+                  </a:ext>
+                </a:extLst>
+              </p:cNvPr>
+              <p:cNvSpPr txBox="1"/>
+              <p:nvPr/>
+            </p:nvSpPr>
+            <p:spPr>
+              <a:xfrm>
+                <a:off x="2423700" y="3583245"/>
+                <a:ext cx="490928" cy="584775"/>
+              </a:xfrm>
+              <a:prstGeom prst="rect">
+                <a:avLst/>
+              </a:prstGeom>
+              <a:noFill/>
+            </p:spPr>
+            <p:txBody>
+              <a:bodyPr wrap="square">
+                <a:spAutoFit/>
+              </a:bodyPr>
+              <a:lstStyle/>
+              <a:p>
+                <a:pPr/>
+                <a14:m>
+                  <m:oMathPara xmlns:m="http://schemas.openxmlformats.org/officeDocument/2006/math">
+                    <m:oMathParaPr>
+                      <m:jc m:val="centerGroup"/>
+                    </m:oMathParaPr>
+                    <m:oMath xmlns:m="http://schemas.openxmlformats.org/officeDocument/2006/math">
+                      <m:sSub>
+                        <m:sSubPr>
+                          <m:ctrlPr>
+                            <a:rPr lang="de-DE" sz="3200" i="1" smtClean="0">
+                              <a:solidFill>
+                                <a:srgbClr val="836967"/>
+                              </a:solidFill>
+                              <a:latin typeface="Cambria Math" panose="02040503050406030204" pitchFamily="18" charset="0"/>
+                            </a:rPr>
+                          </m:ctrlPr>
+                        </m:sSubPr>
+                        <m:e>
+                          <m:r>
+                            <a:rPr lang="de-DE" sz="3200" i="1">
+                              <a:latin typeface="Cambria Math" panose="02040503050406030204" pitchFamily="18" charset="0"/>
+                            </a:rPr>
+                            <m:t>𝑥</m:t>
+                          </m:r>
+                        </m:e>
+                        <m:sub>
+                          <m:r>
+                            <a:rPr lang="de-DE" sz="3200" b="0" i="1" smtClean="0">
+                              <a:latin typeface="Cambria Math" panose="02040503050406030204" pitchFamily="18" charset="0"/>
+                            </a:rPr>
+                            <m:t>𝑑</m:t>
+                          </m:r>
+                        </m:sub>
+                      </m:sSub>
+                    </m:oMath>
+                  </m:oMathPara>
+                </a14:m>
+                <a:endParaRPr lang="de-DE" sz="3200" dirty="0"/>
+              </a:p>
+            </p:txBody>
+          </p:sp>
+        </mc:Choice>
+        <mc:Fallback>
+          <p:sp>
+            <p:nvSpPr>
+              <p:cNvPr id="15" name="Textfeld 14">
+                <a:extLst>
+                  <a:ext uri="{FF2B5EF4-FFF2-40B4-BE49-F238E27FC236}">
+                    <a16:creationId xmlns:a16="http://schemas.microsoft.com/office/drawing/2014/main" id="{EE3E0B4B-B83C-9FE5-52ED-689229833C7B}"/>
+                  </a:ext>
+                </a:extLst>
+              </p:cNvPr>
+              <p:cNvSpPr txBox="1">
+                <a:spLocks noRot="1" noChangeAspect="1" noMove="1" noResize="1" noEditPoints="1" noAdjustHandles="1" noChangeArrowheads="1" noChangeShapeType="1" noTextEdit="1"/>
+              </p:cNvSpPr>
+              <p:nvPr/>
+            </p:nvSpPr>
+            <p:spPr>
+              <a:xfrm>
+                <a:off x="2423700" y="3583245"/>
+                <a:ext cx="490928" cy="584775"/>
+              </a:xfrm>
+              <a:prstGeom prst="rect">
+                <a:avLst/>
+              </a:prstGeom>
+              <a:blipFill>
+                <a:blip r:embed="rId4"/>
+                <a:stretch>
+                  <a:fillRect/>
+                </a:stretch>
+              </a:blipFill>
+            </p:spPr>
+            <p:txBody>
+              <a:bodyPr/>
+              <a:lstStyle/>
+              <a:p>
+                <a:r>
+                  <a:rPr lang="de-DE">
+                    <a:noFill/>
+                  </a:rPr>
+                  <a:t> </a:t>
+                </a:r>
+              </a:p>
+            </p:txBody>
+          </p:sp>
+        </mc:Fallback>
+      </mc:AlternateContent>
+      <p:cxnSp>
+        <p:nvCxnSpPr>
+          <p:cNvPr id="16" name="Gerade Verbindung mit Pfeil 15">
+            <a:extLst>
+              <a:ext uri="{FF2B5EF4-FFF2-40B4-BE49-F238E27FC236}">
+                <a16:creationId xmlns:a16="http://schemas.microsoft.com/office/drawing/2014/main" id="{D4773815-CC09-43FB-2EAD-0B016A42DC62}"/>
+              </a:ext>
+            </a:extLst>
+          </p:cNvPr>
+          <p:cNvCxnSpPr>
+            <a:cxnSpLocks/>
+            <a:stCxn id="2" idx="6"/>
+          </p:cNvCxnSpPr>
+          <p:nvPr/>
+        </p:nvCxnSpPr>
+        <p:spPr>
+          <a:xfrm>
+            <a:off x="8172804" y="3429000"/>
+            <a:ext cx="2485203" cy="0"/>
+          </a:xfrm>
+          <a:prstGeom prst="straightConnector1">
+            <a:avLst/>
+          </a:prstGeom>
+          <a:ln w="101600">
+            <a:solidFill>
+              <a:srgbClr val="FF0000"/>
+            </a:solidFill>
+            <a:tailEnd type="triangle"/>
+          </a:ln>
+        </p:spPr>
+        <p:style>
+          <a:lnRef idx="1">
+            <a:schemeClr val="accent1"/>
+          </a:lnRef>
+          <a:fillRef idx="0">
+            <a:schemeClr val="accent1"/>
+          </a:fillRef>
+          <a:effectRef idx="0">
+            <a:schemeClr val="accent1"/>
+          </a:effectRef>
+          <a:fontRef idx="minor">
+            <a:schemeClr val="tx1"/>
+          </a:fontRef>
+        </p:style>
+      </p:cxnSp>
+      <mc:AlternateContent xmlns:mc="http://schemas.openxmlformats.org/markup-compatibility/2006">
+        <mc:Choice xmlns:a14="http://schemas.microsoft.com/office/drawing/2010/main" Requires="a14">
+          <p:sp>
+            <p:nvSpPr>
+              <p:cNvPr id="21" name="Textfeld 20">
+                <a:extLst>
+                  <a:ext uri="{FF2B5EF4-FFF2-40B4-BE49-F238E27FC236}">
+                    <a16:creationId xmlns:a16="http://schemas.microsoft.com/office/drawing/2014/main" id="{9351B03E-846B-6710-9950-2B4AB96A0209}"/>
+                  </a:ext>
+                </a:extLst>
+              </p:cNvPr>
+              <p:cNvSpPr txBox="1"/>
+              <p:nvPr/>
+            </p:nvSpPr>
+            <p:spPr>
+              <a:xfrm>
+                <a:off x="9003364" y="2481406"/>
+                <a:ext cx="548013" cy="642163"/>
+              </a:xfrm>
+              <a:prstGeom prst="rect">
+                <a:avLst/>
+              </a:prstGeom>
+              <a:noFill/>
+            </p:spPr>
+            <p:txBody>
+              <a:bodyPr wrap="square">
+                <a:spAutoFit/>
+              </a:bodyPr>
+              <a:lstStyle/>
+              <a:p>
+                <a:pPr/>
+                <a14:m>
+                  <m:oMathPara xmlns:m="http://schemas.openxmlformats.org/officeDocument/2006/math">
+                    <m:oMathParaPr>
+                      <m:jc m:val="centerGroup"/>
+                    </m:oMathParaPr>
+                    <m:oMath xmlns:m="http://schemas.openxmlformats.org/officeDocument/2006/math">
+                      <m:sSubSup>
+                        <m:sSubSupPr>
+                          <m:ctrlPr>
+                            <a:rPr lang="de-DE" sz="3200" i="1" smtClean="0">
+                              <a:solidFill>
+                                <a:srgbClr val="836967"/>
+                              </a:solidFill>
+                              <a:latin typeface="Cambria Math" panose="02040503050406030204" pitchFamily="18" charset="0"/>
+                            </a:rPr>
+                          </m:ctrlPr>
+                        </m:sSubSupPr>
+                        <m:e>
+                          <m:r>
+                            <a:rPr lang="de-DE" sz="3200" i="1">
+                              <a:latin typeface="Cambria Math" panose="02040503050406030204" pitchFamily="18" charset="0"/>
+                            </a:rPr>
+                            <m:t>𝑜</m:t>
+                          </m:r>
+                        </m:e>
+                        <m:sub>
+                          <m:r>
+                            <a:rPr lang="de-DE" sz="3200" i="1">
+                              <a:latin typeface="Cambria Math" panose="02040503050406030204" pitchFamily="18" charset="0"/>
+                            </a:rPr>
+                            <m:t>𝑗</m:t>
+                          </m:r>
+                        </m:sub>
+                        <m:sup>
+                          <m:r>
+                            <a:rPr lang="de-DE" sz="3200" i="1">
+                              <a:latin typeface="Cambria Math" panose="02040503050406030204" pitchFamily="18" charset="0"/>
+                            </a:rPr>
+                            <m:t>𝑢</m:t>
+                          </m:r>
+                        </m:sup>
+                      </m:sSubSup>
+                    </m:oMath>
+                  </m:oMathPara>
+                </a14:m>
+                <a:endParaRPr lang="de-DE" sz="3200" dirty="0"/>
+              </a:p>
+            </p:txBody>
+          </p:sp>
+        </mc:Choice>
+        <mc:Fallback>
+          <p:sp>
+            <p:nvSpPr>
+              <p:cNvPr id="21" name="Textfeld 20">
+                <a:extLst>
+                  <a:ext uri="{FF2B5EF4-FFF2-40B4-BE49-F238E27FC236}">
+                    <a16:creationId xmlns:a16="http://schemas.microsoft.com/office/drawing/2014/main" id="{9351B03E-846B-6710-9950-2B4AB96A0209}"/>
+                  </a:ext>
+                </a:extLst>
+              </p:cNvPr>
+              <p:cNvSpPr txBox="1">
+                <a:spLocks noRot="1" noChangeAspect="1" noMove="1" noResize="1" noEditPoints="1" noAdjustHandles="1" noChangeArrowheads="1" noChangeShapeType="1" noTextEdit="1"/>
+              </p:cNvSpPr>
+              <p:nvPr/>
+            </p:nvSpPr>
+            <p:spPr>
+              <a:xfrm>
+                <a:off x="9003364" y="2481406"/>
+                <a:ext cx="548013" cy="642163"/>
+              </a:xfrm>
+              <a:prstGeom prst="rect">
+                <a:avLst/>
+              </a:prstGeom>
+              <a:blipFill>
+                <a:blip r:embed="rId5"/>
+                <a:stretch>
+                  <a:fillRect/>
+                </a:stretch>
+              </a:blipFill>
+            </p:spPr>
+            <p:txBody>
+              <a:bodyPr/>
+              <a:lstStyle/>
+              <a:p>
+                <a:r>
+                  <a:rPr lang="de-DE">
+                    <a:noFill/>
+                  </a:rPr>
+                  <a:t> </a:t>
+                </a:r>
+              </a:p>
+            </p:txBody>
+          </p:sp>
+        </mc:Fallback>
+      </mc:AlternateContent>
+      <mc:AlternateContent xmlns:mc="http://schemas.openxmlformats.org/markup-compatibility/2006">
+        <mc:Choice xmlns:a14="http://schemas.microsoft.com/office/drawing/2010/main" Requires="a14">
+          <p:sp>
+            <p:nvSpPr>
+              <p:cNvPr id="24" name="Textfeld 23">
+                <a:extLst>
+                  <a:ext uri="{FF2B5EF4-FFF2-40B4-BE49-F238E27FC236}">
+                    <a16:creationId xmlns:a16="http://schemas.microsoft.com/office/drawing/2014/main" id="{71745DD0-0735-7FA7-C4B3-0991ABFD172D}"/>
+                  </a:ext>
+                </a:extLst>
+              </p:cNvPr>
+              <p:cNvSpPr txBox="1"/>
+              <p:nvPr/>
+            </p:nvSpPr>
+            <p:spPr>
+              <a:xfrm>
+                <a:off x="4857873" y="4173866"/>
+                <a:ext cx="2672869" cy="531171"/>
+              </a:xfrm>
+              <a:prstGeom prst="rect">
+                <a:avLst/>
+              </a:prstGeom>
+              <a:noFill/>
+            </p:spPr>
+            <p:txBody>
+              <a:bodyPr wrap="square">
+                <a:spAutoFit/>
+              </a:bodyPr>
+              <a:lstStyle/>
+              <a:p>
+                <a:pPr/>
+                <a14:m>
+                  <m:oMathPara xmlns:m="http://schemas.openxmlformats.org/officeDocument/2006/math">
+                    <m:oMathParaPr>
+                      <m:jc m:val="centerGroup"/>
+                    </m:oMathParaPr>
+                    <m:oMath xmlns:m="http://schemas.openxmlformats.org/officeDocument/2006/math">
+                      <m:sSubSup>
+                        <m:sSubSupPr>
+                          <m:ctrlPr>
+                            <a:rPr lang="de-DE" sz="2400" i="1" smtClean="0">
+                              <a:solidFill>
+                                <a:srgbClr val="836967"/>
+                              </a:solidFill>
+                              <a:latin typeface="Cambria Math" panose="02040503050406030204" pitchFamily="18" charset="0"/>
+                            </a:rPr>
+                          </m:ctrlPr>
+                        </m:sSubSupPr>
+                        <m:e>
+                          <m:r>
+                            <a:rPr lang="de-DE" sz="2400" i="1">
+                              <a:latin typeface="Cambria Math" panose="02040503050406030204" pitchFamily="18" charset="0"/>
+                            </a:rPr>
+                            <m:t>𝑜</m:t>
+                          </m:r>
+                        </m:e>
+                        <m:sub>
+                          <m:r>
+                            <a:rPr lang="de-DE" sz="2400" i="1">
+                              <a:latin typeface="Cambria Math" panose="02040503050406030204" pitchFamily="18" charset="0"/>
+                            </a:rPr>
+                            <m:t>𝑗</m:t>
+                          </m:r>
+                        </m:sub>
+                        <m:sup>
+                          <m:r>
+                            <a:rPr lang="de-DE" sz="2400" i="1">
+                              <a:latin typeface="Cambria Math" panose="02040503050406030204" pitchFamily="18" charset="0"/>
+                            </a:rPr>
+                            <m:t>𝑢</m:t>
+                          </m:r>
+                        </m:sup>
+                      </m:sSubSup>
+                      <m:r>
+                        <a:rPr lang="de-DE" sz="2400" i="0">
+                          <a:latin typeface="Cambria Math" panose="02040503050406030204" pitchFamily="18" charset="0"/>
+                        </a:rPr>
+                        <m:t>= </m:t>
+                      </m:r>
+                      <m:sSup>
+                        <m:sSupPr>
+                          <m:ctrlPr>
+                            <a:rPr lang="de-DE" sz="2400" i="1">
+                              <a:solidFill>
+                                <a:srgbClr val="836967"/>
+                              </a:solidFill>
+                              <a:latin typeface="Cambria Math" panose="02040503050406030204" pitchFamily="18" charset="0"/>
+                            </a:rPr>
+                          </m:ctrlPr>
+                        </m:sSupPr>
+                        <m:e>
+                          <m:r>
+                            <a:rPr lang="de-DE" sz="2400" i="1">
+                              <a:latin typeface="Cambria Math" panose="02040503050406030204" pitchFamily="18" charset="0"/>
+                            </a:rPr>
+                            <m:t>𝜙</m:t>
+                          </m:r>
+                        </m:e>
+                        <m:sup>
+                          <m:r>
+                            <a:rPr lang="de-DE" sz="2400" i="1">
+                              <a:latin typeface="Cambria Math" panose="02040503050406030204" pitchFamily="18" charset="0"/>
+                            </a:rPr>
+                            <m:t>𝑢</m:t>
+                          </m:r>
+                        </m:sup>
+                      </m:sSup>
+                      <m:d>
+                        <m:dPr>
+                          <m:ctrlPr>
+                            <a:rPr lang="de-DE" sz="2400" i="1">
+                              <a:latin typeface="Cambria Math" panose="02040503050406030204" pitchFamily="18" charset="0"/>
+                            </a:rPr>
+                          </m:ctrlPr>
+                        </m:dPr>
+                        <m:e>
+                          <m:sSubSup>
+                            <m:sSubSupPr>
+                              <m:ctrlPr>
+                                <a:rPr lang="de-DE" sz="2400" i="1">
+                                  <a:solidFill>
+                                    <a:srgbClr val="836967"/>
+                                  </a:solidFill>
+                                  <a:latin typeface="Cambria Math" panose="02040503050406030204" pitchFamily="18" charset="0"/>
+                                </a:rPr>
+                              </m:ctrlPr>
+                            </m:sSubSupPr>
+                            <m:e>
+                              <m:r>
+                                <a:rPr lang="de-DE" sz="2400" i="1">
+                                  <a:latin typeface="Cambria Math" panose="02040503050406030204" pitchFamily="18" charset="0"/>
+                                </a:rPr>
+                                <m:t>𝑛𝑒𝑡</m:t>
+                              </m:r>
+                            </m:e>
+                            <m:sub>
+                              <m:r>
+                                <a:rPr lang="de-DE" sz="2400" i="1">
+                                  <a:latin typeface="Cambria Math" panose="02040503050406030204" pitchFamily="18" charset="0"/>
+                                </a:rPr>
+                                <m:t>𝑗</m:t>
+                              </m:r>
+                            </m:sub>
+                            <m:sup>
+                              <m:r>
+                                <a:rPr lang="de-DE" sz="2400" i="1">
+                                  <a:latin typeface="Cambria Math" panose="02040503050406030204" pitchFamily="18" charset="0"/>
+                                </a:rPr>
+                                <m:t>𝑢</m:t>
+                              </m:r>
+                            </m:sup>
+                          </m:sSubSup>
+                        </m:e>
+                      </m:d>
+                    </m:oMath>
+                  </m:oMathPara>
+                </a14:m>
+                <a:endParaRPr lang="de-DE" sz="2400" dirty="0"/>
+              </a:p>
+            </p:txBody>
+          </p:sp>
+        </mc:Choice>
+        <mc:Fallback>
+          <p:sp>
+            <p:nvSpPr>
+              <p:cNvPr id="24" name="Textfeld 23">
+                <a:extLst>
+                  <a:ext uri="{FF2B5EF4-FFF2-40B4-BE49-F238E27FC236}">
+                    <a16:creationId xmlns:a16="http://schemas.microsoft.com/office/drawing/2014/main" id="{71745DD0-0735-7FA7-C4B3-0991ABFD172D}"/>
+                  </a:ext>
+                </a:extLst>
+              </p:cNvPr>
+              <p:cNvSpPr txBox="1">
+                <a:spLocks noRot="1" noChangeAspect="1" noMove="1" noResize="1" noEditPoints="1" noAdjustHandles="1" noChangeArrowheads="1" noChangeShapeType="1" noTextEdit="1"/>
+              </p:cNvSpPr>
+              <p:nvPr/>
+            </p:nvSpPr>
+            <p:spPr>
+              <a:xfrm>
+                <a:off x="4857873" y="4173866"/>
+                <a:ext cx="2672869" cy="531171"/>
+              </a:xfrm>
+              <a:prstGeom prst="rect">
+                <a:avLst/>
+              </a:prstGeom>
+              <a:blipFill>
+                <a:blip r:embed="rId6"/>
+                <a:stretch>
+                  <a:fillRect/>
+                </a:stretch>
+              </a:blipFill>
+            </p:spPr>
+            <p:txBody>
+              <a:bodyPr/>
+              <a:lstStyle/>
+              <a:p>
+                <a:r>
+                  <a:rPr lang="de-DE">
+                    <a:noFill/>
+                  </a:rPr>
+                  <a:t> </a:t>
+                </a:r>
+              </a:p>
+            </p:txBody>
+          </p:sp>
+        </mc:Fallback>
+      </mc:AlternateContent>
+      <p:sp>
+        <p:nvSpPr>
+          <p:cNvPr id="25" name="Textfeld 24">
+            <a:extLst>
+              <a:ext uri="{FF2B5EF4-FFF2-40B4-BE49-F238E27FC236}">
+                <a16:creationId xmlns:a16="http://schemas.microsoft.com/office/drawing/2014/main" id="{646E1DB3-A4BD-3865-1CCF-E042C6EEBCF4}"/>
+              </a:ext>
+            </a:extLst>
+          </p:cNvPr>
+          <p:cNvSpPr txBox="1"/>
+          <p:nvPr/>
+        </p:nvSpPr>
+        <p:spPr>
+          <a:xfrm>
+            <a:off x="5373280" y="1771654"/>
+            <a:ext cx="1489254" cy="523220"/>
+          </a:xfrm>
+          <a:prstGeom prst="rect">
+            <a:avLst/>
+          </a:prstGeom>
+          <a:noFill/>
+        </p:spPr>
+        <p:txBody>
+          <a:bodyPr wrap="none" rtlCol="0">
+            <a:spAutoFit/>
+          </a:bodyPr>
+          <a:lstStyle/>
+          <a:p>
+            <a:r>
+              <a:rPr lang="de-DE" sz="2800" dirty="0"/>
+              <a:t>1. Schritt</a:t>
+            </a:r>
+          </a:p>
+        </p:txBody>
+      </p:sp>
+      <p:sp>
+        <p:nvSpPr>
+          <p:cNvPr id="26" name="Textfeld 25">
+            <a:extLst>
+              <a:ext uri="{FF2B5EF4-FFF2-40B4-BE49-F238E27FC236}">
+                <a16:creationId xmlns:a16="http://schemas.microsoft.com/office/drawing/2014/main" id="{F81F8521-15FB-06BE-762F-6C1FA2045228}"/>
+              </a:ext>
+            </a:extLst>
+          </p:cNvPr>
+          <p:cNvSpPr txBox="1"/>
+          <p:nvPr/>
+        </p:nvSpPr>
+        <p:spPr>
+          <a:xfrm>
+            <a:off x="5356821" y="3644800"/>
+            <a:ext cx="1489254" cy="523220"/>
+          </a:xfrm>
+          <a:prstGeom prst="rect">
+            <a:avLst/>
+          </a:prstGeom>
+          <a:noFill/>
+        </p:spPr>
+        <p:txBody>
+          <a:bodyPr wrap="none" rtlCol="0">
+            <a:spAutoFit/>
+          </a:bodyPr>
+          <a:lstStyle/>
+          <a:p>
+            <a:r>
+              <a:rPr lang="de-DE" sz="2800" dirty="0"/>
+              <a:t>2. Schritt</a:t>
+            </a:r>
+          </a:p>
+        </p:txBody>
+      </p:sp>
+    </p:spTree>
+    <p:extLst>
+      <p:ext uri="{BB962C8B-B14F-4D97-AF65-F5344CB8AC3E}">
+        <p14:creationId xmlns:p14="http://schemas.microsoft.com/office/powerpoint/2010/main" val="2319675664"/>
+      </p:ext>
+    </p:extLst>
+  </p:cSld>
+  <p:clrMapOvr>
+    <a:masterClrMapping/>
+  </p:clrMapOvr>
+</p:sld>
+</file>
+
 <file path=ppt/theme/theme1.xml><?xml version="1.0" encoding="utf-8"?>
 <a:theme xmlns:a="http://schemas.openxmlformats.org/drawingml/2006/main" name="Office Theme">
   <a:themeElements>

--- a/Grafiken/Grafiken.pptx
+++ b/Grafiken/Grafiken.pptx
@@ -5,20 +5,21 @@
     <p:sldMasterId id="2147483648" r:id="rId1"/>
   </p:sldMasterIdLst>
   <p:notesMasterIdLst>
-    <p:notesMasterId r:id="rId13"/>
+    <p:notesMasterId r:id="rId14"/>
   </p:notesMasterIdLst>
   <p:sldIdLst>
     <p:sldId id="256" r:id="rId2"/>
-    <p:sldId id="266" r:id="rId3"/>
-    <p:sldId id="265" r:id="rId4"/>
-    <p:sldId id="260" r:id="rId5"/>
-    <p:sldId id="259" r:id="rId6"/>
-    <p:sldId id="257" r:id="rId7"/>
-    <p:sldId id="258" r:id="rId8"/>
-    <p:sldId id="261" r:id="rId9"/>
-    <p:sldId id="262" r:id="rId10"/>
-    <p:sldId id="263" r:id="rId11"/>
-    <p:sldId id="264" r:id="rId12"/>
+    <p:sldId id="267" r:id="rId3"/>
+    <p:sldId id="266" r:id="rId4"/>
+    <p:sldId id="265" r:id="rId5"/>
+    <p:sldId id="260" r:id="rId6"/>
+    <p:sldId id="259" r:id="rId7"/>
+    <p:sldId id="257" r:id="rId8"/>
+    <p:sldId id="258" r:id="rId9"/>
+    <p:sldId id="261" r:id="rId10"/>
+    <p:sldId id="262" r:id="rId11"/>
+    <p:sldId id="263" r:id="rId12"/>
+    <p:sldId id="264" r:id="rId13"/>
   </p:sldIdLst>
   <p:sldSz cx="12192000" cy="6858000"/>
   <p:notesSz cx="6858000" cy="9144000"/>
@@ -128,8 +129,7 @@
 <file path=ppt/revisionInfo.xml><?xml version="1.0" encoding="utf-8"?>
 <p1510:revInfo xmlns:a="http://schemas.openxmlformats.org/drawingml/2006/main" xmlns:r="http://schemas.openxmlformats.org/officeDocument/2006/relationships" xmlns:p1510="http://schemas.microsoft.com/office/powerpoint/2015/10/main">
   <p1510:revLst>
-    <p1510:client id="{8FAE91F1-527B-4F6E-BC68-E7FE59BC46DB}" v="3" dt="2023-01-06T20:54:59.555"/>
-    <p1510:client id="{BD723300-45D2-4FFB-ACBC-9572AE71CEF7}" v="428" dt="2023-01-06T06:09:17.062"/>
+    <p1510:client id="{F7619784-A99E-4AD1-A5CD-343906600611}" v="27" dt="2023-01-29T12:53:27.121"/>
   </p1510:revLst>
 </p1510:revInfo>
 </file>
@@ -2088,6 +2088,302 @@
       </pc:sldChg>
     </pc:docChg>
   </pc:docChgLst>
+  <pc:docChgLst>
+    <pc:chgData name="Sebastian Knopf" userId="aeec904eeb5479b8" providerId="LiveId" clId="{F7619784-A99E-4AD1-A5CD-343906600611}"/>
+    <pc:docChg chg="undo custSel addSld modSld">
+      <pc:chgData name="Sebastian Knopf" userId="aeec904eeb5479b8" providerId="LiveId" clId="{F7619784-A99E-4AD1-A5CD-343906600611}" dt="2023-01-29T13:06:02.788" v="777" actId="1037"/>
+      <pc:docMkLst>
+        <pc:docMk/>
+      </pc:docMkLst>
+      <pc:sldChg chg="addSp delSp modSp new mod">
+        <pc:chgData name="Sebastian Knopf" userId="aeec904eeb5479b8" providerId="LiveId" clId="{F7619784-A99E-4AD1-A5CD-343906600611}" dt="2023-01-29T13:06:02.788" v="777" actId="1037"/>
+        <pc:sldMkLst>
+          <pc:docMk/>
+          <pc:sldMk cId="962717733" sldId="267"/>
+        </pc:sldMkLst>
+        <pc:spChg chg="add mod">
+          <ac:chgData name="Sebastian Knopf" userId="aeec904eeb5479b8" providerId="LiveId" clId="{F7619784-A99E-4AD1-A5CD-343906600611}" dt="2023-01-29T12:25:18.220" v="215" actId="1076"/>
+          <ac:spMkLst>
+            <pc:docMk/>
+            <pc:sldMk cId="962717733" sldId="267"/>
+            <ac:spMk id="4" creationId="{DED6CB4B-1AE0-1C88-7785-642DE80C0C21}"/>
+          </ac:spMkLst>
+        </pc:spChg>
+        <pc:spChg chg="add mod">
+          <ac:chgData name="Sebastian Knopf" userId="aeec904eeb5479b8" providerId="LiveId" clId="{F7619784-A99E-4AD1-A5CD-343906600611}" dt="2023-01-29T12:25:18.220" v="215" actId="1076"/>
+          <ac:spMkLst>
+            <pc:docMk/>
+            <pc:sldMk cId="962717733" sldId="267"/>
+            <ac:spMk id="5" creationId="{15F616FC-CAF3-E11D-0EF8-A7C4B38EF1C3}"/>
+          </ac:spMkLst>
+        </pc:spChg>
+        <pc:spChg chg="add mod ord">
+          <ac:chgData name="Sebastian Knopf" userId="aeec904eeb5479b8" providerId="LiveId" clId="{F7619784-A99E-4AD1-A5CD-343906600611}" dt="2023-01-29T12:40:16.039" v="505" actId="166"/>
+          <ac:spMkLst>
+            <pc:docMk/>
+            <pc:sldMk cId="962717733" sldId="267"/>
+            <ac:spMk id="6" creationId="{5C627011-C59F-3DAD-5BA1-294689447A57}"/>
+          </ac:spMkLst>
+        </pc:spChg>
+        <pc:spChg chg="add del">
+          <ac:chgData name="Sebastian Knopf" userId="aeec904eeb5479b8" providerId="LiveId" clId="{F7619784-A99E-4AD1-A5CD-343906600611}" dt="2023-01-29T12:15:59.126" v="122" actId="478"/>
+          <ac:spMkLst>
+            <pc:docMk/>
+            <pc:sldMk cId="962717733" sldId="267"/>
+            <ac:spMk id="26" creationId="{44595DDB-CA3D-7B43-8952-7A32193904BD}"/>
+          </ac:spMkLst>
+        </pc:spChg>
+        <pc:spChg chg="add mod">
+          <ac:chgData name="Sebastian Knopf" userId="aeec904eeb5479b8" providerId="LiveId" clId="{F7619784-A99E-4AD1-A5CD-343906600611}" dt="2023-01-29T12:16:54.090" v="170" actId="164"/>
+          <ac:spMkLst>
+            <pc:docMk/>
+            <pc:sldMk cId="962717733" sldId="267"/>
+            <ac:spMk id="27" creationId="{F02659EF-7E24-3272-2F5C-7C7518408893}"/>
+          </ac:spMkLst>
+        </pc:spChg>
+        <pc:spChg chg="add mod">
+          <ac:chgData name="Sebastian Knopf" userId="aeec904eeb5479b8" providerId="LiveId" clId="{F7619784-A99E-4AD1-A5CD-343906600611}" dt="2023-01-29T12:30:59.207" v="349" actId="1035"/>
+          <ac:spMkLst>
+            <pc:docMk/>
+            <pc:sldMk cId="962717733" sldId="267"/>
+            <ac:spMk id="29" creationId="{8DB3AD11-3BF1-9EF7-114A-EE9C230DD25C}"/>
+          </ac:spMkLst>
+        </pc:spChg>
+        <pc:spChg chg="add del mod">
+          <ac:chgData name="Sebastian Knopf" userId="aeec904eeb5479b8" providerId="LiveId" clId="{F7619784-A99E-4AD1-A5CD-343906600611}" dt="2023-01-29T12:42:43.509" v="535" actId="478"/>
+          <ac:spMkLst>
+            <pc:docMk/>
+            <pc:sldMk cId="962717733" sldId="267"/>
+            <ac:spMk id="71" creationId="{896751B4-4014-1C4A-EC5E-B358E0D1DECC}"/>
+          </ac:spMkLst>
+        </pc:spChg>
+        <pc:spChg chg="add mod">
+          <ac:chgData name="Sebastian Knopf" userId="aeec904eeb5479b8" providerId="LiveId" clId="{F7619784-A99E-4AD1-A5CD-343906600611}" dt="2023-01-29T12:51:58.842" v="653" actId="1076"/>
+          <ac:spMkLst>
+            <pc:docMk/>
+            <pc:sldMk cId="962717733" sldId="267"/>
+            <ac:spMk id="76" creationId="{4AFBF8B8-1395-61E8-0AE7-6513C45E8BB0}"/>
+          </ac:spMkLst>
+        </pc:spChg>
+        <pc:spChg chg="add mod">
+          <ac:chgData name="Sebastian Knopf" userId="aeec904eeb5479b8" providerId="LiveId" clId="{F7619784-A99E-4AD1-A5CD-343906600611}" dt="2023-01-29T12:53:11.788" v="688" actId="207"/>
+          <ac:spMkLst>
+            <pc:docMk/>
+            <pc:sldMk cId="962717733" sldId="267"/>
+            <ac:spMk id="77" creationId="{EC433228-D43F-7480-DBC7-BD073946BA74}"/>
+          </ac:spMkLst>
+        </pc:spChg>
+        <pc:spChg chg="add mod">
+          <ac:chgData name="Sebastian Knopf" userId="aeec904eeb5479b8" providerId="LiveId" clId="{F7619784-A99E-4AD1-A5CD-343906600611}" dt="2023-01-29T12:52:58.907" v="686" actId="207"/>
+          <ac:spMkLst>
+            <pc:docMk/>
+            <pc:sldMk cId="962717733" sldId="267"/>
+            <ac:spMk id="78" creationId="{260DDAAF-B932-C80E-CBB0-DD01E8B73F9A}"/>
+          </ac:spMkLst>
+        </pc:spChg>
+        <pc:spChg chg="add mod">
+          <ac:chgData name="Sebastian Knopf" userId="aeec904eeb5479b8" providerId="LiveId" clId="{F7619784-A99E-4AD1-A5CD-343906600611}" dt="2023-01-29T12:52:53.646" v="685" actId="207"/>
+          <ac:spMkLst>
+            <pc:docMk/>
+            <pc:sldMk cId="962717733" sldId="267"/>
+            <ac:spMk id="79" creationId="{88E12DC7-67ED-71AF-DB30-509065CED675}"/>
+          </ac:spMkLst>
+        </pc:spChg>
+        <pc:spChg chg="add mod">
+          <ac:chgData name="Sebastian Knopf" userId="aeec904eeb5479b8" providerId="LiveId" clId="{F7619784-A99E-4AD1-A5CD-343906600611}" dt="2023-01-29T13:06:02.788" v="777" actId="1037"/>
+          <ac:spMkLst>
+            <pc:docMk/>
+            <pc:sldMk cId="962717733" sldId="267"/>
+            <ac:spMk id="80" creationId="{427B0C5D-1F5E-665D-B869-0ECBD7795D9F}"/>
+          </ac:spMkLst>
+        </pc:spChg>
+        <pc:grpChg chg="add mod">
+          <ac:chgData name="Sebastian Knopf" userId="aeec904eeb5479b8" providerId="LiveId" clId="{F7619784-A99E-4AD1-A5CD-343906600611}" dt="2023-01-29T12:16:54.090" v="170" actId="164"/>
+          <ac:grpSpMkLst>
+            <pc:docMk/>
+            <pc:sldMk cId="962717733" sldId="267"/>
+            <ac:grpSpMk id="13" creationId="{07610081-C491-3D5E-7AFC-31ED14A158F2}"/>
+          </ac:grpSpMkLst>
+        </pc:grpChg>
+        <pc:grpChg chg="add mod">
+          <ac:chgData name="Sebastian Knopf" userId="aeec904eeb5479b8" providerId="LiveId" clId="{F7619784-A99E-4AD1-A5CD-343906600611}" dt="2023-01-29T12:25:18.220" v="215" actId="1076"/>
+          <ac:grpSpMkLst>
+            <pc:docMk/>
+            <pc:sldMk cId="962717733" sldId="267"/>
+            <ac:grpSpMk id="28" creationId="{B1B8A603-AE81-0526-D0A5-592D9220E068}"/>
+          </ac:grpSpMkLst>
+        </pc:grpChg>
+        <pc:picChg chg="add mod">
+          <ac:chgData name="Sebastian Knopf" userId="aeec904eeb5479b8" providerId="LiveId" clId="{F7619784-A99E-4AD1-A5CD-343906600611}" dt="2023-01-29T12:51:03.575" v="635" actId="207"/>
+          <ac:picMkLst>
+            <pc:docMk/>
+            <pc:sldMk cId="962717733" sldId="267"/>
+            <ac:picMk id="3" creationId="{A2309ADF-846E-7206-0D31-2489F7B0FB48}"/>
+          </ac:picMkLst>
+        </pc:picChg>
+        <pc:picChg chg="add mod">
+          <ac:chgData name="Sebastian Knopf" userId="aeec904eeb5479b8" providerId="LiveId" clId="{F7619784-A99E-4AD1-A5CD-343906600611}" dt="2023-01-29T12:51:11.017" v="636" actId="207"/>
+          <ac:picMkLst>
+            <pc:docMk/>
+            <pc:sldMk cId="962717733" sldId="267"/>
+            <ac:picMk id="8" creationId="{DC38A886-2E14-4C2B-7B31-546169C16E5B}"/>
+          </ac:picMkLst>
+        </pc:picChg>
+        <pc:picChg chg="add mod">
+          <ac:chgData name="Sebastian Knopf" userId="aeec904eeb5479b8" providerId="LiveId" clId="{F7619784-A99E-4AD1-A5CD-343906600611}" dt="2023-01-29T12:16:35.045" v="142" actId="1038"/>
+          <ac:picMkLst>
+            <pc:docMk/>
+            <pc:sldMk cId="962717733" sldId="267"/>
+            <ac:picMk id="10" creationId="{3DFAD224-CAB9-7E7E-3B30-8DF3E18784FB}"/>
+          </ac:picMkLst>
+        </pc:picChg>
+        <pc:picChg chg="add mod ord">
+          <ac:chgData name="Sebastian Knopf" userId="aeec904eeb5479b8" providerId="LiveId" clId="{F7619784-A99E-4AD1-A5CD-343906600611}" dt="2023-01-29T12:11:59.720" v="89" actId="164"/>
+          <ac:picMkLst>
+            <pc:docMk/>
+            <pc:sldMk cId="962717733" sldId="267"/>
+            <ac:picMk id="11" creationId="{496BB781-CC40-7ECA-2026-8747B07AE507}"/>
+          </ac:picMkLst>
+        </pc:picChg>
+        <pc:picChg chg="add mod ord">
+          <ac:chgData name="Sebastian Knopf" userId="aeec904eeb5479b8" providerId="LiveId" clId="{F7619784-A99E-4AD1-A5CD-343906600611}" dt="2023-01-29T12:11:59.720" v="89" actId="164"/>
+          <ac:picMkLst>
+            <pc:docMk/>
+            <pc:sldMk cId="962717733" sldId="267"/>
+            <ac:picMk id="12" creationId="{21C693F0-1E67-75B5-5E16-D24E36C9F8B9}"/>
+          </ac:picMkLst>
+        </pc:picChg>
+        <pc:picChg chg="add mod">
+          <ac:chgData name="Sebastian Knopf" userId="aeec904eeb5479b8" providerId="LiveId" clId="{F7619784-A99E-4AD1-A5CD-343906600611}" dt="2023-01-29T12:51:28.841" v="638" actId="207"/>
+          <ac:picMkLst>
+            <pc:docMk/>
+            <pc:sldMk cId="962717733" sldId="267"/>
+            <ac:picMk id="48" creationId="{60AC72EC-1A8E-0B12-0567-8BDDA77DF6DC}"/>
+          </ac:picMkLst>
+        </pc:picChg>
+        <pc:picChg chg="add del mod">
+          <ac:chgData name="Sebastian Knopf" userId="aeec904eeb5479b8" providerId="LiveId" clId="{F7619784-A99E-4AD1-A5CD-343906600611}" dt="2023-01-29T12:44:10.635" v="537" actId="478"/>
+          <ac:picMkLst>
+            <pc:docMk/>
+            <pc:sldMk cId="962717733" sldId="267"/>
+            <ac:picMk id="73" creationId="{1F4E65DA-E7A5-37B9-1EF2-04A3E2D4D08A}"/>
+          </ac:picMkLst>
+        </pc:picChg>
+        <pc:picChg chg="add mod">
+          <ac:chgData name="Sebastian Knopf" userId="aeec904eeb5479b8" providerId="LiveId" clId="{F7619784-A99E-4AD1-A5CD-343906600611}" dt="2023-01-29T12:46:02.641" v="568" actId="207"/>
+          <ac:picMkLst>
+            <pc:docMk/>
+            <pc:sldMk cId="962717733" sldId="267"/>
+            <ac:picMk id="75" creationId="{E2E1946B-6895-687C-6215-1B1AD54EF4AA}"/>
+          </ac:picMkLst>
+        </pc:picChg>
+        <pc:cxnChg chg="add del mod">
+          <ac:chgData name="Sebastian Knopf" userId="aeec904eeb5479b8" providerId="LiveId" clId="{F7619784-A99E-4AD1-A5CD-343906600611}" dt="2023-01-29T12:15:44.637" v="120" actId="478"/>
+          <ac:cxnSpMkLst>
+            <pc:docMk/>
+            <pc:sldMk cId="962717733" sldId="267"/>
+            <ac:cxnSpMk id="15" creationId="{29B9BBB8-4F8B-6D83-10B2-50E436F30541}"/>
+          </ac:cxnSpMkLst>
+        </pc:cxnChg>
+        <pc:cxnChg chg="add mod">
+          <ac:chgData name="Sebastian Knopf" userId="aeec904eeb5479b8" providerId="LiveId" clId="{F7619784-A99E-4AD1-A5CD-343906600611}" dt="2023-01-29T12:48:43.295" v="633" actId="692"/>
+          <ac:cxnSpMkLst>
+            <pc:docMk/>
+            <pc:sldMk cId="962717733" sldId="267"/>
+            <ac:cxnSpMk id="31" creationId="{0AA7EDD5-58A2-3648-0FD8-2F8A279D4537}"/>
+          </ac:cxnSpMkLst>
+        </pc:cxnChg>
+        <pc:cxnChg chg="add del mod">
+          <ac:chgData name="Sebastian Knopf" userId="aeec904eeb5479b8" providerId="LiveId" clId="{F7619784-A99E-4AD1-A5CD-343906600611}" dt="2023-01-29T12:28:36.972" v="252" actId="11529"/>
+          <ac:cxnSpMkLst>
+            <pc:docMk/>
+            <pc:sldMk cId="962717733" sldId="267"/>
+            <ac:cxnSpMk id="35" creationId="{66F90494-D69D-9FC3-C87D-A948958C4026}"/>
+          </ac:cxnSpMkLst>
+        </pc:cxnChg>
+        <pc:cxnChg chg="add mod">
+          <ac:chgData name="Sebastian Knopf" userId="aeec904eeb5479b8" providerId="LiveId" clId="{F7619784-A99E-4AD1-A5CD-343906600611}" dt="2023-01-29T12:48:43.295" v="633" actId="692"/>
+          <ac:cxnSpMkLst>
+            <pc:docMk/>
+            <pc:sldMk cId="962717733" sldId="267"/>
+            <ac:cxnSpMk id="37" creationId="{8A1D1286-094F-9576-E73D-413D6DC5F5A0}"/>
+          </ac:cxnSpMkLst>
+        </pc:cxnChg>
+        <pc:cxnChg chg="add mod">
+          <ac:chgData name="Sebastian Knopf" userId="aeec904eeb5479b8" providerId="LiveId" clId="{F7619784-A99E-4AD1-A5CD-343906600611}" dt="2023-01-29T12:48:12.543" v="632" actId="692"/>
+          <ac:cxnSpMkLst>
+            <pc:docMk/>
+            <pc:sldMk cId="962717733" sldId="267"/>
+            <ac:cxnSpMk id="39" creationId="{DD5543F1-162F-7CEB-BD0A-462329F7FC79}"/>
+          </ac:cxnSpMkLst>
+        </pc:cxnChg>
+        <pc:cxnChg chg="add mod">
+          <ac:chgData name="Sebastian Knopf" userId="aeec904eeb5479b8" providerId="LiveId" clId="{F7619784-A99E-4AD1-A5CD-343906600611}" dt="2023-01-29T12:38:51.979" v="499" actId="1038"/>
+          <ac:cxnSpMkLst>
+            <pc:docMk/>
+            <pc:sldMk cId="962717733" sldId="267"/>
+            <ac:cxnSpMk id="40" creationId="{783FA3DA-FBD0-2035-218E-4D0727F22CA2}"/>
+          </ac:cxnSpMkLst>
+        </pc:cxnChg>
+        <pc:cxnChg chg="add mod">
+          <ac:chgData name="Sebastian Knopf" userId="aeec904eeb5479b8" providerId="LiveId" clId="{F7619784-A99E-4AD1-A5CD-343906600611}" dt="2023-01-29T12:47:40.443" v="628" actId="1038"/>
+          <ac:cxnSpMkLst>
+            <pc:docMk/>
+            <pc:sldMk cId="962717733" sldId="267"/>
+            <ac:cxnSpMk id="43" creationId="{E4C520B2-C471-A029-EF04-B5DB33506935}"/>
+          </ac:cxnSpMkLst>
+        </pc:cxnChg>
+        <pc:cxnChg chg="add mod">
+          <ac:chgData name="Sebastian Knopf" userId="aeec904eeb5479b8" providerId="LiveId" clId="{F7619784-A99E-4AD1-A5CD-343906600611}" dt="2023-01-29T12:47:45.095" v="630" actId="1035"/>
+          <ac:cxnSpMkLst>
+            <pc:docMk/>
+            <pc:sldMk cId="962717733" sldId="267"/>
+            <ac:cxnSpMk id="53" creationId="{D779B805-56BC-7A5A-76DC-252DFE5CB578}"/>
+          </ac:cxnSpMkLst>
+        </pc:cxnChg>
+        <pc:cxnChg chg="add del mod">
+          <ac:chgData name="Sebastian Knopf" userId="aeec904eeb5479b8" providerId="LiveId" clId="{F7619784-A99E-4AD1-A5CD-343906600611}" dt="2023-01-29T12:34:34.980" v="403" actId="478"/>
+          <ac:cxnSpMkLst>
+            <pc:docMk/>
+            <pc:sldMk cId="962717733" sldId="267"/>
+            <ac:cxnSpMk id="56" creationId="{541F636C-D671-62DB-C4B2-70EDF550FE21}"/>
+          </ac:cxnSpMkLst>
+        </pc:cxnChg>
+        <pc:cxnChg chg="add mod">
+          <ac:chgData name="Sebastian Knopf" userId="aeec904eeb5479b8" providerId="LiveId" clId="{F7619784-A99E-4AD1-A5CD-343906600611}" dt="2023-01-29T12:35:00.926" v="418" actId="1035"/>
+          <ac:cxnSpMkLst>
+            <pc:docMk/>
+            <pc:sldMk cId="962717733" sldId="267"/>
+            <ac:cxnSpMk id="57" creationId="{0F1FD41D-202E-93A9-1D14-47C85448C805}"/>
+          </ac:cxnSpMkLst>
+        </pc:cxnChg>
+        <pc:cxnChg chg="add mod ord">
+          <ac:chgData name="Sebastian Knopf" userId="aeec904eeb5479b8" providerId="LiveId" clId="{F7619784-A99E-4AD1-A5CD-343906600611}" dt="2023-01-29T12:45:58.648" v="567" actId="692"/>
+          <ac:cxnSpMkLst>
+            <pc:docMk/>
+            <pc:sldMk cId="962717733" sldId="267"/>
+            <ac:cxnSpMk id="66" creationId="{22549E35-FA37-2712-F2DA-0B7839635D2A}"/>
+          </ac:cxnSpMkLst>
+        </pc:cxnChg>
+        <pc:cxnChg chg="add mod ord">
+          <ac:chgData name="Sebastian Knopf" userId="aeec904eeb5479b8" providerId="LiveId" clId="{F7619784-A99E-4AD1-A5CD-343906600611}" dt="2023-01-29T12:45:54.639" v="566" actId="692"/>
+          <ac:cxnSpMkLst>
+            <pc:docMk/>
+            <pc:sldMk cId="962717733" sldId="267"/>
+            <ac:cxnSpMk id="68" creationId="{DE8DDBA2-E5BF-051F-E582-7059A28E7373}"/>
+          </ac:cxnSpMkLst>
+        </pc:cxnChg>
+        <pc:cxnChg chg="add mod ord">
+          <ac:chgData name="Sebastian Knopf" userId="aeec904eeb5479b8" providerId="LiveId" clId="{F7619784-A99E-4AD1-A5CD-343906600611}" dt="2023-01-29T12:46:06.415" v="569" actId="692"/>
+          <ac:cxnSpMkLst>
+            <pc:docMk/>
+            <pc:sldMk cId="962717733" sldId="267"/>
+            <ac:cxnSpMk id="69" creationId="{B2098BF3-F84F-D648-1052-D4C2B58229A8}"/>
+          </ac:cxnSpMkLst>
+        </pc:cxnChg>
+      </pc:sldChg>
+    </pc:docChg>
+  </pc:docChgLst>
 </pc:chgInfo>
 </file>
 
@@ -3583,7 +3879,7 @@
           <a:p>
             <a:fld id="{3E605DEA-7B47-4424-A9CB-F6801152189C}" type="datetimeFigureOut">
               <a:rPr lang="de-DE" smtClean="0"/>
-              <a:t>06.01.2023</a:t>
+              <a:t>29.01.2023</a:t>
             </a:fld>
             <a:endParaRPr lang="de-DE"/>
           </a:p>
@@ -4063,7 +4359,7 @@
           <a:p>
             <a:fld id="{1E0F7296-85DA-4A1F-8E2F-A141A66F39F7}" type="datetimeFigureOut">
               <a:rPr lang="de-DE" smtClean="0"/>
-              <a:t>06.01.2023</a:t>
+              <a:t>29.01.2023</a:t>
             </a:fld>
             <a:endParaRPr lang="de-DE"/>
           </a:p>
@@ -4231,7 +4527,7 @@
           <a:p>
             <a:fld id="{1E0F7296-85DA-4A1F-8E2F-A141A66F39F7}" type="datetimeFigureOut">
               <a:rPr lang="de-DE" smtClean="0"/>
-              <a:t>06.01.2023</a:t>
+              <a:t>29.01.2023</a:t>
             </a:fld>
             <a:endParaRPr lang="de-DE"/>
           </a:p>
@@ -4409,7 +4705,7 @@
           <a:p>
             <a:fld id="{1E0F7296-85DA-4A1F-8E2F-A141A66F39F7}" type="datetimeFigureOut">
               <a:rPr lang="de-DE" smtClean="0"/>
-              <a:t>06.01.2023</a:t>
+              <a:t>29.01.2023</a:t>
             </a:fld>
             <a:endParaRPr lang="de-DE"/>
           </a:p>
@@ -4577,7 +4873,7 @@
           <a:p>
             <a:fld id="{1E0F7296-85DA-4A1F-8E2F-A141A66F39F7}" type="datetimeFigureOut">
               <a:rPr lang="de-DE" smtClean="0"/>
-              <a:t>06.01.2023</a:t>
+              <a:t>29.01.2023</a:t>
             </a:fld>
             <a:endParaRPr lang="de-DE"/>
           </a:p>
@@ -4822,7 +5118,7 @@
           <a:p>
             <a:fld id="{1E0F7296-85DA-4A1F-8E2F-A141A66F39F7}" type="datetimeFigureOut">
               <a:rPr lang="de-DE" smtClean="0"/>
-              <a:t>06.01.2023</a:t>
+              <a:t>29.01.2023</a:t>
             </a:fld>
             <a:endParaRPr lang="de-DE"/>
           </a:p>
@@ -5051,7 +5347,7 @@
           <a:p>
             <a:fld id="{1E0F7296-85DA-4A1F-8E2F-A141A66F39F7}" type="datetimeFigureOut">
               <a:rPr lang="de-DE" smtClean="0"/>
-              <a:t>06.01.2023</a:t>
+              <a:t>29.01.2023</a:t>
             </a:fld>
             <a:endParaRPr lang="de-DE"/>
           </a:p>
@@ -5415,7 +5711,7 @@
           <a:p>
             <a:fld id="{1E0F7296-85DA-4A1F-8E2F-A141A66F39F7}" type="datetimeFigureOut">
               <a:rPr lang="de-DE" smtClean="0"/>
-              <a:t>06.01.2023</a:t>
+              <a:t>29.01.2023</a:t>
             </a:fld>
             <a:endParaRPr lang="de-DE"/>
           </a:p>
@@ -5532,7 +5828,7 @@
           <a:p>
             <a:fld id="{1E0F7296-85DA-4A1F-8E2F-A141A66F39F7}" type="datetimeFigureOut">
               <a:rPr lang="de-DE" smtClean="0"/>
-              <a:t>06.01.2023</a:t>
+              <a:t>29.01.2023</a:t>
             </a:fld>
             <a:endParaRPr lang="de-DE"/>
           </a:p>
@@ -5627,7 +5923,7 @@
           <a:p>
             <a:fld id="{1E0F7296-85DA-4A1F-8E2F-A141A66F39F7}" type="datetimeFigureOut">
               <a:rPr lang="de-DE" smtClean="0"/>
-              <a:t>06.01.2023</a:t>
+              <a:t>29.01.2023</a:t>
             </a:fld>
             <a:endParaRPr lang="de-DE"/>
           </a:p>
@@ -5902,7 +6198,7 @@
           <a:p>
             <a:fld id="{1E0F7296-85DA-4A1F-8E2F-A141A66F39F7}" type="datetimeFigureOut">
               <a:rPr lang="de-DE" smtClean="0"/>
-              <a:t>06.01.2023</a:t>
+              <a:t>29.01.2023</a:t>
             </a:fld>
             <a:endParaRPr lang="de-DE"/>
           </a:p>
@@ -6154,7 +6450,7 @@
           <a:p>
             <a:fld id="{1E0F7296-85DA-4A1F-8E2F-A141A66F39F7}" type="datetimeFigureOut">
               <a:rPr lang="de-DE" smtClean="0"/>
-              <a:t>06.01.2023</a:t>
+              <a:t>29.01.2023</a:t>
             </a:fld>
             <a:endParaRPr lang="de-DE"/>
           </a:p>
@@ -6365,7 +6661,7 @@
           <a:p>
             <a:fld id="{1E0F7296-85DA-4A1F-8E2F-A141A66F39F7}" type="datetimeFigureOut">
               <a:rPr lang="de-DE" smtClean="0"/>
-              <a:t>06.01.2023</a:t>
+              <a:t>29.01.2023</a:t>
             </a:fld>
             <a:endParaRPr lang="de-DE"/>
           </a:p>
@@ -7489,6 +7785,2292 @@
 </file>
 
 <file path=ppt/slides/slide10.xml><?xml version="1.0" encoding="utf-8"?>
+<p:sld xmlns:a="http://schemas.openxmlformats.org/drawingml/2006/main" xmlns:r="http://schemas.openxmlformats.org/officeDocument/2006/relationships" xmlns:p="http://schemas.openxmlformats.org/presentationml/2006/main">
+  <p:cSld>
+    <p:spTree>
+      <p:nvGrpSpPr>
+        <p:cNvPr id="1" name=""/>
+        <p:cNvGrpSpPr/>
+        <p:nvPr/>
+      </p:nvGrpSpPr>
+      <p:grpSpPr>
+        <a:xfrm>
+          <a:off x="0" y="0"/>
+          <a:ext cx="0" cy="0"/>
+          <a:chOff x="0" y="0"/>
+          <a:chExt cx="0" cy="0"/>
+        </a:xfrm>
+      </p:grpSpPr>
+      <p:sp>
+        <p:nvSpPr>
+          <p:cNvPr id="2" name="Ellipse 1">
+            <a:extLst>
+              <a:ext uri="{FF2B5EF4-FFF2-40B4-BE49-F238E27FC236}">
+                <a16:creationId xmlns:a16="http://schemas.microsoft.com/office/drawing/2014/main" id="{43D31EF1-A7A8-CE44-E4D1-98CA124BC92C}"/>
+              </a:ext>
+            </a:extLst>
+          </p:cNvPr>
+          <p:cNvSpPr/>
+          <p:nvPr/>
+        </p:nvSpPr>
+        <p:spPr>
+          <a:xfrm>
+            <a:off x="3782943" y="1465244"/>
+            <a:ext cx="437321" cy="437321"/>
+          </a:xfrm>
+          <a:prstGeom prst="ellipse">
+            <a:avLst/>
+          </a:prstGeom>
+          <a:noFill/>
+          <a:ln w="25400"/>
+        </p:spPr>
+        <p:style>
+          <a:lnRef idx="2">
+            <a:schemeClr val="accent1">
+              <a:shade val="50000"/>
+            </a:schemeClr>
+          </a:lnRef>
+          <a:fillRef idx="1">
+            <a:schemeClr val="accent1"/>
+          </a:fillRef>
+          <a:effectRef idx="0">
+            <a:schemeClr val="accent1"/>
+          </a:effectRef>
+          <a:fontRef idx="minor">
+            <a:schemeClr val="lt1"/>
+          </a:fontRef>
+        </p:style>
+        <p:txBody>
+          <a:bodyPr rtlCol="0" anchor="ctr"/>
+          <a:lstStyle/>
+          <a:p>
+            <a:pPr algn="ctr"/>
+            <a:endParaRPr lang="de-DE"/>
+          </a:p>
+        </p:txBody>
+      </p:sp>
+      <p:sp>
+        <p:nvSpPr>
+          <p:cNvPr id="3" name="Ellipse 2">
+            <a:extLst>
+              <a:ext uri="{FF2B5EF4-FFF2-40B4-BE49-F238E27FC236}">
+                <a16:creationId xmlns:a16="http://schemas.microsoft.com/office/drawing/2014/main" id="{208C9F9F-CFF8-C6E1-9EF5-F02569011761}"/>
+              </a:ext>
+            </a:extLst>
+          </p:cNvPr>
+          <p:cNvSpPr/>
+          <p:nvPr/>
+        </p:nvSpPr>
+        <p:spPr>
+          <a:xfrm>
+            <a:off x="3782942" y="2112320"/>
+            <a:ext cx="437321" cy="437321"/>
+          </a:xfrm>
+          <a:prstGeom prst="ellipse">
+            <a:avLst/>
+          </a:prstGeom>
+          <a:noFill/>
+          <a:ln w="25400"/>
+        </p:spPr>
+        <p:style>
+          <a:lnRef idx="2">
+            <a:schemeClr val="accent1">
+              <a:shade val="50000"/>
+            </a:schemeClr>
+          </a:lnRef>
+          <a:fillRef idx="1">
+            <a:schemeClr val="accent1"/>
+          </a:fillRef>
+          <a:effectRef idx="0">
+            <a:schemeClr val="accent1"/>
+          </a:effectRef>
+          <a:fontRef idx="minor">
+            <a:schemeClr val="lt1"/>
+          </a:fontRef>
+        </p:style>
+        <p:txBody>
+          <a:bodyPr rtlCol="0" anchor="ctr"/>
+          <a:lstStyle/>
+          <a:p>
+            <a:pPr algn="ctr"/>
+            <a:endParaRPr lang="de-DE"/>
+          </a:p>
+        </p:txBody>
+      </p:sp>
+      <p:sp>
+        <p:nvSpPr>
+          <p:cNvPr id="4" name="Ellipse 3">
+            <a:extLst>
+              <a:ext uri="{FF2B5EF4-FFF2-40B4-BE49-F238E27FC236}">
+                <a16:creationId xmlns:a16="http://schemas.microsoft.com/office/drawing/2014/main" id="{07000F83-C671-1A8E-8359-8C7FCBA7988E}"/>
+              </a:ext>
+            </a:extLst>
+          </p:cNvPr>
+          <p:cNvSpPr/>
+          <p:nvPr/>
+        </p:nvSpPr>
+        <p:spPr>
+          <a:xfrm>
+            <a:off x="3782941" y="2759396"/>
+            <a:ext cx="437321" cy="437321"/>
+          </a:xfrm>
+          <a:prstGeom prst="ellipse">
+            <a:avLst/>
+          </a:prstGeom>
+          <a:noFill/>
+          <a:ln w="25400"/>
+        </p:spPr>
+        <p:style>
+          <a:lnRef idx="2">
+            <a:schemeClr val="accent1">
+              <a:shade val="50000"/>
+            </a:schemeClr>
+          </a:lnRef>
+          <a:fillRef idx="1">
+            <a:schemeClr val="accent1"/>
+          </a:fillRef>
+          <a:effectRef idx="0">
+            <a:schemeClr val="accent1"/>
+          </a:effectRef>
+          <a:fontRef idx="minor">
+            <a:schemeClr val="lt1"/>
+          </a:fontRef>
+        </p:style>
+        <p:txBody>
+          <a:bodyPr rtlCol="0" anchor="ctr"/>
+          <a:lstStyle/>
+          <a:p>
+            <a:pPr algn="ctr"/>
+            <a:endParaRPr lang="de-DE"/>
+          </a:p>
+        </p:txBody>
+      </p:sp>
+      <p:sp>
+        <p:nvSpPr>
+          <p:cNvPr id="5" name="Ellipse 4">
+            <a:extLst>
+              <a:ext uri="{FF2B5EF4-FFF2-40B4-BE49-F238E27FC236}">
+                <a16:creationId xmlns:a16="http://schemas.microsoft.com/office/drawing/2014/main" id="{42655230-3AEF-5FAF-2343-87BF3A2F8162}"/>
+              </a:ext>
+            </a:extLst>
+          </p:cNvPr>
+          <p:cNvSpPr/>
+          <p:nvPr/>
+        </p:nvSpPr>
+        <p:spPr>
+          <a:xfrm>
+            <a:off x="3782940" y="3406472"/>
+            <a:ext cx="437321" cy="437321"/>
+          </a:xfrm>
+          <a:prstGeom prst="ellipse">
+            <a:avLst/>
+          </a:prstGeom>
+          <a:noFill/>
+          <a:ln w="25400"/>
+        </p:spPr>
+        <p:style>
+          <a:lnRef idx="2">
+            <a:schemeClr val="accent1">
+              <a:shade val="50000"/>
+            </a:schemeClr>
+          </a:lnRef>
+          <a:fillRef idx="1">
+            <a:schemeClr val="accent1"/>
+          </a:fillRef>
+          <a:effectRef idx="0">
+            <a:schemeClr val="accent1"/>
+          </a:effectRef>
+          <a:fontRef idx="minor">
+            <a:schemeClr val="lt1"/>
+          </a:fontRef>
+        </p:style>
+        <p:txBody>
+          <a:bodyPr rtlCol="0" anchor="ctr"/>
+          <a:lstStyle/>
+          <a:p>
+            <a:pPr algn="ctr"/>
+            <a:endParaRPr lang="de-DE"/>
+          </a:p>
+        </p:txBody>
+      </p:sp>
+      <p:sp>
+        <p:nvSpPr>
+          <p:cNvPr id="6" name="Ellipse 5">
+            <a:extLst>
+              <a:ext uri="{FF2B5EF4-FFF2-40B4-BE49-F238E27FC236}">
+                <a16:creationId xmlns:a16="http://schemas.microsoft.com/office/drawing/2014/main" id="{488FCEC7-F0FC-5363-C19D-89FE6D0B82B3}"/>
+              </a:ext>
+            </a:extLst>
+          </p:cNvPr>
+          <p:cNvSpPr/>
+          <p:nvPr/>
+        </p:nvSpPr>
+        <p:spPr>
+          <a:xfrm>
+            <a:off x="3782939" y="4053548"/>
+            <a:ext cx="437321" cy="437321"/>
+          </a:xfrm>
+          <a:prstGeom prst="ellipse">
+            <a:avLst/>
+          </a:prstGeom>
+          <a:noFill/>
+          <a:ln w="25400"/>
+        </p:spPr>
+        <p:style>
+          <a:lnRef idx="2">
+            <a:schemeClr val="accent1">
+              <a:shade val="50000"/>
+            </a:schemeClr>
+          </a:lnRef>
+          <a:fillRef idx="1">
+            <a:schemeClr val="accent1"/>
+          </a:fillRef>
+          <a:effectRef idx="0">
+            <a:schemeClr val="accent1"/>
+          </a:effectRef>
+          <a:fontRef idx="minor">
+            <a:schemeClr val="lt1"/>
+          </a:fontRef>
+        </p:style>
+        <p:txBody>
+          <a:bodyPr rtlCol="0" anchor="ctr"/>
+          <a:lstStyle/>
+          <a:p>
+            <a:pPr algn="ctr"/>
+            <a:endParaRPr lang="de-DE"/>
+          </a:p>
+        </p:txBody>
+      </p:sp>
+      <p:sp>
+        <p:nvSpPr>
+          <p:cNvPr id="7" name="Ellipse 6">
+            <a:extLst>
+              <a:ext uri="{FF2B5EF4-FFF2-40B4-BE49-F238E27FC236}">
+                <a16:creationId xmlns:a16="http://schemas.microsoft.com/office/drawing/2014/main" id="{9F96E5D1-668D-7112-C9BB-3AE57162FAC1}"/>
+              </a:ext>
+            </a:extLst>
+          </p:cNvPr>
+          <p:cNvSpPr/>
+          <p:nvPr/>
+        </p:nvSpPr>
+        <p:spPr>
+          <a:xfrm>
+            <a:off x="3782938" y="4700624"/>
+            <a:ext cx="437321" cy="437321"/>
+          </a:xfrm>
+          <a:prstGeom prst="ellipse">
+            <a:avLst/>
+          </a:prstGeom>
+          <a:noFill/>
+          <a:ln w="25400"/>
+        </p:spPr>
+        <p:style>
+          <a:lnRef idx="2">
+            <a:schemeClr val="accent1">
+              <a:shade val="50000"/>
+            </a:schemeClr>
+          </a:lnRef>
+          <a:fillRef idx="1">
+            <a:schemeClr val="accent1"/>
+          </a:fillRef>
+          <a:effectRef idx="0">
+            <a:schemeClr val="accent1"/>
+          </a:effectRef>
+          <a:fontRef idx="minor">
+            <a:schemeClr val="lt1"/>
+          </a:fontRef>
+        </p:style>
+        <p:txBody>
+          <a:bodyPr rtlCol="0" anchor="ctr"/>
+          <a:lstStyle/>
+          <a:p>
+            <a:pPr algn="ctr"/>
+            <a:endParaRPr lang="de-DE"/>
+          </a:p>
+        </p:txBody>
+      </p:sp>
+      <p:cxnSp>
+        <p:nvCxnSpPr>
+          <p:cNvPr id="10" name="Gerader Verbinder 9">
+            <a:extLst>
+              <a:ext uri="{FF2B5EF4-FFF2-40B4-BE49-F238E27FC236}">
+                <a16:creationId xmlns:a16="http://schemas.microsoft.com/office/drawing/2014/main" id="{E52DDA27-E856-A5CC-A116-6196CA1D592A}"/>
+              </a:ext>
+            </a:extLst>
+          </p:cNvPr>
+          <p:cNvCxnSpPr/>
+          <p:nvPr/>
+        </p:nvCxnSpPr>
+        <p:spPr>
+          <a:xfrm>
+            <a:off x="5041900" y="1003300"/>
+            <a:ext cx="0" cy="4635500"/>
+          </a:xfrm>
+          <a:prstGeom prst="line">
+            <a:avLst/>
+          </a:prstGeom>
+          <a:ln w="25400">
+            <a:solidFill>
+              <a:schemeClr val="bg1">
+                <a:lumMod val="50000"/>
+              </a:schemeClr>
+            </a:solidFill>
+          </a:ln>
+        </p:spPr>
+        <p:style>
+          <a:lnRef idx="1">
+            <a:schemeClr val="accent1"/>
+          </a:lnRef>
+          <a:fillRef idx="0">
+            <a:schemeClr val="accent1"/>
+          </a:fillRef>
+          <a:effectRef idx="0">
+            <a:schemeClr val="accent1"/>
+          </a:effectRef>
+          <a:fontRef idx="minor">
+            <a:schemeClr val="tx1"/>
+          </a:fontRef>
+        </p:style>
+      </p:cxnSp>
+      <p:cxnSp>
+        <p:nvCxnSpPr>
+          <p:cNvPr id="11" name="Gerader Verbinder 10">
+            <a:extLst>
+              <a:ext uri="{FF2B5EF4-FFF2-40B4-BE49-F238E27FC236}">
+                <a16:creationId xmlns:a16="http://schemas.microsoft.com/office/drawing/2014/main" id="{1FCC6602-5810-FF32-BEFC-1B52A2B2900E}"/>
+              </a:ext>
+            </a:extLst>
+          </p:cNvPr>
+          <p:cNvCxnSpPr/>
+          <p:nvPr/>
+        </p:nvCxnSpPr>
+        <p:spPr>
+          <a:xfrm>
+            <a:off x="7543800" y="1003300"/>
+            <a:ext cx="0" cy="4635500"/>
+          </a:xfrm>
+          <a:prstGeom prst="line">
+            <a:avLst/>
+          </a:prstGeom>
+          <a:ln w="25400">
+            <a:solidFill>
+              <a:schemeClr val="bg1">
+                <a:lumMod val="50000"/>
+              </a:schemeClr>
+            </a:solidFill>
+          </a:ln>
+        </p:spPr>
+        <p:style>
+          <a:lnRef idx="1">
+            <a:schemeClr val="accent1"/>
+          </a:lnRef>
+          <a:fillRef idx="0">
+            <a:schemeClr val="accent1"/>
+          </a:fillRef>
+          <a:effectRef idx="0">
+            <a:schemeClr val="accent1"/>
+          </a:effectRef>
+          <a:fontRef idx="minor">
+            <a:schemeClr val="tx1"/>
+          </a:fontRef>
+        </p:style>
+      </p:cxnSp>
+      <p:sp>
+        <p:nvSpPr>
+          <p:cNvPr id="12" name="Ellipse 11">
+            <a:extLst>
+              <a:ext uri="{FF2B5EF4-FFF2-40B4-BE49-F238E27FC236}">
+                <a16:creationId xmlns:a16="http://schemas.microsoft.com/office/drawing/2014/main" id="{4DDE86C8-BFAE-1C63-5F54-A6126764ECF3}"/>
+              </a:ext>
+            </a:extLst>
+          </p:cNvPr>
+          <p:cNvSpPr/>
+          <p:nvPr/>
+        </p:nvSpPr>
+        <p:spPr>
+          <a:xfrm>
+            <a:off x="8325680" y="2430444"/>
+            <a:ext cx="437321" cy="437321"/>
+          </a:xfrm>
+          <a:prstGeom prst="ellipse">
+            <a:avLst/>
+          </a:prstGeom>
+          <a:noFill/>
+          <a:ln w="25400">
+            <a:solidFill>
+              <a:srgbClr val="FF0000"/>
+            </a:solidFill>
+          </a:ln>
+        </p:spPr>
+        <p:style>
+          <a:lnRef idx="2">
+            <a:schemeClr val="accent1">
+              <a:shade val="50000"/>
+            </a:schemeClr>
+          </a:lnRef>
+          <a:fillRef idx="1">
+            <a:schemeClr val="accent1"/>
+          </a:fillRef>
+          <a:effectRef idx="0">
+            <a:schemeClr val="accent1"/>
+          </a:effectRef>
+          <a:fontRef idx="minor">
+            <a:schemeClr val="lt1"/>
+          </a:fontRef>
+        </p:style>
+        <p:txBody>
+          <a:bodyPr rtlCol="0" anchor="ctr"/>
+          <a:lstStyle/>
+          <a:p>
+            <a:pPr algn="ctr"/>
+            <a:endParaRPr lang="de-DE"/>
+          </a:p>
+        </p:txBody>
+      </p:sp>
+      <p:sp>
+        <p:nvSpPr>
+          <p:cNvPr id="13" name="Ellipse 12">
+            <a:extLst>
+              <a:ext uri="{FF2B5EF4-FFF2-40B4-BE49-F238E27FC236}">
+                <a16:creationId xmlns:a16="http://schemas.microsoft.com/office/drawing/2014/main" id="{9B6813BF-27A0-6157-7604-BAF948DE8C61}"/>
+              </a:ext>
+            </a:extLst>
+          </p:cNvPr>
+          <p:cNvSpPr/>
+          <p:nvPr/>
+        </p:nvSpPr>
+        <p:spPr>
+          <a:xfrm>
+            <a:off x="8325679" y="3077520"/>
+            <a:ext cx="437321" cy="437321"/>
+          </a:xfrm>
+          <a:prstGeom prst="ellipse">
+            <a:avLst/>
+          </a:prstGeom>
+          <a:noFill/>
+          <a:ln w="25400">
+            <a:solidFill>
+              <a:srgbClr val="FF0000"/>
+            </a:solidFill>
+          </a:ln>
+        </p:spPr>
+        <p:style>
+          <a:lnRef idx="2">
+            <a:schemeClr val="accent1">
+              <a:shade val="50000"/>
+            </a:schemeClr>
+          </a:lnRef>
+          <a:fillRef idx="1">
+            <a:schemeClr val="accent1"/>
+          </a:fillRef>
+          <a:effectRef idx="0">
+            <a:schemeClr val="accent1"/>
+          </a:effectRef>
+          <a:fontRef idx="minor">
+            <a:schemeClr val="lt1"/>
+          </a:fontRef>
+        </p:style>
+        <p:txBody>
+          <a:bodyPr rtlCol="0" anchor="ctr"/>
+          <a:lstStyle/>
+          <a:p>
+            <a:pPr algn="ctr"/>
+            <a:endParaRPr lang="de-DE"/>
+          </a:p>
+        </p:txBody>
+      </p:sp>
+      <p:sp>
+        <p:nvSpPr>
+          <p:cNvPr id="14" name="Ellipse 13">
+            <a:extLst>
+              <a:ext uri="{FF2B5EF4-FFF2-40B4-BE49-F238E27FC236}">
+                <a16:creationId xmlns:a16="http://schemas.microsoft.com/office/drawing/2014/main" id="{21E5FCB5-FDC8-C859-8B14-7BEFB716FD68}"/>
+              </a:ext>
+            </a:extLst>
+          </p:cNvPr>
+          <p:cNvSpPr/>
+          <p:nvPr/>
+        </p:nvSpPr>
+        <p:spPr>
+          <a:xfrm>
+            <a:off x="8325678" y="3724596"/>
+            <a:ext cx="437321" cy="437321"/>
+          </a:xfrm>
+          <a:prstGeom prst="ellipse">
+            <a:avLst/>
+          </a:prstGeom>
+          <a:noFill/>
+          <a:ln w="25400">
+            <a:solidFill>
+              <a:srgbClr val="FF0000"/>
+            </a:solidFill>
+          </a:ln>
+        </p:spPr>
+        <p:style>
+          <a:lnRef idx="2">
+            <a:schemeClr val="accent1">
+              <a:shade val="50000"/>
+            </a:schemeClr>
+          </a:lnRef>
+          <a:fillRef idx="1">
+            <a:schemeClr val="accent1"/>
+          </a:fillRef>
+          <a:effectRef idx="0">
+            <a:schemeClr val="accent1"/>
+          </a:effectRef>
+          <a:fontRef idx="minor">
+            <a:schemeClr val="lt1"/>
+          </a:fontRef>
+        </p:style>
+        <p:txBody>
+          <a:bodyPr rtlCol="0" anchor="ctr"/>
+          <a:lstStyle/>
+          <a:p>
+            <a:pPr algn="ctr"/>
+            <a:endParaRPr lang="de-DE"/>
+          </a:p>
+        </p:txBody>
+      </p:sp>
+      <p:sp>
+        <p:nvSpPr>
+          <p:cNvPr id="18" name="Textfeld 17">
+            <a:extLst>
+              <a:ext uri="{FF2B5EF4-FFF2-40B4-BE49-F238E27FC236}">
+                <a16:creationId xmlns:a16="http://schemas.microsoft.com/office/drawing/2014/main" id="{F78E796E-51EC-89E0-63E2-29C526F5C5E2}"/>
+              </a:ext>
+            </a:extLst>
+          </p:cNvPr>
+          <p:cNvSpPr txBox="1"/>
+          <p:nvPr/>
+        </p:nvSpPr>
+        <p:spPr>
+          <a:xfrm>
+            <a:off x="3169479" y="423747"/>
+            <a:ext cx="1664238" cy="369332"/>
+          </a:xfrm>
+          <a:prstGeom prst="rect">
+            <a:avLst/>
+          </a:prstGeom>
+          <a:noFill/>
+        </p:spPr>
+        <p:txBody>
+          <a:bodyPr wrap="none" rtlCol="0">
+            <a:spAutoFit/>
+          </a:bodyPr>
+          <a:lstStyle/>
+          <a:p>
+            <a:r>
+              <a:rPr lang="de-DE" dirty="0"/>
+              <a:t>Eingangsschicht</a:t>
+            </a:r>
+          </a:p>
+        </p:txBody>
+      </p:sp>
+      <p:sp>
+        <p:nvSpPr>
+          <p:cNvPr id="19" name="Textfeld 18">
+            <a:extLst>
+              <a:ext uri="{FF2B5EF4-FFF2-40B4-BE49-F238E27FC236}">
+                <a16:creationId xmlns:a16="http://schemas.microsoft.com/office/drawing/2014/main" id="{9B5428E4-F767-E5BE-AECA-5C3974203DAE}"/>
+              </a:ext>
+            </a:extLst>
+          </p:cNvPr>
+          <p:cNvSpPr txBox="1"/>
+          <p:nvPr/>
+        </p:nvSpPr>
+        <p:spPr>
+          <a:xfrm>
+            <a:off x="5272906" y="423747"/>
+            <a:ext cx="2085379" cy="369332"/>
+          </a:xfrm>
+          <a:prstGeom prst="rect">
+            <a:avLst/>
+          </a:prstGeom>
+          <a:noFill/>
+        </p:spPr>
+        <p:txBody>
+          <a:bodyPr wrap="none" rtlCol="0">
+            <a:spAutoFit/>
+          </a:bodyPr>
+          <a:lstStyle/>
+          <a:p>
+            <a:r>
+              <a:rPr lang="de-DE" dirty="0"/>
+              <a:t>Verdeckte Schichten</a:t>
+            </a:r>
+          </a:p>
+        </p:txBody>
+      </p:sp>
+      <p:sp>
+        <p:nvSpPr>
+          <p:cNvPr id="20" name="Textfeld 19">
+            <a:extLst>
+              <a:ext uri="{FF2B5EF4-FFF2-40B4-BE49-F238E27FC236}">
+                <a16:creationId xmlns:a16="http://schemas.microsoft.com/office/drawing/2014/main" id="{06CF10B8-8422-45FE-4061-6B40FB66558F}"/>
+              </a:ext>
+            </a:extLst>
+          </p:cNvPr>
+          <p:cNvSpPr txBox="1"/>
+          <p:nvPr/>
+        </p:nvSpPr>
+        <p:spPr>
+          <a:xfrm>
+            <a:off x="7683365" y="423747"/>
+            <a:ext cx="1721946" cy="369332"/>
+          </a:xfrm>
+          <a:prstGeom prst="rect">
+            <a:avLst/>
+          </a:prstGeom>
+          <a:noFill/>
+        </p:spPr>
+        <p:txBody>
+          <a:bodyPr wrap="none" rtlCol="0">
+            <a:spAutoFit/>
+          </a:bodyPr>
+          <a:lstStyle/>
+          <a:p>
+            <a:r>
+              <a:rPr lang="de-DE" dirty="0"/>
+              <a:t>Ausgangsschicht</a:t>
+            </a:r>
+          </a:p>
+        </p:txBody>
+      </p:sp>
+      <p:sp>
+        <p:nvSpPr>
+          <p:cNvPr id="21" name="Textfeld 20">
+            <a:extLst>
+              <a:ext uri="{FF2B5EF4-FFF2-40B4-BE49-F238E27FC236}">
+                <a16:creationId xmlns:a16="http://schemas.microsoft.com/office/drawing/2014/main" id="{8CE8CE38-3737-06A9-DA4E-A11E31274F7C}"/>
+              </a:ext>
+            </a:extLst>
+          </p:cNvPr>
+          <p:cNvSpPr txBox="1"/>
+          <p:nvPr/>
+        </p:nvSpPr>
+        <p:spPr>
+          <a:xfrm>
+            <a:off x="2743958" y="3085068"/>
+            <a:ext cx="452368" cy="369332"/>
+          </a:xfrm>
+          <a:prstGeom prst="rect">
+            <a:avLst/>
+          </a:prstGeom>
+          <a:noFill/>
+        </p:spPr>
+        <p:txBody>
+          <a:bodyPr wrap="none" rtlCol="0">
+            <a:spAutoFit/>
+          </a:bodyPr>
+          <a:lstStyle/>
+          <a:p>
+            <a:r>
+              <a:rPr lang="de-DE" dirty="0"/>
+              <a:t>x =</a:t>
+            </a:r>
+          </a:p>
+        </p:txBody>
+      </p:sp>
+      <p:sp>
+        <p:nvSpPr>
+          <p:cNvPr id="23" name="Textfeld 22">
+            <a:extLst>
+              <a:ext uri="{FF2B5EF4-FFF2-40B4-BE49-F238E27FC236}">
+                <a16:creationId xmlns:a16="http://schemas.microsoft.com/office/drawing/2014/main" id="{5CD6533E-8FC4-7293-B8E4-735C325EF117}"/>
+              </a:ext>
+            </a:extLst>
+          </p:cNvPr>
+          <p:cNvSpPr txBox="1"/>
+          <p:nvPr/>
+        </p:nvSpPr>
+        <p:spPr>
+          <a:xfrm>
+            <a:off x="3850755" y="1499239"/>
+            <a:ext cx="301686" cy="369332"/>
+          </a:xfrm>
+          <a:prstGeom prst="rect">
+            <a:avLst/>
+          </a:prstGeom>
+          <a:noFill/>
+        </p:spPr>
+        <p:txBody>
+          <a:bodyPr wrap="none" rtlCol="0">
+            <a:spAutoFit/>
+          </a:bodyPr>
+          <a:lstStyle/>
+          <a:p>
+            <a:r>
+              <a:rPr lang="de-DE" dirty="0"/>
+              <a:t>0</a:t>
+            </a:r>
+          </a:p>
+        </p:txBody>
+      </p:sp>
+      <p:sp>
+        <p:nvSpPr>
+          <p:cNvPr id="24" name="Textfeld 23">
+            <a:extLst>
+              <a:ext uri="{FF2B5EF4-FFF2-40B4-BE49-F238E27FC236}">
+                <a16:creationId xmlns:a16="http://schemas.microsoft.com/office/drawing/2014/main" id="{73BEC2FD-6BBF-8DE9-E731-852A3EC82F3D}"/>
+              </a:ext>
+            </a:extLst>
+          </p:cNvPr>
+          <p:cNvSpPr txBox="1"/>
+          <p:nvPr/>
+        </p:nvSpPr>
+        <p:spPr>
+          <a:xfrm>
+            <a:off x="3850755" y="2138562"/>
+            <a:ext cx="301686" cy="369332"/>
+          </a:xfrm>
+          <a:prstGeom prst="rect">
+            <a:avLst/>
+          </a:prstGeom>
+          <a:noFill/>
+        </p:spPr>
+        <p:txBody>
+          <a:bodyPr wrap="none" rtlCol="0">
+            <a:spAutoFit/>
+          </a:bodyPr>
+          <a:lstStyle/>
+          <a:p>
+            <a:r>
+              <a:rPr lang="de-DE" dirty="0"/>
+              <a:t>1</a:t>
+            </a:r>
+          </a:p>
+        </p:txBody>
+      </p:sp>
+      <p:sp>
+        <p:nvSpPr>
+          <p:cNvPr id="25" name="Textfeld 24">
+            <a:extLst>
+              <a:ext uri="{FF2B5EF4-FFF2-40B4-BE49-F238E27FC236}">
+                <a16:creationId xmlns:a16="http://schemas.microsoft.com/office/drawing/2014/main" id="{52C80B45-2C8D-982B-1933-20702D093052}"/>
+              </a:ext>
+            </a:extLst>
+          </p:cNvPr>
+          <p:cNvSpPr txBox="1"/>
+          <p:nvPr/>
+        </p:nvSpPr>
+        <p:spPr>
+          <a:xfrm>
+            <a:off x="3850755" y="2779600"/>
+            <a:ext cx="301686" cy="369332"/>
+          </a:xfrm>
+          <a:prstGeom prst="rect">
+            <a:avLst/>
+          </a:prstGeom>
+          <a:noFill/>
+        </p:spPr>
+        <p:txBody>
+          <a:bodyPr wrap="none" rtlCol="0">
+            <a:spAutoFit/>
+          </a:bodyPr>
+          <a:lstStyle/>
+          <a:p>
+            <a:r>
+              <a:rPr lang="de-DE" dirty="0"/>
+              <a:t>0</a:t>
+            </a:r>
+          </a:p>
+        </p:txBody>
+      </p:sp>
+      <p:sp>
+        <p:nvSpPr>
+          <p:cNvPr id="26" name="Textfeld 25">
+            <a:extLst>
+              <a:ext uri="{FF2B5EF4-FFF2-40B4-BE49-F238E27FC236}">
+                <a16:creationId xmlns:a16="http://schemas.microsoft.com/office/drawing/2014/main" id="{A87EE64F-71AB-DC28-95C9-41879D7110DC}"/>
+              </a:ext>
+            </a:extLst>
+          </p:cNvPr>
+          <p:cNvSpPr txBox="1"/>
+          <p:nvPr/>
+        </p:nvSpPr>
+        <p:spPr>
+          <a:xfrm>
+            <a:off x="3850296" y="3429000"/>
+            <a:ext cx="301686" cy="369332"/>
+          </a:xfrm>
+          <a:prstGeom prst="rect">
+            <a:avLst/>
+          </a:prstGeom>
+          <a:noFill/>
+        </p:spPr>
+        <p:txBody>
+          <a:bodyPr wrap="none" rtlCol="0">
+            <a:spAutoFit/>
+          </a:bodyPr>
+          <a:lstStyle/>
+          <a:p>
+            <a:r>
+              <a:rPr lang="de-DE" dirty="0"/>
+              <a:t>1</a:t>
+            </a:r>
+          </a:p>
+        </p:txBody>
+      </p:sp>
+      <p:sp>
+        <p:nvSpPr>
+          <p:cNvPr id="27" name="Textfeld 26">
+            <a:extLst>
+              <a:ext uri="{FF2B5EF4-FFF2-40B4-BE49-F238E27FC236}">
+                <a16:creationId xmlns:a16="http://schemas.microsoft.com/office/drawing/2014/main" id="{B6930F49-543E-AC63-750F-2C60E9BA59F1}"/>
+              </a:ext>
+            </a:extLst>
+          </p:cNvPr>
+          <p:cNvSpPr txBox="1"/>
+          <p:nvPr/>
+        </p:nvSpPr>
+        <p:spPr>
+          <a:xfrm>
+            <a:off x="3850296" y="4073035"/>
+            <a:ext cx="301686" cy="369332"/>
+          </a:xfrm>
+          <a:prstGeom prst="rect">
+            <a:avLst/>
+          </a:prstGeom>
+          <a:noFill/>
+        </p:spPr>
+        <p:txBody>
+          <a:bodyPr wrap="none" rtlCol="0">
+            <a:spAutoFit/>
+          </a:bodyPr>
+          <a:lstStyle/>
+          <a:p>
+            <a:r>
+              <a:rPr lang="de-DE" dirty="0"/>
+              <a:t>1</a:t>
+            </a:r>
+          </a:p>
+        </p:txBody>
+      </p:sp>
+      <p:sp>
+        <p:nvSpPr>
+          <p:cNvPr id="28" name="Textfeld 27">
+            <a:extLst>
+              <a:ext uri="{FF2B5EF4-FFF2-40B4-BE49-F238E27FC236}">
+                <a16:creationId xmlns:a16="http://schemas.microsoft.com/office/drawing/2014/main" id="{3801CAF7-8EB7-B288-8888-FA2463B926E5}"/>
+              </a:ext>
+            </a:extLst>
+          </p:cNvPr>
+          <p:cNvSpPr txBox="1"/>
+          <p:nvPr/>
+        </p:nvSpPr>
+        <p:spPr>
+          <a:xfrm>
+            <a:off x="3850296" y="4734618"/>
+            <a:ext cx="301686" cy="369332"/>
+          </a:xfrm>
+          <a:prstGeom prst="rect">
+            <a:avLst/>
+          </a:prstGeom>
+          <a:noFill/>
+        </p:spPr>
+        <p:txBody>
+          <a:bodyPr wrap="none" rtlCol="0">
+            <a:spAutoFit/>
+          </a:bodyPr>
+          <a:lstStyle/>
+          <a:p>
+            <a:r>
+              <a:rPr lang="de-DE" dirty="0"/>
+              <a:t>1</a:t>
+            </a:r>
+          </a:p>
+        </p:txBody>
+      </p:sp>
+      <p:cxnSp>
+        <p:nvCxnSpPr>
+          <p:cNvPr id="30" name="Gerader Verbinder 29">
+            <a:extLst>
+              <a:ext uri="{FF2B5EF4-FFF2-40B4-BE49-F238E27FC236}">
+                <a16:creationId xmlns:a16="http://schemas.microsoft.com/office/drawing/2014/main" id="{2AE8578B-528F-2D4E-53CC-4AF031F4C5CE}"/>
+              </a:ext>
+            </a:extLst>
+          </p:cNvPr>
+          <p:cNvCxnSpPr>
+            <a:cxnSpLocks/>
+          </p:cNvCxnSpPr>
+          <p:nvPr/>
+        </p:nvCxnSpPr>
+        <p:spPr>
+          <a:xfrm>
+            <a:off x="3276600" y="3295134"/>
+            <a:ext cx="1765300" cy="0"/>
+          </a:xfrm>
+          <a:prstGeom prst="line">
+            <a:avLst/>
+          </a:prstGeom>
+          <a:ln w="25400">
+            <a:solidFill>
+              <a:schemeClr val="bg1">
+                <a:lumMod val="50000"/>
+              </a:schemeClr>
+            </a:solidFill>
+          </a:ln>
+        </p:spPr>
+        <p:style>
+          <a:lnRef idx="1">
+            <a:schemeClr val="accent1"/>
+          </a:lnRef>
+          <a:fillRef idx="0">
+            <a:schemeClr val="accent1"/>
+          </a:fillRef>
+          <a:effectRef idx="0">
+            <a:schemeClr val="accent1"/>
+          </a:effectRef>
+          <a:fontRef idx="minor">
+            <a:schemeClr val="tx1"/>
+          </a:fontRef>
+        </p:style>
+      </p:cxnSp>
+      <p:cxnSp>
+        <p:nvCxnSpPr>
+          <p:cNvPr id="34" name="Gerade Verbindung mit Pfeil 33">
+            <a:extLst>
+              <a:ext uri="{FF2B5EF4-FFF2-40B4-BE49-F238E27FC236}">
+                <a16:creationId xmlns:a16="http://schemas.microsoft.com/office/drawing/2014/main" id="{6A3420EB-58DE-23AF-66F6-96A7E6A91AE3}"/>
+              </a:ext>
+            </a:extLst>
+          </p:cNvPr>
+          <p:cNvCxnSpPr>
+            <a:stCxn id="2" idx="6"/>
+          </p:cNvCxnSpPr>
+          <p:nvPr/>
+        </p:nvCxnSpPr>
+        <p:spPr>
+          <a:xfrm flipV="1">
+            <a:off x="4220264" y="1683904"/>
+            <a:ext cx="1668948" cy="1"/>
+          </a:xfrm>
+          <a:prstGeom prst="straightConnector1">
+            <a:avLst/>
+          </a:prstGeom>
+          <a:ln w="19050">
+            <a:tailEnd type="triangle"/>
+          </a:ln>
+        </p:spPr>
+        <p:style>
+          <a:lnRef idx="1">
+            <a:schemeClr val="accent1"/>
+          </a:lnRef>
+          <a:fillRef idx="0">
+            <a:schemeClr val="accent1"/>
+          </a:fillRef>
+          <a:effectRef idx="0">
+            <a:schemeClr val="accent1"/>
+          </a:effectRef>
+          <a:fontRef idx="minor">
+            <a:schemeClr val="tx1"/>
+          </a:fontRef>
+        </p:style>
+      </p:cxnSp>
+      <p:cxnSp>
+        <p:nvCxnSpPr>
+          <p:cNvPr id="35" name="Gerade Verbindung mit Pfeil 34">
+            <a:extLst>
+              <a:ext uri="{FF2B5EF4-FFF2-40B4-BE49-F238E27FC236}">
+                <a16:creationId xmlns:a16="http://schemas.microsoft.com/office/drawing/2014/main" id="{62C7CD1D-39EC-82D4-C108-44152F42BB84}"/>
+              </a:ext>
+            </a:extLst>
+          </p:cNvPr>
+          <p:cNvCxnSpPr>
+            <a:cxnSpLocks/>
+            <a:stCxn id="2" idx="6"/>
+          </p:cNvCxnSpPr>
+          <p:nvPr/>
+        </p:nvCxnSpPr>
+        <p:spPr>
+          <a:xfrm>
+            <a:off x="4220264" y="1683905"/>
+            <a:ext cx="1641888" cy="680206"/>
+          </a:xfrm>
+          <a:prstGeom prst="straightConnector1">
+            <a:avLst/>
+          </a:prstGeom>
+          <a:ln w="19050">
+            <a:tailEnd type="triangle"/>
+          </a:ln>
+        </p:spPr>
+        <p:style>
+          <a:lnRef idx="1">
+            <a:schemeClr val="accent1"/>
+          </a:lnRef>
+          <a:fillRef idx="0">
+            <a:schemeClr val="accent1"/>
+          </a:fillRef>
+          <a:effectRef idx="0">
+            <a:schemeClr val="accent1"/>
+          </a:effectRef>
+          <a:fontRef idx="minor">
+            <a:schemeClr val="tx1"/>
+          </a:fontRef>
+        </p:style>
+      </p:cxnSp>
+      <p:cxnSp>
+        <p:nvCxnSpPr>
+          <p:cNvPr id="38" name="Gerade Verbindung mit Pfeil 37">
+            <a:extLst>
+              <a:ext uri="{FF2B5EF4-FFF2-40B4-BE49-F238E27FC236}">
+                <a16:creationId xmlns:a16="http://schemas.microsoft.com/office/drawing/2014/main" id="{2A6DCED4-D081-BE81-E5B7-A6A6E65728B7}"/>
+              </a:ext>
+            </a:extLst>
+          </p:cNvPr>
+          <p:cNvCxnSpPr>
+            <a:cxnSpLocks/>
+            <a:stCxn id="2" idx="6"/>
+          </p:cNvCxnSpPr>
+          <p:nvPr/>
+        </p:nvCxnSpPr>
+        <p:spPr>
+          <a:xfrm>
+            <a:off x="4220264" y="1683905"/>
+            <a:ext cx="1592748" cy="1280361"/>
+          </a:xfrm>
+          <a:prstGeom prst="straightConnector1">
+            <a:avLst/>
+          </a:prstGeom>
+          <a:ln w="19050">
+            <a:tailEnd type="triangle"/>
+          </a:ln>
+        </p:spPr>
+        <p:style>
+          <a:lnRef idx="1">
+            <a:schemeClr val="accent1"/>
+          </a:lnRef>
+          <a:fillRef idx="0">
+            <a:schemeClr val="accent1"/>
+          </a:fillRef>
+          <a:effectRef idx="0">
+            <a:schemeClr val="accent1"/>
+          </a:effectRef>
+          <a:fontRef idx="minor">
+            <a:schemeClr val="tx1"/>
+          </a:fontRef>
+        </p:style>
+      </p:cxnSp>
+      <p:cxnSp>
+        <p:nvCxnSpPr>
+          <p:cNvPr id="41" name="Gerade Verbindung mit Pfeil 40">
+            <a:extLst>
+              <a:ext uri="{FF2B5EF4-FFF2-40B4-BE49-F238E27FC236}">
+                <a16:creationId xmlns:a16="http://schemas.microsoft.com/office/drawing/2014/main" id="{F98E1A5E-B231-ADBF-705D-BD4EB4C2E1F0}"/>
+              </a:ext>
+            </a:extLst>
+          </p:cNvPr>
+          <p:cNvCxnSpPr>
+            <a:cxnSpLocks/>
+            <a:stCxn id="2" idx="6"/>
+          </p:cNvCxnSpPr>
+          <p:nvPr/>
+        </p:nvCxnSpPr>
+        <p:spPr>
+          <a:xfrm>
+            <a:off x="4220264" y="1683905"/>
+            <a:ext cx="1641886" cy="1941227"/>
+          </a:xfrm>
+          <a:prstGeom prst="straightConnector1">
+            <a:avLst/>
+          </a:prstGeom>
+          <a:ln w="19050">
+            <a:tailEnd type="triangle"/>
+          </a:ln>
+        </p:spPr>
+        <p:style>
+          <a:lnRef idx="1">
+            <a:schemeClr val="accent1"/>
+          </a:lnRef>
+          <a:fillRef idx="0">
+            <a:schemeClr val="accent1"/>
+          </a:fillRef>
+          <a:effectRef idx="0">
+            <a:schemeClr val="accent1"/>
+          </a:effectRef>
+          <a:fontRef idx="minor">
+            <a:schemeClr val="tx1"/>
+          </a:fontRef>
+        </p:style>
+      </p:cxnSp>
+      <p:cxnSp>
+        <p:nvCxnSpPr>
+          <p:cNvPr id="44" name="Gerade Verbindung mit Pfeil 43">
+            <a:extLst>
+              <a:ext uri="{FF2B5EF4-FFF2-40B4-BE49-F238E27FC236}">
+                <a16:creationId xmlns:a16="http://schemas.microsoft.com/office/drawing/2014/main" id="{2D248564-16DC-0A02-F6EA-6FF77B47B8A3}"/>
+              </a:ext>
+            </a:extLst>
+          </p:cNvPr>
+          <p:cNvCxnSpPr>
+            <a:cxnSpLocks/>
+            <a:stCxn id="2" idx="6"/>
+          </p:cNvCxnSpPr>
+          <p:nvPr/>
+        </p:nvCxnSpPr>
+        <p:spPr>
+          <a:xfrm>
+            <a:off x="4220264" y="1683905"/>
+            <a:ext cx="1588789" cy="3335201"/>
+          </a:xfrm>
+          <a:prstGeom prst="straightConnector1">
+            <a:avLst/>
+          </a:prstGeom>
+          <a:ln w="19050">
+            <a:tailEnd type="triangle"/>
+          </a:ln>
+        </p:spPr>
+        <p:style>
+          <a:lnRef idx="1">
+            <a:schemeClr val="accent1"/>
+          </a:lnRef>
+          <a:fillRef idx="0">
+            <a:schemeClr val="accent1"/>
+          </a:fillRef>
+          <a:effectRef idx="0">
+            <a:schemeClr val="accent1"/>
+          </a:effectRef>
+          <a:fontRef idx="minor">
+            <a:schemeClr val="tx1"/>
+          </a:fontRef>
+        </p:style>
+      </p:cxnSp>
+      <p:cxnSp>
+        <p:nvCxnSpPr>
+          <p:cNvPr id="47" name="Gerade Verbindung mit Pfeil 46">
+            <a:extLst>
+              <a:ext uri="{FF2B5EF4-FFF2-40B4-BE49-F238E27FC236}">
+                <a16:creationId xmlns:a16="http://schemas.microsoft.com/office/drawing/2014/main" id="{D8686EF6-5C5D-B4A8-C89A-0C10801E5F87}"/>
+              </a:ext>
+            </a:extLst>
+          </p:cNvPr>
+          <p:cNvCxnSpPr>
+            <a:cxnSpLocks/>
+            <a:stCxn id="3" idx="6"/>
+          </p:cNvCxnSpPr>
+          <p:nvPr/>
+        </p:nvCxnSpPr>
+        <p:spPr>
+          <a:xfrm>
+            <a:off x="4220263" y="2330981"/>
+            <a:ext cx="1600667" cy="33130"/>
+          </a:xfrm>
+          <a:prstGeom prst="straightConnector1">
+            <a:avLst/>
+          </a:prstGeom>
+          <a:ln w="19050">
+            <a:tailEnd type="triangle"/>
+          </a:ln>
+        </p:spPr>
+        <p:style>
+          <a:lnRef idx="1">
+            <a:schemeClr val="accent1"/>
+          </a:lnRef>
+          <a:fillRef idx="0">
+            <a:schemeClr val="accent1"/>
+          </a:fillRef>
+          <a:effectRef idx="0">
+            <a:schemeClr val="accent1"/>
+          </a:effectRef>
+          <a:fontRef idx="minor">
+            <a:schemeClr val="tx1"/>
+          </a:fontRef>
+        </p:style>
+      </p:cxnSp>
+      <p:cxnSp>
+        <p:nvCxnSpPr>
+          <p:cNvPr id="50" name="Gerade Verbindung mit Pfeil 49">
+            <a:extLst>
+              <a:ext uri="{FF2B5EF4-FFF2-40B4-BE49-F238E27FC236}">
+                <a16:creationId xmlns:a16="http://schemas.microsoft.com/office/drawing/2014/main" id="{EBC915B1-13F6-31A6-8A09-306EA059FF34}"/>
+              </a:ext>
+            </a:extLst>
+          </p:cNvPr>
+          <p:cNvCxnSpPr>
+            <a:cxnSpLocks/>
+            <a:stCxn id="3" idx="6"/>
+          </p:cNvCxnSpPr>
+          <p:nvPr/>
+        </p:nvCxnSpPr>
+        <p:spPr>
+          <a:xfrm>
+            <a:off x="4220263" y="2330981"/>
+            <a:ext cx="1592749" cy="1239388"/>
+          </a:xfrm>
+          <a:prstGeom prst="straightConnector1">
+            <a:avLst/>
+          </a:prstGeom>
+          <a:ln w="19050">
+            <a:tailEnd type="triangle"/>
+          </a:ln>
+        </p:spPr>
+        <p:style>
+          <a:lnRef idx="1">
+            <a:schemeClr val="accent1"/>
+          </a:lnRef>
+          <a:fillRef idx="0">
+            <a:schemeClr val="accent1"/>
+          </a:fillRef>
+          <a:effectRef idx="0">
+            <a:schemeClr val="accent1"/>
+          </a:effectRef>
+          <a:fontRef idx="minor">
+            <a:schemeClr val="tx1"/>
+          </a:fontRef>
+        </p:style>
+      </p:cxnSp>
+      <p:cxnSp>
+        <p:nvCxnSpPr>
+          <p:cNvPr id="53" name="Gerade Verbindung mit Pfeil 52">
+            <a:extLst>
+              <a:ext uri="{FF2B5EF4-FFF2-40B4-BE49-F238E27FC236}">
+                <a16:creationId xmlns:a16="http://schemas.microsoft.com/office/drawing/2014/main" id="{D51B27B2-9B27-AF80-C433-7F19DF0BA2CF}"/>
+              </a:ext>
+            </a:extLst>
+          </p:cNvPr>
+          <p:cNvCxnSpPr>
+            <a:cxnSpLocks/>
+            <a:stCxn id="3" idx="6"/>
+          </p:cNvCxnSpPr>
+          <p:nvPr/>
+        </p:nvCxnSpPr>
+        <p:spPr>
+          <a:xfrm>
+            <a:off x="4220263" y="2330981"/>
+            <a:ext cx="1607748" cy="1997801"/>
+          </a:xfrm>
+          <a:prstGeom prst="straightConnector1">
+            <a:avLst/>
+          </a:prstGeom>
+          <a:ln w="19050">
+            <a:tailEnd type="triangle"/>
+          </a:ln>
+        </p:spPr>
+        <p:style>
+          <a:lnRef idx="1">
+            <a:schemeClr val="accent1"/>
+          </a:lnRef>
+          <a:fillRef idx="0">
+            <a:schemeClr val="accent1"/>
+          </a:fillRef>
+          <a:effectRef idx="0">
+            <a:schemeClr val="accent1"/>
+          </a:effectRef>
+          <a:fontRef idx="minor">
+            <a:schemeClr val="tx1"/>
+          </a:fontRef>
+        </p:style>
+      </p:cxnSp>
+      <p:cxnSp>
+        <p:nvCxnSpPr>
+          <p:cNvPr id="56" name="Gerade Verbindung mit Pfeil 55">
+            <a:extLst>
+              <a:ext uri="{FF2B5EF4-FFF2-40B4-BE49-F238E27FC236}">
+                <a16:creationId xmlns:a16="http://schemas.microsoft.com/office/drawing/2014/main" id="{56819A0E-CE73-63B7-BEA4-8DAFFF40F78C}"/>
+              </a:ext>
+            </a:extLst>
+          </p:cNvPr>
+          <p:cNvCxnSpPr>
+            <a:cxnSpLocks/>
+            <a:stCxn id="3" idx="6"/>
+          </p:cNvCxnSpPr>
+          <p:nvPr/>
+        </p:nvCxnSpPr>
+        <p:spPr>
+          <a:xfrm>
+            <a:off x="4220263" y="2330981"/>
+            <a:ext cx="1614563" cy="2688125"/>
+          </a:xfrm>
+          <a:prstGeom prst="straightConnector1">
+            <a:avLst/>
+          </a:prstGeom>
+          <a:ln w="19050">
+            <a:tailEnd type="triangle"/>
+          </a:ln>
+        </p:spPr>
+        <p:style>
+          <a:lnRef idx="1">
+            <a:schemeClr val="accent1"/>
+          </a:lnRef>
+          <a:fillRef idx="0">
+            <a:schemeClr val="accent1"/>
+          </a:fillRef>
+          <a:effectRef idx="0">
+            <a:schemeClr val="accent1"/>
+          </a:effectRef>
+          <a:fontRef idx="minor">
+            <a:schemeClr val="tx1"/>
+          </a:fontRef>
+        </p:style>
+      </p:cxnSp>
+      <p:cxnSp>
+        <p:nvCxnSpPr>
+          <p:cNvPr id="61" name="Gerade Verbindung mit Pfeil 60">
+            <a:extLst>
+              <a:ext uri="{FF2B5EF4-FFF2-40B4-BE49-F238E27FC236}">
+                <a16:creationId xmlns:a16="http://schemas.microsoft.com/office/drawing/2014/main" id="{D0AE8890-4351-3BE3-C824-305052E03C46}"/>
+              </a:ext>
+            </a:extLst>
+          </p:cNvPr>
+          <p:cNvCxnSpPr>
+            <a:cxnSpLocks/>
+            <a:stCxn id="5" idx="6"/>
+          </p:cNvCxnSpPr>
+          <p:nvPr/>
+        </p:nvCxnSpPr>
+        <p:spPr>
+          <a:xfrm flipV="1">
+            <a:off x="4220261" y="2363206"/>
+            <a:ext cx="1582627" cy="1261927"/>
+          </a:xfrm>
+          <a:prstGeom prst="straightConnector1">
+            <a:avLst/>
+          </a:prstGeom>
+          <a:ln w="19050">
+            <a:tailEnd type="triangle"/>
+          </a:ln>
+        </p:spPr>
+        <p:style>
+          <a:lnRef idx="1">
+            <a:schemeClr val="accent1"/>
+          </a:lnRef>
+          <a:fillRef idx="0">
+            <a:schemeClr val="accent1"/>
+          </a:fillRef>
+          <a:effectRef idx="0">
+            <a:schemeClr val="accent1"/>
+          </a:effectRef>
+          <a:fontRef idx="minor">
+            <a:schemeClr val="tx1"/>
+          </a:fontRef>
+        </p:style>
+      </p:cxnSp>
+      <p:cxnSp>
+        <p:nvCxnSpPr>
+          <p:cNvPr id="64" name="Gerade Verbindung mit Pfeil 63">
+            <a:extLst>
+              <a:ext uri="{FF2B5EF4-FFF2-40B4-BE49-F238E27FC236}">
+                <a16:creationId xmlns:a16="http://schemas.microsoft.com/office/drawing/2014/main" id="{EBB06F34-5F36-B1C5-9E4F-91442511F557}"/>
+              </a:ext>
+            </a:extLst>
+          </p:cNvPr>
+          <p:cNvCxnSpPr>
+            <a:cxnSpLocks/>
+            <a:stCxn id="5" idx="6"/>
+          </p:cNvCxnSpPr>
+          <p:nvPr/>
+        </p:nvCxnSpPr>
+        <p:spPr>
+          <a:xfrm flipV="1">
+            <a:off x="4220261" y="3608114"/>
+            <a:ext cx="1573609" cy="17019"/>
+          </a:xfrm>
+          <a:prstGeom prst="straightConnector1">
+            <a:avLst/>
+          </a:prstGeom>
+          <a:ln w="19050">
+            <a:tailEnd type="triangle"/>
+          </a:ln>
+        </p:spPr>
+        <p:style>
+          <a:lnRef idx="1">
+            <a:schemeClr val="accent1"/>
+          </a:lnRef>
+          <a:fillRef idx="0">
+            <a:schemeClr val="accent1"/>
+          </a:fillRef>
+          <a:effectRef idx="0">
+            <a:schemeClr val="accent1"/>
+          </a:effectRef>
+          <a:fontRef idx="minor">
+            <a:schemeClr val="tx1"/>
+          </a:fontRef>
+        </p:style>
+      </p:cxnSp>
+      <p:cxnSp>
+        <p:nvCxnSpPr>
+          <p:cNvPr id="67" name="Gerade Verbindung mit Pfeil 66">
+            <a:extLst>
+              <a:ext uri="{FF2B5EF4-FFF2-40B4-BE49-F238E27FC236}">
+                <a16:creationId xmlns:a16="http://schemas.microsoft.com/office/drawing/2014/main" id="{83BA09DD-3F4B-DA47-79E8-9E7911BB9B20}"/>
+              </a:ext>
+            </a:extLst>
+          </p:cNvPr>
+          <p:cNvCxnSpPr>
+            <a:cxnSpLocks/>
+            <a:stCxn id="5" idx="6"/>
+          </p:cNvCxnSpPr>
+          <p:nvPr/>
+        </p:nvCxnSpPr>
+        <p:spPr>
+          <a:xfrm>
+            <a:off x="4220261" y="3625133"/>
+            <a:ext cx="1582627" cy="690729"/>
+          </a:xfrm>
+          <a:prstGeom prst="straightConnector1">
+            <a:avLst/>
+          </a:prstGeom>
+          <a:ln w="19050">
+            <a:tailEnd type="triangle"/>
+          </a:ln>
+        </p:spPr>
+        <p:style>
+          <a:lnRef idx="1">
+            <a:schemeClr val="accent1"/>
+          </a:lnRef>
+          <a:fillRef idx="0">
+            <a:schemeClr val="accent1"/>
+          </a:fillRef>
+          <a:effectRef idx="0">
+            <a:schemeClr val="accent1"/>
+          </a:effectRef>
+          <a:fontRef idx="minor">
+            <a:schemeClr val="tx1"/>
+          </a:fontRef>
+        </p:style>
+      </p:cxnSp>
+      <p:cxnSp>
+        <p:nvCxnSpPr>
+          <p:cNvPr id="70" name="Gerade Verbindung mit Pfeil 69">
+            <a:extLst>
+              <a:ext uri="{FF2B5EF4-FFF2-40B4-BE49-F238E27FC236}">
+                <a16:creationId xmlns:a16="http://schemas.microsoft.com/office/drawing/2014/main" id="{3E1FB29B-011A-CDF9-24C1-78BBE621185F}"/>
+              </a:ext>
+            </a:extLst>
+          </p:cNvPr>
+          <p:cNvCxnSpPr>
+            <a:cxnSpLocks/>
+            <a:stCxn id="6" idx="6"/>
+          </p:cNvCxnSpPr>
+          <p:nvPr/>
+        </p:nvCxnSpPr>
+        <p:spPr>
+          <a:xfrm flipV="1">
+            <a:off x="4220260" y="3568984"/>
+            <a:ext cx="1649810" cy="703225"/>
+          </a:xfrm>
+          <a:prstGeom prst="straightConnector1">
+            <a:avLst/>
+          </a:prstGeom>
+          <a:ln w="19050">
+            <a:tailEnd type="triangle"/>
+          </a:ln>
+        </p:spPr>
+        <p:style>
+          <a:lnRef idx="1">
+            <a:schemeClr val="accent1"/>
+          </a:lnRef>
+          <a:fillRef idx="0">
+            <a:schemeClr val="accent1"/>
+          </a:fillRef>
+          <a:effectRef idx="0">
+            <a:schemeClr val="accent1"/>
+          </a:effectRef>
+          <a:fontRef idx="minor">
+            <a:schemeClr val="tx1"/>
+          </a:fontRef>
+        </p:style>
+      </p:cxnSp>
+      <p:cxnSp>
+        <p:nvCxnSpPr>
+          <p:cNvPr id="73" name="Gerade Verbindung mit Pfeil 72">
+            <a:extLst>
+              <a:ext uri="{FF2B5EF4-FFF2-40B4-BE49-F238E27FC236}">
+                <a16:creationId xmlns:a16="http://schemas.microsoft.com/office/drawing/2014/main" id="{5CC75851-697E-CFF1-1BB1-3FF899B78ACB}"/>
+              </a:ext>
+            </a:extLst>
+          </p:cNvPr>
+          <p:cNvCxnSpPr>
+            <a:cxnSpLocks/>
+            <a:stCxn id="7" idx="6"/>
+          </p:cNvCxnSpPr>
+          <p:nvPr/>
+        </p:nvCxnSpPr>
+        <p:spPr>
+          <a:xfrm flipV="1">
+            <a:off x="4220259" y="3609499"/>
+            <a:ext cx="1582629" cy="1309786"/>
+          </a:xfrm>
+          <a:prstGeom prst="straightConnector1">
+            <a:avLst/>
+          </a:prstGeom>
+          <a:ln w="19050">
+            <a:tailEnd type="triangle"/>
+          </a:ln>
+        </p:spPr>
+        <p:style>
+          <a:lnRef idx="1">
+            <a:schemeClr val="accent1"/>
+          </a:lnRef>
+          <a:fillRef idx="0">
+            <a:schemeClr val="accent1"/>
+          </a:fillRef>
+          <a:effectRef idx="0">
+            <a:schemeClr val="accent1"/>
+          </a:effectRef>
+          <a:fontRef idx="minor">
+            <a:schemeClr val="tx1"/>
+          </a:fontRef>
+        </p:style>
+      </p:cxnSp>
+      <p:cxnSp>
+        <p:nvCxnSpPr>
+          <p:cNvPr id="76" name="Gerade Verbindung mit Pfeil 75">
+            <a:extLst>
+              <a:ext uri="{FF2B5EF4-FFF2-40B4-BE49-F238E27FC236}">
+                <a16:creationId xmlns:a16="http://schemas.microsoft.com/office/drawing/2014/main" id="{CB04DF07-67C0-8B96-8565-052BBC408BAE}"/>
+              </a:ext>
+            </a:extLst>
+          </p:cNvPr>
+          <p:cNvCxnSpPr>
+            <a:cxnSpLocks/>
+            <a:stCxn id="7" idx="6"/>
+          </p:cNvCxnSpPr>
+          <p:nvPr/>
+        </p:nvCxnSpPr>
+        <p:spPr>
+          <a:xfrm flipV="1">
+            <a:off x="4220259" y="4919284"/>
+            <a:ext cx="1622383" cy="1"/>
+          </a:xfrm>
+          <a:prstGeom prst="straightConnector1">
+            <a:avLst/>
+          </a:prstGeom>
+          <a:ln w="19050">
+            <a:tailEnd type="triangle"/>
+          </a:ln>
+        </p:spPr>
+        <p:style>
+          <a:lnRef idx="1">
+            <a:schemeClr val="accent1"/>
+          </a:lnRef>
+          <a:fillRef idx="0">
+            <a:schemeClr val="accent1"/>
+          </a:fillRef>
+          <a:effectRef idx="0">
+            <a:schemeClr val="accent1"/>
+          </a:effectRef>
+          <a:fontRef idx="minor">
+            <a:schemeClr val="tx1"/>
+          </a:fontRef>
+        </p:style>
+      </p:cxnSp>
+      <p:cxnSp>
+        <p:nvCxnSpPr>
+          <p:cNvPr id="79" name="Gerade Verbindung mit Pfeil 78">
+            <a:extLst>
+              <a:ext uri="{FF2B5EF4-FFF2-40B4-BE49-F238E27FC236}">
+                <a16:creationId xmlns:a16="http://schemas.microsoft.com/office/drawing/2014/main" id="{16600655-CB0E-47D6-4D35-1970EECDB32A}"/>
+              </a:ext>
+            </a:extLst>
+          </p:cNvPr>
+          <p:cNvCxnSpPr>
+            <a:cxnSpLocks/>
+            <a:stCxn id="7" idx="6"/>
+          </p:cNvCxnSpPr>
+          <p:nvPr/>
+        </p:nvCxnSpPr>
+        <p:spPr>
+          <a:xfrm flipV="1">
+            <a:off x="4220259" y="4315862"/>
+            <a:ext cx="1562426" cy="603423"/>
+          </a:xfrm>
+          <a:prstGeom prst="straightConnector1">
+            <a:avLst/>
+          </a:prstGeom>
+          <a:ln w="19050">
+            <a:tailEnd type="triangle"/>
+          </a:ln>
+        </p:spPr>
+        <p:style>
+          <a:lnRef idx="1">
+            <a:schemeClr val="accent1"/>
+          </a:lnRef>
+          <a:fillRef idx="0">
+            <a:schemeClr val="accent1"/>
+          </a:fillRef>
+          <a:effectRef idx="0">
+            <a:schemeClr val="accent1"/>
+          </a:effectRef>
+          <a:fontRef idx="minor">
+            <a:schemeClr val="tx1"/>
+          </a:fontRef>
+        </p:style>
+      </p:cxnSp>
+      <p:cxnSp>
+        <p:nvCxnSpPr>
+          <p:cNvPr id="82" name="Gerade Verbindung mit Pfeil 81">
+            <a:extLst>
+              <a:ext uri="{FF2B5EF4-FFF2-40B4-BE49-F238E27FC236}">
+                <a16:creationId xmlns:a16="http://schemas.microsoft.com/office/drawing/2014/main" id="{AFE97967-6ED6-3515-A314-483D2958CBF1}"/>
+              </a:ext>
+            </a:extLst>
+          </p:cNvPr>
+          <p:cNvCxnSpPr>
+            <a:cxnSpLocks/>
+            <a:stCxn id="6" idx="6"/>
+          </p:cNvCxnSpPr>
+          <p:nvPr/>
+        </p:nvCxnSpPr>
+        <p:spPr>
+          <a:xfrm>
+            <a:off x="4220260" y="4272209"/>
+            <a:ext cx="1546283" cy="667743"/>
+          </a:xfrm>
+          <a:prstGeom prst="straightConnector1">
+            <a:avLst/>
+          </a:prstGeom>
+          <a:ln w="19050">
+            <a:tailEnd type="triangle"/>
+          </a:ln>
+        </p:spPr>
+        <p:style>
+          <a:lnRef idx="1">
+            <a:schemeClr val="accent1"/>
+          </a:lnRef>
+          <a:fillRef idx="0">
+            <a:schemeClr val="accent1"/>
+          </a:fillRef>
+          <a:effectRef idx="0">
+            <a:schemeClr val="accent1"/>
+          </a:effectRef>
+          <a:fontRef idx="minor">
+            <a:schemeClr val="tx1"/>
+          </a:fontRef>
+        </p:style>
+      </p:cxnSp>
+      <p:cxnSp>
+        <p:nvCxnSpPr>
+          <p:cNvPr id="85" name="Gerade Verbindung mit Pfeil 84">
+            <a:extLst>
+              <a:ext uri="{FF2B5EF4-FFF2-40B4-BE49-F238E27FC236}">
+                <a16:creationId xmlns:a16="http://schemas.microsoft.com/office/drawing/2014/main" id="{9ECC7627-0C0E-E647-5419-066E536AA891}"/>
+              </a:ext>
+            </a:extLst>
+          </p:cNvPr>
+          <p:cNvCxnSpPr>
+            <a:cxnSpLocks/>
+            <a:stCxn id="6" idx="6"/>
+          </p:cNvCxnSpPr>
+          <p:nvPr/>
+        </p:nvCxnSpPr>
+        <p:spPr>
+          <a:xfrm>
+            <a:off x="4220260" y="4272209"/>
+            <a:ext cx="1546283" cy="11298"/>
+          </a:xfrm>
+          <a:prstGeom prst="straightConnector1">
+            <a:avLst/>
+          </a:prstGeom>
+          <a:ln w="19050">
+            <a:tailEnd type="triangle"/>
+          </a:ln>
+        </p:spPr>
+        <p:style>
+          <a:lnRef idx="1">
+            <a:schemeClr val="accent1"/>
+          </a:lnRef>
+          <a:fillRef idx="0">
+            <a:schemeClr val="accent1"/>
+          </a:fillRef>
+          <a:effectRef idx="0">
+            <a:schemeClr val="accent1"/>
+          </a:effectRef>
+          <a:fontRef idx="minor">
+            <a:schemeClr val="tx1"/>
+          </a:fontRef>
+        </p:style>
+      </p:cxnSp>
+      <p:cxnSp>
+        <p:nvCxnSpPr>
+          <p:cNvPr id="88" name="Gerade Verbindung mit Pfeil 87">
+            <a:extLst>
+              <a:ext uri="{FF2B5EF4-FFF2-40B4-BE49-F238E27FC236}">
+                <a16:creationId xmlns:a16="http://schemas.microsoft.com/office/drawing/2014/main" id="{3365AA09-C881-5503-E296-1DEC2FC22E67}"/>
+              </a:ext>
+            </a:extLst>
+          </p:cNvPr>
+          <p:cNvCxnSpPr>
+            <a:cxnSpLocks/>
+            <a:endCxn id="12" idx="2"/>
+          </p:cNvCxnSpPr>
+          <p:nvPr/>
+        </p:nvCxnSpPr>
+        <p:spPr>
+          <a:xfrm>
+            <a:off x="6338909" y="1686156"/>
+            <a:ext cx="1986771" cy="962949"/>
+          </a:xfrm>
+          <a:prstGeom prst="straightConnector1">
+            <a:avLst/>
+          </a:prstGeom>
+          <a:ln w="19050">
+            <a:solidFill>
+              <a:srgbClr val="FF0000"/>
+            </a:solidFill>
+            <a:tailEnd type="triangle"/>
+          </a:ln>
+        </p:spPr>
+        <p:style>
+          <a:lnRef idx="1">
+            <a:schemeClr val="accent1"/>
+          </a:lnRef>
+          <a:fillRef idx="0">
+            <a:schemeClr val="accent1"/>
+          </a:fillRef>
+          <a:effectRef idx="0">
+            <a:schemeClr val="accent1"/>
+          </a:effectRef>
+          <a:fontRef idx="minor">
+            <a:schemeClr val="tx1"/>
+          </a:fontRef>
+        </p:style>
+      </p:cxnSp>
+      <p:cxnSp>
+        <p:nvCxnSpPr>
+          <p:cNvPr id="90" name="Gerade Verbindung mit Pfeil 89">
+            <a:extLst>
+              <a:ext uri="{FF2B5EF4-FFF2-40B4-BE49-F238E27FC236}">
+                <a16:creationId xmlns:a16="http://schemas.microsoft.com/office/drawing/2014/main" id="{E3857795-2C95-09B3-DF56-2E598B7E5D06}"/>
+              </a:ext>
+            </a:extLst>
+          </p:cNvPr>
+          <p:cNvCxnSpPr>
+            <a:cxnSpLocks/>
+            <a:endCxn id="12" idx="2"/>
+          </p:cNvCxnSpPr>
+          <p:nvPr/>
+        </p:nvCxnSpPr>
+        <p:spPr>
+          <a:xfrm>
+            <a:off x="6338907" y="2323228"/>
+            <a:ext cx="1986773" cy="325877"/>
+          </a:xfrm>
+          <a:prstGeom prst="straightConnector1">
+            <a:avLst/>
+          </a:prstGeom>
+          <a:ln w="19050">
+            <a:solidFill>
+              <a:srgbClr val="FF0000"/>
+            </a:solidFill>
+            <a:tailEnd type="triangle"/>
+          </a:ln>
+        </p:spPr>
+        <p:style>
+          <a:lnRef idx="1">
+            <a:schemeClr val="accent1"/>
+          </a:lnRef>
+          <a:fillRef idx="0">
+            <a:schemeClr val="accent1"/>
+          </a:fillRef>
+          <a:effectRef idx="0">
+            <a:schemeClr val="accent1"/>
+          </a:effectRef>
+          <a:fontRef idx="minor">
+            <a:schemeClr val="tx1"/>
+          </a:fontRef>
+        </p:style>
+      </p:cxnSp>
+      <p:cxnSp>
+        <p:nvCxnSpPr>
+          <p:cNvPr id="93" name="Gerade Verbindung mit Pfeil 92">
+            <a:extLst>
+              <a:ext uri="{FF2B5EF4-FFF2-40B4-BE49-F238E27FC236}">
+                <a16:creationId xmlns:a16="http://schemas.microsoft.com/office/drawing/2014/main" id="{B2F1229A-E12D-F62A-10B6-C11B3B6A70CF}"/>
+              </a:ext>
+            </a:extLst>
+          </p:cNvPr>
+          <p:cNvCxnSpPr>
+            <a:cxnSpLocks/>
+            <a:endCxn id="12" idx="2"/>
+          </p:cNvCxnSpPr>
+          <p:nvPr/>
+        </p:nvCxnSpPr>
+        <p:spPr>
+          <a:xfrm flipV="1">
+            <a:off x="6240207" y="2649105"/>
+            <a:ext cx="2085473" cy="1634402"/>
+          </a:xfrm>
+          <a:prstGeom prst="straightConnector1">
+            <a:avLst/>
+          </a:prstGeom>
+          <a:ln w="19050">
+            <a:solidFill>
+              <a:srgbClr val="FF0000"/>
+            </a:solidFill>
+            <a:tailEnd type="triangle"/>
+          </a:ln>
+        </p:spPr>
+        <p:style>
+          <a:lnRef idx="1">
+            <a:schemeClr val="accent1"/>
+          </a:lnRef>
+          <a:fillRef idx="0">
+            <a:schemeClr val="accent1"/>
+          </a:fillRef>
+          <a:effectRef idx="0">
+            <a:schemeClr val="accent1"/>
+          </a:effectRef>
+          <a:fontRef idx="minor">
+            <a:schemeClr val="tx1"/>
+          </a:fontRef>
+        </p:style>
+      </p:cxnSp>
+      <p:cxnSp>
+        <p:nvCxnSpPr>
+          <p:cNvPr id="96" name="Gerade Verbindung mit Pfeil 95">
+            <a:extLst>
+              <a:ext uri="{FF2B5EF4-FFF2-40B4-BE49-F238E27FC236}">
+                <a16:creationId xmlns:a16="http://schemas.microsoft.com/office/drawing/2014/main" id="{7F9C1F3E-5968-E617-4E3E-B395D23F8BAD}"/>
+              </a:ext>
+            </a:extLst>
+          </p:cNvPr>
+          <p:cNvCxnSpPr>
+            <a:cxnSpLocks/>
+            <a:endCxn id="13" idx="2"/>
+          </p:cNvCxnSpPr>
+          <p:nvPr/>
+        </p:nvCxnSpPr>
+        <p:spPr>
+          <a:xfrm flipV="1">
+            <a:off x="6272147" y="3296181"/>
+            <a:ext cx="2053532" cy="968211"/>
+          </a:xfrm>
+          <a:prstGeom prst="straightConnector1">
+            <a:avLst/>
+          </a:prstGeom>
+          <a:ln w="19050">
+            <a:solidFill>
+              <a:srgbClr val="FF0000"/>
+            </a:solidFill>
+            <a:tailEnd type="triangle"/>
+          </a:ln>
+        </p:spPr>
+        <p:style>
+          <a:lnRef idx="1">
+            <a:schemeClr val="accent1"/>
+          </a:lnRef>
+          <a:fillRef idx="0">
+            <a:schemeClr val="accent1"/>
+          </a:fillRef>
+          <a:effectRef idx="0">
+            <a:schemeClr val="accent1"/>
+          </a:effectRef>
+          <a:fontRef idx="minor">
+            <a:schemeClr val="tx1"/>
+          </a:fontRef>
+        </p:style>
+      </p:cxnSp>
+      <p:cxnSp>
+        <p:nvCxnSpPr>
+          <p:cNvPr id="99" name="Gerade Verbindung mit Pfeil 98">
+            <a:extLst>
+              <a:ext uri="{FF2B5EF4-FFF2-40B4-BE49-F238E27FC236}">
+                <a16:creationId xmlns:a16="http://schemas.microsoft.com/office/drawing/2014/main" id="{677E6A2D-2D91-E24A-EDCF-57955744EBF8}"/>
+              </a:ext>
+            </a:extLst>
+          </p:cNvPr>
+          <p:cNvCxnSpPr>
+            <a:cxnSpLocks/>
+            <a:endCxn id="13" idx="2"/>
+          </p:cNvCxnSpPr>
+          <p:nvPr/>
+        </p:nvCxnSpPr>
+        <p:spPr>
+          <a:xfrm flipV="1">
+            <a:off x="6220004" y="3296181"/>
+            <a:ext cx="2105675" cy="1571210"/>
+          </a:xfrm>
+          <a:prstGeom prst="straightConnector1">
+            <a:avLst/>
+          </a:prstGeom>
+          <a:ln w="19050">
+            <a:solidFill>
+              <a:srgbClr val="FF0000"/>
+            </a:solidFill>
+            <a:tailEnd type="triangle"/>
+          </a:ln>
+        </p:spPr>
+        <p:style>
+          <a:lnRef idx="1">
+            <a:schemeClr val="accent1"/>
+          </a:lnRef>
+          <a:fillRef idx="0">
+            <a:schemeClr val="accent1"/>
+          </a:fillRef>
+          <a:effectRef idx="0">
+            <a:schemeClr val="accent1"/>
+          </a:effectRef>
+          <a:fontRef idx="minor">
+            <a:schemeClr val="tx1"/>
+          </a:fontRef>
+        </p:style>
+      </p:cxnSp>
+      <p:cxnSp>
+        <p:nvCxnSpPr>
+          <p:cNvPr id="102" name="Gerade Verbindung mit Pfeil 101">
+            <a:extLst>
+              <a:ext uri="{FF2B5EF4-FFF2-40B4-BE49-F238E27FC236}">
+                <a16:creationId xmlns:a16="http://schemas.microsoft.com/office/drawing/2014/main" id="{E38625B6-B4C3-7A94-45E0-CEB7B9EBEA7B}"/>
+              </a:ext>
+            </a:extLst>
+          </p:cNvPr>
+          <p:cNvCxnSpPr>
+            <a:cxnSpLocks/>
+            <a:endCxn id="13" idx="2"/>
+          </p:cNvCxnSpPr>
+          <p:nvPr/>
+        </p:nvCxnSpPr>
+        <p:spPr>
+          <a:xfrm>
+            <a:off x="6382949" y="3295134"/>
+            <a:ext cx="1942730" cy="1047"/>
+          </a:xfrm>
+          <a:prstGeom prst="straightConnector1">
+            <a:avLst/>
+          </a:prstGeom>
+          <a:ln w="19050">
+            <a:solidFill>
+              <a:srgbClr val="FF0000"/>
+            </a:solidFill>
+            <a:tailEnd type="triangle"/>
+          </a:ln>
+        </p:spPr>
+        <p:style>
+          <a:lnRef idx="1">
+            <a:schemeClr val="accent1"/>
+          </a:lnRef>
+          <a:fillRef idx="0">
+            <a:schemeClr val="accent1"/>
+          </a:fillRef>
+          <a:effectRef idx="0">
+            <a:schemeClr val="accent1"/>
+          </a:effectRef>
+          <a:fontRef idx="minor">
+            <a:schemeClr val="tx1"/>
+          </a:fontRef>
+        </p:style>
+      </p:cxnSp>
+      <p:cxnSp>
+        <p:nvCxnSpPr>
+          <p:cNvPr id="105" name="Gerade Verbindung mit Pfeil 104">
+            <a:extLst>
+              <a:ext uri="{FF2B5EF4-FFF2-40B4-BE49-F238E27FC236}">
+                <a16:creationId xmlns:a16="http://schemas.microsoft.com/office/drawing/2014/main" id="{A12B38DE-CCC3-7A22-B75C-2F885DEB461B}"/>
+              </a:ext>
+            </a:extLst>
+          </p:cNvPr>
+          <p:cNvCxnSpPr>
+            <a:cxnSpLocks/>
+            <a:endCxn id="14" idx="2"/>
+          </p:cNvCxnSpPr>
+          <p:nvPr/>
+        </p:nvCxnSpPr>
+        <p:spPr>
+          <a:xfrm>
+            <a:off x="6382949" y="2779600"/>
+            <a:ext cx="1942729" cy="1163657"/>
+          </a:xfrm>
+          <a:prstGeom prst="straightConnector1">
+            <a:avLst/>
+          </a:prstGeom>
+          <a:ln w="19050">
+            <a:solidFill>
+              <a:srgbClr val="FF0000"/>
+            </a:solidFill>
+            <a:tailEnd type="triangle"/>
+          </a:ln>
+        </p:spPr>
+        <p:style>
+          <a:lnRef idx="1">
+            <a:schemeClr val="accent1"/>
+          </a:lnRef>
+          <a:fillRef idx="0">
+            <a:schemeClr val="accent1"/>
+          </a:fillRef>
+          <a:effectRef idx="0">
+            <a:schemeClr val="accent1"/>
+          </a:effectRef>
+          <a:fontRef idx="minor">
+            <a:schemeClr val="tx1"/>
+          </a:fontRef>
+        </p:style>
+      </p:cxnSp>
+      <p:cxnSp>
+        <p:nvCxnSpPr>
+          <p:cNvPr id="108" name="Gerade Verbindung mit Pfeil 107">
+            <a:extLst>
+              <a:ext uri="{FF2B5EF4-FFF2-40B4-BE49-F238E27FC236}">
+                <a16:creationId xmlns:a16="http://schemas.microsoft.com/office/drawing/2014/main" id="{9FAFA2EB-3AAD-5C27-DF4E-AFED3FA54309}"/>
+              </a:ext>
+            </a:extLst>
+          </p:cNvPr>
+          <p:cNvCxnSpPr>
+            <a:cxnSpLocks/>
+            <a:endCxn id="14" idx="2"/>
+          </p:cNvCxnSpPr>
+          <p:nvPr/>
+        </p:nvCxnSpPr>
+        <p:spPr>
+          <a:xfrm flipV="1">
+            <a:off x="6272145" y="3943257"/>
+            <a:ext cx="2053533" cy="924134"/>
+          </a:xfrm>
+          <a:prstGeom prst="straightConnector1">
+            <a:avLst/>
+          </a:prstGeom>
+          <a:ln w="19050">
+            <a:solidFill>
+              <a:srgbClr val="FF0000"/>
+            </a:solidFill>
+            <a:tailEnd type="triangle"/>
+          </a:ln>
+        </p:spPr>
+        <p:style>
+          <a:lnRef idx="1">
+            <a:schemeClr val="accent1"/>
+          </a:lnRef>
+          <a:fillRef idx="0">
+            <a:schemeClr val="accent1"/>
+          </a:fillRef>
+          <a:effectRef idx="0">
+            <a:schemeClr val="accent1"/>
+          </a:effectRef>
+          <a:fontRef idx="minor">
+            <a:schemeClr val="tx1"/>
+          </a:fontRef>
+        </p:style>
+      </p:cxnSp>
+      <p:cxnSp>
+        <p:nvCxnSpPr>
+          <p:cNvPr id="111" name="Gerade Verbindung mit Pfeil 110">
+            <a:extLst>
+              <a:ext uri="{FF2B5EF4-FFF2-40B4-BE49-F238E27FC236}">
+                <a16:creationId xmlns:a16="http://schemas.microsoft.com/office/drawing/2014/main" id="{904F4AB9-3A26-F133-C0C8-ED020BE8B991}"/>
+              </a:ext>
+            </a:extLst>
+          </p:cNvPr>
+          <p:cNvCxnSpPr>
+            <a:cxnSpLocks/>
+            <a:endCxn id="12" idx="2"/>
+          </p:cNvCxnSpPr>
+          <p:nvPr/>
+        </p:nvCxnSpPr>
+        <p:spPr>
+          <a:xfrm flipV="1">
+            <a:off x="6382947" y="2649105"/>
+            <a:ext cx="1942733" cy="107216"/>
+          </a:xfrm>
+          <a:prstGeom prst="straightConnector1">
+            <a:avLst/>
+          </a:prstGeom>
+          <a:ln w="19050">
+            <a:solidFill>
+              <a:srgbClr val="FF0000"/>
+            </a:solidFill>
+            <a:tailEnd type="triangle"/>
+          </a:ln>
+        </p:spPr>
+        <p:style>
+          <a:lnRef idx="1">
+            <a:schemeClr val="accent1"/>
+          </a:lnRef>
+          <a:fillRef idx="0">
+            <a:schemeClr val="accent1"/>
+          </a:fillRef>
+          <a:effectRef idx="0">
+            <a:schemeClr val="accent1"/>
+          </a:effectRef>
+          <a:fontRef idx="minor">
+            <a:schemeClr val="tx1"/>
+          </a:fontRef>
+        </p:style>
+      </p:cxnSp>
+      <p:sp>
+        <p:nvSpPr>
+          <p:cNvPr id="32" name="Rechteck 31">
+            <a:extLst>
+              <a:ext uri="{FF2B5EF4-FFF2-40B4-BE49-F238E27FC236}">
+                <a16:creationId xmlns:a16="http://schemas.microsoft.com/office/drawing/2014/main" id="{EB14592F-20DB-663B-731B-3A47257D37CD}"/>
+              </a:ext>
+            </a:extLst>
+          </p:cNvPr>
+          <p:cNvSpPr/>
+          <p:nvPr/>
+        </p:nvSpPr>
+        <p:spPr>
+          <a:xfrm>
+            <a:off x="5056902" y="1003300"/>
+            <a:ext cx="2474198" cy="4635500"/>
+          </a:xfrm>
+          <a:prstGeom prst="rect">
+            <a:avLst/>
+          </a:prstGeom>
+          <a:solidFill>
+            <a:schemeClr val="bg1">
+              <a:lumMod val="85000"/>
+            </a:schemeClr>
+          </a:solidFill>
+          <a:ln>
+            <a:noFill/>
+          </a:ln>
+        </p:spPr>
+        <p:style>
+          <a:lnRef idx="2">
+            <a:schemeClr val="accent1">
+              <a:shade val="50000"/>
+            </a:schemeClr>
+          </a:lnRef>
+          <a:fillRef idx="1">
+            <a:schemeClr val="accent1"/>
+          </a:fillRef>
+          <a:effectRef idx="0">
+            <a:schemeClr val="accent1"/>
+          </a:effectRef>
+          <a:fontRef idx="minor">
+            <a:schemeClr val="lt1"/>
+          </a:fontRef>
+        </p:style>
+        <p:txBody>
+          <a:bodyPr rtlCol="0" anchor="ctr"/>
+          <a:lstStyle/>
+          <a:p>
+            <a:pPr algn="ctr"/>
+            <a:endParaRPr lang="de-DE"/>
+          </a:p>
+        </p:txBody>
+      </p:sp>
+      <p:sp>
+        <p:nvSpPr>
+          <p:cNvPr id="114" name="Textfeld 113">
+            <a:extLst>
+              <a:ext uri="{FF2B5EF4-FFF2-40B4-BE49-F238E27FC236}">
+                <a16:creationId xmlns:a16="http://schemas.microsoft.com/office/drawing/2014/main" id="{C704A501-4D16-E82E-336F-22FC24C75D16}"/>
+              </a:ext>
+            </a:extLst>
+          </p:cNvPr>
+          <p:cNvSpPr txBox="1"/>
+          <p:nvPr/>
+        </p:nvSpPr>
+        <p:spPr>
+          <a:xfrm>
+            <a:off x="8955158" y="3110468"/>
+            <a:ext cx="2017475" cy="369332"/>
+          </a:xfrm>
+          <a:prstGeom prst="rect">
+            <a:avLst/>
+          </a:prstGeom>
+          <a:noFill/>
+        </p:spPr>
+        <p:txBody>
+          <a:bodyPr wrap="none" rtlCol="0">
+            <a:spAutoFit/>
+          </a:bodyPr>
+          <a:lstStyle/>
+          <a:p>
+            <a:r>
+              <a:rPr lang="de-DE" dirty="0"/>
+              <a:t>State-Action-Values</a:t>
+            </a:r>
+          </a:p>
+        </p:txBody>
+      </p:sp>
+      <p:sp>
+        <p:nvSpPr>
+          <p:cNvPr id="115" name="Textfeld 114">
+            <a:extLst>
+              <a:ext uri="{FF2B5EF4-FFF2-40B4-BE49-F238E27FC236}">
+                <a16:creationId xmlns:a16="http://schemas.microsoft.com/office/drawing/2014/main" id="{5C516108-937D-B1BC-5E8E-279FBD6B5BCE}"/>
+              </a:ext>
+            </a:extLst>
+          </p:cNvPr>
+          <p:cNvSpPr txBox="1"/>
+          <p:nvPr/>
+        </p:nvSpPr>
+        <p:spPr>
+          <a:xfrm rot="16200000">
+            <a:off x="2477581" y="2117511"/>
+            <a:ext cx="1789080" cy="369332"/>
+          </a:xfrm>
+          <a:prstGeom prst="rect">
+            <a:avLst/>
+          </a:prstGeom>
+          <a:noFill/>
+        </p:spPr>
+        <p:txBody>
+          <a:bodyPr wrap="none" rtlCol="0">
+            <a:spAutoFit/>
+          </a:bodyPr>
+          <a:lstStyle/>
+          <a:p>
+            <a:r>
+              <a:rPr lang="de-DE" dirty="0">
+                <a:solidFill>
+                  <a:schemeClr val="bg1">
+                    <a:lumMod val="65000"/>
+                  </a:schemeClr>
+                </a:solidFill>
+              </a:rPr>
+              <a:t>Fahrzeugposition</a:t>
+            </a:r>
+          </a:p>
+        </p:txBody>
+      </p:sp>
+      <p:sp>
+        <p:nvSpPr>
+          <p:cNvPr id="116" name="Textfeld 115">
+            <a:extLst>
+              <a:ext uri="{FF2B5EF4-FFF2-40B4-BE49-F238E27FC236}">
+                <a16:creationId xmlns:a16="http://schemas.microsoft.com/office/drawing/2014/main" id="{E2FE1B9C-E9C7-A0C1-FC05-C6040F8E8466}"/>
+              </a:ext>
+            </a:extLst>
+          </p:cNvPr>
+          <p:cNvSpPr txBox="1"/>
+          <p:nvPr/>
+        </p:nvSpPr>
+        <p:spPr>
+          <a:xfrm rot="16200000">
+            <a:off x="2652844" y="4096299"/>
+            <a:ext cx="1456296" cy="369332"/>
+          </a:xfrm>
+          <a:prstGeom prst="rect">
+            <a:avLst/>
+          </a:prstGeom>
+          <a:noFill/>
+        </p:spPr>
+        <p:txBody>
+          <a:bodyPr wrap="none" rtlCol="0">
+            <a:spAutoFit/>
+          </a:bodyPr>
+          <a:lstStyle/>
+          <a:p>
+            <a:r>
+              <a:rPr lang="de-DE" dirty="0">
+                <a:solidFill>
+                  <a:schemeClr val="bg1">
+                    <a:lumMod val="65000"/>
+                  </a:schemeClr>
+                </a:solidFill>
+              </a:rPr>
+              <a:t>Befahrbarkeit</a:t>
+            </a:r>
+          </a:p>
+        </p:txBody>
+      </p:sp>
+    </p:spTree>
+    <p:extLst>
+      <p:ext uri="{BB962C8B-B14F-4D97-AF65-F5344CB8AC3E}">
+        <p14:creationId xmlns:p14="http://schemas.microsoft.com/office/powerpoint/2010/main" val="3750693694"/>
+      </p:ext>
+    </p:extLst>
+  </p:cSld>
+  <p:clrMapOvr>
+    <a:masterClrMapping/>
+  </p:clrMapOvr>
+</p:sld>
+</file>
+
+<file path=ppt/slides/slide11.xml><?xml version="1.0" encoding="utf-8"?>
 <p:sld xmlns:a="http://schemas.openxmlformats.org/drawingml/2006/main" xmlns:r="http://schemas.openxmlformats.org/officeDocument/2006/relationships" xmlns:p="http://schemas.openxmlformats.org/presentationml/2006/main">
   <p:cSld>
     <p:spTree>
@@ -10106,7 +12688,7 @@
 </p:sld>
 </file>
 
-<file path=ppt/slides/slide11.xml><?xml version="1.0" encoding="utf-8"?>
+<file path=ppt/slides/slide12.xml><?xml version="1.0" encoding="utf-8"?>
 <p:sld xmlns:a="http://schemas.openxmlformats.org/drawingml/2006/main" xmlns:r="http://schemas.openxmlformats.org/officeDocument/2006/relationships" xmlns:p="http://schemas.openxmlformats.org/presentationml/2006/main">
   <p:cSld>
     <p:spTree>
@@ -11266,6 +13848,1352 @@
           <a:chExt cx="0" cy="0"/>
         </a:xfrm>
       </p:grpSpPr>
+      <p:cxnSp>
+        <p:nvCxnSpPr>
+          <p:cNvPr id="69" name="Gerade Verbindung mit Pfeil 68">
+            <a:extLst>
+              <a:ext uri="{FF2B5EF4-FFF2-40B4-BE49-F238E27FC236}">
+                <a16:creationId xmlns:a16="http://schemas.microsoft.com/office/drawing/2014/main" id="{B2098BF3-F84F-D648-1052-D4C2B58229A8}"/>
+              </a:ext>
+            </a:extLst>
+          </p:cNvPr>
+          <p:cNvCxnSpPr>
+            <a:cxnSpLocks/>
+          </p:cNvCxnSpPr>
+          <p:nvPr/>
+        </p:nvCxnSpPr>
+        <p:spPr>
+          <a:xfrm>
+            <a:off x="9699378" y="2969265"/>
+            <a:ext cx="0" cy="878835"/>
+          </a:xfrm>
+          <a:prstGeom prst="straightConnector1">
+            <a:avLst/>
+          </a:prstGeom>
+          <a:ln w="25400">
+            <a:solidFill>
+              <a:srgbClr val="00B050"/>
+            </a:solidFill>
+            <a:tailEnd type="triangle"/>
+          </a:ln>
+        </p:spPr>
+        <p:style>
+          <a:lnRef idx="1">
+            <a:schemeClr val="accent1"/>
+          </a:lnRef>
+          <a:fillRef idx="0">
+            <a:schemeClr val="accent1"/>
+          </a:fillRef>
+          <a:effectRef idx="0">
+            <a:schemeClr val="accent1"/>
+          </a:effectRef>
+          <a:fontRef idx="minor">
+            <a:schemeClr val="tx1"/>
+          </a:fontRef>
+        </p:style>
+      </p:cxnSp>
+      <p:cxnSp>
+        <p:nvCxnSpPr>
+          <p:cNvPr id="68" name="Gerade Verbindung mit Pfeil 67">
+            <a:extLst>
+              <a:ext uri="{FF2B5EF4-FFF2-40B4-BE49-F238E27FC236}">
+                <a16:creationId xmlns:a16="http://schemas.microsoft.com/office/drawing/2014/main" id="{DE8DDBA2-E5BF-051F-E582-7059A28E7373}"/>
+              </a:ext>
+            </a:extLst>
+          </p:cNvPr>
+          <p:cNvCxnSpPr>
+            <a:cxnSpLocks/>
+          </p:cNvCxnSpPr>
+          <p:nvPr/>
+        </p:nvCxnSpPr>
+        <p:spPr>
+          <a:xfrm>
+            <a:off x="9699378" y="2134997"/>
+            <a:ext cx="0" cy="383820"/>
+          </a:xfrm>
+          <a:prstGeom prst="straightConnector1">
+            <a:avLst/>
+          </a:prstGeom>
+          <a:ln w="25400">
+            <a:solidFill>
+              <a:srgbClr val="00B050"/>
+            </a:solidFill>
+            <a:tailEnd type="triangle"/>
+          </a:ln>
+        </p:spPr>
+        <p:style>
+          <a:lnRef idx="1">
+            <a:schemeClr val="accent1"/>
+          </a:lnRef>
+          <a:fillRef idx="0">
+            <a:schemeClr val="accent1"/>
+          </a:fillRef>
+          <a:effectRef idx="0">
+            <a:schemeClr val="accent1"/>
+          </a:effectRef>
+          <a:fontRef idx="minor">
+            <a:schemeClr val="tx1"/>
+          </a:fontRef>
+        </p:style>
+      </p:cxnSp>
+      <p:pic>
+        <p:nvPicPr>
+          <p:cNvPr id="3" name="Grafik 2" descr="Bus mit einfarbiger Füllung">
+            <a:extLst>
+              <a:ext uri="{FF2B5EF4-FFF2-40B4-BE49-F238E27FC236}">
+                <a16:creationId xmlns:a16="http://schemas.microsoft.com/office/drawing/2014/main" id="{A2309ADF-846E-7206-0D31-2489F7B0FB48}"/>
+              </a:ext>
+            </a:extLst>
+          </p:cNvPr>
+          <p:cNvPicPr>
+            <a:picLocks noChangeAspect="1"/>
+          </p:cNvPicPr>
+          <p:nvPr/>
+        </p:nvPicPr>
+        <p:blipFill>
+          <a:blip r:embed="rId2">
+            <a:extLst>
+              <a:ext uri="{28A0092B-C50C-407E-A947-70E740481C1C}">
+                <a14:useLocalDpi xmlns:a14="http://schemas.microsoft.com/office/drawing/2010/main" val="0"/>
+              </a:ext>
+              <a:ext uri="{96DAC541-7B7A-43D3-8B79-37D633B846F1}">
+                <asvg:svgBlip xmlns:asvg="http://schemas.microsoft.com/office/drawing/2016/SVG/main" r:embed="rId3"/>
+              </a:ext>
+            </a:extLst>
+          </a:blip>
+          <a:stretch>
+            <a:fillRect/>
+          </a:stretch>
+        </p:blipFill>
+        <p:spPr>
+          <a:xfrm>
+            <a:off x="3979448" y="3795325"/>
+            <a:ext cx="754477" cy="754477"/>
+          </a:xfrm>
+          <a:prstGeom prst="rect">
+            <a:avLst/>
+          </a:prstGeom>
+        </p:spPr>
+      </p:pic>
+      <p:sp>
+        <p:nvSpPr>
+          <p:cNvPr id="4" name="Parallelogramm 3">
+            <a:extLst>
+              <a:ext uri="{FF2B5EF4-FFF2-40B4-BE49-F238E27FC236}">
+                <a16:creationId xmlns:a16="http://schemas.microsoft.com/office/drawing/2014/main" id="{DED6CB4B-1AE0-1C88-7785-642DE80C0C21}"/>
+              </a:ext>
+            </a:extLst>
+          </p:cNvPr>
+          <p:cNvSpPr/>
+          <p:nvPr/>
+        </p:nvSpPr>
+        <p:spPr>
+          <a:xfrm>
+            <a:off x="8453424" y="1736976"/>
+            <a:ext cx="2683379" cy="504202"/>
+          </a:xfrm>
+          <a:prstGeom prst="parallelogram">
+            <a:avLst>
+              <a:gd name="adj" fmla="val 122835"/>
+            </a:avLst>
+          </a:prstGeom>
+          <a:blipFill>
+            <a:blip r:embed="rId4"/>
+            <a:stretch>
+              <a:fillRect/>
+            </a:stretch>
+          </a:blipFill>
+          <a:ln>
+            <a:solidFill>
+              <a:schemeClr val="bg1">
+                <a:lumMod val="65000"/>
+              </a:schemeClr>
+            </a:solidFill>
+          </a:ln>
+        </p:spPr>
+        <p:style>
+          <a:lnRef idx="2">
+            <a:schemeClr val="accent1">
+              <a:shade val="50000"/>
+            </a:schemeClr>
+          </a:lnRef>
+          <a:fillRef idx="1">
+            <a:schemeClr val="accent1"/>
+          </a:fillRef>
+          <a:effectRef idx="0">
+            <a:schemeClr val="accent1"/>
+          </a:effectRef>
+          <a:fontRef idx="minor">
+            <a:schemeClr val="lt1"/>
+          </a:fontRef>
+        </p:style>
+        <p:txBody>
+          <a:bodyPr rtlCol="0" anchor="ctr"/>
+          <a:lstStyle/>
+          <a:p>
+            <a:pPr algn="ctr"/>
+            <a:endParaRPr lang="de-DE"/>
+          </a:p>
+        </p:txBody>
+      </p:sp>
+      <p:sp>
+        <p:nvSpPr>
+          <p:cNvPr id="5" name="Parallelogramm 4">
+            <a:extLst>
+              <a:ext uri="{FF2B5EF4-FFF2-40B4-BE49-F238E27FC236}">
+                <a16:creationId xmlns:a16="http://schemas.microsoft.com/office/drawing/2014/main" id="{15F616FC-CAF3-E11D-0EF8-A7C4B38EF1C3}"/>
+              </a:ext>
+            </a:extLst>
+          </p:cNvPr>
+          <p:cNvSpPr/>
+          <p:nvPr/>
+        </p:nvSpPr>
+        <p:spPr>
+          <a:xfrm>
+            <a:off x="8453424" y="2608717"/>
+            <a:ext cx="2683379" cy="504202"/>
+          </a:xfrm>
+          <a:prstGeom prst="parallelogram">
+            <a:avLst>
+              <a:gd name="adj" fmla="val 122835"/>
+            </a:avLst>
+          </a:prstGeom>
+          <a:blipFill>
+            <a:blip r:embed="rId5"/>
+            <a:stretch>
+              <a:fillRect/>
+            </a:stretch>
+          </a:blipFill>
+          <a:ln>
+            <a:solidFill>
+              <a:schemeClr val="bg1">
+                <a:lumMod val="65000"/>
+              </a:schemeClr>
+            </a:solidFill>
+          </a:ln>
+        </p:spPr>
+        <p:style>
+          <a:lnRef idx="2">
+            <a:schemeClr val="accent1">
+              <a:shade val="50000"/>
+            </a:schemeClr>
+          </a:lnRef>
+          <a:fillRef idx="1">
+            <a:schemeClr val="accent1"/>
+          </a:fillRef>
+          <a:effectRef idx="0">
+            <a:schemeClr val="accent1"/>
+          </a:effectRef>
+          <a:fontRef idx="minor">
+            <a:schemeClr val="lt1"/>
+          </a:fontRef>
+        </p:style>
+        <p:txBody>
+          <a:bodyPr rtlCol="0" anchor="ctr"/>
+          <a:lstStyle/>
+          <a:p>
+            <a:pPr algn="ctr"/>
+            <a:endParaRPr lang="de-DE"/>
+          </a:p>
+        </p:txBody>
+      </p:sp>
+      <p:pic>
+        <p:nvPicPr>
+          <p:cNvPr id="8" name="Grafik 7" descr="Cloudcomputing mit einfarbiger Füllung">
+            <a:extLst>
+              <a:ext uri="{FF2B5EF4-FFF2-40B4-BE49-F238E27FC236}">
+                <a16:creationId xmlns:a16="http://schemas.microsoft.com/office/drawing/2014/main" id="{DC38A886-2E14-4C2B-7B31-546169C16E5B}"/>
+              </a:ext>
+            </a:extLst>
+          </p:cNvPr>
+          <p:cNvPicPr>
+            <a:picLocks noChangeAspect="1"/>
+          </p:cNvPicPr>
+          <p:nvPr/>
+        </p:nvPicPr>
+        <p:blipFill>
+          <a:blip r:embed="rId6">
+            <a:extLst>
+              <a:ext uri="{28A0092B-C50C-407E-A947-70E740481C1C}">
+                <a14:useLocalDpi xmlns:a14="http://schemas.microsoft.com/office/drawing/2010/main" val="0"/>
+              </a:ext>
+              <a:ext uri="{96DAC541-7B7A-43D3-8B79-37D633B846F1}">
+                <asvg:svgBlip xmlns:asvg="http://schemas.microsoft.com/office/drawing/2016/SVG/main" r:embed="rId7"/>
+              </a:ext>
+            </a:extLst>
+          </a:blip>
+          <a:stretch>
+            <a:fillRect/>
+          </a:stretch>
+        </p:blipFill>
+        <p:spPr>
+          <a:xfrm>
+            <a:off x="5511360" y="3695362"/>
+            <a:ext cx="851340" cy="851340"/>
+          </a:xfrm>
+          <a:prstGeom prst="rect">
+            <a:avLst/>
+          </a:prstGeom>
+        </p:spPr>
+      </p:pic>
+      <p:grpSp>
+        <p:nvGrpSpPr>
+          <p:cNvPr id="28" name="Gruppieren 27">
+            <a:extLst>
+              <a:ext uri="{FF2B5EF4-FFF2-40B4-BE49-F238E27FC236}">
+                <a16:creationId xmlns:a16="http://schemas.microsoft.com/office/drawing/2014/main" id="{B1B8A603-AE81-0526-D0A5-592D9220E068}"/>
+              </a:ext>
+            </a:extLst>
+          </p:cNvPr>
+          <p:cNvGrpSpPr/>
+          <p:nvPr/>
+        </p:nvGrpSpPr>
+        <p:grpSpPr>
+          <a:xfrm>
+            <a:off x="7155783" y="2518817"/>
+            <a:ext cx="745127" cy="684001"/>
+            <a:chOff x="3509773" y="847337"/>
+            <a:chExt cx="745127" cy="684001"/>
+          </a:xfrm>
+        </p:grpSpPr>
+        <p:grpSp>
+          <p:nvGrpSpPr>
+            <p:cNvPr id="13" name="Gruppieren 12">
+              <a:extLst>
+                <a:ext uri="{FF2B5EF4-FFF2-40B4-BE49-F238E27FC236}">
+                  <a16:creationId xmlns:a16="http://schemas.microsoft.com/office/drawing/2014/main" id="{07610081-C491-3D5E-7AFC-31ED14A158F2}"/>
+                </a:ext>
+              </a:extLst>
+            </p:cNvPr>
+            <p:cNvGrpSpPr/>
+            <p:nvPr/>
+          </p:nvGrpSpPr>
+          <p:grpSpPr>
+            <a:xfrm>
+              <a:off x="3509773" y="847337"/>
+              <a:ext cx="745127" cy="631528"/>
+              <a:chOff x="6445555" y="4365810"/>
+              <a:chExt cx="745127" cy="631528"/>
+            </a:xfrm>
+          </p:grpSpPr>
+          <p:pic>
+            <p:nvPicPr>
+              <p:cNvPr id="11" name="Grafik 10" descr="Markierung mit einfarbiger Füllung">
+                <a:extLst>
+                  <a:ext uri="{FF2B5EF4-FFF2-40B4-BE49-F238E27FC236}">
+                    <a16:creationId xmlns:a16="http://schemas.microsoft.com/office/drawing/2014/main" id="{496BB781-CC40-7ECA-2026-8747B07AE507}"/>
+                  </a:ext>
+                </a:extLst>
+              </p:cNvPr>
+              <p:cNvPicPr>
+                <a:picLocks noChangeAspect="1"/>
+              </p:cNvPicPr>
+              <p:nvPr/>
+            </p:nvPicPr>
+            <p:blipFill>
+              <a:blip r:embed="rId8">
+                <a:extLst>
+                  <a:ext uri="{28A0092B-C50C-407E-A947-70E740481C1C}">
+                    <a14:useLocalDpi xmlns:a14="http://schemas.microsoft.com/office/drawing/2010/main" val="0"/>
+                  </a:ext>
+                  <a:ext uri="{96DAC541-7B7A-43D3-8B79-37D633B846F1}">
+                    <asvg:svgBlip xmlns:asvg="http://schemas.microsoft.com/office/drawing/2016/SVG/main" r:embed="rId9"/>
+                  </a:ext>
+                </a:extLst>
+              </a:blip>
+              <a:stretch>
+                <a:fillRect/>
+              </a:stretch>
+            </p:blipFill>
+            <p:spPr>
+              <a:xfrm>
+                <a:off x="6674475" y="4365810"/>
+                <a:ext cx="516207" cy="516207"/>
+              </a:xfrm>
+              <a:prstGeom prst="rect">
+                <a:avLst/>
+              </a:prstGeom>
+            </p:spPr>
+          </p:pic>
+          <p:pic>
+            <p:nvPicPr>
+              <p:cNvPr id="12" name="Grafik 11" descr="Markierung mit einfarbiger Füllung">
+                <a:extLst>
+                  <a:ext uri="{FF2B5EF4-FFF2-40B4-BE49-F238E27FC236}">
+                    <a16:creationId xmlns:a16="http://schemas.microsoft.com/office/drawing/2014/main" id="{21C693F0-1E67-75B5-5E16-D24E36C9F8B9}"/>
+                  </a:ext>
+                </a:extLst>
+              </p:cNvPr>
+              <p:cNvPicPr>
+                <a:picLocks noChangeAspect="1"/>
+              </p:cNvPicPr>
+              <p:nvPr/>
+            </p:nvPicPr>
+            <p:blipFill>
+              <a:blip r:embed="rId10">
+                <a:extLst>
+                  <a:ext uri="{28A0092B-C50C-407E-A947-70E740481C1C}">
+                    <a14:useLocalDpi xmlns:a14="http://schemas.microsoft.com/office/drawing/2010/main" val="0"/>
+                  </a:ext>
+                  <a:ext uri="{96DAC541-7B7A-43D3-8B79-37D633B846F1}">
+                    <asvg:svgBlip xmlns:asvg="http://schemas.microsoft.com/office/drawing/2016/SVG/main" r:embed="rId11"/>
+                  </a:ext>
+                </a:extLst>
+              </a:blip>
+              <a:stretch>
+                <a:fillRect/>
+              </a:stretch>
+            </p:blipFill>
+            <p:spPr>
+              <a:xfrm>
+                <a:off x="6551260" y="4396022"/>
+                <a:ext cx="516207" cy="516207"/>
+              </a:xfrm>
+              <a:prstGeom prst="rect">
+                <a:avLst/>
+              </a:prstGeom>
+            </p:spPr>
+          </p:pic>
+          <p:pic>
+            <p:nvPicPr>
+              <p:cNvPr id="10" name="Grafik 9" descr="Markierung mit einfarbiger Füllung">
+                <a:extLst>
+                  <a:ext uri="{FF2B5EF4-FFF2-40B4-BE49-F238E27FC236}">
+                    <a16:creationId xmlns:a16="http://schemas.microsoft.com/office/drawing/2014/main" id="{3DFAD224-CAB9-7E7E-3B30-8DF3E18784FB}"/>
+                  </a:ext>
+                </a:extLst>
+              </p:cNvPr>
+              <p:cNvPicPr>
+                <a:picLocks noChangeAspect="1"/>
+              </p:cNvPicPr>
+              <p:nvPr/>
+            </p:nvPicPr>
+            <p:blipFill>
+              <a:blip r:embed="rId12">
+                <a:extLst>
+                  <a:ext uri="{28A0092B-C50C-407E-A947-70E740481C1C}">
+                    <a14:useLocalDpi xmlns:a14="http://schemas.microsoft.com/office/drawing/2010/main" val="0"/>
+                  </a:ext>
+                  <a:ext uri="{96DAC541-7B7A-43D3-8B79-37D633B846F1}">
+                    <asvg:svgBlip xmlns:asvg="http://schemas.microsoft.com/office/drawing/2016/SVG/main" r:embed="rId13"/>
+                  </a:ext>
+                </a:extLst>
+              </a:blip>
+              <a:stretch>
+                <a:fillRect/>
+              </a:stretch>
+            </p:blipFill>
+            <p:spPr>
+              <a:xfrm>
+                <a:off x="6445555" y="4481131"/>
+                <a:ext cx="516207" cy="516207"/>
+              </a:xfrm>
+              <a:prstGeom prst="rect">
+                <a:avLst/>
+              </a:prstGeom>
+            </p:spPr>
+          </p:pic>
+        </p:grpSp>
+        <p:sp>
+          <p:nvSpPr>
+            <p:cNvPr id="27" name="Freihandform: Form 26">
+              <a:extLst>
+                <a:ext uri="{FF2B5EF4-FFF2-40B4-BE49-F238E27FC236}">
+                  <a16:creationId xmlns:a16="http://schemas.microsoft.com/office/drawing/2014/main" id="{F02659EF-7E24-3272-2F5C-7C7518408893}"/>
+                </a:ext>
+              </a:extLst>
+            </p:cNvPr>
+            <p:cNvSpPr/>
+            <p:nvPr/>
+          </p:nvSpPr>
+          <p:spPr>
+            <a:xfrm>
+              <a:off x="3767876" y="1365968"/>
+              <a:ext cx="330740" cy="165370"/>
+            </a:xfrm>
+            <a:custGeom>
+              <a:avLst/>
+              <a:gdLst>
+                <a:gd name="connsiteX0" fmla="*/ 0 w 330740"/>
+                <a:gd name="connsiteY0" fmla="*/ 165370 h 165370"/>
+                <a:gd name="connsiteX1" fmla="*/ 116731 w 330740"/>
+                <a:gd name="connsiteY1" fmla="*/ 48638 h 165370"/>
+                <a:gd name="connsiteX2" fmla="*/ 330740 w 330740"/>
+                <a:gd name="connsiteY2" fmla="*/ 0 h 165370"/>
+              </a:gdLst>
+              <a:ahLst/>
+              <a:cxnLst>
+                <a:cxn ang="0">
+                  <a:pos x="connsiteX0" y="connsiteY0"/>
+                </a:cxn>
+                <a:cxn ang="0">
+                  <a:pos x="connsiteX1" y="connsiteY1"/>
+                </a:cxn>
+                <a:cxn ang="0">
+                  <a:pos x="connsiteX2" y="connsiteY2"/>
+                </a:cxn>
+              </a:cxnLst>
+              <a:rect l="l" t="t" r="r" b="b"/>
+              <a:pathLst>
+                <a:path w="330740" h="165370">
+                  <a:moveTo>
+                    <a:pt x="0" y="165370"/>
+                  </a:moveTo>
+                  <a:cubicBezTo>
+                    <a:pt x="30804" y="120785"/>
+                    <a:pt x="61608" y="76200"/>
+                    <a:pt x="116731" y="48638"/>
+                  </a:cubicBezTo>
+                  <a:cubicBezTo>
+                    <a:pt x="171854" y="21076"/>
+                    <a:pt x="283723" y="4864"/>
+                    <a:pt x="330740" y="0"/>
+                  </a:cubicBezTo>
+                </a:path>
+              </a:pathLst>
+            </a:custGeom>
+            <a:noFill/>
+            <a:ln w="38100">
+              <a:solidFill>
+                <a:srgbClr val="FF0000"/>
+              </a:solidFill>
+            </a:ln>
+          </p:spPr>
+          <p:style>
+            <a:lnRef idx="2">
+              <a:schemeClr val="accent1">
+                <a:shade val="50000"/>
+              </a:schemeClr>
+            </a:lnRef>
+            <a:fillRef idx="1">
+              <a:schemeClr val="accent1"/>
+            </a:fillRef>
+            <a:effectRef idx="0">
+              <a:schemeClr val="accent1"/>
+            </a:effectRef>
+            <a:fontRef idx="minor">
+              <a:schemeClr val="lt1"/>
+            </a:fontRef>
+          </p:style>
+          <p:txBody>
+            <a:bodyPr rtlCol="0" anchor="ctr"/>
+            <a:lstStyle/>
+            <a:p>
+              <a:pPr algn="ctr"/>
+              <a:endParaRPr lang="de-DE"/>
+            </a:p>
+          </p:txBody>
+        </p:sp>
+      </p:grpSp>
+      <p:sp>
+        <p:nvSpPr>
+          <p:cNvPr id="29" name="Parallelogramm 28">
+            <a:extLst>
+              <a:ext uri="{FF2B5EF4-FFF2-40B4-BE49-F238E27FC236}">
+                <a16:creationId xmlns:a16="http://schemas.microsoft.com/office/drawing/2014/main" id="{8DB3AD11-3BF1-9EF7-114A-EE9C230DD25C}"/>
+              </a:ext>
+            </a:extLst>
+          </p:cNvPr>
+          <p:cNvSpPr/>
+          <p:nvPr/>
+        </p:nvSpPr>
+        <p:spPr>
+          <a:xfrm>
+            <a:off x="8460549" y="3948199"/>
+            <a:ext cx="2683379" cy="504202"/>
+          </a:xfrm>
+          <a:prstGeom prst="parallelogram">
+            <a:avLst>
+              <a:gd name="adj" fmla="val 122835"/>
+            </a:avLst>
+          </a:prstGeom>
+          <a:blipFill>
+            <a:blip r:embed="rId14"/>
+            <a:stretch>
+              <a:fillRect/>
+            </a:stretch>
+          </a:blipFill>
+          <a:ln>
+            <a:solidFill>
+              <a:schemeClr val="bg1">
+                <a:lumMod val="65000"/>
+              </a:schemeClr>
+            </a:solidFill>
+          </a:ln>
+        </p:spPr>
+        <p:style>
+          <a:lnRef idx="2">
+            <a:schemeClr val="accent1">
+              <a:shade val="50000"/>
+            </a:schemeClr>
+          </a:lnRef>
+          <a:fillRef idx="1">
+            <a:schemeClr val="accent1"/>
+          </a:fillRef>
+          <a:effectRef idx="0">
+            <a:schemeClr val="accent1"/>
+          </a:effectRef>
+          <a:fontRef idx="minor">
+            <a:schemeClr val="lt1"/>
+          </a:fontRef>
+        </p:style>
+        <p:txBody>
+          <a:bodyPr rtlCol="0" anchor="ctr"/>
+          <a:lstStyle/>
+          <a:p>
+            <a:pPr algn="ctr"/>
+            <a:endParaRPr lang="de-DE"/>
+          </a:p>
+        </p:txBody>
+      </p:sp>
+      <p:cxnSp>
+        <p:nvCxnSpPr>
+          <p:cNvPr id="31" name="Verbinder: gewinkelt 30">
+            <a:extLst>
+              <a:ext uri="{FF2B5EF4-FFF2-40B4-BE49-F238E27FC236}">
+                <a16:creationId xmlns:a16="http://schemas.microsoft.com/office/drawing/2014/main" id="{0AA7EDD5-58A2-3648-0FD8-2F8A279D4537}"/>
+              </a:ext>
+            </a:extLst>
+          </p:cNvPr>
+          <p:cNvCxnSpPr>
+            <a:cxnSpLocks/>
+            <a:stCxn id="3" idx="0"/>
+            <a:endCxn id="10" idx="1"/>
+          </p:cNvCxnSpPr>
+          <p:nvPr/>
+        </p:nvCxnSpPr>
+        <p:spPr>
+          <a:xfrm rot="5400000" flipH="1" flipV="1">
+            <a:off x="5304694" y="1944236"/>
+            <a:ext cx="903083" cy="2799096"/>
+          </a:xfrm>
+          <a:prstGeom prst="bentConnector2">
+            <a:avLst/>
+          </a:prstGeom>
+          <a:ln w="25400">
+            <a:solidFill>
+              <a:schemeClr val="tx1">
+                <a:lumMod val="50000"/>
+                <a:lumOff val="50000"/>
+              </a:schemeClr>
+            </a:solidFill>
+            <a:prstDash val="sysDash"/>
+            <a:tailEnd type="triangle"/>
+          </a:ln>
+        </p:spPr>
+        <p:style>
+          <a:lnRef idx="1">
+            <a:schemeClr val="accent1"/>
+          </a:lnRef>
+          <a:fillRef idx="0">
+            <a:schemeClr val="accent1"/>
+          </a:fillRef>
+          <a:effectRef idx="0">
+            <a:schemeClr val="accent1"/>
+          </a:effectRef>
+          <a:fontRef idx="minor">
+            <a:schemeClr val="tx1"/>
+          </a:fontRef>
+        </p:style>
+      </p:cxnSp>
+      <p:cxnSp>
+        <p:nvCxnSpPr>
+          <p:cNvPr id="37" name="Gerade Verbindung mit Pfeil 36">
+            <a:extLst>
+              <a:ext uri="{FF2B5EF4-FFF2-40B4-BE49-F238E27FC236}">
+                <a16:creationId xmlns:a16="http://schemas.microsoft.com/office/drawing/2014/main" id="{8A1D1286-094F-9576-E73D-413D6DC5F5A0}"/>
+              </a:ext>
+            </a:extLst>
+          </p:cNvPr>
+          <p:cNvCxnSpPr>
+            <a:cxnSpLocks/>
+          </p:cNvCxnSpPr>
+          <p:nvPr/>
+        </p:nvCxnSpPr>
+        <p:spPr>
+          <a:xfrm flipV="1">
+            <a:off x="7908678" y="2892243"/>
+            <a:ext cx="603114" cy="1"/>
+          </a:xfrm>
+          <a:prstGeom prst="straightConnector1">
+            <a:avLst/>
+          </a:prstGeom>
+          <a:ln w="25400">
+            <a:solidFill>
+              <a:schemeClr val="tx1">
+                <a:lumMod val="50000"/>
+                <a:lumOff val="50000"/>
+              </a:schemeClr>
+            </a:solidFill>
+            <a:prstDash val="sysDash"/>
+            <a:tailEnd type="triangle"/>
+          </a:ln>
+        </p:spPr>
+        <p:style>
+          <a:lnRef idx="1">
+            <a:schemeClr val="accent1"/>
+          </a:lnRef>
+          <a:fillRef idx="0">
+            <a:schemeClr val="accent1"/>
+          </a:fillRef>
+          <a:effectRef idx="0">
+            <a:schemeClr val="accent1"/>
+          </a:effectRef>
+          <a:fontRef idx="minor">
+            <a:schemeClr val="tx1"/>
+          </a:fontRef>
+        </p:style>
+      </p:cxnSp>
+      <p:cxnSp>
+        <p:nvCxnSpPr>
+          <p:cNvPr id="39" name="Gerade Verbindung mit Pfeil 38">
+            <a:extLst>
+              <a:ext uri="{FF2B5EF4-FFF2-40B4-BE49-F238E27FC236}">
+                <a16:creationId xmlns:a16="http://schemas.microsoft.com/office/drawing/2014/main" id="{DD5543F1-162F-7CEB-BD0A-462329F7FC79}"/>
+              </a:ext>
+            </a:extLst>
+          </p:cNvPr>
+          <p:cNvCxnSpPr>
+            <a:cxnSpLocks/>
+          </p:cNvCxnSpPr>
+          <p:nvPr/>
+        </p:nvCxnSpPr>
+        <p:spPr>
+          <a:xfrm>
+            <a:off x="4836302" y="4236383"/>
+            <a:ext cx="603114" cy="0"/>
+          </a:xfrm>
+          <a:prstGeom prst="straightConnector1">
+            <a:avLst/>
+          </a:prstGeom>
+          <a:ln w="25400">
+            <a:solidFill>
+              <a:schemeClr val="tx1">
+                <a:lumMod val="50000"/>
+                <a:lumOff val="50000"/>
+              </a:schemeClr>
+            </a:solidFill>
+            <a:prstDash val="solid"/>
+            <a:tailEnd type="triangle"/>
+          </a:ln>
+        </p:spPr>
+        <p:style>
+          <a:lnRef idx="1">
+            <a:schemeClr val="accent1"/>
+          </a:lnRef>
+          <a:fillRef idx="0">
+            <a:schemeClr val="accent1"/>
+          </a:fillRef>
+          <a:effectRef idx="0">
+            <a:schemeClr val="accent1"/>
+          </a:effectRef>
+          <a:fontRef idx="minor">
+            <a:schemeClr val="tx1"/>
+          </a:fontRef>
+        </p:style>
+      </p:cxnSp>
+      <p:cxnSp>
+        <p:nvCxnSpPr>
+          <p:cNvPr id="40" name="Gerade Verbindung mit Pfeil 39">
+            <a:extLst>
+              <a:ext uri="{FF2B5EF4-FFF2-40B4-BE49-F238E27FC236}">
+                <a16:creationId xmlns:a16="http://schemas.microsoft.com/office/drawing/2014/main" id="{783FA3DA-FBD0-2035-218E-4D0727F22CA2}"/>
+              </a:ext>
+            </a:extLst>
+          </p:cNvPr>
+          <p:cNvCxnSpPr>
+            <a:cxnSpLocks/>
+          </p:cNvCxnSpPr>
+          <p:nvPr/>
+        </p:nvCxnSpPr>
+        <p:spPr>
+          <a:xfrm flipH="1">
+            <a:off x="4827595" y="4088587"/>
+            <a:ext cx="611821" cy="0"/>
+          </a:xfrm>
+          <a:prstGeom prst="straightConnector1">
+            <a:avLst/>
+          </a:prstGeom>
+          <a:ln w="25400">
+            <a:solidFill>
+              <a:schemeClr val="tx1">
+                <a:lumMod val="50000"/>
+                <a:lumOff val="50000"/>
+              </a:schemeClr>
+            </a:solidFill>
+            <a:tailEnd type="triangle"/>
+          </a:ln>
+        </p:spPr>
+        <p:style>
+          <a:lnRef idx="1">
+            <a:schemeClr val="accent1"/>
+          </a:lnRef>
+          <a:fillRef idx="0">
+            <a:schemeClr val="accent1"/>
+          </a:fillRef>
+          <a:effectRef idx="0">
+            <a:schemeClr val="accent1"/>
+          </a:effectRef>
+          <a:fontRef idx="minor">
+            <a:schemeClr val="tx1"/>
+          </a:fontRef>
+        </p:style>
+      </p:cxnSp>
+      <p:cxnSp>
+        <p:nvCxnSpPr>
+          <p:cNvPr id="43" name="Gerade Verbindung mit Pfeil 42">
+            <a:extLst>
+              <a:ext uri="{FF2B5EF4-FFF2-40B4-BE49-F238E27FC236}">
+                <a16:creationId xmlns:a16="http://schemas.microsoft.com/office/drawing/2014/main" id="{E4C520B2-C471-A029-EF04-B5DB33506935}"/>
+              </a:ext>
+            </a:extLst>
+          </p:cNvPr>
+          <p:cNvCxnSpPr>
+            <a:cxnSpLocks/>
+          </p:cNvCxnSpPr>
+          <p:nvPr/>
+        </p:nvCxnSpPr>
+        <p:spPr>
+          <a:xfrm flipV="1">
+            <a:off x="6440805" y="4238067"/>
+            <a:ext cx="678780" cy="4763"/>
+          </a:xfrm>
+          <a:prstGeom prst="straightConnector1">
+            <a:avLst/>
+          </a:prstGeom>
+          <a:ln w="25400">
+            <a:solidFill>
+              <a:schemeClr val="tx1">
+                <a:lumMod val="50000"/>
+                <a:lumOff val="50000"/>
+              </a:schemeClr>
+            </a:solidFill>
+            <a:tailEnd type="triangle"/>
+          </a:ln>
+        </p:spPr>
+        <p:style>
+          <a:lnRef idx="1">
+            <a:schemeClr val="accent1"/>
+          </a:lnRef>
+          <a:fillRef idx="0">
+            <a:schemeClr val="accent1"/>
+          </a:fillRef>
+          <a:effectRef idx="0">
+            <a:schemeClr val="accent1"/>
+          </a:effectRef>
+          <a:fontRef idx="minor">
+            <a:schemeClr val="tx1"/>
+          </a:fontRef>
+        </p:style>
+      </p:cxnSp>
+      <p:pic>
+        <p:nvPicPr>
+          <p:cNvPr id="48" name="Grafik 47" descr="Balkendiagramm mit einfarbiger Füllung">
+            <a:extLst>
+              <a:ext uri="{FF2B5EF4-FFF2-40B4-BE49-F238E27FC236}">
+                <a16:creationId xmlns:a16="http://schemas.microsoft.com/office/drawing/2014/main" id="{60AC72EC-1A8E-0B12-0567-8BDDA77DF6DC}"/>
+              </a:ext>
+            </a:extLst>
+          </p:cNvPr>
+          <p:cNvPicPr>
+            <a:picLocks noChangeAspect="1"/>
+          </p:cNvPicPr>
+          <p:nvPr/>
+        </p:nvPicPr>
+        <p:blipFill>
+          <a:blip r:embed="rId15">
+            <a:extLst>
+              <a:ext uri="{28A0092B-C50C-407E-A947-70E740481C1C}">
+                <a14:useLocalDpi xmlns:a14="http://schemas.microsoft.com/office/drawing/2010/main" val="0"/>
+              </a:ext>
+              <a:ext uri="{96DAC541-7B7A-43D3-8B79-37D633B846F1}">
+                <asvg:svgBlip xmlns:asvg="http://schemas.microsoft.com/office/drawing/2016/SVG/main" r:embed="rId16"/>
+              </a:ext>
+            </a:extLst>
+          </a:blip>
+          <a:stretch>
+            <a:fillRect/>
+          </a:stretch>
+        </p:blipFill>
+        <p:spPr>
+          <a:xfrm>
+            <a:off x="7193635" y="3772750"/>
+            <a:ext cx="651912" cy="651912"/>
+          </a:xfrm>
+          <a:prstGeom prst="rect">
+            <a:avLst/>
+          </a:prstGeom>
+        </p:spPr>
+      </p:pic>
+      <p:cxnSp>
+        <p:nvCxnSpPr>
+          <p:cNvPr id="53" name="Gerade Verbindung mit Pfeil 52">
+            <a:extLst>
+              <a:ext uri="{FF2B5EF4-FFF2-40B4-BE49-F238E27FC236}">
+                <a16:creationId xmlns:a16="http://schemas.microsoft.com/office/drawing/2014/main" id="{D779B805-56BC-7A5A-76DC-252DFE5CB578}"/>
+              </a:ext>
+            </a:extLst>
+          </p:cNvPr>
+          <p:cNvCxnSpPr>
+            <a:cxnSpLocks/>
+          </p:cNvCxnSpPr>
+          <p:nvPr/>
+        </p:nvCxnSpPr>
+        <p:spPr>
+          <a:xfrm flipH="1">
+            <a:off x="6433185" y="4079953"/>
+            <a:ext cx="664491" cy="0"/>
+          </a:xfrm>
+          <a:prstGeom prst="straightConnector1">
+            <a:avLst/>
+          </a:prstGeom>
+          <a:ln w="25400">
+            <a:solidFill>
+              <a:schemeClr val="tx1">
+                <a:lumMod val="50000"/>
+                <a:lumOff val="50000"/>
+              </a:schemeClr>
+            </a:solidFill>
+            <a:tailEnd type="triangle"/>
+          </a:ln>
+        </p:spPr>
+        <p:style>
+          <a:lnRef idx="1">
+            <a:schemeClr val="accent1"/>
+          </a:lnRef>
+          <a:fillRef idx="0">
+            <a:schemeClr val="accent1"/>
+          </a:fillRef>
+          <a:effectRef idx="0">
+            <a:schemeClr val="accent1"/>
+          </a:effectRef>
+          <a:fontRef idx="minor">
+            <a:schemeClr val="tx1"/>
+          </a:fontRef>
+        </p:style>
+      </p:cxnSp>
+      <p:cxnSp>
+        <p:nvCxnSpPr>
+          <p:cNvPr id="66" name="Gerade Verbindung mit Pfeil 65">
+            <a:extLst>
+              <a:ext uri="{FF2B5EF4-FFF2-40B4-BE49-F238E27FC236}">
+                <a16:creationId xmlns:a16="http://schemas.microsoft.com/office/drawing/2014/main" id="{22549E35-FA37-2712-F2DA-0B7839635D2A}"/>
+              </a:ext>
+            </a:extLst>
+          </p:cNvPr>
+          <p:cNvCxnSpPr>
+            <a:cxnSpLocks/>
+          </p:cNvCxnSpPr>
+          <p:nvPr/>
+        </p:nvCxnSpPr>
+        <p:spPr>
+          <a:xfrm>
+            <a:off x="9699378" y="1521180"/>
+            <a:ext cx="0" cy="383820"/>
+          </a:xfrm>
+          <a:prstGeom prst="straightConnector1">
+            <a:avLst/>
+          </a:prstGeom>
+          <a:ln w="25400">
+            <a:solidFill>
+              <a:srgbClr val="00B050"/>
+            </a:solidFill>
+            <a:tailEnd type="triangle"/>
+          </a:ln>
+        </p:spPr>
+        <p:style>
+          <a:lnRef idx="1">
+            <a:schemeClr val="accent1"/>
+          </a:lnRef>
+          <a:fillRef idx="0">
+            <a:schemeClr val="accent1"/>
+          </a:fillRef>
+          <a:effectRef idx="0">
+            <a:schemeClr val="accent1"/>
+          </a:effectRef>
+          <a:fontRef idx="minor">
+            <a:schemeClr val="tx1"/>
+          </a:fontRef>
+        </p:style>
+      </p:cxnSp>
+      <p:cxnSp>
+        <p:nvCxnSpPr>
+          <p:cNvPr id="57" name="Gerade Verbindung mit Pfeil 56">
+            <a:extLst>
+              <a:ext uri="{FF2B5EF4-FFF2-40B4-BE49-F238E27FC236}">
+                <a16:creationId xmlns:a16="http://schemas.microsoft.com/office/drawing/2014/main" id="{0F1FD41D-202E-93A9-1D14-47C85448C805}"/>
+              </a:ext>
+            </a:extLst>
+          </p:cNvPr>
+          <p:cNvCxnSpPr>
+            <a:cxnSpLocks/>
+          </p:cNvCxnSpPr>
+          <p:nvPr/>
+        </p:nvCxnSpPr>
+        <p:spPr>
+          <a:xfrm flipH="1">
+            <a:off x="7900910" y="4117756"/>
+            <a:ext cx="552514" cy="0"/>
+          </a:xfrm>
+          <a:prstGeom prst="straightConnector1">
+            <a:avLst/>
+          </a:prstGeom>
+          <a:ln w="25400">
+            <a:solidFill>
+              <a:schemeClr val="tx1">
+                <a:lumMod val="50000"/>
+                <a:lumOff val="50000"/>
+              </a:schemeClr>
+            </a:solidFill>
+            <a:tailEnd type="triangle"/>
+          </a:ln>
+        </p:spPr>
+        <p:style>
+          <a:lnRef idx="1">
+            <a:schemeClr val="accent1"/>
+          </a:lnRef>
+          <a:fillRef idx="0">
+            <a:schemeClr val="accent1"/>
+          </a:fillRef>
+          <a:effectRef idx="0">
+            <a:schemeClr val="accent1"/>
+          </a:effectRef>
+          <a:fontRef idx="minor">
+            <a:schemeClr val="tx1"/>
+          </a:fontRef>
+        </p:style>
+      </p:cxnSp>
+      <p:sp>
+        <p:nvSpPr>
+          <p:cNvPr id="6" name="Parallelogramm 5">
+            <a:extLst>
+              <a:ext uri="{FF2B5EF4-FFF2-40B4-BE49-F238E27FC236}">
+                <a16:creationId xmlns:a16="http://schemas.microsoft.com/office/drawing/2014/main" id="{5C627011-C59F-3DAD-5BA1-294689447A57}"/>
+              </a:ext>
+            </a:extLst>
+          </p:cNvPr>
+          <p:cNvSpPr/>
+          <p:nvPr/>
+        </p:nvSpPr>
+        <p:spPr>
+          <a:xfrm>
+            <a:off x="8453425" y="1184617"/>
+            <a:ext cx="2683379" cy="504202"/>
+          </a:xfrm>
+          <a:prstGeom prst="parallelogram">
+            <a:avLst>
+              <a:gd name="adj" fmla="val 122835"/>
+            </a:avLst>
+          </a:prstGeom>
+          <a:blipFill>
+            <a:blip r:embed="rId17"/>
+            <a:stretch>
+              <a:fillRect/>
+            </a:stretch>
+          </a:blipFill>
+          <a:ln>
+            <a:solidFill>
+              <a:schemeClr val="bg1">
+                <a:lumMod val="65000"/>
+              </a:schemeClr>
+            </a:solidFill>
+          </a:ln>
+        </p:spPr>
+        <p:style>
+          <a:lnRef idx="2">
+            <a:schemeClr val="accent1">
+              <a:shade val="50000"/>
+            </a:schemeClr>
+          </a:lnRef>
+          <a:fillRef idx="1">
+            <a:schemeClr val="accent1"/>
+          </a:fillRef>
+          <a:effectRef idx="0">
+            <a:schemeClr val="accent1"/>
+          </a:effectRef>
+          <a:fontRef idx="minor">
+            <a:schemeClr val="lt1"/>
+          </a:fontRef>
+        </p:style>
+        <p:txBody>
+          <a:bodyPr rtlCol="0" anchor="ctr"/>
+          <a:lstStyle/>
+          <a:p>
+            <a:pPr algn="ctr"/>
+            <a:endParaRPr lang="de-DE" dirty="0"/>
+          </a:p>
+        </p:txBody>
+      </p:sp>
+      <p:pic>
+        <p:nvPicPr>
+          <p:cNvPr id="75" name="Grafik 74" descr="Wiederholen mit einfarbiger Füllung">
+            <a:extLst>
+              <a:ext uri="{FF2B5EF4-FFF2-40B4-BE49-F238E27FC236}">
+                <a16:creationId xmlns:a16="http://schemas.microsoft.com/office/drawing/2014/main" id="{E2E1946B-6895-687C-6215-1B1AD54EF4AA}"/>
+              </a:ext>
+            </a:extLst>
+          </p:cNvPr>
+          <p:cNvPicPr>
+            <a:picLocks noChangeAspect="1"/>
+          </p:cNvPicPr>
+          <p:nvPr/>
+        </p:nvPicPr>
+        <p:blipFill>
+          <a:blip r:embed="rId18">
+            <a:extLst>
+              <a:ext uri="{28A0092B-C50C-407E-A947-70E740481C1C}">
+                <a14:useLocalDpi xmlns:a14="http://schemas.microsoft.com/office/drawing/2010/main" val="0"/>
+              </a:ext>
+              <a:ext uri="{96DAC541-7B7A-43D3-8B79-37D633B846F1}">
+                <asvg:svgBlip xmlns:asvg="http://schemas.microsoft.com/office/drawing/2016/SVG/main" r:embed="rId19"/>
+              </a:ext>
+            </a:extLst>
+          </a:blip>
+          <a:stretch>
+            <a:fillRect/>
+          </a:stretch>
+        </p:blipFill>
+        <p:spPr>
+          <a:xfrm>
+            <a:off x="9802239" y="3352800"/>
+            <a:ext cx="320829" cy="338941"/>
+          </a:xfrm>
+          <a:prstGeom prst="rect">
+            <a:avLst/>
+          </a:prstGeom>
+        </p:spPr>
+      </p:pic>
+      <p:sp>
+        <p:nvSpPr>
+          <p:cNvPr id="76" name="Textfeld 75">
+            <a:extLst>
+              <a:ext uri="{FF2B5EF4-FFF2-40B4-BE49-F238E27FC236}">
+                <a16:creationId xmlns:a16="http://schemas.microsoft.com/office/drawing/2014/main" id="{4AFBF8B8-1395-61E8-0AE7-6513C45E8BB0}"/>
+              </a:ext>
+            </a:extLst>
+          </p:cNvPr>
+          <p:cNvSpPr txBox="1"/>
+          <p:nvPr/>
+        </p:nvSpPr>
+        <p:spPr>
+          <a:xfrm>
+            <a:off x="7119585" y="3184758"/>
+            <a:ext cx="853247" cy="276999"/>
+          </a:xfrm>
+          <a:prstGeom prst="rect">
+            <a:avLst/>
+          </a:prstGeom>
+          <a:noFill/>
+        </p:spPr>
+        <p:txBody>
+          <a:bodyPr wrap="none" rtlCol="0">
+            <a:spAutoFit/>
+          </a:bodyPr>
+          <a:lstStyle/>
+          <a:p>
+            <a:r>
+              <a:rPr lang="de-DE" sz="1200" dirty="0">
+                <a:solidFill>
+                  <a:srgbClr val="FF0000"/>
+                </a:solidFill>
+              </a:rPr>
+              <a:t>GPS-Daten</a:t>
+            </a:r>
+          </a:p>
+        </p:txBody>
+      </p:sp>
+      <p:sp>
+        <p:nvSpPr>
+          <p:cNvPr id="77" name="Textfeld 76">
+            <a:extLst>
+              <a:ext uri="{FF2B5EF4-FFF2-40B4-BE49-F238E27FC236}">
+                <a16:creationId xmlns:a16="http://schemas.microsoft.com/office/drawing/2014/main" id="{EC433228-D43F-7480-DBC7-BD073946BA74}"/>
+              </a:ext>
+            </a:extLst>
+          </p:cNvPr>
+          <p:cNvSpPr txBox="1"/>
+          <p:nvPr/>
+        </p:nvSpPr>
+        <p:spPr>
+          <a:xfrm>
+            <a:off x="7327257" y="4521404"/>
+            <a:ext cx="380232" cy="276999"/>
+          </a:xfrm>
+          <a:prstGeom prst="rect">
+            <a:avLst/>
+          </a:prstGeom>
+          <a:noFill/>
+        </p:spPr>
+        <p:txBody>
+          <a:bodyPr wrap="none" rtlCol="0">
+            <a:spAutoFit/>
+          </a:bodyPr>
+          <a:lstStyle/>
+          <a:p>
+            <a:r>
+              <a:rPr lang="de-DE" sz="1200" dirty="0">
+                <a:solidFill>
+                  <a:schemeClr val="accent1">
+                    <a:lumMod val="50000"/>
+                  </a:schemeClr>
+                </a:solidFill>
+              </a:rPr>
+              <a:t>ML</a:t>
+            </a:r>
+          </a:p>
+        </p:txBody>
+      </p:sp>
+      <p:sp>
+        <p:nvSpPr>
+          <p:cNvPr id="78" name="Textfeld 77">
+            <a:extLst>
+              <a:ext uri="{FF2B5EF4-FFF2-40B4-BE49-F238E27FC236}">
+                <a16:creationId xmlns:a16="http://schemas.microsoft.com/office/drawing/2014/main" id="{260DDAAF-B932-C80E-CBB0-DD01E8B73F9A}"/>
+              </a:ext>
+            </a:extLst>
+          </p:cNvPr>
+          <p:cNvSpPr txBox="1"/>
+          <p:nvPr/>
+        </p:nvSpPr>
+        <p:spPr>
+          <a:xfrm>
+            <a:off x="5713218" y="4516222"/>
+            <a:ext cx="447623" cy="276999"/>
+          </a:xfrm>
+          <a:prstGeom prst="rect">
+            <a:avLst/>
+          </a:prstGeom>
+          <a:noFill/>
+        </p:spPr>
+        <p:txBody>
+          <a:bodyPr wrap="none" rtlCol="0">
+            <a:spAutoFit/>
+          </a:bodyPr>
+          <a:lstStyle/>
+          <a:p>
+            <a:r>
+              <a:rPr lang="de-DE" sz="1200" dirty="0">
+                <a:solidFill>
+                  <a:schemeClr val="accent1">
+                    <a:lumMod val="50000"/>
+                  </a:schemeClr>
+                </a:solidFill>
+              </a:rPr>
+              <a:t>ITCS</a:t>
+            </a:r>
+          </a:p>
+        </p:txBody>
+      </p:sp>
+      <p:sp>
+        <p:nvSpPr>
+          <p:cNvPr id="79" name="Textfeld 78">
+            <a:extLst>
+              <a:ext uri="{FF2B5EF4-FFF2-40B4-BE49-F238E27FC236}">
+                <a16:creationId xmlns:a16="http://schemas.microsoft.com/office/drawing/2014/main" id="{88E12DC7-67ED-71AF-DB30-509065CED675}"/>
+              </a:ext>
+            </a:extLst>
+          </p:cNvPr>
+          <p:cNvSpPr txBox="1"/>
+          <p:nvPr/>
+        </p:nvSpPr>
+        <p:spPr>
+          <a:xfrm>
+            <a:off x="3826632" y="4506164"/>
+            <a:ext cx="1055866" cy="276999"/>
+          </a:xfrm>
+          <a:prstGeom prst="rect">
+            <a:avLst/>
+          </a:prstGeom>
+          <a:noFill/>
+        </p:spPr>
+        <p:txBody>
+          <a:bodyPr wrap="none" rtlCol="0">
+            <a:spAutoFit/>
+          </a:bodyPr>
+          <a:lstStyle/>
+          <a:p>
+            <a:r>
+              <a:rPr lang="de-DE" sz="1200" dirty="0">
+                <a:solidFill>
+                  <a:schemeClr val="accent1">
+                    <a:lumMod val="50000"/>
+                  </a:schemeClr>
+                </a:solidFill>
+              </a:rPr>
+              <a:t>ÖPNV-Betrieb</a:t>
+            </a:r>
+          </a:p>
+        </p:txBody>
+      </p:sp>
+      <p:sp>
+        <p:nvSpPr>
+          <p:cNvPr id="80" name="Textfeld 79">
+            <a:extLst>
+              <a:ext uri="{FF2B5EF4-FFF2-40B4-BE49-F238E27FC236}">
+                <a16:creationId xmlns:a16="http://schemas.microsoft.com/office/drawing/2014/main" id="{427B0C5D-1F5E-665D-B869-0ECBD7795D9F}"/>
+              </a:ext>
+            </a:extLst>
+          </p:cNvPr>
+          <p:cNvSpPr txBox="1"/>
+          <p:nvPr/>
+        </p:nvSpPr>
+        <p:spPr>
+          <a:xfrm>
+            <a:off x="9088219" y="4527262"/>
+            <a:ext cx="1232325" cy="276999"/>
+          </a:xfrm>
+          <a:prstGeom prst="rect">
+            <a:avLst/>
+          </a:prstGeom>
+          <a:noFill/>
+        </p:spPr>
+        <p:txBody>
+          <a:bodyPr wrap="none" rtlCol="0">
+            <a:spAutoFit/>
+          </a:bodyPr>
+          <a:lstStyle/>
+          <a:p>
+            <a:r>
+              <a:rPr lang="de-DE" sz="1200" dirty="0">
+                <a:solidFill>
+                  <a:srgbClr val="00B050"/>
+                </a:solidFill>
+              </a:rPr>
+              <a:t>Routingnetz ITCS</a:t>
+            </a:r>
+          </a:p>
+        </p:txBody>
+      </p:sp>
+    </p:spTree>
+    <p:extLst>
+      <p:ext uri="{BB962C8B-B14F-4D97-AF65-F5344CB8AC3E}">
+        <p14:creationId xmlns:p14="http://schemas.microsoft.com/office/powerpoint/2010/main" val="962717733"/>
+      </p:ext>
+    </p:extLst>
+  </p:cSld>
+  <p:clrMapOvr>
+    <a:masterClrMapping/>
+  </p:clrMapOvr>
+</p:sld>
+</file>
+
+<file path=ppt/slides/slide3.xml><?xml version="1.0" encoding="utf-8"?>
+<p:sld xmlns:a="http://schemas.openxmlformats.org/drawingml/2006/main" xmlns:r="http://schemas.openxmlformats.org/officeDocument/2006/relationships" xmlns:p="http://schemas.openxmlformats.org/presentationml/2006/main">
+  <p:cSld>
+    <p:spTree>
+      <p:nvGrpSpPr>
+        <p:cNvPr id="1" name=""/>
+        <p:cNvGrpSpPr/>
+        <p:nvPr/>
+      </p:nvGrpSpPr>
+      <p:grpSpPr>
+        <a:xfrm>
+          <a:off x="0" y="0"/>
+          <a:ext cx="0" cy="0"/>
+          <a:chOff x="0" y="0"/>
+          <a:chExt cx="0" cy="0"/>
+        </a:xfrm>
+      </p:grpSpPr>
       <p:sp>
         <p:nvSpPr>
           <p:cNvPr id="2" name="Textfeld 1">
@@ -11816,7 +15744,7 @@
 </p:sld>
 </file>
 
-<file path=ppt/slides/slide3.xml><?xml version="1.0" encoding="utf-8"?>
+<file path=ppt/slides/slide4.xml><?xml version="1.0" encoding="utf-8"?>
 <p:sld xmlns:a="http://schemas.openxmlformats.org/drawingml/2006/main" xmlns:r="http://schemas.openxmlformats.org/officeDocument/2006/relationships" xmlns:p="http://schemas.openxmlformats.org/presentationml/2006/main">
   <p:cSld>
     <p:spTree>
@@ -12257,7 +16185,7 @@
 </p:sld>
 </file>
 
-<file path=ppt/slides/slide4.xml><?xml version="1.0" encoding="utf-8"?>
+<file path=ppt/slides/slide5.xml><?xml version="1.0" encoding="utf-8"?>
 <p:sld xmlns:a="http://schemas.openxmlformats.org/drawingml/2006/main" xmlns:r="http://schemas.openxmlformats.org/officeDocument/2006/relationships" xmlns:p="http://schemas.openxmlformats.org/presentationml/2006/main">
   <p:cSld>
     <p:spTree>
@@ -12761,7 +16689,7 @@
 </p:sld>
 </file>
 
-<file path=ppt/slides/slide5.xml><?xml version="1.0" encoding="utf-8"?>
+<file path=ppt/slides/slide6.xml><?xml version="1.0" encoding="utf-8"?>
 <p:sld xmlns:a="http://schemas.openxmlformats.org/drawingml/2006/main" xmlns:r="http://schemas.openxmlformats.org/officeDocument/2006/relationships" xmlns:p="http://schemas.openxmlformats.org/presentationml/2006/main">
   <p:cSld>
     <p:spTree>
@@ -13645,7 +17573,7 @@
 </p:sld>
 </file>
 
-<file path=ppt/slides/slide6.xml><?xml version="1.0" encoding="utf-8"?>
+<file path=ppt/slides/slide7.xml><?xml version="1.0" encoding="utf-8"?>
 <p:sld xmlns:a="http://schemas.openxmlformats.org/drawingml/2006/main" xmlns:r="http://schemas.openxmlformats.org/officeDocument/2006/relationships" xmlns:p="http://schemas.openxmlformats.org/presentationml/2006/main">
   <p:cSld>
     <p:spTree>
@@ -15936,7 +19864,7 @@
 </p:sld>
 </file>
 
-<file path=ppt/slides/slide7.xml><?xml version="1.0" encoding="utf-8"?>
+<file path=ppt/slides/slide8.xml><?xml version="1.0" encoding="utf-8"?>
 <p:sld xmlns:a="http://schemas.openxmlformats.org/drawingml/2006/main" xmlns:r="http://schemas.openxmlformats.org/officeDocument/2006/relationships" xmlns:p="http://schemas.openxmlformats.org/presentationml/2006/main">
   <p:cSld>
     <p:spTree>
@@ -22822,7 +26750,7 @@
 </p:sld>
 </file>
 
-<file path=ppt/slides/slide8.xml><?xml version="1.0" encoding="utf-8"?>
+<file path=ppt/slides/slide9.xml><?xml version="1.0" encoding="utf-8"?>
 <p:sld xmlns:a="http://schemas.openxmlformats.org/drawingml/2006/main" xmlns:r="http://schemas.openxmlformats.org/officeDocument/2006/relationships" xmlns:p="http://schemas.openxmlformats.org/presentationml/2006/main">
   <p:cSld>
     <p:spTree>
@@ -25595,2292 +29523,6 @@
 </p:sld>
 </file>
 
-<file path=ppt/slides/slide9.xml><?xml version="1.0" encoding="utf-8"?>
-<p:sld xmlns:a="http://schemas.openxmlformats.org/drawingml/2006/main" xmlns:r="http://schemas.openxmlformats.org/officeDocument/2006/relationships" xmlns:p="http://schemas.openxmlformats.org/presentationml/2006/main">
-  <p:cSld>
-    <p:spTree>
-      <p:nvGrpSpPr>
-        <p:cNvPr id="1" name=""/>
-        <p:cNvGrpSpPr/>
-        <p:nvPr/>
-      </p:nvGrpSpPr>
-      <p:grpSpPr>
-        <a:xfrm>
-          <a:off x="0" y="0"/>
-          <a:ext cx="0" cy="0"/>
-          <a:chOff x="0" y="0"/>
-          <a:chExt cx="0" cy="0"/>
-        </a:xfrm>
-      </p:grpSpPr>
-      <p:sp>
-        <p:nvSpPr>
-          <p:cNvPr id="2" name="Ellipse 1">
-            <a:extLst>
-              <a:ext uri="{FF2B5EF4-FFF2-40B4-BE49-F238E27FC236}">
-                <a16:creationId xmlns:a16="http://schemas.microsoft.com/office/drawing/2014/main" id="{43D31EF1-A7A8-CE44-E4D1-98CA124BC92C}"/>
-              </a:ext>
-            </a:extLst>
-          </p:cNvPr>
-          <p:cNvSpPr/>
-          <p:nvPr/>
-        </p:nvSpPr>
-        <p:spPr>
-          <a:xfrm>
-            <a:off x="3782943" y="1465244"/>
-            <a:ext cx="437321" cy="437321"/>
-          </a:xfrm>
-          <a:prstGeom prst="ellipse">
-            <a:avLst/>
-          </a:prstGeom>
-          <a:noFill/>
-          <a:ln w="25400"/>
-        </p:spPr>
-        <p:style>
-          <a:lnRef idx="2">
-            <a:schemeClr val="accent1">
-              <a:shade val="50000"/>
-            </a:schemeClr>
-          </a:lnRef>
-          <a:fillRef idx="1">
-            <a:schemeClr val="accent1"/>
-          </a:fillRef>
-          <a:effectRef idx="0">
-            <a:schemeClr val="accent1"/>
-          </a:effectRef>
-          <a:fontRef idx="minor">
-            <a:schemeClr val="lt1"/>
-          </a:fontRef>
-        </p:style>
-        <p:txBody>
-          <a:bodyPr rtlCol="0" anchor="ctr"/>
-          <a:lstStyle/>
-          <a:p>
-            <a:pPr algn="ctr"/>
-            <a:endParaRPr lang="de-DE"/>
-          </a:p>
-        </p:txBody>
-      </p:sp>
-      <p:sp>
-        <p:nvSpPr>
-          <p:cNvPr id="3" name="Ellipse 2">
-            <a:extLst>
-              <a:ext uri="{FF2B5EF4-FFF2-40B4-BE49-F238E27FC236}">
-                <a16:creationId xmlns:a16="http://schemas.microsoft.com/office/drawing/2014/main" id="{208C9F9F-CFF8-C6E1-9EF5-F02569011761}"/>
-              </a:ext>
-            </a:extLst>
-          </p:cNvPr>
-          <p:cNvSpPr/>
-          <p:nvPr/>
-        </p:nvSpPr>
-        <p:spPr>
-          <a:xfrm>
-            <a:off x="3782942" y="2112320"/>
-            <a:ext cx="437321" cy="437321"/>
-          </a:xfrm>
-          <a:prstGeom prst="ellipse">
-            <a:avLst/>
-          </a:prstGeom>
-          <a:noFill/>
-          <a:ln w="25400"/>
-        </p:spPr>
-        <p:style>
-          <a:lnRef idx="2">
-            <a:schemeClr val="accent1">
-              <a:shade val="50000"/>
-            </a:schemeClr>
-          </a:lnRef>
-          <a:fillRef idx="1">
-            <a:schemeClr val="accent1"/>
-          </a:fillRef>
-          <a:effectRef idx="0">
-            <a:schemeClr val="accent1"/>
-          </a:effectRef>
-          <a:fontRef idx="minor">
-            <a:schemeClr val="lt1"/>
-          </a:fontRef>
-        </p:style>
-        <p:txBody>
-          <a:bodyPr rtlCol="0" anchor="ctr"/>
-          <a:lstStyle/>
-          <a:p>
-            <a:pPr algn="ctr"/>
-            <a:endParaRPr lang="de-DE"/>
-          </a:p>
-        </p:txBody>
-      </p:sp>
-      <p:sp>
-        <p:nvSpPr>
-          <p:cNvPr id="4" name="Ellipse 3">
-            <a:extLst>
-              <a:ext uri="{FF2B5EF4-FFF2-40B4-BE49-F238E27FC236}">
-                <a16:creationId xmlns:a16="http://schemas.microsoft.com/office/drawing/2014/main" id="{07000F83-C671-1A8E-8359-8C7FCBA7988E}"/>
-              </a:ext>
-            </a:extLst>
-          </p:cNvPr>
-          <p:cNvSpPr/>
-          <p:nvPr/>
-        </p:nvSpPr>
-        <p:spPr>
-          <a:xfrm>
-            <a:off x="3782941" y="2759396"/>
-            <a:ext cx="437321" cy="437321"/>
-          </a:xfrm>
-          <a:prstGeom prst="ellipse">
-            <a:avLst/>
-          </a:prstGeom>
-          <a:noFill/>
-          <a:ln w="25400"/>
-        </p:spPr>
-        <p:style>
-          <a:lnRef idx="2">
-            <a:schemeClr val="accent1">
-              <a:shade val="50000"/>
-            </a:schemeClr>
-          </a:lnRef>
-          <a:fillRef idx="1">
-            <a:schemeClr val="accent1"/>
-          </a:fillRef>
-          <a:effectRef idx="0">
-            <a:schemeClr val="accent1"/>
-          </a:effectRef>
-          <a:fontRef idx="minor">
-            <a:schemeClr val="lt1"/>
-          </a:fontRef>
-        </p:style>
-        <p:txBody>
-          <a:bodyPr rtlCol="0" anchor="ctr"/>
-          <a:lstStyle/>
-          <a:p>
-            <a:pPr algn="ctr"/>
-            <a:endParaRPr lang="de-DE"/>
-          </a:p>
-        </p:txBody>
-      </p:sp>
-      <p:sp>
-        <p:nvSpPr>
-          <p:cNvPr id="5" name="Ellipse 4">
-            <a:extLst>
-              <a:ext uri="{FF2B5EF4-FFF2-40B4-BE49-F238E27FC236}">
-                <a16:creationId xmlns:a16="http://schemas.microsoft.com/office/drawing/2014/main" id="{42655230-3AEF-5FAF-2343-87BF3A2F8162}"/>
-              </a:ext>
-            </a:extLst>
-          </p:cNvPr>
-          <p:cNvSpPr/>
-          <p:nvPr/>
-        </p:nvSpPr>
-        <p:spPr>
-          <a:xfrm>
-            <a:off x="3782940" y="3406472"/>
-            <a:ext cx="437321" cy="437321"/>
-          </a:xfrm>
-          <a:prstGeom prst="ellipse">
-            <a:avLst/>
-          </a:prstGeom>
-          <a:noFill/>
-          <a:ln w="25400"/>
-        </p:spPr>
-        <p:style>
-          <a:lnRef idx="2">
-            <a:schemeClr val="accent1">
-              <a:shade val="50000"/>
-            </a:schemeClr>
-          </a:lnRef>
-          <a:fillRef idx="1">
-            <a:schemeClr val="accent1"/>
-          </a:fillRef>
-          <a:effectRef idx="0">
-            <a:schemeClr val="accent1"/>
-          </a:effectRef>
-          <a:fontRef idx="minor">
-            <a:schemeClr val="lt1"/>
-          </a:fontRef>
-        </p:style>
-        <p:txBody>
-          <a:bodyPr rtlCol="0" anchor="ctr"/>
-          <a:lstStyle/>
-          <a:p>
-            <a:pPr algn="ctr"/>
-            <a:endParaRPr lang="de-DE"/>
-          </a:p>
-        </p:txBody>
-      </p:sp>
-      <p:sp>
-        <p:nvSpPr>
-          <p:cNvPr id="6" name="Ellipse 5">
-            <a:extLst>
-              <a:ext uri="{FF2B5EF4-FFF2-40B4-BE49-F238E27FC236}">
-                <a16:creationId xmlns:a16="http://schemas.microsoft.com/office/drawing/2014/main" id="{488FCEC7-F0FC-5363-C19D-89FE6D0B82B3}"/>
-              </a:ext>
-            </a:extLst>
-          </p:cNvPr>
-          <p:cNvSpPr/>
-          <p:nvPr/>
-        </p:nvSpPr>
-        <p:spPr>
-          <a:xfrm>
-            <a:off x="3782939" y="4053548"/>
-            <a:ext cx="437321" cy="437321"/>
-          </a:xfrm>
-          <a:prstGeom prst="ellipse">
-            <a:avLst/>
-          </a:prstGeom>
-          <a:noFill/>
-          <a:ln w="25400"/>
-        </p:spPr>
-        <p:style>
-          <a:lnRef idx="2">
-            <a:schemeClr val="accent1">
-              <a:shade val="50000"/>
-            </a:schemeClr>
-          </a:lnRef>
-          <a:fillRef idx="1">
-            <a:schemeClr val="accent1"/>
-          </a:fillRef>
-          <a:effectRef idx="0">
-            <a:schemeClr val="accent1"/>
-          </a:effectRef>
-          <a:fontRef idx="minor">
-            <a:schemeClr val="lt1"/>
-          </a:fontRef>
-        </p:style>
-        <p:txBody>
-          <a:bodyPr rtlCol="0" anchor="ctr"/>
-          <a:lstStyle/>
-          <a:p>
-            <a:pPr algn="ctr"/>
-            <a:endParaRPr lang="de-DE"/>
-          </a:p>
-        </p:txBody>
-      </p:sp>
-      <p:sp>
-        <p:nvSpPr>
-          <p:cNvPr id="7" name="Ellipse 6">
-            <a:extLst>
-              <a:ext uri="{FF2B5EF4-FFF2-40B4-BE49-F238E27FC236}">
-                <a16:creationId xmlns:a16="http://schemas.microsoft.com/office/drawing/2014/main" id="{9F96E5D1-668D-7112-C9BB-3AE57162FAC1}"/>
-              </a:ext>
-            </a:extLst>
-          </p:cNvPr>
-          <p:cNvSpPr/>
-          <p:nvPr/>
-        </p:nvSpPr>
-        <p:spPr>
-          <a:xfrm>
-            <a:off x="3782938" y="4700624"/>
-            <a:ext cx="437321" cy="437321"/>
-          </a:xfrm>
-          <a:prstGeom prst="ellipse">
-            <a:avLst/>
-          </a:prstGeom>
-          <a:noFill/>
-          <a:ln w="25400"/>
-        </p:spPr>
-        <p:style>
-          <a:lnRef idx="2">
-            <a:schemeClr val="accent1">
-              <a:shade val="50000"/>
-            </a:schemeClr>
-          </a:lnRef>
-          <a:fillRef idx="1">
-            <a:schemeClr val="accent1"/>
-          </a:fillRef>
-          <a:effectRef idx="0">
-            <a:schemeClr val="accent1"/>
-          </a:effectRef>
-          <a:fontRef idx="minor">
-            <a:schemeClr val="lt1"/>
-          </a:fontRef>
-        </p:style>
-        <p:txBody>
-          <a:bodyPr rtlCol="0" anchor="ctr"/>
-          <a:lstStyle/>
-          <a:p>
-            <a:pPr algn="ctr"/>
-            <a:endParaRPr lang="de-DE"/>
-          </a:p>
-        </p:txBody>
-      </p:sp>
-      <p:cxnSp>
-        <p:nvCxnSpPr>
-          <p:cNvPr id="10" name="Gerader Verbinder 9">
-            <a:extLst>
-              <a:ext uri="{FF2B5EF4-FFF2-40B4-BE49-F238E27FC236}">
-                <a16:creationId xmlns:a16="http://schemas.microsoft.com/office/drawing/2014/main" id="{E52DDA27-E856-A5CC-A116-6196CA1D592A}"/>
-              </a:ext>
-            </a:extLst>
-          </p:cNvPr>
-          <p:cNvCxnSpPr/>
-          <p:nvPr/>
-        </p:nvCxnSpPr>
-        <p:spPr>
-          <a:xfrm>
-            <a:off x="5041900" y="1003300"/>
-            <a:ext cx="0" cy="4635500"/>
-          </a:xfrm>
-          <a:prstGeom prst="line">
-            <a:avLst/>
-          </a:prstGeom>
-          <a:ln w="25400">
-            <a:solidFill>
-              <a:schemeClr val="bg1">
-                <a:lumMod val="50000"/>
-              </a:schemeClr>
-            </a:solidFill>
-          </a:ln>
-        </p:spPr>
-        <p:style>
-          <a:lnRef idx="1">
-            <a:schemeClr val="accent1"/>
-          </a:lnRef>
-          <a:fillRef idx="0">
-            <a:schemeClr val="accent1"/>
-          </a:fillRef>
-          <a:effectRef idx="0">
-            <a:schemeClr val="accent1"/>
-          </a:effectRef>
-          <a:fontRef idx="minor">
-            <a:schemeClr val="tx1"/>
-          </a:fontRef>
-        </p:style>
-      </p:cxnSp>
-      <p:cxnSp>
-        <p:nvCxnSpPr>
-          <p:cNvPr id="11" name="Gerader Verbinder 10">
-            <a:extLst>
-              <a:ext uri="{FF2B5EF4-FFF2-40B4-BE49-F238E27FC236}">
-                <a16:creationId xmlns:a16="http://schemas.microsoft.com/office/drawing/2014/main" id="{1FCC6602-5810-FF32-BEFC-1B52A2B2900E}"/>
-              </a:ext>
-            </a:extLst>
-          </p:cNvPr>
-          <p:cNvCxnSpPr/>
-          <p:nvPr/>
-        </p:nvCxnSpPr>
-        <p:spPr>
-          <a:xfrm>
-            <a:off x="7543800" y="1003300"/>
-            <a:ext cx="0" cy="4635500"/>
-          </a:xfrm>
-          <a:prstGeom prst="line">
-            <a:avLst/>
-          </a:prstGeom>
-          <a:ln w="25400">
-            <a:solidFill>
-              <a:schemeClr val="bg1">
-                <a:lumMod val="50000"/>
-              </a:schemeClr>
-            </a:solidFill>
-          </a:ln>
-        </p:spPr>
-        <p:style>
-          <a:lnRef idx="1">
-            <a:schemeClr val="accent1"/>
-          </a:lnRef>
-          <a:fillRef idx="0">
-            <a:schemeClr val="accent1"/>
-          </a:fillRef>
-          <a:effectRef idx="0">
-            <a:schemeClr val="accent1"/>
-          </a:effectRef>
-          <a:fontRef idx="minor">
-            <a:schemeClr val="tx1"/>
-          </a:fontRef>
-        </p:style>
-      </p:cxnSp>
-      <p:sp>
-        <p:nvSpPr>
-          <p:cNvPr id="12" name="Ellipse 11">
-            <a:extLst>
-              <a:ext uri="{FF2B5EF4-FFF2-40B4-BE49-F238E27FC236}">
-                <a16:creationId xmlns:a16="http://schemas.microsoft.com/office/drawing/2014/main" id="{4DDE86C8-BFAE-1C63-5F54-A6126764ECF3}"/>
-              </a:ext>
-            </a:extLst>
-          </p:cNvPr>
-          <p:cNvSpPr/>
-          <p:nvPr/>
-        </p:nvSpPr>
-        <p:spPr>
-          <a:xfrm>
-            <a:off x="8325680" y="2430444"/>
-            <a:ext cx="437321" cy="437321"/>
-          </a:xfrm>
-          <a:prstGeom prst="ellipse">
-            <a:avLst/>
-          </a:prstGeom>
-          <a:noFill/>
-          <a:ln w="25400">
-            <a:solidFill>
-              <a:srgbClr val="FF0000"/>
-            </a:solidFill>
-          </a:ln>
-        </p:spPr>
-        <p:style>
-          <a:lnRef idx="2">
-            <a:schemeClr val="accent1">
-              <a:shade val="50000"/>
-            </a:schemeClr>
-          </a:lnRef>
-          <a:fillRef idx="1">
-            <a:schemeClr val="accent1"/>
-          </a:fillRef>
-          <a:effectRef idx="0">
-            <a:schemeClr val="accent1"/>
-          </a:effectRef>
-          <a:fontRef idx="minor">
-            <a:schemeClr val="lt1"/>
-          </a:fontRef>
-        </p:style>
-        <p:txBody>
-          <a:bodyPr rtlCol="0" anchor="ctr"/>
-          <a:lstStyle/>
-          <a:p>
-            <a:pPr algn="ctr"/>
-            <a:endParaRPr lang="de-DE"/>
-          </a:p>
-        </p:txBody>
-      </p:sp>
-      <p:sp>
-        <p:nvSpPr>
-          <p:cNvPr id="13" name="Ellipse 12">
-            <a:extLst>
-              <a:ext uri="{FF2B5EF4-FFF2-40B4-BE49-F238E27FC236}">
-                <a16:creationId xmlns:a16="http://schemas.microsoft.com/office/drawing/2014/main" id="{9B6813BF-27A0-6157-7604-BAF948DE8C61}"/>
-              </a:ext>
-            </a:extLst>
-          </p:cNvPr>
-          <p:cNvSpPr/>
-          <p:nvPr/>
-        </p:nvSpPr>
-        <p:spPr>
-          <a:xfrm>
-            <a:off x="8325679" y="3077520"/>
-            <a:ext cx="437321" cy="437321"/>
-          </a:xfrm>
-          <a:prstGeom prst="ellipse">
-            <a:avLst/>
-          </a:prstGeom>
-          <a:noFill/>
-          <a:ln w="25400">
-            <a:solidFill>
-              <a:srgbClr val="FF0000"/>
-            </a:solidFill>
-          </a:ln>
-        </p:spPr>
-        <p:style>
-          <a:lnRef idx="2">
-            <a:schemeClr val="accent1">
-              <a:shade val="50000"/>
-            </a:schemeClr>
-          </a:lnRef>
-          <a:fillRef idx="1">
-            <a:schemeClr val="accent1"/>
-          </a:fillRef>
-          <a:effectRef idx="0">
-            <a:schemeClr val="accent1"/>
-          </a:effectRef>
-          <a:fontRef idx="minor">
-            <a:schemeClr val="lt1"/>
-          </a:fontRef>
-        </p:style>
-        <p:txBody>
-          <a:bodyPr rtlCol="0" anchor="ctr"/>
-          <a:lstStyle/>
-          <a:p>
-            <a:pPr algn="ctr"/>
-            <a:endParaRPr lang="de-DE"/>
-          </a:p>
-        </p:txBody>
-      </p:sp>
-      <p:sp>
-        <p:nvSpPr>
-          <p:cNvPr id="14" name="Ellipse 13">
-            <a:extLst>
-              <a:ext uri="{FF2B5EF4-FFF2-40B4-BE49-F238E27FC236}">
-                <a16:creationId xmlns:a16="http://schemas.microsoft.com/office/drawing/2014/main" id="{21E5FCB5-FDC8-C859-8B14-7BEFB716FD68}"/>
-              </a:ext>
-            </a:extLst>
-          </p:cNvPr>
-          <p:cNvSpPr/>
-          <p:nvPr/>
-        </p:nvSpPr>
-        <p:spPr>
-          <a:xfrm>
-            <a:off x="8325678" y="3724596"/>
-            <a:ext cx="437321" cy="437321"/>
-          </a:xfrm>
-          <a:prstGeom prst="ellipse">
-            <a:avLst/>
-          </a:prstGeom>
-          <a:noFill/>
-          <a:ln w="25400">
-            <a:solidFill>
-              <a:srgbClr val="FF0000"/>
-            </a:solidFill>
-          </a:ln>
-        </p:spPr>
-        <p:style>
-          <a:lnRef idx="2">
-            <a:schemeClr val="accent1">
-              <a:shade val="50000"/>
-            </a:schemeClr>
-          </a:lnRef>
-          <a:fillRef idx="1">
-            <a:schemeClr val="accent1"/>
-          </a:fillRef>
-          <a:effectRef idx="0">
-            <a:schemeClr val="accent1"/>
-          </a:effectRef>
-          <a:fontRef idx="minor">
-            <a:schemeClr val="lt1"/>
-          </a:fontRef>
-        </p:style>
-        <p:txBody>
-          <a:bodyPr rtlCol="0" anchor="ctr"/>
-          <a:lstStyle/>
-          <a:p>
-            <a:pPr algn="ctr"/>
-            <a:endParaRPr lang="de-DE"/>
-          </a:p>
-        </p:txBody>
-      </p:sp>
-      <p:sp>
-        <p:nvSpPr>
-          <p:cNvPr id="18" name="Textfeld 17">
-            <a:extLst>
-              <a:ext uri="{FF2B5EF4-FFF2-40B4-BE49-F238E27FC236}">
-                <a16:creationId xmlns:a16="http://schemas.microsoft.com/office/drawing/2014/main" id="{F78E796E-51EC-89E0-63E2-29C526F5C5E2}"/>
-              </a:ext>
-            </a:extLst>
-          </p:cNvPr>
-          <p:cNvSpPr txBox="1"/>
-          <p:nvPr/>
-        </p:nvSpPr>
-        <p:spPr>
-          <a:xfrm>
-            <a:off x="3169479" y="423747"/>
-            <a:ext cx="1664238" cy="369332"/>
-          </a:xfrm>
-          <a:prstGeom prst="rect">
-            <a:avLst/>
-          </a:prstGeom>
-          <a:noFill/>
-        </p:spPr>
-        <p:txBody>
-          <a:bodyPr wrap="none" rtlCol="0">
-            <a:spAutoFit/>
-          </a:bodyPr>
-          <a:lstStyle/>
-          <a:p>
-            <a:r>
-              <a:rPr lang="de-DE" dirty="0"/>
-              <a:t>Eingangsschicht</a:t>
-            </a:r>
-          </a:p>
-        </p:txBody>
-      </p:sp>
-      <p:sp>
-        <p:nvSpPr>
-          <p:cNvPr id="19" name="Textfeld 18">
-            <a:extLst>
-              <a:ext uri="{FF2B5EF4-FFF2-40B4-BE49-F238E27FC236}">
-                <a16:creationId xmlns:a16="http://schemas.microsoft.com/office/drawing/2014/main" id="{9B5428E4-F767-E5BE-AECA-5C3974203DAE}"/>
-              </a:ext>
-            </a:extLst>
-          </p:cNvPr>
-          <p:cNvSpPr txBox="1"/>
-          <p:nvPr/>
-        </p:nvSpPr>
-        <p:spPr>
-          <a:xfrm>
-            <a:off x="5272906" y="423747"/>
-            <a:ext cx="2085379" cy="369332"/>
-          </a:xfrm>
-          <a:prstGeom prst="rect">
-            <a:avLst/>
-          </a:prstGeom>
-          <a:noFill/>
-        </p:spPr>
-        <p:txBody>
-          <a:bodyPr wrap="none" rtlCol="0">
-            <a:spAutoFit/>
-          </a:bodyPr>
-          <a:lstStyle/>
-          <a:p>
-            <a:r>
-              <a:rPr lang="de-DE" dirty="0"/>
-              <a:t>Verdeckte Schichten</a:t>
-            </a:r>
-          </a:p>
-        </p:txBody>
-      </p:sp>
-      <p:sp>
-        <p:nvSpPr>
-          <p:cNvPr id="20" name="Textfeld 19">
-            <a:extLst>
-              <a:ext uri="{FF2B5EF4-FFF2-40B4-BE49-F238E27FC236}">
-                <a16:creationId xmlns:a16="http://schemas.microsoft.com/office/drawing/2014/main" id="{06CF10B8-8422-45FE-4061-6B40FB66558F}"/>
-              </a:ext>
-            </a:extLst>
-          </p:cNvPr>
-          <p:cNvSpPr txBox="1"/>
-          <p:nvPr/>
-        </p:nvSpPr>
-        <p:spPr>
-          <a:xfrm>
-            <a:off x="7683365" y="423747"/>
-            <a:ext cx="1721946" cy="369332"/>
-          </a:xfrm>
-          <a:prstGeom prst="rect">
-            <a:avLst/>
-          </a:prstGeom>
-          <a:noFill/>
-        </p:spPr>
-        <p:txBody>
-          <a:bodyPr wrap="none" rtlCol="0">
-            <a:spAutoFit/>
-          </a:bodyPr>
-          <a:lstStyle/>
-          <a:p>
-            <a:r>
-              <a:rPr lang="de-DE" dirty="0"/>
-              <a:t>Ausgangsschicht</a:t>
-            </a:r>
-          </a:p>
-        </p:txBody>
-      </p:sp>
-      <p:sp>
-        <p:nvSpPr>
-          <p:cNvPr id="21" name="Textfeld 20">
-            <a:extLst>
-              <a:ext uri="{FF2B5EF4-FFF2-40B4-BE49-F238E27FC236}">
-                <a16:creationId xmlns:a16="http://schemas.microsoft.com/office/drawing/2014/main" id="{8CE8CE38-3737-06A9-DA4E-A11E31274F7C}"/>
-              </a:ext>
-            </a:extLst>
-          </p:cNvPr>
-          <p:cNvSpPr txBox="1"/>
-          <p:nvPr/>
-        </p:nvSpPr>
-        <p:spPr>
-          <a:xfrm>
-            <a:off x="2743958" y="3085068"/>
-            <a:ext cx="452368" cy="369332"/>
-          </a:xfrm>
-          <a:prstGeom prst="rect">
-            <a:avLst/>
-          </a:prstGeom>
-          <a:noFill/>
-        </p:spPr>
-        <p:txBody>
-          <a:bodyPr wrap="none" rtlCol="0">
-            <a:spAutoFit/>
-          </a:bodyPr>
-          <a:lstStyle/>
-          <a:p>
-            <a:r>
-              <a:rPr lang="de-DE" dirty="0"/>
-              <a:t>x =</a:t>
-            </a:r>
-          </a:p>
-        </p:txBody>
-      </p:sp>
-      <p:sp>
-        <p:nvSpPr>
-          <p:cNvPr id="23" name="Textfeld 22">
-            <a:extLst>
-              <a:ext uri="{FF2B5EF4-FFF2-40B4-BE49-F238E27FC236}">
-                <a16:creationId xmlns:a16="http://schemas.microsoft.com/office/drawing/2014/main" id="{5CD6533E-8FC4-7293-B8E4-735C325EF117}"/>
-              </a:ext>
-            </a:extLst>
-          </p:cNvPr>
-          <p:cNvSpPr txBox="1"/>
-          <p:nvPr/>
-        </p:nvSpPr>
-        <p:spPr>
-          <a:xfrm>
-            <a:off x="3850755" y="1499239"/>
-            <a:ext cx="301686" cy="369332"/>
-          </a:xfrm>
-          <a:prstGeom prst="rect">
-            <a:avLst/>
-          </a:prstGeom>
-          <a:noFill/>
-        </p:spPr>
-        <p:txBody>
-          <a:bodyPr wrap="none" rtlCol="0">
-            <a:spAutoFit/>
-          </a:bodyPr>
-          <a:lstStyle/>
-          <a:p>
-            <a:r>
-              <a:rPr lang="de-DE" dirty="0"/>
-              <a:t>0</a:t>
-            </a:r>
-          </a:p>
-        </p:txBody>
-      </p:sp>
-      <p:sp>
-        <p:nvSpPr>
-          <p:cNvPr id="24" name="Textfeld 23">
-            <a:extLst>
-              <a:ext uri="{FF2B5EF4-FFF2-40B4-BE49-F238E27FC236}">
-                <a16:creationId xmlns:a16="http://schemas.microsoft.com/office/drawing/2014/main" id="{73BEC2FD-6BBF-8DE9-E731-852A3EC82F3D}"/>
-              </a:ext>
-            </a:extLst>
-          </p:cNvPr>
-          <p:cNvSpPr txBox="1"/>
-          <p:nvPr/>
-        </p:nvSpPr>
-        <p:spPr>
-          <a:xfrm>
-            <a:off x="3850755" y="2138562"/>
-            <a:ext cx="301686" cy="369332"/>
-          </a:xfrm>
-          <a:prstGeom prst="rect">
-            <a:avLst/>
-          </a:prstGeom>
-          <a:noFill/>
-        </p:spPr>
-        <p:txBody>
-          <a:bodyPr wrap="none" rtlCol="0">
-            <a:spAutoFit/>
-          </a:bodyPr>
-          <a:lstStyle/>
-          <a:p>
-            <a:r>
-              <a:rPr lang="de-DE" dirty="0"/>
-              <a:t>1</a:t>
-            </a:r>
-          </a:p>
-        </p:txBody>
-      </p:sp>
-      <p:sp>
-        <p:nvSpPr>
-          <p:cNvPr id="25" name="Textfeld 24">
-            <a:extLst>
-              <a:ext uri="{FF2B5EF4-FFF2-40B4-BE49-F238E27FC236}">
-                <a16:creationId xmlns:a16="http://schemas.microsoft.com/office/drawing/2014/main" id="{52C80B45-2C8D-982B-1933-20702D093052}"/>
-              </a:ext>
-            </a:extLst>
-          </p:cNvPr>
-          <p:cNvSpPr txBox="1"/>
-          <p:nvPr/>
-        </p:nvSpPr>
-        <p:spPr>
-          <a:xfrm>
-            <a:off x="3850755" y="2779600"/>
-            <a:ext cx="301686" cy="369332"/>
-          </a:xfrm>
-          <a:prstGeom prst="rect">
-            <a:avLst/>
-          </a:prstGeom>
-          <a:noFill/>
-        </p:spPr>
-        <p:txBody>
-          <a:bodyPr wrap="none" rtlCol="0">
-            <a:spAutoFit/>
-          </a:bodyPr>
-          <a:lstStyle/>
-          <a:p>
-            <a:r>
-              <a:rPr lang="de-DE" dirty="0"/>
-              <a:t>0</a:t>
-            </a:r>
-          </a:p>
-        </p:txBody>
-      </p:sp>
-      <p:sp>
-        <p:nvSpPr>
-          <p:cNvPr id="26" name="Textfeld 25">
-            <a:extLst>
-              <a:ext uri="{FF2B5EF4-FFF2-40B4-BE49-F238E27FC236}">
-                <a16:creationId xmlns:a16="http://schemas.microsoft.com/office/drawing/2014/main" id="{A87EE64F-71AB-DC28-95C9-41879D7110DC}"/>
-              </a:ext>
-            </a:extLst>
-          </p:cNvPr>
-          <p:cNvSpPr txBox="1"/>
-          <p:nvPr/>
-        </p:nvSpPr>
-        <p:spPr>
-          <a:xfrm>
-            <a:off x="3850296" y="3429000"/>
-            <a:ext cx="301686" cy="369332"/>
-          </a:xfrm>
-          <a:prstGeom prst="rect">
-            <a:avLst/>
-          </a:prstGeom>
-          <a:noFill/>
-        </p:spPr>
-        <p:txBody>
-          <a:bodyPr wrap="none" rtlCol="0">
-            <a:spAutoFit/>
-          </a:bodyPr>
-          <a:lstStyle/>
-          <a:p>
-            <a:r>
-              <a:rPr lang="de-DE" dirty="0"/>
-              <a:t>1</a:t>
-            </a:r>
-          </a:p>
-        </p:txBody>
-      </p:sp>
-      <p:sp>
-        <p:nvSpPr>
-          <p:cNvPr id="27" name="Textfeld 26">
-            <a:extLst>
-              <a:ext uri="{FF2B5EF4-FFF2-40B4-BE49-F238E27FC236}">
-                <a16:creationId xmlns:a16="http://schemas.microsoft.com/office/drawing/2014/main" id="{B6930F49-543E-AC63-750F-2C60E9BA59F1}"/>
-              </a:ext>
-            </a:extLst>
-          </p:cNvPr>
-          <p:cNvSpPr txBox="1"/>
-          <p:nvPr/>
-        </p:nvSpPr>
-        <p:spPr>
-          <a:xfrm>
-            <a:off x="3850296" y="4073035"/>
-            <a:ext cx="301686" cy="369332"/>
-          </a:xfrm>
-          <a:prstGeom prst="rect">
-            <a:avLst/>
-          </a:prstGeom>
-          <a:noFill/>
-        </p:spPr>
-        <p:txBody>
-          <a:bodyPr wrap="none" rtlCol="0">
-            <a:spAutoFit/>
-          </a:bodyPr>
-          <a:lstStyle/>
-          <a:p>
-            <a:r>
-              <a:rPr lang="de-DE" dirty="0"/>
-              <a:t>1</a:t>
-            </a:r>
-          </a:p>
-        </p:txBody>
-      </p:sp>
-      <p:sp>
-        <p:nvSpPr>
-          <p:cNvPr id="28" name="Textfeld 27">
-            <a:extLst>
-              <a:ext uri="{FF2B5EF4-FFF2-40B4-BE49-F238E27FC236}">
-                <a16:creationId xmlns:a16="http://schemas.microsoft.com/office/drawing/2014/main" id="{3801CAF7-8EB7-B288-8888-FA2463B926E5}"/>
-              </a:ext>
-            </a:extLst>
-          </p:cNvPr>
-          <p:cNvSpPr txBox="1"/>
-          <p:nvPr/>
-        </p:nvSpPr>
-        <p:spPr>
-          <a:xfrm>
-            <a:off x="3850296" y="4734618"/>
-            <a:ext cx="301686" cy="369332"/>
-          </a:xfrm>
-          <a:prstGeom prst="rect">
-            <a:avLst/>
-          </a:prstGeom>
-          <a:noFill/>
-        </p:spPr>
-        <p:txBody>
-          <a:bodyPr wrap="none" rtlCol="0">
-            <a:spAutoFit/>
-          </a:bodyPr>
-          <a:lstStyle/>
-          <a:p>
-            <a:r>
-              <a:rPr lang="de-DE" dirty="0"/>
-              <a:t>1</a:t>
-            </a:r>
-          </a:p>
-        </p:txBody>
-      </p:sp>
-      <p:cxnSp>
-        <p:nvCxnSpPr>
-          <p:cNvPr id="30" name="Gerader Verbinder 29">
-            <a:extLst>
-              <a:ext uri="{FF2B5EF4-FFF2-40B4-BE49-F238E27FC236}">
-                <a16:creationId xmlns:a16="http://schemas.microsoft.com/office/drawing/2014/main" id="{2AE8578B-528F-2D4E-53CC-4AF031F4C5CE}"/>
-              </a:ext>
-            </a:extLst>
-          </p:cNvPr>
-          <p:cNvCxnSpPr>
-            <a:cxnSpLocks/>
-          </p:cNvCxnSpPr>
-          <p:nvPr/>
-        </p:nvCxnSpPr>
-        <p:spPr>
-          <a:xfrm>
-            <a:off x="3276600" y="3295134"/>
-            <a:ext cx="1765300" cy="0"/>
-          </a:xfrm>
-          <a:prstGeom prst="line">
-            <a:avLst/>
-          </a:prstGeom>
-          <a:ln w="25400">
-            <a:solidFill>
-              <a:schemeClr val="bg1">
-                <a:lumMod val="50000"/>
-              </a:schemeClr>
-            </a:solidFill>
-          </a:ln>
-        </p:spPr>
-        <p:style>
-          <a:lnRef idx="1">
-            <a:schemeClr val="accent1"/>
-          </a:lnRef>
-          <a:fillRef idx="0">
-            <a:schemeClr val="accent1"/>
-          </a:fillRef>
-          <a:effectRef idx="0">
-            <a:schemeClr val="accent1"/>
-          </a:effectRef>
-          <a:fontRef idx="minor">
-            <a:schemeClr val="tx1"/>
-          </a:fontRef>
-        </p:style>
-      </p:cxnSp>
-      <p:cxnSp>
-        <p:nvCxnSpPr>
-          <p:cNvPr id="34" name="Gerade Verbindung mit Pfeil 33">
-            <a:extLst>
-              <a:ext uri="{FF2B5EF4-FFF2-40B4-BE49-F238E27FC236}">
-                <a16:creationId xmlns:a16="http://schemas.microsoft.com/office/drawing/2014/main" id="{6A3420EB-58DE-23AF-66F6-96A7E6A91AE3}"/>
-              </a:ext>
-            </a:extLst>
-          </p:cNvPr>
-          <p:cNvCxnSpPr>
-            <a:stCxn id="2" idx="6"/>
-          </p:cNvCxnSpPr>
-          <p:nvPr/>
-        </p:nvCxnSpPr>
-        <p:spPr>
-          <a:xfrm flipV="1">
-            <a:off x="4220264" y="1683904"/>
-            <a:ext cx="1668948" cy="1"/>
-          </a:xfrm>
-          <a:prstGeom prst="straightConnector1">
-            <a:avLst/>
-          </a:prstGeom>
-          <a:ln w="19050">
-            <a:tailEnd type="triangle"/>
-          </a:ln>
-        </p:spPr>
-        <p:style>
-          <a:lnRef idx="1">
-            <a:schemeClr val="accent1"/>
-          </a:lnRef>
-          <a:fillRef idx="0">
-            <a:schemeClr val="accent1"/>
-          </a:fillRef>
-          <a:effectRef idx="0">
-            <a:schemeClr val="accent1"/>
-          </a:effectRef>
-          <a:fontRef idx="minor">
-            <a:schemeClr val="tx1"/>
-          </a:fontRef>
-        </p:style>
-      </p:cxnSp>
-      <p:cxnSp>
-        <p:nvCxnSpPr>
-          <p:cNvPr id="35" name="Gerade Verbindung mit Pfeil 34">
-            <a:extLst>
-              <a:ext uri="{FF2B5EF4-FFF2-40B4-BE49-F238E27FC236}">
-                <a16:creationId xmlns:a16="http://schemas.microsoft.com/office/drawing/2014/main" id="{62C7CD1D-39EC-82D4-C108-44152F42BB84}"/>
-              </a:ext>
-            </a:extLst>
-          </p:cNvPr>
-          <p:cNvCxnSpPr>
-            <a:cxnSpLocks/>
-            <a:stCxn id="2" idx="6"/>
-          </p:cNvCxnSpPr>
-          <p:nvPr/>
-        </p:nvCxnSpPr>
-        <p:spPr>
-          <a:xfrm>
-            <a:off x="4220264" y="1683905"/>
-            <a:ext cx="1641888" cy="680206"/>
-          </a:xfrm>
-          <a:prstGeom prst="straightConnector1">
-            <a:avLst/>
-          </a:prstGeom>
-          <a:ln w="19050">
-            <a:tailEnd type="triangle"/>
-          </a:ln>
-        </p:spPr>
-        <p:style>
-          <a:lnRef idx="1">
-            <a:schemeClr val="accent1"/>
-          </a:lnRef>
-          <a:fillRef idx="0">
-            <a:schemeClr val="accent1"/>
-          </a:fillRef>
-          <a:effectRef idx="0">
-            <a:schemeClr val="accent1"/>
-          </a:effectRef>
-          <a:fontRef idx="minor">
-            <a:schemeClr val="tx1"/>
-          </a:fontRef>
-        </p:style>
-      </p:cxnSp>
-      <p:cxnSp>
-        <p:nvCxnSpPr>
-          <p:cNvPr id="38" name="Gerade Verbindung mit Pfeil 37">
-            <a:extLst>
-              <a:ext uri="{FF2B5EF4-FFF2-40B4-BE49-F238E27FC236}">
-                <a16:creationId xmlns:a16="http://schemas.microsoft.com/office/drawing/2014/main" id="{2A6DCED4-D081-BE81-E5B7-A6A6E65728B7}"/>
-              </a:ext>
-            </a:extLst>
-          </p:cNvPr>
-          <p:cNvCxnSpPr>
-            <a:cxnSpLocks/>
-            <a:stCxn id="2" idx="6"/>
-          </p:cNvCxnSpPr>
-          <p:nvPr/>
-        </p:nvCxnSpPr>
-        <p:spPr>
-          <a:xfrm>
-            <a:off x="4220264" y="1683905"/>
-            <a:ext cx="1592748" cy="1280361"/>
-          </a:xfrm>
-          <a:prstGeom prst="straightConnector1">
-            <a:avLst/>
-          </a:prstGeom>
-          <a:ln w="19050">
-            <a:tailEnd type="triangle"/>
-          </a:ln>
-        </p:spPr>
-        <p:style>
-          <a:lnRef idx="1">
-            <a:schemeClr val="accent1"/>
-          </a:lnRef>
-          <a:fillRef idx="0">
-            <a:schemeClr val="accent1"/>
-          </a:fillRef>
-          <a:effectRef idx="0">
-            <a:schemeClr val="accent1"/>
-          </a:effectRef>
-          <a:fontRef idx="minor">
-            <a:schemeClr val="tx1"/>
-          </a:fontRef>
-        </p:style>
-      </p:cxnSp>
-      <p:cxnSp>
-        <p:nvCxnSpPr>
-          <p:cNvPr id="41" name="Gerade Verbindung mit Pfeil 40">
-            <a:extLst>
-              <a:ext uri="{FF2B5EF4-FFF2-40B4-BE49-F238E27FC236}">
-                <a16:creationId xmlns:a16="http://schemas.microsoft.com/office/drawing/2014/main" id="{F98E1A5E-B231-ADBF-705D-BD4EB4C2E1F0}"/>
-              </a:ext>
-            </a:extLst>
-          </p:cNvPr>
-          <p:cNvCxnSpPr>
-            <a:cxnSpLocks/>
-            <a:stCxn id="2" idx="6"/>
-          </p:cNvCxnSpPr>
-          <p:nvPr/>
-        </p:nvCxnSpPr>
-        <p:spPr>
-          <a:xfrm>
-            <a:off x="4220264" y="1683905"/>
-            <a:ext cx="1641886" cy="1941227"/>
-          </a:xfrm>
-          <a:prstGeom prst="straightConnector1">
-            <a:avLst/>
-          </a:prstGeom>
-          <a:ln w="19050">
-            <a:tailEnd type="triangle"/>
-          </a:ln>
-        </p:spPr>
-        <p:style>
-          <a:lnRef idx="1">
-            <a:schemeClr val="accent1"/>
-          </a:lnRef>
-          <a:fillRef idx="0">
-            <a:schemeClr val="accent1"/>
-          </a:fillRef>
-          <a:effectRef idx="0">
-            <a:schemeClr val="accent1"/>
-          </a:effectRef>
-          <a:fontRef idx="minor">
-            <a:schemeClr val="tx1"/>
-          </a:fontRef>
-        </p:style>
-      </p:cxnSp>
-      <p:cxnSp>
-        <p:nvCxnSpPr>
-          <p:cNvPr id="44" name="Gerade Verbindung mit Pfeil 43">
-            <a:extLst>
-              <a:ext uri="{FF2B5EF4-FFF2-40B4-BE49-F238E27FC236}">
-                <a16:creationId xmlns:a16="http://schemas.microsoft.com/office/drawing/2014/main" id="{2D248564-16DC-0A02-F6EA-6FF77B47B8A3}"/>
-              </a:ext>
-            </a:extLst>
-          </p:cNvPr>
-          <p:cNvCxnSpPr>
-            <a:cxnSpLocks/>
-            <a:stCxn id="2" idx="6"/>
-          </p:cNvCxnSpPr>
-          <p:nvPr/>
-        </p:nvCxnSpPr>
-        <p:spPr>
-          <a:xfrm>
-            <a:off x="4220264" y="1683905"/>
-            <a:ext cx="1588789" cy="3335201"/>
-          </a:xfrm>
-          <a:prstGeom prst="straightConnector1">
-            <a:avLst/>
-          </a:prstGeom>
-          <a:ln w="19050">
-            <a:tailEnd type="triangle"/>
-          </a:ln>
-        </p:spPr>
-        <p:style>
-          <a:lnRef idx="1">
-            <a:schemeClr val="accent1"/>
-          </a:lnRef>
-          <a:fillRef idx="0">
-            <a:schemeClr val="accent1"/>
-          </a:fillRef>
-          <a:effectRef idx="0">
-            <a:schemeClr val="accent1"/>
-          </a:effectRef>
-          <a:fontRef idx="minor">
-            <a:schemeClr val="tx1"/>
-          </a:fontRef>
-        </p:style>
-      </p:cxnSp>
-      <p:cxnSp>
-        <p:nvCxnSpPr>
-          <p:cNvPr id="47" name="Gerade Verbindung mit Pfeil 46">
-            <a:extLst>
-              <a:ext uri="{FF2B5EF4-FFF2-40B4-BE49-F238E27FC236}">
-                <a16:creationId xmlns:a16="http://schemas.microsoft.com/office/drawing/2014/main" id="{D8686EF6-5C5D-B4A8-C89A-0C10801E5F87}"/>
-              </a:ext>
-            </a:extLst>
-          </p:cNvPr>
-          <p:cNvCxnSpPr>
-            <a:cxnSpLocks/>
-            <a:stCxn id="3" idx="6"/>
-          </p:cNvCxnSpPr>
-          <p:nvPr/>
-        </p:nvCxnSpPr>
-        <p:spPr>
-          <a:xfrm>
-            <a:off x="4220263" y="2330981"/>
-            <a:ext cx="1600667" cy="33130"/>
-          </a:xfrm>
-          <a:prstGeom prst="straightConnector1">
-            <a:avLst/>
-          </a:prstGeom>
-          <a:ln w="19050">
-            <a:tailEnd type="triangle"/>
-          </a:ln>
-        </p:spPr>
-        <p:style>
-          <a:lnRef idx="1">
-            <a:schemeClr val="accent1"/>
-          </a:lnRef>
-          <a:fillRef idx="0">
-            <a:schemeClr val="accent1"/>
-          </a:fillRef>
-          <a:effectRef idx="0">
-            <a:schemeClr val="accent1"/>
-          </a:effectRef>
-          <a:fontRef idx="minor">
-            <a:schemeClr val="tx1"/>
-          </a:fontRef>
-        </p:style>
-      </p:cxnSp>
-      <p:cxnSp>
-        <p:nvCxnSpPr>
-          <p:cNvPr id="50" name="Gerade Verbindung mit Pfeil 49">
-            <a:extLst>
-              <a:ext uri="{FF2B5EF4-FFF2-40B4-BE49-F238E27FC236}">
-                <a16:creationId xmlns:a16="http://schemas.microsoft.com/office/drawing/2014/main" id="{EBC915B1-13F6-31A6-8A09-306EA059FF34}"/>
-              </a:ext>
-            </a:extLst>
-          </p:cNvPr>
-          <p:cNvCxnSpPr>
-            <a:cxnSpLocks/>
-            <a:stCxn id="3" idx="6"/>
-          </p:cNvCxnSpPr>
-          <p:nvPr/>
-        </p:nvCxnSpPr>
-        <p:spPr>
-          <a:xfrm>
-            <a:off x="4220263" y="2330981"/>
-            <a:ext cx="1592749" cy="1239388"/>
-          </a:xfrm>
-          <a:prstGeom prst="straightConnector1">
-            <a:avLst/>
-          </a:prstGeom>
-          <a:ln w="19050">
-            <a:tailEnd type="triangle"/>
-          </a:ln>
-        </p:spPr>
-        <p:style>
-          <a:lnRef idx="1">
-            <a:schemeClr val="accent1"/>
-          </a:lnRef>
-          <a:fillRef idx="0">
-            <a:schemeClr val="accent1"/>
-          </a:fillRef>
-          <a:effectRef idx="0">
-            <a:schemeClr val="accent1"/>
-          </a:effectRef>
-          <a:fontRef idx="minor">
-            <a:schemeClr val="tx1"/>
-          </a:fontRef>
-        </p:style>
-      </p:cxnSp>
-      <p:cxnSp>
-        <p:nvCxnSpPr>
-          <p:cNvPr id="53" name="Gerade Verbindung mit Pfeil 52">
-            <a:extLst>
-              <a:ext uri="{FF2B5EF4-FFF2-40B4-BE49-F238E27FC236}">
-                <a16:creationId xmlns:a16="http://schemas.microsoft.com/office/drawing/2014/main" id="{D51B27B2-9B27-AF80-C433-7F19DF0BA2CF}"/>
-              </a:ext>
-            </a:extLst>
-          </p:cNvPr>
-          <p:cNvCxnSpPr>
-            <a:cxnSpLocks/>
-            <a:stCxn id="3" idx="6"/>
-          </p:cNvCxnSpPr>
-          <p:nvPr/>
-        </p:nvCxnSpPr>
-        <p:spPr>
-          <a:xfrm>
-            <a:off x="4220263" y="2330981"/>
-            <a:ext cx="1607748" cy="1997801"/>
-          </a:xfrm>
-          <a:prstGeom prst="straightConnector1">
-            <a:avLst/>
-          </a:prstGeom>
-          <a:ln w="19050">
-            <a:tailEnd type="triangle"/>
-          </a:ln>
-        </p:spPr>
-        <p:style>
-          <a:lnRef idx="1">
-            <a:schemeClr val="accent1"/>
-          </a:lnRef>
-          <a:fillRef idx="0">
-            <a:schemeClr val="accent1"/>
-          </a:fillRef>
-          <a:effectRef idx="0">
-            <a:schemeClr val="accent1"/>
-          </a:effectRef>
-          <a:fontRef idx="minor">
-            <a:schemeClr val="tx1"/>
-          </a:fontRef>
-        </p:style>
-      </p:cxnSp>
-      <p:cxnSp>
-        <p:nvCxnSpPr>
-          <p:cNvPr id="56" name="Gerade Verbindung mit Pfeil 55">
-            <a:extLst>
-              <a:ext uri="{FF2B5EF4-FFF2-40B4-BE49-F238E27FC236}">
-                <a16:creationId xmlns:a16="http://schemas.microsoft.com/office/drawing/2014/main" id="{56819A0E-CE73-63B7-BEA4-8DAFFF40F78C}"/>
-              </a:ext>
-            </a:extLst>
-          </p:cNvPr>
-          <p:cNvCxnSpPr>
-            <a:cxnSpLocks/>
-            <a:stCxn id="3" idx="6"/>
-          </p:cNvCxnSpPr>
-          <p:nvPr/>
-        </p:nvCxnSpPr>
-        <p:spPr>
-          <a:xfrm>
-            <a:off x="4220263" y="2330981"/>
-            <a:ext cx="1614563" cy="2688125"/>
-          </a:xfrm>
-          <a:prstGeom prst="straightConnector1">
-            <a:avLst/>
-          </a:prstGeom>
-          <a:ln w="19050">
-            <a:tailEnd type="triangle"/>
-          </a:ln>
-        </p:spPr>
-        <p:style>
-          <a:lnRef idx="1">
-            <a:schemeClr val="accent1"/>
-          </a:lnRef>
-          <a:fillRef idx="0">
-            <a:schemeClr val="accent1"/>
-          </a:fillRef>
-          <a:effectRef idx="0">
-            <a:schemeClr val="accent1"/>
-          </a:effectRef>
-          <a:fontRef idx="minor">
-            <a:schemeClr val="tx1"/>
-          </a:fontRef>
-        </p:style>
-      </p:cxnSp>
-      <p:cxnSp>
-        <p:nvCxnSpPr>
-          <p:cNvPr id="61" name="Gerade Verbindung mit Pfeil 60">
-            <a:extLst>
-              <a:ext uri="{FF2B5EF4-FFF2-40B4-BE49-F238E27FC236}">
-                <a16:creationId xmlns:a16="http://schemas.microsoft.com/office/drawing/2014/main" id="{D0AE8890-4351-3BE3-C824-305052E03C46}"/>
-              </a:ext>
-            </a:extLst>
-          </p:cNvPr>
-          <p:cNvCxnSpPr>
-            <a:cxnSpLocks/>
-            <a:stCxn id="5" idx="6"/>
-          </p:cNvCxnSpPr>
-          <p:nvPr/>
-        </p:nvCxnSpPr>
-        <p:spPr>
-          <a:xfrm flipV="1">
-            <a:off x="4220261" y="2363206"/>
-            <a:ext cx="1582627" cy="1261927"/>
-          </a:xfrm>
-          <a:prstGeom prst="straightConnector1">
-            <a:avLst/>
-          </a:prstGeom>
-          <a:ln w="19050">
-            <a:tailEnd type="triangle"/>
-          </a:ln>
-        </p:spPr>
-        <p:style>
-          <a:lnRef idx="1">
-            <a:schemeClr val="accent1"/>
-          </a:lnRef>
-          <a:fillRef idx="0">
-            <a:schemeClr val="accent1"/>
-          </a:fillRef>
-          <a:effectRef idx="0">
-            <a:schemeClr val="accent1"/>
-          </a:effectRef>
-          <a:fontRef idx="minor">
-            <a:schemeClr val="tx1"/>
-          </a:fontRef>
-        </p:style>
-      </p:cxnSp>
-      <p:cxnSp>
-        <p:nvCxnSpPr>
-          <p:cNvPr id="64" name="Gerade Verbindung mit Pfeil 63">
-            <a:extLst>
-              <a:ext uri="{FF2B5EF4-FFF2-40B4-BE49-F238E27FC236}">
-                <a16:creationId xmlns:a16="http://schemas.microsoft.com/office/drawing/2014/main" id="{EBB06F34-5F36-B1C5-9E4F-91442511F557}"/>
-              </a:ext>
-            </a:extLst>
-          </p:cNvPr>
-          <p:cNvCxnSpPr>
-            <a:cxnSpLocks/>
-            <a:stCxn id="5" idx="6"/>
-          </p:cNvCxnSpPr>
-          <p:nvPr/>
-        </p:nvCxnSpPr>
-        <p:spPr>
-          <a:xfrm flipV="1">
-            <a:off x="4220261" y="3608114"/>
-            <a:ext cx="1573609" cy="17019"/>
-          </a:xfrm>
-          <a:prstGeom prst="straightConnector1">
-            <a:avLst/>
-          </a:prstGeom>
-          <a:ln w="19050">
-            <a:tailEnd type="triangle"/>
-          </a:ln>
-        </p:spPr>
-        <p:style>
-          <a:lnRef idx="1">
-            <a:schemeClr val="accent1"/>
-          </a:lnRef>
-          <a:fillRef idx="0">
-            <a:schemeClr val="accent1"/>
-          </a:fillRef>
-          <a:effectRef idx="0">
-            <a:schemeClr val="accent1"/>
-          </a:effectRef>
-          <a:fontRef idx="minor">
-            <a:schemeClr val="tx1"/>
-          </a:fontRef>
-        </p:style>
-      </p:cxnSp>
-      <p:cxnSp>
-        <p:nvCxnSpPr>
-          <p:cNvPr id="67" name="Gerade Verbindung mit Pfeil 66">
-            <a:extLst>
-              <a:ext uri="{FF2B5EF4-FFF2-40B4-BE49-F238E27FC236}">
-                <a16:creationId xmlns:a16="http://schemas.microsoft.com/office/drawing/2014/main" id="{83BA09DD-3F4B-DA47-79E8-9E7911BB9B20}"/>
-              </a:ext>
-            </a:extLst>
-          </p:cNvPr>
-          <p:cNvCxnSpPr>
-            <a:cxnSpLocks/>
-            <a:stCxn id="5" idx="6"/>
-          </p:cNvCxnSpPr>
-          <p:nvPr/>
-        </p:nvCxnSpPr>
-        <p:spPr>
-          <a:xfrm>
-            <a:off x="4220261" y="3625133"/>
-            <a:ext cx="1582627" cy="690729"/>
-          </a:xfrm>
-          <a:prstGeom prst="straightConnector1">
-            <a:avLst/>
-          </a:prstGeom>
-          <a:ln w="19050">
-            <a:tailEnd type="triangle"/>
-          </a:ln>
-        </p:spPr>
-        <p:style>
-          <a:lnRef idx="1">
-            <a:schemeClr val="accent1"/>
-          </a:lnRef>
-          <a:fillRef idx="0">
-            <a:schemeClr val="accent1"/>
-          </a:fillRef>
-          <a:effectRef idx="0">
-            <a:schemeClr val="accent1"/>
-          </a:effectRef>
-          <a:fontRef idx="minor">
-            <a:schemeClr val="tx1"/>
-          </a:fontRef>
-        </p:style>
-      </p:cxnSp>
-      <p:cxnSp>
-        <p:nvCxnSpPr>
-          <p:cNvPr id="70" name="Gerade Verbindung mit Pfeil 69">
-            <a:extLst>
-              <a:ext uri="{FF2B5EF4-FFF2-40B4-BE49-F238E27FC236}">
-                <a16:creationId xmlns:a16="http://schemas.microsoft.com/office/drawing/2014/main" id="{3E1FB29B-011A-CDF9-24C1-78BBE621185F}"/>
-              </a:ext>
-            </a:extLst>
-          </p:cNvPr>
-          <p:cNvCxnSpPr>
-            <a:cxnSpLocks/>
-            <a:stCxn id="6" idx="6"/>
-          </p:cNvCxnSpPr>
-          <p:nvPr/>
-        </p:nvCxnSpPr>
-        <p:spPr>
-          <a:xfrm flipV="1">
-            <a:off x="4220260" y="3568984"/>
-            <a:ext cx="1649810" cy="703225"/>
-          </a:xfrm>
-          <a:prstGeom prst="straightConnector1">
-            <a:avLst/>
-          </a:prstGeom>
-          <a:ln w="19050">
-            <a:tailEnd type="triangle"/>
-          </a:ln>
-        </p:spPr>
-        <p:style>
-          <a:lnRef idx="1">
-            <a:schemeClr val="accent1"/>
-          </a:lnRef>
-          <a:fillRef idx="0">
-            <a:schemeClr val="accent1"/>
-          </a:fillRef>
-          <a:effectRef idx="0">
-            <a:schemeClr val="accent1"/>
-          </a:effectRef>
-          <a:fontRef idx="minor">
-            <a:schemeClr val="tx1"/>
-          </a:fontRef>
-        </p:style>
-      </p:cxnSp>
-      <p:cxnSp>
-        <p:nvCxnSpPr>
-          <p:cNvPr id="73" name="Gerade Verbindung mit Pfeil 72">
-            <a:extLst>
-              <a:ext uri="{FF2B5EF4-FFF2-40B4-BE49-F238E27FC236}">
-                <a16:creationId xmlns:a16="http://schemas.microsoft.com/office/drawing/2014/main" id="{5CC75851-697E-CFF1-1BB1-3FF899B78ACB}"/>
-              </a:ext>
-            </a:extLst>
-          </p:cNvPr>
-          <p:cNvCxnSpPr>
-            <a:cxnSpLocks/>
-            <a:stCxn id="7" idx="6"/>
-          </p:cNvCxnSpPr>
-          <p:nvPr/>
-        </p:nvCxnSpPr>
-        <p:spPr>
-          <a:xfrm flipV="1">
-            <a:off x="4220259" y="3609499"/>
-            <a:ext cx="1582629" cy="1309786"/>
-          </a:xfrm>
-          <a:prstGeom prst="straightConnector1">
-            <a:avLst/>
-          </a:prstGeom>
-          <a:ln w="19050">
-            <a:tailEnd type="triangle"/>
-          </a:ln>
-        </p:spPr>
-        <p:style>
-          <a:lnRef idx="1">
-            <a:schemeClr val="accent1"/>
-          </a:lnRef>
-          <a:fillRef idx="0">
-            <a:schemeClr val="accent1"/>
-          </a:fillRef>
-          <a:effectRef idx="0">
-            <a:schemeClr val="accent1"/>
-          </a:effectRef>
-          <a:fontRef idx="minor">
-            <a:schemeClr val="tx1"/>
-          </a:fontRef>
-        </p:style>
-      </p:cxnSp>
-      <p:cxnSp>
-        <p:nvCxnSpPr>
-          <p:cNvPr id="76" name="Gerade Verbindung mit Pfeil 75">
-            <a:extLst>
-              <a:ext uri="{FF2B5EF4-FFF2-40B4-BE49-F238E27FC236}">
-                <a16:creationId xmlns:a16="http://schemas.microsoft.com/office/drawing/2014/main" id="{CB04DF07-67C0-8B96-8565-052BBC408BAE}"/>
-              </a:ext>
-            </a:extLst>
-          </p:cNvPr>
-          <p:cNvCxnSpPr>
-            <a:cxnSpLocks/>
-            <a:stCxn id="7" idx="6"/>
-          </p:cNvCxnSpPr>
-          <p:nvPr/>
-        </p:nvCxnSpPr>
-        <p:spPr>
-          <a:xfrm flipV="1">
-            <a:off x="4220259" y="4919284"/>
-            <a:ext cx="1622383" cy="1"/>
-          </a:xfrm>
-          <a:prstGeom prst="straightConnector1">
-            <a:avLst/>
-          </a:prstGeom>
-          <a:ln w="19050">
-            <a:tailEnd type="triangle"/>
-          </a:ln>
-        </p:spPr>
-        <p:style>
-          <a:lnRef idx="1">
-            <a:schemeClr val="accent1"/>
-          </a:lnRef>
-          <a:fillRef idx="0">
-            <a:schemeClr val="accent1"/>
-          </a:fillRef>
-          <a:effectRef idx="0">
-            <a:schemeClr val="accent1"/>
-          </a:effectRef>
-          <a:fontRef idx="minor">
-            <a:schemeClr val="tx1"/>
-          </a:fontRef>
-        </p:style>
-      </p:cxnSp>
-      <p:cxnSp>
-        <p:nvCxnSpPr>
-          <p:cNvPr id="79" name="Gerade Verbindung mit Pfeil 78">
-            <a:extLst>
-              <a:ext uri="{FF2B5EF4-FFF2-40B4-BE49-F238E27FC236}">
-                <a16:creationId xmlns:a16="http://schemas.microsoft.com/office/drawing/2014/main" id="{16600655-CB0E-47D6-4D35-1970EECDB32A}"/>
-              </a:ext>
-            </a:extLst>
-          </p:cNvPr>
-          <p:cNvCxnSpPr>
-            <a:cxnSpLocks/>
-            <a:stCxn id="7" idx="6"/>
-          </p:cNvCxnSpPr>
-          <p:nvPr/>
-        </p:nvCxnSpPr>
-        <p:spPr>
-          <a:xfrm flipV="1">
-            <a:off x="4220259" y="4315862"/>
-            <a:ext cx="1562426" cy="603423"/>
-          </a:xfrm>
-          <a:prstGeom prst="straightConnector1">
-            <a:avLst/>
-          </a:prstGeom>
-          <a:ln w="19050">
-            <a:tailEnd type="triangle"/>
-          </a:ln>
-        </p:spPr>
-        <p:style>
-          <a:lnRef idx="1">
-            <a:schemeClr val="accent1"/>
-          </a:lnRef>
-          <a:fillRef idx="0">
-            <a:schemeClr val="accent1"/>
-          </a:fillRef>
-          <a:effectRef idx="0">
-            <a:schemeClr val="accent1"/>
-          </a:effectRef>
-          <a:fontRef idx="minor">
-            <a:schemeClr val="tx1"/>
-          </a:fontRef>
-        </p:style>
-      </p:cxnSp>
-      <p:cxnSp>
-        <p:nvCxnSpPr>
-          <p:cNvPr id="82" name="Gerade Verbindung mit Pfeil 81">
-            <a:extLst>
-              <a:ext uri="{FF2B5EF4-FFF2-40B4-BE49-F238E27FC236}">
-                <a16:creationId xmlns:a16="http://schemas.microsoft.com/office/drawing/2014/main" id="{AFE97967-6ED6-3515-A314-483D2958CBF1}"/>
-              </a:ext>
-            </a:extLst>
-          </p:cNvPr>
-          <p:cNvCxnSpPr>
-            <a:cxnSpLocks/>
-            <a:stCxn id="6" idx="6"/>
-          </p:cNvCxnSpPr>
-          <p:nvPr/>
-        </p:nvCxnSpPr>
-        <p:spPr>
-          <a:xfrm>
-            <a:off x="4220260" y="4272209"/>
-            <a:ext cx="1546283" cy="667743"/>
-          </a:xfrm>
-          <a:prstGeom prst="straightConnector1">
-            <a:avLst/>
-          </a:prstGeom>
-          <a:ln w="19050">
-            <a:tailEnd type="triangle"/>
-          </a:ln>
-        </p:spPr>
-        <p:style>
-          <a:lnRef idx="1">
-            <a:schemeClr val="accent1"/>
-          </a:lnRef>
-          <a:fillRef idx="0">
-            <a:schemeClr val="accent1"/>
-          </a:fillRef>
-          <a:effectRef idx="0">
-            <a:schemeClr val="accent1"/>
-          </a:effectRef>
-          <a:fontRef idx="minor">
-            <a:schemeClr val="tx1"/>
-          </a:fontRef>
-        </p:style>
-      </p:cxnSp>
-      <p:cxnSp>
-        <p:nvCxnSpPr>
-          <p:cNvPr id="85" name="Gerade Verbindung mit Pfeil 84">
-            <a:extLst>
-              <a:ext uri="{FF2B5EF4-FFF2-40B4-BE49-F238E27FC236}">
-                <a16:creationId xmlns:a16="http://schemas.microsoft.com/office/drawing/2014/main" id="{9ECC7627-0C0E-E647-5419-066E536AA891}"/>
-              </a:ext>
-            </a:extLst>
-          </p:cNvPr>
-          <p:cNvCxnSpPr>
-            <a:cxnSpLocks/>
-            <a:stCxn id="6" idx="6"/>
-          </p:cNvCxnSpPr>
-          <p:nvPr/>
-        </p:nvCxnSpPr>
-        <p:spPr>
-          <a:xfrm>
-            <a:off x="4220260" y="4272209"/>
-            <a:ext cx="1546283" cy="11298"/>
-          </a:xfrm>
-          <a:prstGeom prst="straightConnector1">
-            <a:avLst/>
-          </a:prstGeom>
-          <a:ln w="19050">
-            <a:tailEnd type="triangle"/>
-          </a:ln>
-        </p:spPr>
-        <p:style>
-          <a:lnRef idx="1">
-            <a:schemeClr val="accent1"/>
-          </a:lnRef>
-          <a:fillRef idx="0">
-            <a:schemeClr val="accent1"/>
-          </a:fillRef>
-          <a:effectRef idx="0">
-            <a:schemeClr val="accent1"/>
-          </a:effectRef>
-          <a:fontRef idx="minor">
-            <a:schemeClr val="tx1"/>
-          </a:fontRef>
-        </p:style>
-      </p:cxnSp>
-      <p:cxnSp>
-        <p:nvCxnSpPr>
-          <p:cNvPr id="88" name="Gerade Verbindung mit Pfeil 87">
-            <a:extLst>
-              <a:ext uri="{FF2B5EF4-FFF2-40B4-BE49-F238E27FC236}">
-                <a16:creationId xmlns:a16="http://schemas.microsoft.com/office/drawing/2014/main" id="{3365AA09-C881-5503-E296-1DEC2FC22E67}"/>
-              </a:ext>
-            </a:extLst>
-          </p:cNvPr>
-          <p:cNvCxnSpPr>
-            <a:cxnSpLocks/>
-            <a:endCxn id="12" idx="2"/>
-          </p:cNvCxnSpPr>
-          <p:nvPr/>
-        </p:nvCxnSpPr>
-        <p:spPr>
-          <a:xfrm>
-            <a:off x="6338909" y="1686156"/>
-            <a:ext cx="1986771" cy="962949"/>
-          </a:xfrm>
-          <a:prstGeom prst="straightConnector1">
-            <a:avLst/>
-          </a:prstGeom>
-          <a:ln w="19050">
-            <a:solidFill>
-              <a:srgbClr val="FF0000"/>
-            </a:solidFill>
-            <a:tailEnd type="triangle"/>
-          </a:ln>
-        </p:spPr>
-        <p:style>
-          <a:lnRef idx="1">
-            <a:schemeClr val="accent1"/>
-          </a:lnRef>
-          <a:fillRef idx="0">
-            <a:schemeClr val="accent1"/>
-          </a:fillRef>
-          <a:effectRef idx="0">
-            <a:schemeClr val="accent1"/>
-          </a:effectRef>
-          <a:fontRef idx="minor">
-            <a:schemeClr val="tx1"/>
-          </a:fontRef>
-        </p:style>
-      </p:cxnSp>
-      <p:cxnSp>
-        <p:nvCxnSpPr>
-          <p:cNvPr id="90" name="Gerade Verbindung mit Pfeil 89">
-            <a:extLst>
-              <a:ext uri="{FF2B5EF4-FFF2-40B4-BE49-F238E27FC236}">
-                <a16:creationId xmlns:a16="http://schemas.microsoft.com/office/drawing/2014/main" id="{E3857795-2C95-09B3-DF56-2E598B7E5D06}"/>
-              </a:ext>
-            </a:extLst>
-          </p:cNvPr>
-          <p:cNvCxnSpPr>
-            <a:cxnSpLocks/>
-            <a:endCxn id="12" idx="2"/>
-          </p:cNvCxnSpPr>
-          <p:nvPr/>
-        </p:nvCxnSpPr>
-        <p:spPr>
-          <a:xfrm>
-            <a:off x="6338907" y="2323228"/>
-            <a:ext cx="1986773" cy="325877"/>
-          </a:xfrm>
-          <a:prstGeom prst="straightConnector1">
-            <a:avLst/>
-          </a:prstGeom>
-          <a:ln w="19050">
-            <a:solidFill>
-              <a:srgbClr val="FF0000"/>
-            </a:solidFill>
-            <a:tailEnd type="triangle"/>
-          </a:ln>
-        </p:spPr>
-        <p:style>
-          <a:lnRef idx="1">
-            <a:schemeClr val="accent1"/>
-          </a:lnRef>
-          <a:fillRef idx="0">
-            <a:schemeClr val="accent1"/>
-          </a:fillRef>
-          <a:effectRef idx="0">
-            <a:schemeClr val="accent1"/>
-          </a:effectRef>
-          <a:fontRef idx="minor">
-            <a:schemeClr val="tx1"/>
-          </a:fontRef>
-        </p:style>
-      </p:cxnSp>
-      <p:cxnSp>
-        <p:nvCxnSpPr>
-          <p:cNvPr id="93" name="Gerade Verbindung mit Pfeil 92">
-            <a:extLst>
-              <a:ext uri="{FF2B5EF4-FFF2-40B4-BE49-F238E27FC236}">
-                <a16:creationId xmlns:a16="http://schemas.microsoft.com/office/drawing/2014/main" id="{B2F1229A-E12D-F62A-10B6-C11B3B6A70CF}"/>
-              </a:ext>
-            </a:extLst>
-          </p:cNvPr>
-          <p:cNvCxnSpPr>
-            <a:cxnSpLocks/>
-            <a:endCxn id="12" idx="2"/>
-          </p:cNvCxnSpPr>
-          <p:nvPr/>
-        </p:nvCxnSpPr>
-        <p:spPr>
-          <a:xfrm flipV="1">
-            <a:off x="6240207" y="2649105"/>
-            <a:ext cx="2085473" cy="1634402"/>
-          </a:xfrm>
-          <a:prstGeom prst="straightConnector1">
-            <a:avLst/>
-          </a:prstGeom>
-          <a:ln w="19050">
-            <a:solidFill>
-              <a:srgbClr val="FF0000"/>
-            </a:solidFill>
-            <a:tailEnd type="triangle"/>
-          </a:ln>
-        </p:spPr>
-        <p:style>
-          <a:lnRef idx="1">
-            <a:schemeClr val="accent1"/>
-          </a:lnRef>
-          <a:fillRef idx="0">
-            <a:schemeClr val="accent1"/>
-          </a:fillRef>
-          <a:effectRef idx="0">
-            <a:schemeClr val="accent1"/>
-          </a:effectRef>
-          <a:fontRef idx="minor">
-            <a:schemeClr val="tx1"/>
-          </a:fontRef>
-        </p:style>
-      </p:cxnSp>
-      <p:cxnSp>
-        <p:nvCxnSpPr>
-          <p:cNvPr id="96" name="Gerade Verbindung mit Pfeil 95">
-            <a:extLst>
-              <a:ext uri="{FF2B5EF4-FFF2-40B4-BE49-F238E27FC236}">
-                <a16:creationId xmlns:a16="http://schemas.microsoft.com/office/drawing/2014/main" id="{7F9C1F3E-5968-E617-4E3E-B395D23F8BAD}"/>
-              </a:ext>
-            </a:extLst>
-          </p:cNvPr>
-          <p:cNvCxnSpPr>
-            <a:cxnSpLocks/>
-            <a:endCxn id="13" idx="2"/>
-          </p:cNvCxnSpPr>
-          <p:nvPr/>
-        </p:nvCxnSpPr>
-        <p:spPr>
-          <a:xfrm flipV="1">
-            <a:off x="6272147" y="3296181"/>
-            <a:ext cx="2053532" cy="968211"/>
-          </a:xfrm>
-          <a:prstGeom prst="straightConnector1">
-            <a:avLst/>
-          </a:prstGeom>
-          <a:ln w="19050">
-            <a:solidFill>
-              <a:srgbClr val="FF0000"/>
-            </a:solidFill>
-            <a:tailEnd type="triangle"/>
-          </a:ln>
-        </p:spPr>
-        <p:style>
-          <a:lnRef idx="1">
-            <a:schemeClr val="accent1"/>
-          </a:lnRef>
-          <a:fillRef idx="0">
-            <a:schemeClr val="accent1"/>
-          </a:fillRef>
-          <a:effectRef idx="0">
-            <a:schemeClr val="accent1"/>
-          </a:effectRef>
-          <a:fontRef idx="minor">
-            <a:schemeClr val="tx1"/>
-          </a:fontRef>
-        </p:style>
-      </p:cxnSp>
-      <p:cxnSp>
-        <p:nvCxnSpPr>
-          <p:cNvPr id="99" name="Gerade Verbindung mit Pfeil 98">
-            <a:extLst>
-              <a:ext uri="{FF2B5EF4-FFF2-40B4-BE49-F238E27FC236}">
-                <a16:creationId xmlns:a16="http://schemas.microsoft.com/office/drawing/2014/main" id="{677E6A2D-2D91-E24A-EDCF-57955744EBF8}"/>
-              </a:ext>
-            </a:extLst>
-          </p:cNvPr>
-          <p:cNvCxnSpPr>
-            <a:cxnSpLocks/>
-            <a:endCxn id="13" idx="2"/>
-          </p:cNvCxnSpPr>
-          <p:nvPr/>
-        </p:nvCxnSpPr>
-        <p:spPr>
-          <a:xfrm flipV="1">
-            <a:off x="6220004" y="3296181"/>
-            <a:ext cx="2105675" cy="1571210"/>
-          </a:xfrm>
-          <a:prstGeom prst="straightConnector1">
-            <a:avLst/>
-          </a:prstGeom>
-          <a:ln w="19050">
-            <a:solidFill>
-              <a:srgbClr val="FF0000"/>
-            </a:solidFill>
-            <a:tailEnd type="triangle"/>
-          </a:ln>
-        </p:spPr>
-        <p:style>
-          <a:lnRef idx="1">
-            <a:schemeClr val="accent1"/>
-          </a:lnRef>
-          <a:fillRef idx="0">
-            <a:schemeClr val="accent1"/>
-          </a:fillRef>
-          <a:effectRef idx="0">
-            <a:schemeClr val="accent1"/>
-          </a:effectRef>
-          <a:fontRef idx="minor">
-            <a:schemeClr val="tx1"/>
-          </a:fontRef>
-        </p:style>
-      </p:cxnSp>
-      <p:cxnSp>
-        <p:nvCxnSpPr>
-          <p:cNvPr id="102" name="Gerade Verbindung mit Pfeil 101">
-            <a:extLst>
-              <a:ext uri="{FF2B5EF4-FFF2-40B4-BE49-F238E27FC236}">
-                <a16:creationId xmlns:a16="http://schemas.microsoft.com/office/drawing/2014/main" id="{E38625B6-B4C3-7A94-45E0-CEB7B9EBEA7B}"/>
-              </a:ext>
-            </a:extLst>
-          </p:cNvPr>
-          <p:cNvCxnSpPr>
-            <a:cxnSpLocks/>
-            <a:endCxn id="13" idx="2"/>
-          </p:cNvCxnSpPr>
-          <p:nvPr/>
-        </p:nvCxnSpPr>
-        <p:spPr>
-          <a:xfrm>
-            <a:off x="6382949" y="3295134"/>
-            <a:ext cx="1942730" cy="1047"/>
-          </a:xfrm>
-          <a:prstGeom prst="straightConnector1">
-            <a:avLst/>
-          </a:prstGeom>
-          <a:ln w="19050">
-            <a:solidFill>
-              <a:srgbClr val="FF0000"/>
-            </a:solidFill>
-            <a:tailEnd type="triangle"/>
-          </a:ln>
-        </p:spPr>
-        <p:style>
-          <a:lnRef idx="1">
-            <a:schemeClr val="accent1"/>
-          </a:lnRef>
-          <a:fillRef idx="0">
-            <a:schemeClr val="accent1"/>
-          </a:fillRef>
-          <a:effectRef idx="0">
-            <a:schemeClr val="accent1"/>
-          </a:effectRef>
-          <a:fontRef idx="minor">
-            <a:schemeClr val="tx1"/>
-          </a:fontRef>
-        </p:style>
-      </p:cxnSp>
-      <p:cxnSp>
-        <p:nvCxnSpPr>
-          <p:cNvPr id="105" name="Gerade Verbindung mit Pfeil 104">
-            <a:extLst>
-              <a:ext uri="{FF2B5EF4-FFF2-40B4-BE49-F238E27FC236}">
-                <a16:creationId xmlns:a16="http://schemas.microsoft.com/office/drawing/2014/main" id="{A12B38DE-CCC3-7A22-B75C-2F885DEB461B}"/>
-              </a:ext>
-            </a:extLst>
-          </p:cNvPr>
-          <p:cNvCxnSpPr>
-            <a:cxnSpLocks/>
-            <a:endCxn id="14" idx="2"/>
-          </p:cNvCxnSpPr>
-          <p:nvPr/>
-        </p:nvCxnSpPr>
-        <p:spPr>
-          <a:xfrm>
-            <a:off x="6382949" y="2779600"/>
-            <a:ext cx="1942729" cy="1163657"/>
-          </a:xfrm>
-          <a:prstGeom prst="straightConnector1">
-            <a:avLst/>
-          </a:prstGeom>
-          <a:ln w="19050">
-            <a:solidFill>
-              <a:srgbClr val="FF0000"/>
-            </a:solidFill>
-            <a:tailEnd type="triangle"/>
-          </a:ln>
-        </p:spPr>
-        <p:style>
-          <a:lnRef idx="1">
-            <a:schemeClr val="accent1"/>
-          </a:lnRef>
-          <a:fillRef idx="0">
-            <a:schemeClr val="accent1"/>
-          </a:fillRef>
-          <a:effectRef idx="0">
-            <a:schemeClr val="accent1"/>
-          </a:effectRef>
-          <a:fontRef idx="minor">
-            <a:schemeClr val="tx1"/>
-          </a:fontRef>
-        </p:style>
-      </p:cxnSp>
-      <p:cxnSp>
-        <p:nvCxnSpPr>
-          <p:cNvPr id="108" name="Gerade Verbindung mit Pfeil 107">
-            <a:extLst>
-              <a:ext uri="{FF2B5EF4-FFF2-40B4-BE49-F238E27FC236}">
-                <a16:creationId xmlns:a16="http://schemas.microsoft.com/office/drawing/2014/main" id="{9FAFA2EB-3AAD-5C27-DF4E-AFED3FA54309}"/>
-              </a:ext>
-            </a:extLst>
-          </p:cNvPr>
-          <p:cNvCxnSpPr>
-            <a:cxnSpLocks/>
-            <a:endCxn id="14" idx="2"/>
-          </p:cNvCxnSpPr>
-          <p:nvPr/>
-        </p:nvCxnSpPr>
-        <p:spPr>
-          <a:xfrm flipV="1">
-            <a:off x="6272145" y="3943257"/>
-            <a:ext cx="2053533" cy="924134"/>
-          </a:xfrm>
-          <a:prstGeom prst="straightConnector1">
-            <a:avLst/>
-          </a:prstGeom>
-          <a:ln w="19050">
-            <a:solidFill>
-              <a:srgbClr val="FF0000"/>
-            </a:solidFill>
-            <a:tailEnd type="triangle"/>
-          </a:ln>
-        </p:spPr>
-        <p:style>
-          <a:lnRef idx="1">
-            <a:schemeClr val="accent1"/>
-          </a:lnRef>
-          <a:fillRef idx="0">
-            <a:schemeClr val="accent1"/>
-          </a:fillRef>
-          <a:effectRef idx="0">
-            <a:schemeClr val="accent1"/>
-          </a:effectRef>
-          <a:fontRef idx="minor">
-            <a:schemeClr val="tx1"/>
-          </a:fontRef>
-        </p:style>
-      </p:cxnSp>
-      <p:cxnSp>
-        <p:nvCxnSpPr>
-          <p:cNvPr id="111" name="Gerade Verbindung mit Pfeil 110">
-            <a:extLst>
-              <a:ext uri="{FF2B5EF4-FFF2-40B4-BE49-F238E27FC236}">
-                <a16:creationId xmlns:a16="http://schemas.microsoft.com/office/drawing/2014/main" id="{904F4AB9-3A26-F133-C0C8-ED020BE8B991}"/>
-              </a:ext>
-            </a:extLst>
-          </p:cNvPr>
-          <p:cNvCxnSpPr>
-            <a:cxnSpLocks/>
-            <a:endCxn id="12" idx="2"/>
-          </p:cNvCxnSpPr>
-          <p:nvPr/>
-        </p:nvCxnSpPr>
-        <p:spPr>
-          <a:xfrm flipV="1">
-            <a:off x="6382947" y="2649105"/>
-            <a:ext cx="1942733" cy="107216"/>
-          </a:xfrm>
-          <a:prstGeom prst="straightConnector1">
-            <a:avLst/>
-          </a:prstGeom>
-          <a:ln w="19050">
-            <a:solidFill>
-              <a:srgbClr val="FF0000"/>
-            </a:solidFill>
-            <a:tailEnd type="triangle"/>
-          </a:ln>
-        </p:spPr>
-        <p:style>
-          <a:lnRef idx="1">
-            <a:schemeClr val="accent1"/>
-          </a:lnRef>
-          <a:fillRef idx="0">
-            <a:schemeClr val="accent1"/>
-          </a:fillRef>
-          <a:effectRef idx="0">
-            <a:schemeClr val="accent1"/>
-          </a:effectRef>
-          <a:fontRef idx="minor">
-            <a:schemeClr val="tx1"/>
-          </a:fontRef>
-        </p:style>
-      </p:cxnSp>
-      <p:sp>
-        <p:nvSpPr>
-          <p:cNvPr id="32" name="Rechteck 31">
-            <a:extLst>
-              <a:ext uri="{FF2B5EF4-FFF2-40B4-BE49-F238E27FC236}">
-                <a16:creationId xmlns:a16="http://schemas.microsoft.com/office/drawing/2014/main" id="{EB14592F-20DB-663B-731B-3A47257D37CD}"/>
-              </a:ext>
-            </a:extLst>
-          </p:cNvPr>
-          <p:cNvSpPr/>
-          <p:nvPr/>
-        </p:nvSpPr>
-        <p:spPr>
-          <a:xfrm>
-            <a:off x="5056902" y="1003300"/>
-            <a:ext cx="2474198" cy="4635500"/>
-          </a:xfrm>
-          <a:prstGeom prst="rect">
-            <a:avLst/>
-          </a:prstGeom>
-          <a:solidFill>
-            <a:schemeClr val="bg1">
-              <a:lumMod val="85000"/>
-            </a:schemeClr>
-          </a:solidFill>
-          <a:ln>
-            <a:noFill/>
-          </a:ln>
-        </p:spPr>
-        <p:style>
-          <a:lnRef idx="2">
-            <a:schemeClr val="accent1">
-              <a:shade val="50000"/>
-            </a:schemeClr>
-          </a:lnRef>
-          <a:fillRef idx="1">
-            <a:schemeClr val="accent1"/>
-          </a:fillRef>
-          <a:effectRef idx="0">
-            <a:schemeClr val="accent1"/>
-          </a:effectRef>
-          <a:fontRef idx="minor">
-            <a:schemeClr val="lt1"/>
-          </a:fontRef>
-        </p:style>
-        <p:txBody>
-          <a:bodyPr rtlCol="0" anchor="ctr"/>
-          <a:lstStyle/>
-          <a:p>
-            <a:pPr algn="ctr"/>
-            <a:endParaRPr lang="de-DE"/>
-          </a:p>
-        </p:txBody>
-      </p:sp>
-      <p:sp>
-        <p:nvSpPr>
-          <p:cNvPr id="114" name="Textfeld 113">
-            <a:extLst>
-              <a:ext uri="{FF2B5EF4-FFF2-40B4-BE49-F238E27FC236}">
-                <a16:creationId xmlns:a16="http://schemas.microsoft.com/office/drawing/2014/main" id="{C704A501-4D16-E82E-336F-22FC24C75D16}"/>
-              </a:ext>
-            </a:extLst>
-          </p:cNvPr>
-          <p:cNvSpPr txBox="1"/>
-          <p:nvPr/>
-        </p:nvSpPr>
-        <p:spPr>
-          <a:xfrm>
-            <a:off x="8955158" y="3110468"/>
-            <a:ext cx="2017475" cy="369332"/>
-          </a:xfrm>
-          <a:prstGeom prst="rect">
-            <a:avLst/>
-          </a:prstGeom>
-          <a:noFill/>
-        </p:spPr>
-        <p:txBody>
-          <a:bodyPr wrap="none" rtlCol="0">
-            <a:spAutoFit/>
-          </a:bodyPr>
-          <a:lstStyle/>
-          <a:p>
-            <a:r>
-              <a:rPr lang="de-DE" dirty="0"/>
-              <a:t>State-Action-Values</a:t>
-            </a:r>
-          </a:p>
-        </p:txBody>
-      </p:sp>
-      <p:sp>
-        <p:nvSpPr>
-          <p:cNvPr id="115" name="Textfeld 114">
-            <a:extLst>
-              <a:ext uri="{FF2B5EF4-FFF2-40B4-BE49-F238E27FC236}">
-                <a16:creationId xmlns:a16="http://schemas.microsoft.com/office/drawing/2014/main" id="{5C516108-937D-B1BC-5E8E-279FBD6B5BCE}"/>
-              </a:ext>
-            </a:extLst>
-          </p:cNvPr>
-          <p:cNvSpPr txBox="1"/>
-          <p:nvPr/>
-        </p:nvSpPr>
-        <p:spPr>
-          <a:xfrm rot="16200000">
-            <a:off x="2477581" y="2117511"/>
-            <a:ext cx="1789080" cy="369332"/>
-          </a:xfrm>
-          <a:prstGeom prst="rect">
-            <a:avLst/>
-          </a:prstGeom>
-          <a:noFill/>
-        </p:spPr>
-        <p:txBody>
-          <a:bodyPr wrap="none" rtlCol="0">
-            <a:spAutoFit/>
-          </a:bodyPr>
-          <a:lstStyle/>
-          <a:p>
-            <a:r>
-              <a:rPr lang="de-DE" dirty="0">
-                <a:solidFill>
-                  <a:schemeClr val="bg1">
-                    <a:lumMod val="65000"/>
-                  </a:schemeClr>
-                </a:solidFill>
-              </a:rPr>
-              <a:t>Fahrzeugposition</a:t>
-            </a:r>
-          </a:p>
-        </p:txBody>
-      </p:sp>
-      <p:sp>
-        <p:nvSpPr>
-          <p:cNvPr id="116" name="Textfeld 115">
-            <a:extLst>
-              <a:ext uri="{FF2B5EF4-FFF2-40B4-BE49-F238E27FC236}">
-                <a16:creationId xmlns:a16="http://schemas.microsoft.com/office/drawing/2014/main" id="{E2FE1B9C-E9C7-A0C1-FC05-C6040F8E8466}"/>
-              </a:ext>
-            </a:extLst>
-          </p:cNvPr>
-          <p:cNvSpPr txBox="1"/>
-          <p:nvPr/>
-        </p:nvSpPr>
-        <p:spPr>
-          <a:xfrm rot="16200000">
-            <a:off x="2652844" y="4096299"/>
-            <a:ext cx="1456296" cy="369332"/>
-          </a:xfrm>
-          <a:prstGeom prst="rect">
-            <a:avLst/>
-          </a:prstGeom>
-          <a:noFill/>
-        </p:spPr>
-        <p:txBody>
-          <a:bodyPr wrap="none" rtlCol="0">
-            <a:spAutoFit/>
-          </a:bodyPr>
-          <a:lstStyle/>
-          <a:p>
-            <a:r>
-              <a:rPr lang="de-DE" dirty="0">
-                <a:solidFill>
-                  <a:schemeClr val="bg1">
-                    <a:lumMod val="65000"/>
-                  </a:schemeClr>
-                </a:solidFill>
-              </a:rPr>
-              <a:t>Befahrbarkeit</a:t>
-            </a:r>
-          </a:p>
-        </p:txBody>
-      </p:sp>
-    </p:spTree>
-    <p:extLst>
-      <p:ext uri="{BB962C8B-B14F-4D97-AF65-F5344CB8AC3E}">
-        <p14:creationId xmlns:p14="http://schemas.microsoft.com/office/powerpoint/2010/main" val="3750693694"/>
-      </p:ext>
-    </p:extLst>
-  </p:cSld>
-  <p:clrMapOvr>
-    <a:masterClrMapping/>
-  </p:clrMapOvr>
-</p:sld>
-</file>
-
 <file path=ppt/theme/theme1.xml><?xml version="1.0" encoding="utf-8"?>
 <a:theme xmlns:a="http://schemas.openxmlformats.org/drawingml/2006/main" name="Office Theme">
   <a:themeElements>
